--- a/presentation/sicherheits.pptx
+++ b/presentation/sicherheits.pptx
@@ -5,19 +5,20 @@
     <p:sldMasterId id="2147483678" r:id="rId2"/>
   </p:sldMasterIdLst>
   <p:notesMasterIdLst>
-    <p:notesMasterId r:id="rId10"/>
+    <p:notesMasterId r:id="rId11"/>
   </p:notesMasterIdLst>
   <p:handoutMasterIdLst>
-    <p:handoutMasterId r:id="rId11"/>
+    <p:handoutMasterId r:id="rId12"/>
   </p:handoutMasterIdLst>
   <p:sldIdLst>
     <p:sldId id="256" r:id="rId3"/>
     <p:sldId id="257" r:id="rId4"/>
     <p:sldId id="258" r:id="rId5"/>
     <p:sldId id="259" r:id="rId6"/>
-    <p:sldId id="260" r:id="rId7"/>
-    <p:sldId id="262" r:id="rId8"/>
-    <p:sldId id="261" r:id="rId9"/>
+    <p:sldId id="263" r:id="rId7"/>
+    <p:sldId id="260" r:id="rId8"/>
+    <p:sldId id="262" r:id="rId9"/>
+    <p:sldId id="261" r:id="rId10"/>
   </p:sldIdLst>
   <p:sldSz cx="9144000" cy="6858000" type="screen4x3"/>
   <p:notesSz cx="7099300" cy="10234613"/>
@@ -168,6 +169,10 @@
 </p:presentation>
 </file>
 
+<file path=ppt/revisionInfo.xml><?xml version="1.0" encoding="utf-8"?>
+<p1510:revInfo xmlns:a="http://schemas.openxmlformats.org/drawingml/2006/main" xmlns:r="http://schemas.openxmlformats.org/officeDocument/2006/relationships" xmlns:p1510="http://schemas.microsoft.com/office/powerpoint/2015/10/main"/>
+</file>
+
 <file path=ppt/handoutMasters/handoutMaster1.xml><?xml version="1.0" encoding="utf-8"?>
 <p:handoutMaster xmlns:a="http://schemas.openxmlformats.org/drawingml/2006/main" xmlns:r="http://schemas.openxmlformats.org/officeDocument/2006/relationships" xmlns:p="http://schemas.openxmlformats.org/presentationml/2006/main">
   <p:cSld>
@@ -278,7 +283,7 @@
             <a:fld id="{5BB45A7C-CD8D-4615-9E21-7904701129AE}" type="datetimeFigureOut">
               <a:rPr lang="de-DE"/>
               <a:pPr/>
-              <a:t>15.01.2018</a:t>
+              <a:t>20.01.2018</a:t>
             </a:fld>
             <a:endParaRPr lang="de-DE"/>
           </a:p>
@@ -1997,7 +2002,7 @@
             <a:fld id="{4B008DF5-449C-4CDB-99E5-200AB76F51BF}" type="datetime1">
               <a:rPr lang="de-DE"/>
               <a:pPr/>
-              <a:t>15.01.2018</a:t>
+              <a:t>20.01.2018</a:t>
             </a:fld>
             <a:endParaRPr lang="de-DE" dirty="0"/>
           </a:p>
@@ -2557,25 +2562,45 @@
             <p:ph type="ctrTitle"/>
           </p:nvPr>
         </p:nvSpPr>
-        <p:spPr/>
+        <p:spPr>
+          <a:xfrm>
+            <a:off x="704850" y="1772816"/>
+            <a:ext cx="7704138" cy="1470025"/>
+          </a:xfrm>
+        </p:spPr>
         <p:txBody>
           <a:bodyPr/>
           <a:lstStyle/>
           <a:p>
             <a:r>
+              <a:rPr lang="en-US" b="0" dirty="0"/>
+              <a:t>Barriers to the implementation of k-anonymity</a:t>
+            </a:r>
+            <a:br>
+              <a:rPr lang="en-US" b="0" dirty="0"/>
+            </a:br>
+            <a:r>
+              <a:rPr lang="en-US" b="0" dirty="0"/>
+              <a:t>and related microdata anonymization techniques</a:t>
+            </a:r>
+            <a:br>
+              <a:rPr lang="en-US" b="0" dirty="0"/>
+            </a:br>
+            <a:r>
               <a:rPr lang="de-DE" b="0" dirty="0"/>
-              <a:t>K-</a:t>
+              <a:t>in a </a:t>
             </a:r>
             <a:r>
               <a:rPr lang="de-DE" b="0" dirty="0" err="1"/>
-              <a:t>anonymity</a:t>
-            </a:r>
-            <a:br>
+              <a:t>realworld</a:t>
+            </a:r>
+            <a:r>
               <a:rPr lang="de-DE" b="0" dirty="0"/>
-            </a:br>
-            <a:r>
-              <a:rPr lang="de-DE" b="0" dirty="0"/>
-              <a:t>(GAN)</a:t>
+              <a:t> </a:t>
+            </a:r>
+            <a:r>
+              <a:rPr lang="de-DE" b="0" dirty="0" err="1"/>
+              <a:t>application</a:t>
             </a:r>
             <a:endParaRPr lang="de-DE" dirty="0"/>
           </a:p>
@@ -2591,7 +2616,12 @@
             <p:ph type="subTitle" idx="1"/>
           </p:nvPr>
         </p:nvSpPr>
-        <p:spPr/>
+        <p:spPr>
+          <a:xfrm>
+            <a:off x="1259632" y="4005064"/>
+            <a:ext cx="6400800" cy="982662"/>
+          </a:xfrm>
+        </p:spPr>
         <p:txBody>
           <a:bodyPr/>
           <a:lstStyle/>
@@ -2718,7 +2748,12 @@
             <p:ph type="body" sz="quarter" idx="13"/>
           </p:nvPr>
         </p:nvSpPr>
-        <p:spPr/>
+        <p:spPr>
+          <a:xfrm>
+            <a:off x="1980406" y="1342286"/>
+            <a:ext cx="8570912" cy="5526600"/>
+          </a:xfrm>
+        </p:spPr>
         <p:txBody>
           <a:bodyPr/>
           <a:lstStyle/>
@@ -2734,8 +2769,13 @@
             </a:pPr>
             <a:r>
               <a:rPr lang="de-DE" dirty="0"/>
-              <a:t>1. Einleitung</a:t>
-            </a:r>
+              <a:t>1. </a:t>
+            </a:r>
+            <a:r>
+              <a:rPr lang="de-DE" dirty="0" err="1"/>
+              <a:t>Introduction</a:t>
+            </a:r>
+            <a:endParaRPr lang="de-DE" dirty="0"/>
           </a:p>
           <a:p>
             <a:pPr marL="0" indent="0">
@@ -2744,6 +2784,20 @@
             <a:r>
               <a:rPr lang="de-DE" dirty="0"/>
               <a:t>2. k-</a:t>
+            </a:r>
+            <a:r>
+              <a:rPr lang="de-DE" dirty="0" err="1"/>
+              <a:t>anonymity</a:t>
+            </a:r>
+            <a:endParaRPr lang="de-DE" dirty="0"/>
+          </a:p>
+          <a:p>
+            <a:pPr marL="0" indent="0">
+              <a:buNone/>
+            </a:pPr>
+            <a:r>
+              <a:rPr lang="de-DE" dirty="0"/>
+              <a:t>3. p-sensitive k-</a:t>
             </a:r>
             <a:r>
               <a:rPr lang="de-DE" dirty="0" err="1"/>
@@ -3438,7 +3492,7 @@
           <p:cNvPr id="2" name="Titel 1">
             <a:extLst>
               <a:ext uri="{FF2B5EF4-FFF2-40B4-BE49-F238E27FC236}">
-                <a16:creationId xmlns:a16="http://schemas.microsoft.com/office/drawing/2014/main" id="{29821BA2-C897-4834-998A-48C037EFCC61}"/>
+                <a16:creationId xmlns:a16="http://schemas.microsoft.com/office/drawing/2014/main" id="{958F9CD1-9C9B-404C-BA1F-6E0E9A52DB3B}"/>
               </a:ext>
             </a:extLst>
           </p:cNvPr>
@@ -3454,13 +3508,16 @@
           <a:bodyPr/>
           <a:lstStyle/>
           <a:p>
+            <a:pPr marL="0" indent="0">
+              <a:buNone/>
+            </a:pPr>
             <a:r>
               <a:rPr lang="de-DE" dirty="0"/>
-              <a:t>l-</a:t>
+              <a:t>p-sensitive k-</a:t>
             </a:r>
             <a:r>
               <a:rPr lang="de-DE" dirty="0" err="1"/>
-              <a:t>diversity</a:t>
+              <a:t>anonymity</a:t>
             </a:r>
             <a:endParaRPr lang="de-DE" dirty="0"/>
           </a:p>
@@ -3471,7 +3528,7 @@
           <p:cNvPr id="3" name="Datumsplatzhalter 2">
             <a:extLst>
               <a:ext uri="{FF2B5EF4-FFF2-40B4-BE49-F238E27FC236}">
-                <a16:creationId xmlns:a16="http://schemas.microsoft.com/office/drawing/2014/main" id="{707299E6-283C-4175-B3B3-5D836D4EF88A}"/>
+                <a16:creationId xmlns:a16="http://schemas.microsoft.com/office/drawing/2014/main" id="{F260DF70-9E66-4354-A537-9A6F20EF768D}"/>
               </a:ext>
             </a:extLst>
           </p:cNvPr>
@@ -3500,7 +3557,7 @@
           <p:cNvPr id="4" name="Fußzeilenplatzhalter 3">
             <a:extLst>
               <a:ext uri="{FF2B5EF4-FFF2-40B4-BE49-F238E27FC236}">
-                <a16:creationId xmlns:a16="http://schemas.microsoft.com/office/drawing/2014/main" id="{CDC6992F-08D8-482D-96AA-DC41E416B94B}"/>
+                <a16:creationId xmlns:a16="http://schemas.microsoft.com/office/drawing/2014/main" id="{09C9E642-E14C-4E77-9B36-1ABB217EAF95}"/>
               </a:ext>
             </a:extLst>
           </p:cNvPr>
@@ -3529,7 +3586,7 @@
           <p:cNvPr id="5" name="Textplatzhalter 4">
             <a:extLst>
               <a:ext uri="{FF2B5EF4-FFF2-40B4-BE49-F238E27FC236}">
-                <a16:creationId xmlns:a16="http://schemas.microsoft.com/office/drawing/2014/main" id="{CB4D70E7-CAB1-402E-A84F-08E5BE171BBF}"/>
+                <a16:creationId xmlns:a16="http://schemas.microsoft.com/office/drawing/2014/main" id="{9E443BB6-0E02-4D1C-85A1-676AC33F2EAA}"/>
               </a:ext>
             </a:extLst>
           </p:cNvPr>
@@ -3554,7 +3611,7 @@
           <p:cNvPr id="6" name="Foliennummernplatzhalter 5">
             <a:extLst>
               <a:ext uri="{FF2B5EF4-FFF2-40B4-BE49-F238E27FC236}">
-                <a16:creationId xmlns:a16="http://schemas.microsoft.com/office/drawing/2014/main" id="{265E418F-8B07-43E5-91F1-566EB30C7F53}"/>
+                <a16:creationId xmlns:a16="http://schemas.microsoft.com/office/drawing/2014/main" id="{4C8439EF-D42F-4986-86FE-E0B37623E7D1}"/>
               </a:ext>
             </a:extLst>
           </p:cNvPr>
@@ -3582,7 +3639,7 @@
     </p:spTree>
     <p:extLst>
       <p:ext uri="{BB962C8B-B14F-4D97-AF65-F5344CB8AC3E}">
-        <p14:creationId xmlns:p14="http://schemas.microsoft.com/office/powerpoint/2010/main" val="405088296"/>
+        <p14:creationId xmlns:p14="http://schemas.microsoft.com/office/powerpoint/2010/main" val="1946241733"/>
       </p:ext>
     </p:extLst>
   </p:cSld>
@@ -3614,7 +3671,7 @@
           <p:cNvPr id="2" name="Titel 1">
             <a:extLst>
               <a:ext uri="{FF2B5EF4-FFF2-40B4-BE49-F238E27FC236}">
-                <a16:creationId xmlns:a16="http://schemas.microsoft.com/office/drawing/2014/main" id="{03774710-EF24-496F-8E16-1860EB9452BD}"/>
+                <a16:creationId xmlns:a16="http://schemas.microsoft.com/office/drawing/2014/main" id="{29821BA2-C897-4834-998A-48C037EFCC61}"/>
               </a:ext>
             </a:extLst>
           </p:cNvPr>
@@ -3632,11 +3689,11 @@
           <a:p>
             <a:r>
               <a:rPr lang="de-DE" dirty="0"/>
-              <a:t>t-</a:t>
+              <a:t>l-</a:t>
             </a:r>
             <a:r>
               <a:rPr lang="de-DE" dirty="0" err="1"/>
-              <a:t>close´ness</a:t>
+              <a:t>diversity</a:t>
             </a:r>
             <a:endParaRPr lang="de-DE" dirty="0"/>
           </a:p>
@@ -3647,7 +3704,7 @@
           <p:cNvPr id="3" name="Datumsplatzhalter 2">
             <a:extLst>
               <a:ext uri="{FF2B5EF4-FFF2-40B4-BE49-F238E27FC236}">
-                <a16:creationId xmlns:a16="http://schemas.microsoft.com/office/drawing/2014/main" id="{419087A1-C8F7-429D-9539-28EFF980787F}"/>
+                <a16:creationId xmlns:a16="http://schemas.microsoft.com/office/drawing/2014/main" id="{707299E6-283C-4175-B3B3-5D836D4EF88A}"/>
               </a:ext>
             </a:extLst>
           </p:cNvPr>
@@ -3676,7 +3733,7 @@
           <p:cNvPr id="4" name="Fußzeilenplatzhalter 3">
             <a:extLst>
               <a:ext uri="{FF2B5EF4-FFF2-40B4-BE49-F238E27FC236}">
-                <a16:creationId xmlns:a16="http://schemas.microsoft.com/office/drawing/2014/main" id="{16A1720A-77AB-4E5A-8054-A5D031724E0F}"/>
+                <a16:creationId xmlns:a16="http://schemas.microsoft.com/office/drawing/2014/main" id="{CDC6992F-08D8-482D-96AA-DC41E416B94B}"/>
               </a:ext>
             </a:extLst>
           </p:cNvPr>
@@ -3693,12 +3750,8 @@
           <a:lstStyle/>
           <a:p>
             <a:r>
-              <a:rPr lang="de-DE" dirty="0"/>
-              <a:t>Andreas Wiegand &amp; Ludwig </a:t>
-            </a:r>
-            <a:r>
-              <a:rPr lang="de-DE" dirty="0" err="1"/>
-              <a:t>Schallner</a:t>
+              <a:rPr lang="de-DE"/>
+              <a:t>Andreas Heimann &amp; Matthias Puchta</a:t>
             </a:r>
             <a:endParaRPr lang="de-DE" dirty="0"/>
           </a:p>
@@ -3709,7 +3762,7 @@
           <p:cNvPr id="5" name="Textplatzhalter 4">
             <a:extLst>
               <a:ext uri="{FF2B5EF4-FFF2-40B4-BE49-F238E27FC236}">
-                <a16:creationId xmlns:a16="http://schemas.microsoft.com/office/drawing/2014/main" id="{30F3C5B2-53AA-499A-886B-AA06C3A92963}"/>
+                <a16:creationId xmlns:a16="http://schemas.microsoft.com/office/drawing/2014/main" id="{CB4D70E7-CAB1-402E-A84F-08E5BE171BBF}"/>
               </a:ext>
             </a:extLst>
           </p:cNvPr>
@@ -3734,7 +3787,7 @@
           <p:cNvPr id="6" name="Foliennummernplatzhalter 5">
             <a:extLst>
               <a:ext uri="{FF2B5EF4-FFF2-40B4-BE49-F238E27FC236}">
-                <a16:creationId xmlns:a16="http://schemas.microsoft.com/office/drawing/2014/main" id="{54D3FDF2-2764-4BE6-BE4D-51DAF1C1A001}"/>
+                <a16:creationId xmlns:a16="http://schemas.microsoft.com/office/drawing/2014/main" id="{265E418F-8B07-43E5-91F1-566EB30C7F53}"/>
               </a:ext>
             </a:extLst>
           </p:cNvPr>
@@ -3762,7 +3815,7 @@
     </p:spTree>
     <p:extLst>
       <p:ext uri="{BB962C8B-B14F-4D97-AF65-F5344CB8AC3E}">
-        <p14:creationId xmlns:p14="http://schemas.microsoft.com/office/powerpoint/2010/main" val="222580713"/>
+        <p14:creationId xmlns:p14="http://schemas.microsoft.com/office/powerpoint/2010/main" val="405088296"/>
       </p:ext>
     </p:extLst>
   </p:cSld>
@@ -3794,6 +3847,186 @@
           <p:cNvPr id="2" name="Titel 1">
             <a:extLst>
               <a:ext uri="{FF2B5EF4-FFF2-40B4-BE49-F238E27FC236}">
+                <a16:creationId xmlns:a16="http://schemas.microsoft.com/office/drawing/2014/main" id="{03774710-EF24-496F-8E16-1860EB9452BD}"/>
+              </a:ext>
+            </a:extLst>
+          </p:cNvPr>
+          <p:cNvSpPr>
+            <a:spLocks noGrp="1"/>
+          </p:cNvSpPr>
+          <p:nvPr>
+            <p:ph type="title"/>
+          </p:nvPr>
+        </p:nvSpPr>
+        <p:spPr/>
+        <p:txBody>
+          <a:bodyPr/>
+          <a:lstStyle/>
+          <a:p>
+            <a:r>
+              <a:rPr lang="de-DE" dirty="0"/>
+              <a:t>t-</a:t>
+            </a:r>
+            <a:r>
+              <a:rPr lang="de-DE" dirty="0" err="1"/>
+              <a:t>close´ness</a:t>
+            </a:r>
+            <a:endParaRPr lang="de-DE" dirty="0"/>
+          </a:p>
+        </p:txBody>
+      </p:sp>
+      <p:sp>
+        <p:nvSpPr>
+          <p:cNvPr id="3" name="Datumsplatzhalter 2">
+            <a:extLst>
+              <a:ext uri="{FF2B5EF4-FFF2-40B4-BE49-F238E27FC236}">
+                <a16:creationId xmlns:a16="http://schemas.microsoft.com/office/drawing/2014/main" id="{419087A1-C8F7-429D-9539-28EFF980787F}"/>
+              </a:ext>
+            </a:extLst>
+          </p:cNvPr>
+          <p:cNvSpPr>
+            <a:spLocks noGrp="1"/>
+          </p:cNvSpPr>
+          <p:nvPr>
+            <p:ph type="dt" sz="half" idx="10"/>
+          </p:nvPr>
+        </p:nvSpPr>
+        <p:spPr/>
+        <p:txBody>
+          <a:bodyPr/>
+          <a:lstStyle/>
+          <a:p>
+            <a:r>
+              <a:rPr lang="de-DE"/>
+              <a:t>18.05.2017</a:t>
+            </a:r>
+            <a:endParaRPr lang="de-DE" dirty="0"/>
+          </a:p>
+        </p:txBody>
+      </p:sp>
+      <p:sp>
+        <p:nvSpPr>
+          <p:cNvPr id="4" name="Fußzeilenplatzhalter 3">
+            <a:extLst>
+              <a:ext uri="{FF2B5EF4-FFF2-40B4-BE49-F238E27FC236}">
+                <a16:creationId xmlns:a16="http://schemas.microsoft.com/office/drawing/2014/main" id="{16A1720A-77AB-4E5A-8054-A5D031724E0F}"/>
+              </a:ext>
+            </a:extLst>
+          </p:cNvPr>
+          <p:cNvSpPr>
+            <a:spLocks noGrp="1"/>
+          </p:cNvSpPr>
+          <p:nvPr>
+            <p:ph type="ftr" sz="quarter" idx="11"/>
+          </p:nvPr>
+        </p:nvSpPr>
+        <p:spPr/>
+        <p:txBody>
+          <a:bodyPr/>
+          <a:lstStyle/>
+          <a:p>
+            <a:r>
+              <a:rPr lang="de-DE" dirty="0"/>
+              <a:t>Andreas Wiegand &amp; Ludwig </a:t>
+            </a:r>
+            <a:r>
+              <a:rPr lang="de-DE" dirty="0" err="1"/>
+              <a:t>Schallner</a:t>
+            </a:r>
+            <a:endParaRPr lang="de-DE" dirty="0"/>
+          </a:p>
+        </p:txBody>
+      </p:sp>
+      <p:sp>
+        <p:nvSpPr>
+          <p:cNvPr id="5" name="Textplatzhalter 4">
+            <a:extLst>
+              <a:ext uri="{FF2B5EF4-FFF2-40B4-BE49-F238E27FC236}">
+                <a16:creationId xmlns:a16="http://schemas.microsoft.com/office/drawing/2014/main" id="{30F3C5B2-53AA-499A-886B-AA06C3A92963}"/>
+              </a:ext>
+            </a:extLst>
+          </p:cNvPr>
+          <p:cNvSpPr>
+            <a:spLocks noGrp="1"/>
+          </p:cNvSpPr>
+          <p:nvPr>
+            <p:ph type="body" sz="quarter" idx="13"/>
+          </p:nvPr>
+        </p:nvSpPr>
+        <p:spPr/>
+        <p:txBody>
+          <a:bodyPr/>
+          <a:lstStyle/>
+          <a:p>
+            <a:endParaRPr lang="de-DE"/>
+          </a:p>
+        </p:txBody>
+      </p:sp>
+      <p:sp>
+        <p:nvSpPr>
+          <p:cNvPr id="6" name="Foliennummernplatzhalter 5">
+            <a:extLst>
+              <a:ext uri="{FF2B5EF4-FFF2-40B4-BE49-F238E27FC236}">
+                <a16:creationId xmlns:a16="http://schemas.microsoft.com/office/drawing/2014/main" id="{54D3FDF2-2764-4BE6-BE4D-51DAF1C1A001}"/>
+              </a:ext>
+            </a:extLst>
+          </p:cNvPr>
+          <p:cNvSpPr>
+            <a:spLocks noGrp="1"/>
+          </p:cNvSpPr>
+          <p:nvPr>
+            <p:ph type="sldNum" sz="quarter" idx="12"/>
+          </p:nvPr>
+        </p:nvSpPr>
+        <p:spPr/>
+        <p:txBody>
+          <a:bodyPr/>
+          <a:lstStyle/>
+          <a:p>
+            <a:fld id="{50E76E58-F275-47A3-BB17-470016A267B6}" type="slidenum">
+              <a:rPr lang="de-DE" smtClean="0"/>
+              <a:pPr/>
+              <a:t>7</a:t>
+            </a:fld>
+            <a:endParaRPr lang="de-DE"/>
+          </a:p>
+        </p:txBody>
+      </p:sp>
+    </p:spTree>
+    <p:extLst>
+      <p:ext uri="{BB962C8B-B14F-4D97-AF65-F5344CB8AC3E}">
+        <p14:creationId xmlns:p14="http://schemas.microsoft.com/office/powerpoint/2010/main" val="222580713"/>
+      </p:ext>
+    </p:extLst>
+  </p:cSld>
+  <p:clrMapOvr>
+    <a:masterClrMapping/>
+  </p:clrMapOvr>
+</p:sld>
+</file>
+
+<file path=ppt/slides/slide8.xml><?xml version="1.0" encoding="utf-8"?>
+<p:sld xmlns:a="http://schemas.openxmlformats.org/drawingml/2006/main" xmlns:r="http://schemas.openxmlformats.org/officeDocument/2006/relationships" xmlns:p="http://schemas.openxmlformats.org/presentationml/2006/main">
+  <p:cSld>
+    <p:spTree>
+      <p:nvGrpSpPr>
+        <p:cNvPr id="1" name=""/>
+        <p:cNvGrpSpPr/>
+        <p:nvPr/>
+      </p:nvGrpSpPr>
+      <p:grpSpPr>
+        <a:xfrm>
+          <a:off x="0" y="0"/>
+          <a:ext cx="0" cy="0"/>
+          <a:chOff x="0" y="0"/>
+          <a:chExt cx="0" cy="0"/>
+        </a:xfrm>
+      </p:grpSpPr>
+      <p:sp>
+        <p:nvSpPr>
+          <p:cNvPr id="2" name="Titel 1">
+            <a:extLst>
+              <a:ext uri="{FF2B5EF4-FFF2-40B4-BE49-F238E27FC236}">
                 <a16:creationId xmlns:a16="http://schemas.microsoft.com/office/drawing/2014/main" id="{ED74D9F5-7E88-40DD-A611-56459F70E672}"/>
               </a:ext>
             </a:extLst>
@@ -3921,7 +4154,7 @@
             <a:fld id="{50E76E58-F275-47A3-BB17-470016A267B6}" type="slidenum">
               <a:rPr lang="de-DE" smtClean="0"/>
               <a:pPr/>
-              <a:t>7</a:t>
+              <a:t>8</a:t>
             </a:fld>
             <a:endParaRPr lang="de-DE"/>
           </a:p>

--- a/presentation/sicherheits.pptx
+++ b/presentation/sicherheits.pptx
@@ -5,10 +5,10 @@
     <p:sldMasterId id="2147483678" r:id="rId2"/>
   </p:sldMasterIdLst>
   <p:notesMasterIdLst>
-    <p:notesMasterId r:id="rId11"/>
+    <p:notesMasterId r:id="rId15"/>
   </p:notesMasterIdLst>
   <p:handoutMasterIdLst>
-    <p:handoutMasterId r:id="rId12"/>
+    <p:handoutMasterId r:id="rId16"/>
   </p:handoutMasterIdLst>
   <p:sldIdLst>
     <p:sldId id="256" r:id="rId3"/>
@@ -16,9 +16,13 @@
     <p:sldId id="258" r:id="rId5"/>
     <p:sldId id="259" r:id="rId6"/>
     <p:sldId id="263" r:id="rId7"/>
-    <p:sldId id="260" r:id="rId8"/>
-    <p:sldId id="262" r:id="rId9"/>
-    <p:sldId id="261" r:id="rId10"/>
+    <p:sldId id="264" r:id="rId8"/>
+    <p:sldId id="260" r:id="rId9"/>
+    <p:sldId id="265" r:id="rId10"/>
+    <p:sldId id="266" r:id="rId11"/>
+    <p:sldId id="262" r:id="rId12"/>
+    <p:sldId id="261" r:id="rId13"/>
+    <p:sldId id="267" r:id="rId14"/>
   </p:sldIdLst>
   <p:sldSz cx="9144000" cy="6858000" type="screen4x3"/>
   <p:notesSz cx="7099300" cy="10234613"/>
@@ -2658,6 +2662,660 @@
 </p:sld>
 </file>
 
+<file path=ppt/slides/slide10.xml><?xml version="1.0" encoding="utf-8"?>
+<p:sld xmlns:a="http://schemas.openxmlformats.org/drawingml/2006/main" xmlns:r="http://schemas.openxmlformats.org/officeDocument/2006/relationships" xmlns:p="http://schemas.openxmlformats.org/presentationml/2006/main">
+  <p:cSld>
+    <p:spTree>
+      <p:nvGrpSpPr>
+        <p:cNvPr id="1" name=""/>
+        <p:cNvGrpSpPr/>
+        <p:nvPr/>
+      </p:nvGrpSpPr>
+      <p:grpSpPr>
+        <a:xfrm>
+          <a:off x="0" y="0"/>
+          <a:ext cx="0" cy="0"/>
+          <a:chOff x="0" y="0"/>
+          <a:chExt cx="0" cy="0"/>
+        </a:xfrm>
+      </p:grpSpPr>
+      <p:sp>
+        <p:nvSpPr>
+          <p:cNvPr id="2" name="Titel 1">
+            <a:extLst>
+              <a:ext uri="{FF2B5EF4-FFF2-40B4-BE49-F238E27FC236}">
+                <a16:creationId xmlns:a16="http://schemas.microsoft.com/office/drawing/2014/main" id="{03774710-EF24-496F-8E16-1860EB9452BD}"/>
+              </a:ext>
+            </a:extLst>
+          </p:cNvPr>
+          <p:cNvSpPr>
+            <a:spLocks noGrp="1"/>
+          </p:cNvSpPr>
+          <p:nvPr>
+            <p:ph type="title"/>
+          </p:nvPr>
+        </p:nvSpPr>
+        <p:spPr/>
+        <p:txBody>
+          <a:bodyPr/>
+          <a:lstStyle/>
+          <a:p>
+            <a:r>
+              <a:rPr lang="de-DE" dirty="0"/>
+              <a:t>t-</a:t>
+            </a:r>
+            <a:r>
+              <a:rPr lang="de-DE" dirty="0" err="1"/>
+              <a:t>close´ness</a:t>
+            </a:r>
+            <a:endParaRPr lang="de-DE" dirty="0"/>
+          </a:p>
+        </p:txBody>
+      </p:sp>
+      <p:sp>
+        <p:nvSpPr>
+          <p:cNvPr id="3" name="Datumsplatzhalter 2">
+            <a:extLst>
+              <a:ext uri="{FF2B5EF4-FFF2-40B4-BE49-F238E27FC236}">
+                <a16:creationId xmlns:a16="http://schemas.microsoft.com/office/drawing/2014/main" id="{419087A1-C8F7-429D-9539-28EFF980787F}"/>
+              </a:ext>
+            </a:extLst>
+          </p:cNvPr>
+          <p:cNvSpPr>
+            <a:spLocks noGrp="1"/>
+          </p:cNvSpPr>
+          <p:nvPr>
+            <p:ph type="dt" sz="half" idx="10"/>
+          </p:nvPr>
+        </p:nvSpPr>
+        <p:spPr/>
+        <p:txBody>
+          <a:bodyPr/>
+          <a:lstStyle/>
+          <a:p>
+            <a:r>
+              <a:rPr lang="de-DE"/>
+              <a:t>18.05.2017</a:t>
+            </a:r>
+            <a:endParaRPr lang="de-DE" dirty="0"/>
+          </a:p>
+        </p:txBody>
+      </p:sp>
+      <p:sp>
+        <p:nvSpPr>
+          <p:cNvPr id="4" name="Fußzeilenplatzhalter 3">
+            <a:extLst>
+              <a:ext uri="{FF2B5EF4-FFF2-40B4-BE49-F238E27FC236}">
+                <a16:creationId xmlns:a16="http://schemas.microsoft.com/office/drawing/2014/main" id="{16A1720A-77AB-4E5A-8054-A5D031724E0F}"/>
+              </a:ext>
+            </a:extLst>
+          </p:cNvPr>
+          <p:cNvSpPr>
+            <a:spLocks noGrp="1"/>
+          </p:cNvSpPr>
+          <p:nvPr>
+            <p:ph type="ftr" sz="quarter" idx="11"/>
+          </p:nvPr>
+        </p:nvSpPr>
+        <p:spPr/>
+        <p:txBody>
+          <a:bodyPr/>
+          <a:lstStyle/>
+          <a:p>
+            <a:r>
+              <a:rPr lang="de-DE" dirty="0"/>
+              <a:t>Andreas Wiegand &amp; Ludwig </a:t>
+            </a:r>
+            <a:r>
+              <a:rPr lang="de-DE" dirty="0" err="1"/>
+              <a:t>Schallner</a:t>
+            </a:r>
+            <a:endParaRPr lang="de-DE" dirty="0"/>
+          </a:p>
+        </p:txBody>
+      </p:sp>
+      <p:sp>
+        <p:nvSpPr>
+          <p:cNvPr id="5" name="Textplatzhalter 4">
+            <a:extLst>
+              <a:ext uri="{FF2B5EF4-FFF2-40B4-BE49-F238E27FC236}">
+                <a16:creationId xmlns:a16="http://schemas.microsoft.com/office/drawing/2014/main" id="{30F3C5B2-53AA-499A-886B-AA06C3A92963}"/>
+              </a:ext>
+            </a:extLst>
+          </p:cNvPr>
+          <p:cNvSpPr>
+            <a:spLocks noGrp="1"/>
+          </p:cNvSpPr>
+          <p:nvPr>
+            <p:ph type="body" sz="quarter" idx="13"/>
+          </p:nvPr>
+        </p:nvSpPr>
+        <p:spPr/>
+        <p:txBody>
+          <a:bodyPr/>
+          <a:lstStyle/>
+          <a:p>
+            <a:r>
+              <a:rPr lang="de-DE" dirty="0"/>
+              <a:t>Definition: </a:t>
+            </a:r>
+            <a:r>
+              <a:rPr lang="en-US" dirty="0"/>
+              <a:t>Definition 4 (t-Closeness): A data set is said to</a:t>
+            </a:r>
+          </a:p>
+          <a:p>
+            <a:pPr marL="0" indent="0">
+              <a:buNone/>
+            </a:pPr>
+            <a:r>
+              <a:rPr lang="en-US" dirty="0"/>
+              <a:t>satisfy t-closeness if, for each group of records sharing</a:t>
+            </a:r>
+          </a:p>
+          <a:p>
+            <a:pPr marL="0" indent="0">
+              <a:buNone/>
+            </a:pPr>
+            <a:r>
+              <a:rPr lang="en-US" dirty="0"/>
+              <a:t>a combination of key attributes, the distance between</a:t>
+            </a:r>
+          </a:p>
+          <a:p>
+            <a:pPr marL="0" indent="0">
+              <a:buNone/>
+            </a:pPr>
+            <a:r>
+              <a:rPr lang="en-US" dirty="0"/>
+              <a:t>the distribution of the confidential attribute in the group</a:t>
+            </a:r>
+          </a:p>
+          <a:p>
+            <a:pPr marL="0" indent="0">
+              <a:buNone/>
+            </a:pPr>
+            <a:r>
+              <a:rPr lang="en-US" dirty="0"/>
+              <a:t>and the distribution of the attribute in the whole data</a:t>
+            </a:r>
+          </a:p>
+          <a:p>
+            <a:pPr marL="0" indent="0">
+              <a:buNone/>
+            </a:pPr>
+            <a:r>
+              <a:rPr lang="en-US" dirty="0"/>
+              <a:t>set is no more than a threshold t.</a:t>
+            </a:r>
+            <a:endParaRPr lang="de-DE" dirty="0"/>
+          </a:p>
+        </p:txBody>
+      </p:sp>
+      <p:sp>
+        <p:nvSpPr>
+          <p:cNvPr id="6" name="Foliennummernplatzhalter 5">
+            <a:extLst>
+              <a:ext uri="{FF2B5EF4-FFF2-40B4-BE49-F238E27FC236}">
+                <a16:creationId xmlns:a16="http://schemas.microsoft.com/office/drawing/2014/main" id="{54D3FDF2-2764-4BE6-BE4D-51DAF1C1A001}"/>
+              </a:ext>
+            </a:extLst>
+          </p:cNvPr>
+          <p:cNvSpPr>
+            <a:spLocks noGrp="1"/>
+          </p:cNvSpPr>
+          <p:nvPr>
+            <p:ph type="sldNum" sz="quarter" idx="12"/>
+          </p:nvPr>
+        </p:nvSpPr>
+        <p:spPr/>
+        <p:txBody>
+          <a:bodyPr/>
+          <a:lstStyle/>
+          <a:p>
+            <a:fld id="{50E76E58-F275-47A3-BB17-470016A267B6}" type="slidenum">
+              <a:rPr lang="de-DE" smtClean="0"/>
+              <a:pPr/>
+              <a:t>10</a:t>
+            </a:fld>
+            <a:endParaRPr lang="de-DE"/>
+          </a:p>
+        </p:txBody>
+      </p:sp>
+    </p:spTree>
+    <p:extLst>
+      <p:ext uri="{BB962C8B-B14F-4D97-AF65-F5344CB8AC3E}">
+        <p14:creationId xmlns:p14="http://schemas.microsoft.com/office/powerpoint/2010/main" val="222580713"/>
+      </p:ext>
+    </p:extLst>
+  </p:cSld>
+  <p:clrMapOvr>
+    <a:masterClrMapping/>
+  </p:clrMapOvr>
+</p:sld>
+</file>
+
+<file path=ppt/slides/slide11.xml><?xml version="1.0" encoding="utf-8"?>
+<p:sld xmlns:a="http://schemas.openxmlformats.org/drawingml/2006/main" xmlns:r="http://schemas.openxmlformats.org/officeDocument/2006/relationships" xmlns:p="http://schemas.openxmlformats.org/presentationml/2006/main">
+  <p:cSld>
+    <p:spTree>
+      <p:nvGrpSpPr>
+        <p:cNvPr id="1" name=""/>
+        <p:cNvGrpSpPr/>
+        <p:nvPr/>
+      </p:nvGrpSpPr>
+      <p:grpSpPr>
+        <a:xfrm>
+          <a:off x="0" y="0"/>
+          <a:ext cx="0" cy="0"/>
+          <a:chOff x="0" y="0"/>
+          <a:chExt cx="0" cy="0"/>
+        </a:xfrm>
+      </p:grpSpPr>
+      <p:sp>
+        <p:nvSpPr>
+          <p:cNvPr id="2" name="Titel 1">
+            <a:extLst>
+              <a:ext uri="{FF2B5EF4-FFF2-40B4-BE49-F238E27FC236}">
+                <a16:creationId xmlns:a16="http://schemas.microsoft.com/office/drawing/2014/main" id="{ED74D9F5-7E88-40DD-A611-56459F70E672}"/>
+              </a:ext>
+            </a:extLst>
+          </p:cNvPr>
+          <p:cNvSpPr>
+            <a:spLocks noGrp="1"/>
+          </p:cNvSpPr>
+          <p:nvPr>
+            <p:ph type="title"/>
+          </p:nvPr>
+        </p:nvSpPr>
+        <p:spPr/>
+        <p:txBody>
+          <a:bodyPr/>
+          <a:lstStyle/>
+          <a:p>
+            <a:r>
+              <a:rPr lang="de-DE" dirty="0"/>
+              <a:t>t-</a:t>
+            </a:r>
+            <a:r>
+              <a:rPr lang="de-DE" dirty="0" err="1"/>
+              <a:t>close´ness</a:t>
+            </a:r>
+            <a:endParaRPr lang="de-DE" dirty="0"/>
+          </a:p>
+        </p:txBody>
+      </p:sp>
+      <p:sp>
+        <p:nvSpPr>
+          <p:cNvPr id="3" name="Datumsplatzhalter 2">
+            <a:extLst>
+              <a:ext uri="{FF2B5EF4-FFF2-40B4-BE49-F238E27FC236}">
+                <a16:creationId xmlns:a16="http://schemas.microsoft.com/office/drawing/2014/main" id="{A81886F5-D8A0-4AB2-A12D-B44314A08602}"/>
+              </a:ext>
+            </a:extLst>
+          </p:cNvPr>
+          <p:cNvSpPr>
+            <a:spLocks noGrp="1"/>
+          </p:cNvSpPr>
+          <p:nvPr>
+            <p:ph type="dt" sz="half" idx="10"/>
+          </p:nvPr>
+        </p:nvSpPr>
+        <p:spPr/>
+        <p:txBody>
+          <a:bodyPr/>
+          <a:lstStyle/>
+          <a:p>
+            <a:r>
+              <a:rPr lang="de-DE"/>
+              <a:t>18.05.2017</a:t>
+            </a:r>
+            <a:endParaRPr lang="de-DE" dirty="0"/>
+          </a:p>
+        </p:txBody>
+      </p:sp>
+      <p:sp>
+        <p:nvSpPr>
+          <p:cNvPr id="4" name="Fußzeilenplatzhalter 3">
+            <a:extLst>
+              <a:ext uri="{FF2B5EF4-FFF2-40B4-BE49-F238E27FC236}">
+                <a16:creationId xmlns:a16="http://schemas.microsoft.com/office/drawing/2014/main" id="{59640035-9623-4075-BDEE-7833C664AE8B}"/>
+              </a:ext>
+            </a:extLst>
+          </p:cNvPr>
+          <p:cNvSpPr>
+            <a:spLocks noGrp="1"/>
+          </p:cNvSpPr>
+          <p:nvPr>
+            <p:ph type="ftr" sz="quarter" idx="11"/>
+          </p:nvPr>
+        </p:nvSpPr>
+        <p:spPr/>
+        <p:txBody>
+          <a:bodyPr/>
+          <a:lstStyle/>
+          <a:p>
+            <a:r>
+              <a:rPr lang="de-DE"/>
+              <a:t>Andreas Heimann &amp; Matthias Puchta</a:t>
+            </a:r>
+            <a:endParaRPr lang="de-DE" dirty="0"/>
+          </a:p>
+        </p:txBody>
+      </p:sp>
+      <p:sp>
+        <p:nvSpPr>
+          <p:cNvPr id="5" name="Textplatzhalter 4">
+            <a:extLst>
+              <a:ext uri="{FF2B5EF4-FFF2-40B4-BE49-F238E27FC236}">
+                <a16:creationId xmlns:a16="http://schemas.microsoft.com/office/drawing/2014/main" id="{8F031245-BB29-41F9-8C5E-156AFC612440}"/>
+              </a:ext>
+            </a:extLst>
+          </p:cNvPr>
+          <p:cNvSpPr>
+            <a:spLocks noGrp="1"/>
+          </p:cNvSpPr>
+          <p:nvPr>
+            <p:ph type="body" sz="quarter" idx="13"/>
+          </p:nvPr>
+        </p:nvSpPr>
+        <p:spPr/>
+        <p:txBody>
+          <a:bodyPr/>
+          <a:lstStyle/>
+          <a:p>
+            <a:r>
+              <a:rPr lang="de-DE" dirty="0"/>
+              <a:t>Problems:</a:t>
+            </a:r>
+          </a:p>
+          <a:p>
+            <a:pPr marL="0" indent="0">
+              <a:buNone/>
+            </a:pPr>
+            <a:r>
+              <a:rPr lang="en-US" dirty="0"/>
+              <a:t>Whereas the paper [7] elaborates on several ways</a:t>
+            </a:r>
+          </a:p>
+          <a:p>
+            <a:pPr marL="0" indent="0">
+              <a:buNone/>
+            </a:pPr>
+            <a:r>
+              <a:rPr lang="en-US" dirty="0"/>
+              <a:t>o check t-closeness (using several distances between</a:t>
+            </a:r>
+          </a:p>
+          <a:p>
+            <a:pPr marL="0" indent="0">
+              <a:buNone/>
+            </a:pPr>
+            <a:r>
+              <a:rPr lang="de-DE" dirty="0" err="1"/>
+              <a:t>distributions</a:t>
+            </a:r>
+            <a:r>
+              <a:rPr lang="de-DE" dirty="0"/>
+              <a:t>), </a:t>
+            </a:r>
+            <a:r>
+              <a:rPr lang="de-DE" dirty="0" err="1"/>
+              <a:t>no</a:t>
+            </a:r>
+            <a:r>
+              <a:rPr lang="de-DE" dirty="0"/>
+              <a:t> </a:t>
+            </a:r>
+            <a:r>
+              <a:rPr lang="de-DE" dirty="0" err="1"/>
+              <a:t>computational</a:t>
+            </a:r>
+            <a:r>
+              <a:rPr lang="de-DE" dirty="0"/>
+              <a:t> </a:t>
+            </a:r>
+            <a:r>
+              <a:rPr lang="de-DE" dirty="0" err="1"/>
+              <a:t>procedure</a:t>
+            </a:r>
+            <a:endParaRPr lang="de-DE" dirty="0"/>
+          </a:p>
+          <a:p>
+            <a:pPr marL="0" indent="0">
+              <a:buNone/>
+            </a:pPr>
+            <a:r>
+              <a:rPr lang="en-US" dirty="0"/>
+              <a:t>to enforce this property is given.</a:t>
+            </a:r>
+          </a:p>
+          <a:p>
+            <a:pPr marL="0" indent="0">
+              <a:buNone/>
+            </a:pPr>
+            <a:endParaRPr lang="de-DE" dirty="0"/>
+          </a:p>
+        </p:txBody>
+      </p:sp>
+      <p:sp>
+        <p:nvSpPr>
+          <p:cNvPr id="6" name="Foliennummernplatzhalter 5">
+            <a:extLst>
+              <a:ext uri="{FF2B5EF4-FFF2-40B4-BE49-F238E27FC236}">
+                <a16:creationId xmlns:a16="http://schemas.microsoft.com/office/drawing/2014/main" id="{35C5C671-02F4-435F-A4CA-4659E0309639}"/>
+              </a:ext>
+            </a:extLst>
+          </p:cNvPr>
+          <p:cNvSpPr>
+            <a:spLocks noGrp="1"/>
+          </p:cNvSpPr>
+          <p:nvPr>
+            <p:ph type="sldNum" sz="quarter" idx="12"/>
+          </p:nvPr>
+        </p:nvSpPr>
+        <p:spPr/>
+        <p:txBody>
+          <a:bodyPr/>
+          <a:lstStyle/>
+          <a:p>
+            <a:fld id="{50E76E58-F275-47A3-BB17-470016A267B6}" type="slidenum">
+              <a:rPr lang="de-DE" smtClean="0"/>
+              <a:pPr/>
+              <a:t>11</a:t>
+            </a:fld>
+            <a:endParaRPr lang="de-DE"/>
+          </a:p>
+        </p:txBody>
+      </p:sp>
+    </p:spTree>
+    <p:extLst>
+      <p:ext uri="{BB962C8B-B14F-4D97-AF65-F5344CB8AC3E}">
+        <p14:creationId xmlns:p14="http://schemas.microsoft.com/office/powerpoint/2010/main" val="2648306626"/>
+      </p:ext>
+    </p:extLst>
+  </p:cSld>
+  <p:clrMapOvr>
+    <a:masterClrMapping/>
+  </p:clrMapOvr>
+</p:sld>
+</file>
+
+<file path=ppt/slides/slide12.xml><?xml version="1.0" encoding="utf-8"?>
+<p:sld xmlns:a="http://schemas.openxmlformats.org/drawingml/2006/main" xmlns:r="http://schemas.openxmlformats.org/officeDocument/2006/relationships" xmlns:p="http://schemas.openxmlformats.org/presentationml/2006/main">
+  <p:cSld>
+    <p:spTree>
+      <p:nvGrpSpPr>
+        <p:cNvPr id="1" name=""/>
+        <p:cNvGrpSpPr/>
+        <p:nvPr/>
+      </p:nvGrpSpPr>
+      <p:grpSpPr>
+        <a:xfrm>
+          <a:off x="0" y="0"/>
+          <a:ext cx="0" cy="0"/>
+          <a:chOff x="0" y="0"/>
+          <a:chExt cx="0" cy="0"/>
+        </a:xfrm>
+      </p:grpSpPr>
+      <p:sp>
+        <p:nvSpPr>
+          <p:cNvPr id="2" name="Titel 1">
+            <a:extLst>
+              <a:ext uri="{FF2B5EF4-FFF2-40B4-BE49-F238E27FC236}">
+                <a16:creationId xmlns:a16="http://schemas.microsoft.com/office/drawing/2014/main" id="{60CF76F7-DA21-4280-B132-DB1CBFFB0632}"/>
+              </a:ext>
+            </a:extLst>
+          </p:cNvPr>
+          <p:cNvSpPr>
+            <a:spLocks noGrp="1"/>
+          </p:cNvSpPr>
+          <p:nvPr>
+            <p:ph type="title"/>
+          </p:nvPr>
+        </p:nvSpPr>
+        <p:spPr/>
+        <p:txBody>
+          <a:bodyPr/>
+          <a:lstStyle/>
+          <a:p>
+            <a:r>
+              <a:rPr lang="de-DE" dirty="0"/>
+              <a:t>Differential </a:t>
+            </a:r>
+            <a:r>
+              <a:rPr lang="de-DE"/>
+              <a:t>privacy</a:t>
+            </a:r>
+          </a:p>
+        </p:txBody>
+      </p:sp>
+      <p:sp>
+        <p:nvSpPr>
+          <p:cNvPr id="3" name="Datumsplatzhalter 2">
+            <a:extLst>
+              <a:ext uri="{FF2B5EF4-FFF2-40B4-BE49-F238E27FC236}">
+                <a16:creationId xmlns:a16="http://schemas.microsoft.com/office/drawing/2014/main" id="{3B50A201-5742-48F2-9C76-90EB7278DE8B}"/>
+              </a:ext>
+            </a:extLst>
+          </p:cNvPr>
+          <p:cNvSpPr>
+            <a:spLocks noGrp="1"/>
+          </p:cNvSpPr>
+          <p:nvPr>
+            <p:ph type="dt" sz="half" idx="10"/>
+          </p:nvPr>
+        </p:nvSpPr>
+        <p:spPr/>
+        <p:txBody>
+          <a:bodyPr/>
+          <a:lstStyle/>
+          <a:p>
+            <a:r>
+              <a:rPr lang="de-DE"/>
+              <a:t>18.05.2017</a:t>
+            </a:r>
+            <a:endParaRPr lang="de-DE" dirty="0"/>
+          </a:p>
+        </p:txBody>
+      </p:sp>
+      <p:sp>
+        <p:nvSpPr>
+          <p:cNvPr id="4" name="Fußzeilenplatzhalter 3">
+            <a:extLst>
+              <a:ext uri="{FF2B5EF4-FFF2-40B4-BE49-F238E27FC236}">
+                <a16:creationId xmlns:a16="http://schemas.microsoft.com/office/drawing/2014/main" id="{905609BE-6FD9-442B-89BF-1438B615F4CE}"/>
+              </a:ext>
+            </a:extLst>
+          </p:cNvPr>
+          <p:cNvSpPr>
+            <a:spLocks noGrp="1"/>
+          </p:cNvSpPr>
+          <p:nvPr>
+            <p:ph type="ftr" sz="quarter" idx="11"/>
+          </p:nvPr>
+        </p:nvSpPr>
+        <p:spPr/>
+        <p:txBody>
+          <a:bodyPr/>
+          <a:lstStyle/>
+          <a:p>
+            <a:r>
+              <a:rPr lang="de-DE"/>
+              <a:t>Andreas Heimann &amp; Matthias Puchta</a:t>
+            </a:r>
+            <a:endParaRPr lang="de-DE" dirty="0"/>
+          </a:p>
+        </p:txBody>
+      </p:sp>
+      <p:sp>
+        <p:nvSpPr>
+          <p:cNvPr id="5" name="Textplatzhalter 4">
+            <a:extLst>
+              <a:ext uri="{FF2B5EF4-FFF2-40B4-BE49-F238E27FC236}">
+                <a16:creationId xmlns:a16="http://schemas.microsoft.com/office/drawing/2014/main" id="{BE3AB503-2D36-4EFD-97BC-4FB481D902EA}"/>
+              </a:ext>
+            </a:extLst>
+          </p:cNvPr>
+          <p:cNvSpPr>
+            <a:spLocks noGrp="1"/>
+          </p:cNvSpPr>
+          <p:nvPr>
+            <p:ph type="body" sz="quarter" idx="13"/>
+          </p:nvPr>
+        </p:nvSpPr>
+        <p:spPr/>
+        <p:txBody>
+          <a:bodyPr/>
+          <a:lstStyle/>
+          <a:p>
+            <a:endParaRPr lang="de-DE"/>
+          </a:p>
+        </p:txBody>
+      </p:sp>
+      <p:sp>
+        <p:nvSpPr>
+          <p:cNvPr id="6" name="Foliennummernplatzhalter 5">
+            <a:extLst>
+              <a:ext uri="{FF2B5EF4-FFF2-40B4-BE49-F238E27FC236}">
+                <a16:creationId xmlns:a16="http://schemas.microsoft.com/office/drawing/2014/main" id="{9B878E9B-BDE0-4DC9-9BC7-6B1CE8112B95}"/>
+              </a:ext>
+            </a:extLst>
+          </p:cNvPr>
+          <p:cNvSpPr>
+            <a:spLocks noGrp="1"/>
+          </p:cNvSpPr>
+          <p:nvPr>
+            <p:ph type="sldNum" sz="quarter" idx="12"/>
+          </p:nvPr>
+        </p:nvSpPr>
+        <p:spPr/>
+        <p:txBody>
+          <a:bodyPr/>
+          <a:lstStyle/>
+          <a:p>
+            <a:fld id="{50E76E58-F275-47A3-BB17-470016A267B6}" type="slidenum">
+              <a:rPr lang="de-DE" smtClean="0"/>
+              <a:pPr/>
+              <a:t>12</a:t>
+            </a:fld>
+            <a:endParaRPr lang="de-DE"/>
+          </a:p>
+        </p:txBody>
+      </p:sp>
+    </p:spTree>
+    <p:extLst>
+      <p:ext uri="{BB962C8B-B14F-4D97-AF65-F5344CB8AC3E}">
+        <p14:creationId xmlns:p14="http://schemas.microsoft.com/office/powerpoint/2010/main" val="1427231547"/>
+      </p:ext>
+    </p:extLst>
+  </p:cSld>
+  <p:clrMapOvr>
+    <a:masterClrMapping/>
+  </p:clrMapOvr>
+</p:sld>
+</file>
+
 <file path=ppt/slides/slide2.xml><?xml version="1.0" encoding="utf-8"?>
 <p:sld xmlns:a="http://schemas.openxmlformats.org/drawingml/2006/main" xmlns:r="http://schemas.openxmlformats.org/officeDocument/2006/relationships" xmlns:p="http://schemas.openxmlformats.org/presentationml/2006/main">
   <p:cSld>
@@ -3602,7 +4260,86 @@
           <a:bodyPr/>
           <a:lstStyle/>
           <a:p>
-            <a:endParaRPr lang="de-DE"/>
+            <a:r>
+              <a:rPr lang="en-US" dirty="0"/>
+              <a:t>identity disclosure and attribute disclosure.</a:t>
+            </a:r>
+          </a:p>
+          <a:p>
+            <a:r>
+              <a:rPr lang="en-US" dirty="0" err="1"/>
+              <a:t>dentity</a:t>
+            </a:r>
+            <a:r>
+              <a:rPr lang="en-US" dirty="0"/>
+              <a:t> disclosure and attribute disclosure.</a:t>
+            </a:r>
+          </a:p>
+          <a:p>
+            <a:pPr marL="0" indent="0">
+              <a:buNone/>
+            </a:pPr>
+            <a:r>
+              <a:rPr lang="en-US" i="1" dirty="0"/>
+              <a:t>Identity disclosure </a:t>
+            </a:r>
+            <a:r>
+              <a:rPr lang="en-US" dirty="0"/>
+              <a:t>refers to identification of an entity</a:t>
+            </a:r>
+          </a:p>
+          <a:p>
+            <a:pPr marL="0" indent="0">
+              <a:buNone/>
+            </a:pPr>
+            <a:r>
+              <a:rPr lang="en-US" dirty="0"/>
+              <a:t>(person, institution) and </a:t>
+            </a:r>
+            <a:r>
+              <a:rPr lang="en-US" i="1" dirty="0"/>
+              <a:t>attribute disclosure </a:t>
+            </a:r>
+            <a:r>
+              <a:rPr lang="en-US" dirty="0"/>
+              <a:t>occurs when</a:t>
+            </a:r>
+          </a:p>
+          <a:p>
+            <a:pPr marL="0" indent="0">
+              <a:buNone/>
+            </a:pPr>
+            <a:r>
+              <a:rPr lang="en-US" dirty="0"/>
+              <a:t>the intruder finds out something new about the target</a:t>
+            </a:r>
+          </a:p>
+          <a:p>
+            <a:pPr marL="0" indent="0">
+              <a:buNone/>
+            </a:pPr>
+            <a:r>
+              <a:rPr lang="en-US" dirty="0"/>
+              <a:t>entity [11]. Identity disclosure does not automatically</a:t>
+            </a:r>
+          </a:p>
+          <a:p>
+            <a:pPr marL="0" indent="0">
+              <a:buNone/>
+            </a:pPr>
+            <a:r>
+              <a:rPr lang="de-DE" dirty="0" err="1"/>
+              <a:t>imply</a:t>
+            </a:r>
+            <a:r>
+              <a:rPr lang="de-DE" dirty="0"/>
+              <a:t> </a:t>
+            </a:r>
+            <a:r>
+              <a:rPr lang="de-DE" dirty="0" err="1"/>
+              <a:t>attribute</a:t>
+            </a:r>
+            <a:endParaRPr lang="de-DE" dirty="0"/>
           </a:p>
         </p:txBody>
       </p:sp>
@@ -3671,7 +4408,7 @@
           <p:cNvPr id="2" name="Titel 1">
             <a:extLst>
               <a:ext uri="{FF2B5EF4-FFF2-40B4-BE49-F238E27FC236}">
-                <a16:creationId xmlns:a16="http://schemas.microsoft.com/office/drawing/2014/main" id="{29821BA2-C897-4834-998A-48C037EFCC61}"/>
+                <a16:creationId xmlns:a16="http://schemas.microsoft.com/office/drawing/2014/main" id="{7B413E46-A044-4329-AE39-7349DB1BBEFC}"/>
               </a:ext>
             </a:extLst>
           </p:cNvPr>
@@ -3689,11 +4426,11 @@
           <a:p>
             <a:r>
               <a:rPr lang="de-DE" dirty="0"/>
-              <a:t>l-</a:t>
+              <a:t>P-sensitive k -</a:t>
             </a:r>
             <a:r>
               <a:rPr lang="de-DE" dirty="0" err="1"/>
-              <a:t>diversity</a:t>
+              <a:t>anonymity</a:t>
             </a:r>
             <a:endParaRPr lang="de-DE" dirty="0"/>
           </a:p>
@@ -3704,7 +4441,7 @@
           <p:cNvPr id="3" name="Datumsplatzhalter 2">
             <a:extLst>
               <a:ext uri="{FF2B5EF4-FFF2-40B4-BE49-F238E27FC236}">
-                <a16:creationId xmlns:a16="http://schemas.microsoft.com/office/drawing/2014/main" id="{707299E6-283C-4175-B3B3-5D836D4EF88A}"/>
+                <a16:creationId xmlns:a16="http://schemas.microsoft.com/office/drawing/2014/main" id="{2017CE23-A8AD-4FC4-B6DD-A2E0CDE682B2}"/>
               </a:ext>
             </a:extLst>
           </p:cNvPr>
@@ -3733,7 +4470,7 @@
           <p:cNvPr id="4" name="Fußzeilenplatzhalter 3">
             <a:extLst>
               <a:ext uri="{FF2B5EF4-FFF2-40B4-BE49-F238E27FC236}">
-                <a16:creationId xmlns:a16="http://schemas.microsoft.com/office/drawing/2014/main" id="{CDC6992F-08D8-482D-96AA-DC41E416B94B}"/>
+                <a16:creationId xmlns:a16="http://schemas.microsoft.com/office/drawing/2014/main" id="{A23D59A7-D63C-4137-972B-3B6224BB0D54}"/>
               </a:ext>
             </a:extLst>
           </p:cNvPr>
@@ -3762,7 +4499,7 @@
           <p:cNvPr id="5" name="Textplatzhalter 4">
             <a:extLst>
               <a:ext uri="{FF2B5EF4-FFF2-40B4-BE49-F238E27FC236}">
-                <a16:creationId xmlns:a16="http://schemas.microsoft.com/office/drawing/2014/main" id="{CB4D70E7-CAB1-402E-A84F-08E5BE171BBF}"/>
+                <a16:creationId xmlns:a16="http://schemas.microsoft.com/office/drawing/2014/main" id="{62403F49-8A1E-4574-B8FF-BE1B459AD6B3}"/>
               </a:ext>
             </a:extLst>
           </p:cNvPr>
@@ -3778,7 +4515,90 @@
           <a:bodyPr/>
           <a:lstStyle/>
           <a:p>
-            <a:endParaRPr lang="de-DE"/>
+            <a:r>
+              <a:rPr lang="de-DE" dirty="0"/>
+              <a:t>The </a:t>
+            </a:r>
+            <a:r>
+              <a:rPr lang="de-DE" dirty="0" err="1"/>
+              <a:t>for</a:t>
+            </a:r>
+            <a:r>
+              <a:rPr lang="de-DE" dirty="0"/>
+              <a:t> </a:t>
+            </a:r>
+            <a:r>
+              <a:rPr lang="de-DE" dirty="0" err="1"/>
+              <a:t>each</a:t>
+            </a:r>
+            <a:r>
+              <a:rPr lang="de-DE" dirty="0"/>
+              <a:t> </a:t>
+            </a:r>
+            <a:r>
+              <a:rPr lang="de-DE" dirty="0" err="1"/>
+              <a:t>tuple</a:t>
+            </a:r>
+            <a:r>
+              <a:rPr lang="de-DE" dirty="0"/>
+              <a:t> </a:t>
+            </a:r>
+            <a:r>
+              <a:rPr lang="de-DE" dirty="0" err="1"/>
+              <a:t>of</a:t>
+            </a:r>
+            <a:r>
+              <a:rPr lang="de-DE" dirty="0"/>
+              <a:t> k-</a:t>
+            </a:r>
+            <a:r>
+              <a:rPr lang="de-DE" dirty="0" err="1"/>
+              <a:t>anonymity</a:t>
+            </a:r>
+            <a:r>
+              <a:rPr lang="de-DE" dirty="0"/>
+              <a:t> </a:t>
+            </a:r>
+            <a:r>
+              <a:rPr lang="de-DE" dirty="0" err="1"/>
+              <a:t>there</a:t>
+            </a:r>
+            <a:r>
+              <a:rPr lang="de-DE" dirty="0"/>
+              <a:t> </a:t>
+            </a:r>
+            <a:r>
+              <a:rPr lang="de-DE" dirty="0" err="1"/>
+              <a:t>are</a:t>
+            </a:r>
+            <a:r>
+              <a:rPr lang="de-DE" dirty="0"/>
+              <a:t> at least p different sensitive </a:t>
+            </a:r>
+            <a:r>
+              <a:rPr lang="de-DE" dirty="0" err="1"/>
+              <a:t>data</a:t>
+            </a:r>
+            <a:endParaRPr lang="de-DE" dirty="0"/>
+          </a:p>
+          <a:p>
+            <a:r>
+              <a:rPr lang="de-DE" dirty="0"/>
+              <a:t>Problem:</a:t>
+            </a:r>
+            <a:r>
+              <a:rPr lang="en-US" dirty="0"/>
+              <a:t>p-Sensitive k-anonymity has the limitation of implicitly assuming that each confidential attribute takes values uniformly over its domain, that is, that the frequencies of the various values of a confidential attribute are similar. When this is not the case, </a:t>
+            </a:r>
+            <a:r>
+              <a:rPr lang="en-US" dirty="0" err="1"/>
+              <a:t>achievingp</a:t>
+            </a:r>
+            <a:r>
+              <a:rPr lang="en-US" dirty="0"/>
+              <a:t>-sensitive k-anonymity may cause a huge data utility loss. This is illustrated in the following example.</a:t>
+            </a:r>
+            <a:endParaRPr lang="de-DE" dirty="0"/>
           </a:p>
         </p:txBody>
       </p:sp>
@@ -3787,7 +4607,7 @@
           <p:cNvPr id="6" name="Foliennummernplatzhalter 5">
             <a:extLst>
               <a:ext uri="{FF2B5EF4-FFF2-40B4-BE49-F238E27FC236}">
-                <a16:creationId xmlns:a16="http://schemas.microsoft.com/office/drawing/2014/main" id="{265E418F-8B07-43E5-91F1-566EB30C7F53}"/>
+                <a16:creationId xmlns:a16="http://schemas.microsoft.com/office/drawing/2014/main" id="{E252A72A-F651-40F4-8DBC-665586CBC460}"/>
               </a:ext>
             </a:extLst>
           </p:cNvPr>
@@ -3815,7 +4635,7 @@
     </p:spTree>
     <p:extLst>
       <p:ext uri="{BB962C8B-B14F-4D97-AF65-F5344CB8AC3E}">
-        <p14:creationId xmlns:p14="http://schemas.microsoft.com/office/powerpoint/2010/main" val="405088296"/>
+        <p14:creationId xmlns:p14="http://schemas.microsoft.com/office/powerpoint/2010/main" val="2954308101"/>
       </p:ext>
     </p:extLst>
   </p:cSld>
@@ -3847,7 +4667,7 @@
           <p:cNvPr id="2" name="Titel 1">
             <a:extLst>
               <a:ext uri="{FF2B5EF4-FFF2-40B4-BE49-F238E27FC236}">
-                <a16:creationId xmlns:a16="http://schemas.microsoft.com/office/drawing/2014/main" id="{03774710-EF24-496F-8E16-1860EB9452BD}"/>
+                <a16:creationId xmlns:a16="http://schemas.microsoft.com/office/drawing/2014/main" id="{29821BA2-C897-4834-998A-48C037EFCC61}"/>
               </a:ext>
             </a:extLst>
           </p:cNvPr>
@@ -3865,11 +4685,11 @@
           <a:p>
             <a:r>
               <a:rPr lang="de-DE" dirty="0"/>
-              <a:t>t-</a:t>
+              <a:t>l-</a:t>
             </a:r>
             <a:r>
               <a:rPr lang="de-DE" dirty="0" err="1"/>
-              <a:t>close´ness</a:t>
+              <a:t>diversity</a:t>
             </a:r>
             <a:endParaRPr lang="de-DE" dirty="0"/>
           </a:p>
@@ -3880,7 +4700,7 @@
           <p:cNvPr id="3" name="Datumsplatzhalter 2">
             <a:extLst>
               <a:ext uri="{FF2B5EF4-FFF2-40B4-BE49-F238E27FC236}">
-                <a16:creationId xmlns:a16="http://schemas.microsoft.com/office/drawing/2014/main" id="{419087A1-C8F7-429D-9539-28EFF980787F}"/>
+                <a16:creationId xmlns:a16="http://schemas.microsoft.com/office/drawing/2014/main" id="{707299E6-283C-4175-B3B3-5D836D4EF88A}"/>
               </a:ext>
             </a:extLst>
           </p:cNvPr>
@@ -3909,7 +4729,7 @@
           <p:cNvPr id="4" name="Fußzeilenplatzhalter 3">
             <a:extLst>
               <a:ext uri="{FF2B5EF4-FFF2-40B4-BE49-F238E27FC236}">
-                <a16:creationId xmlns:a16="http://schemas.microsoft.com/office/drawing/2014/main" id="{16A1720A-77AB-4E5A-8054-A5D031724E0F}"/>
+                <a16:creationId xmlns:a16="http://schemas.microsoft.com/office/drawing/2014/main" id="{CDC6992F-08D8-482D-96AA-DC41E416B94B}"/>
               </a:ext>
             </a:extLst>
           </p:cNvPr>
@@ -3926,12 +4746,8 @@
           <a:lstStyle/>
           <a:p>
             <a:r>
-              <a:rPr lang="de-DE" dirty="0"/>
-              <a:t>Andreas Wiegand &amp; Ludwig </a:t>
-            </a:r>
-            <a:r>
-              <a:rPr lang="de-DE" dirty="0" err="1"/>
-              <a:t>Schallner</a:t>
+              <a:rPr lang="de-DE"/>
+              <a:t>Andreas Heimann &amp; Matthias Puchta</a:t>
             </a:r>
             <a:endParaRPr lang="de-DE" dirty="0"/>
           </a:p>
@@ -3942,7 +4758,7 @@
           <p:cNvPr id="5" name="Textplatzhalter 4">
             <a:extLst>
               <a:ext uri="{FF2B5EF4-FFF2-40B4-BE49-F238E27FC236}">
-                <a16:creationId xmlns:a16="http://schemas.microsoft.com/office/drawing/2014/main" id="{30F3C5B2-53AA-499A-886B-AA06C3A92963}"/>
+                <a16:creationId xmlns:a16="http://schemas.microsoft.com/office/drawing/2014/main" id="{CB4D70E7-CAB1-402E-A84F-08E5BE171BBF}"/>
               </a:ext>
             </a:extLst>
           </p:cNvPr>
@@ -3958,7 +4774,74 @@
           <a:bodyPr/>
           <a:lstStyle/>
           <a:p>
-            <a:endParaRPr lang="de-DE"/>
+            <a:r>
+              <a:rPr lang="en-US" dirty="0"/>
+              <a:t>Definition 3 (l-Diversity): A data set is said to satisfy</a:t>
+            </a:r>
+          </a:p>
+          <a:p>
+            <a:pPr marL="0" indent="0">
+              <a:buNone/>
+            </a:pPr>
+            <a:r>
+              <a:rPr lang="en-US" dirty="0"/>
+              <a:t>l-diversity if, for each group of records sharing a</a:t>
+            </a:r>
+          </a:p>
+          <a:p>
+            <a:pPr marL="0" indent="0">
+              <a:buNone/>
+            </a:pPr>
+            <a:r>
+              <a:rPr lang="en-US" dirty="0"/>
+              <a:t>combination of key attributes, there are at least l “</a:t>
+            </a:r>
+            <a:r>
+              <a:rPr lang="en-US" dirty="0" err="1"/>
+              <a:t>wellrepresented</a:t>
+            </a:r>
+            <a:r>
+              <a:rPr lang="en-US" dirty="0"/>
+              <a:t>” values for each confidential attribute.</a:t>
+            </a:r>
+          </a:p>
+          <a:p>
+            <a:pPr marL="0" indent="0">
+              <a:buNone/>
+            </a:pPr>
+            <a:r>
+              <a:rPr lang="en-US" dirty="0"/>
+              <a:t>According to [9] the term “well-represented” can be</a:t>
+            </a:r>
+          </a:p>
+          <a:p>
+            <a:pPr marL="0" indent="0">
+              <a:buNone/>
+            </a:pPr>
+            <a:r>
+              <a:rPr lang="de-DE" dirty="0" err="1"/>
+              <a:t>defined</a:t>
+            </a:r>
+            <a:r>
+              <a:rPr lang="de-DE" dirty="0"/>
+              <a:t> in </a:t>
+            </a:r>
+            <a:r>
+              <a:rPr lang="de-DE" dirty="0" err="1"/>
+              <a:t>several</a:t>
+            </a:r>
+            <a:r>
+              <a:rPr lang="de-DE" dirty="0"/>
+              <a:t> </a:t>
+            </a:r>
+            <a:r>
+              <a:rPr lang="de-DE" dirty="0" err="1"/>
+              <a:t>ways</a:t>
+            </a:r>
+            <a:r>
+              <a:rPr lang="de-DE" dirty="0"/>
+              <a:t>:</a:t>
+            </a:r>
           </a:p>
         </p:txBody>
       </p:sp>
@@ -3967,7 +4850,7 @@
           <p:cNvPr id="6" name="Foliennummernplatzhalter 5">
             <a:extLst>
               <a:ext uri="{FF2B5EF4-FFF2-40B4-BE49-F238E27FC236}">
-                <a16:creationId xmlns:a16="http://schemas.microsoft.com/office/drawing/2014/main" id="{54D3FDF2-2764-4BE6-BE4D-51DAF1C1A001}"/>
+                <a16:creationId xmlns:a16="http://schemas.microsoft.com/office/drawing/2014/main" id="{265E418F-8B07-43E5-91F1-566EB30C7F53}"/>
               </a:ext>
             </a:extLst>
           </p:cNvPr>
@@ -3995,7 +4878,7 @@
     </p:spTree>
     <p:extLst>
       <p:ext uri="{BB962C8B-B14F-4D97-AF65-F5344CB8AC3E}">
-        <p14:creationId xmlns:p14="http://schemas.microsoft.com/office/powerpoint/2010/main" val="222580713"/>
+        <p14:creationId xmlns:p14="http://schemas.microsoft.com/office/powerpoint/2010/main" val="405088296"/>
       </p:ext>
     </p:extLst>
   </p:cSld>
@@ -4027,7 +4910,7 @@
           <p:cNvPr id="2" name="Titel 1">
             <a:extLst>
               <a:ext uri="{FF2B5EF4-FFF2-40B4-BE49-F238E27FC236}">
-                <a16:creationId xmlns:a16="http://schemas.microsoft.com/office/drawing/2014/main" id="{ED74D9F5-7E88-40DD-A611-56459F70E672}"/>
+                <a16:creationId xmlns:a16="http://schemas.microsoft.com/office/drawing/2014/main" id="{48F7001C-8209-4829-9211-838EE9976128}"/>
               </a:ext>
             </a:extLst>
           </p:cNvPr>
@@ -4043,7 +4926,15 @@
           <a:bodyPr/>
           <a:lstStyle/>
           <a:p>
-            <a:endParaRPr lang="de-DE"/>
+            <a:r>
+              <a:rPr lang="de-DE" dirty="0"/>
+              <a:t>Different l-</a:t>
+            </a:r>
+            <a:r>
+              <a:rPr lang="de-DE" dirty="0" err="1"/>
+              <a:t>diversity</a:t>
+            </a:r>
+            <a:endParaRPr lang="de-DE" dirty="0"/>
           </a:p>
         </p:txBody>
       </p:sp>
@@ -4052,7 +4943,7 @@
           <p:cNvPr id="3" name="Datumsplatzhalter 2">
             <a:extLst>
               <a:ext uri="{FF2B5EF4-FFF2-40B4-BE49-F238E27FC236}">
-                <a16:creationId xmlns:a16="http://schemas.microsoft.com/office/drawing/2014/main" id="{A81886F5-D8A0-4AB2-A12D-B44314A08602}"/>
+                <a16:creationId xmlns:a16="http://schemas.microsoft.com/office/drawing/2014/main" id="{5617572A-0126-4E39-9967-6339673CBF10}"/>
               </a:ext>
             </a:extLst>
           </p:cNvPr>
@@ -4081,7 +4972,7 @@
           <p:cNvPr id="4" name="Fußzeilenplatzhalter 3">
             <a:extLst>
               <a:ext uri="{FF2B5EF4-FFF2-40B4-BE49-F238E27FC236}">
-                <a16:creationId xmlns:a16="http://schemas.microsoft.com/office/drawing/2014/main" id="{59640035-9623-4075-BDEE-7833C664AE8B}"/>
+                <a16:creationId xmlns:a16="http://schemas.microsoft.com/office/drawing/2014/main" id="{147D38FB-93C4-47D0-B1B6-40BB9C26DCA0}"/>
               </a:ext>
             </a:extLst>
           </p:cNvPr>
@@ -4110,7 +5001,7 @@
           <p:cNvPr id="5" name="Textplatzhalter 4">
             <a:extLst>
               <a:ext uri="{FF2B5EF4-FFF2-40B4-BE49-F238E27FC236}">
-                <a16:creationId xmlns:a16="http://schemas.microsoft.com/office/drawing/2014/main" id="{8F031245-BB29-41F9-8C5E-156AFC612440}"/>
+                <a16:creationId xmlns:a16="http://schemas.microsoft.com/office/drawing/2014/main" id="{A8D93557-FF57-443A-B61F-5F9D57A43186}"/>
               </a:ext>
             </a:extLst>
           </p:cNvPr>
@@ -4126,7 +5017,55 @@
           <a:bodyPr/>
           <a:lstStyle/>
           <a:p>
-            <a:endParaRPr lang="de-DE"/>
+            <a:r>
+              <a:rPr lang="en-US" dirty="0"/>
+              <a:t>1) Distinct l-diversity. There must be at least l distinct values for the confidential attribute in each group of records sharing a combination of key attributes. This is equivalent to l-sensitive k-</a:t>
+            </a:r>
+          </a:p>
+          <a:p>
+            <a:r>
+              <a:rPr lang="de-DE" dirty="0"/>
+              <a:t>2) </a:t>
+            </a:r>
+            <a:r>
+              <a:rPr lang="de-DE" dirty="0" err="1"/>
+              <a:t>Entropy</a:t>
+            </a:r>
+            <a:r>
+              <a:rPr lang="de-DE" dirty="0"/>
+              <a:t> l-</a:t>
+            </a:r>
+            <a:r>
+              <a:rPr lang="de-DE" dirty="0" err="1"/>
+              <a:t>diversity</a:t>
+            </a:r>
+            <a:r>
+              <a:rPr lang="de-DE" dirty="0"/>
+              <a:t>.</a:t>
+            </a:r>
+            <a:r>
+              <a:rPr lang="en-US" dirty="0"/>
+              <a:t>.</a:t>
+            </a:r>
+          </a:p>
+          <a:p>
+            <a:r>
+              <a:rPr lang="de-DE" dirty="0"/>
+              <a:t>3) </a:t>
+            </a:r>
+            <a:r>
+              <a:rPr lang="de-DE" dirty="0" err="1"/>
+              <a:t>Recursive</a:t>
+            </a:r>
+            <a:r>
+              <a:rPr lang="de-DE" dirty="0"/>
+              <a:t> (c, l)-</a:t>
+            </a:r>
+            <a:r>
+              <a:rPr lang="de-DE" dirty="0" err="1"/>
+              <a:t>diversity</a:t>
+            </a:r>
+            <a:endParaRPr lang="de-DE" dirty="0"/>
           </a:p>
         </p:txBody>
       </p:sp>
@@ -4135,7 +5074,7 @@
           <p:cNvPr id="6" name="Foliennummernplatzhalter 5">
             <a:extLst>
               <a:ext uri="{FF2B5EF4-FFF2-40B4-BE49-F238E27FC236}">
-                <a16:creationId xmlns:a16="http://schemas.microsoft.com/office/drawing/2014/main" id="{35C5C671-02F4-435F-A4CA-4659E0309639}"/>
+                <a16:creationId xmlns:a16="http://schemas.microsoft.com/office/drawing/2014/main" id="{5824C375-82E2-4ED0-B2D7-27F730213BC9}"/>
               </a:ext>
             </a:extLst>
           </p:cNvPr>
@@ -4163,7 +5102,298 @@
     </p:spTree>
     <p:extLst>
       <p:ext uri="{BB962C8B-B14F-4D97-AF65-F5344CB8AC3E}">
-        <p14:creationId xmlns:p14="http://schemas.microsoft.com/office/powerpoint/2010/main" val="2648306626"/>
+        <p14:creationId xmlns:p14="http://schemas.microsoft.com/office/powerpoint/2010/main" val="3629270011"/>
+      </p:ext>
+    </p:extLst>
+  </p:cSld>
+  <p:clrMapOvr>
+    <a:masterClrMapping/>
+  </p:clrMapOvr>
+</p:sld>
+</file>
+
+<file path=ppt/slides/slide9.xml><?xml version="1.0" encoding="utf-8"?>
+<p:sld xmlns:a="http://schemas.openxmlformats.org/drawingml/2006/main" xmlns:r="http://schemas.openxmlformats.org/officeDocument/2006/relationships" xmlns:p="http://schemas.openxmlformats.org/presentationml/2006/main">
+  <p:cSld>
+    <p:spTree>
+      <p:nvGrpSpPr>
+        <p:cNvPr id="1" name=""/>
+        <p:cNvGrpSpPr/>
+        <p:nvPr/>
+      </p:nvGrpSpPr>
+      <p:grpSpPr>
+        <a:xfrm>
+          <a:off x="0" y="0"/>
+          <a:ext cx="0" cy="0"/>
+          <a:chOff x="0" y="0"/>
+          <a:chExt cx="0" cy="0"/>
+        </a:xfrm>
+      </p:grpSpPr>
+      <p:sp>
+        <p:nvSpPr>
+          <p:cNvPr id="2" name="Titel 1">
+            <a:extLst>
+              <a:ext uri="{FF2B5EF4-FFF2-40B4-BE49-F238E27FC236}">
+                <a16:creationId xmlns:a16="http://schemas.microsoft.com/office/drawing/2014/main" id="{D57F315B-3D66-4582-BD2E-B5CF68CF03EA}"/>
+              </a:ext>
+            </a:extLst>
+          </p:cNvPr>
+          <p:cNvSpPr>
+            <a:spLocks noGrp="1"/>
+          </p:cNvSpPr>
+          <p:nvPr>
+            <p:ph type="title"/>
+          </p:nvPr>
+        </p:nvSpPr>
+        <p:spPr/>
+        <p:txBody>
+          <a:bodyPr/>
+          <a:lstStyle/>
+          <a:p>
+            <a:r>
+              <a:rPr lang="de-DE" dirty="0"/>
+              <a:t>Pr0blems </a:t>
+            </a:r>
+            <a:r>
+              <a:rPr lang="de-DE" dirty="0" err="1"/>
+              <a:t>with</a:t>
+            </a:r>
+            <a:r>
+              <a:rPr lang="de-DE" dirty="0"/>
+              <a:t> l-</a:t>
+            </a:r>
+            <a:r>
+              <a:rPr lang="de-DE" dirty="0" err="1"/>
+              <a:t>diversity</a:t>
+            </a:r>
+            <a:endParaRPr lang="de-DE" dirty="0"/>
+          </a:p>
+        </p:txBody>
+      </p:sp>
+      <p:sp>
+        <p:nvSpPr>
+          <p:cNvPr id="3" name="Datumsplatzhalter 2">
+            <a:extLst>
+              <a:ext uri="{FF2B5EF4-FFF2-40B4-BE49-F238E27FC236}">
+                <a16:creationId xmlns:a16="http://schemas.microsoft.com/office/drawing/2014/main" id="{F0D016CC-39B2-45FF-8A84-ED244F5DF67D}"/>
+              </a:ext>
+            </a:extLst>
+          </p:cNvPr>
+          <p:cNvSpPr>
+            <a:spLocks noGrp="1"/>
+          </p:cNvSpPr>
+          <p:nvPr>
+            <p:ph type="dt" sz="half" idx="10"/>
+          </p:nvPr>
+        </p:nvSpPr>
+        <p:spPr/>
+        <p:txBody>
+          <a:bodyPr/>
+          <a:lstStyle/>
+          <a:p>
+            <a:r>
+              <a:rPr lang="de-DE"/>
+              <a:t>18.05.2017</a:t>
+            </a:r>
+            <a:endParaRPr lang="de-DE" dirty="0"/>
+          </a:p>
+        </p:txBody>
+      </p:sp>
+      <p:sp>
+        <p:nvSpPr>
+          <p:cNvPr id="4" name="Fußzeilenplatzhalter 3">
+            <a:extLst>
+              <a:ext uri="{FF2B5EF4-FFF2-40B4-BE49-F238E27FC236}">
+                <a16:creationId xmlns:a16="http://schemas.microsoft.com/office/drawing/2014/main" id="{A2CF5D6B-468B-404B-9403-11972A2A9486}"/>
+              </a:ext>
+            </a:extLst>
+          </p:cNvPr>
+          <p:cNvSpPr>
+            <a:spLocks noGrp="1"/>
+          </p:cNvSpPr>
+          <p:nvPr>
+            <p:ph type="ftr" sz="quarter" idx="11"/>
+          </p:nvPr>
+        </p:nvSpPr>
+        <p:spPr/>
+        <p:txBody>
+          <a:bodyPr/>
+          <a:lstStyle/>
+          <a:p>
+            <a:r>
+              <a:rPr lang="de-DE"/>
+              <a:t>Andreas Heimann &amp; Matthias Puchta</a:t>
+            </a:r>
+            <a:endParaRPr lang="de-DE" dirty="0"/>
+          </a:p>
+        </p:txBody>
+      </p:sp>
+      <p:sp>
+        <p:nvSpPr>
+          <p:cNvPr id="5" name="Textplatzhalter 4">
+            <a:extLst>
+              <a:ext uri="{FF2B5EF4-FFF2-40B4-BE49-F238E27FC236}">
+                <a16:creationId xmlns:a16="http://schemas.microsoft.com/office/drawing/2014/main" id="{43AD6479-C7D5-46BC-9148-10AF544DFBFA}"/>
+              </a:ext>
+            </a:extLst>
+          </p:cNvPr>
+          <p:cNvSpPr>
+            <a:spLocks noGrp="1"/>
+          </p:cNvSpPr>
+          <p:nvPr>
+            <p:ph type="body" sz="quarter" idx="13"/>
+          </p:nvPr>
+        </p:nvSpPr>
+        <p:spPr/>
+        <p:txBody>
+          <a:bodyPr/>
+          <a:lstStyle/>
+          <a:p>
+            <a:r>
+              <a:rPr lang="en-US" dirty="0"/>
+              <a:t>l-Diversity may be difficult and unnecessary to</a:t>
+            </a:r>
+          </a:p>
+          <a:p>
+            <a:pPr marL="0" indent="0">
+              <a:buNone/>
+            </a:pPr>
+            <a:r>
+              <a:rPr lang="en-US" dirty="0"/>
+              <a:t>achieve. The argument is the same given against</a:t>
+            </a:r>
+          </a:p>
+          <a:p>
+            <a:pPr marL="0" indent="0">
+              <a:buNone/>
+            </a:pPr>
+            <a:r>
+              <a:rPr lang="en-US" dirty="0"/>
+              <a:t>p-sensitive k-anonymity in Example 2 above.</a:t>
+            </a:r>
+          </a:p>
+          <a:p>
+            <a:r>
+              <a:rPr lang="en-US" dirty="0"/>
+              <a:t>l-Diversity is insufficient to prevent attribute disclosure.</a:t>
+            </a:r>
+          </a:p>
+          <a:p>
+            <a:pPr marL="0" indent="0">
+              <a:buNone/>
+            </a:pPr>
+            <a:r>
+              <a:rPr lang="en-US" dirty="0"/>
+              <a:t>At least the following two attacks are </a:t>
+            </a:r>
+            <a:r>
+              <a:rPr lang="de-DE" dirty="0" err="1"/>
+              <a:t>conceivable</a:t>
+            </a:r>
+            <a:r>
+              <a:rPr lang="de-DE" dirty="0"/>
+              <a:t>:</a:t>
+            </a:r>
+          </a:p>
+          <a:p>
+            <a:pPr marL="0" indent="0">
+              <a:buNone/>
+            </a:pPr>
+            <a:r>
+              <a:rPr lang="de-DE" dirty="0" err="1"/>
+              <a:t>Skewness</a:t>
+            </a:r>
+            <a:r>
+              <a:rPr lang="de-DE" dirty="0"/>
+              <a:t> </a:t>
+            </a:r>
+            <a:r>
+              <a:rPr lang="de-DE" dirty="0" err="1"/>
+              <a:t>attack</a:t>
+            </a:r>
+            <a:r>
+              <a:rPr lang="de-DE" dirty="0"/>
+              <a:t>:</a:t>
+            </a:r>
+          </a:p>
+          <a:p>
+            <a:pPr marL="0" indent="0">
+              <a:buNone/>
+            </a:pPr>
+            <a:r>
+              <a:rPr lang="de-DE" dirty="0" err="1"/>
+              <a:t>Similarity</a:t>
+            </a:r>
+            <a:r>
+              <a:rPr lang="de-DE" dirty="0"/>
+              <a:t> </a:t>
+            </a:r>
+            <a:r>
+              <a:rPr lang="de-DE" dirty="0" err="1"/>
+              <a:t>attack</a:t>
+            </a:r>
+            <a:r>
+              <a:rPr lang="de-DE" dirty="0"/>
+              <a:t>: </a:t>
+            </a:r>
+            <a:r>
+              <a:rPr lang="de-DE" dirty="0" err="1"/>
+              <a:t>sematical</a:t>
+            </a:r>
+            <a:r>
+              <a:rPr lang="de-DE" dirty="0"/>
+              <a:t> same </a:t>
+            </a:r>
+            <a:r>
+              <a:rPr lang="de-DE" dirty="0" err="1"/>
+              <a:t>cofidentail</a:t>
+            </a:r>
+            <a:r>
+              <a:rPr lang="de-DE" dirty="0"/>
+              <a:t> </a:t>
+            </a:r>
+            <a:r>
+              <a:rPr lang="de-DE" dirty="0" err="1"/>
+              <a:t>attributes</a:t>
+            </a:r>
+            <a:endParaRPr lang="de-DE" dirty="0"/>
+          </a:p>
+        </p:txBody>
+      </p:sp>
+      <p:sp>
+        <p:nvSpPr>
+          <p:cNvPr id="6" name="Foliennummernplatzhalter 5">
+            <a:extLst>
+              <a:ext uri="{FF2B5EF4-FFF2-40B4-BE49-F238E27FC236}">
+                <a16:creationId xmlns:a16="http://schemas.microsoft.com/office/drawing/2014/main" id="{ED7B792D-2998-422A-8AFD-846A7976EE01}"/>
+              </a:ext>
+            </a:extLst>
+          </p:cNvPr>
+          <p:cNvSpPr>
+            <a:spLocks noGrp="1"/>
+          </p:cNvSpPr>
+          <p:nvPr>
+            <p:ph type="sldNum" sz="quarter" idx="12"/>
+          </p:nvPr>
+        </p:nvSpPr>
+        <p:spPr/>
+        <p:txBody>
+          <a:bodyPr/>
+          <a:lstStyle/>
+          <a:p>
+            <a:fld id="{50E76E58-F275-47A3-BB17-470016A267B6}" type="slidenum">
+              <a:rPr lang="de-DE" smtClean="0"/>
+              <a:pPr/>
+              <a:t>9</a:t>
+            </a:fld>
+            <a:endParaRPr lang="de-DE"/>
+          </a:p>
+        </p:txBody>
+      </p:sp>
+    </p:spTree>
+    <p:extLst>
+      <p:ext uri="{BB962C8B-B14F-4D97-AF65-F5344CB8AC3E}">
+        <p14:creationId xmlns:p14="http://schemas.microsoft.com/office/powerpoint/2010/main" val="2921885383"/>
       </p:ext>
     </p:extLst>
   </p:cSld>

--- a/presentation/sicherheits.pptx
+++ b/presentation/sicherheits.pptx
@@ -5,24 +5,25 @@
     <p:sldMasterId id="2147483678" r:id="rId2"/>
   </p:sldMasterIdLst>
   <p:notesMasterIdLst>
-    <p:notesMasterId r:id="rId15"/>
+    <p:notesMasterId r:id="rId16"/>
   </p:notesMasterIdLst>
   <p:handoutMasterIdLst>
-    <p:handoutMasterId r:id="rId16"/>
+    <p:handoutMasterId r:id="rId17"/>
   </p:handoutMasterIdLst>
   <p:sldIdLst>
     <p:sldId id="256" r:id="rId3"/>
     <p:sldId id="257" r:id="rId4"/>
     <p:sldId id="258" r:id="rId5"/>
-    <p:sldId id="259" r:id="rId6"/>
-    <p:sldId id="263" r:id="rId7"/>
-    <p:sldId id="264" r:id="rId8"/>
-    <p:sldId id="260" r:id="rId9"/>
-    <p:sldId id="265" r:id="rId10"/>
-    <p:sldId id="266" r:id="rId11"/>
-    <p:sldId id="262" r:id="rId12"/>
-    <p:sldId id="261" r:id="rId13"/>
-    <p:sldId id="267" r:id="rId14"/>
+    <p:sldId id="268" r:id="rId6"/>
+    <p:sldId id="259" r:id="rId7"/>
+    <p:sldId id="263" r:id="rId8"/>
+    <p:sldId id="264" r:id="rId9"/>
+    <p:sldId id="260" r:id="rId10"/>
+    <p:sldId id="265" r:id="rId11"/>
+    <p:sldId id="266" r:id="rId12"/>
+    <p:sldId id="262" r:id="rId13"/>
+    <p:sldId id="261" r:id="rId14"/>
+    <p:sldId id="267" r:id="rId15"/>
   </p:sldIdLst>
   <p:sldSz cx="9144000" cy="6858000" type="screen4x3"/>
   <p:notesSz cx="7099300" cy="10234613"/>
@@ -287,7 +288,7 @@
             <a:fld id="{5BB45A7C-CD8D-4615-9E21-7904701129AE}" type="datetimeFigureOut">
               <a:rPr lang="de-DE"/>
               <a:pPr/>
-              <a:t>20.01.2018</a:t>
+              <a:t>21.01.2018</a:t>
             </a:fld>
             <a:endParaRPr lang="de-DE"/>
           </a:p>
@@ -2006,7 +2007,7 @@
             <a:fld id="{4B008DF5-449C-4CDB-99E5-200AB76F51BF}" type="datetime1">
               <a:rPr lang="de-DE"/>
               <a:pPr/>
-              <a:t>20.01.2018</a:t>
+              <a:t>21.01.2018</a:t>
             </a:fld>
             <a:endParaRPr lang="de-DE" dirty="0"/>
           </a:p>
@@ -2684,7 +2685,7 @@
           <p:cNvPr id="2" name="Titel 1">
             <a:extLst>
               <a:ext uri="{FF2B5EF4-FFF2-40B4-BE49-F238E27FC236}">
-                <a16:creationId xmlns:a16="http://schemas.microsoft.com/office/drawing/2014/main" id="{03774710-EF24-496F-8E16-1860EB9452BD}"/>
+                <a16:creationId xmlns:a16="http://schemas.microsoft.com/office/drawing/2014/main" id="{D57F315B-3D66-4582-BD2E-B5CF68CF03EA}"/>
               </a:ext>
             </a:extLst>
           </p:cNvPr>
@@ -2702,11 +2703,19 @@
           <a:p>
             <a:r>
               <a:rPr lang="de-DE" dirty="0"/>
-              <a:t>t-</a:t>
+              <a:t>Pr0blems </a:t>
             </a:r>
             <a:r>
               <a:rPr lang="de-DE" dirty="0" err="1"/>
-              <a:t>close´ness</a:t>
+              <a:t>with</a:t>
+            </a:r>
+            <a:r>
+              <a:rPr lang="de-DE" dirty="0"/>
+              <a:t> l-</a:t>
+            </a:r>
+            <a:r>
+              <a:rPr lang="de-DE" dirty="0" err="1"/>
+              <a:t>diversity</a:t>
             </a:r>
             <a:endParaRPr lang="de-DE" dirty="0"/>
           </a:p>
@@ -2717,7 +2726,7 @@
           <p:cNvPr id="3" name="Datumsplatzhalter 2">
             <a:extLst>
               <a:ext uri="{FF2B5EF4-FFF2-40B4-BE49-F238E27FC236}">
-                <a16:creationId xmlns:a16="http://schemas.microsoft.com/office/drawing/2014/main" id="{419087A1-C8F7-429D-9539-28EFF980787F}"/>
+                <a16:creationId xmlns:a16="http://schemas.microsoft.com/office/drawing/2014/main" id="{F0D016CC-39B2-45FF-8A84-ED244F5DF67D}"/>
               </a:ext>
             </a:extLst>
           </p:cNvPr>
@@ -2746,7 +2755,7 @@
           <p:cNvPr id="4" name="Fußzeilenplatzhalter 3">
             <a:extLst>
               <a:ext uri="{FF2B5EF4-FFF2-40B4-BE49-F238E27FC236}">
-                <a16:creationId xmlns:a16="http://schemas.microsoft.com/office/drawing/2014/main" id="{16A1720A-77AB-4E5A-8054-A5D031724E0F}"/>
+                <a16:creationId xmlns:a16="http://schemas.microsoft.com/office/drawing/2014/main" id="{A2CF5D6B-468B-404B-9403-11972A2A9486}"/>
               </a:ext>
             </a:extLst>
           </p:cNvPr>
@@ -2763,12 +2772,8 @@
           <a:lstStyle/>
           <a:p>
             <a:r>
-              <a:rPr lang="de-DE" dirty="0"/>
-              <a:t>Andreas Wiegand &amp; Ludwig </a:t>
-            </a:r>
-            <a:r>
-              <a:rPr lang="de-DE" dirty="0" err="1"/>
-              <a:t>Schallner</a:t>
+              <a:rPr lang="de-DE"/>
+              <a:t>Andreas Heimann &amp; Matthias Puchta</a:t>
             </a:r>
             <a:endParaRPr lang="de-DE" dirty="0"/>
           </a:p>
@@ -2779,7 +2784,7 @@
           <p:cNvPr id="5" name="Textplatzhalter 4">
             <a:extLst>
               <a:ext uri="{FF2B5EF4-FFF2-40B4-BE49-F238E27FC236}">
-                <a16:creationId xmlns:a16="http://schemas.microsoft.com/office/drawing/2014/main" id="{30F3C5B2-53AA-499A-886B-AA06C3A92963}"/>
+                <a16:creationId xmlns:a16="http://schemas.microsoft.com/office/drawing/2014/main" id="{43AD6479-C7D5-46BC-9148-10AF544DFBFA}"/>
               </a:ext>
             </a:extLst>
           </p:cNvPr>
@@ -2796,12 +2801,8 @@
           <a:lstStyle/>
           <a:p>
             <a:r>
-              <a:rPr lang="de-DE" dirty="0"/>
-              <a:t>Definition: </a:t>
-            </a:r>
-            <a:r>
               <a:rPr lang="en-US" dirty="0"/>
-              <a:t>Definition 4 (t-Closeness): A data set is said to</a:t>
+              <a:t>l-Diversity may be difficult and unnecessary to</a:t>
             </a:r>
           </a:p>
           <a:p>
@@ -2810,7 +2811,7 @@
             </a:pPr>
             <a:r>
               <a:rPr lang="en-US" dirty="0"/>
-              <a:t>satisfy t-closeness if, for each group of records sharing</a:t>
+              <a:t>achieve. The argument is the same given against</a:t>
             </a:r>
           </a:p>
           <a:p>
@@ -2819,7 +2820,13 @@
             </a:pPr>
             <a:r>
               <a:rPr lang="en-US" dirty="0"/>
-              <a:t>a combination of key attributes, the distance between</a:t>
+              <a:t>p-sensitive k-anonymity in Example 2 above.</a:t>
+            </a:r>
+          </a:p>
+          <a:p>
+            <a:r>
+              <a:rPr lang="en-US" dirty="0"/>
+              <a:t>l-Diversity is insufficient to prevent attribute disclosure.</a:t>
             </a:r>
           </a:p>
           <a:p>
@@ -2828,7 +2835,15 @@
             </a:pPr>
             <a:r>
               <a:rPr lang="en-US" dirty="0"/>
-              <a:t>the distribution of the confidential attribute in the group</a:t>
+              <a:t>At least the following two attacks are </a:t>
+            </a:r>
+            <a:r>
+              <a:rPr lang="de-DE" dirty="0" err="1"/>
+              <a:t>conceivable</a:t>
+            </a:r>
+            <a:r>
+              <a:rPr lang="de-DE" dirty="0"/>
+              <a:t>:</a:t>
             </a:r>
           </a:p>
           <a:p>
@@ -2836,8 +2851,20 @@
               <a:buNone/>
             </a:pPr>
             <a:r>
-              <a:rPr lang="en-US" dirty="0"/>
-              <a:t>and the distribution of the attribute in the whole data</a:t>
+              <a:rPr lang="de-DE" dirty="0" err="1"/>
+              <a:t>Skewness</a:t>
+            </a:r>
+            <a:r>
+              <a:rPr lang="de-DE" dirty="0"/>
+              <a:t> </a:t>
+            </a:r>
+            <a:r>
+              <a:rPr lang="de-DE" dirty="0" err="1"/>
+              <a:t>attack</a:t>
+            </a:r>
+            <a:r>
+              <a:rPr lang="de-DE" dirty="0"/>
+              <a:t>:</a:t>
             </a:r>
           </a:p>
           <a:p>
@@ -2845,8 +2872,40 @@
               <a:buNone/>
             </a:pPr>
             <a:r>
-              <a:rPr lang="en-US" dirty="0"/>
-              <a:t>set is no more than a threshold t.</a:t>
+              <a:rPr lang="de-DE" dirty="0" err="1"/>
+              <a:t>Similarity</a:t>
+            </a:r>
+            <a:r>
+              <a:rPr lang="de-DE" dirty="0"/>
+              <a:t> </a:t>
+            </a:r>
+            <a:r>
+              <a:rPr lang="de-DE" dirty="0" err="1"/>
+              <a:t>attack</a:t>
+            </a:r>
+            <a:r>
+              <a:rPr lang="de-DE" dirty="0"/>
+              <a:t>: </a:t>
+            </a:r>
+            <a:r>
+              <a:rPr lang="de-DE" dirty="0" err="1"/>
+              <a:t>sematical</a:t>
+            </a:r>
+            <a:r>
+              <a:rPr lang="de-DE" dirty="0"/>
+              <a:t> same </a:t>
+            </a:r>
+            <a:r>
+              <a:rPr lang="de-DE" dirty="0" err="1"/>
+              <a:t>cofidentail</a:t>
+            </a:r>
+            <a:r>
+              <a:rPr lang="de-DE" dirty="0"/>
+              <a:t> </a:t>
+            </a:r>
+            <a:r>
+              <a:rPr lang="de-DE" dirty="0" err="1"/>
+              <a:t>attributes</a:t>
             </a:r>
             <a:endParaRPr lang="de-DE" dirty="0"/>
           </a:p>
@@ -2857,7 +2916,7 @@
           <p:cNvPr id="6" name="Foliennummernplatzhalter 5">
             <a:extLst>
               <a:ext uri="{FF2B5EF4-FFF2-40B4-BE49-F238E27FC236}">
-                <a16:creationId xmlns:a16="http://schemas.microsoft.com/office/drawing/2014/main" id="{54D3FDF2-2764-4BE6-BE4D-51DAF1C1A001}"/>
+                <a16:creationId xmlns:a16="http://schemas.microsoft.com/office/drawing/2014/main" id="{ED7B792D-2998-422A-8AFD-846A7976EE01}"/>
               </a:ext>
             </a:extLst>
           </p:cNvPr>
@@ -2885,7 +2944,7 @@
     </p:spTree>
     <p:extLst>
       <p:ext uri="{BB962C8B-B14F-4D97-AF65-F5344CB8AC3E}">
-        <p14:creationId xmlns:p14="http://schemas.microsoft.com/office/powerpoint/2010/main" val="222580713"/>
+        <p14:creationId xmlns:p14="http://schemas.microsoft.com/office/powerpoint/2010/main" val="2921885383"/>
       </p:ext>
     </p:extLst>
   </p:cSld>
@@ -2917,7 +2976,7 @@
           <p:cNvPr id="2" name="Titel 1">
             <a:extLst>
               <a:ext uri="{FF2B5EF4-FFF2-40B4-BE49-F238E27FC236}">
-                <a16:creationId xmlns:a16="http://schemas.microsoft.com/office/drawing/2014/main" id="{ED74D9F5-7E88-40DD-A611-56459F70E672}"/>
+                <a16:creationId xmlns:a16="http://schemas.microsoft.com/office/drawing/2014/main" id="{03774710-EF24-496F-8E16-1860EB9452BD}"/>
               </a:ext>
             </a:extLst>
           </p:cNvPr>
@@ -2950,7 +3009,7 @@
           <p:cNvPr id="3" name="Datumsplatzhalter 2">
             <a:extLst>
               <a:ext uri="{FF2B5EF4-FFF2-40B4-BE49-F238E27FC236}">
-                <a16:creationId xmlns:a16="http://schemas.microsoft.com/office/drawing/2014/main" id="{A81886F5-D8A0-4AB2-A12D-B44314A08602}"/>
+                <a16:creationId xmlns:a16="http://schemas.microsoft.com/office/drawing/2014/main" id="{419087A1-C8F7-429D-9539-28EFF980787F}"/>
               </a:ext>
             </a:extLst>
           </p:cNvPr>
@@ -2979,7 +3038,7 @@
           <p:cNvPr id="4" name="Fußzeilenplatzhalter 3">
             <a:extLst>
               <a:ext uri="{FF2B5EF4-FFF2-40B4-BE49-F238E27FC236}">
-                <a16:creationId xmlns:a16="http://schemas.microsoft.com/office/drawing/2014/main" id="{59640035-9623-4075-BDEE-7833C664AE8B}"/>
+                <a16:creationId xmlns:a16="http://schemas.microsoft.com/office/drawing/2014/main" id="{16A1720A-77AB-4E5A-8054-A5D031724E0F}"/>
               </a:ext>
             </a:extLst>
           </p:cNvPr>
@@ -2996,8 +3055,12 @@
           <a:lstStyle/>
           <a:p>
             <a:r>
-              <a:rPr lang="de-DE"/>
-              <a:t>Andreas Heimann &amp; Matthias Puchta</a:t>
+              <a:rPr lang="de-DE" dirty="0"/>
+              <a:t>Andreas Wiegand &amp; Ludwig </a:t>
+            </a:r>
+            <a:r>
+              <a:rPr lang="de-DE" dirty="0" err="1"/>
+              <a:t>Schallner</a:t>
             </a:r>
             <a:endParaRPr lang="de-DE" dirty="0"/>
           </a:p>
@@ -3008,7 +3071,7 @@
           <p:cNvPr id="5" name="Textplatzhalter 4">
             <a:extLst>
               <a:ext uri="{FF2B5EF4-FFF2-40B4-BE49-F238E27FC236}">
-                <a16:creationId xmlns:a16="http://schemas.microsoft.com/office/drawing/2014/main" id="{8F031245-BB29-41F9-8C5E-156AFC612440}"/>
+                <a16:creationId xmlns:a16="http://schemas.microsoft.com/office/drawing/2014/main" id="{30F3C5B2-53AA-499A-886B-AA06C3A92963}"/>
               </a:ext>
             </a:extLst>
           </p:cNvPr>
@@ -3026,7 +3089,11 @@
           <a:p>
             <a:r>
               <a:rPr lang="de-DE" dirty="0"/>
-              <a:t>Problems:</a:t>
+              <a:t>Definition: </a:t>
+            </a:r>
+            <a:r>
+              <a:rPr lang="en-US" dirty="0"/>
+              <a:t>Definition 4 (t-Closeness): A data set is said to</a:t>
             </a:r>
           </a:p>
           <a:p>
@@ -3035,7 +3102,7 @@
             </a:pPr>
             <a:r>
               <a:rPr lang="en-US" dirty="0"/>
-              <a:t>Whereas the paper [7] elaborates on several ways</a:t>
+              <a:t>satisfy t-closeness if, for each group of records sharing</a:t>
             </a:r>
           </a:p>
           <a:p>
@@ -3044,7 +3111,7 @@
             </a:pPr>
             <a:r>
               <a:rPr lang="en-US" dirty="0"/>
-              <a:t>o check t-closeness (using several distances between</a:t>
+              <a:t>a combination of key attributes, the distance between</a:t>
             </a:r>
           </a:p>
           <a:p>
@@ -3052,34 +3119,9 @@
               <a:buNone/>
             </a:pPr>
             <a:r>
-              <a:rPr lang="de-DE" dirty="0" err="1"/>
-              <a:t>distributions</a:t>
-            </a:r>
-            <a:r>
-              <a:rPr lang="de-DE" dirty="0"/>
-              <a:t>), </a:t>
-            </a:r>
-            <a:r>
-              <a:rPr lang="de-DE" dirty="0" err="1"/>
-              <a:t>no</a:t>
-            </a:r>
-            <a:r>
-              <a:rPr lang="de-DE" dirty="0"/>
-              <a:t> </a:t>
-            </a:r>
-            <a:r>
-              <a:rPr lang="de-DE" dirty="0" err="1"/>
-              <a:t>computational</a:t>
-            </a:r>
-            <a:r>
-              <a:rPr lang="de-DE" dirty="0"/>
-              <a:t> </a:t>
-            </a:r>
-            <a:r>
-              <a:rPr lang="de-DE" dirty="0" err="1"/>
-              <a:t>procedure</a:t>
-            </a:r>
-            <a:endParaRPr lang="de-DE" dirty="0"/>
+              <a:rPr lang="en-US" dirty="0"/>
+              <a:t>the distribution of the confidential attribute in the group</a:t>
+            </a:r>
           </a:p>
           <a:p>
             <a:pPr marL="0" indent="0">
@@ -3087,13 +3129,17 @@
             </a:pPr>
             <a:r>
               <a:rPr lang="en-US" dirty="0"/>
-              <a:t>to enforce this property is given.</a:t>
+              <a:t>and the distribution of the attribute in the whole data</a:t>
             </a:r>
           </a:p>
           <a:p>
             <a:pPr marL="0" indent="0">
               <a:buNone/>
             </a:pPr>
+            <a:r>
+              <a:rPr lang="en-US" dirty="0"/>
+              <a:t>set is no more than a threshold t.</a:t>
+            </a:r>
             <a:endParaRPr lang="de-DE" dirty="0"/>
           </a:p>
         </p:txBody>
@@ -3103,7 +3149,7 @@
           <p:cNvPr id="6" name="Foliennummernplatzhalter 5">
             <a:extLst>
               <a:ext uri="{FF2B5EF4-FFF2-40B4-BE49-F238E27FC236}">
-                <a16:creationId xmlns:a16="http://schemas.microsoft.com/office/drawing/2014/main" id="{35C5C671-02F4-435F-A4CA-4659E0309639}"/>
+                <a16:creationId xmlns:a16="http://schemas.microsoft.com/office/drawing/2014/main" id="{54D3FDF2-2764-4BE6-BE4D-51DAF1C1A001}"/>
               </a:ext>
             </a:extLst>
           </p:cNvPr>
@@ -3131,7 +3177,7 @@
     </p:spTree>
     <p:extLst>
       <p:ext uri="{BB962C8B-B14F-4D97-AF65-F5344CB8AC3E}">
-        <p14:creationId xmlns:p14="http://schemas.microsoft.com/office/powerpoint/2010/main" val="2648306626"/>
+        <p14:creationId xmlns:p14="http://schemas.microsoft.com/office/powerpoint/2010/main" val="222580713"/>
       </p:ext>
     </p:extLst>
   </p:cSld>
@@ -3163,6 +3209,252 @@
           <p:cNvPr id="2" name="Titel 1">
             <a:extLst>
               <a:ext uri="{FF2B5EF4-FFF2-40B4-BE49-F238E27FC236}">
+                <a16:creationId xmlns:a16="http://schemas.microsoft.com/office/drawing/2014/main" id="{ED74D9F5-7E88-40DD-A611-56459F70E672}"/>
+              </a:ext>
+            </a:extLst>
+          </p:cNvPr>
+          <p:cNvSpPr>
+            <a:spLocks noGrp="1"/>
+          </p:cNvSpPr>
+          <p:nvPr>
+            <p:ph type="title"/>
+          </p:nvPr>
+        </p:nvSpPr>
+        <p:spPr/>
+        <p:txBody>
+          <a:bodyPr/>
+          <a:lstStyle/>
+          <a:p>
+            <a:r>
+              <a:rPr lang="de-DE" dirty="0"/>
+              <a:t>t-</a:t>
+            </a:r>
+            <a:r>
+              <a:rPr lang="de-DE" dirty="0" err="1"/>
+              <a:t>close´ness</a:t>
+            </a:r>
+            <a:endParaRPr lang="de-DE" dirty="0"/>
+          </a:p>
+        </p:txBody>
+      </p:sp>
+      <p:sp>
+        <p:nvSpPr>
+          <p:cNvPr id="3" name="Datumsplatzhalter 2">
+            <a:extLst>
+              <a:ext uri="{FF2B5EF4-FFF2-40B4-BE49-F238E27FC236}">
+                <a16:creationId xmlns:a16="http://schemas.microsoft.com/office/drawing/2014/main" id="{A81886F5-D8A0-4AB2-A12D-B44314A08602}"/>
+              </a:ext>
+            </a:extLst>
+          </p:cNvPr>
+          <p:cNvSpPr>
+            <a:spLocks noGrp="1"/>
+          </p:cNvSpPr>
+          <p:nvPr>
+            <p:ph type="dt" sz="half" idx="10"/>
+          </p:nvPr>
+        </p:nvSpPr>
+        <p:spPr/>
+        <p:txBody>
+          <a:bodyPr/>
+          <a:lstStyle/>
+          <a:p>
+            <a:r>
+              <a:rPr lang="de-DE"/>
+              <a:t>18.05.2017</a:t>
+            </a:r>
+            <a:endParaRPr lang="de-DE" dirty="0"/>
+          </a:p>
+        </p:txBody>
+      </p:sp>
+      <p:sp>
+        <p:nvSpPr>
+          <p:cNvPr id="4" name="Fußzeilenplatzhalter 3">
+            <a:extLst>
+              <a:ext uri="{FF2B5EF4-FFF2-40B4-BE49-F238E27FC236}">
+                <a16:creationId xmlns:a16="http://schemas.microsoft.com/office/drawing/2014/main" id="{59640035-9623-4075-BDEE-7833C664AE8B}"/>
+              </a:ext>
+            </a:extLst>
+          </p:cNvPr>
+          <p:cNvSpPr>
+            <a:spLocks noGrp="1"/>
+          </p:cNvSpPr>
+          <p:nvPr>
+            <p:ph type="ftr" sz="quarter" idx="11"/>
+          </p:nvPr>
+        </p:nvSpPr>
+        <p:spPr/>
+        <p:txBody>
+          <a:bodyPr/>
+          <a:lstStyle/>
+          <a:p>
+            <a:r>
+              <a:rPr lang="de-DE"/>
+              <a:t>Andreas Heimann &amp; Matthias Puchta</a:t>
+            </a:r>
+            <a:endParaRPr lang="de-DE" dirty="0"/>
+          </a:p>
+        </p:txBody>
+      </p:sp>
+      <p:sp>
+        <p:nvSpPr>
+          <p:cNvPr id="5" name="Textplatzhalter 4">
+            <a:extLst>
+              <a:ext uri="{FF2B5EF4-FFF2-40B4-BE49-F238E27FC236}">
+                <a16:creationId xmlns:a16="http://schemas.microsoft.com/office/drawing/2014/main" id="{8F031245-BB29-41F9-8C5E-156AFC612440}"/>
+              </a:ext>
+            </a:extLst>
+          </p:cNvPr>
+          <p:cNvSpPr>
+            <a:spLocks noGrp="1"/>
+          </p:cNvSpPr>
+          <p:nvPr>
+            <p:ph type="body" sz="quarter" idx="13"/>
+          </p:nvPr>
+        </p:nvSpPr>
+        <p:spPr/>
+        <p:txBody>
+          <a:bodyPr/>
+          <a:lstStyle/>
+          <a:p>
+            <a:r>
+              <a:rPr lang="de-DE" dirty="0"/>
+              <a:t>Problems:</a:t>
+            </a:r>
+          </a:p>
+          <a:p>
+            <a:pPr marL="0" indent="0">
+              <a:buNone/>
+            </a:pPr>
+            <a:r>
+              <a:rPr lang="en-US" dirty="0"/>
+              <a:t>Whereas the paper [7] elaborates on several ways</a:t>
+            </a:r>
+          </a:p>
+          <a:p>
+            <a:pPr marL="0" indent="0">
+              <a:buNone/>
+            </a:pPr>
+            <a:r>
+              <a:rPr lang="en-US" dirty="0"/>
+              <a:t>o check t-closeness (using several distances between</a:t>
+            </a:r>
+          </a:p>
+          <a:p>
+            <a:pPr marL="0" indent="0">
+              <a:buNone/>
+            </a:pPr>
+            <a:r>
+              <a:rPr lang="de-DE" dirty="0" err="1"/>
+              <a:t>distributions</a:t>
+            </a:r>
+            <a:r>
+              <a:rPr lang="de-DE" dirty="0"/>
+              <a:t>), </a:t>
+            </a:r>
+            <a:r>
+              <a:rPr lang="de-DE" dirty="0" err="1"/>
+              <a:t>no</a:t>
+            </a:r>
+            <a:r>
+              <a:rPr lang="de-DE" dirty="0"/>
+              <a:t> </a:t>
+            </a:r>
+            <a:r>
+              <a:rPr lang="de-DE" dirty="0" err="1"/>
+              <a:t>computational</a:t>
+            </a:r>
+            <a:r>
+              <a:rPr lang="de-DE" dirty="0"/>
+              <a:t> </a:t>
+            </a:r>
+            <a:r>
+              <a:rPr lang="de-DE" dirty="0" err="1"/>
+              <a:t>procedure</a:t>
+            </a:r>
+            <a:endParaRPr lang="de-DE" dirty="0"/>
+          </a:p>
+          <a:p>
+            <a:pPr marL="0" indent="0">
+              <a:buNone/>
+            </a:pPr>
+            <a:r>
+              <a:rPr lang="en-US" dirty="0"/>
+              <a:t>to enforce this property is given.</a:t>
+            </a:r>
+          </a:p>
+          <a:p>
+            <a:pPr marL="0" indent="0">
+              <a:buNone/>
+            </a:pPr>
+            <a:endParaRPr lang="de-DE" dirty="0"/>
+          </a:p>
+        </p:txBody>
+      </p:sp>
+      <p:sp>
+        <p:nvSpPr>
+          <p:cNvPr id="6" name="Foliennummernplatzhalter 5">
+            <a:extLst>
+              <a:ext uri="{FF2B5EF4-FFF2-40B4-BE49-F238E27FC236}">
+                <a16:creationId xmlns:a16="http://schemas.microsoft.com/office/drawing/2014/main" id="{35C5C671-02F4-435F-A4CA-4659E0309639}"/>
+              </a:ext>
+            </a:extLst>
+          </p:cNvPr>
+          <p:cNvSpPr>
+            <a:spLocks noGrp="1"/>
+          </p:cNvSpPr>
+          <p:nvPr>
+            <p:ph type="sldNum" sz="quarter" idx="12"/>
+          </p:nvPr>
+        </p:nvSpPr>
+        <p:spPr/>
+        <p:txBody>
+          <a:bodyPr/>
+          <a:lstStyle/>
+          <a:p>
+            <a:fld id="{50E76E58-F275-47A3-BB17-470016A267B6}" type="slidenum">
+              <a:rPr lang="de-DE" smtClean="0"/>
+              <a:pPr/>
+              <a:t>12</a:t>
+            </a:fld>
+            <a:endParaRPr lang="de-DE"/>
+          </a:p>
+        </p:txBody>
+      </p:sp>
+    </p:spTree>
+    <p:extLst>
+      <p:ext uri="{BB962C8B-B14F-4D97-AF65-F5344CB8AC3E}">
+        <p14:creationId xmlns:p14="http://schemas.microsoft.com/office/powerpoint/2010/main" val="2648306626"/>
+      </p:ext>
+    </p:extLst>
+  </p:cSld>
+  <p:clrMapOvr>
+    <a:masterClrMapping/>
+  </p:clrMapOvr>
+</p:sld>
+</file>
+
+<file path=ppt/slides/slide13.xml><?xml version="1.0" encoding="utf-8"?>
+<p:sld xmlns:a="http://schemas.openxmlformats.org/drawingml/2006/main" xmlns:r="http://schemas.openxmlformats.org/officeDocument/2006/relationships" xmlns:p="http://schemas.openxmlformats.org/presentationml/2006/main">
+  <p:cSld>
+    <p:spTree>
+      <p:nvGrpSpPr>
+        <p:cNvPr id="1" name=""/>
+        <p:cNvGrpSpPr/>
+        <p:nvPr/>
+      </p:nvGrpSpPr>
+      <p:grpSpPr>
+        <a:xfrm>
+          <a:off x="0" y="0"/>
+          <a:ext cx="0" cy="0"/>
+          <a:chOff x="0" y="0"/>
+          <a:chExt cx="0" cy="0"/>
+        </a:xfrm>
+      </p:grpSpPr>
+      <p:sp>
+        <p:nvSpPr>
+          <p:cNvPr id="2" name="Titel 1">
+            <a:extLst>
+              <a:ext uri="{FF2B5EF4-FFF2-40B4-BE49-F238E27FC236}">
                 <a16:creationId xmlns:a16="http://schemas.microsoft.com/office/drawing/2014/main" id="{60CF76F7-DA21-4280-B132-DB1CBFFB0632}"/>
               </a:ext>
             </a:extLst>
@@ -3297,7 +3589,7 @@
             <a:fld id="{50E76E58-F275-47A3-BB17-470016A267B6}" type="slidenum">
               <a:rPr lang="de-DE" smtClean="0"/>
               <a:pPr/>
-              <a:t>12</a:t>
+              <a:t>13</a:t>
             </a:fld>
             <a:endParaRPr lang="de-DE"/>
           </a:p>
@@ -3866,7 +4158,7 @@
           <p:cNvPr id="2" name="Titel 1">
             <a:extLst>
               <a:ext uri="{FF2B5EF4-FFF2-40B4-BE49-F238E27FC236}">
-                <a16:creationId xmlns:a16="http://schemas.microsoft.com/office/drawing/2014/main" id="{5A696494-2619-425B-9A88-26F6239A8C0F}"/>
+                <a16:creationId xmlns:a16="http://schemas.microsoft.com/office/drawing/2014/main" id="{AD0BE59A-0D45-4867-B33C-395CE61699EB}"/>
               </a:ext>
             </a:extLst>
           </p:cNvPr>
@@ -3883,12 +4175,16 @@
           <a:lstStyle/>
           <a:p>
             <a:r>
-              <a:rPr lang="de-DE" b="1" dirty="0" err="1"/>
-              <a:t>Attacks</a:t>
-            </a:r>
-            <a:r>
-              <a:rPr lang="de-DE" b="1" dirty="0"/>
-              <a:t> on K-ANONYMITY </a:t>
+              <a:rPr lang="de-DE" dirty="0" err="1"/>
+              <a:t>Introduction</a:t>
+            </a:r>
+            <a:r>
+              <a:rPr lang="de-DE" dirty="0"/>
+              <a:t> – </a:t>
+            </a:r>
+            <a:r>
+              <a:rPr lang="de-DE" dirty="0" err="1"/>
+              <a:t>cont‘d</a:t>
             </a:r>
             <a:endParaRPr lang="de-DE" dirty="0"/>
           </a:p>
@@ -3899,7 +4195,7 @@
           <p:cNvPr id="3" name="Datumsplatzhalter 2">
             <a:extLst>
               <a:ext uri="{FF2B5EF4-FFF2-40B4-BE49-F238E27FC236}">
-                <a16:creationId xmlns:a16="http://schemas.microsoft.com/office/drawing/2014/main" id="{2B614201-281B-41E9-A020-0CDA277467C3}"/>
+                <a16:creationId xmlns:a16="http://schemas.microsoft.com/office/drawing/2014/main" id="{5B161148-C93B-4655-9526-210644272623}"/>
               </a:ext>
             </a:extLst>
           </p:cNvPr>
@@ -3928,7 +4224,7 @@
           <p:cNvPr id="4" name="Fußzeilenplatzhalter 3">
             <a:extLst>
               <a:ext uri="{FF2B5EF4-FFF2-40B4-BE49-F238E27FC236}">
-                <a16:creationId xmlns:a16="http://schemas.microsoft.com/office/drawing/2014/main" id="{E5DE40AE-BF51-40C8-A6E9-F8B2204521CC}"/>
+                <a16:creationId xmlns:a16="http://schemas.microsoft.com/office/drawing/2014/main" id="{23FD21AC-47A8-42DC-94B3-3057AD833459}"/>
               </a:ext>
             </a:extLst>
           </p:cNvPr>
@@ -3945,12 +4241,8 @@
           <a:lstStyle/>
           <a:p>
             <a:r>
-              <a:rPr lang="de-DE" dirty="0"/>
-              <a:t>Andreas Wiegand &amp; Ludwig </a:t>
-            </a:r>
-            <a:r>
-              <a:rPr lang="de-DE" dirty="0" err="1"/>
-              <a:t>Schallner</a:t>
+              <a:rPr lang="de-DE"/>
+              <a:t>Andreas Heimann &amp; Matthias Puchta</a:t>
             </a:r>
             <a:endParaRPr lang="de-DE" dirty="0"/>
           </a:p>
@@ -3961,7 +4253,7 @@
           <p:cNvPr id="5" name="Textplatzhalter 4">
             <a:extLst>
               <a:ext uri="{FF2B5EF4-FFF2-40B4-BE49-F238E27FC236}">
-                <a16:creationId xmlns:a16="http://schemas.microsoft.com/office/drawing/2014/main" id="{AB5F7A7E-01C8-48FD-8047-5A2134437BC9}"/>
+                <a16:creationId xmlns:a16="http://schemas.microsoft.com/office/drawing/2014/main" id="{C4E095E0-3473-499F-B0AA-C8347014DE6C}"/>
               </a:ext>
             </a:extLst>
           </p:cNvPr>
@@ -3977,109 +4269,108 @@
           <a:bodyPr/>
           <a:lstStyle/>
           <a:p>
-            <a:r>
-              <a:rPr lang="de-DE" b="1" dirty="0" err="1"/>
-              <a:t>Homogeneity</a:t>
-            </a:r>
-            <a:r>
-              <a:rPr lang="de-DE" b="1" dirty="0"/>
+            <a:pPr marL="0" indent="0">
+              <a:buNone/>
+            </a:pPr>
+            <a:r>
+              <a:rPr lang="de-DE" i="1" dirty="0" err="1"/>
+              <a:t>identity</a:t>
+            </a:r>
+            <a:r>
+              <a:rPr lang="de-DE" i="1" dirty="0"/>
               <a:t> </a:t>
             </a:r>
             <a:r>
-              <a:rPr lang="de-DE" b="1" dirty="0" err="1"/>
-              <a:t>Attack</a:t>
-            </a:r>
-            <a:r>
-              <a:rPr lang="de-DE" b="1" dirty="0"/>
-              <a:t>: </a:t>
-            </a:r>
-          </a:p>
-          <a:p>
-            <a:r>
-              <a:rPr lang="de-DE" b="1" dirty="0"/>
-              <a:t>Background Knowledge </a:t>
-            </a:r>
-            <a:r>
-              <a:rPr lang="de-DE" b="1" dirty="0" err="1"/>
-              <a:t>Attack</a:t>
-            </a:r>
-            <a:r>
-              <a:rPr lang="de-DE" b="1" dirty="0"/>
-              <a:t>: </a:t>
-            </a:r>
-          </a:p>
-          <a:p>
-            <a:r>
-              <a:rPr lang="de-DE" b="1" dirty="0" err="1"/>
-              <a:t>Unsorted</a:t>
-            </a:r>
-            <a:r>
-              <a:rPr lang="de-DE" b="1" dirty="0"/>
+              <a:rPr lang="de-DE" i="1" dirty="0" err="1"/>
+              <a:t>disclosure</a:t>
+            </a:r>
+            <a:r>
+              <a:rPr lang="de-DE" i="1" dirty="0"/>
               <a:t> </a:t>
             </a:r>
             <a:r>
-              <a:rPr lang="de-DE" b="1" dirty="0" err="1"/>
-              <a:t>Matching</a:t>
-            </a:r>
-            <a:r>
-              <a:rPr lang="de-DE" b="1" dirty="0"/>
+              <a:rPr lang="de-DE" dirty="0"/>
+              <a:t>and </a:t>
+            </a:r>
+            <a:r>
+              <a:rPr lang="de-DE" i="1" dirty="0" err="1"/>
+              <a:t>attribute</a:t>
+            </a:r>
+            <a:r>
+              <a:rPr lang="de-DE" i="1" dirty="0"/>
               <a:t> </a:t>
             </a:r>
             <a:r>
-              <a:rPr lang="de-DE" b="1" dirty="0" err="1"/>
-              <a:t>Attacks</a:t>
-            </a:r>
-            <a:r>
-              <a:rPr lang="de-DE" b="1" dirty="0"/>
+              <a:rPr lang="en-US" i="1" dirty="0"/>
+              <a:t>disclosure</a:t>
+            </a:r>
+            <a:r>
+              <a:rPr lang="en-US" dirty="0"/>
+              <a:t>. Identity disclosure occurs when an individual is linked to a particular record in the released table. Attribute disclosure occurs when new information about some individuals </a:t>
+            </a:r>
+            <a:r>
+              <a:rPr lang="de-DE" dirty="0" err="1"/>
+              <a:t>is</a:t>
+            </a:r>
+            <a:r>
+              <a:rPr lang="de-DE" dirty="0"/>
               <a:t> </a:t>
             </a:r>
-          </a:p>
-          <a:p>
-            <a:r>
-              <a:rPr lang="de-DE" b="1" dirty="0" err="1"/>
-              <a:t>Complementary</a:t>
-            </a:r>
-            <a:r>
-              <a:rPr lang="de-DE" b="1" dirty="0"/>
-              <a:t> Release </a:t>
-            </a:r>
-            <a:r>
-              <a:rPr lang="de-DE" b="1" dirty="0" err="1"/>
-              <a:t>Attack</a:t>
-            </a:r>
-            <a:r>
-              <a:rPr lang="de-DE" b="1" dirty="0"/>
-              <a:t>: </a:t>
-            </a:r>
-          </a:p>
-          <a:p>
-            <a:r>
-              <a:rPr lang="de-DE" b="1" dirty="0"/>
-              <a:t>Temporal </a:t>
-            </a:r>
-            <a:r>
-              <a:rPr lang="de-DE" b="1" dirty="0" err="1"/>
-              <a:t>Attack</a:t>
-            </a:r>
-            <a:r>
-              <a:rPr lang="de-DE" b="1" dirty="0"/>
-              <a:t>: </a:t>
-            </a:r>
-          </a:p>
-          <a:p>
-            <a:r>
-              <a:rPr lang="de-DE" b="1" dirty="0" err="1"/>
-              <a:t>Insufficient</a:t>
-            </a:r>
-            <a:r>
-              <a:rPr lang="de-DE" b="1" dirty="0"/>
-              <a:t> Knowledge: </a:t>
-            </a:r>
-          </a:p>
-          <a:p>
-            <a:r>
-              <a:rPr lang="en-US" b="1" dirty="0"/>
-              <a:t>The Adversary’s Knowledge is Unknown </a:t>
+            <a:r>
+              <a:rPr lang="de-DE" dirty="0" err="1"/>
+              <a:t>revealed</a:t>
+            </a:r>
+            <a:endParaRPr lang="de-DE" dirty="0"/>
+          </a:p>
+          <a:p>
+            <a:pPr marL="0" indent="0">
+              <a:buNone/>
+            </a:pPr>
+            <a:endParaRPr lang="de-DE" dirty="0"/>
+          </a:p>
+          <a:p>
+            <a:pPr marL="0" indent="0">
+              <a:buNone/>
+            </a:pPr>
+            <a:r>
+              <a:rPr lang="en-US" dirty="0"/>
+              <a:t>While the released table gives useful information </a:t>
+            </a:r>
+            <a:r>
+              <a:rPr lang="en-US" dirty="0" err="1"/>
+              <a:t>toresearchers</a:t>
+            </a:r>
+            <a:r>
+              <a:rPr lang="en-US" dirty="0"/>
+              <a:t>, it presents disclosure risk to the </a:t>
+            </a:r>
+            <a:r>
+              <a:rPr lang="en-US" dirty="0" err="1"/>
+              <a:t>individualswhose</a:t>
+            </a:r>
+            <a:r>
+              <a:rPr lang="en-US" dirty="0"/>
+              <a:t> data are in the table. Therefore, our objective is to limit the disclosure risk to an acceptable level while maximizing the benefit. This is achieved by anonymizing the </a:t>
+            </a:r>
+            <a:r>
+              <a:rPr lang="de-DE" dirty="0" err="1"/>
+              <a:t>data</a:t>
+            </a:r>
+            <a:r>
+              <a:rPr lang="de-DE" dirty="0"/>
+              <a:t> </a:t>
+            </a:r>
+            <a:r>
+              <a:rPr lang="de-DE" dirty="0" err="1"/>
+              <a:t>before</a:t>
+            </a:r>
+            <a:r>
+              <a:rPr lang="de-DE" dirty="0"/>
+              <a:t> </a:t>
+            </a:r>
+            <a:r>
+              <a:rPr lang="de-DE" dirty="0" err="1"/>
+              <a:t>release</a:t>
             </a:r>
             <a:endParaRPr lang="de-DE" dirty="0"/>
           </a:p>
@@ -4090,7 +4381,7 @@
           <p:cNvPr id="6" name="Foliennummernplatzhalter 5">
             <a:extLst>
               <a:ext uri="{FF2B5EF4-FFF2-40B4-BE49-F238E27FC236}">
-                <a16:creationId xmlns:a16="http://schemas.microsoft.com/office/drawing/2014/main" id="{09410FF4-2E0F-4E88-A69A-145B229403F7}"/>
+                <a16:creationId xmlns:a16="http://schemas.microsoft.com/office/drawing/2014/main" id="{7C0CBAD2-D04E-4489-A4D5-1403FF63D8FC}"/>
               </a:ext>
             </a:extLst>
           </p:cNvPr>
@@ -4118,7 +4409,7 @@
     </p:spTree>
     <p:extLst>
       <p:ext uri="{BB962C8B-B14F-4D97-AF65-F5344CB8AC3E}">
-        <p14:creationId xmlns:p14="http://schemas.microsoft.com/office/powerpoint/2010/main" val="2188498306"/>
+        <p14:creationId xmlns:p14="http://schemas.microsoft.com/office/powerpoint/2010/main" val="3426838914"/>
       </p:ext>
     </p:extLst>
   </p:cSld>
@@ -4150,7 +4441,7 @@
           <p:cNvPr id="2" name="Titel 1">
             <a:extLst>
               <a:ext uri="{FF2B5EF4-FFF2-40B4-BE49-F238E27FC236}">
-                <a16:creationId xmlns:a16="http://schemas.microsoft.com/office/drawing/2014/main" id="{958F9CD1-9C9B-404C-BA1F-6E0E9A52DB3B}"/>
+                <a16:creationId xmlns:a16="http://schemas.microsoft.com/office/drawing/2014/main" id="{5A696494-2619-425B-9A88-26F6239A8C0F}"/>
               </a:ext>
             </a:extLst>
           </p:cNvPr>
@@ -4166,16 +4457,13 @@
           <a:bodyPr/>
           <a:lstStyle/>
           <a:p>
-            <a:pPr marL="0" indent="0">
-              <a:buNone/>
-            </a:pPr>
-            <a:r>
-              <a:rPr lang="de-DE" dirty="0"/>
-              <a:t>p-sensitive k-</a:t>
-            </a:r>
-            <a:r>
-              <a:rPr lang="de-DE" dirty="0" err="1"/>
-              <a:t>anonymity</a:t>
+            <a:r>
+              <a:rPr lang="de-DE" b="1" dirty="0" err="1"/>
+              <a:t>Attacks</a:t>
+            </a:r>
+            <a:r>
+              <a:rPr lang="de-DE" b="1" dirty="0"/>
+              <a:t> on K-ANONYMITY </a:t>
             </a:r>
             <a:endParaRPr lang="de-DE" dirty="0"/>
           </a:p>
@@ -4186,7 +4474,7 @@
           <p:cNvPr id="3" name="Datumsplatzhalter 2">
             <a:extLst>
               <a:ext uri="{FF2B5EF4-FFF2-40B4-BE49-F238E27FC236}">
-                <a16:creationId xmlns:a16="http://schemas.microsoft.com/office/drawing/2014/main" id="{F260DF70-9E66-4354-A537-9A6F20EF768D}"/>
+                <a16:creationId xmlns:a16="http://schemas.microsoft.com/office/drawing/2014/main" id="{2B614201-281B-41E9-A020-0CDA277467C3}"/>
               </a:ext>
             </a:extLst>
           </p:cNvPr>
@@ -4215,7 +4503,7 @@
           <p:cNvPr id="4" name="Fußzeilenplatzhalter 3">
             <a:extLst>
               <a:ext uri="{FF2B5EF4-FFF2-40B4-BE49-F238E27FC236}">
-                <a16:creationId xmlns:a16="http://schemas.microsoft.com/office/drawing/2014/main" id="{09C9E642-E14C-4E77-9B36-1ABB217EAF95}"/>
+                <a16:creationId xmlns:a16="http://schemas.microsoft.com/office/drawing/2014/main" id="{E5DE40AE-BF51-40C8-A6E9-F8B2204521CC}"/>
               </a:ext>
             </a:extLst>
           </p:cNvPr>
@@ -4232,8 +4520,12 @@
           <a:lstStyle/>
           <a:p>
             <a:r>
-              <a:rPr lang="de-DE"/>
-              <a:t>Andreas Heimann &amp; Matthias Puchta</a:t>
+              <a:rPr lang="de-DE" dirty="0"/>
+              <a:t>Andreas Wiegand &amp; Ludwig </a:t>
+            </a:r>
+            <a:r>
+              <a:rPr lang="de-DE" dirty="0" err="1"/>
+              <a:t>Schallner</a:t>
             </a:r>
             <a:endParaRPr lang="de-DE" dirty="0"/>
           </a:p>
@@ -4244,7 +4536,7 @@
           <p:cNvPr id="5" name="Textplatzhalter 4">
             <a:extLst>
               <a:ext uri="{FF2B5EF4-FFF2-40B4-BE49-F238E27FC236}">
-                <a16:creationId xmlns:a16="http://schemas.microsoft.com/office/drawing/2014/main" id="{9E443BB6-0E02-4D1C-85A1-676AC33F2EAA}"/>
+                <a16:creationId xmlns:a16="http://schemas.microsoft.com/office/drawing/2014/main" id="{AB5F7A7E-01C8-48FD-8047-5A2134437BC9}"/>
               </a:ext>
             </a:extLst>
           </p:cNvPr>
@@ -4261,83 +4553,108 @@
           <a:lstStyle/>
           <a:p>
             <a:r>
-              <a:rPr lang="en-US" dirty="0"/>
-              <a:t>identity disclosure and attribute disclosure.</a:t>
-            </a:r>
-          </a:p>
-          <a:p>
-            <a:r>
-              <a:rPr lang="en-US" dirty="0" err="1"/>
-              <a:t>dentity</a:t>
-            </a:r>
-            <a:r>
-              <a:rPr lang="en-US" dirty="0"/>
-              <a:t> disclosure and attribute disclosure.</a:t>
-            </a:r>
-          </a:p>
-          <a:p>
-            <a:pPr marL="0" indent="0">
-              <a:buNone/>
-            </a:pPr>
-            <a:r>
-              <a:rPr lang="en-US" i="1" dirty="0"/>
-              <a:t>Identity disclosure </a:t>
-            </a:r>
-            <a:r>
-              <a:rPr lang="en-US" dirty="0"/>
-              <a:t>refers to identification of an entity</a:t>
-            </a:r>
-          </a:p>
-          <a:p>
-            <a:pPr marL="0" indent="0">
-              <a:buNone/>
-            </a:pPr>
-            <a:r>
-              <a:rPr lang="en-US" dirty="0"/>
-              <a:t>(person, institution) and </a:t>
-            </a:r>
-            <a:r>
-              <a:rPr lang="en-US" i="1" dirty="0"/>
-              <a:t>attribute disclosure </a:t>
-            </a:r>
-            <a:r>
-              <a:rPr lang="en-US" dirty="0"/>
-              <a:t>occurs when</a:t>
-            </a:r>
-          </a:p>
-          <a:p>
-            <a:pPr marL="0" indent="0">
-              <a:buNone/>
-            </a:pPr>
-            <a:r>
-              <a:rPr lang="en-US" dirty="0"/>
-              <a:t>the intruder finds out something new about the target</a:t>
-            </a:r>
-          </a:p>
-          <a:p>
-            <a:pPr marL="0" indent="0">
-              <a:buNone/>
-            </a:pPr>
-            <a:r>
-              <a:rPr lang="en-US" dirty="0"/>
-              <a:t>entity [11]. Identity disclosure does not automatically</a:t>
-            </a:r>
-          </a:p>
-          <a:p>
-            <a:pPr marL="0" indent="0">
-              <a:buNone/>
-            </a:pPr>
-            <a:r>
-              <a:rPr lang="de-DE" dirty="0" err="1"/>
-              <a:t>imply</a:t>
-            </a:r>
-            <a:r>
-              <a:rPr lang="de-DE" dirty="0"/>
+              <a:rPr lang="de-DE" b="1" dirty="0" err="1"/>
+              <a:t>Homogeneity</a:t>
+            </a:r>
+            <a:r>
+              <a:rPr lang="de-DE" b="1" dirty="0"/>
               <a:t> </a:t>
             </a:r>
             <a:r>
-              <a:rPr lang="de-DE" dirty="0" err="1"/>
-              <a:t>attribute</a:t>
+              <a:rPr lang="de-DE" b="1" dirty="0" err="1"/>
+              <a:t>Attack</a:t>
+            </a:r>
+            <a:r>
+              <a:rPr lang="de-DE" b="1" dirty="0"/>
+              <a:t>: </a:t>
+            </a:r>
+          </a:p>
+          <a:p>
+            <a:r>
+              <a:rPr lang="de-DE" b="1" dirty="0"/>
+              <a:t>Background Knowledge </a:t>
+            </a:r>
+            <a:r>
+              <a:rPr lang="de-DE" b="1" dirty="0" err="1"/>
+              <a:t>Attack</a:t>
+            </a:r>
+            <a:r>
+              <a:rPr lang="de-DE" b="1" dirty="0"/>
+              <a:t>: </a:t>
+            </a:r>
+          </a:p>
+          <a:p>
+            <a:r>
+              <a:rPr lang="de-DE" b="1" dirty="0" err="1"/>
+              <a:t>Unsorted</a:t>
+            </a:r>
+            <a:r>
+              <a:rPr lang="de-DE" b="1" dirty="0"/>
+              <a:t> </a:t>
+            </a:r>
+            <a:r>
+              <a:rPr lang="de-DE" b="1" dirty="0" err="1"/>
+              <a:t>Matching</a:t>
+            </a:r>
+            <a:r>
+              <a:rPr lang="de-DE" b="1" dirty="0"/>
+              <a:t> </a:t>
+            </a:r>
+            <a:r>
+              <a:rPr lang="de-DE" b="1" dirty="0" err="1"/>
+              <a:t>Attacks</a:t>
+            </a:r>
+            <a:r>
+              <a:rPr lang="de-DE" b="1" dirty="0"/>
+              <a:t> </a:t>
+            </a:r>
+          </a:p>
+          <a:p>
+            <a:r>
+              <a:rPr lang="de-DE" b="1" dirty="0" err="1"/>
+              <a:t>Complementary</a:t>
+            </a:r>
+            <a:r>
+              <a:rPr lang="de-DE" b="1" dirty="0"/>
+              <a:t> Release </a:t>
+            </a:r>
+            <a:r>
+              <a:rPr lang="de-DE" b="1" dirty="0" err="1"/>
+              <a:t>Attack</a:t>
+            </a:r>
+            <a:r>
+              <a:rPr lang="de-DE" b="1" dirty="0"/>
+              <a:t>: </a:t>
+            </a:r>
+          </a:p>
+          <a:p>
+            <a:r>
+              <a:rPr lang="de-DE" b="1" dirty="0"/>
+              <a:t>Temporal </a:t>
+            </a:r>
+            <a:r>
+              <a:rPr lang="de-DE" b="1" dirty="0" err="1"/>
+              <a:t>Attack</a:t>
+            </a:r>
+            <a:r>
+              <a:rPr lang="de-DE" b="1" dirty="0"/>
+              <a:t>: </a:t>
+            </a:r>
+          </a:p>
+          <a:p>
+            <a:r>
+              <a:rPr lang="de-DE" b="1" dirty="0" err="1"/>
+              <a:t>Insufficient</a:t>
+            </a:r>
+            <a:r>
+              <a:rPr lang="de-DE" b="1" dirty="0"/>
+              <a:t> Knowledge: </a:t>
+            </a:r>
+          </a:p>
+          <a:p>
+            <a:r>
+              <a:rPr lang="en-US" b="1" dirty="0"/>
+              <a:t>The Adversary’s Knowledge is Unknown </a:t>
             </a:r>
             <a:endParaRPr lang="de-DE" dirty="0"/>
           </a:p>
@@ -4348,7 +4665,7 @@
           <p:cNvPr id="6" name="Foliennummernplatzhalter 5">
             <a:extLst>
               <a:ext uri="{FF2B5EF4-FFF2-40B4-BE49-F238E27FC236}">
-                <a16:creationId xmlns:a16="http://schemas.microsoft.com/office/drawing/2014/main" id="{4C8439EF-D42F-4986-86FE-E0B37623E7D1}"/>
+                <a16:creationId xmlns:a16="http://schemas.microsoft.com/office/drawing/2014/main" id="{09410FF4-2E0F-4E88-A69A-145B229403F7}"/>
               </a:ext>
             </a:extLst>
           </p:cNvPr>
@@ -4376,7 +4693,7 @@
     </p:spTree>
     <p:extLst>
       <p:ext uri="{BB962C8B-B14F-4D97-AF65-F5344CB8AC3E}">
-        <p14:creationId xmlns:p14="http://schemas.microsoft.com/office/powerpoint/2010/main" val="1946241733"/>
+        <p14:creationId xmlns:p14="http://schemas.microsoft.com/office/powerpoint/2010/main" val="2188498306"/>
       </p:ext>
     </p:extLst>
   </p:cSld>
@@ -4408,7 +4725,7 @@
           <p:cNvPr id="2" name="Titel 1">
             <a:extLst>
               <a:ext uri="{FF2B5EF4-FFF2-40B4-BE49-F238E27FC236}">
-                <a16:creationId xmlns:a16="http://schemas.microsoft.com/office/drawing/2014/main" id="{7B413E46-A044-4329-AE39-7349DB1BBEFC}"/>
+                <a16:creationId xmlns:a16="http://schemas.microsoft.com/office/drawing/2014/main" id="{958F9CD1-9C9B-404C-BA1F-6E0E9A52DB3B}"/>
               </a:ext>
             </a:extLst>
           </p:cNvPr>
@@ -4424,9 +4741,12 @@
           <a:bodyPr/>
           <a:lstStyle/>
           <a:p>
-            <a:r>
-              <a:rPr lang="de-DE" dirty="0"/>
-              <a:t>P-sensitive k -</a:t>
+            <a:pPr marL="0" indent="0">
+              <a:buNone/>
+            </a:pPr>
+            <a:r>
+              <a:rPr lang="de-DE" dirty="0"/>
+              <a:t>p-sensitive k-</a:t>
             </a:r>
             <a:r>
               <a:rPr lang="de-DE" dirty="0" err="1"/>
@@ -4441,7 +4761,7 @@
           <p:cNvPr id="3" name="Datumsplatzhalter 2">
             <a:extLst>
               <a:ext uri="{FF2B5EF4-FFF2-40B4-BE49-F238E27FC236}">
-                <a16:creationId xmlns:a16="http://schemas.microsoft.com/office/drawing/2014/main" id="{2017CE23-A8AD-4FC4-B6DD-A2E0CDE682B2}"/>
+                <a16:creationId xmlns:a16="http://schemas.microsoft.com/office/drawing/2014/main" id="{F260DF70-9E66-4354-A537-9A6F20EF768D}"/>
               </a:ext>
             </a:extLst>
           </p:cNvPr>
@@ -4470,7 +4790,7 @@
           <p:cNvPr id="4" name="Fußzeilenplatzhalter 3">
             <a:extLst>
               <a:ext uri="{FF2B5EF4-FFF2-40B4-BE49-F238E27FC236}">
-                <a16:creationId xmlns:a16="http://schemas.microsoft.com/office/drawing/2014/main" id="{A23D59A7-D63C-4137-972B-3B6224BB0D54}"/>
+                <a16:creationId xmlns:a16="http://schemas.microsoft.com/office/drawing/2014/main" id="{09C9E642-E14C-4E77-9B36-1ABB217EAF95}"/>
               </a:ext>
             </a:extLst>
           </p:cNvPr>
@@ -4499,7 +4819,7 @@
           <p:cNvPr id="5" name="Textplatzhalter 4">
             <a:extLst>
               <a:ext uri="{FF2B5EF4-FFF2-40B4-BE49-F238E27FC236}">
-                <a16:creationId xmlns:a16="http://schemas.microsoft.com/office/drawing/2014/main" id="{62403F49-8A1E-4574-B8FF-BE1B459AD6B3}"/>
+                <a16:creationId xmlns:a16="http://schemas.microsoft.com/office/drawing/2014/main" id="{9E443BB6-0E02-4D1C-85A1-676AC33F2EAA}"/>
               </a:ext>
             </a:extLst>
           </p:cNvPr>
@@ -4516,12 +4836,75 @@
           <a:lstStyle/>
           <a:p>
             <a:r>
-              <a:rPr lang="de-DE" dirty="0"/>
-              <a:t>The </a:t>
-            </a:r>
+              <a:rPr lang="en-US" dirty="0"/>
+              <a:t>identity disclosure and attribute disclosure.</a:t>
+            </a:r>
+          </a:p>
+          <a:p>
+            <a:r>
+              <a:rPr lang="en-US" dirty="0" err="1"/>
+              <a:t>dentity</a:t>
+            </a:r>
+            <a:r>
+              <a:rPr lang="en-US" dirty="0"/>
+              <a:t> disclosure and attribute disclosure.</a:t>
+            </a:r>
+          </a:p>
+          <a:p>
+            <a:pPr marL="0" indent="0">
+              <a:buNone/>
+            </a:pPr>
+            <a:r>
+              <a:rPr lang="en-US" i="1" dirty="0"/>
+              <a:t>Identity disclosure </a:t>
+            </a:r>
+            <a:r>
+              <a:rPr lang="en-US" dirty="0"/>
+              <a:t>refers to identification of an entity</a:t>
+            </a:r>
+          </a:p>
+          <a:p>
+            <a:pPr marL="0" indent="0">
+              <a:buNone/>
+            </a:pPr>
+            <a:r>
+              <a:rPr lang="en-US" dirty="0"/>
+              <a:t>(person, institution) and </a:t>
+            </a:r>
+            <a:r>
+              <a:rPr lang="en-US" i="1" dirty="0"/>
+              <a:t>attribute disclosure </a:t>
+            </a:r>
+            <a:r>
+              <a:rPr lang="en-US" dirty="0"/>
+              <a:t>occurs when</a:t>
+            </a:r>
+          </a:p>
+          <a:p>
+            <a:pPr marL="0" indent="0">
+              <a:buNone/>
+            </a:pPr>
+            <a:r>
+              <a:rPr lang="en-US" dirty="0"/>
+              <a:t>the intruder finds out something new about the target</a:t>
+            </a:r>
+          </a:p>
+          <a:p>
+            <a:pPr marL="0" indent="0">
+              <a:buNone/>
+            </a:pPr>
+            <a:r>
+              <a:rPr lang="en-US" dirty="0"/>
+              <a:t>entity [11]. Identity disclosure does not automatically</a:t>
+            </a:r>
+          </a:p>
+          <a:p>
+            <a:pPr marL="0" indent="0">
+              <a:buNone/>
+            </a:pPr>
             <a:r>
               <a:rPr lang="de-DE" dirty="0" err="1"/>
-              <a:t>for</a:t>
+              <a:t>imply</a:t>
             </a:r>
             <a:r>
               <a:rPr lang="de-DE" dirty="0"/>
@@ -4529,74 +4912,7 @@
             </a:r>
             <a:r>
               <a:rPr lang="de-DE" dirty="0" err="1"/>
-              <a:t>each</a:t>
-            </a:r>
-            <a:r>
-              <a:rPr lang="de-DE" dirty="0"/>
-              <a:t> </a:t>
-            </a:r>
-            <a:r>
-              <a:rPr lang="de-DE" dirty="0" err="1"/>
-              <a:t>tuple</a:t>
-            </a:r>
-            <a:r>
-              <a:rPr lang="de-DE" dirty="0"/>
-              <a:t> </a:t>
-            </a:r>
-            <a:r>
-              <a:rPr lang="de-DE" dirty="0" err="1"/>
-              <a:t>of</a:t>
-            </a:r>
-            <a:r>
-              <a:rPr lang="de-DE" dirty="0"/>
-              <a:t> k-</a:t>
-            </a:r>
-            <a:r>
-              <a:rPr lang="de-DE" dirty="0" err="1"/>
-              <a:t>anonymity</a:t>
-            </a:r>
-            <a:r>
-              <a:rPr lang="de-DE" dirty="0"/>
-              <a:t> </a:t>
-            </a:r>
-            <a:r>
-              <a:rPr lang="de-DE" dirty="0" err="1"/>
-              <a:t>there</a:t>
-            </a:r>
-            <a:r>
-              <a:rPr lang="de-DE" dirty="0"/>
-              <a:t> </a:t>
-            </a:r>
-            <a:r>
-              <a:rPr lang="de-DE" dirty="0" err="1"/>
-              <a:t>are</a:t>
-            </a:r>
-            <a:r>
-              <a:rPr lang="de-DE" dirty="0"/>
-              <a:t> at least p different sensitive </a:t>
-            </a:r>
-            <a:r>
-              <a:rPr lang="de-DE" dirty="0" err="1"/>
-              <a:t>data</a:t>
-            </a:r>
-            <a:endParaRPr lang="de-DE" dirty="0"/>
-          </a:p>
-          <a:p>
-            <a:r>
-              <a:rPr lang="de-DE" dirty="0"/>
-              <a:t>Problem:</a:t>
-            </a:r>
-            <a:r>
-              <a:rPr lang="en-US" dirty="0"/>
-              <a:t>p-Sensitive k-anonymity has the limitation of implicitly assuming that each confidential attribute takes values uniformly over its domain, that is, that the frequencies of the various values of a confidential attribute are similar. When this is not the case, </a:t>
-            </a:r>
-            <a:r>
-              <a:rPr lang="en-US" dirty="0" err="1"/>
-              <a:t>achievingp</a:t>
-            </a:r>
-            <a:r>
-              <a:rPr lang="en-US" dirty="0"/>
-              <a:t>-sensitive k-anonymity may cause a huge data utility loss. This is illustrated in the following example.</a:t>
+              <a:t>attribute</a:t>
             </a:r>
             <a:endParaRPr lang="de-DE" dirty="0"/>
           </a:p>
@@ -4607,7 +4923,7 @@
           <p:cNvPr id="6" name="Foliennummernplatzhalter 5">
             <a:extLst>
               <a:ext uri="{FF2B5EF4-FFF2-40B4-BE49-F238E27FC236}">
-                <a16:creationId xmlns:a16="http://schemas.microsoft.com/office/drawing/2014/main" id="{E252A72A-F651-40F4-8DBC-665586CBC460}"/>
+                <a16:creationId xmlns:a16="http://schemas.microsoft.com/office/drawing/2014/main" id="{4C8439EF-D42F-4986-86FE-E0B37623E7D1}"/>
               </a:ext>
             </a:extLst>
           </p:cNvPr>
@@ -4635,7 +4951,7 @@
     </p:spTree>
     <p:extLst>
       <p:ext uri="{BB962C8B-B14F-4D97-AF65-F5344CB8AC3E}">
-        <p14:creationId xmlns:p14="http://schemas.microsoft.com/office/powerpoint/2010/main" val="2954308101"/>
+        <p14:creationId xmlns:p14="http://schemas.microsoft.com/office/powerpoint/2010/main" val="1946241733"/>
       </p:ext>
     </p:extLst>
   </p:cSld>
@@ -4667,7 +4983,7 @@
           <p:cNvPr id="2" name="Titel 1">
             <a:extLst>
               <a:ext uri="{FF2B5EF4-FFF2-40B4-BE49-F238E27FC236}">
-                <a16:creationId xmlns:a16="http://schemas.microsoft.com/office/drawing/2014/main" id="{29821BA2-C897-4834-998A-48C037EFCC61}"/>
+                <a16:creationId xmlns:a16="http://schemas.microsoft.com/office/drawing/2014/main" id="{7B413E46-A044-4329-AE39-7349DB1BBEFC}"/>
               </a:ext>
             </a:extLst>
           </p:cNvPr>
@@ -4685,11 +5001,11 @@
           <a:p>
             <a:r>
               <a:rPr lang="de-DE" dirty="0"/>
-              <a:t>l-</a:t>
+              <a:t>P-sensitive k -</a:t>
             </a:r>
             <a:r>
               <a:rPr lang="de-DE" dirty="0" err="1"/>
-              <a:t>diversity</a:t>
+              <a:t>anonymity</a:t>
             </a:r>
             <a:endParaRPr lang="de-DE" dirty="0"/>
           </a:p>
@@ -4700,7 +5016,7 @@
           <p:cNvPr id="3" name="Datumsplatzhalter 2">
             <a:extLst>
               <a:ext uri="{FF2B5EF4-FFF2-40B4-BE49-F238E27FC236}">
-                <a16:creationId xmlns:a16="http://schemas.microsoft.com/office/drawing/2014/main" id="{707299E6-283C-4175-B3B3-5D836D4EF88A}"/>
+                <a16:creationId xmlns:a16="http://schemas.microsoft.com/office/drawing/2014/main" id="{2017CE23-A8AD-4FC4-B6DD-A2E0CDE682B2}"/>
               </a:ext>
             </a:extLst>
           </p:cNvPr>
@@ -4729,7 +5045,7 @@
           <p:cNvPr id="4" name="Fußzeilenplatzhalter 3">
             <a:extLst>
               <a:ext uri="{FF2B5EF4-FFF2-40B4-BE49-F238E27FC236}">
-                <a16:creationId xmlns:a16="http://schemas.microsoft.com/office/drawing/2014/main" id="{CDC6992F-08D8-482D-96AA-DC41E416B94B}"/>
+                <a16:creationId xmlns:a16="http://schemas.microsoft.com/office/drawing/2014/main" id="{A23D59A7-D63C-4137-972B-3B6224BB0D54}"/>
               </a:ext>
             </a:extLst>
           </p:cNvPr>
@@ -4758,7 +5074,7 @@
           <p:cNvPr id="5" name="Textplatzhalter 4">
             <a:extLst>
               <a:ext uri="{FF2B5EF4-FFF2-40B4-BE49-F238E27FC236}">
-                <a16:creationId xmlns:a16="http://schemas.microsoft.com/office/drawing/2014/main" id="{CB4D70E7-CAB1-402E-A84F-08E5BE171BBF}"/>
+                <a16:creationId xmlns:a16="http://schemas.microsoft.com/office/drawing/2014/main" id="{62403F49-8A1E-4574-B8FF-BE1B459AD6B3}"/>
               </a:ext>
             </a:extLst>
           </p:cNvPr>
@@ -4775,73 +5091,89 @@
           <a:lstStyle/>
           <a:p>
             <a:r>
+              <a:rPr lang="de-DE" dirty="0"/>
+              <a:t>The </a:t>
+            </a:r>
+            <a:r>
+              <a:rPr lang="de-DE" dirty="0" err="1"/>
+              <a:t>for</a:t>
+            </a:r>
+            <a:r>
+              <a:rPr lang="de-DE" dirty="0"/>
+              <a:t> </a:t>
+            </a:r>
+            <a:r>
+              <a:rPr lang="de-DE" dirty="0" err="1"/>
+              <a:t>each</a:t>
+            </a:r>
+            <a:r>
+              <a:rPr lang="de-DE" dirty="0"/>
+              <a:t> </a:t>
+            </a:r>
+            <a:r>
+              <a:rPr lang="de-DE" dirty="0" err="1"/>
+              <a:t>tuple</a:t>
+            </a:r>
+            <a:r>
+              <a:rPr lang="de-DE" dirty="0"/>
+              <a:t> </a:t>
+            </a:r>
+            <a:r>
+              <a:rPr lang="de-DE" dirty="0" err="1"/>
+              <a:t>of</a:t>
+            </a:r>
+            <a:r>
+              <a:rPr lang="de-DE" dirty="0"/>
+              <a:t> k-</a:t>
+            </a:r>
+            <a:r>
+              <a:rPr lang="de-DE" dirty="0" err="1"/>
+              <a:t>anonymity</a:t>
+            </a:r>
+            <a:r>
+              <a:rPr lang="de-DE" dirty="0"/>
+              <a:t> </a:t>
+            </a:r>
+            <a:r>
+              <a:rPr lang="de-DE" dirty="0" err="1"/>
+              <a:t>there</a:t>
+            </a:r>
+            <a:r>
+              <a:rPr lang="de-DE" dirty="0"/>
+              <a:t> </a:t>
+            </a:r>
+            <a:r>
+              <a:rPr lang="de-DE" dirty="0" err="1"/>
+              <a:t>are</a:t>
+            </a:r>
+            <a:r>
+              <a:rPr lang="de-DE" dirty="0"/>
+              <a:t> at least p different sensitive </a:t>
+            </a:r>
+            <a:r>
+              <a:rPr lang="de-DE" dirty="0" err="1"/>
+              <a:t>data</a:t>
+            </a:r>
+            <a:endParaRPr lang="de-DE" dirty="0"/>
+          </a:p>
+          <a:p>
+            <a:r>
+              <a:rPr lang="de-DE" dirty="0"/>
+              <a:t>Problem:</a:t>
+            </a:r>
+            <a:r>
               <a:rPr lang="en-US" dirty="0"/>
-              <a:t>Definition 3 (l-Diversity): A data set is said to satisfy</a:t>
-            </a:r>
-          </a:p>
-          <a:p>
-            <a:pPr marL="0" indent="0">
-              <a:buNone/>
-            </a:pPr>
+              <a:t>p-Sensitive k-anonymity has the limitation of implicitly assuming that each confidential attribute takes values uniformly over its domain, that is, that the frequencies of the various values of a confidential attribute are similar. When this is not the case, </a:t>
+            </a:r>
+            <a:r>
+              <a:rPr lang="en-US" dirty="0" err="1"/>
+              <a:t>achievingp</a:t>
+            </a:r>
             <a:r>
               <a:rPr lang="en-US" dirty="0"/>
-              <a:t>l-diversity if, for each group of records sharing a</a:t>
-            </a:r>
-          </a:p>
-          <a:p>
-            <a:pPr marL="0" indent="0">
-              <a:buNone/>
-            </a:pPr>
-            <a:r>
-              <a:rPr lang="en-US" dirty="0"/>
-              <a:t>combination of key attributes, there are at least l “</a:t>
-            </a:r>
-            <a:r>
-              <a:rPr lang="en-US" dirty="0" err="1"/>
-              <a:t>wellrepresented</a:t>
-            </a:r>
-            <a:r>
-              <a:rPr lang="en-US" dirty="0"/>
-              <a:t>” values for each confidential attribute.</a:t>
-            </a:r>
-          </a:p>
-          <a:p>
-            <a:pPr marL="0" indent="0">
-              <a:buNone/>
-            </a:pPr>
-            <a:r>
-              <a:rPr lang="en-US" dirty="0"/>
-              <a:t>According to [9] the term “well-represented” can be</a:t>
-            </a:r>
-          </a:p>
-          <a:p>
-            <a:pPr marL="0" indent="0">
-              <a:buNone/>
-            </a:pPr>
-            <a:r>
-              <a:rPr lang="de-DE" dirty="0" err="1"/>
-              <a:t>defined</a:t>
-            </a:r>
-            <a:r>
-              <a:rPr lang="de-DE" dirty="0"/>
-              <a:t> in </a:t>
-            </a:r>
-            <a:r>
-              <a:rPr lang="de-DE" dirty="0" err="1"/>
-              <a:t>several</a:t>
-            </a:r>
-            <a:r>
-              <a:rPr lang="de-DE" dirty="0"/>
-              <a:t> </a:t>
-            </a:r>
-            <a:r>
-              <a:rPr lang="de-DE" dirty="0" err="1"/>
-              <a:t>ways</a:t>
-            </a:r>
-            <a:r>
-              <a:rPr lang="de-DE" dirty="0"/>
-              <a:t>:</a:t>
-            </a:r>
+              <a:t>-sensitive k-anonymity may cause a huge data utility loss. This is illustrated in the following example.</a:t>
+            </a:r>
+            <a:endParaRPr lang="de-DE" dirty="0"/>
           </a:p>
         </p:txBody>
       </p:sp>
@@ -4850,7 +5182,7 @@
           <p:cNvPr id="6" name="Foliennummernplatzhalter 5">
             <a:extLst>
               <a:ext uri="{FF2B5EF4-FFF2-40B4-BE49-F238E27FC236}">
-                <a16:creationId xmlns:a16="http://schemas.microsoft.com/office/drawing/2014/main" id="{265E418F-8B07-43E5-91F1-566EB30C7F53}"/>
+                <a16:creationId xmlns:a16="http://schemas.microsoft.com/office/drawing/2014/main" id="{E252A72A-F651-40F4-8DBC-665586CBC460}"/>
               </a:ext>
             </a:extLst>
           </p:cNvPr>
@@ -4878,7 +5210,7 @@
     </p:spTree>
     <p:extLst>
       <p:ext uri="{BB962C8B-B14F-4D97-AF65-F5344CB8AC3E}">
-        <p14:creationId xmlns:p14="http://schemas.microsoft.com/office/powerpoint/2010/main" val="405088296"/>
+        <p14:creationId xmlns:p14="http://schemas.microsoft.com/office/powerpoint/2010/main" val="2954308101"/>
       </p:ext>
     </p:extLst>
   </p:cSld>
@@ -4910,7 +5242,7 @@
           <p:cNvPr id="2" name="Titel 1">
             <a:extLst>
               <a:ext uri="{FF2B5EF4-FFF2-40B4-BE49-F238E27FC236}">
-                <a16:creationId xmlns:a16="http://schemas.microsoft.com/office/drawing/2014/main" id="{48F7001C-8209-4829-9211-838EE9976128}"/>
+                <a16:creationId xmlns:a16="http://schemas.microsoft.com/office/drawing/2014/main" id="{29821BA2-C897-4834-998A-48C037EFCC61}"/>
               </a:ext>
             </a:extLst>
           </p:cNvPr>
@@ -4928,7 +5260,7 @@
           <a:p>
             <a:r>
               <a:rPr lang="de-DE" dirty="0"/>
-              <a:t>Different l-</a:t>
+              <a:t>l-</a:t>
             </a:r>
             <a:r>
               <a:rPr lang="de-DE" dirty="0" err="1"/>
@@ -4943,7 +5275,7 @@
           <p:cNvPr id="3" name="Datumsplatzhalter 2">
             <a:extLst>
               <a:ext uri="{FF2B5EF4-FFF2-40B4-BE49-F238E27FC236}">
-                <a16:creationId xmlns:a16="http://schemas.microsoft.com/office/drawing/2014/main" id="{5617572A-0126-4E39-9967-6339673CBF10}"/>
+                <a16:creationId xmlns:a16="http://schemas.microsoft.com/office/drawing/2014/main" id="{707299E6-283C-4175-B3B3-5D836D4EF88A}"/>
               </a:ext>
             </a:extLst>
           </p:cNvPr>
@@ -4972,7 +5304,7 @@
           <p:cNvPr id="4" name="Fußzeilenplatzhalter 3">
             <a:extLst>
               <a:ext uri="{FF2B5EF4-FFF2-40B4-BE49-F238E27FC236}">
-                <a16:creationId xmlns:a16="http://schemas.microsoft.com/office/drawing/2014/main" id="{147D38FB-93C4-47D0-B1B6-40BB9C26DCA0}"/>
+                <a16:creationId xmlns:a16="http://schemas.microsoft.com/office/drawing/2014/main" id="{CDC6992F-08D8-482D-96AA-DC41E416B94B}"/>
               </a:ext>
             </a:extLst>
           </p:cNvPr>
@@ -5001,7 +5333,7 @@
           <p:cNvPr id="5" name="Textplatzhalter 4">
             <a:extLst>
               <a:ext uri="{FF2B5EF4-FFF2-40B4-BE49-F238E27FC236}">
-                <a16:creationId xmlns:a16="http://schemas.microsoft.com/office/drawing/2014/main" id="{A8D93557-FF57-443A-B61F-5F9D57A43186}"/>
+                <a16:creationId xmlns:a16="http://schemas.microsoft.com/office/drawing/2014/main" id="{CB4D70E7-CAB1-402E-A84F-08E5BE171BBF}"/>
               </a:ext>
             </a:extLst>
           </p:cNvPr>
@@ -5019,53 +5351,72 @@
           <a:p>
             <a:r>
               <a:rPr lang="en-US" dirty="0"/>
-              <a:t>1) Distinct l-diversity. There must be at least l distinct values for the confidential attribute in each group of records sharing a combination of key attributes. This is equivalent to l-sensitive k-</a:t>
-            </a:r>
-          </a:p>
-          <a:p>
-            <a:r>
-              <a:rPr lang="de-DE" dirty="0"/>
-              <a:t>2) </a:t>
-            </a:r>
+              <a:t>Definition 3 (l-Diversity): A data set is said to satisfy</a:t>
+            </a:r>
+          </a:p>
+          <a:p>
+            <a:pPr marL="0" indent="0">
+              <a:buNone/>
+            </a:pPr>
+            <a:r>
+              <a:rPr lang="en-US" dirty="0"/>
+              <a:t>l-diversity if, for each group of records sharing a</a:t>
+            </a:r>
+          </a:p>
+          <a:p>
+            <a:pPr marL="0" indent="0">
+              <a:buNone/>
+            </a:pPr>
+            <a:r>
+              <a:rPr lang="en-US" dirty="0"/>
+              <a:t>combination of key attributes, there are at least l “</a:t>
+            </a:r>
+            <a:r>
+              <a:rPr lang="en-US" dirty="0" err="1"/>
+              <a:t>wellrepresented</a:t>
+            </a:r>
+            <a:r>
+              <a:rPr lang="en-US" dirty="0"/>
+              <a:t>” values for each confidential attribute.</a:t>
+            </a:r>
+          </a:p>
+          <a:p>
+            <a:pPr marL="0" indent="0">
+              <a:buNone/>
+            </a:pPr>
+            <a:r>
+              <a:rPr lang="en-US" dirty="0"/>
+              <a:t>According to [9] the term “well-represented” can be</a:t>
+            </a:r>
+          </a:p>
+          <a:p>
+            <a:pPr marL="0" indent="0">
+              <a:buNone/>
+            </a:pPr>
             <a:r>
               <a:rPr lang="de-DE" dirty="0" err="1"/>
-              <a:t>Entropy</a:t>
-            </a:r>
-            <a:r>
-              <a:rPr lang="de-DE" dirty="0"/>
-              <a:t> l-</a:t>
+              <a:t>defined</a:t>
+            </a:r>
+            <a:r>
+              <a:rPr lang="de-DE" dirty="0"/>
+              <a:t> in </a:t>
             </a:r>
             <a:r>
               <a:rPr lang="de-DE" dirty="0" err="1"/>
-              <a:t>diversity</a:t>
-            </a:r>
-            <a:r>
-              <a:rPr lang="de-DE" dirty="0"/>
-              <a:t>.</a:t>
-            </a:r>
-            <a:r>
-              <a:rPr lang="en-US" dirty="0"/>
-              <a:t>.</a:t>
-            </a:r>
-          </a:p>
-          <a:p>
-            <a:r>
-              <a:rPr lang="de-DE" dirty="0"/>
-              <a:t>3) </a:t>
+              <a:t>several</a:t>
+            </a:r>
+            <a:r>
+              <a:rPr lang="de-DE" dirty="0"/>
+              <a:t> </a:t>
             </a:r>
             <a:r>
               <a:rPr lang="de-DE" dirty="0" err="1"/>
-              <a:t>Recursive</a:t>
-            </a:r>
-            <a:r>
-              <a:rPr lang="de-DE" dirty="0"/>
-              <a:t> (c, l)-</a:t>
-            </a:r>
-            <a:r>
-              <a:rPr lang="de-DE" dirty="0" err="1"/>
-              <a:t>diversity</a:t>
-            </a:r>
-            <a:endParaRPr lang="de-DE" dirty="0"/>
+              <a:t>ways</a:t>
+            </a:r>
+            <a:r>
+              <a:rPr lang="de-DE" dirty="0"/>
+              <a:t>:</a:t>
+            </a:r>
           </a:p>
         </p:txBody>
       </p:sp>
@@ -5074,7 +5425,7 @@
           <p:cNvPr id="6" name="Foliennummernplatzhalter 5">
             <a:extLst>
               <a:ext uri="{FF2B5EF4-FFF2-40B4-BE49-F238E27FC236}">
-                <a16:creationId xmlns:a16="http://schemas.microsoft.com/office/drawing/2014/main" id="{5824C375-82E2-4ED0-B2D7-27F730213BC9}"/>
+                <a16:creationId xmlns:a16="http://schemas.microsoft.com/office/drawing/2014/main" id="{265E418F-8B07-43E5-91F1-566EB30C7F53}"/>
               </a:ext>
             </a:extLst>
           </p:cNvPr>
@@ -5102,7 +5453,7 @@
     </p:spTree>
     <p:extLst>
       <p:ext uri="{BB962C8B-B14F-4D97-AF65-F5344CB8AC3E}">
-        <p14:creationId xmlns:p14="http://schemas.microsoft.com/office/powerpoint/2010/main" val="3629270011"/>
+        <p14:creationId xmlns:p14="http://schemas.microsoft.com/office/powerpoint/2010/main" val="405088296"/>
       </p:ext>
     </p:extLst>
   </p:cSld>
@@ -5134,7 +5485,7 @@
           <p:cNvPr id="2" name="Titel 1">
             <a:extLst>
               <a:ext uri="{FF2B5EF4-FFF2-40B4-BE49-F238E27FC236}">
-                <a16:creationId xmlns:a16="http://schemas.microsoft.com/office/drawing/2014/main" id="{D57F315B-3D66-4582-BD2E-B5CF68CF03EA}"/>
+                <a16:creationId xmlns:a16="http://schemas.microsoft.com/office/drawing/2014/main" id="{48F7001C-8209-4829-9211-838EE9976128}"/>
               </a:ext>
             </a:extLst>
           </p:cNvPr>
@@ -5152,15 +5503,7 @@
           <a:p>
             <a:r>
               <a:rPr lang="de-DE" dirty="0"/>
-              <a:t>Pr0blems </a:t>
-            </a:r>
-            <a:r>
-              <a:rPr lang="de-DE" dirty="0" err="1"/>
-              <a:t>with</a:t>
-            </a:r>
-            <a:r>
-              <a:rPr lang="de-DE" dirty="0"/>
-              <a:t> l-</a:t>
+              <a:t>Different l-</a:t>
             </a:r>
             <a:r>
               <a:rPr lang="de-DE" dirty="0" err="1"/>
@@ -5175,7 +5518,7 @@
           <p:cNvPr id="3" name="Datumsplatzhalter 2">
             <a:extLst>
               <a:ext uri="{FF2B5EF4-FFF2-40B4-BE49-F238E27FC236}">
-                <a16:creationId xmlns:a16="http://schemas.microsoft.com/office/drawing/2014/main" id="{F0D016CC-39B2-45FF-8A84-ED244F5DF67D}"/>
+                <a16:creationId xmlns:a16="http://schemas.microsoft.com/office/drawing/2014/main" id="{5617572A-0126-4E39-9967-6339673CBF10}"/>
               </a:ext>
             </a:extLst>
           </p:cNvPr>
@@ -5204,7 +5547,7 @@
           <p:cNvPr id="4" name="Fußzeilenplatzhalter 3">
             <a:extLst>
               <a:ext uri="{FF2B5EF4-FFF2-40B4-BE49-F238E27FC236}">
-                <a16:creationId xmlns:a16="http://schemas.microsoft.com/office/drawing/2014/main" id="{A2CF5D6B-468B-404B-9403-11972A2A9486}"/>
+                <a16:creationId xmlns:a16="http://schemas.microsoft.com/office/drawing/2014/main" id="{147D38FB-93C4-47D0-B1B6-40BB9C26DCA0}"/>
               </a:ext>
             </a:extLst>
           </p:cNvPr>
@@ -5233,7 +5576,7 @@
           <p:cNvPr id="5" name="Textplatzhalter 4">
             <a:extLst>
               <a:ext uri="{FF2B5EF4-FFF2-40B4-BE49-F238E27FC236}">
-                <a16:creationId xmlns:a16="http://schemas.microsoft.com/office/drawing/2014/main" id="{43AD6479-C7D5-46BC-9148-10AF544DFBFA}"/>
+                <a16:creationId xmlns:a16="http://schemas.microsoft.com/office/drawing/2014/main" id="{A8D93557-FF57-443A-B61F-5F9D57A43186}"/>
               </a:ext>
             </a:extLst>
           </p:cNvPr>
@@ -5251,110 +5594,51 @@
           <a:p>
             <a:r>
               <a:rPr lang="en-US" dirty="0"/>
-              <a:t>l-Diversity may be difficult and unnecessary to</a:t>
-            </a:r>
-          </a:p>
-          <a:p>
-            <a:pPr marL="0" indent="0">
-              <a:buNone/>
-            </a:pPr>
+              <a:t>1) Distinct l-diversity. There must be at least l distinct values for the confidential attribute in each group of records sharing a combination of key attributes. This is equivalent to l-sensitive k-</a:t>
+            </a:r>
+          </a:p>
+          <a:p>
+            <a:r>
+              <a:rPr lang="de-DE" dirty="0"/>
+              <a:t>2) </a:t>
+            </a:r>
+            <a:r>
+              <a:rPr lang="de-DE" dirty="0" err="1"/>
+              <a:t>Entropy</a:t>
+            </a:r>
+            <a:r>
+              <a:rPr lang="de-DE" dirty="0"/>
+              <a:t> l-</a:t>
+            </a:r>
+            <a:r>
+              <a:rPr lang="de-DE" dirty="0" err="1"/>
+              <a:t>diversity</a:t>
+            </a:r>
+            <a:r>
+              <a:rPr lang="de-DE" dirty="0"/>
+              <a:t>.</a:t>
+            </a:r>
             <a:r>
               <a:rPr lang="en-US" dirty="0"/>
-              <a:t>achieve. The argument is the same given against</a:t>
-            </a:r>
-          </a:p>
-          <a:p>
-            <a:pPr marL="0" indent="0">
-              <a:buNone/>
-            </a:pPr>
-            <a:r>
-              <a:rPr lang="en-US" dirty="0"/>
-              <a:t>p-sensitive k-anonymity in Example 2 above.</a:t>
-            </a:r>
-          </a:p>
-          <a:p>
-            <a:r>
-              <a:rPr lang="en-US" dirty="0"/>
-              <a:t>l-Diversity is insufficient to prevent attribute disclosure.</a:t>
-            </a:r>
-          </a:p>
-          <a:p>
-            <a:pPr marL="0" indent="0">
-              <a:buNone/>
-            </a:pPr>
-            <a:r>
-              <a:rPr lang="en-US" dirty="0"/>
-              <a:t>At least the following two attacks are </a:t>
+              <a:t>.</a:t>
+            </a:r>
+          </a:p>
+          <a:p>
+            <a:r>
+              <a:rPr lang="de-DE" dirty="0"/>
+              <a:t>3) </a:t>
             </a:r>
             <a:r>
               <a:rPr lang="de-DE" dirty="0" err="1"/>
-              <a:t>conceivable</a:t>
-            </a:r>
-            <a:r>
-              <a:rPr lang="de-DE" dirty="0"/>
-              <a:t>:</a:t>
-            </a:r>
-          </a:p>
-          <a:p>
-            <a:pPr marL="0" indent="0">
-              <a:buNone/>
-            </a:pPr>
+              <a:t>Recursive</a:t>
+            </a:r>
+            <a:r>
+              <a:rPr lang="de-DE" dirty="0"/>
+              <a:t> (c, l)-</a:t>
+            </a:r>
             <a:r>
               <a:rPr lang="de-DE" dirty="0" err="1"/>
-              <a:t>Skewness</a:t>
-            </a:r>
-            <a:r>
-              <a:rPr lang="de-DE" dirty="0"/>
-              <a:t> </a:t>
-            </a:r>
-            <a:r>
-              <a:rPr lang="de-DE" dirty="0" err="1"/>
-              <a:t>attack</a:t>
-            </a:r>
-            <a:r>
-              <a:rPr lang="de-DE" dirty="0"/>
-              <a:t>:</a:t>
-            </a:r>
-          </a:p>
-          <a:p>
-            <a:pPr marL="0" indent="0">
-              <a:buNone/>
-            </a:pPr>
-            <a:r>
-              <a:rPr lang="de-DE" dirty="0" err="1"/>
-              <a:t>Similarity</a:t>
-            </a:r>
-            <a:r>
-              <a:rPr lang="de-DE" dirty="0"/>
-              <a:t> </a:t>
-            </a:r>
-            <a:r>
-              <a:rPr lang="de-DE" dirty="0" err="1"/>
-              <a:t>attack</a:t>
-            </a:r>
-            <a:r>
-              <a:rPr lang="de-DE" dirty="0"/>
-              <a:t>: </a:t>
-            </a:r>
-            <a:r>
-              <a:rPr lang="de-DE" dirty="0" err="1"/>
-              <a:t>sematical</a:t>
-            </a:r>
-            <a:r>
-              <a:rPr lang="de-DE" dirty="0"/>
-              <a:t> same </a:t>
-            </a:r>
-            <a:r>
-              <a:rPr lang="de-DE" dirty="0" err="1"/>
-              <a:t>cofidentail</a:t>
-            </a:r>
-            <a:r>
-              <a:rPr lang="de-DE" dirty="0"/>
-              <a:t> </a:t>
-            </a:r>
-            <a:r>
-              <a:rPr lang="de-DE" dirty="0" err="1"/>
-              <a:t>attributes</a:t>
+              <a:t>diversity</a:t>
             </a:r>
             <a:endParaRPr lang="de-DE" dirty="0"/>
           </a:p>
@@ -5365,7 +5649,7 @@
           <p:cNvPr id="6" name="Foliennummernplatzhalter 5">
             <a:extLst>
               <a:ext uri="{FF2B5EF4-FFF2-40B4-BE49-F238E27FC236}">
-                <a16:creationId xmlns:a16="http://schemas.microsoft.com/office/drawing/2014/main" id="{ED7B792D-2998-422A-8AFD-846A7976EE01}"/>
+                <a16:creationId xmlns:a16="http://schemas.microsoft.com/office/drawing/2014/main" id="{5824C375-82E2-4ED0-B2D7-27F730213BC9}"/>
               </a:ext>
             </a:extLst>
           </p:cNvPr>
@@ -5393,7 +5677,7 @@
     </p:spTree>
     <p:extLst>
       <p:ext uri="{BB962C8B-B14F-4D97-AF65-F5344CB8AC3E}">
-        <p14:creationId xmlns:p14="http://schemas.microsoft.com/office/powerpoint/2010/main" val="2921885383"/>
+        <p14:creationId xmlns:p14="http://schemas.microsoft.com/office/powerpoint/2010/main" val="3629270011"/>
       </p:ext>
     </p:extLst>
   </p:cSld>

--- a/presentation/sicherheits.pptx
+++ b/presentation/sicherheits.pptx
@@ -3968,8 +3968,46 @@
           <a:lstStyle/>
           <a:p>
             <a:r>
+              <a:rPr lang="en-US" dirty="0" err="1"/>
+              <a:t>Tuble</a:t>
+            </a:r>
+            <a:r>
               <a:rPr lang="en-US" dirty="0"/>
-              <a:t>Identifiers example: passport number, social </a:t>
+              <a:t>: </a:t>
+            </a:r>
+            <a:r>
+              <a:rPr lang="fr-FR" i="1" dirty="0"/>
+              <a:t>D</a:t>
+            </a:r>
+            <a:r>
+              <a:rPr lang="fr-FR" dirty="0"/>
+              <a:t>(Explicit Identifier, Quasi Identifier, Sensitive </a:t>
+            </a:r>
+            <a:r>
+              <a:rPr lang="fr-FR" dirty="0" err="1"/>
+              <a:t>Attributes</a:t>
+            </a:r>
+            <a:r>
+              <a:rPr lang="fr-FR" dirty="0"/>
+              <a:t>, </a:t>
+            </a:r>
+            <a:r>
+              <a:rPr lang="de-DE" dirty="0"/>
+              <a:t>Non-Sensitive Attributes),</a:t>
+            </a:r>
+            <a:endParaRPr lang="en-US" dirty="0"/>
+          </a:p>
+          <a:p>
+            <a:endParaRPr lang="en-US" dirty="0"/>
+          </a:p>
+          <a:p>
+            <a:r>
+              <a:rPr lang="en-US" dirty="0" err="1"/>
+              <a:t>dentifiers</a:t>
+            </a:r>
+            <a:r>
+              <a:rPr lang="en-US" dirty="0"/>
+              <a:t> example: passport number, social </a:t>
             </a:r>
             <a:r>
               <a:rPr lang="en-US" dirty="0" err="1"/>

--- a/presentation/sicherheits.pptx
+++ b/presentation/sicherheits.pptx
@@ -5,25 +5,26 @@
     <p:sldMasterId id="2147483678" r:id="rId2"/>
   </p:sldMasterIdLst>
   <p:notesMasterIdLst>
-    <p:notesMasterId r:id="rId16"/>
+    <p:notesMasterId r:id="rId17"/>
   </p:notesMasterIdLst>
   <p:handoutMasterIdLst>
-    <p:handoutMasterId r:id="rId17"/>
+    <p:handoutMasterId r:id="rId18"/>
   </p:handoutMasterIdLst>
   <p:sldIdLst>
     <p:sldId id="256" r:id="rId3"/>
     <p:sldId id="257" r:id="rId4"/>
     <p:sldId id="258" r:id="rId5"/>
     <p:sldId id="268" r:id="rId6"/>
-    <p:sldId id="259" r:id="rId7"/>
-    <p:sldId id="263" r:id="rId8"/>
-    <p:sldId id="264" r:id="rId9"/>
-    <p:sldId id="260" r:id="rId10"/>
-    <p:sldId id="265" r:id="rId11"/>
-    <p:sldId id="266" r:id="rId12"/>
-    <p:sldId id="262" r:id="rId13"/>
-    <p:sldId id="261" r:id="rId14"/>
-    <p:sldId id="267" r:id="rId15"/>
+    <p:sldId id="269" r:id="rId7"/>
+    <p:sldId id="259" r:id="rId8"/>
+    <p:sldId id="263" r:id="rId9"/>
+    <p:sldId id="264" r:id="rId10"/>
+    <p:sldId id="260" r:id="rId11"/>
+    <p:sldId id="265" r:id="rId12"/>
+    <p:sldId id="266" r:id="rId13"/>
+    <p:sldId id="262" r:id="rId14"/>
+    <p:sldId id="261" r:id="rId15"/>
+    <p:sldId id="267" r:id="rId16"/>
   </p:sldIdLst>
   <p:sldSz cx="9144000" cy="6858000" type="screen4x3"/>
   <p:notesSz cx="7099300" cy="10234613"/>
@@ -288,7 +289,7 @@
             <a:fld id="{5BB45A7C-CD8D-4615-9E21-7904701129AE}" type="datetimeFigureOut">
               <a:rPr lang="de-DE"/>
               <a:pPr/>
-              <a:t>21.01.2018</a:t>
+              <a:t>22.01.2018</a:t>
             </a:fld>
             <a:endParaRPr lang="de-DE"/>
           </a:p>
@@ -2007,7 +2008,7 @@
             <a:fld id="{4B008DF5-449C-4CDB-99E5-200AB76F51BF}" type="datetime1">
               <a:rPr lang="de-DE"/>
               <a:pPr/>
-              <a:t>21.01.2018</a:t>
+              <a:t>22.01.2018</a:t>
             </a:fld>
             <a:endParaRPr lang="de-DE" dirty="0"/>
           </a:p>
@@ -2685,7 +2686,7 @@
           <p:cNvPr id="2" name="Titel 1">
             <a:extLst>
               <a:ext uri="{FF2B5EF4-FFF2-40B4-BE49-F238E27FC236}">
-                <a16:creationId xmlns:a16="http://schemas.microsoft.com/office/drawing/2014/main" id="{D57F315B-3D66-4582-BD2E-B5CF68CF03EA}"/>
+                <a16:creationId xmlns:a16="http://schemas.microsoft.com/office/drawing/2014/main" id="{48F7001C-8209-4829-9211-838EE9976128}"/>
               </a:ext>
             </a:extLst>
           </p:cNvPr>
@@ -2703,15 +2704,7 @@
           <a:p>
             <a:r>
               <a:rPr lang="de-DE" dirty="0"/>
-              <a:t>Pr0blems </a:t>
-            </a:r>
-            <a:r>
-              <a:rPr lang="de-DE" dirty="0" err="1"/>
-              <a:t>with</a:t>
-            </a:r>
-            <a:r>
-              <a:rPr lang="de-DE" dirty="0"/>
-              <a:t> l-</a:t>
+              <a:t>Different l-</a:t>
             </a:r>
             <a:r>
               <a:rPr lang="de-DE" dirty="0" err="1"/>
@@ -2726,7 +2719,7 @@
           <p:cNvPr id="3" name="Datumsplatzhalter 2">
             <a:extLst>
               <a:ext uri="{FF2B5EF4-FFF2-40B4-BE49-F238E27FC236}">
-                <a16:creationId xmlns:a16="http://schemas.microsoft.com/office/drawing/2014/main" id="{F0D016CC-39B2-45FF-8A84-ED244F5DF67D}"/>
+                <a16:creationId xmlns:a16="http://schemas.microsoft.com/office/drawing/2014/main" id="{5617572A-0126-4E39-9967-6339673CBF10}"/>
               </a:ext>
             </a:extLst>
           </p:cNvPr>
@@ -2755,7 +2748,7 @@
           <p:cNvPr id="4" name="Fußzeilenplatzhalter 3">
             <a:extLst>
               <a:ext uri="{FF2B5EF4-FFF2-40B4-BE49-F238E27FC236}">
-                <a16:creationId xmlns:a16="http://schemas.microsoft.com/office/drawing/2014/main" id="{A2CF5D6B-468B-404B-9403-11972A2A9486}"/>
+                <a16:creationId xmlns:a16="http://schemas.microsoft.com/office/drawing/2014/main" id="{147D38FB-93C4-47D0-B1B6-40BB9C26DCA0}"/>
               </a:ext>
             </a:extLst>
           </p:cNvPr>
@@ -2784,7 +2777,7 @@
           <p:cNvPr id="5" name="Textplatzhalter 4">
             <a:extLst>
               <a:ext uri="{FF2B5EF4-FFF2-40B4-BE49-F238E27FC236}">
-                <a16:creationId xmlns:a16="http://schemas.microsoft.com/office/drawing/2014/main" id="{43AD6479-C7D5-46BC-9148-10AF544DFBFA}"/>
+                <a16:creationId xmlns:a16="http://schemas.microsoft.com/office/drawing/2014/main" id="{A8D93557-FF57-443A-B61F-5F9D57A43186}"/>
               </a:ext>
             </a:extLst>
           </p:cNvPr>
@@ -2802,110 +2795,51 @@
           <a:p>
             <a:r>
               <a:rPr lang="en-US" dirty="0"/>
-              <a:t>l-Diversity may be difficult and unnecessary to</a:t>
-            </a:r>
-          </a:p>
-          <a:p>
-            <a:pPr marL="0" indent="0">
-              <a:buNone/>
-            </a:pPr>
+              <a:t>1) Distinct l-diversity. There must be at least l distinct values for the confidential attribute in each group of records sharing a combination of key attributes. This is equivalent to l-sensitive k-</a:t>
+            </a:r>
+          </a:p>
+          <a:p>
+            <a:r>
+              <a:rPr lang="de-DE" dirty="0"/>
+              <a:t>2) </a:t>
+            </a:r>
+            <a:r>
+              <a:rPr lang="de-DE" dirty="0" err="1"/>
+              <a:t>Entropy</a:t>
+            </a:r>
+            <a:r>
+              <a:rPr lang="de-DE" dirty="0"/>
+              <a:t> l-</a:t>
+            </a:r>
+            <a:r>
+              <a:rPr lang="de-DE" dirty="0" err="1"/>
+              <a:t>diversity</a:t>
+            </a:r>
+            <a:r>
+              <a:rPr lang="de-DE" dirty="0"/>
+              <a:t>.</a:t>
+            </a:r>
             <a:r>
               <a:rPr lang="en-US" dirty="0"/>
-              <a:t>achieve. The argument is the same given against</a:t>
-            </a:r>
-          </a:p>
-          <a:p>
-            <a:pPr marL="0" indent="0">
-              <a:buNone/>
-            </a:pPr>
-            <a:r>
-              <a:rPr lang="en-US" dirty="0"/>
-              <a:t>p-sensitive k-anonymity in Example 2 above.</a:t>
-            </a:r>
-          </a:p>
-          <a:p>
-            <a:r>
-              <a:rPr lang="en-US" dirty="0"/>
-              <a:t>l-Diversity is insufficient to prevent attribute disclosure.</a:t>
-            </a:r>
-          </a:p>
-          <a:p>
-            <a:pPr marL="0" indent="0">
-              <a:buNone/>
-            </a:pPr>
-            <a:r>
-              <a:rPr lang="en-US" dirty="0"/>
-              <a:t>At least the following two attacks are </a:t>
+              <a:t>.</a:t>
+            </a:r>
+          </a:p>
+          <a:p>
+            <a:r>
+              <a:rPr lang="de-DE" dirty="0"/>
+              <a:t>3) </a:t>
             </a:r>
             <a:r>
               <a:rPr lang="de-DE" dirty="0" err="1"/>
-              <a:t>conceivable</a:t>
-            </a:r>
-            <a:r>
-              <a:rPr lang="de-DE" dirty="0"/>
-              <a:t>:</a:t>
-            </a:r>
-          </a:p>
-          <a:p>
-            <a:pPr marL="0" indent="0">
-              <a:buNone/>
-            </a:pPr>
+              <a:t>Recursive</a:t>
+            </a:r>
+            <a:r>
+              <a:rPr lang="de-DE" dirty="0"/>
+              <a:t> (c, l)-</a:t>
+            </a:r>
             <a:r>
               <a:rPr lang="de-DE" dirty="0" err="1"/>
-              <a:t>Skewness</a:t>
-            </a:r>
-            <a:r>
-              <a:rPr lang="de-DE" dirty="0"/>
-              <a:t> </a:t>
-            </a:r>
-            <a:r>
-              <a:rPr lang="de-DE" dirty="0" err="1"/>
-              <a:t>attack</a:t>
-            </a:r>
-            <a:r>
-              <a:rPr lang="de-DE" dirty="0"/>
-              <a:t>:</a:t>
-            </a:r>
-          </a:p>
-          <a:p>
-            <a:pPr marL="0" indent="0">
-              <a:buNone/>
-            </a:pPr>
-            <a:r>
-              <a:rPr lang="de-DE" dirty="0" err="1"/>
-              <a:t>Similarity</a:t>
-            </a:r>
-            <a:r>
-              <a:rPr lang="de-DE" dirty="0"/>
-              <a:t> </a:t>
-            </a:r>
-            <a:r>
-              <a:rPr lang="de-DE" dirty="0" err="1"/>
-              <a:t>attack</a:t>
-            </a:r>
-            <a:r>
-              <a:rPr lang="de-DE" dirty="0"/>
-              <a:t>: </a:t>
-            </a:r>
-            <a:r>
-              <a:rPr lang="de-DE" dirty="0" err="1"/>
-              <a:t>sematical</a:t>
-            </a:r>
-            <a:r>
-              <a:rPr lang="de-DE" dirty="0"/>
-              <a:t> same </a:t>
-            </a:r>
-            <a:r>
-              <a:rPr lang="de-DE" dirty="0" err="1"/>
-              <a:t>cofidentail</a:t>
-            </a:r>
-            <a:r>
-              <a:rPr lang="de-DE" dirty="0"/>
-              <a:t> </a:t>
-            </a:r>
-            <a:r>
-              <a:rPr lang="de-DE" dirty="0" err="1"/>
-              <a:t>attributes</a:t>
+              <a:t>diversity</a:t>
             </a:r>
             <a:endParaRPr lang="de-DE" dirty="0"/>
           </a:p>
@@ -2916,7 +2850,7 @@
           <p:cNvPr id="6" name="Foliennummernplatzhalter 5">
             <a:extLst>
               <a:ext uri="{FF2B5EF4-FFF2-40B4-BE49-F238E27FC236}">
-                <a16:creationId xmlns:a16="http://schemas.microsoft.com/office/drawing/2014/main" id="{ED7B792D-2998-422A-8AFD-846A7976EE01}"/>
+                <a16:creationId xmlns:a16="http://schemas.microsoft.com/office/drawing/2014/main" id="{5824C375-82E2-4ED0-B2D7-27F730213BC9}"/>
               </a:ext>
             </a:extLst>
           </p:cNvPr>
@@ -2944,7 +2878,7 @@
     </p:spTree>
     <p:extLst>
       <p:ext uri="{BB962C8B-B14F-4D97-AF65-F5344CB8AC3E}">
-        <p14:creationId xmlns:p14="http://schemas.microsoft.com/office/powerpoint/2010/main" val="2921885383"/>
+        <p14:creationId xmlns:p14="http://schemas.microsoft.com/office/powerpoint/2010/main" val="3629270011"/>
       </p:ext>
     </p:extLst>
   </p:cSld>
@@ -2976,7 +2910,7 @@
           <p:cNvPr id="2" name="Titel 1">
             <a:extLst>
               <a:ext uri="{FF2B5EF4-FFF2-40B4-BE49-F238E27FC236}">
-                <a16:creationId xmlns:a16="http://schemas.microsoft.com/office/drawing/2014/main" id="{03774710-EF24-496F-8E16-1860EB9452BD}"/>
+                <a16:creationId xmlns:a16="http://schemas.microsoft.com/office/drawing/2014/main" id="{D57F315B-3D66-4582-BD2E-B5CF68CF03EA}"/>
               </a:ext>
             </a:extLst>
           </p:cNvPr>
@@ -2994,11 +2928,19 @@
           <a:p>
             <a:r>
               <a:rPr lang="de-DE" dirty="0"/>
-              <a:t>t-</a:t>
+              <a:t>Pr0blems </a:t>
             </a:r>
             <a:r>
               <a:rPr lang="de-DE" dirty="0" err="1"/>
-              <a:t>close´ness</a:t>
+              <a:t>with</a:t>
+            </a:r>
+            <a:r>
+              <a:rPr lang="de-DE" dirty="0"/>
+              <a:t> l-</a:t>
+            </a:r>
+            <a:r>
+              <a:rPr lang="de-DE" dirty="0" err="1"/>
+              <a:t>diversity</a:t>
             </a:r>
             <a:endParaRPr lang="de-DE" dirty="0"/>
           </a:p>
@@ -3009,7 +2951,7 @@
           <p:cNvPr id="3" name="Datumsplatzhalter 2">
             <a:extLst>
               <a:ext uri="{FF2B5EF4-FFF2-40B4-BE49-F238E27FC236}">
-                <a16:creationId xmlns:a16="http://schemas.microsoft.com/office/drawing/2014/main" id="{419087A1-C8F7-429D-9539-28EFF980787F}"/>
+                <a16:creationId xmlns:a16="http://schemas.microsoft.com/office/drawing/2014/main" id="{F0D016CC-39B2-45FF-8A84-ED244F5DF67D}"/>
               </a:ext>
             </a:extLst>
           </p:cNvPr>
@@ -3038,7 +2980,7 @@
           <p:cNvPr id="4" name="Fußzeilenplatzhalter 3">
             <a:extLst>
               <a:ext uri="{FF2B5EF4-FFF2-40B4-BE49-F238E27FC236}">
-                <a16:creationId xmlns:a16="http://schemas.microsoft.com/office/drawing/2014/main" id="{16A1720A-77AB-4E5A-8054-A5D031724E0F}"/>
+                <a16:creationId xmlns:a16="http://schemas.microsoft.com/office/drawing/2014/main" id="{A2CF5D6B-468B-404B-9403-11972A2A9486}"/>
               </a:ext>
             </a:extLst>
           </p:cNvPr>
@@ -3055,12 +2997,8 @@
           <a:lstStyle/>
           <a:p>
             <a:r>
-              <a:rPr lang="de-DE" dirty="0"/>
-              <a:t>Andreas Wiegand &amp; Ludwig </a:t>
-            </a:r>
-            <a:r>
-              <a:rPr lang="de-DE" dirty="0" err="1"/>
-              <a:t>Schallner</a:t>
+              <a:rPr lang="de-DE"/>
+              <a:t>Andreas Heimann &amp; Matthias Puchta</a:t>
             </a:r>
             <a:endParaRPr lang="de-DE" dirty="0"/>
           </a:p>
@@ -3071,7 +3009,7 @@
           <p:cNvPr id="5" name="Textplatzhalter 4">
             <a:extLst>
               <a:ext uri="{FF2B5EF4-FFF2-40B4-BE49-F238E27FC236}">
-                <a16:creationId xmlns:a16="http://schemas.microsoft.com/office/drawing/2014/main" id="{30F3C5B2-53AA-499A-886B-AA06C3A92963}"/>
+                <a16:creationId xmlns:a16="http://schemas.microsoft.com/office/drawing/2014/main" id="{43AD6479-C7D5-46BC-9148-10AF544DFBFA}"/>
               </a:ext>
             </a:extLst>
           </p:cNvPr>
@@ -3088,12 +3026,8 @@
           <a:lstStyle/>
           <a:p>
             <a:r>
-              <a:rPr lang="de-DE" dirty="0"/>
-              <a:t>Definition: </a:t>
-            </a:r>
-            <a:r>
               <a:rPr lang="en-US" dirty="0"/>
-              <a:t>Definition 4 (t-Closeness): A data set is said to</a:t>
+              <a:t>l-Diversity may be difficult and unnecessary to</a:t>
             </a:r>
           </a:p>
           <a:p>
@@ -3102,7 +3036,7 @@
             </a:pPr>
             <a:r>
               <a:rPr lang="en-US" dirty="0"/>
-              <a:t>satisfy t-closeness if, for each group of records sharing</a:t>
+              <a:t>achieve. The argument is the same given against</a:t>
             </a:r>
           </a:p>
           <a:p>
@@ -3111,7 +3045,13 @@
             </a:pPr>
             <a:r>
               <a:rPr lang="en-US" dirty="0"/>
-              <a:t>a combination of key attributes, the distance between</a:t>
+              <a:t>p-sensitive k-anonymity in Example 2 above.</a:t>
+            </a:r>
+          </a:p>
+          <a:p>
+            <a:r>
+              <a:rPr lang="en-US" dirty="0"/>
+              <a:t>l-Diversity is insufficient to prevent attribute disclosure.</a:t>
             </a:r>
           </a:p>
           <a:p>
@@ -3120,7 +3060,15 @@
             </a:pPr>
             <a:r>
               <a:rPr lang="en-US" dirty="0"/>
-              <a:t>the distribution of the confidential attribute in the group</a:t>
+              <a:t>At least the following two attacks are </a:t>
+            </a:r>
+            <a:r>
+              <a:rPr lang="de-DE" dirty="0" err="1"/>
+              <a:t>conceivable</a:t>
+            </a:r>
+            <a:r>
+              <a:rPr lang="de-DE" dirty="0"/>
+              <a:t>:</a:t>
             </a:r>
           </a:p>
           <a:p>
@@ -3128,8 +3076,20 @@
               <a:buNone/>
             </a:pPr>
             <a:r>
-              <a:rPr lang="en-US" dirty="0"/>
-              <a:t>and the distribution of the attribute in the whole data</a:t>
+              <a:rPr lang="de-DE" dirty="0" err="1"/>
+              <a:t>Skewness</a:t>
+            </a:r>
+            <a:r>
+              <a:rPr lang="de-DE" dirty="0"/>
+              <a:t> </a:t>
+            </a:r>
+            <a:r>
+              <a:rPr lang="de-DE" dirty="0" err="1"/>
+              <a:t>attack</a:t>
+            </a:r>
+            <a:r>
+              <a:rPr lang="de-DE" dirty="0"/>
+              <a:t>:</a:t>
             </a:r>
           </a:p>
           <a:p>
@@ -3137,8 +3097,40 @@
               <a:buNone/>
             </a:pPr>
             <a:r>
-              <a:rPr lang="en-US" dirty="0"/>
-              <a:t>set is no more than a threshold t.</a:t>
+              <a:rPr lang="de-DE" dirty="0" err="1"/>
+              <a:t>Similarity</a:t>
+            </a:r>
+            <a:r>
+              <a:rPr lang="de-DE" dirty="0"/>
+              <a:t> </a:t>
+            </a:r>
+            <a:r>
+              <a:rPr lang="de-DE" dirty="0" err="1"/>
+              <a:t>attack</a:t>
+            </a:r>
+            <a:r>
+              <a:rPr lang="de-DE" dirty="0"/>
+              <a:t>: </a:t>
+            </a:r>
+            <a:r>
+              <a:rPr lang="de-DE" dirty="0" err="1"/>
+              <a:t>sematical</a:t>
+            </a:r>
+            <a:r>
+              <a:rPr lang="de-DE" dirty="0"/>
+              <a:t> same </a:t>
+            </a:r>
+            <a:r>
+              <a:rPr lang="de-DE" dirty="0" err="1"/>
+              <a:t>cofidentail</a:t>
+            </a:r>
+            <a:r>
+              <a:rPr lang="de-DE" dirty="0"/>
+              <a:t> </a:t>
+            </a:r>
+            <a:r>
+              <a:rPr lang="de-DE" dirty="0" err="1"/>
+              <a:t>attributes</a:t>
             </a:r>
             <a:endParaRPr lang="de-DE" dirty="0"/>
           </a:p>
@@ -3149,7 +3141,7 @@
           <p:cNvPr id="6" name="Foliennummernplatzhalter 5">
             <a:extLst>
               <a:ext uri="{FF2B5EF4-FFF2-40B4-BE49-F238E27FC236}">
-                <a16:creationId xmlns:a16="http://schemas.microsoft.com/office/drawing/2014/main" id="{54D3FDF2-2764-4BE6-BE4D-51DAF1C1A001}"/>
+                <a16:creationId xmlns:a16="http://schemas.microsoft.com/office/drawing/2014/main" id="{ED7B792D-2998-422A-8AFD-846A7976EE01}"/>
               </a:ext>
             </a:extLst>
           </p:cNvPr>
@@ -3177,7 +3169,7 @@
     </p:spTree>
     <p:extLst>
       <p:ext uri="{BB962C8B-B14F-4D97-AF65-F5344CB8AC3E}">
-        <p14:creationId xmlns:p14="http://schemas.microsoft.com/office/powerpoint/2010/main" val="222580713"/>
+        <p14:creationId xmlns:p14="http://schemas.microsoft.com/office/powerpoint/2010/main" val="2921885383"/>
       </p:ext>
     </p:extLst>
   </p:cSld>
@@ -3209,7 +3201,7 @@
           <p:cNvPr id="2" name="Titel 1">
             <a:extLst>
               <a:ext uri="{FF2B5EF4-FFF2-40B4-BE49-F238E27FC236}">
-                <a16:creationId xmlns:a16="http://schemas.microsoft.com/office/drawing/2014/main" id="{ED74D9F5-7E88-40DD-A611-56459F70E672}"/>
+                <a16:creationId xmlns:a16="http://schemas.microsoft.com/office/drawing/2014/main" id="{03774710-EF24-496F-8E16-1860EB9452BD}"/>
               </a:ext>
             </a:extLst>
           </p:cNvPr>
@@ -3242,7 +3234,7 @@
           <p:cNvPr id="3" name="Datumsplatzhalter 2">
             <a:extLst>
               <a:ext uri="{FF2B5EF4-FFF2-40B4-BE49-F238E27FC236}">
-                <a16:creationId xmlns:a16="http://schemas.microsoft.com/office/drawing/2014/main" id="{A81886F5-D8A0-4AB2-A12D-B44314A08602}"/>
+                <a16:creationId xmlns:a16="http://schemas.microsoft.com/office/drawing/2014/main" id="{419087A1-C8F7-429D-9539-28EFF980787F}"/>
               </a:ext>
             </a:extLst>
           </p:cNvPr>
@@ -3271,7 +3263,7 @@
           <p:cNvPr id="4" name="Fußzeilenplatzhalter 3">
             <a:extLst>
               <a:ext uri="{FF2B5EF4-FFF2-40B4-BE49-F238E27FC236}">
-                <a16:creationId xmlns:a16="http://schemas.microsoft.com/office/drawing/2014/main" id="{59640035-9623-4075-BDEE-7833C664AE8B}"/>
+                <a16:creationId xmlns:a16="http://schemas.microsoft.com/office/drawing/2014/main" id="{16A1720A-77AB-4E5A-8054-A5D031724E0F}"/>
               </a:ext>
             </a:extLst>
           </p:cNvPr>
@@ -3288,8 +3280,12 @@
           <a:lstStyle/>
           <a:p>
             <a:r>
-              <a:rPr lang="de-DE"/>
-              <a:t>Andreas Heimann &amp; Matthias Puchta</a:t>
+              <a:rPr lang="de-DE" dirty="0"/>
+              <a:t>Andreas Wiegand &amp; Ludwig </a:t>
+            </a:r>
+            <a:r>
+              <a:rPr lang="de-DE" dirty="0" err="1"/>
+              <a:t>Schallner</a:t>
             </a:r>
             <a:endParaRPr lang="de-DE" dirty="0"/>
           </a:p>
@@ -3300,7 +3296,7 @@
           <p:cNvPr id="5" name="Textplatzhalter 4">
             <a:extLst>
               <a:ext uri="{FF2B5EF4-FFF2-40B4-BE49-F238E27FC236}">
-                <a16:creationId xmlns:a16="http://schemas.microsoft.com/office/drawing/2014/main" id="{8F031245-BB29-41F9-8C5E-156AFC612440}"/>
+                <a16:creationId xmlns:a16="http://schemas.microsoft.com/office/drawing/2014/main" id="{30F3C5B2-53AA-499A-886B-AA06C3A92963}"/>
               </a:ext>
             </a:extLst>
           </p:cNvPr>
@@ -3318,7 +3314,11 @@
           <a:p>
             <a:r>
               <a:rPr lang="de-DE" dirty="0"/>
-              <a:t>Problems:</a:t>
+              <a:t>Definition: </a:t>
+            </a:r>
+            <a:r>
+              <a:rPr lang="en-US" dirty="0"/>
+              <a:t>Definition 4 (t-Closeness): A data set is said to</a:t>
             </a:r>
           </a:p>
           <a:p>
@@ -3327,7 +3327,7 @@
             </a:pPr>
             <a:r>
               <a:rPr lang="en-US" dirty="0"/>
-              <a:t>Whereas the paper [7] elaborates on several ways</a:t>
+              <a:t>satisfy t-closeness if, for each group of records sharing</a:t>
             </a:r>
           </a:p>
           <a:p>
@@ -3336,7 +3336,7 @@
             </a:pPr>
             <a:r>
               <a:rPr lang="en-US" dirty="0"/>
-              <a:t>o check t-closeness (using several distances between</a:t>
+              <a:t>a combination of key attributes, the distance between</a:t>
             </a:r>
           </a:p>
           <a:p>
@@ -3344,34 +3344,9 @@
               <a:buNone/>
             </a:pPr>
             <a:r>
-              <a:rPr lang="de-DE" dirty="0" err="1"/>
-              <a:t>distributions</a:t>
-            </a:r>
-            <a:r>
-              <a:rPr lang="de-DE" dirty="0"/>
-              <a:t>), </a:t>
-            </a:r>
-            <a:r>
-              <a:rPr lang="de-DE" dirty="0" err="1"/>
-              <a:t>no</a:t>
-            </a:r>
-            <a:r>
-              <a:rPr lang="de-DE" dirty="0"/>
-              <a:t> </a:t>
-            </a:r>
-            <a:r>
-              <a:rPr lang="de-DE" dirty="0" err="1"/>
-              <a:t>computational</a:t>
-            </a:r>
-            <a:r>
-              <a:rPr lang="de-DE" dirty="0"/>
-              <a:t> </a:t>
-            </a:r>
-            <a:r>
-              <a:rPr lang="de-DE" dirty="0" err="1"/>
-              <a:t>procedure</a:t>
-            </a:r>
-            <a:endParaRPr lang="de-DE" dirty="0"/>
+              <a:rPr lang="en-US" dirty="0"/>
+              <a:t>the distribution of the confidential attribute in the group</a:t>
+            </a:r>
           </a:p>
           <a:p>
             <a:pPr marL="0" indent="0">
@@ -3379,13 +3354,17 @@
             </a:pPr>
             <a:r>
               <a:rPr lang="en-US" dirty="0"/>
-              <a:t>to enforce this property is given.</a:t>
+              <a:t>and the distribution of the attribute in the whole data</a:t>
             </a:r>
           </a:p>
           <a:p>
             <a:pPr marL="0" indent="0">
               <a:buNone/>
             </a:pPr>
+            <a:r>
+              <a:rPr lang="en-US" dirty="0"/>
+              <a:t>set is no more than a threshold t.</a:t>
+            </a:r>
             <a:endParaRPr lang="de-DE" dirty="0"/>
           </a:p>
         </p:txBody>
@@ -3395,7 +3374,7 @@
           <p:cNvPr id="6" name="Foliennummernplatzhalter 5">
             <a:extLst>
               <a:ext uri="{FF2B5EF4-FFF2-40B4-BE49-F238E27FC236}">
-                <a16:creationId xmlns:a16="http://schemas.microsoft.com/office/drawing/2014/main" id="{35C5C671-02F4-435F-A4CA-4659E0309639}"/>
+                <a16:creationId xmlns:a16="http://schemas.microsoft.com/office/drawing/2014/main" id="{54D3FDF2-2764-4BE6-BE4D-51DAF1C1A001}"/>
               </a:ext>
             </a:extLst>
           </p:cNvPr>
@@ -3423,7 +3402,7 @@
     </p:spTree>
     <p:extLst>
       <p:ext uri="{BB962C8B-B14F-4D97-AF65-F5344CB8AC3E}">
-        <p14:creationId xmlns:p14="http://schemas.microsoft.com/office/powerpoint/2010/main" val="2648306626"/>
+        <p14:creationId xmlns:p14="http://schemas.microsoft.com/office/powerpoint/2010/main" val="222580713"/>
       </p:ext>
     </p:extLst>
   </p:cSld>
@@ -3455,6 +3434,252 @@
           <p:cNvPr id="2" name="Titel 1">
             <a:extLst>
               <a:ext uri="{FF2B5EF4-FFF2-40B4-BE49-F238E27FC236}">
+                <a16:creationId xmlns:a16="http://schemas.microsoft.com/office/drawing/2014/main" id="{ED74D9F5-7E88-40DD-A611-56459F70E672}"/>
+              </a:ext>
+            </a:extLst>
+          </p:cNvPr>
+          <p:cNvSpPr>
+            <a:spLocks noGrp="1"/>
+          </p:cNvSpPr>
+          <p:nvPr>
+            <p:ph type="title"/>
+          </p:nvPr>
+        </p:nvSpPr>
+        <p:spPr/>
+        <p:txBody>
+          <a:bodyPr/>
+          <a:lstStyle/>
+          <a:p>
+            <a:r>
+              <a:rPr lang="de-DE" dirty="0"/>
+              <a:t>t-</a:t>
+            </a:r>
+            <a:r>
+              <a:rPr lang="de-DE" dirty="0" err="1"/>
+              <a:t>close´ness</a:t>
+            </a:r>
+            <a:endParaRPr lang="de-DE" dirty="0"/>
+          </a:p>
+        </p:txBody>
+      </p:sp>
+      <p:sp>
+        <p:nvSpPr>
+          <p:cNvPr id="3" name="Datumsplatzhalter 2">
+            <a:extLst>
+              <a:ext uri="{FF2B5EF4-FFF2-40B4-BE49-F238E27FC236}">
+                <a16:creationId xmlns:a16="http://schemas.microsoft.com/office/drawing/2014/main" id="{A81886F5-D8A0-4AB2-A12D-B44314A08602}"/>
+              </a:ext>
+            </a:extLst>
+          </p:cNvPr>
+          <p:cNvSpPr>
+            <a:spLocks noGrp="1"/>
+          </p:cNvSpPr>
+          <p:nvPr>
+            <p:ph type="dt" sz="half" idx="10"/>
+          </p:nvPr>
+        </p:nvSpPr>
+        <p:spPr/>
+        <p:txBody>
+          <a:bodyPr/>
+          <a:lstStyle/>
+          <a:p>
+            <a:r>
+              <a:rPr lang="de-DE"/>
+              <a:t>18.05.2017</a:t>
+            </a:r>
+            <a:endParaRPr lang="de-DE" dirty="0"/>
+          </a:p>
+        </p:txBody>
+      </p:sp>
+      <p:sp>
+        <p:nvSpPr>
+          <p:cNvPr id="4" name="Fußzeilenplatzhalter 3">
+            <a:extLst>
+              <a:ext uri="{FF2B5EF4-FFF2-40B4-BE49-F238E27FC236}">
+                <a16:creationId xmlns:a16="http://schemas.microsoft.com/office/drawing/2014/main" id="{59640035-9623-4075-BDEE-7833C664AE8B}"/>
+              </a:ext>
+            </a:extLst>
+          </p:cNvPr>
+          <p:cNvSpPr>
+            <a:spLocks noGrp="1"/>
+          </p:cNvSpPr>
+          <p:nvPr>
+            <p:ph type="ftr" sz="quarter" idx="11"/>
+          </p:nvPr>
+        </p:nvSpPr>
+        <p:spPr/>
+        <p:txBody>
+          <a:bodyPr/>
+          <a:lstStyle/>
+          <a:p>
+            <a:r>
+              <a:rPr lang="de-DE"/>
+              <a:t>Andreas Heimann &amp; Matthias Puchta</a:t>
+            </a:r>
+            <a:endParaRPr lang="de-DE" dirty="0"/>
+          </a:p>
+        </p:txBody>
+      </p:sp>
+      <p:sp>
+        <p:nvSpPr>
+          <p:cNvPr id="5" name="Textplatzhalter 4">
+            <a:extLst>
+              <a:ext uri="{FF2B5EF4-FFF2-40B4-BE49-F238E27FC236}">
+                <a16:creationId xmlns:a16="http://schemas.microsoft.com/office/drawing/2014/main" id="{8F031245-BB29-41F9-8C5E-156AFC612440}"/>
+              </a:ext>
+            </a:extLst>
+          </p:cNvPr>
+          <p:cNvSpPr>
+            <a:spLocks noGrp="1"/>
+          </p:cNvSpPr>
+          <p:nvPr>
+            <p:ph type="body" sz="quarter" idx="13"/>
+          </p:nvPr>
+        </p:nvSpPr>
+        <p:spPr/>
+        <p:txBody>
+          <a:bodyPr/>
+          <a:lstStyle/>
+          <a:p>
+            <a:r>
+              <a:rPr lang="de-DE" dirty="0"/>
+              <a:t>Problems:</a:t>
+            </a:r>
+          </a:p>
+          <a:p>
+            <a:pPr marL="0" indent="0">
+              <a:buNone/>
+            </a:pPr>
+            <a:r>
+              <a:rPr lang="en-US" dirty="0"/>
+              <a:t>Whereas the paper [7] elaborates on several ways</a:t>
+            </a:r>
+          </a:p>
+          <a:p>
+            <a:pPr marL="0" indent="0">
+              <a:buNone/>
+            </a:pPr>
+            <a:r>
+              <a:rPr lang="en-US" dirty="0"/>
+              <a:t>o check t-closeness (using several distances between</a:t>
+            </a:r>
+          </a:p>
+          <a:p>
+            <a:pPr marL="0" indent="0">
+              <a:buNone/>
+            </a:pPr>
+            <a:r>
+              <a:rPr lang="de-DE" dirty="0" err="1"/>
+              <a:t>distributions</a:t>
+            </a:r>
+            <a:r>
+              <a:rPr lang="de-DE" dirty="0"/>
+              <a:t>), </a:t>
+            </a:r>
+            <a:r>
+              <a:rPr lang="de-DE" dirty="0" err="1"/>
+              <a:t>no</a:t>
+            </a:r>
+            <a:r>
+              <a:rPr lang="de-DE" dirty="0"/>
+              <a:t> </a:t>
+            </a:r>
+            <a:r>
+              <a:rPr lang="de-DE" dirty="0" err="1"/>
+              <a:t>computational</a:t>
+            </a:r>
+            <a:r>
+              <a:rPr lang="de-DE" dirty="0"/>
+              <a:t> </a:t>
+            </a:r>
+            <a:r>
+              <a:rPr lang="de-DE" dirty="0" err="1"/>
+              <a:t>procedure</a:t>
+            </a:r>
+            <a:endParaRPr lang="de-DE" dirty="0"/>
+          </a:p>
+          <a:p>
+            <a:pPr marL="0" indent="0">
+              <a:buNone/>
+            </a:pPr>
+            <a:r>
+              <a:rPr lang="en-US" dirty="0"/>
+              <a:t>to enforce this property is given.</a:t>
+            </a:r>
+          </a:p>
+          <a:p>
+            <a:pPr marL="0" indent="0">
+              <a:buNone/>
+            </a:pPr>
+            <a:endParaRPr lang="de-DE" dirty="0"/>
+          </a:p>
+        </p:txBody>
+      </p:sp>
+      <p:sp>
+        <p:nvSpPr>
+          <p:cNvPr id="6" name="Foliennummernplatzhalter 5">
+            <a:extLst>
+              <a:ext uri="{FF2B5EF4-FFF2-40B4-BE49-F238E27FC236}">
+                <a16:creationId xmlns:a16="http://schemas.microsoft.com/office/drawing/2014/main" id="{35C5C671-02F4-435F-A4CA-4659E0309639}"/>
+              </a:ext>
+            </a:extLst>
+          </p:cNvPr>
+          <p:cNvSpPr>
+            <a:spLocks noGrp="1"/>
+          </p:cNvSpPr>
+          <p:nvPr>
+            <p:ph type="sldNum" sz="quarter" idx="12"/>
+          </p:nvPr>
+        </p:nvSpPr>
+        <p:spPr/>
+        <p:txBody>
+          <a:bodyPr/>
+          <a:lstStyle/>
+          <a:p>
+            <a:fld id="{50E76E58-F275-47A3-BB17-470016A267B6}" type="slidenum">
+              <a:rPr lang="de-DE" smtClean="0"/>
+              <a:pPr/>
+              <a:t>13</a:t>
+            </a:fld>
+            <a:endParaRPr lang="de-DE"/>
+          </a:p>
+        </p:txBody>
+      </p:sp>
+    </p:spTree>
+    <p:extLst>
+      <p:ext uri="{BB962C8B-B14F-4D97-AF65-F5344CB8AC3E}">
+        <p14:creationId xmlns:p14="http://schemas.microsoft.com/office/powerpoint/2010/main" val="2648306626"/>
+      </p:ext>
+    </p:extLst>
+  </p:cSld>
+  <p:clrMapOvr>
+    <a:masterClrMapping/>
+  </p:clrMapOvr>
+</p:sld>
+</file>
+
+<file path=ppt/slides/slide14.xml><?xml version="1.0" encoding="utf-8"?>
+<p:sld xmlns:a="http://schemas.openxmlformats.org/drawingml/2006/main" xmlns:r="http://schemas.openxmlformats.org/officeDocument/2006/relationships" xmlns:p="http://schemas.openxmlformats.org/presentationml/2006/main">
+  <p:cSld>
+    <p:spTree>
+      <p:nvGrpSpPr>
+        <p:cNvPr id="1" name=""/>
+        <p:cNvGrpSpPr/>
+        <p:nvPr/>
+      </p:nvGrpSpPr>
+      <p:grpSpPr>
+        <a:xfrm>
+          <a:off x="0" y="0"/>
+          <a:ext cx="0" cy="0"/>
+          <a:chOff x="0" y="0"/>
+          <a:chExt cx="0" cy="0"/>
+        </a:xfrm>
+      </p:grpSpPr>
+      <p:sp>
+        <p:nvSpPr>
+          <p:cNvPr id="2" name="Titel 1">
+            <a:extLst>
+              <a:ext uri="{FF2B5EF4-FFF2-40B4-BE49-F238E27FC236}">
                 <a16:creationId xmlns:a16="http://schemas.microsoft.com/office/drawing/2014/main" id="{60CF76F7-DA21-4280-B132-DB1CBFFB0632}"/>
               </a:ext>
             </a:extLst>
@@ -3589,7 +3814,7 @@
             <a:fld id="{50E76E58-F275-47A3-BB17-470016A267B6}" type="slidenum">
               <a:rPr lang="de-DE" smtClean="0"/>
               <a:pPr/>
-              <a:t>13</a:t>
+              <a:t>14</a:t>
             </a:fld>
             <a:endParaRPr lang="de-DE"/>
           </a:p>
@@ -4479,7 +4704,7 @@
           <p:cNvPr id="2" name="Titel 1">
             <a:extLst>
               <a:ext uri="{FF2B5EF4-FFF2-40B4-BE49-F238E27FC236}">
-                <a16:creationId xmlns:a16="http://schemas.microsoft.com/office/drawing/2014/main" id="{5A696494-2619-425B-9A88-26F6239A8C0F}"/>
+                <a16:creationId xmlns:a16="http://schemas.microsoft.com/office/drawing/2014/main" id="{38988ACC-FE30-4F7F-9CBE-055EE8ABEAEE}"/>
               </a:ext>
             </a:extLst>
           </p:cNvPr>
@@ -4495,15 +4720,7 @@
           <a:bodyPr/>
           <a:lstStyle/>
           <a:p>
-            <a:r>
-              <a:rPr lang="de-DE" b="1" dirty="0" err="1"/>
-              <a:t>Attacks</a:t>
-            </a:r>
-            <a:r>
-              <a:rPr lang="de-DE" b="1" dirty="0"/>
-              <a:t> on K-ANONYMITY </a:t>
-            </a:r>
-            <a:endParaRPr lang="de-DE" dirty="0"/>
+            <a:endParaRPr lang="de-DE"/>
           </a:p>
         </p:txBody>
       </p:sp>
@@ -4512,7 +4729,7 @@
           <p:cNvPr id="3" name="Datumsplatzhalter 2">
             <a:extLst>
               <a:ext uri="{FF2B5EF4-FFF2-40B4-BE49-F238E27FC236}">
-                <a16:creationId xmlns:a16="http://schemas.microsoft.com/office/drawing/2014/main" id="{2B614201-281B-41E9-A020-0CDA277467C3}"/>
+                <a16:creationId xmlns:a16="http://schemas.microsoft.com/office/drawing/2014/main" id="{BF500157-96C0-43C1-A6BB-EE34AFAA1AE9}"/>
               </a:ext>
             </a:extLst>
           </p:cNvPr>
@@ -4541,7 +4758,7 @@
           <p:cNvPr id="4" name="Fußzeilenplatzhalter 3">
             <a:extLst>
               <a:ext uri="{FF2B5EF4-FFF2-40B4-BE49-F238E27FC236}">
-                <a16:creationId xmlns:a16="http://schemas.microsoft.com/office/drawing/2014/main" id="{E5DE40AE-BF51-40C8-A6E9-F8B2204521CC}"/>
+                <a16:creationId xmlns:a16="http://schemas.microsoft.com/office/drawing/2014/main" id="{33CA98EC-81F3-4917-8EC2-B87B4BA5E0DA}"/>
               </a:ext>
             </a:extLst>
           </p:cNvPr>
@@ -4558,12 +4775,8 @@
           <a:lstStyle/>
           <a:p>
             <a:r>
-              <a:rPr lang="de-DE" dirty="0"/>
-              <a:t>Andreas Wiegand &amp; Ludwig </a:t>
-            </a:r>
-            <a:r>
-              <a:rPr lang="de-DE" dirty="0" err="1"/>
-              <a:t>Schallner</a:t>
+              <a:rPr lang="de-DE"/>
+              <a:t>Andreas Heimann &amp; Matthias Puchta</a:t>
             </a:r>
             <a:endParaRPr lang="de-DE" dirty="0"/>
           </a:p>
@@ -4574,7 +4787,7 @@
           <p:cNvPr id="5" name="Textplatzhalter 4">
             <a:extLst>
               <a:ext uri="{FF2B5EF4-FFF2-40B4-BE49-F238E27FC236}">
-                <a16:creationId xmlns:a16="http://schemas.microsoft.com/office/drawing/2014/main" id="{AB5F7A7E-01C8-48FD-8047-5A2134437BC9}"/>
+                <a16:creationId xmlns:a16="http://schemas.microsoft.com/office/drawing/2014/main" id="{180A2763-90D6-4DB9-8C81-F0FAA86DD5C2}"/>
               </a:ext>
             </a:extLst>
           </p:cNvPr>
@@ -4590,111 +4803,7 @@
           <a:bodyPr/>
           <a:lstStyle/>
           <a:p>
-            <a:r>
-              <a:rPr lang="de-DE" b="1" dirty="0" err="1"/>
-              <a:t>Homogeneity</a:t>
-            </a:r>
-            <a:r>
-              <a:rPr lang="de-DE" b="1" dirty="0"/>
-              <a:t> </a:t>
-            </a:r>
-            <a:r>
-              <a:rPr lang="de-DE" b="1" dirty="0" err="1"/>
-              <a:t>Attack</a:t>
-            </a:r>
-            <a:r>
-              <a:rPr lang="de-DE" b="1" dirty="0"/>
-              <a:t>: </a:t>
-            </a:r>
-          </a:p>
-          <a:p>
-            <a:r>
-              <a:rPr lang="de-DE" b="1" dirty="0"/>
-              <a:t>Background Knowledge </a:t>
-            </a:r>
-            <a:r>
-              <a:rPr lang="de-DE" b="1" dirty="0" err="1"/>
-              <a:t>Attack</a:t>
-            </a:r>
-            <a:r>
-              <a:rPr lang="de-DE" b="1" dirty="0"/>
-              <a:t>: </a:t>
-            </a:r>
-          </a:p>
-          <a:p>
-            <a:r>
-              <a:rPr lang="de-DE" b="1" dirty="0" err="1"/>
-              <a:t>Unsorted</a:t>
-            </a:r>
-            <a:r>
-              <a:rPr lang="de-DE" b="1" dirty="0"/>
-              <a:t> </a:t>
-            </a:r>
-            <a:r>
-              <a:rPr lang="de-DE" b="1" dirty="0" err="1"/>
-              <a:t>Matching</a:t>
-            </a:r>
-            <a:r>
-              <a:rPr lang="de-DE" b="1" dirty="0"/>
-              <a:t> </a:t>
-            </a:r>
-            <a:r>
-              <a:rPr lang="de-DE" b="1" dirty="0" err="1"/>
-              <a:t>Attacks</a:t>
-            </a:r>
-            <a:r>
-              <a:rPr lang="de-DE" b="1" dirty="0"/>
-              <a:t> </a:t>
-            </a:r>
-          </a:p>
-          <a:p>
-            <a:r>
-              <a:rPr lang="de-DE" b="1" dirty="0" err="1"/>
-              <a:t>Complementary</a:t>
-            </a:r>
-            <a:r>
-              <a:rPr lang="de-DE" b="1" dirty="0"/>
-              <a:t> Release </a:t>
-            </a:r>
-            <a:r>
-              <a:rPr lang="de-DE" b="1" dirty="0" err="1"/>
-              <a:t>Attack</a:t>
-            </a:r>
-            <a:r>
-              <a:rPr lang="de-DE" b="1" dirty="0"/>
-              <a:t>: </a:t>
-            </a:r>
-          </a:p>
-          <a:p>
-            <a:r>
-              <a:rPr lang="de-DE" b="1" dirty="0"/>
-              <a:t>Temporal </a:t>
-            </a:r>
-            <a:r>
-              <a:rPr lang="de-DE" b="1" dirty="0" err="1"/>
-              <a:t>Attack</a:t>
-            </a:r>
-            <a:r>
-              <a:rPr lang="de-DE" b="1" dirty="0"/>
-              <a:t>: </a:t>
-            </a:r>
-          </a:p>
-          <a:p>
-            <a:r>
-              <a:rPr lang="de-DE" b="1" dirty="0" err="1"/>
-              <a:t>Insufficient</a:t>
-            </a:r>
-            <a:r>
-              <a:rPr lang="de-DE" b="1" dirty="0"/>
-              <a:t> Knowledge: </a:t>
-            </a:r>
-          </a:p>
-          <a:p>
-            <a:r>
-              <a:rPr lang="en-US" b="1" dirty="0"/>
-              <a:t>The Adversary’s Knowledge is Unknown </a:t>
-            </a:r>
-            <a:endParaRPr lang="de-DE" dirty="0"/>
+            <a:endParaRPr lang="de-DE"/>
           </a:p>
         </p:txBody>
       </p:sp>
@@ -4703,7 +4812,7 @@
           <p:cNvPr id="6" name="Foliennummernplatzhalter 5">
             <a:extLst>
               <a:ext uri="{FF2B5EF4-FFF2-40B4-BE49-F238E27FC236}">
-                <a16:creationId xmlns:a16="http://schemas.microsoft.com/office/drawing/2014/main" id="{09410FF4-2E0F-4E88-A69A-145B229403F7}"/>
+                <a16:creationId xmlns:a16="http://schemas.microsoft.com/office/drawing/2014/main" id="{BA0AECC7-A9A9-4169-950B-A45FCB73BD9B}"/>
               </a:ext>
             </a:extLst>
           </p:cNvPr>
@@ -4731,7 +4840,7 @@
     </p:spTree>
     <p:extLst>
       <p:ext uri="{BB962C8B-B14F-4D97-AF65-F5344CB8AC3E}">
-        <p14:creationId xmlns:p14="http://schemas.microsoft.com/office/powerpoint/2010/main" val="2188498306"/>
+        <p14:creationId xmlns:p14="http://schemas.microsoft.com/office/powerpoint/2010/main" val="187468848"/>
       </p:ext>
     </p:extLst>
   </p:cSld>
@@ -4763,7 +4872,7 @@
           <p:cNvPr id="2" name="Titel 1">
             <a:extLst>
               <a:ext uri="{FF2B5EF4-FFF2-40B4-BE49-F238E27FC236}">
-                <a16:creationId xmlns:a16="http://schemas.microsoft.com/office/drawing/2014/main" id="{958F9CD1-9C9B-404C-BA1F-6E0E9A52DB3B}"/>
+                <a16:creationId xmlns:a16="http://schemas.microsoft.com/office/drawing/2014/main" id="{5A696494-2619-425B-9A88-26F6239A8C0F}"/>
               </a:ext>
             </a:extLst>
           </p:cNvPr>
@@ -4779,16 +4888,13 @@
           <a:bodyPr/>
           <a:lstStyle/>
           <a:p>
-            <a:pPr marL="0" indent="0">
-              <a:buNone/>
-            </a:pPr>
-            <a:r>
-              <a:rPr lang="de-DE" dirty="0"/>
-              <a:t>p-sensitive k-</a:t>
-            </a:r>
-            <a:r>
-              <a:rPr lang="de-DE" dirty="0" err="1"/>
-              <a:t>anonymity</a:t>
+            <a:r>
+              <a:rPr lang="de-DE" b="1" dirty="0" err="1"/>
+              <a:t>Attacks</a:t>
+            </a:r>
+            <a:r>
+              <a:rPr lang="de-DE" b="1" dirty="0"/>
+              <a:t> on K-ANONYMITY </a:t>
             </a:r>
             <a:endParaRPr lang="de-DE" dirty="0"/>
           </a:p>
@@ -4799,7 +4905,7 @@
           <p:cNvPr id="3" name="Datumsplatzhalter 2">
             <a:extLst>
               <a:ext uri="{FF2B5EF4-FFF2-40B4-BE49-F238E27FC236}">
-                <a16:creationId xmlns:a16="http://schemas.microsoft.com/office/drawing/2014/main" id="{F260DF70-9E66-4354-A537-9A6F20EF768D}"/>
+                <a16:creationId xmlns:a16="http://schemas.microsoft.com/office/drawing/2014/main" id="{2B614201-281B-41E9-A020-0CDA277467C3}"/>
               </a:ext>
             </a:extLst>
           </p:cNvPr>
@@ -4828,7 +4934,7 @@
           <p:cNvPr id="4" name="Fußzeilenplatzhalter 3">
             <a:extLst>
               <a:ext uri="{FF2B5EF4-FFF2-40B4-BE49-F238E27FC236}">
-                <a16:creationId xmlns:a16="http://schemas.microsoft.com/office/drawing/2014/main" id="{09C9E642-E14C-4E77-9B36-1ABB217EAF95}"/>
+                <a16:creationId xmlns:a16="http://schemas.microsoft.com/office/drawing/2014/main" id="{E5DE40AE-BF51-40C8-A6E9-F8B2204521CC}"/>
               </a:ext>
             </a:extLst>
           </p:cNvPr>
@@ -4845,8 +4951,12 @@
           <a:lstStyle/>
           <a:p>
             <a:r>
-              <a:rPr lang="de-DE"/>
-              <a:t>Andreas Heimann &amp; Matthias Puchta</a:t>
+              <a:rPr lang="de-DE" dirty="0"/>
+              <a:t>Andreas Wiegand &amp; Ludwig </a:t>
+            </a:r>
+            <a:r>
+              <a:rPr lang="de-DE" dirty="0" err="1"/>
+              <a:t>Schallner</a:t>
             </a:r>
             <a:endParaRPr lang="de-DE" dirty="0"/>
           </a:p>
@@ -4857,7 +4967,7 @@
           <p:cNvPr id="5" name="Textplatzhalter 4">
             <a:extLst>
               <a:ext uri="{FF2B5EF4-FFF2-40B4-BE49-F238E27FC236}">
-                <a16:creationId xmlns:a16="http://schemas.microsoft.com/office/drawing/2014/main" id="{9E443BB6-0E02-4D1C-85A1-676AC33F2EAA}"/>
+                <a16:creationId xmlns:a16="http://schemas.microsoft.com/office/drawing/2014/main" id="{AB5F7A7E-01C8-48FD-8047-5A2134437BC9}"/>
               </a:ext>
             </a:extLst>
           </p:cNvPr>
@@ -4874,83 +4984,124 @@
           <a:lstStyle/>
           <a:p>
             <a:r>
-              <a:rPr lang="en-US" dirty="0"/>
-              <a:t>identity disclosure and attribute disclosure.</a:t>
-            </a:r>
-          </a:p>
-          <a:p>
-            <a:r>
-              <a:rPr lang="en-US" dirty="0" err="1"/>
-              <a:t>dentity</a:t>
-            </a:r>
-            <a:r>
-              <a:rPr lang="en-US" dirty="0"/>
-              <a:t> disclosure and attribute disclosure.</a:t>
-            </a:r>
-          </a:p>
-          <a:p>
-            <a:pPr marL="0" indent="0">
-              <a:buNone/>
-            </a:pPr>
-            <a:r>
-              <a:rPr lang="en-US" i="1" dirty="0"/>
-              <a:t>Identity disclosure </a:t>
-            </a:r>
-            <a:r>
-              <a:rPr lang="en-US" dirty="0"/>
-              <a:t>refers to identification of an entity</a:t>
-            </a:r>
-          </a:p>
-          <a:p>
-            <a:pPr marL="0" indent="0">
-              <a:buNone/>
-            </a:pPr>
-            <a:r>
-              <a:rPr lang="en-US" dirty="0"/>
-              <a:t>(person, institution) and </a:t>
-            </a:r>
-            <a:r>
-              <a:rPr lang="en-US" i="1" dirty="0"/>
-              <a:t>attribute disclosure </a:t>
-            </a:r>
-            <a:r>
-              <a:rPr lang="en-US" dirty="0"/>
-              <a:t>occurs when</a:t>
-            </a:r>
-          </a:p>
-          <a:p>
-            <a:pPr marL="0" indent="0">
-              <a:buNone/>
-            </a:pPr>
-            <a:r>
-              <a:rPr lang="en-US" dirty="0"/>
-              <a:t>the intruder finds out something new about the target</a:t>
-            </a:r>
-          </a:p>
-          <a:p>
-            <a:pPr marL="0" indent="0">
-              <a:buNone/>
-            </a:pPr>
-            <a:r>
-              <a:rPr lang="en-US" dirty="0"/>
-              <a:t>entity [11]. Identity disclosure does not automatically</a:t>
-            </a:r>
-          </a:p>
-          <a:p>
-            <a:pPr marL="0" indent="0">
-              <a:buNone/>
-            </a:pPr>
-            <a:r>
-              <a:rPr lang="de-DE" dirty="0" err="1"/>
-              <a:t>imply</a:t>
-            </a:r>
-            <a:r>
-              <a:rPr lang="de-DE" dirty="0"/>
+              <a:rPr lang="de-DE" b="1" dirty="0" err="1"/>
+              <a:t>Homogeneity</a:t>
+            </a:r>
+            <a:r>
+              <a:rPr lang="de-DE" b="1" dirty="0"/>
               <a:t> </a:t>
             </a:r>
             <a:r>
-              <a:rPr lang="de-DE" dirty="0" err="1"/>
+              <a:rPr lang="de-DE" b="1" dirty="0" err="1"/>
+              <a:t>Attack</a:t>
+            </a:r>
+            <a:r>
+              <a:rPr lang="de-DE" b="1" dirty="0"/>
+              <a:t>: </a:t>
+            </a:r>
+          </a:p>
+          <a:p>
+            <a:r>
+              <a:rPr lang="de-DE" b="1" dirty="0"/>
+              <a:t>Background Knowledge </a:t>
+            </a:r>
+            <a:r>
+              <a:rPr lang="de-DE" b="1" dirty="0" err="1"/>
+              <a:t>Attack</a:t>
+            </a:r>
+            <a:r>
+              <a:rPr lang="de-DE" b="1" dirty="0"/>
+              <a:t>/</a:t>
+            </a:r>
+            <a:r>
+              <a:rPr lang="de-DE" b="1" dirty="0" err="1"/>
               <a:t>attribute</a:t>
+            </a:r>
+            <a:r>
+              <a:rPr lang="de-DE" b="1" dirty="0"/>
+              <a:t> </a:t>
+            </a:r>
+            <a:r>
+              <a:rPr lang="de-DE" b="1" dirty="0" err="1"/>
+              <a:t>linkage</a:t>
+            </a:r>
+            <a:r>
+              <a:rPr lang="de-DE" b="1" dirty="0"/>
+              <a:t>: </a:t>
+            </a:r>
+          </a:p>
+          <a:p>
+            <a:r>
+              <a:rPr lang="de-DE" b="1" dirty="0" err="1"/>
+              <a:t>Unsorted</a:t>
+            </a:r>
+            <a:r>
+              <a:rPr lang="de-DE" b="1" dirty="0"/>
+              <a:t> </a:t>
+            </a:r>
+            <a:r>
+              <a:rPr lang="de-DE" b="1" dirty="0" err="1"/>
+              <a:t>Matching</a:t>
+            </a:r>
+            <a:r>
+              <a:rPr lang="de-DE" b="1" dirty="0"/>
+              <a:t> </a:t>
+            </a:r>
+            <a:r>
+              <a:rPr lang="de-DE" b="1" dirty="0" err="1"/>
+              <a:t>Attacks</a:t>
+            </a:r>
+            <a:r>
+              <a:rPr lang="de-DE" b="1" dirty="0"/>
+              <a:t> </a:t>
+            </a:r>
+          </a:p>
+          <a:p>
+            <a:r>
+              <a:rPr lang="de-DE" b="1" dirty="0" err="1"/>
+              <a:t>Complementary</a:t>
+            </a:r>
+            <a:r>
+              <a:rPr lang="de-DE" b="1" dirty="0"/>
+              <a:t> Release </a:t>
+            </a:r>
+            <a:r>
+              <a:rPr lang="de-DE" b="1" dirty="0" err="1"/>
+              <a:t>Attack</a:t>
+            </a:r>
+            <a:r>
+              <a:rPr lang="de-DE" b="1" dirty="0"/>
+              <a:t>: </a:t>
+            </a:r>
+          </a:p>
+          <a:p>
+            <a:r>
+              <a:rPr lang="de-DE" b="1" dirty="0"/>
+              <a:t>Temporal </a:t>
+            </a:r>
+            <a:r>
+              <a:rPr lang="de-DE" b="1" dirty="0" err="1"/>
+              <a:t>Attack</a:t>
+            </a:r>
+            <a:r>
+              <a:rPr lang="de-DE" b="1" dirty="0"/>
+              <a:t>: </a:t>
+            </a:r>
+          </a:p>
+          <a:p>
+            <a:r>
+              <a:rPr lang="de-DE" b="1" dirty="0" err="1"/>
+              <a:t>Insufficient</a:t>
+            </a:r>
+            <a:r>
+              <a:rPr lang="de-DE" b="1" dirty="0"/>
+              <a:t> Knowledge: </a:t>
+            </a:r>
+          </a:p>
+          <a:p>
+            <a:r>
+              <a:rPr lang="en-US" b="1" dirty="0"/>
+              <a:t>The Adversary’s Knowledge is Unknown </a:t>
             </a:r>
             <a:endParaRPr lang="de-DE" dirty="0"/>
           </a:p>
@@ -4961,7 +5112,7 @@
           <p:cNvPr id="6" name="Foliennummernplatzhalter 5">
             <a:extLst>
               <a:ext uri="{FF2B5EF4-FFF2-40B4-BE49-F238E27FC236}">
-                <a16:creationId xmlns:a16="http://schemas.microsoft.com/office/drawing/2014/main" id="{4C8439EF-D42F-4986-86FE-E0B37623E7D1}"/>
+                <a16:creationId xmlns:a16="http://schemas.microsoft.com/office/drawing/2014/main" id="{09410FF4-2E0F-4E88-A69A-145B229403F7}"/>
               </a:ext>
             </a:extLst>
           </p:cNvPr>
@@ -4989,7 +5140,7 @@
     </p:spTree>
     <p:extLst>
       <p:ext uri="{BB962C8B-B14F-4D97-AF65-F5344CB8AC3E}">
-        <p14:creationId xmlns:p14="http://schemas.microsoft.com/office/powerpoint/2010/main" val="1946241733"/>
+        <p14:creationId xmlns:p14="http://schemas.microsoft.com/office/powerpoint/2010/main" val="2188498306"/>
       </p:ext>
     </p:extLst>
   </p:cSld>
@@ -5021,7 +5172,7 @@
           <p:cNvPr id="2" name="Titel 1">
             <a:extLst>
               <a:ext uri="{FF2B5EF4-FFF2-40B4-BE49-F238E27FC236}">
-                <a16:creationId xmlns:a16="http://schemas.microsoft.com/office/drawing/2014/main" id="{7B413E46-A044-4329-AE39-7349DB1BBEFC}"/>
+                <a16:creationId xmlns:a16="http://schemas.microsoft.com/office/drawing/2014/main" id="{958F9CD1-9C9B-404C-BA1F-6E0E9A52DB3B}"/>
               </a:ext>
             </a:extLst>
           </p:cNvPr>
@@ -5037,9 +5188,12 @@
           <a:bodyPr/>
           <a:lstStyle/>
           <a:p>
-            <a:r>
-              <a:rPr lang="de-DE" dirty="0"/>
-              <a:t>P-sensitive k -</a:t>
+            <a:pPr marL="0" indent="0">
+              <a:buNone/>
+            </a:pPr>
+            <a:r>
+              <a:rPr lang="de-DE" dirty="0"/>
+              <a:t>p-sensitive k-</a:t>
             </a:r>
             <a:r>
               <a:rPr lang="de-DE" dirty="0" err="1"/>
@@ -5054,7 +5208,7 @@
           <p:cNvPr id="3" name="Datumsplatzhalter 2">
             <a:extLst>
               <a:ext uri="{FF2B5EF4-FFF2-40B4-BE49-F238E27FC236}">
-                <a16:creationId xmlns:a16="http://schemas.microsoft.com/office/drawing/2014/main" id="{2017CE23-A8AD-4FC4-B6DD-A2E0CDE682B2}"/>
+                <a16:creationId xmlns:a16="http://schemas.microsoft.com/office/drawing/2014/main" id="{F260DF70-9E66-4354-A537-9A6F20EF768D}"/>
               </a:ext>
             </a:extLst>
           </p:cNvPr>
@@ -5083,7 +5237,7 @@
           <p:cNvPr id="4" name="Fußzeilenplatzhalter 3">
             <a:extLst>
               <a:ext uri="{FF2B5EF4-FFF2-40B4-BE49-F238E27FC236}">
-                <a16:creationId xmlns:a16="http://schemas.microsoft.com/office/drawing/2014/main" id="{A23D59A7-D63C-4137-972B-3B6224BB0D54}"/>
+                <a16:creationId xmlns:a16="http://schemas.microsoft.com/office/drawing/2014/main" id="{09C9E642-E14C-4E77-9B36-1ABB217EAF95}"/>
               </a:ext>
             </a:extLst>
           </p:cNvPr>
@@ -5112,7 +5266,7 @@
           <p:cNvPr id="5" name="Textplatzhalter 4">
             <a:extLst>
               <a:ext uri="{FF2B5EF4-FFF2-40B4-BE49-F238E27FC236}">
-                <a16:creationId xmlns:a16="http://schemas.microsoft.com/office/drawing/2014/main" id="{62403F49-8A1E-4574-B8FF-BE1B459AD6B3}"/>
+                <a16:creationId xmlns:a16="http://schemas.microsoft.com/office/drawing/2014/main" id="{9E443BB6-0E02-4D1C-85A1-676AC33F2EAA}"/>
               </a:ext>
             </a:extLst>
           </p:cNvPr>
@@ -5129,12 +5283,75 @@
           <a:lstStyle/>
           <a:p>
             <a:r>
-              <a:rPr lang="de-DE" dirty="0"/>
-              <a:t>The </a:t>
-            </a:r>
+              <a:rPr lang="en-US" dirty="0"/>
+              <a:t>identity disclosure and attribute disclosure.</a:t>
+            </a:r>
+          </a:p>
+          <a:p>
+            <a:r>
+              <a:rPr lang="en-US" dirty="0" err="1"/>
+              <a:t>dentity</a:t>
+            </a:r>
+            <a:r>
+              <a:rPr lang="en-US" dirty="0"/>
+              <a:t> disclosure and attribute disclosure.</a:t>
+            </a:r>
+          </a:p>
+          <a:p>
+            <a:pPr marL="0" indent="0">
+              <a:buNone/>
+            </a:pPr>
+            <a:r>
+              <a:rPr lang="en-US" i="1" dirty="0"/>
+              <a:t>Identity disclosure </a:t>
+            </a:r>
+            <a:r>
+              <a:rPr lang="en-US" dirty="0"/>
+              <a:t>refers to identification of an entity</a:t>
+            </a:r>
+          </a:p>
+          <a:p>
+            <a:pPr marL="0" indent="0">
+              <a:buNone/>
+            </a:pPr>
+            <a:r>
+              <a:rPr lang="en-US" dirty="0"/>
+              <a:t>(person, institution) and </a:t>
+            </a:r>
+            <a:r>
+              <a:rPr lang="en-US" i="1" dirty="0"/>
+              <a:t>attribute disclosure </a:t>
+            </a:r>
+            <a:r>
+              <a:rPr lang="en-US" dirty="0"/>
+              <a:t>occurs when</a:t>
+            </a:r>
+          </a:p>
+          <a:p>
+            <a:pPr marL="0" indent="0">
+              <a:buNone/>
+            </a:pPr>
+            <a:r>
+              <a:rPr lang="en-US" dirty="0"/>
+              <a:t>the intruder finds out something new about the target</a:t>
+            </a:r>
+          </a:p>
+          <a:p>
+            <a:pPr marL="0" indent="0">
+              <a:buNone/>
+            </a:pPr>
+            <a:r>
+              <a:rPr lang="en-US" dirty="0"/>
+              <a:t>entity [11]. Identity disclosure does not automatically</a:t>
+            </a:r>
+          </a:p>
+          <a:p>
+            <a:pPr marL="0" indent="0">
+              <a:buNone/>
+            </a:pPr>
             <a:r>
               <a:rPr lang="de-DE" dirty="0" err="1"/>
-              <a:t>for</a:t>
+              <a:t>imply</a:t>
             </a:r>
             <a:r>
               <a:rPr lang="de-DE" dirty="0"/>
@@ -5142,74 +5359,7 @@
             </a:r>
             <a:r>
               <a:rPr lang="de-DE" dirty="0" err="1"/>
-              <a:t>each</a:t>
-            </a:r>
-            <a:r>
-              <a:rPr lang="de-DE" dirty="0"/>
-              <a:t> </a:t>
-            </a:r>
-            <a:r>
-              <a:rPr lang="de-DE" dirty="0" err="1"/>
-              <a:t>tuple</a:t>
-            </a:r>
-            <a:r>
-              <a:rPr lang="de-DE" dirty="0"/>
-              <a:t> </a:t>
-            </a:r>
-            <a:r>
-              <a:rPr lang="de-DE" dirty="0" err="1"/>
-              <a:t>of</a:t>
-            </a:r>
-            <a:r>
-              <a:rPr lang="de-DE" dirty="0"/>
-              <a:t> k-</a:t>
-            </a:r>
-            <a:r>
-              <a:rPr lang="de-DE" dirty="0" err="1"/>
-              <a:t>anonymity</a:t>
-            </a:r>
-            <a:r>
-              <a:rPr lang="de-DE" dirty="0"/>
-              <a:t> </a:t>
-            </a:r>
-            <a:r>
-              <a:rPr lang="de-DE" dirty="0" err="1"/>
-              <a:t>there</a:t>
-            </a:r>
-            <a:r>
-              <a:rPr lang="de-DE" dirty="0"/>
-              <a:t> </a:t>
-            </a:r>
-            <a:r>
-              <a:rPr lang="de-DE" dirty="0" err="1"/>
-              <a:t>are</a:t>
-            </a:r>
-            <a:r>
-              <a:rPr lang="de-DE" dirty="0"/>
-              <a:t> at least p different sensitive </a:t>
-            </a:r>
-            <a:r>
-              <a:rPr lang="de-DE" dirty="0" err="1"/>
-              <a:t>data</a:t>
-            </a:r>
-            <a:endParaRPr lang="de-DE" dirty="0"/>
-          </a:p>
-          <a:p>
-            <a:r>
-              <a:rPr lang="de-DE" dirty="0"/>
-              <a:t>Problem:</a:t>
-            </a:r>
-            <a:r>
-              <a:rPr lang="en-US" dirty="0"/>
-              <a:t>p-Sensitive k-anonymity has the limitation of implicitly assuming that each confidential attribute takes values uniformly over its domain, that is, that the frequencies of the various values of a confidential attribute are similar. When this is not the case, </a:t>
-            </a:r>
-            <a:r>
-              <a:rPr lang="en-US" dirty="0" err="1"/>
-              <a:t>achievingp</a:t>
-            </a:r>
-            <a:r>
-              <a:rPr lang="en-US" dirty="0"/>
-              <a:t>-sensitive k-anonymity may cause a huge data utility loss. This is illustrated in the following example.</a:t>
+              <a:t>attribute</a:t>
             </a:r>
             <a:endParaRPr lang="de-DE" dirty="0"/>
           </a:p>
@@ -5220,7 +5370,7 @@
           <p:cNvPr id="6" name="Foliennummernplatzhalter 5">
             <a:extLst>
               <a:ext uri="{FF2B5EF4-FFF2-40B4-BE49-F238E27FC236}">
-                <a16:creationId xmlns:a16="http://schemas.microsoft.com/office/drawing/2014/main" id="{E252A72A-F651-40F4-8DBC-665586CBC460}"/>
+                <a16:creationId xmlns:a16="http://schemas.microsoft.com/office/drawing/2014/main" id="{4C8439EF-D42F-4986-86FE-E0B37623E7D1}"/>
               </a:ext>
             </a:extLst>
           </p:cNvPr>
@@ -5248,7 +5398,7 @@
     </p:spTree>
     <p:extLst>
       <p:ext uri="{BB962C8B-B14F-4D97-AF65-F5344CB8AC3E}">
-        <p14:creationId xmlns:p14="http://schemas.microsoft.com/office/powerpoint/2010/main" val="2954308101"/>
+        <p14:creationId xmlns:p14="http://schemas.microsoft.com/office/powerpoint/2010/main" val="1946241733"/>
       </p:ext>
     </p:extLst>
   </p:cSld>
@@ -5280,7 +5430,7 @@
           <p:cNvPr id="2" name="Titel 1">
             <a:extLst>
               <a:ext uri="{FF2B5EF4-FFF2-40B4-BE49-F238E27FC236}">
-                <a16:creationId xmlns:a16="http://schemas.microsoft.com/office/drawing/2014/main" id="{29821BA2-C897-4834-998A-48C037EFCC61}"/>
+                <a16:creationId xmlns:a16="http://schemas.microsoft.com/office/drawing/2014/main" id="{7B413E46-A044-4329-AE39-7349DB1BBEFC}"/>
               </a:ext>
             </a:extLst>
           </p:cNvPr>
@@ -5298,11 +5448,11 @@
           <a:p>
             <a:r>
               <a:rPr lang="de-DE" dirty="0"/>
-              <a:t>l-</a:t>
+              <a:t>P-sensitive k -</a:t>
             </a:r>
             <a:r>
               <a:rPr lang="de-DE" dirty="0" err="1"/>
-              <a:t>diversity</a:t>
+              <a:t>anonymity</a:t>
             </a:r>
             <a:endParaRPr lang="de-DE" dirty="0"/>
           </a:p>
@@ -5313,7 +5463,7 @@
           <p:cNvPr id="3" name="Datumsplatzhalter 2">
             <a:extLst>
               <a:ext uri="{FF2B5EF4-FFF2-40B4-BE49-F238E27FC236}">
-                <a16:creationId xmlns:a16="http://schemas.microsoft.com/office/drawing/2014/main" id="{707299E6-283C-4175-B3B3-5D836D4EF88A}"/>
+                <a16:creationId xmlns:a16="http://schemas.microsoft.com/office/drawing/2014/main" id="{2017CE23-A8AD-4FC4-B6DD-A2E0CDE682B2}"/>
               </a:ext>
             </a:extLst>
           </p:cNvPr>
@@ -5342,7 +5492,7 @@
           <p:cNvPr id="4" name="Fußzeilenplatzhalter 3">
             <a:extLst>
               <a:ext uri="{FF2B5EF4-FFF2-40B4-BE49-F238E27FC236}">
-                <a16:creationId xmlns:a16="http://schemas.microsoft.com/office/drawing/2014/main" id="{CDC6992F-08D8-482D-96AA-DC41E416B94B}"/>
+                <a16:creationId xmlns:a16="http://schemas.microsoft.com/office/drawing/2014/main" id="{A23D59A7-D63C-4137-972B-3B6224BB0D54}"/>
               </a:ext>
             </a:extLst>
           </p:cNvPr>
@@ -5371,7 +5521,7 @@
           <p:cNvPr id="5" name="Textplatzhalter 4">
             <a:extLst>
               <a:ext uri="{FF2B5EF4-FFF2-40B4-BE49-F238E27FC236}">
-                <a16:creationId xmlns:a16="http://schemas.microsoft.com/office/drawing/2014/main" id="{CB4D70E7-CAB1-402E-A84F-08E5BE171BBF}"/>
+                <a16:creationId xmlns:a16="http://schemas.microsoft.com/office/drawing/2014/main" id="{62403F49-8A1E-4574-B8FF-BE1B459AD6B3}"/>
               </a:ext>
             </a:extLst>
           </p:cNvPr>
@@ -5388,73 +5538,89 @@
           <a:lstStyle/>
           <a:p>
             <a:r>
+              <a:rPr lang="de-DE" dirty="0"/>
+              <a:t>The </a:t>
+            </a:r>
+            <a:r>
+              <a:rPr lang="de-DE" dirty="0" err="1"/>
+              <a:t>for</a:t>
+            </a:r>
+            <a:r>
+              <a:rPr lang="de-DE" dirty="0"/>
+              <a:t> </a:t>
+            </a:r>
+            <a:r>
+              <a:rPr lang="de-DE" dirty="0" err="1"/>
+              <a:t>each</a:t>
+            </a:r>
+            <a:r>
+              <a:rPr lang="de-DE" dirty="0"/>
+              <a:t> </a:t>
+            </a:r>
+            <a:r>
+              <a:rPr lang="de-DE" dirty="0" err="1"/>
+              <a:t>tuple</a:t>
+            </a:r>
+            <a:r>
+              <a:rPr lang="de-DE" dirty="0"/>
+              <a:t> </a:t>
+            </a:r>
+            <a:r>
+              <a:rPr lang="de-DE" dirty="0" err="1"/>
+              <a:t>of</a:t>
+            </a:r>
+            <a:r>
+              <a:rPr lang="de-DE" dirty="0"/>
+              <a:t> k-</a:t>
+            </a:r>
+            <a:r>
+              <a:rPr lang="de-DE" dirty="0" err="1"/>
+              <a:t>anonymity</a:t>
+            </a:r>
+            <a:r>
+              <a:rPr lang="de-DE" dirty="0"/>
+              <a:t> </a:t>
+            </a:r>
+            <a:r>
+              <a:rPr lang="de-DE" dirty="0" err="1"/>
+              <a:t>there</a:t>
+            </a:r>
+            <a:r>
+              <a:rPr lang="de-DE" dirty="0"/>
+              <a:t> </a:t>
+            </a:r>
+            <a:r>
+              <a:rPr lang="de-DE" dirty="0" err="1"/>
+              <a:t>are</a:t>
+            </a:r>
+            <a:r>
+              <a:rPr lang="de-DE" dirty="0"/>
+              <a:t> at least p different sensitive </a:t>
+            </a:r>
+            <a:r>
+              <a:rPr lang="de-DE" dirty="0" err="1"/>
+              <a:t>data</a:t>
+            </a:r>
+            <a:endParaRPr lang="de-DE" dirty="0"/>
+          </a:p>
+          <a:p>
+            <a:r>
+              <a:rPr lang="de-DE" dirty="0"/>
+              <a:t>Problem:</a:t>
+            </a:r>
+            <a:r>
               <a:rPr lang="en-US" dirty="0"/>
-              <a:t>Definition 3 (l-Diversity): A data set is said to satisfy</a:t>
-            </a:r>
-          </a:p>
-          <a:p>
-            <a:pPr marL="0" indent="0">
-              <a:buNone/>
-            </a:pPr>
+              <a:t>p-Sensitive k-anonymity has the limitation of implicitly assuming that each confidential attribute takes values uniformly over its domain, that is, that the frequencies of the various values of a confidential attribute are similar. When this is not the case, </a:t>
+            </a:r>
+            <a:r>
+              <a:rPr lang="en-US" dirty="0" err="1"/>
+              <a:t>achievingp</a:t>
+            </a:r>
             <a:r>
               <a:rPr lang="en-US" dirty="0"/>
-              <a:t>l-diversity if, for each group of records sharing a</a:t>
-            </a:r>
-          </a:p>
-          <a:p>
-            <a:pPr marL="0" indent="0">
-              <a:buNone/>
-            </a:pPr>
-            <a:r>
-              <a:rPr lang="en-US" dirty="0"/>
-              <a:t>combination of key attributes, there are at least l “</a:t>
-            </a:r>
-            <a:r>
-              <a:rPr lang="en-US" dirty="0" err="1"/>
-              <a:t>wellrepresented</a:t>
-            </a:r>
-            <a:r>
-              <a:rPr lang="en-US" dirty="0"/>
-              <a:t>” values for each confidential attribute.</a:t>
-            </a:r>
-          </a:p>
-          <a:p>
-            <a:pPr marL="0" indent="0">
-              <a:buNone/>
-            </a:pPr>
-            <a:r>
-              <a:rPr lang="en-US" dirty="0"/>
-              <a:t>According to [9] the term “well-represented” can be</a:t>
-            </a:r>
-          </a:p>
-          <a:p>
-            <a:pPr marL="0" indent="0">
-              <a:buNone/>
-            </a:pPr>
-            <a:r>
-              <a:rPr lang="de-DE" dirty="0" err="1"/>
-              <a:t>defined</a:t>
-            </a:r>
-            <a:r>
-              <a:rPr lang="de-DE" dirty="0"/>
-              <a:t> in </a:t>
-            </a:r>
-            <a:r>
-              <a:rPr lang="de-DE" dirty="0" err="1"/>
-              <a:t>several</a:t>
-            </a:r>
-            <a:r>
-              <a:rPr lang="de-DE" dirty="0"/>
-              <a:t> </a:t>
-            </a:r>
-            <a:r>
-              <a:rPr lang="de-DE" dirty="0" err="1"/>
-              <a:t>ways</a:t>
-            </a:r>
-            <a:r>
-              <a:rPr lang="de-DE" dirty="0"/>
-              <a:t>:</a:t>
-            </a:r>
+              <a:t>-sensitive k-anonymity may cause a huge data utility loss. This is illustrated in the following example.</a:t>
+            </a:r>
+            <a:endParaRPr lang="de-DE" dirty="0"/>
           </a:p>
         </p:txBody>
       </p:sp>
@@ -5463,7 +5629,7 @@
           <p:cNvPr id="6" name="Foliennummernplatzhalter 5">
             <a:extLst>
               <a:ext uri="{FF2B5EF4-FFF2-40B4-BE49-F238E27FC236}">
-                <a16:creationId xmlns:a16="http://schemas.microsoft.com/office/drawing/2014/main" id="{265E418F-8B07-43E5-91F1-566EB30C7F53}"/>
+                <a16:creationId xmlns:a16="http://schemas.microsoft.com/office/drawing/2014/main" id="{E252A72A-F651-40F4-8DBC-665586CBC460}"/>
               </a:ext>
             </a:extLst>
           </p:cNvPr>
@@ -5491,7 +5657,7 @@
     </p:spTree>
     <p:extLst>
       <p:ext uri="{BB962C8B-B14F-4D97-AF65-F5344CB8AC3E}">
-        <p14:creationId xmlns:p14="http://schemas.microsoft.com/office/powerpoint/2010/main" val="405088296"/>
+        <p14:creationId xmlns:p14="http://schemas.microsoft.com/office/powerpoint/2010/main" val="2954308101"/>
       </p:ext>
     </p:extLst>
   </p:cSld>
@@ -5523,7 +5689,7 @@
           <p:cNvPr id="2" name="Titel 1">
             <a:extLst>
               <a:ext uri="{FF2B5EF4-FFF2-40B4-BE49-F238E27FC236}">
-                <a16:creationId xmlns:a16="http://schemas.microsoft.com/office/drawing/2014/main" id="{48F7001C-8209-4829-9211-838EE9976128}"/>
+                <a16:creationId xmlns:a16="http://schemas.microsoft.com/office/drawing/2014/main" id="{29821BA2-C897-4834-998A-48C037EFCC61}"/>
               </a:ext>
             </a:extLst>
           </p:cNvPr>
@@ -5541,7 +5707,7 @@
           <a:p>
             <a:r>
               <a:rPr lang="de-DE" dirty="0"/>
-              <a:t>Different l-</a:t>
+              <a:t>l-</a:t>
             </a:r>
             <a:r>
               <a:rPr lang="de-DE" dirty="0" err="1"/>
@@ -5556,7 +5722,7 @@
           <p:cNvPr id="3" name="Datumsplatzhalter 2">
             <a:extLst>
               <a:ext uri="{FF2B5EF4-FFF2-40B4-BE49-F238E27FC236}">
-                <a16:creationId xmlns:a16="http://schemas.microsoft.com/office/drawing/2014/main" id="{5617572A-0126-4E39-9967-6339673CBF10}"/>
+                <a16:creationId xmlns:a16="http://schemas.microsoft.com/office/drawing/2014/main" id="{707299E6-283C-4175-B3B3-5D836D4EF88A}"/>
               </a:ext>
             </a:extLst>
           </p:cNvPr>
@@ -5585,7 +5751,7 @@
           <p:cNvPr id="4" name="Fußzeilenplatzhalter 3">
             <a:extLst>
               <a:ext uri="{FF2B5EF4-FFF2-40B4-BE49-F238E27FC236}">
-                <a16:creationId xmlns:a16="http://schemas.microsoft.com/office/drawing/2014/main" id="{147D38FB-93C4-47D0-B1B6-40BB9C26DCA0}"/>
+                <a16:creationId xmlns:a16="http://schemas.microsoft.com/office/drawing/2014/main" id="{CDC6992F-08D8-482D-96AA-DC41E416B94B}"/>
               </a:ext>
             </a:extLst>
           </p:cNvPr>
@@ -5614,7 +5780,7 @@
           <p:cNvPr id="5" name="Textplatzhalter 4">
             <a:extLst>
               <a:ext uri="{FF2B5EF4-FFF2-40B4-BE49-F238E27FC236}">
-                <a16:creationId xmlns:a16="http://schemas.microsoft.com/office/drawing/2014/main" id="{A8D93557-FF57-443A-B61F-5F9D57A43186}"/>
+                <a16:creationId xmlns:a16="http://schemas.microsoft.com/office/drawing/2014/main" id="{CB4D70E7-CAB1-402E-A84F-08E5BE171BBF}"/>
               </a:ext>
             </a:extLst>
           </p:cNvPr>
@@ -5632,53 +5798,72 @@
           <a:p>
             <a:r>
               <a:rPr lang="en-US" dirty="0"/>
-              <a:t>1) Distinct l-diversity. There must be at least l distinct values for the confidential attribute in each group of records sharing a combination of key attributes. This is equivalent to l-sensitive k-</a:t>
-            </a:r>
-          </a:p>
-          <a:p>
-            <a:r>
-              <a:rPr lang="de-DE" dirty="0"/>
-              <a:t>2) </a:t>
-            </a:r>
+              <a:t>Definition 3 (l-Diversity): A data set is said to satisfy</a:t>
+            </a:r>
+          </a:p>
+          <a:p>
+            <a:pPr marL="0" indent="0">
+              <a:buNone/>
+            </a:pPr>
+            <a:r>
+              <a:rPr lang="en-US" dirty="0"/>
+              <a:t>l-diversity if, for each group of records sharing a</a:t>
+            </a:r>
+          </a:p>
+          <a:p>
+            <a:pPr marL="0" indent="0">
+              <a:buNone/>
+            </a:pPr>
+            <a:r>
+              <a:rPr lang="en-US" dirty="0"/>
+              <a:t>combination of key attributes, there are at least l “</a:t>
+            </a:r>
+            <a:r>
+              <a:rPr lang="en-US" dirty="0" err="1"/>
+              <a:t>wellrepresented</a:t>
+            </a:r>
+            <a:r>
+              <a:rPr lang="en-US" dirty="0"/>
+              <a:t>” values for each confidential attribute.</a:t>
+            </a:r>
+          </a:p>
+          <a:p>
+            <a:pPr marL="0" indent="0">
+              <a:buNone/>
+            </a:pPr>
+            <a:r>
+              <a:rPr lang="en-US" dirty="0"/>
+              <a:t>According to [9] the term “well-represented” can be</a:t>
+            </a:r>
+          </a:p>
+          <a:p>
+            <a:pPr marL="0" indent="0">
+              <a:buNone/>
+            </a:pPr>
             <a:r>
               <a:rPr lang="de-DE" dirty="0" err="1"/>
-              <a:t>Entropy</a:t>
-            </a:r>
-            <a:r>
-              <a:rPr lang="de-DE" dirty="0"/>
-              <a:t> l-</a:t>
+              <a:t>defined</a:t>
+            </a:r>
+            <a:r>
+              <a:rPr lang="de-DE" dirty="0"/>
+              <a:t> in </a:t>
             </a:r>
             <a:r>
               <a:rPr lang="de-DE" dirty="0" err="1"/>
-              <a:t>diversity</a:t>
-            </a:r>
-            <a:r>
-              <a:rPr lang="de-DE" dirty="0"/>
-              <a:t>.</a:t>
-            </a:r>
-            <a:r>
-              <a:rPr lang="en-US" dirty="0"/>
-              <a:t>.</a:t>
-            </a:r>
-          </a:p>
-          <a:p>
-            <a:r>
-              <a:rPr lang="de-DE" dirty="0"/>
-              <a:t>3) </a:t>
+              <a:t>several</a:t>
+            </a:r>
+            <a:r>
+              <a:rPr lang="de-DE" dirty="0"/>
+              <a:t> </a:t>
             </a:r>
             <a:r>
               <a:rPr lang="de-DE" dirty="0" err="1"/>
-              <a:t>Recursive</a:t>
-            </a:r>
-            <a:r>
-              <a:rPr lang="de-DE" dirty="0"/>
-              <a:t> (c, l)-</a:t>
-            </a:r>
-            <a:r>
-              <a:rPr lang="de-DE" dirty="0" err="1"/>
-              <a:t>diversity</a:t>
-            </a:r>
-            <a:endParaRPr lang="de-DE" dirty="0"/>
+              <a:t>ways</a:t>
+            </a:r>
+            <a:r>
+              <a:rPr lang="de-DE" dirty="0"/>
+              <a:t>:</a:t>
+            </a:r>
           </a:p>
         </p:txBody>
       </p:sp>
@@ -5687,7 +5872,7 @@
           <p:cNvPr id="6" name="Foliennummernplatzhalter 5">
             <a:extLst>
               <a:ext uri="{FF2B5EF4-FFF2-40B4-BE49-F238E27FC236}">
-                <a16:creationId xmlns:a16="http://schemas.microsoft.com/office/drawing/2014/main" id="{5824C375-82E2-4ED0-B2D7-27F730213BC9}"/>
+                <a16:creationId xmlns:a16="http://schemas.microsoft.com/office/drawing/2014/main" id="{265E418F-8B07-43E5-91F1-566EB30C7F53}"/>
               </a:ext>
             </a:extLst>
           </p:cNvPr>
@@ -5715,7 +5900,7 @@
     </p:spTree>
     <p:extLst>
       <p:ext uri="{BB962C8B-B14F-4D97-AF65-F5344CB8AC3E}">
-        <p14:creationId xmlns:p14="http://schemas.microsoft.com/office/powerpoint/2010/main" val="3629270011"/>
+        <p14:creationId xmlns:p14="http://schemas.microsoft.com/office/powerpoint/2010/main" val="405088296"/>
       </p:ext>
     </p:extLst>
   </p:cSld>

--- a/presentation/sicherheits.pptx
+++ b/presentation/sicherheits.pptx
@@ -5,10 +5,10 @@
     <p:sldMasterId id="2147483678" r:id="rId2"/>
   </p:sldMasterIdLst>
   <p:notesMasterIdLst>
-    <p:notesMasterId r:id="rId17"/>
+    <p:notesMasterId r:id="rId26"/>
   </p:notesMasterIdLst>
   <p:handoutMasterIdLst>
-    <p:handoutMasterId r:id="rId18"/>
+    <p:handoutMasterId r:id="rId27"/>
   </p:handoutMasterIdLst>
   <p:sldIdLst>
     <p:sldId id="256" r:id="rId3"/>
@@ -16,15 +16,24 @@
     <p:sldId id="258" r:id="rId5"/>
     <p:sldId id="268" r:id="rId6"/>
     <p:sldId id="269" r:id="rId7"/>
-    <p:sldId id="259" r:id="rId8"/>
-    <p:sldId id="263" r:id="rId9"/>
-    <p:sldId id="264" r:id="rId10"/>
-    <p:sldId id="260" r:id="rId11"/>
-    <p:sldId id="265" r:id="rId12"/>
-    <p:sldId id="266" r:id="rId13"/>
-    <p:sldId id="262" r:id="rId14"/>
-    <p:sldId id="261" r:id="rId15"/>
-    <p:sldId id="267" r:id="rId16"/>
+    <p:sldId id="271" r:id="rId8"/>
+    <p:sldId id="272" r:id="rId9"/>
+    <p:sldId id="273" r:id="rId10"/>
+    <p:sldId id="274" r:id="rId11"/>
+    <p:sldId id="275" r:id="rId12"/>
+    <p:sldId id="276" r:id="rId13"/>
+    <p:sldId id="277" r:id="rId14"/>
+    <p:sldId id="278" r:id="rId15"/>
+    <p:sldId id="259" r:id="rId16"/>
+    <p:sldId id="270" r:id="rId17"/>
+    <p:sldId id="263" r:id="rId18"/>
+    <p:sldId id="264" r:id="rId19"/>
+    <p:sldId id="260" r:id="rId20"/>
+    <p:sldId id="265" r:id="rId21"/>
+    <p:sldId id="266" r:id="rId22"/>
+    <p:sldId id="262" r:id="rId23"/>
+    <p:sldId id="261" r:id="rId24"/>
+    <p:sldId id="267" r:id="rId25"/>
   </p:sldIdLst>
   <p:sldSz cx="9144000" cy="6858000" type="screen4x3"/>
   <p:notesSz cx="7099300" cy="10234613"/>
@@ -289,7 +298,7 @@
             <a:fld id="{5BB45A7C-CD8D-4615-9E21-7904701129AE}" type="datetimeFigureOut">
               <a:rPr lang="de-DE"/>
               <a:pPr/>
-              <a:t>22.01.2018</a:t>
+              <a:t>26.01.2018</a:t>
             </a:fld>
             <a:endParaRPr lang="de-DE"/>
           </a:p>
@@ -2008,7 +2017,7 @@
             <a:fld id="{4B008DF5-449C-4CDB-99E5-200AB76F51BF}" type="datetime1">
               <a:rPr lang="de-DE"/>
               <a:pPr/>
-              <a:t>22.01.2018</a:t>
+              <a:t>26.01.2018</a:t>
             </a:fld>
             <a:endParaRPr lang="de-DE" dirty="0"/>
           </a:p>
@@ -2686,7 +2695,7 @@
           <p:cNvPr id="2" name="Titel 1">
             <a:extLst>
               <a:ext uri="{FF2B5EF4-FFF2-40B4-BE49-F238E27FC236}">
-                <a16:creationId xmlns:a16="http://schemas.microsoft.com/office/drawing/2014/main" id="{48F7001C-8209-4829-9211-838EE9976128}"/>
+                <a16:creationId xmlns:a16="http://schemas.microsoft.com/office/drawing/2014/main" id="{E409B5AD-9023-4577-80E9-CDB25B8FBD5F}"/>
               </a:ext>
             </a:extLst>
           </p:cNvPr>
@@ -2703,12 +2712,8 @@
           <a:lstStyle/>
           <a:p>
             <a:r>
-              <a:rPr lang="de-DE" dirty="0"/>
-              <a:t>Different l-</a:t>
-            </a:r>
-            <a:r>
-              <a:rPr lang="de-DE" dirty="0" err="1"/>
-              <a:t>diversity</a:t>
+              <a:rPr lang="de-DE" b="1" dirty="0"/>
+              <a:t>6.4. Collaborative Data Publishing -</a:t>
             </a:r>
             <a:endParaRPr lang="de-DE" dirty="0"/>
           </a:p>
@@ -2719,7 +2724,7 @@
           <p:cNvPr id="3" name="Datumsplatzhalter 2">
             <a:extLst>
               <a:ext uri="{FF2B5EF4-FFF2-40B4-BE49-F238E27FC236}">
-                <a16:creationId xmlns:a16="http://schemas.microsoft.com/office/drawing/2014/main" id="{5617572A-0126-4E39-9967-6339673CBF10}"/>
+                <a16:creationId xmlns:a16="http://schemas.microsoft.com/office/drawing/2014/main" id="{862D45DF-953B-440C-8392-F79536D74077}"/>
               </a:ext>
             </a:extLst>
           </p:cNvPr>
@@ -2748,7 +2753,7 @@
           <p:cNvPr id="4" name="Fußzeilenplatzhalter 3">
             <a:extLst>
               <a:ext uri="{FF2B5EF4-FFF2-40B4-BE49-F238E27FC236}">
-                <a16:creationId xmlns:a16="http://schemas.microsoft.com/office/drawing/2014/main" id="{147D38FB-93C4-47D0-B1B6-40BB9C26DCA0}"/>
+                <a16:creationId xmlns:a16="http://schemas.microsoft.com/office/drawing/2014/main" id="{363CAF52-DCB5-4A4D-9FC3-D6124547A09B}"/>
               </a:ext>
             </a:extLst>
           </p:cNvPr>
@@ -2777,7 +2782,7 @@
           <p:cNvPr id="5" name="Textplatzhalter 4">
             <a:extLst>
               <a:ext uri="{FF2B5EF4-FFF2-40B4-BE49-F238E27FC236}">
-                <a16:creationId xmlns:a16="http://schemas.microsoft.com/office/drawing/2014/main" id="{A8D93557-FF57-443A-B61F-5F9D57A43186}"/>
+                <a16:creationId xmlns:a16="http://schemas.microsoft.com/office/drawing/2014/main" id="{DEFD85B4-EAA6-4214-96BE-BB8640E173D4}"/>
               </a:ext>
             </a:extLst>
           </p:cNvPr>
@@ -2793,55 +2798,7 @@
           <a:bodyPr/>
           <a:lstStyle/>
           <a:p>
-            <a:r>
-              <a:rPr lang="en-US" dirty="0"/>
-              <a:t>1) Distinct l-diversity. There must be at least l distinct values for the confidential attribute in each group of records sharing a combination of key attributes. This is equivalent to l-sensitive k-</a:t>
-            </a:r>
-          </a:p>
-          <a:p>
-            <a:r>
-              <a:rPr lang="de-DE" dirty="0"/>
-              <a:t>2) </a:t>
-            </a:r>
-            <a:r>
-              <a:rPr lang="de-DE" dirty="0" err="1"/>
-              <a:t>Entropy</a:t>
-            </a:r>
-            <a:r>
-              <a:rPr lang="de-DE" dirty="0"/>
-              <a:t> l-</a:t>
-            </a:r>
-            <a:r>
-              <a:rPr lang="de-DE" dirty="0" err="1"/>
-              <a:t>diversity</a:t>
-            </a:r>
-            <a:r>
-              <a:rPr lang="de-DE" dirty="0"/>
-              <a:t>.</a:t>
-            </a:r>
-            <a:r>
-              <a:rPr lang="en-US" dirty="0"/>
-              <a:t>.</a:t>
-            </a:r>
-          </a:p>
-          <a:p>
-            <a:r>
-              <a:rPr lang="de-DE" dirty="0"/>
-              <a:t>3) </a:t>
-            </a:r>
-            <a:r>
-              <a:rPr lang="de-DE" dirty="0" err="1"/>
-              <a:t>Recursive</a:t>
-            </a:r>
-            <a:r>
-              <a:rPr lang="de-DE" dirty="0"/>
-              <a:t> (c, l)-</a:t>
-            </a:r>
-            <a:r>
-              <a:rPr lang="de-DE" dirty="0" err="1"/>
-              <a:t>diversity</a:t>
-            </a:r>
-            <a:endParaRPr lang="de-DE" dirty="0"/>
+            <a:endParaRPr lang="de-DE"/>
           </a:p>
         </p:txBody>
       </p:sp>
@@ -2850,7 +2807,7 @@
           <p:cNvPr id="6" name="Foliennummernplatzhalter 5">
             <a:extLst>
               <a:ext uri="{FF2B5EF4-FFF2-40B4-BE49-F238E27FC236}">
-                <a16:creationId xmlns:a16="http://schemas.microsoft.com/office/drawing/2014/main" id="{5824C375-82E2-4ED0-B2D7-27F730213BC9}"/>
+                <a16:creationId xmlns:a16="http://schemas.microsoft.com/office/drawing/2014/main" id="{2AF4F23A-5C6F-4187-AD19-8C0F68B37EB1}"/>
               </a:ext>
             </a:extLst>
           </p:cNvPr>
@@ -2878,7 +2835,7 @@
     </p:spTree>
     <p:extLst>
       <p:ext uri="{BB962C8B-B14F-4D97-AF65-F5344CB8AC3E}">
-        <p14:creationId xmlns:p14="http://schemas.microsoft.com/office/powerpoint/2010/main" val="3629270011"/>
+        <p14:creationId xmlns:p14="http://schemas.microsoft.com/office/powerpoint/2010/main" val="634117143"/>
       </p:ext>
     </p:extLst>
   </p:cSld>
@@ -2910,7 +2867,7 @@
           <p:cNvPr id="2" name="Titel 1">
             <a:extLst>
               <a:ext uri="{FF2B5EF4-FFF2-40B4-BE49-F238E27FC236}">
-                <a16:creationId xmlns:a16="http://schemas.microsoft.com/office/drawing/2014/main" id="{D57F315B-3D66-4582-BD2E-B5CF68CF03EA}"/>
+                <a16:creationId xmlns:a16="http://schemas.microsoft.com/office/drawing/2014/main" id="{880B0643-6694-4756-9185-6B245935614C}"/>
               </a:ext>
             </a:extLst>
           </p:cNvPr>
@@ -2927,20 +2884,8 @@
           <a:lstStyle/>
           <a:p>
             <a:r>
-              <a:rPr lang="de-DE" dirty="0"/>
-              <a:t>Pr0blems </a:t>
-            </a:r>
-            <a:r>
-              <a:rPr lang="de-DE" dirty="0" err="1"/>
-              <a:t>with</a:t>
-            </a:r>
-            <a:r>
-              <a:rPr lang="de-DE" dirty="0"/>
-              <a:t> l-</a:t>
-            </a:r>
-            <a:r>
-              <a:rPr lang="de-DE" dirty="0" err="1"/>
-              <a:t>diversity</a:t>
+              <a:rPr lang="de-DE" b="1" dirty="0"/>
+              <a:t>6.4. Collaborative Data Publishing -</a:t>
             </a:r>
             <a:endParaRPr lang="de-DE" dirty="0"/>
           </a:p>
@@ -2951,7 +2896,7 @@
           <p:cNvPr id="3" name="Datumsplatzhalter 2">
             <a:extLst>
               <a:ext uri="{FF2B5EF4-FFF2-40B4-BE49-F238E27FC236}">
-                <a16:creationId xmlns:a16="http://schemas.microsoft.com/office/drawing/2014/main" id="{F0D016CC-39B2-45FF-8A84-ED244F5DF67D}"/>
+                <a16:creationId xmlns:a16="http://schemas.microsoft.com/office/drawing/2014/main" id="{8667CFBC-D3CB-4020-9CC4-C40EB8692D3A}"/>
               </a:ext>
             </a:extLst>
           </p:cNvPr>
@@ -2980,7 +2925,7 @@
           <p:cNvPr id="4" name="Fußzeilenplatzhalter 3">
             <a:extLst>
               <a:ext uri="{FF2B5EF4-FFF2-40B4-BE49-F238E27FC236}">
-                <a16:creationId xmlns:a16="http://schemas.microsoft.com/office/drawing/2014/main" id="{A2CF5D6B-468B-404B-9403-11972A2A9486}"/>
+                <a16:creationId xmlns:a16="http://schemas.microsoft.com/office/drawing/2014/main" id="{F090A285-9439-4429-99C4-75D394A2D8A7}"/>
               </a:ext>
             </a:extLst>
           </p:cNvPr>
@@ -3009,7 +2954,7 @@
           <p:cNvPr id="5" name="Textplatzhalter 4">
             <a:extLst>
               <a:ext uri="{FF2B5EF4-FFF2-40B4-BE49-F238E27FC236}">
-                <a16:creationId xmlns:a16="http://schemas.microsoft.com/office/drawing/2014/main" id="{43AD6479-C7D5-46BC-9148-10AF544DFBFA}"/>
+                <a16:creationId xmlns:a16="http://schemas.microsoft.com/office/drawing/2014/main" id="{F9879744-E302-4E08-830A-2D28DC39F827}"/>
               </a:ext>
             </a:extLst>
           </p:cNvPr>
@@ -3024,113 +2969,13 @@
         <p:txBody>
           <a:bodyPr/>
           <a:lstStyle/>
-          <a:p>
-            <a:r>
-              <a:rPr lang="en-US" dirty="0"/>
-              <a:t>l-Diversity may be difficult and unnecessary to</a:t>
-            </a:r>
-          </a:p>
           <a:p>
             <a:pPr marL="0" indent="0">
               <a:buNone/>
             </a:pPr>
             <a:r>
-              <a:rPr lang="en-US" dirty="0"/>
-              <a:t>achieve. The argument is the same given against</a:t>
-            </a:r>
-          </a:p>
-          <a:p>
-            <a:pPr marL="0" indent="0">
-              <a:buNone/>
-            </a:pPr>
-            <a:r>
-              <a:rPr lang="en-US" dirty="0"/>
-              <a:t>p-sensitive k-anonymity in Example 2 above.</a:t>
-            </a:r>
-          </a:p>
-          <a:p>
-            <a:r>
-              <a:rPr lang="en-US" dirty="0"/>
-              <a:t>l-Diversity is insufficient to prevent attribute disclosure.</a:t>
-            </a:r>
-          </a:p>
-          <a:p>
-            <a:pPr marL="0" indent="0">
-              <a:buNone/>
-            </a:pPr>
-            <a:r>
-              <a:rPr lang="en-US" dirty="0"/>
-              <a:t>At least the following two attacks are </a:t>
-            </a:r>
-            <a:r>
-              <a:rPr lang="de-DE" dirty="0" err="1"/>
-              <a:t>conceivable</a:t>
-            </a:r>
-            <a:r>
-              <a:rPr lang="de-DE" dirty="0"/>
-              <a:t>:</a:t>
-            </a:r>
-          </a:p>
-          <a:p>
-            <a:pPr marL="0" indent="0">
-              <a:buNone/>
-            </a:pPr>
-            <a:r>
-              <a:rPr lang="de-DE" dirty="0" err="1"/>
-              <a:t>Skewness</a:t>
-            </a:r>
-            <a:r>
-              <a:rPr lang="de-DE" dirty="0"/>
-              <a:t> </a:t>
-            </a:r>
-            <a:r>
-              <a:rPr lang="de-DE" dirty="0" err="1"/>
-              <a:t>attack</a:t>
-            </a:r>
-            <a:r>
-              <a:rPr lang="de-DE" dirty="0"/>
-              <a:t>:</a:t>
-            </a:r>
-          </a:p>
-          <a:p>
-            <a:pPr marL="0" indent="0">
-              <a:buNone/>
-            </a:pPr>
-            <a:r>
-              <a:rPr lang="de-DE" dirty="0" err="1"/>
-              <a:t>Similarity</a:t>
-            </a:r>
-            <a:r>
-              <a:rPr lang="de-DE" dirty="0"/>
-              <a:t> </a:t>
-            </a:r>
-            <a:r>
-              <a:rPr lang="de-DE" dirty="0" err="1"/>
-              <a:t>attack</a:t>
-            </a:r>
-            <a:r>
-              <a:rPr lang="de-DE" dirty="0"/>
-              <a:t>: </a:t>
-            </a:r>
-            <a:r>
-              <a:rPr lang="de-DE" dirty="0" err="1"/>
-              <a:t>sematical</a:t>
-            </a:r>
-            <a:r>
-              <a:rPr lang="de-DE" dirty="0"/>
-              <a:t> same </a:t>
-            </a:r>
-            <a:r>
-              <a:rPr lang="de-DE" dirty="0" err="1"/>
-              <a:t>cofidentail</a:t>
-            </a:r>
-            <a:r>
-              <a:rPr lang="de-DE" dirty="0"/>
-              <a:t> </a:t>
-            </a:r>
-            <a:r>
-              <a:rPr lang="de-DE" dirty="0" err="1"/>
-              <a:t>attributes</a:t>
+              <a:rPr lang="de-DE" dirty="0" err="1"/>
+              <a:t>Example</a:t>
             </a:r>
             <a:endParaRPr lang="de-DE" dirty="0"/>
           </a:p>
@@ -3141,7 +2986,7 @@
           <p:cNvPr id="6" name="Foliennummernplatzhalter 5">
             <a:extLst>
               <a:ext uri="{FF2B5EF4-FFF2-40B4-BE49-F238E27FC236}">
-                <a16:creationId xmlns:a16="http://schemas.microsoft.com/office/drawing/2014/main" id="{ED7B792D-2998-422A-8AFD-846A7976EE01}"/>
+                <a16:creationId xmlns:a16="http://schemas.microsoft.com/office/drawing/2014/main" id="{E13263FB-951B-4669-AFBC-303812524A4E}"/>
               </a:ext>
             </a:extLst>
           </p:cNvPr>
@@ -3169,7 +3014,7 @@
     </p:spTree>
     <p:extLst>
       <p:ext uri="{BB962C8B-B14F-4D97-AF65-F5344CB8AC3E}">
-        <p14:creationId xmlns:p14="http://schemas.microsoft.com/office/powerpoint/2010/main" val="2921885383"/>
+        <p14:creationId xmlns:p14="http://schemas.microsoft.com/office/powerpoint/2010/main" val="880105888"/>
       </p:ext>
     </p:extLst>
   </p:cSld>
@@ -3201,7 +3046,7 @@
           <p:cNvPr id="2" name="Titel 1">
             <a:extLst>
               <a:ext uri="{FF2B5EF4-FFF2-40B4-BE49-F238E27FC236}">
-                <a16:creationId xmlns:a16="http://schemas.microsoft.com/office/drawing/2014/main" id="{03774710-EF24-496F-8E16-1860EB9452BD}"/>
+                <a16:creationId xmlns:a16="http://schemas.microsoft.com/office/drawing/2014/main" id="{8630F9EE-799A-4FBC-BDC9-BBCD9F117865}"/>
               </a:ext>
             </a:extLst>
           </p:cNvPr>
@@ -3218,12 +3063,8 @@
           <a:lstStyle/>
           <a:p>
             <a:r>
-              <a:rPr lang="de-DE" dirty="0"/>
-              <a:t>t-</a:t>
-            </a:r>
-            <a:r>
-              <a:rPr lang="de-DE" dirty="0" err="1"/>
-              <a:t>close´ness</a:t>
+              <a:rPr lang="de-DE" b="1" dirty="0"/>
+              <a:t>High-Dimensional Transaction Data</a:t>
             </a:r>
             <a:endParaRPr lang="de-DE" dirty="0"/>
           </a:p>
@@ -3234,7 +3075,7 @@
           <p:cNvPr id="3" name="Datumsplatzhalter 2">
             <a:extLst>
               <a:ext uri="{FF2B5EF4-FFF2-40B4-BE49-F238E27FC236}">
-                <a16:creationId xmlns:a16="http://schemas.microsoft.com/office/drawing/2014/main" id="{419087A1-C8F7-429D-9539-28EFF980787F}"/>
+                <a16:creationId xmlns:a16="http://schemas.microsoft.com/office/drawing/2014/main" id="{2024E019-E637-42FA-954A-B2746B57FA3E}"/>
               </a:ext>
             </a:extLst>
           </p:cNvPr>
@@ -3263,7 +3104,7 @@
           <p:cNvPr id="4" name="Fußzeilenplatzhalter 3">
             <a:extLst>
               <a:ext uri="{FF2B5EF4-FFF2-40B4-BE49-F238E27FC236}">
-                <a16:creationId xmlns:a16="http://schemas.microsoft.com/office/drawing/2014/main" id="{16A1720A-77AB-4E5A-8054-A5D031724E0F}"/>
+                <a16:creationId xmlns:a16="http://schemas.microsoft.com/office/drawing/2014/main" id="{11871A7E-DE7F-4B04-A79B-7559FABD8314}"/>
               </a:ext>
             </a:extLst>
           </p:cNvPr>
@@ -3280,12 +3121,8 @@
           <a:lstStyle/>
           <a:p>
             <a:r>
-              <a:rPr lang="de-DE" dirty="0"/>
-              <a:t>Andreas Wiegand &amp; Ludwig </a:t>
-            </a:r>
-            <a:r>
-              <a:rPr lang="de-DE" dirty="0" err="1"/>
-              <a:t>Schallner</a:t>
+              <a:rPr lang="de-DE"/>
+              <a:t>Andreas Heimann &amp; Matthias Puchta</a:t>
             </a:r>
             <a:endParaRPr lang="de-DE" dirty="0"/>
           </a:p>
@@ -3296,7 +3133,7 @@
           <p:cNvPr id="5" name="Textplatzhalter 4">
             <a:extLst>
               <a:ext uri="{FF2B5EF4-FFF2-40B4-BE49-F238E27FC236}">
-                <a16:creationId xmlns:a16="http://schemas.microsoft.com/office/drawing/2014/main" id="{30F3C5B2-53AA-499A-886B-AA06C3A92963}"/>
+                <a16:creationId xmlns:a16="http://schemas.microsoft.com/office/drawing/2014/main" id="{17162768-F447-417D-8E83-B270B3CE3A5D}"/>
               </a:ext>
             </a:extLst>
           </p:cNvPr>
@@ -3313,57 +3150,64 @@
           <a:lstStyle/>
           <a:p>
             <a:r>
-              <a:rPr lang="de-DE" dirty="0"/>
-              <a:t>Definition: </a:t>
+              <a:rPr lang="de-DE" dirty="0" err="1"/>
+              <a:t>Aol</a:t>
+            </a:r>
+            <a:r>
+              <a:rPr lang="de-DE" dirty="0"/>
+              <a:t> </a:t>
+            </a:r>
+            <a:r>
+              <a:rPr lang="de-DE" dirty="0" err="1"/>
+              <a:t>example</a:t>
+            </a:r>
+            <a:r>
+              <a:rPr lang="de-DE" dirty="0"/>
+              <a:t> </a:t>
             </a:r>
             <a:r>
               <a:rPr lang="en-US" dirty="0"/>
-              <a:t>Definition 4 (t-Closeness): A data set is said to</a:t>
-            </a:r>
-          </a:p>
-          <a:p>
-            <a:pPr marL="0" indent="0">
-              <a:buNone/>
-            </a:pPr>
+              <a:t>Transaction data is usually high-dimensional. For example, Amazon.com has several million catalog items. Each dimension could be a potential </a:t>
+            </a:r>
+            <a:r>
+              <a:rPr lang="en-US" i="1" dirty="0"/>
+              <a:t>QID </a:t>
+            </a:r>
             <a:r>
               <a:rPr lang="en-US" dirty="0"/>
-              <a:t>satisfy t-closeness if, for each group of records sharing</a:t>
-            </a:r>
-          </a:p>
-          <a:p>
-            <a:pPr marL="0" indent="0">
-              <a:buNone/>
-            </a:pPr>
+              <a:t>attribute used for record or attribute linkages; therefore, employing traditional privacy models, such as </a:t>
+            </a:r>
+            <a:r>
+              <a:rPr lang="en-US" i="1" dirty="0"/>
+              <a:t>k</a:t>
+            </a:r>
             <a:r>
               <a:rPr lang="en-US" dirty="0"/>
-              <a:t>a combination of key attributes, the distance between</a:t>
-            </a:r>
-          </a:p>
-          <a:p>
-            <a:pPr marL="0" indent="0">
-              <a:buNone/>
-            </a:pPr>
+              <a:t>-anonymity, would require including all dimensions into a single </a:t>
+            </a:r>
+            <a:r>
+              <a:rPr lang="en-US" i="1" dirty="0"/>
+              <a:t>QID</a:t>
+            </a:r>
             <a:r>
               <a:rPr lang="en-US" dirty="0"/>
-              <a:t>the distribution of the confidential attribute in the group</a:t>
-            </a:r>
-          </a:p>
-          <a:p>
-            <a:pPr marL="0" indent="0">
-              <a:buNone/>
-            </a:pPr>
+              <a:t>. Due to the curse of high-dimensionality [Aggarwal 2005], it is very likely that lots of data has to be suppressed or generalized to the top-most values in order to satisfy </a:t>
+            </a:r>
+            <a:r>
+              <a:rPr lang="en-US" i="1" dirty="0"/>
+              <a:t>k</a:t>
+            </a:r>
             <a:r>
               <a:rPr lang="en-US" dirty="0"/>
-              <a:t>and the distribution of the attribute in the whole data</a:t>
-            </a:r>
-          </a:p>
-          <a:p>
-            <a:pPr marL="0" indent="0">
-              <a:buNone/>
-            </a:pPr>
+              <a:t>-anonymity, even if </a:t>
+            </a:r>
+            <a:r>
+              <a:rPr lang="en-US" i="1" dirty="0"/>
+              <a:t>k </a:t>
+            </a:r>
             <a:r>
               <a:rPr lang="en-US" dirty="0"/>
-              <a:t>set is no more than a threshold t.</a:t>
+              <a:t>is small. Obviously, such anonymous data is useless for data analysis.</a:t>
             </a:r>
             <a:endParaRPr lang="de-DE" dirty="0"/>
           </a:p>
@@ -3374,7 +3218,7 @@
           <p:cNvPr id="6" name="Foliennummernplatzhalter 5">
             <a:extLst>
               <a:ext uri="{FF2B5EF4-FFF2-40B4-BE49-F238E27FC236}">
-                <a16:creationId xmlns:a16="http://schemas.microsoft.com/office/drawing/2014/main" id="{54D3FDF2-2764-4BE6-BE4D-51DAF1C1A001}"/>
+                <a16:creationId xmlns:a16="http://schemas.microsoft.com/office/drawing/2014/main" id="{1F7C9EDA-B921-4D19-B054-284FFDECB071}"/>
               </a:ext>
             </a:extLst>
           </p:cNvPr>
@@ -3402,7 +3246,7 @@
     </p:spTree>
     <p:extLst>
       <p:ext uri="{BB962C8B-B14F-4D97-AF65-F5344CB8AC3E}">
-        <p14:creationId xmlns:p14="http://schemas.microsoft.com/office/powerpoint/2010/main" val="222580713"/>
+        <p14:creationId xmlns:p14="http://schemas.microsoft.com/office/powerpoint/2010/main" val="1473261035"/>
       </p:ext>
     </p:extLst>
   </p:cSld>
@@ -3434,7 +3278,7 @@
           <p:cNvPr id="2" name="Titel 1">
             <a:extLst>
               <a:ext uri="{FF2B5EF4-FFF2-40B4-BE49-F238E27FC236}">
-                <a16:creationId xmlns:a16="http://schemas.microsoft.com/office/drawing/2014/main" id="{ED74D9F5-7E88-40DD-A611-56459F70E672}"/>
+                <a16:creationId xmlns:a16="http://schemas.microsoft.com/office/drawing/2014/main" id="{DD780236-DFF8-4429-AD46-A0D4B640B608}"/>
               </a:ext>
             </a:extLst>
           </p:cNvPr>
@@ -3451,14 +3295,10 @@
           <a:lstStyle/>
           <a:p>
             <a:r>
-              <a:rPr lang="de-DE" dirty="0"/>
-              <a:t>t-</a:t>
-            </a:r>
-            <a:r>
-              <a:rPr lang="de-DE" dirty="0" err="1"/>
-              <a:t>close´ness</a:t>
-            </a:r>
-            <a:endParaRPr lang="de-DE" dirty="0"/>
+              <a:rPr lang="de-DE" b="1"/>
+              <a:t>High-Dimensional Transaction Data</a:t>
+            </a:r>
+            <a:endParaRPr lang="de-DE"/>
           </a:p>
         </p:txBody>
       </p:sp>
@@ -3467,7 +3307,7 @@
           <p:cNvPr id="3" name="Datumsplatzhalter 2">
             <a:extLst>
               <a:ext uri="{FF2B5EF4-FFF2-40B4-BE49-F238E27FC236}">
-                <a16:creationId xmlns:a16="http://schemas.microsoft.com/office/drawing/2014/main" id="{A81886F5-D8A0-4AB2-A12D-B44314A08602}"/>
+                <a16:creationId xmlns:a16="http://schemas.microsoft.com/office/drawing/2014/main" id="{69419E86-0E9E-4216-B427-413C6BA3C0D7}"/>
               </a:ext>
             </a:extLst>
           </p:cNvPr>
@@ -3496,7 +3336,7 @@
           <p:cNvPr id="4" name="Fußzeilenplatzhalter 3">
             <a:extLst>
               <a:ext uri="{FF2B5EF4-FFF2-40B4-BE49-F238E27FC236}">
-                <a16:creationId xmlns:a16="http://schemas.microsoft.com/office/drawing/2014/main" id="{59640035-9623-4075-BDEE-7833C664AE8B}"/>
+                <a16:creationId xmlns:a16="http://schemas.microsoft.com/office/drawing/2014/main" id="{212DC528-EE24-4AC3-9EED-1BF090D99EF2}"/>
               </a:ext>
             </a:extLst>
           </p:cNvPr>
@@ -3525,7 +3365,7 @@
           <p:cNvPr id="5" name="Textplatzhalter 4">
             <a:extLst>
               <a:ext uri="{FF2B5EF4-FFF2-40B4-BE49-F238E27FC236}">
-                <a16:creationId xmlns:a16="http://schemas.microsoft.com/office/drawing/2014/main" id="{8F031245-BB29-41F9-8C5E-156AFC612440}"/>
+                <a16:creationId xmlns:a16="http://schemas.microsoft.com/office/drawing/2014/main" id="{064D59BE-0376-4E44-A0FE-7031A294F35F}"/>
               </a:ext>
             </a:extLst>
           </p:cNvPr>
@@ -3542,75 +3382,9 @@
           <a:lstStyle/>
           <a:p>
             <a:r>
-              <a:rPr lang="de-DE" dirty="0"/>
-              <a:t>Problems:</a:t>
-            </a:r>
-          </a:p>
-          <a:p>
-            <a:pPr marL="0" indent="0">
-              <a:buNone/>
-            </a:pPr>
-            <a:r>
-              <a:rPr lang="en-US" dirty="0"/>
-              <a:t>Whereas the paper [7] elaborates on several ways</a:t>
-            </a:r>
-          </a:p>
-          <a:p>
-            <a:pPr marL="0" indent="0">
-              <a:buNone/>
-            </a:pPr>
-            <a:r>
-              <a:rPr lang="en-US" dirty="0"/>
-              <a:t>o check t-closeness (using several distances between</a:t>
-            </a:r>
-          </a:p>
-          <a:p>
-            <a:pPr marL="0" indent="0">
-              <a:buNone/>
-            </a:pPr>
-            <a:r>
-              <a:rPr lang="de-DE" dirty="0" err="1"/>
-              <a:t>distributions</a:t>
-            </a:r>
-            <a:r>
-              <a:rPr lang="de-DE" dirty="0"/>
-              <a:t>), </a:t>
-            </a:r>
-            <a:r>
-              <a:rPr lang="de-DE" dirty="0" err="1"/>
-              <a:t>no</a:t>
-            </a:r>
-            <a:r>
-              <a:rPr lang="de-DE" dirty="0"/>
-              <a:t> </a:t>
-            </a:r>
-            <a:r>
-              <a:rPr lang="de-DE" dirty="0" err="1"/>
-              <a:t>computational</a:t>
-            </a:r>
-            <a:r>
-              <a:rPr lang="de-DE" dirty="0"/>
-              <a:t> </a:t>
-            </a:r>
-            <a:r>
-              <a:rPr lang="de-DE" dirty="0" err="1"/>
-              <a:t>procedure</a:t>
-            </a:r>
-            <a:endParaRPr lang="de-DE" dirty="0"/>
-          </a:p>
-          <a:p>
-            <a:pPr marL="0" indent="0">
-              <a:buNone/>
-            </a:pPr>
-            <a:r>
-              <a:rPr lang="en-US" dirty="0"/>
-              <a:t>to enforce this property is given.</a:t>
-            </a:r>
-          </a:p>
-          <a:p>
-            <a:pPr marL="0" indent="0">
-              <a:buNone/>
-            </a:pPr>
+              <a:rPr lang="de-DE" dirty="0" err="1"/>
+              <a:t>example</a:t>
+            </a:r>
             <a:endParaRPr lang="de-DE" dirty="0"/>
           </a:p>
         </p:txBody>
@@ -3620,7 +3394,7 @@
           <p:cNvPr id="6" name="Foliennummernplatzhalter 5">
             <a:extLst>
               <a:ext uri="{FF2B5EF4-FFF2-40B4-BE49-F238E27FC236}">
-                <a16:creationId xmlns:a16="http://schemas.microsoft.com/office/drawing/2014/main" id="{35C5C671-02F4-435F-A4CA-4659E0309639}"/>
+                <a16:creationId xmlns:a16="http://schemas.microsoft.com/office/drawing/2014/main" id="{E25D3BF9-A70C-417F-A9C7-F883A5D091A9}"/>
               </a:ext>
             </a:extLst>
           </p:cNvPr>
@@ -3648,7 +3422,7 @@
     </p:spTree>
     <p:extLst>
       <p:ext uri="{BB962C8B-B14F-4D97-AF65-F5344CB8AC3E}">
-        <p14:creationId xmlns:p14="http://schemas.microsoft.com/office/powerpoint/2010/main" val="2648306626"/>
+        <p14:creationId xmlns:p14="http://schemas.microsoft.com/office/powerpoint/2010/main" val="673325542"/>
       </p:ext>
     </p:extLst>
   </p:cSld>
@@ -3680,7 +3454,7 @@
           <p:cNvPr id="2" name="Titel 1">
             <a:extLst>
               <a:ext uri="{FF2B5EF4-FFF2-40B4-BE49-F238E27FC236}">
-                <a16:creationId xmlns:a16="http://schemas.microsoft.com/office/drawing/2014/main" id="{60CF76F7-DA21-4280-B132-DB1CBFFB0632}"/>
+                <a16:creationId xmlns:a16="http://schemas.microsoft.com/office/drawing/2014/main" id="{5A696494-2619-425B-9A88-26F6239A8C0F}"/>
               </a:ext>
             </a:extLst>
           </p:cNvPr>
@@ -3697,13 +3471,14 @@
           <a:lstStyle/>
           <a:p>
             <a:r>
-              <a:rPr lang="de-DE" dirty="0"/>
-              <a:t>Differential </a:t>
-            </a:r>
-            <a:r>
-              <a:rPr lang="de-DE"/>
-              <a:t>privacy</a:t>
-            </a:r>
+              <a:rPr lang="de-DE" b="1" dirty="0" err="1"/>
+              <a:t>Attacks</a:t>
+            </a:r>
+            <a:r>
+              <a:rPr lang="de-DE" b="1" dirty="0"/>
+              <a:t> on K-ANONYMITY </a:t>
+            </a:r>
+            <a:endParaRPr lang="de-DE" dirty="0"/>
           </a:p>
         </p:txBody>
       </p:sp>
@@ -3712,7 +3487,7 @@
           <p:cNvPr id="3" name="Datumsplatzhalter 2">
             <a:extLst>
               <a:ext uri="{FF2B5EF4-FFF2-40B4-BE49-F238E27FC236}">
-                <a16:creationId xmlns:a16="http://schemas.microsoft.com/office/drawing/2014/main" id="{3B50A201-5742-48F2-9C76-90EB7278DE8B}"/>
+                <a16:creationId xmlns:a16="http://schemas.microsoft.com/office/drawing/2014/main" id="{2B614201-281B-41E9-A020-0CDA277467C3}"/>
               </a:ext>
             </a:extLst>
           </p:cNvPr>
@@ -3741,7 +3516,7 @@
           <p:cNvPr id="4" name="Fußzeilenplatzhalter 3">
             <a:extLst>
               <a:ext uri="{FF2B5EF4-FFF2-40B4-BE49-F238E27FC236}">
-                <a16:creationId xmlns:a16="http://schemas.microsoft.com/office/drawing/2014/main" id="{905609BE-6FD9-442B-89BF-1438B615F4CE}"/>
+                <a16:creationId xmlns:a16="http://schemas.microsoft.com/office/drawing/2014/main" id="{E5DE40AE-BF51-40C8-A6E9-F8B2204521CC}"/>
               </a:ext>
             </a:extLst>
           </p:cNvPr>
@@ -3758,8 +3533,12 @@
           <a:lstStyle/>
           <a:p>
             <a:r>
-              <a:rPr lang="de-DE"/>
-              <a:t>Andreas Heimann &amp; Matthias Puchta</a:t>
+              <a:rPr lang="de-DE" dirty="0"/>
+              <a:t>Andreas Wiegand &amp; Ludwig </a:t>
+            </a:r>
+            <a:r>
+              <a:rPr lang="de-DE" dirty="0" err="1"/>
+              <a:t>Schallner</a:t>
             </a:r>
             <a:endParaRPr lang="de-DE" dirty="0"/>
           </a:p>
@@ -3770,7 +3549,7 @@
           <p:cNvPr id="5" name="Textplatzhalter 4">
             <a:extLst>
               <a:ext uri="{FF2B5EF4-FFF2-40B4-BE49-F238E27FC236}">
-                <a16:creationId xmlns:a16="http://schemas.microsoft.com/office/drawing/2014/main" id="{BE3AB503-2D36-4EFD-97BC-4FB481D902EA}"/>
+                <a16:creationId xmlns:a16="http://schemas.microsoft.com/office/drawing/2014/main" id="{AB5F7A7E-01C8-48FD-8047-5A2134437BC9}"/>
               </a:ext>
             </a:extLst>
           </p:cNvPr>
@@ -3786,7 +3565,127 @@
           <a:bodyPr/>
           <a:lstStyle/>
           <a:p>
-            <a:endParaRPr lang="de-DE"/>
+            <a:r>
+              <a:rPr lang="de-DE" b="1" dirty="0" err="1"/>
+              <a:t>Homogeneity</a:t>
+            </a:r>
+            <a:r>
+              <a:rPr lang="de-DE" b="1" dirty="0"/>
+              <a:t> </a:t>
+            </a:r>
+            <a:r>
+              <a:rPr lang="de-DE" b="1" dirty="0" err="1"/>
+              <a:t>Attack</a:t>
+            </a:r>
+            <a:r>
+              <a:rPr lang="de-DE" b="1" dirty="0"/>
+              <a:t>: </a:t>
+            </a:r>
+          </a:p>
+          <a:p>
+            <a:r>
+              <a:rPr lang="de-DE" b="1" dirty="0"/>
+              <a:t>Background Knowledge </a:t>
+            </a:r>
+            <a:r>
+              <a:rPr lang="de-DE" b="1" dirty="0" err="1"/>
+              <a:t>Attack</a:t>
+            </a:r>
+            <a:r>
+              <a:rPr lang="de-DE" b="1" dirty="0"/>
+              <a:t>/</a:t>
+            </a:r>
+            <a:r>
+              <a:rPr lang="de-DE" b="1" dirty="0" err="1"/>
+              <a:t>attribute</a:t>
+            </a:r>
+            <a:r>
+              <a:rPr lang="de-DE" b="1" dirty="0"/>
+              <a:t> </a:t>
+            </a:r>
+            <a:r>
+              <a:rPr lang="de-DE" b="1" dirty="0" err="1"/>
+              <a:t>linkage</a:t>
+            </a:r>
+            <a:r>
+              <a:rPr lang="de-DE" b="1" dirty="0"/>
+              <a:t>: </a:t>
+            </a:r>
+          </a:p>
+          <a:p>
+            <a:r>
+              <a:rPr lang="de-DE" b="1" dirty="0" err="1"/>
+              <a:t>Unsorted</a:t>
+            </a:r>
+            <a:r>
+              <a:rPr lang="de-DE" b="1" dirty="0"/>
+              <a:t> </a:t>
+            </a:r>
+            <a:r>
+              <a:rPr lang="de-DE" b="1" dirty="0" err="1"/>
+              <a:t>Matching</a:t>
+            </a:r>
+            <a:r>
+              <a:rPr lang="de-DE" b="1" dirty="0"/>
+              <a:t> </a:t>
+            </a:r>
+            <a:r>
+              <a:rPr lang="de-DE" b="1" dirty="0" err="1"/>
+              <a:t>Attacks</a:t>
+            </a:r>
+            <a:r>
+              <a:rPr lang="de-DE" b="1" dirty="0"/>
+              <a:t> </a:t>
+            </a:r>
+          </a:p>
+          <a:p>
+            <a:r>
+              <a:rPr lang="de-DE" b="1" dirty="0" err="1"/>
+              <a:t>Complementary</a:t>
+            </a:r>
+            <a:r>
+              <a:rPr lang="de-DE" b="1" dirty="0"/>
+              <a:t> Release </a:t>
+            </a:r>
+            <a:r>
+              <a:rPr lang="de-DE" b="1" dirty="0" err="1"/>
+              <a:t>Attack</a:t>
+            </a:r>
+            <a:r>
+              <a:rPr lang="de-DE" b="1" dirty="0"/>
+              <a:t>: </a:t>
+            </a:r>
+          </a:p>
+          <a:p>
+            <a:r>
+              <a:rPr lang="de-DE" b="1" dirty="0"/>
+              <a:t>Temporal </a:t>
+            </a:r>
+            <a:r>
+              <a:rPr lang="de-DE" b="1" dirty="0" err="1"/>
+              <a:t>Attack</a:t>
+            </a:r>
+            <a:r>
+              <a:rPr lang="de-DE" b="1" dirty="0"/>
+              <a:t>: </a:t>
+            </a:r>
+          </a:p>
+          <a:p>
+            <a:r>
+              <a:rPr lang="de-DE" b="1" dirty="0" err="1"/>
+              <a:t>Insufficient</a:t>
+            </a:r>
+            <a:r>
+              <a:rPr lang="de-DE" b="1" dirty="0"/>
+              <a:t> Knowledge: </a:t>
+            </a:r>
+          </a:p>
+          <a:p>
+            <a:r>
+              <a:rPr lang="en-US" b="1" dirty="0"/>
+              <a:t>The Adversary’s Knowledge is Unknown </a:t>
+            </a:r>
+            <a:endParaRPr lang="de-DE" dirty="0"/>
           </a:p>
         </p:txBody>
       </p:sp>
@@ -3795,7 +3694,7 @@
           <p:cNvPr id="6" name="Foliennummernplatzhalter 5">
             <a:extLst>
               <a:ext uri="{FF2B5EF4-FFF2-40B4-BE49-F238E27FC236}">
-                <a16:creationId xmlns:a16="http://schemas.microsoft.com/office/drawing/2014/main" id="{9B878E9B-BDE0-4DC9-9BC7-6B1CE8112B95}"/>
+                <a16:creationId xmlns:a16="http://schemas.microsoft.com/office/drawing/2014/main" id="{09410FF4-2E0F-4E88-A69A-145B229403F7}"/>
               </a:ext>
             </a:extLst>
           </p:cNvPr>
@@ -3823,7 +3722,1408 @@
     </p:spTree>
     <p:extLst>
       <p:ext uri="{BB962C8B-B14F-4D97-AF65-F5344CB8AC3E}">
-        <p14:creationId xmlns:p14="http://schemas.microsoft.com/office/powerpoint/2010/main" val="1427231547"/>
+        <p14:creationId xmlns:p14="http://schemas.microsoft.com/office/powerpoint/2010/main" val="2188498306"/>
+      </p:ext>
+    </p:extLst>
+  </p:cSld>
+  <p:clrMapOvr>
+    <a:masterClrMapping/>
+  </p:clrMapOvr>
+</p:sld>
+</file>
+
+<file path=ppt/slides/slide15.xml><?xml version="1.0" encoding="utf-8"?>
+<p:sld xmlns:a="http://schemas.openxmlformats.org/drawingml/2006/main" xmlns:r="http://schemas.openxmlformats.org/officeDocument/2006/relationships" xmlns:p="http://schemas.openxmlformats.org/presentationml/2006/main">
+  <p:cSld>
+    <p:spTree>
+      <p:nvGrpSpPr>
+        <p:cNvPr id="1" name=""/>
+        <p:cNvGrpSpPr/>
+        <p:nvPr/>
+      </p:nvGrpSpPr>
+      <p:grpSpPr>
+        <a:xfrm>
+          <a:off x="0" y="0"/>
+          <a:ext cx="0" cy="0"/>
+          <a:chOff x="0" y="0"/>
+          <a:chExt cx="0" cy="0"/>
+        </a:xfrm>
+      </p:grpSpPr>
+      <p:sp>
+        <p:nvSpPr>
+          <p:cNvPr id="2" name="Titel 1">
+            <a:extLst>
+              <a:ext uri="{FF2B5EF4-FFF2-40B4-BE49-F238E27FC236}">
+                <a16:creationId xmlns:a16="http://schemas.microsoft.com/office/drawing/2014/main" id="{5DFF05F5-BFE1-403A-A36E-6A2828649D6F}"/>
+              </a:ext>
+            </a:extLst>
+          </p:cNvPr>
+          <p:cNvSpPr>
+            <a:spLocks noGrp="1"/>
+          </p:cNvSpPr>
+          <p:nvPr>
+            <p:ph type="title"/>
+          </p:nvPr>
+        </p:nvSpPr>
+        <p:spPr/>
+        <p:txBody>
+          <a:bodyPr/>
+          <a:lstStyle/>
+          <a:p>
+            <a:r>
+              <a:rPr lang="de-DE" sz="2400" b="1" dirty="0"/>
+              <a:t>EXTENDED SCENARIOS - Multiple Release Publishing</a:t>
+            </a:r>
+            <a:endParaRPr lang="de-DE" sz="2400" dirty="0"/>
+          </a:p>
+        </p:txBody>
+      </p:sp>
+      <p:sp>
+        <p:nvSpPr>
+          <p:cNvPr id="3" name="Datumsplatzhalter 2">
+            <a:extLst>
+              <a:ext uri="{FF2B5EF4-FFF2-40B4-BE49-F238E27FC236}">
+                <a16:creationId xmlns:a16="http://schemas.microsoft.com/office/drawing/2014/main" id="{90B812E9-FF67-440E-8D43-E9D95CEADC88}"/>
+              </a:ext>
+            </a:extLst>
+          </p:cNvPr>
+          <p:cNvSpPr>
+            <a:spLocks noGrp="1"/>
+          </p:cNvSpPr>
+          <p:nvPr>
+            <p:ph type="dt" sz="half" idx="10"/>
+          </p:nvPr>
+        </p:nvSpPr>
+        <p:spPr/>
+        <p:txBody>
+          <a:bodyPr/>
+          <a:lstStyle/>
+          <a:p>
+            <a:r>
+              <a:rPr lang="de-DE"/>
+              <a:t>18.05.2017</a:t>
+            </a:r>
+            <a:endParaRPr lang="de-DE" dirty="0"/>
+          </a:p>
+        </p:txBody>
+      </p:sp>
+      <p:sp>
+        <p:nvSpPr>
+          <p:cNvPr id="4" name="Fußzeilenplatzhalter 3">
+            <a:extLst>
+              <a:ext uri="{FF2B5EF4-FFF2-40B4-BE49-F238E27FC236}">
+                <a16:creationId xmlns:a16="http://schemas.microsoft.com/office/drawing/2014/main" id="{830002ED-C0A7-4887-8B84-D46B721CD647}"/>
+              </a:ext>
+            </a:extLst>
+          </p:cNvPr>
+          <p:cNvSpPr>
+            <a:spLocks noGrp="1"/>
+          </p:cNvSpPr>
+          <p:nvPr>
+            <p:ph type="ftr" sz="quarter" idx="11"/>
+          </p:nvPr>
+        </p:nvSpPr>
+        <p:spPr/>
+        <p:txBody>
+          <a:bodyPr/>
+          <a:lstStyle/>
+          <a:p>
+            <a:r>
+              <a:rPr lang="de-DE"/>
+              <a:t>Andreas Heimann &amp; Matthias Puchta</a:t>
+            </a:r>
+            <a:endParaRPr lang="de-DE" dirty="0"/>
+          </a:p>
+        </p:txBody>
+      </p:sp>
+      <p:sp>
+        <p:nvSpPr>
+          <p:cNvPr id="5" name="Textplatzhalter 4">
+            <a:extLst>
+              <a:ext uri="{FF2B5EF4-FFF2-40B4-BE49-F238E27FC236}">
+                <a16:creationId xmlns:a16="http://schemas.microsoft.com/office/drawing/2014/main" id="{817EA547-F858-48D5-A99A-AC24CC5B1BEE}"/>
+              </a:ext>
+            </a:extLst>
+          </p:cNvPr>
+          <p:cNvSpPr>
+            <a:spLocks noGrp="1"/>
+          </p:cNvSpPr>
+          <p:nvPr>
+            <p:ph type="body" sz="quarter" idx="13"/>
+          </p:nvPr>
+        </p:nvSpPr>
+        <p:spPr/>
+        <p:txBody>
+          <a:bodyPr/>
+          <a:lstStyle/>
+          <a:p>
+            <a:pPr>
+              <a:buFontTx/>
+              <a:buChar char="-"/>
+            </a:pPr>
+            <a:r>
+              <a:rPr lang="de-DE" dirty="0"/>
+              <a:t>Different </a:t>
+            </a:r>
+            <a:r>
+              <a:rPr lang="de-DE" dirty="0" err="1"/>
+              <a:t>data</a:t>
+            </a:r>
+            <a:r>
+              <a:rPr lang="de-DE" dirty="0"/>
+              <a:t> </a:t>
+            </a:r>
+            <a:r>
+              <a:rPr lang="de-DE" dirty="0" err="1"/>
+              <a:t>recipients</a:t>
+            </a:r>
+            <a:r>
+              <a:rPr lang="de-DE" dirty="0"/>
+              <a:t> </a:t>
+            </a:r>
+            <a:r>
+              <a:rPr lang="de-DE" dirty="0" err="1"/>
+              <a:t>got</a:t>
+            </a:r>
+            <a:r>
+              <a:rPr lang="de-DE" dirty="0"/>
+              <a:t> different </a:t>
+            </a:r>
+            <a:r>
+              <a:rPr lang="de-DE" dirty="0" err="1"/>
+              <a:t>claims</a:t>
+            </a:r>
+            <a:r>
+              <a:rPr lang="de-DE" dirty="0"/>
+              <a:t> </a:t>
+            </a:r>
+            <a:r>
+              <a:rPr lang="de-DE" dirty="0" err="1"/>
+              <a:t>to</a:t>
+            </a:r>
+            <a:r>
+              <a:rPr lang="de-DE" dirty="0"/>
+              <a:t> </a:t>
+            </a:r>
+            <a:r>
+              <a:rPr lang="de-DE" dirty="0" err="1"/>
+              <a:t>the</a:t>
+            </a:r>
+            <a:r>
+              <a:rPr lang="de-DE" dirty="0"/>
+              <a:t> </a:t>
+            </a:r>
+            <a:r>
+              <a:rPr lang="de-DE" dirty="0" err="1"/>
+              <a:t>data</a:t>
+            </a:r>
+            <a:endParaRPr lang="de-DE" dirty="0"/>
+          </a:p>
+          <a:p>
+            <a:pPr marL="0" indent="0">
+              <a:buNone/>
+            </a:pPr>
+            <a:r>
+              <a:rPr lang="de-DE" dirty="0"/>
+              <a:t>T(Job, Sex, Age, </a:t>
+            </a:r>
+            <a:r>
+              <a:rPr lang="de-DE" dirty="0" err="1"/>
+              <a:t>Race</a:t>
+            </a:r>
+            <a:r>
+              <a:rPr lang="de-DE" dirty="0"/>
+              <a:t>, Disease, </a:t>
+            </a:r>
+            <a:r>
+              <a:rPr lang="de-DE" dirty="0" err="1"/>
+              <a:t>Salary</a:t>
+            </a:r>
+            <a:r>
+              <a:rPr lang="de-DE" dirty="0"/>
+              <a:t>)</a:t>
+            </a:r>
+          </a:p>
+          <a:p>
+            <a:pPr marL="0" indent="0">
+              <a:buNone/>
+            </a:pPr>
+            <a:r>
+              <a:rPr lang="de-DE" dirty="0" err="1"/>
+              <a:t>Pharma</a:t>
+            </a:r>
+            <a:r>
+              <a:rPr lang="de-DE" dirty="0"/>
+              <a:t> </a:t>
+            </a:r>
+            <a:r>
+              <a:rPr lang="de-DE" dirty="0" err="1"/>
+              <a:t>company</a:t>
+            </a:r>
+            <a:r>
+              <a:rPr lang="de-DE" dirty="0"/>
+              <a:t> </a:t>
+            </a:r>
+            <a:r>
+              <a:rPr lang="de-DE" dirty="0" err="1"/>
+              <a:t>intresed</a:t>
+            </a:r>
+            <a:r>
+              <a:rPr lang="de-DE" dirty="0"/>
+              <a:t> in </a:t>
+            </a:r>
+            <a:r>
+              <a:rPr lang="de-DE" dirty="0" err="1"/>
+              <a:t>diesease</a:t>
+            </a:r>
+            <a:r>
+              <a:rPr lang="de-DE" dirty="0"/>
+              <a:t> </a:t>
+            </a:r>
+            <a:r>
+              <a:rPr lang="de-DE" dirty="0" err="1"/>
+              <a:t>with</a:t>
+            </a:r>
+            <a:r>
+              <a:rPr lang="de-DE" dirty="0"/>
+              <a:t> </a:t>
+            </a:r>
+            <a:r>
+              <a:rPr lang="de-DE" dirty="0" err="1"/>
+              <a:t>attribute</a:t>
+            </a:r>
+            <a:r>
+              <a:rPr lang="de-DE" dirty="0"/>
+              <a:t> </a:t>
+            </a:r>
+            <a:r>
+              <a:rPr lang="de-DE" dirty="0" err="1"/>
+              <a:t>job,sex</a:t>
+            </a:r>
+            <a:r>
+              <a:rPr lang="de-DE" dirty="0"/>
+              <a:t>, </a:t>
+            </a:r>
+            <a:r>
+              <a:rPr lang="de-DE" dirty="0" err="1"/>
+              <a:t>age</a:t>
+            </a:r>
+            <a:endParaRPr lang="de-DE" dirty="0"/>
+          </a:p>
+          <a:p>
+            <a:pPr marL="0" indent="0">
+              <a:buNone/>
+            </a:pPr>
+            <a:r>
+              <a:rPr lang="de-DE" dirty="0" err="1"/>
+              <a:t>Another</a:t>
+            </a:r>
+            <a:r>
+              <a:rPr lang="de-DE" dirty="0"/>
+              <a:t> </a:t>
+            </a:r>
+            <a:r>
+              <a:rPr lang="de-DE" dirty="0" err="1"/>
+              <a:t>is</a:t>
+            </a:r>
+            <a:r>
+              <a:rPr lang="de-DE" dirty="0"/>
+              <a:t> </a:t>
+            </a:r>
+            <a:r>
+              <a:rPr lang="de-DE" dirty="0" err="1"/>
+              <a:t>intereset</a:t>
+            </a:r>
+            <a:r>
+              <a:rPr lang="de-DE" dirty="0"/>
+              <a:t> in JOB, AGE, RACE</a:t>
+            </a:r>
+          </a:p>
+          <a:p>
+            <a:pPr marL="0" indent="0">
+              <a:buNone/>
+            </a:pPr>
+            <a:r>
+              <a:rPr lang="de-DE" dirty="0" err="1"/>
+              <a:t>Relse</a:t>
+            </a:r>
+            <a:r>
+              <a:rPr lang="de-DE" dirty="0"/>
+              <a:t> </a:t>
+            </a:r>
+            <a:r>
+              <a:rPr lang="de-DE" dirty="0" err="1"/>
+              <a:t>one</a:t>
+            </a:r>
+            <a:r>
+              <a:rPr lang="de-DE" dirty="0"/>
+              <a:t> </a:t>
+            </a:r>
+            <a:r>
+              <a:rPr lang="de-DE" dirty="0" err="1"/>
+              <a:t>table</a:t>
+            </a:r>
+            <a:r>
+              <a:rPr lang="de-DE" dirty="0"/>
+              <a:t> </a:t>
+            </a:r>
+            <a:r>
+              <a:rPr lang="de-DE" dirty="0" err="1"/>
+              <a:t>with</a:t>
+            </a:r>
+            <a:r>
+              <a:rPr lang="de-DE" dirty="0"/>
+              <a:t> {JOB, Sex, Age, </a:t>
+            </a:r>
+            <a:r>
+              <a:rPr lang="de-DE" dirty="0" err="1"/>
+              <a:t>Race</a:t>
+            </a:r>
+            <a:r>
+              <a:rPr lang="de-DE" dirty="0"/>
+              <a:t>}</a:t>
+            </a:r>
+          </a:p>
+          <a:p>
+            <a:r>
+              <a:rPr lang="de-DE" dirty="0"/>
+              <a:t>- </a:t>
+            </a:r>
+            <a:r>
+              <a:rPr lang="en-US" dirty="0"/>
+              <a:t>A drawback is that information is released unnecessarily, in that neither of the two purposes needs all four attributes</a:t>
+            </a:r>
+          </a:p>
+          <a:p>
+            <a:pPr marL="0" indent="0">
+              <a:buNone/>
+            </a:pPr>
+            <a:r>
+              <a:rPr lang="en-US" dirty="0"/>
+              <a:t>You make one for both of them. Problem </a:t>
+            </a:r>
+            <a:endParaRPr lang="de-DE" dirty="0"/>
+          </a:p>
+        </p:txBody>
+      </p:sp>
+      <p:sp>
+        <p:nvSpPr>
+          <p:cNvPr id="6" name="Foliennummernplatzhalter 5">
+            <a:extLst>
+              <a:ext uri="{FF2B5EF4-FFF2-40B4-BE49-F238E27FC236}">
+                <a16:creationId xmlns:a16="http://schemas.microsoft.com/office/drawing/2014/main" id="{1A5F5161-AF90-426C-A082-2392411945CF}"/>
+              </a:ext>
+            </a:extLst>
+          </p:cNvPr>
+          <p:cNvSpPr>
+            <a:spLocks noGrp="1"/>
+          </p:cNvSpPr>
+          <p:nvPr>
+            <p:ph type="sldNum" sz="quarter" idx="12"/>
+          </p:nvPr>
+        </p:nvSpPr>
+        <p:spPr/>
+        <p:txBody>
+          <a:bodyPr/>
+          <a:lstStyle/>
+          <a:p>
+            <a:fld id="{50E76E58-F275-47A3-BB17-470016A267B6}" type="slidenum">
+              <a:rPr lang="de-DE" smtClean="0"/>
+              <a:pPr/>
+              <a:t>15</a:t>
+            </a:fld>
+            <a:endParaRPr lang="de-DE"/>
+          </a:p>
+        </p:txBody>
+      </p:sp>
+    </p:spTree>
+    <p:extLst>
+      <p:ext uri="{BB962C8B-B14F-4D97-AF65-F5344CB8AC3E}">
+        <p14:creationId xmlns:p14="http://schemas.microsoft.com/office/powerpoint/2010/main" val="839178868"/>
+      </p:ext>
+    </p:extLst>
+  </p:cSld>
+  <p:clrMapOvr>
+    <a:masterClrMapping/>
+  </p:clrMapOvr>
+</p:sld>
+</file>
+
+<file path=ppt/slides/slide16.xml><?xml version="1.0" encoding="utf-8"?>
+<p:sld xmlns:a="http://schemas.openxmlformats.org/drawingml/2006/main" xmlns:r="http://schemas.openxmlformats.org/officeDocument/2006/relationships" xmlns:p="http://schemas.openxmlformats.org/presentationml/2006/main">
+  <p:cSld>
+    <p:spTree>
+      <p:nvGrpSpPr>
+        <p:cNvPr id="1" name=""/>
+        <p:cNvGrpSpPr/>
+        <p:nvPr/>
+      </p:nvGrpSpPr>
+      <p:grpSpPr>
+        <a:xfrm>
+          <a:off x="0" y="0"/>
+          <a:ext cx="0" cy="0"/>
+          <a:chOff x="0" y="0"/>
+          <a:chExt cx="0" cy="0"/>
+        </a:xfrm>
+      </p:grpSpPr>
+      <p:sp>
+        <p:nvSpPr>
+          <p:cNvPr id="2" name="Titel 1">
+            <a:extLst>
+              <a:ext uri="{FF2B5EF4-FFF2-40B4-BE49-F238E27FC236}">
+                <a16:creationId xmlns:a16="http://schemas.microsoft.com/office/drawing/2014/main" id="{958F9CD1-9C9B-404C-BA1F-6E0E9A52DB3B}"/>
+              </a:ext>
+            </a:extLst>
+          </p:cNvPr>
+          <p:cNvSpPr>
+            <a:spLocks noGrp="1"/>
+          </p:cNvSpPr>
+          <p:nvPr>
+            <p:ph type="title"/>
+          </p:nvPr>
+        </p:nvSpPr>
+        <p:spPr/>
+        <p:txBody>
+          <a:bodyPr/>
+          <a:lstStyle/>
+          <a:p>
+            <a:pPr marL="0" indent="0">
+              <a:buNone/>
+            </a:pPr>
+            <a:r>
+              <a:rPr lang="de-DE" dirty="0"/>
+              <a:t>p-sensitive k-</a:t>
+            </a:r>
+            <a:r>
+              <a:rPr lang="de-DE" dirty="0" err="1"/>
+              <a:t>anonymity</a:t>
+            </a:r>
+            <a:endParaRPr lang="de-DE" dirty="0"/>
+          </a:p>
+        </p:txBody>
+      </p:sp>
+      <p:sp>
+        <p:nvSpPr>
+          <p:cNvPr id="3" name="Datumsplatzhalter 2">
+            <a:extLst>
+              <a:ext uri="{FF2B5EF4-FFF2-40B4-BE49-F238E27FC236}">
+                <a16:creationId xmlns:a16="http://schemas.microsoft.com/office/drawing/2014/main" id="{F260DF70-9E66-4354-A537-9A6F20EF768D}"/>
+              </a:ext>
+            </a:extLst>
+          </p:cNvPr>
+          <p:cNvSpPr>
+            <a:spLocks noGrp="1"/>
+          </p:cNvSpPr>
+          <p:nvPr>
+            <p:ph type="dt" sz="half" idx="10"/>
+          </p:nvPr>
+        </p:nvSpPr>
+        <p:spPr/>
+        <p:txBody>
+          <a:bodyPr/>
+          <a:lstStyle/>
+          <a:p>
+            <a:r>
+              <a:rPr lang="de-DE"/>
+              <a:t>18.05.2017</a:t>
+            </a:r>
+            <a:endParaRPr lang="de-DE" dirty="0"/>
+          </a:p>
+        </p:txBody>
+      </p:sp>
+      <p:sp>
+        <p:nvSpPr>
+          <p:cNvPr id="4" name="Fußzeilenplatzhalter 3">
+            <a:extLst>
+              <a:ext uri="{FF2B5EF4-FFF2-40B4-BE49-F238E27FC236}">
+                <a16:creationId xmlns:a16="http://schemas.microsoft.com/office/drawing/2014/main" id="{09C9E642-E14C-4E77-9B36-1ABB217EAF95}"/>
+              </a:ext>
+            </a:extLst>
+          </p:cNvPr>
+          <p:cNvSpPr>
+            <a:spLocks noGrp="1"/>
+          </p:cNvSpPr>
+          <p:nvPr>
+            <p:ph type="ftr" sz="quarter" idx="11"/>
+          </p:nvPr>
+        </p:nvSpPr>
+        <p:spPr/>
+        <p:txBody>
+          <a:bodyPr/>
+          <a:lstStyle/>
+          <a:p>
+            <a:r>
+              <a:rPr lang="de-DE"/>
+              <a:t>Andreas Heimann &amp; Matthias Puchta</a:t>
+            </a:r>
+            <a:endParaRPr lang="de-DE" dirty="0"/>
+          </a:p>
+        </p:txBody>
+      </p:sp>
+      <p:sp>
+        <p:nvSpPr>
+          <p:cNvPr id="5" name="Textplatzhalter 4">
+            <a:extLst>
+              <a:ext uri="{FF2B5EF4-FFF2-40B4-BE49-F238E27FC236}">
+                <a16:creationId xmlns:a16="http://schemas.microsoft.com/office/drawing/2014/main" id="{9E443BB6-0E02-4D1C-85A1-676AC33F2EAA}"/>
+              </a:ext>
+            </a:extLst>
+          </p:cNvPr>
+          <p:cNvSpPr>
+            <a:spLocks noGrp="1"/>
+          </p:cNvSpPr>
+          <p:nvPr>
+            <p:ph type="body" sz="quarter" idx="13"/>
+          </p:nvPr>
+        </p:nvSpPr>
+        <p:spPr/>
+        <p:txBody>
+          <a:bodyPr/>
+          <a:lstStyle/>
+          <a:p>
+            <a:r>
+              <a:rPr lang="en-US" dirty="0"/>
+              <a:t>identity disclosure and attribute disclosure.</a:t>
+            </a:r>
+          </a:p>
+          <a:p>
+            <a:r>
+              <a:rPr lang="en-US" dirty="0" err="1"/>
+              <a:t>dentity</a:t>
+            </a:r>
+            <a:r>
+              <a:rPr lang="en-US" dirty="0"/>
+              <a:t> disclosure and attribute disclosure.</a:t>
+            </a:r>
+          </a:p>
+          <a:p>
+            <a:pPr marL="0" indent="0">
+              <a:buNone/>
+            </a:pPr>
+            <a:r>
+              <a:rPr lang="en-US" i="1" dirty="0"/>
+              <a:t>Identity disclosure </a:t>
+            </a:r>
+            <a:r>
+              <a:rPr lang="en-US" dirty="0"/>
+              <a:t>refers to identification of an entity</a:t>
+            </a:r>
+          </a:p>
+          <a:p>
+            <a:pPr marL="0" indent="0">
+              <a:buNone/>
+            </a:pPr>
+            <a:r>
+              <a:rPr lang="en-US" dirty="0"/>
+              <a:t>(person, institution) and </a:t>
+            </a:r>
+            <a:r>
+              <a:rPr lang="en-US" i="1" dirty="0"/>
+              <a:t>attribute disclosure </a:t>
+            </a:r>
+            <a:r>
+              <a:rPr lang="en-US" dirty="0"/>
+              <a:t>occurs when</a:t>
+            </a:r>
+          </a:p>
+          <a:p>
+            <a:pPr marL="0" indent="0">
+              <a:buNone/>
+            </a:pPr>
+            <a:r>
+              <a:rPr lang="en-US" dirty="0"/>
+              <a:t>the intruder finds out something new about the target</a:t>
+            </a:r>
+          </a:p>
+          <a:p>
+            <a:pPr marL="0" indent="0">
+              <a:buNone/>
+            </a:pPr>
+            <a:r>
+              <a:rPr lang="en-US" dirty="0"/>
+              <a:t>entity [11]. Identity disclosure does not automatically</a:t>
+            </a:r>
+          </a:p>
+          <a:p>
+            <a:pPr marL="0" indent="0">
+              <a:buNone/>
+            </a:pPr>
+            <a:r>
+              <a:rPr lang="de-DE" dirty="0" err="1"/>
+              <a:t>imply</a:t>
+            </a:r>
+            <a:r>
+              <a:rPr lang="de-DE" dirty="0"/>
+              <a:t> </a:t>
+            </a:r>
+            <a:r>
+              <a:rPr lang="de-DE" dirty="0" err="1"/>
+              <a:t>attribute</a:t>
+            </a:r>
+            <a:endParaRPr lang="de-DE" dirty="0"/>
+          </a:p>
+        </p:txBody>
+      </p:sp>
+      <p:sp>
+        <p:nvSpPr>
+          <p:cNvPr id="6" name="Foliennummernplatzhalter 5">
+            <a:extLst>
+              <a:ext uri="{FF2B5EF4-FFF2-40B4-BE49-F238E27FC236}">
+                <a16:creationId xmlns:a16="http://schemas.microsoft.com/office/drawing/2014/main" id="{4C8439EF-D42F-4986-86FE-E0B37623E7D1}"/>
+              </a:ext>
+            </a:extLst>
+          </p:cNvPr>
+          <p:cNvSpPr>
+            <a:spLocks noGrp="1"/>
+          </p:cNvSpPr>
+          <p:nvPr>
+            <p:ph type="sldNum" sz="quarter" idx="12"/>
+          </p:nvPr>
+        </p:nvSpPr>
+        <p:spPr/>
+        <p:txBody>
+          <a:bodyPr/>
+          <a:lstStyle/>
+          <a:p>
+            <a:fld id="{50E76E58-F275-47A3-BB17-470016A267B6}" type="slidenum">
+              <a:rPr lang="de-DE" smtClean="0"/>
+              <a:pPr/>
+              <a:t>16</a:t>
+            </a:fld>
+            <a:endParaRPr lang="de-DE"/>
+          </a:p>
+        </p:txBody>
+      </p:sp>
+    </p:spTree>
+    <p:extLst>
+      <p:ext uri="{BB962C8B-B14F-4D97-AF65-F5344CB8AC3E}">
+        <p14:creationId xmlns:p14="http://schemas.microsoft.com/office/powerpoint/2010/main" val="1946241733"/>
+      </p:ext>
+    </p:extLst>
+  </p:cSld>
+  <p:clrMapOvr>
+    <a:masterClrMapping/>
+  </p:clrMapOvr>
+</p:sld>
+</file>
+
+<file path=ppt/slides/slide17.xml><?xml version="1.0" encoding="utf-8"?>
+<p:sld xmlns:a="http://schemas.openxmlformats.org/drawingml/2006/main" xmlns:r="http://schemas.openxmlformats.org/officeDocument/2006/relationships" xmlns:p="http://schemas.openxmlformats.org/presentationml/2006/main">
+  <p:cSld>
+    <p:spTree>
+      <p:nvGrpSpPr>
+        <p:cNvPr id="1" name=""/>
+        <p:cNvGrpSpPr/>
+        <p:nvPr/>
+      </p:nvGrpSpPr>
+      <p:grpSpPr>
+        <a:xfrm>
+          <a:off x="0" y="0"/>
+          <a:ext cx="0" cy="0"/>
+          <a:chOff x="0" y="0"/>
+          <a:chExt cx="0" cy="0"/>
+        </a:xfrm>
+      </p:grpSpPr>
+      <p:sp>
+        <p:nvSpPr>
+          <p:cNvPr id="2" name="Titel 1">
+            <a:extLst>
+              <a:ext uri="{FF2B5EF4-FFF2-40B4-BE49-F238E27FC236}">
+                <a16:creationId xmlns:a16="http://schemas.microsoft.com/office/drawing/2014/main" id="{7B413E46-A044-4329-AE39-7349DB1BBEFC}"/>
+              </a:ext>
+            </a:extLst>
+          </p:cNvPr>
+          <p:cNvSpPr>
+            <a:spLocks noGrp="1"/>
+          </p:cNvSpPr>
+          <p:nvPr>
+            <p:ph type="title"/>
+          </p:nvPr>
+        </p:nvSpPr>
+        <p:spPr/>
+        <p:txBody>
+          <a:bodyPr/>
+          <a:lstStyle/>
+          <a:p>
+            <a:r>
+              <a:rPr lang="de-DE" dirty="0"/>
+              <a:t>P-sensitive k -</a:t>
+            </a:r>
+            <a:r>
+              <a:rPr lang="de-DE" dirty="0" err="1"/>
+              <a:t>anonymity</a:t>
+            </a:r>
+            <a:endParaRPr lang="de-DE" dirty="0"/>
+          </a:p>
+        </p:txBody>
+      </p:sp>
+      <p:sp>
+        <p:nvSpPr>
+          <p:cNvPr id="3" name="Datumsplatzhalter 2">
+            <a:extLst>
+              <a:ext uri="{FF2B5EF4-FFF2-40B4-BE49-F238E27FC236}">
+                <a16:creationId xmlns:a16="http://schemas.microsoft.com/office/drawing/2014/main" id="{2017CE23-A8AD-4FC4-B6DD-A2E0CDE682B2}"/>
+              </a:ext>
+            </a:extLst>
+          </p:cNvPr>
+          <p:cNvSpPr>
+            <a:spLocks noGrp="1"/>
+          </p:cNvSpPr>
+          <p:nvPr>
+            <p:ph type="dt" sz="half" idx="10"/>
+          </p:nvPr>
+        </p:nvSpPr>
+        <p:spPr/>
+        <p:txBody>
+          <a:bodyPr/>
+          <a:lstStyle/>
+          <a:p>
+            <a:r>
+              <a:rPr lang="de-DE"/>
+              <a:t>18.05.2017</a:t>
+            </a:r>
+            <a:endParaRPr lang="de-DE" dirty="0"/>
+          </a:p>
+        </p:txBody>
+      </p:sp>
+      <p:sp>
+        <p:nvSpPr>
+          <p:cNvPr id="4" name="Fußzeilenplatzhalter 3">
+            <a:extLst>
+              <a:ext uri="{FF2B5EF4-FFF2-40B4-BE49-F238E27FC236}">
+                <a16:creationId xmlns:a16="http://schemas.microsoft.com/office/drawing/2014/main" id="{A23D59A7-D63C-4137-972B-3B6224BB0D54}"/>
+              </a:ext>
+            </a:extLst>
+          </p:cNvPr>
+          <p:cNvSpPr>
+            <a:spLocks noGrp="1"/>
+          </p:cNvSpPr>
+          <p:nvPr>
+            <p:ph type="ftr" sz="quarter" idx="11"/>
+          </p:nvPr>
+        </p:nvSpPr>
+        <p:spPr/>
+        <p:txBody>
+          <a:bodyPr/>
+          <a:lstStyle/>
+          <a:p>
+            <a:r>
+              <a:rPr lang="de-DE"/>
+              <a:t>Andreas Heimann &amp; Matthias Puchta</a:t>
+            </a:r>
+            <a:endParaRPr lang="de-DE" dirty="0"/>
+          </a:p>
+        </p:txBody>
+      </p:sp>
+      <p:sp>
+        <p:nvSpPr>
+          <p:cNvPr id="5" name="Textplatzhalter 4">
+            <a:extLst>
+              <a:ext uri="{FF2B5EF4-FFF2-40B4-BE49-F238E27FC236}">
+                <a16:creationId xmlns:a16="http://schemas.microsoft.com/office/drawing/2014/main" id="{62403F49-8A1E-4574-B8FF-BE1B459AD6B3}"/>
+              </a:ext>
+            </a:extLst>
+          </p:cNvPr>
+          <p:cNvSpPr>
+            <a:spLocks noGrp="1"/>
+          </p:cNvSpPr>
+          <p:nvPr>
+            <p:ph type="body" sz="quarter" idx="13"/>
+          </p:nvPr>
+        </p:nvSpPr>
+        <p:spPr/>
+        <p:txBody>
+          <a:bodyPr/>
+          <a:lstStyle/>
+          <a:p>
+            <a:r>
+              <a:rPr lang="de-DE" dirty="0"/>
+              <a:t>The </a:t>
+            </a:r>
+            <a:r>
+              <a:rPr lang="de-DE" dirty="0" err="1"/>
+              <a:t>for</a:t>
+            </a:r>
+            <a:r>
+              <a:rPr lang="de-DE" dirty="0"/>
+              <a:t> </a:t>
+            </a:r>
+            <a:r>
+              <a:rPr lang="de-DE" dirty="0" err="1"/>
+              <a:t>each</a:t>
+            </a:r>
+            <a:r>
+              <a:rPr lang="de-DE" dirty="0"/>
+              <a:t> </a:t>
+            </a:r>
+            <a:r>
+              <a:rPr lang="de-DE" dirty="0" err="1"/>
+              <a:t>tuple</a:t>
+            </a:r>
+            <a:r>
+              <a:rPr lang="de-DE" dirty="0"/>
+              <a:t> </a:t>
+            </a:r>
+            <a:r>
+              <a:rPr lang="de-DE" dirty="0" err="1"/>
+              <a:t>of</a:t>
+            </a:r>
+            <a:r>
+              <a:rPr lang="de-DE" dirty="0"/>
+              <a:t> k-</a:t>
+            </a:r>
+            <a:r>
+              <a:rPr lang="de-DE" dirty="0" err="1"/>
+              <a:t>anonymity</a:t>
+            </a:r>
+            <a:r>
+              <a:rPr lang="de-DE" dirty="0"/>
+              <a:t> </a:t>
+            </a:r>
+            <a:r>
+              <a:rPr lang="de-DE" dirty="0" err="1"/>
+              <a:t>there</a:t>
+            </a:r>
+            <a:r>
+              <a:rPr lang="de-DE" dirty="0"/>
+              <a:t> </a:t>
+            </a:r>
+            <a:r>
+              <a:rPr lang="de-DE" dirty="0" err="1"/>
+              <a:t>are</a:t>
+            </a:r>
+            <a:r>
+              <a:rPr lang="de-DE" dirty="0"/>
+              <a:t> at least p different sensitive </a:t>
+            </a:r>
+            <a:r>
+              <a:rPr lang="de-DE" dirty="0" err="1"/>
+              <a:t>data</a:t>
+            </a:r>
+            <a:endParaRPr lang="de-DE" dirty="0"/>
+          </a:p>
+          <a:p>
+            <a:r>
+              <a:rPr lang="de-DE" dirty="0"/>
+              <a:t>Problem:</a:t>
+            </a:r>
+            <a:r>
+              <a:rPr lang="en-US" dirty="0"/>
+              <a:t>p-Sensitive k-anonymity has the limitation of implicitly assuming that each confidential attribute takes values uniformly over its domain, that is, that the frequencies of the various values of a confidential attribute are similar. When this is not the case, </a:t>
+            </a:r>
+            <a:r>
+              <a:rPr lang="en-US" dirty="0" err="1"/>
+              <a:t>achievingp</a:t>
+            </a:r>
+            <a:r>
+              <a:rPr lang="en-US" dirty="0"/>
+              <a:t>-sensitive k-anonymity may cause a huge data utility loss. This is illustrated in the following example.</a:t>
+            </a:r>
+            <a:endParaRPr lang="de-DE" dirty="0"/>
+          </a:p>
+        </p:txBody>
+      </p:sp>
+      <p:sp>
+        <p:nvSpPr>
+          <p:cNvPr id="6" name="Foliennummernplatzhalter 5">
+            <a:extLst>
+              <a:ext uri="{FF2B5EF4-FFF2-40B4-BE49-F238E27FC236}">
+                <a16:creationId xmlns:a16="http://schemas.microsoft.com/office/drawing/2014/main" id="{E252A72A-F651-40F4-8DBC-665586CBC460}"/>
+              </a:ext>
+            </a:extLst>
+          </p:cNvPr>
+          <p:cNvSpPr>
+            <a:spLocks noGrp="1"/>
+          </p:cNvSpPr>
+          <p:nvPr>
+            <p:ph type="sldNum" sz="quarter" idx="12"/>
+          </p:nvPr>
+        </p:nvSpPr>
+        <p:spPr/>
+        <p:txBody>
+          <a:bodyPr/>
+          <a:lstStyle/>
+          <a:p>
+            <a:fld id="{50E76E58-F275-47A3-BB17-470016A267B6}" type="slidenum">
+              <a:rPr lang="de-DE" smtClean="0"/>
+              <a:pPr/>
+              <a:t>17</a:t>
+            </a:fld>
+            <a:endParaRPr lang="de-DE"/>
+          </a:p>
+        </p:txBody>
+      </p:sp>
+    </p:spTree>
+    <p:extLst>
+      <p:ext uri="{BB962C8B-B14F-4D97-AF65-F5344CB8AC3E}">
+        <p14:creationId xmlns:p14="http://schemas.microsoft.com/office/powerpoint/2010/main" val="2954308101"/>
+      </p:ext>
+    </p:extLst>
+  </p:cSld>
+  <p:clrMapOvr>
+    <a:masterClrMapping/>
+  </p:clrMapOvr>
+</p:sld>
+</file>
+
+<file path=ppt/slides/slide18.xml><?xml version="1.0" encoding="utf-8"?>
+<p:sld xmlns:a="http://schemas.openxmlformats.org/drawingml/2006/main" xmlns:r="http://schemas.openxmlformats.org/officeDocument/2006/relationships" xmlns:p="http://schemas.openxmlformats.org/presentationml/2006/main">
+  <p:cSld>
+    <p:spTree>
+      <p:nvGrpSpPr>
+        <p:cNvPr id="1" name=""/>
+        <p:cNvGrpSpPr/>
+        <p:nvPr/>
+      </p:nvGrpSpPr>
+      <p:grpSpPr>
+        <a:xfrm>
+          <a:off x="0" y="0"/>
+          <a:ext cx="0" cy="0"/>
+          <a:chOff x="0" y="0"/>
+          <a:chExt cx="0" cy="0"/>
+        </a:xfrm>
+      </p:grpSpPr>
+      <p:sp>
+        <p:nvSpPr>
+          <p:cNvPr id="2" name="Titel 1">
+            <a:extLst>
+              <a:ext uri="{FF2B5EF4-FFF2-40B4-BE49-F238E27FC236}">
+                <a16:creationId xmlns:a16="http://schemas.microsoft.com/office/drawing/2014/main" id="{29821BA2-C897-4834-998A-48C037EFCC61}"/>
+              </a:ext>
+            </a:extLst>
+          </p:cNvPr>
+          <p:cNvSpPr>
+            <a:spLocks noGrp="1"/>
+          </p:cNvSpPr>
+          <p:nvPr>
+            <p:ph type="title"/>
+          </p:nvPr>
+        </p:nvSpPr>
+        <p:spPr/>
+        <p:txBody>
+          <a:bodyPr/>
+          <a:lstStyle/>
+          <a:p>
+            <a:r>
+              <a:rPr lang="de-DE" dirty="0"/>
+              <a:t>l-</a:t>
+            </a:r>
+            <a:r>
+              <a:rPr lang="de-DE" dirty="0" err="1"/>
+              <a:t>diversity</a:t>
+            </a:r>
+            <a:endParaRPr lang="de-DE" dirty="0"/>
+          </a:p>
+        </p:txBody>
+      </p:sp>
+      <p:sp>
+        <p:nvSpPr>
+          <p:cNvPr id="3" name="Datumsplatzhalter 2">
+            <a:extLst>
+              <a:ext uri="{FF2B5EF4-FFF2-40B4-BE49-F238E27FC236}">
+                <a16:creationId xmlns:a16="http://schemas.microsoft.com/office/drawing/2014/main" id="{707299E6-283C-4175-B3B3-5D836D4EF88A}"/>
+              </a:ext>
+            </a:extLst>
+          </p:cNvPr>
+          <p:cNvSpPr>
+            <a:spLocks noGrp="1"/>
+          </p:cNvSpPr>
+          <p:nvPr>
+            <p:ph type="dt" sz="half" idx="10"/>
+          </p:nvPr>
+        </p:nvSpPr>
+        <p:spPr/>
+        <p:txBody>
+          <a:bodyPr/>
+          <a:lstStyle/>
+          <a:p>
+            <a:r>
+              <a:rPr lang="de-DE"/>
+              <a:t>18.05.2017</a:t>
+            </a:r>
+            <a:endParaRPr lang="de-DE" dirty="0"/>
+          </a:p>
+        </p:txBody>
+      </p:sp>
+      <p:sp>
+        <p:nvSpPr>
+          <p:cNvPr id="4" name="Fußzeilenplatzhalter 3">
+            <a:extLst>
+              <a:ext uri="{FF2B5EF4-FFF2-40B4-BE49-F238E27FC236}">
+                <a16:creationId xmlns:a16="http://schemas.microsoft.com/office/drawing/2014/main" id="{CDC6992F-08D8-482D-96AA-DC41E416B94B}"/>
+              </a:ext>
+            </a:extLst>
+          </p:cNvPr>
+          <p:cNvSpPr>
+            <a:spLocks noGrp="1"/>
+          </p:cNvSpPr>
+          <p:nvPr>
+            <p:ph type="ftr" sz="quarter" idx="11"/>
+          </p:nvPr>
+        </p:nvSpPr>
+        <p:spPr/>
+        <p:txBody>
+          <a:bodyPr/>
+          <a:lstStyle/>
+          <a:p>
+            <a:r>
+              <a:rPr lang="de-DE"/>
+              <a:t>Andreas Heimann &amp; Matthias Puchta</a:t>
+            </a:r>
+            <a:endParaRPr lang="de-DE" dirty="0"/>
+          </a:p>
+        </p:txBody>
+      </p:sp>
+      <p:sp>
+        <p:nvSpPr>
+          <p:cNvPr id="5" name="Textplatzhalter 4">
+            <a:extLst>
+              <a:ext uri="{FF2B5EF4-FFF2-40B4-BE49-F238E27FC236}">
+                <a16:creationId xmlns:a16="http://schemas.microsoft.com/office/drawing/2014/main" id="{CB4D70E7-CAB1-402E-A84F-08E5BE171BBF}"/>
+              </a:ext>
+            </a:extLst>
+          </p:cNvPr>
+          <p:cNvSpPr>
+            <a:spLocks noGrp="1"/>
+          </p:cNvSpPr>
+          <p:nvPr>
+            <p:ph type="body" sz="quarter" idx="13"/>
+          </p:nvPr>
+        </p:nvSpPr>
+        <p:spPr/>
+        <p:txBody>
+          <a:bodyPr/>
+          <a:lstStyle/>
+          <a:p>
+            <a:r>
+              <a:rPr lang="en-US" dirty="0"/>
+              <a:t>Definition 3 (l-Diversity): A data set is said to satisfy</a:t>
+            </a:r>
+          </a:p>
+          <a:p>
+            <a:pPr marL="0" indent="0">
+              <a:buNone/>
+            </a:pPr>
+            <a:r>
+              <a:rPr lang="en-US" dirty="0"/>
+              <a:t>l-diversity if, for each group of records sharing a</a:t>
+            </a:r>
+          </a:p>
+          <a:p>
+            <a:pPr marL="0" indent="0">
+              <a:buNone/>
+            </a:pPr>
+            <a:r>
+              <a:rPr lang="en-US" dirty="0"/>
+              <a:t>combination of key attributes, there are at least l “</a:t>
+            </a:r>
+            <a:r>
+              <a:rPr lang="en-US" dirty="0" err="1"/>
+              <a:t>wellrepresented</a:t>
+            </a:r>
+            <a:r>
+              <a:rPr lang="en-US" dirty="0"/>
+              <a:t>” values for each confidential attribute.</a:t>
+            </a:r>
+          </a:p>
+          <a:p>
+            <a:pPr marL="0" indent="0">
+              <a:buNone/>
+            </a:pPr>
+            <a:r>
+              <a:rPr lang="en-US" dirty="0"/>
+              <a:t>According to [9] the term “well-represented” can be</a:t>
+            </a:r>
+          </a:p>
+          <a:p>
+            <a:pPr marL="0" indent="0">
+              <a:buNone/>
+            </a:pPr>
+            <a:r>
+              <a:rPr lang="de-DE" dirty="0" err="1"/>
+              <a:t>defined</a:t>
+            </a:r>
+            <a:r>
+              <a:rPr lang="de-DE" dirty="0"/>
+              <a:t> in </a:t>
+            </a:r>
+            <a:r>
+              <a:rPr lang="de-DE" dirty="0" err="1"/>
+              <a:t>several</a:t>
+            </a:r>
+            <a:r>
+              <a:rPr lang="de-DE" dirty="0"/>
+              <a:t> </a:t>
+            </a:r>
+            <a:r>
+              <a:rPr lang="de-DE" dirty="0" err="1"/>
+              <a:t>ways</a:t>
+            </a:r>
+            <a:r>
+              <a:rPr lang="de-DE" dirty="0"/>
+              <a:t>:</a:t>
+            </a:r>
+          </a:p>
+        </p:txBody>
+      </p:sp>
+      <p:sp>
+        <p:nvSpPr>
+          <p:cNvPr id="6" name="Foliennummernplatzhalter 5">
+            <a:extLst>
+              <a:ext uri="{FF2B5EF4-FFF2-40B4-BE49-F238E27FC236}">
+                <a16:creationId xmlns:a16="http://schemas.microsoft.com/office/drawing/2014/main" id="{265E418F-8B07-43E5-91F1-566EB30C7F53}"/>
+              </a:ext>
+            </a:extLst>
+          </p:cNvPr>
+          <p:cNvSpPr>
+            <a:spLocks noGrp="1"/>
+          </p:cNvSpPr>
+          <p:nvPr>
+            <p:ph type="sldNum" sz="quarter" idx="12"/>
+          </p:nvPr>
+        </p:nvSpPr>
+        <p:spPr/>
+        <p:txBody>
+          <a:bodyPr/>
+          <a:lstStyle/>
+          <a:p>
+            <a:fld id="{50E76E58-F275-47A3-BB17-470016A267B6}" type="slidenum">
+              <a:rPr lang="de-DE" smtClean="0"/>
+              <a:pPr/>
+              <a:t>18</a:t>
+            </a:fld>
+            <a:endParaRPr lang="de-DE"/>
+          </a:p>
+        </p:txBody>
+      </p:sp>
+    </p:spTree>
+    <p:extLst>
+      <p:ext uri="{BB962C8B-B14F-4D97-AF65-F5344CB8AC3E}">
+        <p14:creationId xmlns:p14="http://schemas.microsoft.com/office/powerpoint/2010/main" val="405088296"/>
+      </p:ext>
+    </p:extLst>
+  </p:cSld>
+  <p:clrMapOvr>
+    <a:masterClrMapping/>
+  </p:clrMapOvr>
+</p:sld>
+</file>
+
+<file path=ppt/slides/slide19.xml><?xml version="1.0" encoding="utf-8"?>
+<p:sld xmlns:a="http://schemas.openxmlformats.org/drawingml/2006/main" xmlns:r="http://schemas.openxmlformats.org/officeDocument/2006/relationships" xmlns:p="http://schemas.openxmlformats.org/presentationml/2006/main">
+  <p:cSld>
+    <p:spTree>
+      <p:nvGrpSpPr>
+        <p:cNvPr id="1" name=""/>
+        <p:cNvGrpSpPr/>
+        <p:nvPr/>
+      </p:nvGrpSpPr>
+      <p:grpSpPr>
+        <a:xfrm>
+          <a:off x="0" y="0"/>
+          <a:ext cx="0" cy="0"/>
+          <a:chOff x="0" y="0"/>
+          <a:chExt cx="0" cy="0"/>
+        </a:xfrm>
+      </p:grpSpPr>
+      <p:sp>
+        <p:nvSpPr>
+          <p:cNvPr id="2" name="Titel 1">
+            <a:extLst>
+              <a:ext uri="{FF2B5EF4-FFF2-40B4-BE49-F238E27FC236}">
+                <a16:creationId xmlns:a16="http://schemas.microsoft.com/office/drawing/2014/main" id="{48F7001C-8209-4829-9211-838EE9976128}"/>
+              </a:ext>
+            </a:extLst>
+          </p:cNvPr>
+          <p:cNvSpPr>
+            <a:spLocks noGrp="1"/>
+          </p:cNvSpPr>
+          <p:nvPr>
+            <p:ph type="title"/>
+          </p:nvPr>
+        </p:nvSpPr>
+        <p:spPr/>
+        <p:txBody>
+          <a:bodyPr/>
+          <a:lstStyle/>
+          <a:p>
+            <a:r>
+              <a:rPr lang="de-DE" dirty="0"/>
+              <a:t>Different l-</a:t>
+            </a:r>
+            <a:r>
+              <a:rPr lang="de-DE" dirty="0" err="1"/>
+              <a:t>diversity</a:t>
+            </a:r>
+            <a:endParaRPr lang="de-DE" dirty="0"/>
+          </a:p>
+        </p:txBody>
+      </p:sp>
+      <p:sp>
+        <p:nvSpPr>
+          <p:cNvPr id="3" name="Datumsplatzhalter 2">
+            <a:extLst>
+              <a:ext uri="{FF2B5EF4-FFF2-40B4-BE49-F238E27FC236}">
+                <a16:creationId xmlns:a16="http://schemas.microsoft.com/office/drawing/2014/main" id="{5617572A-0126-4E39-9967-6339673CBF10}"/>
+              </a:ext>
+            </a:extLst>
+          </p:cNvPr>
+          <p:cNvSpPr>
+            <a:spLocks noGrp="1"/>
+          </p:cNvSpPr>
+          <p:nvPr>
+            <p:ph type="dt" sz="half" idx="10"/>
+          </p:nvPr>
+        </p:nvSpPr>
+        <p:spPr/>
+        <p:txBody>
+          <a:bodyPr/>
+          <a:lstStyle/>
+          <a:p>
+            <a:r>
+              <a:rPr lang="de-DE"/>
+              <a:t>18.05.2017</a:t>
+            </a:r>
+            <a:endParaRPr lang="de-DE" dirty="0"/>
+          </a:p>
+        </p:txBody>
+      </p:sp>
+      <p:sp>
+        <p:nvSpPr>
+          <p:cNvPr id="4" name="Fußzeilenplatzhalter 3">
+            <a:extLst>
+              <a:ext uri="{FF2B5EF4-FFF2-40B4-BE49-F238E27FC236}">
+                <a16:creationId xmlns:a16="http://schemas.microsoft.com/office/drawing/2014/main" id="{147D38FB-93C4-47D0-B1B6-40BB9C26DCA0}"/>
+              </a:ext>
+            </a:extLst>
+          </p:cNvPr>
+          <p:cNvSpPr>
+            <a:spLocks noGrp="1"/>
+          </p:cNvSpPr>
+          <p:nvPr>
+            <p:ph type="ftr" sz="quarter" idx="11"/>
+          </p:nvPr>
+        </p:nvSpPr>
+        <p:spPr/>
+        <p:txBody>
+          <a:bodyPr/>
+          <a:lstStyle/>
+          <a:p>
+            <a:r>
+              <a:rPr lang="de-DE"/>
+              <a:t>Andreas Heimann &amp; Matthias Puchta</a:t>
+            </a:r>
+            <a:endParaRPr lang="de-DE" dirty="0"/>
+          </a:p>
+        </p:txBody>
+      </p:sp>
+      <p:sp>
+        <p:nvSpPr>
+          <p:cNvPr id="5" name="Textplatzhalter 4">
+            <a:extLst>
+              <a:ext uri="{FF2B5EF4-FFF2-40B4-BE49-F238E27FC236}">
+                <a16:creationId xmlns:a16="http://schemas.microsoft.com/office/drawing/2014/main" id="{A8D93557-FF57-443A-B61F-5F9D57A43186}"/>
+              </a:ext>
+            </a:extLst>
+          </p:cNvPr>
+          <p:cNvSpPr>
+            <a:spLocks noGrp="1"/>
+          </p:cNvSpPr>
+          <p:nvPr>
+            <p:ph type="body" sz="quarter" idx="13"/>
+          </p:nvPr>
+        </p:nvSpPr>
+        <p:spPr/>
+        <p:txBody>
+          <a:bodyPr/>
+          <a:lstStyle/>
+          <a:p>
+            <a:r>
+              <a:rPr lang="en-US" dirty="0"/>
+              <a:t>1) Distinct l-diversity. There must be at least l distinct values for the confidential attribute in each group of records sharing a combination of key attributes. This is equivalent to l-sensitive k-</a:t>
+            </a:r>
+          </a:p>
+          <a:p>
+            <a:r>
+              <a:rPr lang="de-DE" dirty="0"/>
+              <a:t>2) </a:t>
+            </a:r>
+            <a:r>
+              <a:rPr lang="de-DE" dirty="0" err="1"/>
+              <a:t>Entropy</a:t>
+            </a:r>
+            <a:r>
+              <a:rPr lang="de-DE" dirty="0"/>
+              <a:t> l-</a:t>
+            </a:r>
+            <a:r>
+              <a:rPr lang="de-DE" dirty="0" err="1"/>
+              <a:t>diversity</a:t>
+            </a:r>
+            <a:r>
+              <a:rPr lang="de-DE" dirty="0"/>
+              <a:t>.</a:t>
+            </a:r>
+            <a:r>
+              <a:rPr lang="en-US" dirty="0"/>
+              <a:t>.</a:t>
+            </a:r>
+          </a:p>
+          <a:p>
+            <a:r>
+              <a:rPr lang="de-DE" dirty="0"/>
+              <a:t>3) </a:t>
+            </a:r>
+            <a:r>
+              <a:rPr lang="de-DE" dirty="0" err="1"/>
+              <a:t>Recursive</a:t>
+            </a:r>
+            <a:r>
+              <a:rPr lang="de-DE" dirty="0"/>
+              <a:t> (c, l)-</a:t>
+            </a:r>
+            <a:r>
+              <a:rPr lang="de-DE" dirty="0" err="1"/>
+              <a:t>diversity</a:t>
+            </a:r>
+            <a:endParaRPr lang="de-DE" dirty="0"/>
+          </a:p>
+        </p:txBody>
+      </p:sp>
+      <p:sp>
+        <p:nvSpPr>
+          <p:cNvPr id="6" name="Foliennummernplatzhalter 5">
+            <a:extLst>
+              <a:ext uri="{FF2B5EF4-FFF2-40B4-BE49-F238E27FC236}">
+                <a16:creationId xmlns:a16="http://schemas.microsoft.com/office/drawing/2014/main" id="{5824C375-82E2-4ED0-B2D7-27F730213BC9}"/>
+              </a:ext>
+            </a:extLst>
+          </p:cNvPr>
+          <p:cNvSpPr>
+            <a:spLocks noGrp="1"/>
+          </p:cNvSpPr>
+          <p:nvPr>
+            <p:ph type="sldNum" sz="quarter" idx="12"/>
+          </p:nvPr>
+        </p:nvSpPr>
+        <p:spPr/>
+        <p:txBody>
+          <a:bodyPr/>
+          <a:lstStyle/>
+          <a:p>
+            <a:fld id="{50E76E58-F275-47A3-BB17-470016A267B6}" type="slidenum">
+              <a:rPr lang="de-DE" smtClean="0"/>
+              <a:pPr/>
+              <a:t>19</a:t>
+            </a:fld>
+            <a:endParaRPr lang="de-DE"/>
+          </a:p>
+        </p:txBody>
+      </p:sp>
+    </p:spTree>
+    <p:extLst>
+      <p:ext uri="{BB962C8B-B14F-4D97-AF65-F5344CB8AC3E}">
+        <p14:creationId xmlns:p14="http://schemas.microsoft.com/office/powerpoint/2010/main" val="3629270011"/>
       </p:ext>
     </p:extLst>
   </p:cSld>
@@ -3972,6 +5272,28 @@
             </a:pPr>
             <a:r>
               <a:rPr lang="de-DE" dirty="0"/>
+              <a:t>3. </a:t>
+            </a:r>
+            <a:r>
+              <a:rPr lang="de-DE" dirty="0" err="1"/>
+              <a:t>Extendet</a:t>
+            </a:r>
+            <a:r>
+              <a:rPr lang="de-DE" dirty="0"/>
+              <a:t> </a:t>
+            </a:r>
+            <a:r>
+              <a:rPr lang="de-DE" dirty="0" err="1"/>
+              <a:t>scenarios</a:t>
+            </a:r>
+            <a:endParaRPr lang="de-DE" dirty="0"/>
+          </a:p>
+          <a:p>
+            <a:pPr marL="0" indent="0">
+              <a:buNone/>
+            </a:pPr>
+            <a:r>
+              <a:rPr lang="de-DE" dirty="0"/>
               <a:t>3. p-sensitive k-</a:t>
             </a:r>
             <a:r>
@@ -4050,6 +5372,951 @@
     <p:extLst>
       <p:ext uri="{BB962C8B-B14F-4D97-AF65-F5344CB8AC3E}">
         <p14:creationId xmlns:p14="http://schemas.microsoft.com/office/powerpoint/2010/main" val="801321437"/>
+      </p:ext>
+    </p:extLst>
+  </p:cSld>
+  <p:clrMapOvr>
+    <a:masterClrMapping/>
+  </p:clrMapOvr>
+</p:sld>
+</file>
+
+<file path=ppt/slides/slide20.xml><?xml version="1.0" encoding="utf-8"?>
+<p:sld xmlns:a="http://schemas.openxmlformats.org/drawingml/2006/main" xmlns:r="http://schemas.openxmlformats.org/officeDocument/2006/relationships" xmlns:p="http://schemas.openxmlformats.org/presentationml/2006/main">
+  <p:cSld>
+    <p:spTree>
+      <p:nvGrpSpPr>
+        <p:cNvPr id="1" name=""/>
+        <p:cNvGrpSpPr/>
+        <p:nvPr/>
+      </p:nvGrpSpPr>
+      <p:grpSpPr>
+        <a:xfrm>
+          <a:off x="0" y="0"/>
+          <a:ext cx="0" cy="0"/>
+          <a:chOff x="0" y="0"/>
+          <a:chExt cx="0" cy="0"/>
+        </a:xfrm>
+      </p:grpSpPr>
+      <p:sp>
+        <p:nvSpPr>
+          <p:cNvPr id="2" name="Titel 1">
+            <a:extLst>
+              <a:ext uri="{FF2B5EF4-FFF2-40B4-BE49-F238E27FC236}">
+                <a16:creationId xmlns:a16="http://schemas.microsoft.com/office/drawing/2014/main" id="{D57F315B-3D66-4582-BD2E-B5CF68CF03EA}"/>
+              </a:ext>
+            </a:extLst>
+          </p:cNvPr>
+          <p:cNvSpPr>
+            <a:spLocks noGrp="1"/>
+          </p:cNvSpPr>
+          <p:nvPr>
+            <p:ph type="title"/>
+          </p:nvPr>
+        </p:nvSpPr>
+        <p:spPr/>
+        <p:txBody>
+          <a:bodyPr/>
+          <a:lstStyle/>
+          <a:p>
+            <a:r>
+              <a:rPr lang="de-DE" dirty="0"/>
+              <a:t>Pr0blems </a:t>
+            </a:r>
+            <a:r>
+              <a:rPr lang="de-DE" dirty="0" err="1"/>
+              <a:t>with</a:t>
+            </a:r>
+            <a:r>
+              <a:rPr lang="de-DE" dirty="0"/>
+              <a:t> l-</a:t>
+            </a:r>
+            <a:r>
+              <a:rPr lang="de-DE" dirty="0" err="1"/>
+              <a:t>diversity</a:t>
+            </a:r>
+            <a:endParaRPr lang="de-DE" dirty="0"/>
+          </a:p>
+        </p:txBody>
+      </p:sp>
+      <p:sp>
+        <p:nvSpPr>
+          <p:cNvPr id="3" name="Datumsplatzhalter 2">
+            <a:extLst>
+              <a:ext uri="{FF2B5EF4-FFF2-40B4-BE49-F238E27FC236}">
+                <a16:creationId xmlns:a16="http://schemas.microsoft.com/office/drawing/2014/main" id="{F0D016CC-39B2-45FF-8A84-ED244F5DF67D}"/>
+              </a:ext>
+            </a:extLst>
+          </p:cNvPr>
+          <p:cNvSpPr>
+            <a:spLocks noGrp="1"/>
+          </p:cNvSpPr>
+          <p:nvPr>
+            <p:ph type="dt" sz="half" idx="10"/>
+          </p:nvPr>
+        </p:nvSpPr>
+        <p:spPr/>
+        <p:txBody>
+          <a:bodyPr/>
+          <a:lstStyle/>
+          <a:p>
+            <a:r>
+              <a:rPr lang="de-DE"/>
+              <a:t>18.05.2017</a:t>
+            </a:r>
+            <a:endParaRPr lang="de-DE" dirty="0"/>
+          </a:p>
+        </p:txBody>
+      </p:sp>
+      <p:sp>
+        <p:nvSpPr>
+          <p:cNvPr id="4" name="Fußzeilenplatzhalter 3">
+            <a:extLst>
+              <a:ext uri="{FF2B5EF4-FFF2-40B4-BE49-F238E27FC236}">
+                <a16:creationId xmlns:a16="http://schemas.microsoft.com/office/drawing/2014/main" id="{A2CF5D6B-468B-404B-9403-11972A2A9486}"/>
+              </a:ext>
+            </a:extLst>
+          </p:cNvPr>
+          <p:cNvSpPr>
+            <a:spLocks noGrp="1"/>
+          </p:cNvSpPr>
+          <p:nvPr>
+            <p:ph type="ftr" sz="quarter" idx="11"/>
+          </p:nvPr>
+        </p:nvSpPr>
+        <p:spPr/>
+        <p:txBody>
+          <a:bodyPr/>
+          <a:lstStyle/>
+          <a:p>
+            <a:r>
+              <a:rPr lang="de-DE"/>
+              <a:t>Andreas Heimann &amp; Matthias Puchta</a:t>
+            </a:r>
+            <a:endParaRPr lang="de-DE" dirty="0"/>
+          </a:p>
+        </p:txBody>
+      </p:sp>
+      <p:sp>
+        <p:nvSpPr>
+          <p:cNvPr id="5" name="Textplatzhalter 4">
+            <a:extLst>
+              <a:ext uri="{FF2B5EF4-FFF2-40B4-BE49-F238E27FC236}">
+                <a16:creationId xmlns:a16="http://schemas.microsoft.com/office/drawing/2014/main" id="{43AD6479-C7D5-46BC-9148-10AF544DFBFA}"/>
+              </a:ext>
+            </a:extLst>
+          </p:cNvPr>
+          <p:cNvSpPr>
+            <a:spLocks noGrp="1"/>
+          </p:cNvSpPr>
+          <p:nvPr>
+            <p:ph type="body" sz="quarter" idx="13"/>
+          </p:nvPr>
+        </p:nvSpPr>
+        <p:spPr/>
+        <p:txBody>
+          <a:bodyPr/>
+          <a:lstStyle/>
+          <a:p>
+            <a:r>
+              <a:rPr lang="en-US" dirty="0"/>
+              <a:t>l-Diversity may be difficult and unnecessary to</a:t>
+            </a:r>
+          </a:p>
+          <a:p>
+            <a:pPr marL="0" indent="0">
+              <a:buNone/>
+            </a:pPr>
+            <a:r>
+              <a:rPr lang="en-US" dirty="0"/>
+              <a:t>achieve. The argument is the same given against</a:t>
+            </a:r>
+          </a:p>
+          <a:p>
+            <a:pPr marL="0" indent="0">
+              <a:buNone/>
+            </a:pPr>
+            <a:r>
+              <a:rPr lang="en-US" dirty="0"/>
+              <a:t>p-sensitive k-anonymity in Example 2 above.</a:t>
+            </a:r>
+          </a:p>
+          <a:p>
+            <a:r>
+              <a:rPr lang="en-US" dirty="0"/>
+              <a:t>l-Diversity is insufficient to prevent attribute disclosure.</a:t>
+            </a:r>
+          </a:p>
+          <a:p>
+            <a:pPr marL="0" indent="0">
+              <a:buNone/>
+            </a:pPr>
+            <a:r>
+              <a:rPr lang="en-US" dirty="0"/>
+              <a:t>At least the following two attacks are </a:t>
+            </a:r>
+            <a:r>
+              <a:rPr lang="de-DE" dirty="0" err="1"/>
+              <a:t>conceivable</a:t>
+            </a:r>
+            <a:r>
+              <a:rPr lang="de-DE" dirty="0"/>
+              <a:t>:</a:t>
+            </a:r>
+          </a:p>
+          <a:p>
+            <a:pPr marL="0" indent="0">
+              <a:buNone/>
+            </a:pPr>
+            <a:r>
+              <a:rPr lang="de-DE" dirty="0" err="1"/>
+              <a:t>Skewness</a:t>
+            </a:r>
+            <a:r>
+              <a:rPr lang="de-DE" dirty="0"/>
+              <a:t> </a:t>
+            </a:r>
+            <a:r>
+              <a:rPr lang="de-DE" dirty="0" err="1"/>
+              <a:t>attack</a:t>
+            </a:r>
+            <a:r>
+              <a:rPr lang="de-DE" dirty="0"/>
+              <a:t>:</a:t>
+            </a:r>
+          </a:p>
+          <a:p>
+            <a:pPr marL="0" indent="0">
+              <a:buNone/>
+            </a:pPr>
+            <a:r>
+              <a:rPr lang="de-DE" dirty="0" err="1"/>
+              <a:t>Similarity</a:t>
+            </a:r>
+            <a:r>
+              <a:rPr lang="de-DE" dirty="0"/>
+              <a:t> </a:t>
+            </a:r>
+            <a:r>
+              <a:rPr lang="de-DE" dirty="0" err="1"/>
+              <a:t>attack</a:t>
+            </a:r>
+            <a:r>
+              <a:rPr lang="de-DE" dirty="0"/>
+              <a:t>: </a:t>
+            </a:r>
+            <a:r>
+              <a:rPr lang="de-DE" dirty="0" err="1"/>
+              <a:t>sematical</a:t>
+            </a:r>
+            <a:r>
+              <a:rPr lang="de-DE" dirty="0"/>
+              <a:t> same </a:t>
+            </a:r>
+            <a:r>
+              <a:rPr lang="de-DE" dirty="0" err="1"/>
+              <a:t>cofidentail</a:t>
+            </a:r>
+            <a:r>
+              <a:rPr lang="de-DE" dirty="0"/>
+              <a:t> </a:t>
+            </a:r>
+            <a:r>
+              <a:rPr lang="de-DE" dirty="0" err="1"/>
+              <a:t>attributes</a:t>
+            </a:r>
+            <a:endParaRPr lang="de-DE" dirty="0"/>
+          </a:p>
+        </p:txBody>
+      </p:sp>
+      <p:sp>
+        <p:nvSpPr>
+          <p:cNvPr id="6" name="Foliennummernplatzhalter 5">
+            <a:extLst>
+              <a:ext uri="{FF2B5EF4-FFF2-40B4-BE49-F238E27FC236}">
+                <a16:creationId xmlns:a16="http://schemas.microsoft.com/office/drawing/2014/main" id="{ED7B792D-2998-422A-8AFD-846A7976EE01}"/>
+              </a:ext>
+            </a:extLst>
+          </p:cNvPr>
+          <p:cNvSpPr>
+            <a:spLocks noGrp="1"/>
+          </p:cNvSpPr>
+          <p:nvPr>
+            <p:ph type="sldNum" sz="quarter" idx="12"/>
+          </p:nvPr>
+        </p:nvSpPr>
+        <p:spPr/>
+        <p:txBody>
+          <a:bodyPr/>
+          <a:lstStyle/>
+          <a:p>
+            <a:fld id="{50E76E58-F275-47A3-BB17-470016A267B6}" type="slidenum">
+              <a:rPr lang="de-DE" smtClean="0"/>
+              <a:pPr/>
+              <a:t>20</a:t>
+            </a:fld>
+            <a:endParaRPr lang="de-DE"/>
+          </a:p>
+        </p:txBody>
+      </p:sp>
+    </p:spTree>
+    <p:extLst>
+      <p:ext uri="{BB962C8B-B14F-4D97-AF65-F5344CB8AC3E}">
+        <p14:creationId xmlns:p14="http://schemas.microsoft.com/office/powerpoint/2010/main" val="2921885383"/>
+      </p:ext>
+    </p:extLst>
+  </p:cSld>
+  <p:clrMapOvr>
+    <a:masterClrMapping/>
+  </p:clrMapOvr>
+</p:sld>
+</file>
+
+<file path=ppt/slides/slide21.xml><?xml version="1.0" encoding="utf-8"?>
+<p:sld xmlns:a="http://schemas.openxmlformats.org/drawingml/2006/main" xmlns:r="http://schemas.openxmlformats.org/officeDocument/2006/relationships" xmlns:p="http://schemas.openxmlformats.org/presentationml/2006/main">
+  <p:cSld>
+    <p:spTree>
+      <p:nvGrpSpPr>
+        <p:cNvPr id="1" name=""/>
+        <p:cNvGrpSpPr/>
+        <p:nvPr/>
+      </p:nvGrpSpPr>
+      <p:grpSpPr>
+        <a:xfrm>
+          <a:off x="0" y="0"/>
+          <a:ext cx="0" cy="0"/>
+          <a:chOff x="0" y="0"/>
+          <a:chExt cx="0" cy="0"/>
+        </a:xfrm>
+      </p:grpSpPr>
+      <p:sp>
+        <p:nvSpPr>
+          <p:cNvPr id="2" name="Titel 1">
+            <a:extLst>
+              <a:ext uri="{FF2B5EF4-FFF2-40B4-BE49-F238E27FC236}">
+                <a16:creationId xmlns:a16="http://schemas.microsoft.com/office/drawing/2014/main" id="{03774710-EF24-496F-8E16-1860EB9452BD}"/>
+              </a:ext>
+            </a:extLst>
+          </p:cNvPr>
+          <p:cNvSpPr>
+            <a:spLocks noGrp="1"/>
+          </p:cNvSpPr>
+          <p:nvPr>
+            <p:ph type="title"/>
+          </p:nvPr>
+        </p:nvSpPr>
+        <p:spPr/>
+        <p:txBody>
+          <a:bodyPr/>
+          <a:lstStyle/>
+          <a:p>
+            <a:r>
+              <a:rPr lang="de-DE" dirty="0"/>
+              <a:t>t-</a:t>
+            </a:r>
+            <a:r>
+              <a:rPr lang="de-DE" dirty="0" err="1"/>
+              <a:t>close´ness</a:t>
+            </a:r>
+            <a:endParaRPr lang="de-DE" dirty="0"/>
+          </a:p>
+        </p:txBody>
+      </p:sp>
+      <p:sp>
+        <p:nvSpPr>
+          <p:cNvPr id="3" name="Datumsplatzhalter 2">
+            <a:extLst>
+              <a:ext uri="{FF2B5EF4-FFF2-40B4-BE49-F238E27FC236}">
+                <a16:creationId xmlns:a16="http://schemas.microsoft.com/office/drawing/2014/main" id="{419087A1-C8F7-429D-9539-28EFF980787F}"/>
+              </a:ext>
+            </a:extLst>
+          </p:cNvPr>
+          <p:cNvSpPr>
+            <a:spLocks noGrp="1"/>
+          </p:cNvSpPr>
+          <p:nvPr>
+            <p:ph type="dt" sz="half" idx="10"/>
+          </p:nvPr>
+        </p:nvSpPr>
+        <p:spPr/>
+        <p:txBody>
+          <a:bodyPr/>
+          <a:lstStyle/>
+          <a:p>
+            <a:r>
+              <a:rPr lang="de-DE"/>
+              <a:t>18.05.2017</a:t>
+            </a:r>
+            <a:endParaRPr lang="de-DE" dirty="0"/>
+          </a:p>
+        </p:txBody>
+      </p:sp>
+      <p:sp>
+        <p:nvSpPr>
+          <p:cNvPr id="4" name="Fußzeilenplatzhalter 3">
+            <a:extLst>
+              <a:ext uri="{FF2B5EF4-FFF2-40B4-BE49-F238E27FC236}">
+                <a16:creationId xmlns:a16="http://schemas.microsoft.com/office/drawing/2014/main" id="{16A1720A-77AB-4E5A-8054-A5D031724E0F}"/>
+              </a:ext>
+            </a:extLst>
+          </p:cNvPr>
+          <p:cNvSpPr>
+            <a:spLocks noGrp="1"/>
+          </p:cNvSpPr>
+          <p:nvPr>
+            <p:ph type="ftr" sz="quarter" idx="11"/>
+          </p:nvPr>
+        </p:nvSpPr>
+        <p:spPr/>
+        <p:txBody>
+          <a:bodyPr/>
+          <a:lstStyle/>
+          <a:p>
+            <a:r>
+              <a:rPr lang="de-DE" dirty="0"/>
+              <a:t>Andreas Wiegand &amp; Ludwig </a:t>
+            </a:r>
+            <a:r>
+              <a:rPr lang="de-DE" dirty="0" err="1"/>
+              <a:t>Schallner</a:t>
+            </a:r>
+            <a:endParaRPr lang="de-DE" dirty="0"/>
+          </a:p>
+        </p:txBody>
+      </p:sp>
+      <p:sp>
+        <p:nvSpPr>
+          <p:cNvPr id="5" name="Textplatzhalter 4">
+            <a:extLst>
+              <a:ext uri="{FF2B5EF4-FFF2-40B4-BE49-F238E27FC236}">
+                <a16:creationId xmlns:a16="http://schemas.microsoft.com/office/drawing/2014/main" id="{30F3C5B2-53AA-499A-886B-AA06C3A92963}"/>
+              </a:ext>
+            </a:extLst>
+          </p:cNvPr>
+          <p:cNvSpPr>
+            <a:spLocks noGrp="1"/>
+          </p:cNvSpPr>
+          <p:nvPr>
+            <p:ph type="body" sz="quarter" idx="13"/>
+          </p:nvPr>
+        </p:nvSpPr>
+        <p:spPr/>
+        <p:txBody>
+          <a:bodyPr/>
+          <a:lstStyle/>
+          <a:p>
+            <a:r>
+              <a:rPr lang="de-DE" dirty="0"/>
+              <a:t>Definition: </a:t>
+            </a:r>
+            <a:r>
+              <a:rPr lang="en-US" dirty="0"/>
+              <a:t>Definition 4 (t-Closeness): A data set is said to</a:t>
+            </a:r>
+          </a:p>
+          <a:p>
+            <a:pPr marL="0" indent="0">
+              <a:buNone/>
+            </a:pPr>
+            <a:r>
+              <a:rPr lang="en-US" dirty="0"/>
+              <a:t>satisfy t-closeness if, for each group of records sharing</a:t>
+            </a:r>
+          </a:p>
+          <a:p>
+            <a:pPr marL="0" indent="0">
+              <a:buNone/>
+            </a:pPr>
+            <a:r>
+              <a:rPr lang="en-US" dirty="0"/>
+              <a:t>a combination of key attributes, the distance between</a:t>
+            </a:r>
+          </a:p>
+          <a:p>
+            <a:pPr marL="0" indent="0">
+              <a:buNone/>
+            </a:pPr>
+            <a:r>
+              <a:rPr lang="en-US" dirty="0"/>
+              <a:t>the distribution of the confidential attribute in the group</a:t>
+            </a:r>
+          </a:p>
+          <a:p>
+            <a:pPr marL="0" indent="0">
+              <a:buNone/>
+            </a:pPr>
+            <a:r>
+              <a:rPr lang="en-US" dirty="0"/>
+              <a:t>and the distribution of the attribute in the whole data</a:t>
+            </a:r>
+          </a:p>
+          <a:p>
+            <a:pPr marL="0" indent="0">
+              <a:buNone/>
+            </a:pPr>
+            <a:r>
+              <a:rPr lang="en-US" dirty="0"/>
+              <a:t>set is no more than a threshold t.</a:t>
+            </a:r>
+            <a:endParaRPr lang="de-DE" dirty="0"/>
+          </a:p>
+        </p:txBody>
+      </p:sp>
+      <p:sp>
+        <p:nvSpPr>
+          <p:cNvPr id="6" name="Foliennummernplatzhalter 5">
+            <a:extLst>
+              <a:ext uri="{FF2B5EF4-FFF2-40B4-BE49-F238E27FC236}">
+                <a16:creationId xmlns:a16="http://schemas.microsoft.com/office/drawing/2014/main" id="{54D3FDF2-2764-4BE6-BE4D-51DAF1C1A001}"/>
+              </a:ext>
+            </a:extLst>
+          </p:cNvPr>
+          <p:cNvSpPr>
+            <a:spLocks noGrp="1"/>
+          </p:cNvSpPr>
+          <p:nvPr>
+            <p:ph type="sldNum" sz="quarter" idx="12"/>
+          </p:nvPr>
+        </p:nvSpPr>
+        <p:spPr/>
+        <p:txBody>
+          <a:bodyPr/>
+          <a:lstStyle/>
+          <a:p>
+            <a:fld id="{50E76E58-F275-47A3-BB17-470016A267B6}" type="slidenum">
+              <a:rPr lang="de-DE" smtClean="0"/>
+              <a:pPr/>
+              <a:t>21</a:t>
+            </a:fld>
+            <a:endParaRPr lang="de-DE"/>
+          </a:p>
+        </p:txBody>
+      </p:sp>
+    </p:spTree>
+    <p:extLst>
+      <p:ext uri="{BB962C8B-B14F-4D97-AF65-F5344CB8AC3E}">
+        <p14:creationId xmlns:p14="http://schemas.microsoft.com/office/powerpoint/2010/main" val="222580713"/>
+      </p:ext>
+    </p:extLst>
+  </p:cSld>
+  <p:clrMapOvr>
+    <a:masterClrMapping/>
+  </p:clrMapOvr>
+</p:sld>
+</file>
+
+<file path=ppt/slides/slide22.xml><?xml version="1.0" encoding="utf-8"?>
+<p:sld xmlns:a="http://schemas.openxmlformats.org/drawingml/2006/main" xmlns:r="http://schemas.openxmlformats.org/officeDocument/2006/relationships" xmlns:p="http://schemas.openxmlformats.org/presentationml/2006/main">
+  <p:cSld>
+    <p:spTree>
+      <p:nvGrpSpPr>
+        <p:cNvPr id="1" name=""/>
+        <p:cNvGrpSpPr/>
+        <p:nvPr/>
+      </p:nvGrpSpPr>
+      <p:grpSpPr>
+        <a:xfrm>
+          <a:off x="0" y="0"/>
+          <a:ext cx="0" cy="0"/>
+          <a:chOff x="0" y="0"/>
+          <a:chExt cx="0" cy="0"/>
+        </a:xfrm>
+      </p:grpSpPr>
+      <p:sp>
+        <p:nvSpPr>
+          <p:cNvPr id="2" name="Titel 1">
+            <a:extLst>
+              <a:ext uri="{FF2B5EF4-FFF2-40B4-BE49-F238E27FC236}">
+                <a16:creationId xmlns:a16="http://schemas.microsoft.com/office/drawing/2014/main" id="{ED74D9F5-7E88-40DD-A611-56459F70E672}"/>
+              </a:ext>
+            </a:extLst>
+          </p:cNvPr>
+          <p:cNvSpPr>
+            <a:spLocks noGrp="1"/>
+          </p:cNvSpPr>
+          <p:nvPr>
+            <p:ph type="title"/>
+          </p:nvPr>
+        </p:nvSpPr>
+        <p:spPr/>
+        <p:txBody>
+          <a:bodyPr/>
+          <a:lstStyle/>
+          <a:p>
+            <a:r>
+              <a:rPr lang="de-DE" dirty="0"/>
+              <a:t>t-</a:t>
+            </a:r>
+            <a:r>
+              <a:rPr lang="de-DE" dirty="0" err="1"/>
+              <a:t>close´ness</a:t>
+            </a:r>
+            <a:endParaRPr lang="de-DE" dirty="0"/>
+          </a:p>
+        </p:txBody>
+      </p:sp>
+      <p:sp>
+        <p:nvSpPr>
+          <p:cNvPr id="3" name="Datumsplatzhalter 2">
+            <a:extLst>
+              <a:ext uri="{FF2B5EF4-FFF2-40B4-BE49-F238E27FC236}">
+                <a16:creationId xmlns:a16="http://schemas.microsoft.com/office/drawing/2014/main" id="{A81886F5-D8A0-4AB2-A12D-B44314A08602}"/>
+              </a:ext>
+            </a:extLst>
+          </p:cNvPr>
+          <p:cNvSpPr>
+            <a:spLocks noGrp="1"/>
+          </p:cNvSpPr>
+          <p:nvPr>
+            <p:ph type="dt" sz="half" idx="10"/>
+          </p:nvPr>
+        </p:nvSpPr>
+        <p:spPr/>
+        <p:txBody>
+          <a:bodyPr/>
+          <a:lstStyle/>
+          <a:p>
+            <a:r>
+              <a:rPr lang="de-DE"/>
+              <a:t>18.05.2017</a:t>
+            </a:r>
+            <a:endParaRPr lang="de-DE" dirty="0"/>
+          </a:p>
+        </p:txBody>
+      </p:sp>
+      <p:sp>
+        <p:nvSpPr>
+          <p:cNvPr id="4" name="Fußzeilenplatzhalter 3">
+            <a:extLst>
+              <a:ext uri="{FF2B5EF4-FFF2-40B4-BE49-F238E27FC236}">
+                <a16:creationId xmlns:a16="http://schemas.microsoft.com/office/drawing/2014/main" id="{59640035-9623-4075-BDEE-7833C664AE8B}"/>
+              </a:ext>
+            </a:extLst>
+          </p:cNvPr>
+          <p:cNvSpPr>
+            <a:spLocks noGrp="1"/>
+          </p:cNvSpPr>
+          <p:nvPr>
+            <p:ph type="ftr" sz="quarter" idx="11"/>
+          </p:nvPr>
+        </p:nvSpPr>
+        <p:spPr/>
+        <p:txBody>
+          <a:bodyPr/>
+          <a:lstStyle/>
+          <a:p>
+            <a:r>
+              <a:rPr lang="de-DE"/>
+              <a:t>Andreas Heimann &amp; Matthias Puchta</a:t>
+            </a:r>
+            <a:endParaRPr lang="de-DE" dirty="0"/>
+          </a:p>
+        </p:txBody>
+      </p:sp>
+      <p:sp>
+        <p:nvSpPr>
+          <p:cNvPr id="5" name="Textplatzhalter 4">
+            <a:extLst>
+              <a:ext uri="{FF2B5EF4-FFF2-40B4-BE49-F238E27FC236}">
+                <a16:creationId xmlns:a16="http://schemas.microsoft.com/office/drawing/2014/main" id="{8F031245-BB29-41F9-8C5E-156AFC612440}"/>
+              </a:ext>
+            </a:extLst>
+          </p:cNvPr>
+          <p:cNvSpPr>
+            <a:spLocks noGrp="1"/>
+          </p:cNvSpPr>
+          <p:nvPr>
+            <p:ph type="body" sz="quarter" idx="13"/>
+          </p:nvPr>
+        </p:nvSpPr>
+        <p:spPr/>
+        <p:txBody>
+          <a:bodyPr/>
+          <a:lstStyle/>
+          <a:p>
+            <a:r>
+              <a:rPr lang="de-DE" dirty="0"/>
+              <a:t>Problems:</a:t>
+            </a:r>
+          </a:p>
+          <a:p>
+            <a:pPr marL="0" indent="0">
+              <a:buNone/>
+            </a:pPr>
+            <a:r>
+              <a:rPr lang="en-US" dirty="0"/>
+              <a:t>Whereas the paper [7] elaborates on several ways</a:t>
+            </a:r>
+          </a:p>
+          <a:p>
+            <a:pPr marL="0" indent="0">
+              <a:buNone/>
+            </a:pPr>
+            <a:r>
+              <a:rPr lang="en-US" dirty="0"/>
+              <a:t>o check t-closeness (using several distances between</a:t>
+            </a:r>
+          </a:p>
+          <a:p>
+            <a:pPr marL="0" indent="0">
+              <a:buNone/>
+            </a:pPr>
+            <a:r>
+              <a:rPr lang="de-DE" dirty="0" err="1"/>
+              <a:t>distributions</a:t>
+            </a:r>
+            <a:r>
+              <a:rPr lang="de-DE" dirty="0"/>
+              <a:t>), </a:t>
+            </a:r>
+            <a:r>
+              <a:rPr lang="de-DE" dirty="0" err="1"/>
+              <a:t>no</a:t>
+            </a:r>
+            <a:r>
+              <a:rPr lang="de-DE" dirty="0"/>
+              <a:t> </a:t>
+            </a:r>
+            <a:r>
+              <a:rPr lang="de-DE" dirty="0" err="1"/>
+              <a:t>computational</a:t>
+            </a:r>
+            <a:r>
+              <a:rPr lang="de-DE" dirty="0"/>
+              <a:t> </a:t>
+            </a:r>
+            <a:r>
+              <a:rPr lang="de-DE" dirty="0" err="1"/>
+              <a:t>procedure</a:t>
+            </a:r>
+            <a:endParaRPr lang="de-DE" dirty="0"/>
+          </a:p>
+          <a:p>
+            <a:pPr marL="0" indent="0">
+              <a:buNone/>
+            </a:pPr>
+            <a:r>
+              <a:rPr lang="en-US" dirty="0"/>
+              <a:t>to enforce this property is given.</a:t>
+            </a:r>
+          </a:p>
+          <a:p>
+            <a:pPr marL="0" indent="0">
+              <a:buNone/>
+            </a:pPr>
+            <a:endParaRPr lang="de-DE" dirty="0"/>
+          </a:p>
+        </p:txBody>
+      </p:sp>
+      <p:sp>
+        <p:nvSpPr>
+          <p:cNvPr id="6" name="Foliennummernplatzhalter 5">
+            <a:extLst>
+              <a:ext uri="{FF2B5EF4-FFF2-40B4-BE49-F238E27FC236}">
+                <a16:creationId xmlns:a16="http://schemas.microsoft.com/office/drawing/2014/main" id="{35C5C671-02F4-435F-A4CA-4659E0309639}"/>
+              </a:ext>
+            </a:extLst>
+          </p:cNvPr>
+          <p:cNvSpPr>
+            <a:spLocks noGrp="1"/>
+          </p:cNvSpPr>
+          <p:nvPr>
+            <p:ph type="sldNum" sz="quarter" idx="12"/>
+          </p:nvPr>
+        </p:nvSpPr>
+        <p:spPr/>
+        <p:txBody>
+          <a:bodyPr/>
+          <a:lstStyle/>
+          <a:p>
+            <a:fld id="{50E76E58-F275-47A3-BB17-470016A267B6}" type="slidenum">
+              <a:rPr lang="de-DE" smtClean="0"/>
+              <a:pPr/>
+              <a:t>22</a:t>
+            </a:fld>
+            <a:endParaRPr lang="de-DE"/>
+          </a:p>
+        </p:txBody>
+      </p:sp>
+    </p:spTree>
+    <p:extLst>
+      <p:ext uri="{BB962C8B-B14F-4D97-AF65-F5344CB8AC3E}">
+        <p14:creationId xmlns:p14="http://schemas.microsoft.com/office/powerpoint/2010/main" val="2648306626"/>
+      </p:ext>
+    </p:extLst>
+  </p:cSld>
+  <p:clrMapOvr>
+    <a:masterClrMapping/>
+  </p:clrMapOvr>
+</p:sld>
+</file>
+
+<file path=ppt/slides/slide23.xml><?xml version="1.0" encoding="utf-8"?>
+<p:sld xmlns:a="http://schemas.openxmlformats.org/drawingml/2006/main" xmlns:r="http://schemas.openxmlformats.org/officeDocument/2006/relationships" xmlns:p="http://schemas.openxmlformats.org/presentationml/2006/main">
+  <p:cSld>
+    <p:spTree>
+      <p:nvGrpSpPr>
+        <p:cNvPr id="1" name=""/>
+        <p:cNvGrpSpPr/>
+        <p:nvPr/>
+      </p:nvGrpSpPr>
+      <p:grpSpPr>
+        <a:xfrm>
+          <a:off x="0" y="0"/>
+          <a:ext cx="0" cy="0"/>
+          <a:chOff x="0" y="0"/>
+          <a:chExt cx="0" cy="0"/>
+        </a:xfrm>
+      </p:grpSpPr>
+      <p:sp>
+        <p:nvSpPr>
+          <p:cNvPr id="2" name="Titel 1">
+            <a:extLst>
+              <a:ext uri="{FF2B5EF4-FFF2-40B4-BE49-F238E27FC236}">
+                <a16:creationId xmlns:a16="http://schemas.microsoft.com/office/drawing/2014/main" id="{60CF76F7-DA21-4280-B132-DB1CBFFB0632}"/>
+              </a:ext>
+            </a:extLst>
+          </p:cNvPr>
+          <p:cNvSpPr>
+            <a:spLocks noGrp="1"/>
+          </p:cNvSpPr>
+          <p:nvPr>
+            <p:ph type="title"/>
+          </p:nvPr>
+        </p:nvSpPr>
+        <p:spPr/>
+        <p:txBody>
+          <a:bodyPr/>
+          <a:lstStyle/>
+          <a:p>
+            <a:r>
+              <a:rPr lang="de-DE" dirty="0"/>
+              <a:t>Differential </a:t>
+            </a:r>
+            <a:r>
+              <a:rPr lang="de-DE"/>
+              <a:t>privacy</a:t>
+            </a:r>
+          </a:p>
+        </p:txBody>
+      </p:sp>
+      <p:sp>
+        <p:nvSpPr>
+          <p:cNvPr id="3" name="Datumsplatzhalter 2">
+            <a:extLst>
+              <a:ext uri="{FF2B5EF4-FFF2-40B4-BE49-F238E27FC236}">
+                <a16:creationId xmlns:a16="http://schemas.microsoft.com/office/drawing/2014/main" id="{3B50A201-5742-48F2-9C76-90EB7278DE8B}"/>
+              </a:ext>
+            </a:extLst>
+          </p:cNvPr>
+          <p:cNvSpPr>
+            <a:spLocks noGrp="1"/>
+          </p:cNvSpPr>
+          <p:nvPr>
+            <p:ph type="dt" sz="half" idx="10"/>
+          </p:nvPr>
+        </p:nvSpPr>
+        <p:spPr/>
+        <p:txBody>
+          <a:bodyPr/>
+          <a:lstStyle/>
+          <a:p>
+            <a:r>
+              <a:rPr lang="de-DE"/>
+              <a:t>18.05.2017</a:t>
+            </a:r>
+            <a:endParaRPr lang="de-DE" dirty="0"/>
+          </a:p>
+        </p:txBody>
+      </p:sp>
+      <p:sp>
+        <p:nvSpPr>
+          <p:cNvPr id="4" name="Fußzeilenplatzhalter 3">
+            <a:extLst>
+              <a:ext uri="{FF2B5EF4-FFF2-40B4-BE49-F238E27FC236}">
+                <a16:creationId xmlns:a16="http://schemas.microsoft.com/office/drawing/2014/main" id="{905609BE-6FD9-442B-89BF-1438B615F4CE}"/>
+              </a:ext>
+            </a:extLst>
+          </p:cNvPr>
+          <p:cNvSpPr>
+            <a:spLocks noGrp="1"/>
+          </p:cNvSpPr>
+          <p:nvPr>
+            <p:ph type="ftr" sz="quarter" idx="11"/>
+          </p:nvPr>
+        </p:nvSpPr>
+        <p:spPr/>
+        <p:txBody>
+          <a:bodyPr/>
+          <a:lstStyle/>
+          <a:p>
+            <a:r>
+              <a:rPr lang="de-DE"/>
+              <a:t>Andreas Heimann &amp; Matthias Puchta</a:t>
+            </a:r>
+            <a:endParaRPr lang="de-DE" dirty="0"/>
+          </a:p>
+        </p:txBody>
+      </p:sp>
+      <p:sp>
+        <p:nvSpPr>
+          <p:cNvPr id="5" name="Textplatzhalter 4">
+            <a:extLst>
+              <a:ext uri="{FF2B5EF4-FFF2-40B4-BE49-F238E27FC236}">
+                <a16:creationId xmlns:a16="http://schemas.microsoft.com/office/drawing/2014/main" id="{BE3AB503-2D36-4EFD-97BC-4FB481D902EA}"/>
+              </a:ext>
+            </a:extLst>
+          </p:cNvPr>
+          <p:cNvSpPr>
+            <a:spLocks noGrp="1"/>
+          </p:cNvSpPr>
+          <p:nvPr>
+            <p:ph type="body" sz="quarter" idx="13"/>
+          </p:nvPr>
+        </p:nvSpPr>
+        <p:spPr/>
+        <p:txBody>
+          <a:bodyPr/>
+          <a:lstStyle/>
+          <a:p>
+            <a:endParaRPr lang="de-DE"/>
+          </a:p>
+        </p:txBody>
+      </p:sp>
+      <p:sp>
+        <p:nvSpPr>
+          <p:cNvPr id="6" name="Foliennummernplatzhalter 5">
+            <a:extLst>
+              <a:ext uri="{FF2B5EF4-FFF2-40B4-BE49-F238E27FC236}">
+                <a16:creationId xmlns:a16="http://schemas.microsoft.com/office/drawing/2014/main" id="{9B878E9B-BDE0-4DC9-9BC7-6B1CE8112B95}"/>
+              </a:ext>
+            </a:extLst>
+          </p:cNvPr>
+          <p:cNvSpPr>
+            <a:spLocks noGrp="1"/>
+          </p:cNvSpPr>
+          <p:nvPr>
+            <p:ph type="sldNum" sz="quarter" idx="12"/>
+          </p:nvPr>
+        </p:nvSpPr>
+        <p:spPr/>
+        <p:txBody>
+          <a:bodyPr/>
+          <a:lstStyle/>
+          <a:p>
+            <a:fld id="{50E76E58-F275-47A3-BB17-470016A267B6}" type="slidenum">
+              <a:rPr lang="de-DE" smtClean="0"/>
+              <a:pPr/>
+              <a:t>23</a:t>
+            </a:fld>
+            <a:endParaRPr lang="de-DE"/>
+          </a:p>
+        </p:txBody>
+      </p:sp>
+    </p:spTree>
+    <p:extLst>
+      <p:ext uri="{BB962C8B-B14F-4D97-AF65-F5344CB8AC3E}">
+        <p14:creationId xmlns:p14="http://schemas.microsoft.com/office/powerpoint/2010/main" val="1427231547"/>
       </p:ext>
     </p:extLst>
   </p:cSld>
@@ -4351,6 +6618,71 @@
             <a:r>
               <a:rPr lang="de-DE" dirty="0"/>
               <a:t>, etc.</a:t>
+            </a:r>
+          </a:p>
+          <a:p>
+            <a:pPr marL="0" indent="0">
+              <a:buNone/>
+            </a:pPr>
+            <a:r>
+              <a:rPr lang="de-DE" dirty="0" err="1"/>
+              <a:t>data</a:t>
+            </a:r>
+            <a:r>
+              <a:rPr lang="de-DE" dirty="0"/>
+              <a:t> </a:t>
+            </a:r>
+            <a:r>
+              <a:rPr lang="de-DE" dirty="0" err="1"/>
+              <a:t>recipients</a:t>
+            </a:r>
+            <a:r>
+              <a:rPr lang="de-DE" dirty="0"/>
+              <a:t> – </a:t>
+            </a:r>
+            <a:r>
+              <a:rPr lang="de-DE" dirty="0" err="1"/>
+              <a:t>the</a:t>
+            </a:r>
+            <a:r>
+              <a:rPr lang="de-DE" dirty="0"/>
+              <a:t> </a:t>
+            </a:r>
+            <a:r>
+              <a:rPr lang="de-DE" dirty="0" err="1"/>
+              <a:t>one</a:t>
+            </a:r>
+            <a:r>
+              <a:rPr lang="de-DE" dirty="0"/>
+              <a:t> </a:t>
+            </a:r>
+            <a:r>
+              <a:rPr lang="de-DE" dirty="0" err="1"/>
+              <a:t>who</a:t>
+            </a:r>
+            <a:r>
+              <a:rPr lang="de-DE" dirty="0"/>
+              <a:t> </a:t>
+            </a:r>
+            <a:r>
+              <a:rPr lang="de-DE" dirty="0" err="1"/>
+              <a:t>gets</a:t>
+            </a:r>
+            <a:r>
+              <a:rPr lang="de-DE" dirty="0"/>
+              <a:t> </a:t>
+            </a:r>
+            <a:r>
+              <a:rPr lang="de-DE" dirty="0" err="1"/>
+              <a:t>the</a:t>
+            </a:r>
+            <a:r>
+              <a:rPr lang="de-DE" dirty="0"/>
+              <a:t> </a:t>
+            </a:r>
+            <a:r>
+              <a:rPr lang="de-DE" dirty="0" err="1"/>
+              <a:t>data</a:t>
             </a:r>
             <a:endParaRPr lang="en-US" dirty="0"/>
           </a:p>
@@ -4720,7 +7052,11 @@
           <a:bodyPr/>
           <a:lstStyle/>
           <a:p>
-            <a:endParaRPr lang="de-DE"/>
+            <a:r>
+              <a:rPr lang="de-DE" b="1" dirty="0"/>
+              <a:t>EXTENDED SCENARIOS - Multiple Release Publishing</a:t>
+            </a:r>
+            <a:endParaRPr lang="de-DE" dirty="0"/>
           </a:p>
         </p:txBody>
       </p:sp>
@@ -4803,7 +7139,11 @@
           <a:bodyPr/>
           <a:lstStyle/>
           <a:p>
-            <a:endParaRPr lang="de-DE"/>
+            <a:r>
+              <a:rPr lang="de-DE" dirty="0" err="1"/>
+              <a:t>Example</a:t>
+            </a:r>
+            <a:endParaRPr lang="de-DE" dirty="0"/>
           </a:p>
         </p:txBody>
       </p:sp>
@@ -4872,7 +7212,7 @@
           <p:cNvPr id="2" name="Titel 1">
             <a:extLst>
               <a:ext uri="{FF2B5EF4-FFF2-40B4-BE49-F238E27FC236}">
-                <a16:creationId xmlns:a16="http://schemas.microsoft.com/office/drawing/2014/main" id="{5A696494-2619-425B-9A88-26F6239A8C0F}"/>
+                <a16:creationId xmlns:a16="http://schemas.microsoft.com/office/drawing/2014/main" id="{8E25D8BA-34BD-4AB3-A8F1-5BE24DA46ED2}"/>
               </a:ext>
             </a:extLst>
           </p:cNvPr>
@@ -4889,14 +7229,18 @@
           <a:lstStyle/>
           <a:p>
             <a:r>
-              <a:rPr lang="de-DE" b="1" dirty="0" err="1"/>
-              <a:t>Attacks</a:t>
-            </a:r>
-            <a:r>
-              <a:rPr lang="de-DE" b="1" dirty="0"/>
-              <a:t> on K-ANONYMITY </a:t>
-            </a:r>
-            <a:endParaRPr lang="de-DE" dirty="0"/>
+              <a:rPr lang="de-DE" sz="1800" b="1" dirty="0"/>
+              <a:t>EXTENDED SCENARIOS – </a:t>
+            </a:r>
+            <a:r>
+              <a:rPr lang="de-DE" sz="1800" b="1" dirty="0" err="1"/>
+              <a:t>Sequential</a:t>
+            </a:r>
+            <a:r>
+              <a:rPr lang="de-DE" sz="1800" b="1" dirty="0"/>
+              <a:t> Release Publishing</a:t>
+            </a:r>
+            <a:endParaRPr lang="de-DE" sz="1800" dirty="0"/>
           </a:p>
         </p:txBody>
       </p:sp>
@@ -4905,7 +7249,7 @@
           <p:cNvPr id="3" name="Datumsplatzhalter 2">
             <a:extLst>
               <a:ext uri="{FF2B5EF4-FFF2-40B4-BE49-F238E27FC236}">
-                <a16:creationId xmlns:a16="http://schemas.microsoft.com/office/drawing/2014/main" id="{2B614201-281B-41E9-A020-0CDA277467C3}"/>
+                <a16:creationId xmlns:a16="http://schemas.microsoft.com/office/drawing/2014/main" id="{5079DD1B-902A-432A-8C60-C4C83007992A}"/>
               </a:ext>
             </a:extLst>
           </p:cNvPr>
@@ -4934,7 +7278,7 @@
           <p:cNvPr id="4" name="Fußzeilenplatzhalter 3">
             <a:extLst>
               <a:ext uri="{FF2B5EF4-FFF2-40B4-BE49-F238E27FC236}">
-                <a16:creationId xmlns:a16="http://schemas.microsoft.com/office/drawing/2014/main" id="{E5DE40AE-BF51-40C8-A6E9-F8B2204521CC}"/>
+                <a16:creationId xmlns:a16="http://schemas.microsoft.com/office/drawing/2014/main" id="{7EFECC64-6F1A-4381-9B68-BF04EF1814E1}"/>
               </a:ext>
             </a:extLst>
           </p:cNvPr>
@@ -4951,12 +7295,8 @@
           <a:lstStyle/>
           <a:p>
             <a:r>
-              <a:rPr lang="de-DE" dirty="0"/>
-              <a:t>Andreas Wiegand &amp; Ludwig </a:t>
-            </a:r>
-            <a:r>
-              <a:rPr lang="de-DE" dirty="0" err="1"/>
-              <a:t>Schallner</a:t>
+              <a:rPr lang="de-DE"/>
+              <a:t>Andreas Heimann &amp; Matthias Puchta</a:t>
             </a:r>
             <a:endParaRPr lang="de-DE" dirty="0"/>
           </a:p>
@@ -4967,7 +7307,7 @@
           <p:cNvPr id="5" name="Textplatzhalter 4">
             <a:extLst>
               <a:ext uri="{FF2B5EF4-FFF2-40B4-BE49-F238E27FC236}">
-                <a16:creationId xmlns:a16="http://schemas.microsoft.com/office/drawing/2014/main" id="{AB5F7A7E-01C8-48FD-8047-5A2134437BC9}"/>
+                <a16:creationId xmlns:a16="http://schemas.microsoft.com/office/drawing/2014/main" id="{6609FEC9-4889-4738-8FAA-9EDCD59C8959}"/>
               </a:ext>
             </a:extLst>
           </p:cNvPr>
@@ -4984,124 +7324,143 @@
           <a:lstStyle/>
           <a:p>
             <a:r>
-              <a:rPr lang="de-DE" b="1" dirty="0" err="1"/>
-              <a:t>Homogeneity</a:t>
-            </a:r>
-            <a:r>
-              <a:rPr lang="de-DE" b="1" dirty="0"/>
+              <a:rPr lang="en-US" dirty="0"/>
+              <a:t>In some other scenarios, the data is released continuously</a:t>
+            </a:r>
+          </a:p>
+          <a:p>
+            <a:pPr marL="0" indent="0">
+              <a:buNone/>
+            </a:pPr>
+            <a:r>
+              <a:rPr lang="en-US" dirty="0"/>
+              <a:t>and sequentially as new information becomes available.</a:t>
+            </a:r>
+          </a:p>
+          <a:p>
+            <a:r>
+              <a:rPr lang="de-DE" dirty="0" err="1"/>
+              <a:t>Consider</a:t>
+            </a:r>
+            <a:r>
+              <a:rPr lang="de-DE" dirty="0"/>
               <a:t> </a:t>
             </a:r>
             <a:r>
-              <a:rPr lang="de-DE" b="1" dirty="0" err="1"/>
-              <a:t>Attack</a:t>
-            </a:r>
-            <a:r>
-              <a:rPr lang="de-DE" b="1" dirty="0"/>
-              <a:t>: </a:t>
-            </a:r>
-          </a:p>
-          <a:p>
-            <a:r>
-              <a:rPr lang="de-DE" b="1" dirty="0"/>
-              <a:t>Background Knowledge </a:t>
-            </a:r>
-            <a:r>
-              <a:rPr lang="de-DE" b="1" dirty="0" err="1"/>
-              <a:t>Attack</a:t>
-            </a:r>
-            <a:r>
-              <a:rPr lang="de-DE" b="1" dirty="0"/>
-              <a:t>/</a:t>
-            </a:r>
-            <a:r>
-              <a:rPr lang="de-DE" b="1" dirty="0" err="1"/>
-              <a:t>attribute</a:t>
-            </a:r>
-            <a:r>
-              <a:rPr lang="de-DE" b="1" dirty="0"/>
+              <a:rPr lang="de-DE" dirty="0" err="1"/>
+              <a:t>the</a:t>
+            </a:r>
+            <a:r>
+              <a:rPr lang="de-DE" dirty="0"/>
               <a:t> </a:t>
             </a:r>
             <a:r>
-              <a:rPr lang="de-DE" b="1" dirty="0" err="1"/>
-              <a:t>linkage</a:t>
-            </a:r>
-            <a:r>
-              <a:rPr lang="de-DE" b="1" dirty="0"/>
-              <a:t>: </a:t>
-            </a:r>
-          </a:p>
-          <a:p>
-            <a:r>
-              <a:rPr lang="de-DE" b="1" dirty="0" err="1"/>
-              <a:t>Unsorted</a:t>
-            </a:r>
-            <a:r>
-              <a:rPr lang="de-DE" b="1" dirty="0"/>
+              <a:rPr lang="de-DE" dirty="0" err="1"/>
+              <a:t>problem</a:t>
+            </a:r>
+            <a:r>
+              <a:rPr lang="de-DE" dirty="0"/>
               <a:t> </a:t>
             </a:r>
             <a:r>
-              <a:rPr lang="de-DE" b="1" dirty="0" err="1"/>
-              <a:t>Matching</a:t>
-            </a:r>
-            <a:r>
-              <a:rPr lang="de-DE" b="1" dirty="0"/>
+              <a:rPr lang="de-DE" dirty="0" err="1"/>
+              <a:t>of</a:t>
+            </a:r>
+            <a:r>
+              <a:rPr lang="en-US" i="1" dirty="0"/>
+              <a:t>sequential anonymization </a:t>
+            </a:r>
+            <a:r>
+              <a:rPr lang="en-US" dirty="0"/>
+              <a:t>[Wang and Fung 2006]: a data publisher has </a:t>
+            </a:r>
+            <a:r>
+              <a:rPr lang="en-US" i="1" dirty="0" err="1"/>
+              <a:t>previously</a:t>
+            </a:r>
+            <a:r>
+              <a:rPr lang="en-US" dirty="0" err="1"/>
+              <a:t>released</a:t>
+            </a:r>
+            <a:r>
+              <a:rPr lang="en-US" dirty="0"/>
               <a:t> </a:t>
             </a:r>
             <a:r>
-              <a:rPr lang="de-DE" b="1" dirty="0" err="1"/>
-              <a:t>Attacks</a:t>
-            </a:r>
-            <a:r>
-              <a:rPr lang="de-DE" b="1" dirty="0"/>
-              <a:t> </a:t>
-            </a:r>
-          </a:p>
-          <a:p>
-            <a:r>
-              <a:rPr lang="de-DE" b="1" dirty="0" err="1"/>
-              <a:t>Complementary</a:t>
-            </a:r>
-            <a:r>
-              <a:rPr lang="de-DE" b="1" dirty="0"/>
-              <a:t> Release </a:t>
-            </a:r>
-            <a:r>
-              <a:rPr lang="de-DE" b="1" dirty="0" err="1"/>
-              <a:t>Attack</a:t>
-            </a:r>
-            <a:r>
-              <a:rPr lang="de-DE" b="1" dirty="0"/>
-              <a:t>: </a:t>
-            </a:r>
-          </a:p>
-          <a:p>
-            <a:r>
-              <a:rPr lang="de-DE" b="1" dirty="0"/>
-              <a:t>Temporal </a:t>
-            </a:r>
-            <a:r>
-              <a:rPr lang="de-DE" b="1" dirty="0" err="1"/>
-              <a:t>Attack</a:t>
-            </a:r>
-            <a:r>
-              <a:rPr lang="de-DE" b="1" dirty="0"/>
-              <a:t>: </a:t>
-            </a:r>
-          </a:p>
-          <a:p>
-            <a:r>
-              <a:rPr lang="de-DE" b="1" dirty="0" err="1"/>
-              <a:t>Insufficient</a:t>
-            </a:r>
-            <a:r>
-              <a:rPr lang="de-DE" b="1" dirty="0"/>
-              <a:t> Knowledge: </a:t>
-            </a:r>
-          </a:p>
-          <a:p>
-            <a:r>
-              <a:rPr lang="en-US" b="1" dirty="0"/>
-              <a:t>The Adversary’s Knowledge is Unknown </a:t>
+              <a:rPr lang="en-US" i="1" dirty="0"/>
+              <a:t>T</a:t>
+            </a:r>
+            <a:r>
+              <a:rPr lang="en-US" dirty="0"/>
+              <a:t>1</a:t>
+            </a:r>
+            <a:r>
+              <a:rPr lang="en-US" i="1" dirty="0"/>
+              <a:t>, . . . , Tp</a:t>
+            </a:r>
+            <a:r>
+              <a:rPr lang="en-US" dirty="0"/>
+              <a:t>−1 and </a:t>
+            </a:r>
+            <a:r>
+              <a:rPr lang="en-US" i="1" dirty="0"/>
+              <a:t>now </a:t>
+            </a:r>
+            <a:r>
+              <a:rPr lang="en-US" dirty="0"/>
+              <a:t>wants to publish the next release </a:t>
+            </a:r>
+            <a:r>
+              <a:rPr lang="en-US" i="1" dirty="0" err="1"/>
+              <a:t>Tp</a:t>
+            </a:r>
+            <a:r>
+              <a:rPr lang="en-US" dirty="0"/>
+              <a:t>, where all </a:t>
+            </a:r>
+            <a:r>
+              <a:rPr lang="en-US" i="1" dirty="0" err="1"/>
+              <a:t>Ti</a:t>
+            </a:r>
+            <a:r>
+              <a:rPr lang="en-US" dirty="0" err="1"/>
+              <a:t>are</a:t>
+            </a:r>
+            <a:r>
+              <a:rPr lang="en-US" dirty="0"/>
+              <a:t> projections of the same underlying table, and each </a:t>
+            </a:r>
+            <a:r>
+              <a:rPr lang="en-US" i="1" dirty="0"/>
+              <a:t>individual release</a:t>
+            </a:r>
+            <a:r>
+              <a:rPr lang="en-US" dirty="0"/>
+              <a:t>, not </a:t>
+            </a:r>
+            <a:r>
+              <a:rPr lang="en-US" dirty="0" err="1"/>
+              <a:t>thejoin</a:t>
+            </a:r>
+            <a:r>
+              <a:rPr lang="en-US" dirty="0"/>
+              <a:t>, serves a data mining purpose. The data publisher wants to prevent record and attribute linkages through the join of </a:t>
+            </a:r>
+            <a:r>
+              <a:rPr lang="en-US" i="1" dirty="0"/>
+              <a:t>T</a:t>
+            </a:r>
+            <a:r>
+              <a:rPr lang="en-US" dirty="0"/>
+              <a:t>1</a:t>
+            </a:r>
+            <a:r>
+              <a:rPr lang="en-US" i="1" dirty="0"/>
+              <a:t>, . . . , Tp</a:t>
+            </a:r>
+            <a:r>
+              <a:rPr lang="en-US" dirty="0"/>
+              <a:t>.</a:t>
             </a:r>
             <a:endParaRPr lang="de-DE" dirty="0"/>
           </a:p>
@@ -5112,7 +7471,7 @@
           <p:cNvPr id="6" name="Foliennummernplatzhalter 5">
             <a:extLst>
               <a:ext uri="{FF2B5EF4-FFF2-40B4-BE49-F238E27FC236}">
-                <a16:creationId xmlns:a16="http://schemas.microsoft.com/office/drawing/2014/main" id="{09410FF4-2E0F-4E88-A69A-145B229403F7}"/>
+                <a16:creationId xmlns:a16="http://schemas.microsoft.com/office/drawing/2014/main" id="{AB93F62D-EA09-4552-880A-D595452A36E3}"/>
               </a:ext>
             </a:extLst>
           </p:cNvPr>
@@ -5140,7 +7499,7 @@
     </p:spTree>
     <p:extLst>
       <p:ext uri="{BB962C8B-B14F-4D97-AF65-F5344CB8AC3E}">
-        <p14:creationId xmlns:p14="http://schemas.microsoft.com/office/powerpoint/2010/main" val="2188498306"/>
+        <p14:creationId xmlns:p14="http://schemas.microsoft.com/office/powerpoint/2010/main" val="4223311860"/>
       </p:ext>
     </p:extLst>
   </p:cSld>
@@ -5172,7 +7531,7 @@
           <p:cNvPr id="2" name="Titel 1">
             <a:extLst>
               <a:ext uri="{FF2B5EF4-FFF2-40B4-BE49-F238E27FC236}">
-                <a16:creationId xmlns:a16="http://schemas.microsoft.com/office/drawing/2014/main" id="{958F9CD1-9C9B-404C-BA1F-6E0E9A52DB3B}"/>
+                <a16:creationId xmlns:a16="http://schemas.microsoft.com/office/drawing/2014/main" id="{A250AA1D-CBA5-4BF9-827F-0AC0BEF9E671}"/>
               </a:ext>
             </a:extLst>
           </p:cNvPr>
@@ -5181,6 +7540,101 @@
           </p:cNvSpPr>
           <p:nvPr>
             <p:ph type="title"/>
+          </p:nvPr>
+        </p:nvSpPr>
+        <p:spPr/>
+        <p:txBody>
+          <a:bodyPr/>
+          <a:lstStyle/>
+          <a:p>
+            <a:r>
+              <a:rPr lang="de-DE" b="1" dirty="0"/>
+              <a:t>EXTENDED SCENARIOS – </a:t>
+            </a:r>
+            <a:r>
+              <a:rPr lang="de-DE" b="1" dirty="0" err="1"/>
+              <a:t>Sequential</a:t>
+            </a:r>
+            <a:r>
+              <a:rPr lang="de-DE" b="1" dirty="0"/>
+              <a:t> Release Publishing</a:t>
+            </a:r>
+            <a:endParaRPr lang="de-DE" dirty="0"/>
+          </a:p>
+        </p:txBody>
+      </p:sp>
+      <p:sp>
+        <p:nvSpPr>
+          <p:cNvPr id="3" name="Datumsplatzhalter 2">
+            <a:extLst>
+              <a:ext uri="{FF2B5EF4-FFF2-40B4-BE49-F238E27FC236}">
+                <a16:creationId xmlns:a16="http://schemas.microsoft.com/office/drawing/2014/main" id="{EA0EB5D0-C0FE-4AFE-8A81-2589296C778F}"/>
+              </a:ext>
+            </a:extLst>
+          </p:cNvPr>
+          <p:cNvSpPr>
+            <a:spLocks noGrp="1"/>
+          </p:cNvSpPr>
+          <p:nvPr>
+            <p:ph type="dt" sz="half" idx="10"/>
+          </p:nvPr>
+        </p:nvSpPr>
+        <p:spPr/>
+        <p:txBody>
+          <a:bodyPr/>
+          <a:lstStyle/>
+          <a:p>
+            <a:r>
+              <a:rPr lang="de-DE"/>
+              <a:t>18.05.2017</a:t>
+            </a:r>
+            <a:endParaRPr lang="de-DE" dirty="0"/>
+          </a:p>
+        </p:txBody>
+      </p:sp>
+      <p:sp>
+        <p:nvSpPr>
+          <p:cNvPr id="4" name="Fußzeilenplatzhalter 3">
+            <a:extLst>
+              <a:ext uri="{FF2B5EF4-FFF2-40B4-BE49-F238E27FC236}">
+                <a16:creationId xmlns:a16="http://schemas.microsoft.com/office/drawing/2014/main" id="{57F7375E-8B76-432F-8062-DE249F9B1296}"/>
+              </a:ext>
+            </a:extLst>
+          </p:cNvPr>
+          <p:cNvSpPr>
+            <a:spLocks noGrp="1"/>
+          </p:cNvSpPr>
+          <p:nvPr>
+            <p:ph type="ftr" sz="quarter" idx="11"/>
+          </p:nvPr>
+        </p:nvSpPr>
+        <p:spPr/>
+        <p:txBody>
+          <a:bodyPr/>
+          <a:lstStyle/>
+          <a:p>
+            <a:r>
+              <a:rPr lang="de-DE"/>
+              <a:t>Andreas Heimann &amp; Matthias Puchta</a:t>
+            </a:r>
+            <a:endParaRPr lang="de-DE" dirty="0"/>
+          </a:p>
+        </p:txBody>
+      </p:sp>
+      <p:sp>
+        <p:nvSpPr>
+          <p:cNvPr id="5" name="Textplatzhalter 4">
+            <a:extLst>
+              <a:ext uri="{FF2B5EF4-FFF2-40B4-BE49-F238E27FC236}">
+                <a16:creationId xmlns:a16="http://schemas.microsoft.com/office/drawing/2014/main" id="{149E4DF0-6D1B-42D2-8864-3E9847385D69}"/>
+              </a:ext>
+            </a:extLst>
+          </p:cNvPr>
+          <p:cNvSpPr>
+            <a:spLocks noGrp="1"/>
+          </p:cNvSpPr>
+          <p:nvPr>
+            <p:ph type="body" sz="quarter" idx="13"/>
           </p:nvPr>
         </p:nvSpPr>
         <p:spPr/>
@@ -5192,174 +7646,8 @@
               <a:buNone/>
             </a:pPr>
             <a:r>
-              <a:rPr lang="de-DE" dirty="0"/>
-              <a:t>p-sensitive k-</a:t>
-            </a:r>
-            <a:r>
-              <a:rPr lang="de-DE" dirty="0" err="1"/>
-              <a:t>anonymity</a:t>
-            </a:r>
-            <a:endParaRPr lang="de-DE" dirty="0"/>
-          </a:p>
-        </p:txBody>
-      </p:sp>
-      <p:sp>
-        <p:nvSpPr>
-          <p:cNvPr id="3" name="Datumsplatzhalter 2">
-            <a:extLst>
-              <a:ext uri="{FF2B5EF4-FFF2-40B4-BE49-F238E27FC236}">
-                <a16:creationId xmlns:a16="http://schemas.microsoft.com/office/drawing/2014/main" id="{F260DF70-9E66-4354-A537-9A6F20EF768D}"/>
-              </a:ext>
-            </a:extLst>
-          </p:cNvPr>
-          <p:cNvSpPr>
-            <a:spLocks noGrp="1"/>
-          </p:cNvSpPr>
-          <p:nvPr>
-            <p:ph type="dt" sz="half" idx="10"/>
-          </p:nvPr>
-        </p:nvSpPr>
-        <p:spPr/>
-        <p:txBody>
-          <a:bodyPr/>
-          <a:lstStyle/>
-          <a:p>
-            <a:r>
-              <a:rPr lang="de-DE"/>
-              <a:t>18.05.2017</a:t>
-            </a:r>
-            <a:endParaRPr lang="de-DE" dirty="0"/>
-          </a:p>
-        </p:txBody>
-      </p:sp>
-      <p:sp>
-        <p:nvSpPr>
-          <p:cNvPr id="4" name="Fußzeilenplatzhalter 3">
-            <a:extLst>
-              <a:ext uri="{FF2B5EF4-FFF2-40B4-BE49-F238E27FC236}">
-                <a16:creationId xmlns:a16="http://schemas.microsoft.com/office/drawing/2014/main" id="{09C9E642-E14C-4E77-9B36-1ABB217EAF95}"/>
-              </a:ext>
-            </a:extLst>
-          </p:cNvPr>
-          <p:cNvSpPr>
-            <a:spLocks noGrp="1"/>
-          </p:cNvSpPr>
-          <p:nvPr>
-            <p:ph type="ftr" sz="quarter" idx="11"/>
-          </p:nvPr>
-        </p:nvSpPr>
-        <p:spPr/>
-        <p:txBody>
-          <a:bodyPr/>
-          <a:lstStyle/>
-          <a:p>
-            <a:r>
-              <a:rPr lang="de-DE"/>
-              <a:t>Andreas Heimann &amp; Matthias Puchta</a:t>
-            </a:r>
-            <a:endParaRPr lang="de-DE" dirty="0"/>
-          </a:p>
-        </p:txBody>
-      </p:sp>
-      <p:sp>
-        <p:nvSpPr>
-          <p:cNvPr id="5" name="Textplatzhalter 4">
-            <a:extLst>
-              <a:ext uri="{FF2B5EF4-FFF2-40B4-BE49-F238E27FC236}">
-                <a16:creationId xmlns:a16="http://schemas.microsoft.com/office/drawing/2014/main" id="{9E443BB6-0E02-4D1C-85A1-676AC33F2EAA}"/>
-              </a:ext>
-            </a:extLst>
-          </p:cNvPr>
-          <p:cNvSpPr>
-            <a:spLocks noGrp="1"/>
-          </p:cNvSpPr>
-          <p:nvPr>
-            <p:ph type="body" sz="quarter" idx="13"/>
-          </p:nvPr>
-        </p:nvSpPr>
-        <p:spPr/>
-        <p:txBody>
-          <a:bodyPr/>
-          <a:lstStyle/>
-          <a:p>
-            <a:r>
-              <a:rPr lang="en-US" dirty="0"/>
-              <a:t>identity disclosure and attribute disclosure.</a:t>
-            </a:r>
-          </a:p>
-          <a:p>
-            <a:r>
-              <a:rPr lang="en-US" dirty="0" err="1"/>
-              <a:t>dentity</a:t>
-            </a:r>
-            <a:r>
-              <a:rPr lang="en-US" dirty="0"/>
-              <a:t> disclosure and attribute disclosure.</a:t>
-            </a:r>
-          </a:p>
-          <a:p>
-            <a:pPr marL="0" indent="0">
-              <a:buNone/>
-            </a:pPr>
-            <a:r>
-              <a:rPr lang="en-US" i="1" dirty="0"/>
-              <a:t>Identity disclosure </a:t>
-            </a:r>
-            <a:r>
-              <a:rPr lang="en-US" dirty="0"/>
-              <a:t>refers to identification of an entity</a:t>
-            </a:r>
-          </a:p>
-          <a:p>
-            <a:pPr marL="0" indent="0">
-              <a:buNone/>
-            </a:pPr>
-            <a:r>
-              <a:rPr lang="en-US" dirty="0"/>
-              <a:t>(person, institution) and </a:t>
-            </a:r>
-            <a:r>
-              <a:rPr lang="en-US" i="1" dirty="0"/>
-              <a:t>attribute disclosure </a:t>
-            </a:r>
-            <a:r>
-              <a:rPr lang="en-US" dirty="0"/>
-              <a:t>occurs when</a:t>
-            </a:r>
-          </a:p>
-          <a:p>
-            <a:pPr marL="0" indent="0">
-              <a:buNone/>
-            </a:pPr>
-            <a:r>
-              <a:rPr lang="en-US" dirty="0"/>
-              <a:t>the intruder finds out something new about the target</a:t>
-            </a:r>
-          </a:p>
-          <a:p>
-            <a:pPr marL="0" indent="0">
-              <a:buNone/>
-            </a:pPr>
-            <a:r>
-              <a:rPr lang="en-US" dirty="0"/>
-              <a:t>entity [11]. Identity disclosure does not automatically</a:t>
-            </a:r>
-          </a:p>
-          <a:p>
-            <a:pPr marL="0" indent="0">
-              <a:buNone/>
-            </a:pPr>
-            <a:r>
-              <a:rPr lang="de-DE" dirty="0" err="1"/>
-              <a:t>imply</a:t>
-            </a:r>
-            <a:r>
-              <a:rPr lang="de-DE" dirty="0"/>
-              <a:t> </a:t>
-            </a:r>
-            <a:r>
-              <a:rPr lang="de-DE" dirty="0" err="1"/>
-              <a:t>attribute</a:t>
+              <a:rPr lang="de-DE" dirty="0" err="1"/>
+              <a:t>Example</a:t>
             </a:r>
             <a:endParaRPr lang="de-DE" dirty="0"/>
           </a:p>
@@ -5370,7 +7658,7 @@
           <p:cNvPr id="6" name="Foliennummernplatzhalter 5">
             <a:extLst>
               <a:ext uri="{FF2B5EF4-FFF2-40B4-BE49-F238E27FC236}">
-                <a16:creationId xmlns:a16="http://schemas.microsoft.com/office/drawing/2014/main" id="{4C8439EF-D42F-4986-86FE-E0B37623E7D1}"/>
+                <a16:creationId xmlns:a16="http://schemas.microsoft.com/office/drawing/2014/main" id="{1CAFD7E1-5AA6-4CA7-887C-3211D94A545D}"/>
               </a:ext>
             </a:extLst>
           </p:cNvPr>
@@ -5398,7 +7686,7 @@
     </p:spTree>
     <p:extLst>
       <p:ext uri="{BB962C8B-B14F-4D97-AF65-F5344CB8AC3E}">
-        <p14:creationId xmlns:p14="http://schemas.microsoft.com/office/powerpoint/2010/main" val="1946241733"/>
+        <p14:creationId xmlns:p14="http://schemas.microsoft.com/office/powerpoint/2010/main" val="986772571"/>
       </p:ext>
     </p:extLst>
   </p:cSld>
@@ -5430,7 +7718,7 @@
           <p:cNvPr id="2" name="Titel 1">
             <a:extLst>
               <a:ext uri="{FF2B5EF4-FFF2-40B4-BE49-F238E27FC236}">
-                <a16:creationId xmlns:a16="http://schemas.microsoft.com/office/drawing/2014/main" id="{7B413E46-A044-4329-AE39-7349DB1BBEFC}"/>
+                <a16:creationId xmlns:a16="http://schemas.microsoft.com/office/drawing/2014/main" id="{64C87936-32EF-4EB4-9D68-B53F697A9294}"/>
               </a:ext>
             </a:extLst>
           </p:cNvPr>
@@ -5447,12 +7735,16 @@
           <a:lstStyle/>
           <a:p>
             <a:r>
-              <a:rPr lang="de-DE" dirty="0"/>
-              <a:t>P-sensitive k -</a:t>
-            </a:r>
-            <a:r>
-              <a:rPr lang="de-DE" dirty="0" err="1"/>
-              <a:t>anonymity</a:t>
+              <a:rPr lang="de-DE" b="1" dirty="0"/>
+              <a:t>6.3. </a:t>
+            </a:r>
+            <a:r>
+              <a:rPr lang="de-DE" b="1" dirty="0" err="1"/>
+              <a:t>Continuous</a:t>
+            </a:r>
+            <a:r>
+              <a:rPr lang="de-DE" b="1" dirty="0"/>
+              <a:t> Data Publishing - </a:t>
             </a:r>
             <a:endParaRPr lang="de-DE" dirty="0"/>
           </a:p>
@@ -5463,7 +7755,7 @@
           <p:cNvPr id="3" name="Datumsplatzhalter 2">
             <a:extLst>
               <a:ext uri="{FF2B5EF4-FFF2-40B4-BE49-F238E27FC236}">
-                <a16:creationId xmlns:a16="http://schemas.microsoft.com/office/drawing/2014/main" id="{2017CE23-A8AD-4FC4-B6DD-A2E0CDE682B2}"/>
+                <a16:creationId xmlns:a16="http://schemas.microsoft.com/office/drawing/2014/main" id="{3953109D-2A5A-4517-9C4D-31158B1601B6}"/>
               </a:ext>
             </a:extLst>
           </p:cNvPr>
@@ -5492,7 +7784,7 @@
           <p:cNvPr id="4" name="Fußzeilenplatzhalter 3">
             <a:extLst>
               <a:ext uri="{FF2B5EF4-FFF2-40B4-BE49-F238E27FC236}">
-                <a16:creationId xmlns:a16="http://schemas.microsoft.com/office/drawing/2014/main" id="{A23D59A7-D63C-4137-972B-3B6224BB0D54}"/>
+                <a16:creationId xmlns:a16="http://schemas.microsoft.com/office/drawing/2014/main" id="{CCF38E58-72C9-4357-9457-6BCB6F78AE96}"/>
               </a:ext>
             </a:extLst>
           </p:cNvPr>
@@ -5521,7 +7813,7 @@
           <p:cNvPr id="5" name="Textplatzhalter 4">
             <a:extLst>
               <a:ext uri="{FF2B5EF4-FFF2-40B4-BE49-F238E27FC236}">
-                <a16:creationId xmlns:a16="http://schemas.microsoft.com/office/drawing/2014/main" id="{62403F49-8A1E-4574-B8FF-BE1B459AD6B3}"/>
+                <a16:creationId xmlns:a16="http://schemas.microsoft.com/office/drawing/2014/main" id="{CA4CB419-1E48-4285-9B7C-6C8EBC4E9139}"/>
               </a:ext>
             </a:extLst>
           </p:cNvPr>
@@ -5538,89 +7830,106 @@
           <a:lstStyle/>
           <a:p>
             <a:r>
-              <a:rPr lang="de-DE" dirty="0"/>
-              <a:t>The </a:t>
-            </a:r>
-            <a:r>
-              <a:rPr lang="de-DE" dirty="0" err="1"/>
-              <a:t>for</a:t>
-            </a:r>
-            <a:r>
-              <a:rPr lang="de-DE" dirty="0"/>
+              <a:rPr lang="en-US" dirty="0"/>
+              <a:t>In the model of continuous data publishing, the data publisher has previously published</a:t>
+            </a:r>
+          </a:p>
+          <a:p>
+            <a:pPr marL="0" indent="0">
+              <a:buNone/>
+            </a:pPr>
+            <a:r>
+              <a:rPr lang="en-US" i="1" dirty="0"/>
+              <a:t>T</a:t>
+            </a:r>
+            <a:r>
+              <a:rPr lang="en-US" dirty="0"/>
+              <a:t>1</a:t>
+            </a:r>
+            <a:r>
+              <a:rPr lang="en-US" i="1" dirty="0"/>
+              <a:t>, . . . , Tp</a:t>
+            </a:r>
+            <a:r>
+              <a:rPr lang="en-US" dirty="0"/>
+              <a:t>−1 and now wants to publish </a:t>
+            </a:r>
+            <a:r>
+              <a:rPr lang="en-US" i="1" dirty="0" err="1"/>
+              <a:t>Tp</a:t>
+            </a:r>
+            <a:r>
+              <a:rPr lang="en-US" dirty="0"/>
+              <a:t>, where </a:t>
+            </a:r>
+            <a:r>
+              <a:rPr lang="en-US" i="1" dirty="0" err="1"/>
+              <a:t>Ti</a:t>
+            </a:r>
+            <a:r>
+              <a:rPr lang="en-US" i="1" dirty="0"/>
               <a:t> </a:t>
             </a:r>
             <a:r>
-              <a:rPr lang="de-DE" dirty="0" err="1"/>
-              <a:t>each</a:t>
-            </a:r>
-            <a:r>
-              <a:rPr lang="de-DE" dirty="0"/>
+              <a:rPr lang="en-US" dirty="0"/>
+              <a:t>is an updated release of</a:t>
+            </a:r>
+            <a:r>
+              <a:rPr lang="en-US" i="1" dirty="0"/>
+              <a:t>Ti</a:t>
+            </a:r>
+            <a:r>
+              <a:rPr lang="en-US" dirty="0"/>
+              <a:t>−1 with record insertions and/or deletions. The problem assumes that all </a:t>
+            </a:r>
+            <a:r>
+              <a:rPr lang="en-US" dirty="0" err="1"/>
+              <a:t>recordsfor</a:t>
+            </a:r>
+            <a:r>
+              <a:rPr lang="en-US" dirty="0"/>
+              <a:t> the same individual remain the same in all releases. Even though each release</a:t>
+            </a:r>
+            <a:r>
+              <a:rPr lang="en-US" i="1" dirty="0"/>
+              <a:t>T</a:t>
+            </a:r>
+            <a:r>
+              <a:rPr lang="en-US" dirty="0"/>
+              <a:t>1</a:t>
+            </a:r>
+            <a:r>
+              <a:rPr lang="en-US" i="1" dirty="0"/>
+              <a:t>, . . . , </a:t>
+            </a:r>
+            <a:r>
+              <a:rPr lang="en-US" i="1" dirty="0" err="1"/>
+              <a:t>Tp</a:t>
+            </a:r>
+            <a:r>
+              <a:rPr lang="en-US" i="1" dirty="0"/>
               <a:t> </a:t>
             </a:r>
             <a:r>
-              <a:rPr lang="de-DE" dirty="0" err="1"/>
-              <a:t>tuple</a:t>
-            </a:r>
-            <a:r>
-              <a:rPr lang="de-DE" dirty="0"/>
-              <a:t> </a:t>
-            </a:r>
-            <a:r>
-              <a:rPr lang="de-DE" dirty="0" err="1"/>
-              <a:t>of</a:t>
-            </a:r>
-            <a:r>
-              <a:rPr lang="de-DE" dirty="0"/>
-              <a:t> k-</a:t>
-            </a:r>
-            <a:r>
-              <a:rPr lang="de-DE" dirty="0" err="1"/>
-              <a:t>anonymity</a:t>
-            </a:r>
-            <a:r>
-              <a:rPr lang="de-DE" dirty="0"/>
-              <a:t> </a:t>
-            </a:r>
-            <a:r>
-              <a:rPr lang="de-DE" dirty="0" err="1"/>
-              <a:t>there</a:t>
-            </a:r>
-            <a:r>
-              <a:rPr lang="de-DE" dirty="0"/>
-              <a:t> </a:t>
-            </a:r>
-            <a:r>
-              <a:rPr lang="de-DE" dirty="0" err="1"/>
-              <a:t>are</a:t>
-            </a:r>
-            <a:r>
-              <a:rPr lang="de-DE" dirty="0"/>
-              <a:t> at least p different sensitive </a:t>
-            </a:r>
-            <a:r>
-              <a:rPr lang="de-DE" dirty="0" err="1"/>
-              <a:t>data</a:t>
-            </a:r>
-            <a:endParaRPr lang="de-DE" dirty="0"/>
-          </a:p>
-          <a:p>
-            <a:r>
-              <a:rPr lang="de-DE" dirty="0"/>
-              <a:t>Problem:</a:t>
-            </a:r>
-            <a:r>
               <a:rPr lang="en-US" dirty="0"/>
-              <a:t>p-Sensitive k-anonymity has the limitation of implicitly assuming that each confidential attribute takes values uniformly over its domain, that is, that the frequencies of the various values of a confidential attribute are similar. When this is not the case, </a:t>
+              <a:t>is individually anonymous, the privacy requirement could be </a:t>
             </a:r>
             <a:r>
               <a:rPr lang="en-US" dirty="0" err="1"/>
-              <a:t>achievingp</a:t>
+              <a:t>compromisedby</a:t>
             </a:r>
             <a:r>
               <a:rPr lang="en-US" dirty="0"/>
-              <a:t>-sensitive k-anonymity may cause a huge data utility loss. This is illustrated in the following example.</a:t>
-            </a:r>
-            <a:endParaRPr lang="de-DE" dirty="0"/>
+              <a:t> comparing different releases and eliminating some possible sensitive values for a</a:t>
+            </a:r>
+            <a:r>
+              <a:rPr lang="de-DE" dirty="0" err="1"/>
+              <a:t>victim</a:t>
+            </a:r>
+            <a:r>
+              <a:rPr lang="de-DE" dirty="0"/>
+              <a:t>.</a:t>
+            </a:r>
           </a:p>
         </p:txBody>
       </p:sp>
@@ -5629,7 +7938,7 @@
           <p:cNvPr id="6" name="Foliennummernplatzhalter 5">
             <a:extLst>
               <a:ext uri="{FF2B5EF4-FFF2-40B4-BE49-F238E27FC236}">
-                <a16:creationId xmlns:a16="http://schemas.microsoft.com/office/drawing/2014/main" id="{E252A72A-F651-40F4-8DBC-665586CBC460}"/>
+                <a16:creationId xmlns:a16="http://schemas.microsoft.com/office/drawing/2014/main" id="{A33B597C-BFBC-47FC-A8ED-C28E6FC10AED}"/>
               </a:ext>
             </a:extLst>
           </p:cNvPr>
@@ -5657,7 +7966,7 @@
     </p:spTree>
     <p:extLst>
       <p:ext uri="{BB962C8B-B14F-4D97-AF65-F5344CB8AC3E}">
-        <p14:creationId xmlns:p14="http://schemas.microsoft.com/office/powerpoint/2010/main" val="2954308101"/>
+        <p14:creationId xmlns:p14="http://schemas.microsoft.com/office/powerpoint/2010/main" val="3119424548"/>
       </p:ext>
     </p:extLst>
   </p:cSld>
@@ -5689,7 +7998,7 @@
           <p:cNvPr id="2" name="Titel 1">
             <a:extLst>
               <a:ext uri="{FF2B5EF4-FFF2-40B4-BE49-F238E27FC236}">
-                <a16:creationId xmlns:a16="http://schemas.microsoft.com/office/drawing/2014/main" id="{29821BA2-C897-4834-998A-48C037EFCC61}"/>
+                <a16:creationId xmlns:a16="http://schemas.microsoft.com/office/drawing/2014/main" id="{A081F97E-62E3-427F-A641-E682BB8CB112}"/>
               </a:ext>
             </a:extLst>
           </p:cNvPr>
@@ -5706,12 +8015,12 @@
           <a:lstStyle/>
           <a:p>
             <a:r>
-              <a:rPr lang="de-DE" dirty="0"/>
-              <a:t>l-</a:t>
-            </a:r>
-            <a:r>
-              <a:rPr lang="de-DE" dirty="0" err="1"/>
-              <a:t>diversity</a:t>
+              <a:rPr lang="de-DE" b="1" dirty="0" err="1"/>
+              <a:t>Continuous</a:t>
+            </a:r>
+            <a:r>
+              <a:rPr lang="de-DE" b="1" dirty="0"/>
+              <a:t> Data Publishing -</a:t>
             </a:r>
             <a:endParaRPr lang="de-DE" dirty="0"/>
           </a:p>
@@ -5722,7 +8031,7 @@
           <p:cNvPr id="3" name="Datumsplatzhalter 2">
             <a:extLst>
               <a:ext uri="{FF2B5EF4-FFF2-40B4-BE49-F238E27FC236}">
-                <a16:creationId xmlns:a16="http://schemas.microsoft.com/office/drawing/2014/main" id="{707299E6-283C-4175-B3B3-5D836D4EF88A}"/>
+                <a16:creationId xmlns:a16="http://schemas.microsoft.com/office/drawing/2014/main" id="{82022DD0-D3BB-4BAC-84BB-517F888560CE}"/>
               </a:ext>
             </a:extLst>
           </p:cNvPr>
@@ -5751,7 +8060,7 @@
           <p:cNvPr id="4" name="Fußzeilenplatzhalter 3">
             <a:extLst>
               <a:ext uri="{FF2B5EF4-FFF2-40B4-BE49-F238E27FC236}">
-                <a16:creationId xmlns:a16="http://schemas.microsoft.com/office/drawing/2014/main" id="{CDC6992F-08D8-482D-96AA-DC41E416B94B}"/>
+                <a16:creationId xmlns:a16="http://schemas.microsoft.com/office/drawing/2014/main" id="{3BDE4202-8DBD-4915-BBCE-5EAFAEB90245}"/>
               </a:ext>
             </a:extLst>
           </p:cNvPr>
@@ -5780,7 +8089,7 @@
           <p:cNvPr id="5" name="Textplatzhalter 4">
             <a:extLst>
               <a:ext uri="{FF2B5EF4-FFF2-40B4-BE49-F238E27FC236}">
-                <a16:creationId xmlns:a16="http://schemas.microsoft.com/office/drawing/2014/main" id="{CB4D70E7-CAB1-402E-A84F-08E5BE171BBF}"/>
+                <a16:creationId xmlns:a16="http://schemas.microsoft.com/office/drawing/2014/main" id="{23686CD6-2E27-4BA8-A0AA-667973201185}"/>
               </a:ext>
             </a:extLst>
           </p:cNvPr>
@@ -5795,75 +8104,15 @@
         <p:txBody>
           <a:bodyPr/>
           <a:lstStyle/>
-          <a:p>
-            <a:r>
-              <a:rPr lang="en-US" dirty="0"/>
-              <a:t>Definition 3 (l-Diversity): A data set is said to satisfy</a:t>
-            </a:r>
-          </a:p>
           <a:p>
             <a:pPr marL="0" indent="0">
               <a:buNone/>
             </a:pPr>
             <a:r>
-              <a:rPr lang="en-US" dirty="0"/>
-              <a:t>l-diversity if, for each group of records sharing a</a:t>
-            </a:r>
-          </a:p>
-          <a:p>
-            <a:pPr marL="0" indent="0">
-              <a:buNone/>
-            </a:pPr>
-            <a:r>
-              <a:rPr lang="en-US" dirty="0"/>
-              <a:t>combination of key attributes, there are at least l “</a:t>
-            </a:r>
-            <a:r>
-              <a:rPr lang="en-US" dirty="0" err="1"/>
-              <a:t>wellrepresented</a:t>
-            </a:r>
-            <a:r>
-              <a:rPr lang="en-US" dirty="0"/>
-              <a:t>” values for each confidential attribute.</a:t>
-            </a:r>
-          </a:p>
-          <a:p>
-            <a:pPr marL="0" indent="0">
-              <a:buNone/>
-            </a:pPr>
-            <a:r>
-              <a:rPr lang="en-US" dirty="0"/>
-              <a:t>According to [9] the term “well-represented” can be</a:t>
-            </a:r>
-          </a:p>
-          <a:p>
-            <a:pPr marL="0" indent="0">
-              <a:buNone/>
-            </a:pPr>
-            <a:r>
-              <a:rPr lang="de-DE" dirty="0" err="1"/>
-              <a:t>defined</a:t>
-            </a:r>
-            <a:r>
-              <a:rPr lang="de-DE" dirty="0"/>
-              <a:t> in </a:t>
-            </a:r>
-            <a:r>
-              <a:rPr lang="de-DE" dirty="0" err="1"/>
-              <a:t>several</a:t>
-            </a:r>
-            <a:r>
-              <a:rPr lang="de-DE" dirty="0"/>
-              <a:t> </a:t>
-            </a:r>
-            <a:r>
-              <a:rPr lang="de-DE" dirty="0" err="1"/>
-              <a:t>ways</a:t>
-            </a:r>
-            <a:r>
-              <a:rPr lang="de-DE" dirty="0"/>
-              <a:t>:</a:t>
-            </a:r>
+              <a:rPr lang="de-DE" dirty="0" err="1"/>
+              <a:t>Example</a:t>
+            </a:r>
+            <a:endParaRPr lang="de-DE" dirty="0"/>
           </a:p>
         </p:txBody>
       </p:sp>
@@ -5872,7 +8121,7 @@
           <p:cNvPr id="6" name="Foliennummernplatzhalter 5">
             <a:extLst>
               <a:ext uri="{FF2B5EF4-FFF2-40B4-BE49-F238E27FC236}">
-                <a16:creationId xmlns:a16="http://schemas.microsoft.com/office/drawing/2014/main" id="{265E418F-8B07-43E5-91F1-566EB30C7F53}"/>
+                <a16:creationId xmlns:a16="http://schemas.microsoft.com/office/drawing/2014/main" id="{93A7E9D4-E06A-41FC-993E-12101300288F}"/>
               </a:ext>
             </a:extLst>
           </p:cNvPr>
@@ -5900,7 +8149,7 @@
     </p:spTree>
     <p:extLst>
       <p:ext uri="{BB962C8B-B14F-4D97-AF65-F5344CB8AC3E}">
-        <p14:creationId xmlns:p14="http://schemas.microsoft.com/office/powerpoint/2010/main" val="405088296"/>
+        <p14:creationId xmlns:p14="http://schemas.microsoft.com/office/powerpoint/2010/main" val="3590099776"/>
       </p:ext>
     </p:extLst>
   </p:cSld>

--- a/presentation/sicherheits.pptx
+++ b/presentation/sicherheits.pptx
@@ -5,10 +5,10 @@
     <p:sldMasterId id="2147483678" r:id="rId2"/>
   </p:sldMasterIdLst>
   <p:notesMasterIdLst>
-    <p:notesMasterId r:id="rId26"/>
+    <p:notesMasterId r:id="rId30"/>
   </p:notesMasterIdLst>
   <p:handoutMasterIdLst>
-    <p:handoutMasterId r:id="rId27"/>
+    <p:handoutMasterId r:id="rId31"/>
   </p:handoutMasterIdLst>
   <p:sldIdLst>
     <p:sldId id="256" r:id="rId3"/>
@@ -20,20 +20,24 @@
     <p:sldId id="272" r:id="rId9"/>
     <p:sldId id="273" r:id="rId10"/>
     <p:sldId id="274" r:id="rId11"/>
-    <p:sldId id="275" r:id="rId12"/>
-    <p:sldId id="276" r:id="rId13"/>
-    <p:sldId id="277" r:id="rId14"/>
-    <p:sldId id="278" r:id="rId15"/>
-    <p:sldId id="259" r:id="rId16"/>
-    <p:sldId id="270" r:id="rId17"/>
-    <p:sldId id="263" r:id="rId18"/>
-    <p:sldId id="264" r:id="rId19"/>
-    <p:sldId id="260" r:id="rId20"/>
-    <p:sldId id="265" r:id="rId21"/>
-    <p:sldId id="266" r:id="rId22"/>
-    <p:sldId id="262" r:id="rId23"/>
-    <p:sldId id="261" r:id="rId24"/>
-    <p:sldId id="267" r:id="rId25"/>
+    <p:sldId id="270" r:id="rId12"/>
+    <p:sldId id="275" r:id="rId13"/>
+    <p:sldId id="276" r:id="rId14"/>
+    <p:sldId id="277" r:id="rId15"/>
+    <p:sldId id="278" r:id="rId16"/>
+    <p:sldId id="279" r:id="rId17"/>
+    <p:sldId id="280" r:id="rId18"/>
+    <p:sldId id="281" r:id="rId19"/>
+    <p:sldId id="282" r:id="rId20"/>
+    <p:sldId id="259" r:id="rId21"/>
+    <p:sldId id="263" r:id="rId22"/>
+    <p:sldId id="264" r:id="rId23"/>
+    <p:sldId id="260" r:id="rId24"/>
+    <p:sldId id="265" r:id="rId25"/>
+    <p:sldId id="266" r:id="rId26"/>
+    <p:sldId id="262" r:id="rId27"/>
+    <p:sldId id="261" r:id="rId28"/>
+    <p:sldId id="267" r:id="rId29"/>
   </p:sldIdLst>
   <p:sldSz cx="9144000" cy="6858000" type="screen4x3"/>
   <p:notesSz cx="7099300" cy="10234613"/>
@@ -2695,7 +2699,7 @@
           <p:cNvPr id="2" name="Titel 1">
             <a:extLst>
               <a:ext uri="{FF2B5EF4-FFF2-40B4-BE49-F238E27FC236}">
-                <a16:creationId xmlns:a16="http://schemas.microsoft.com/office/drawing/2014/main" id="{E409B5AD-9023-4577-80E9-CDB25B8FBD5F}"/>
+                <a16:creationId xmlns:a16="http://schemas.microsoft.com/office/drawing/2014/main" id="{5DFF05F5-BFE1-403A-A36E-6A2828649D6F}"/>
               </a:ext>
             </a:extLst>
           </p:cNvPr>
@@ -2712,10 +2716,10 @@
           <a:lstStyle/>
           <a:p>
             <a:r>
-              <a:rPr lang="de-DE" b="1" dirty="0"/>
-              <a:t>6.4. Collaborative Data Publishing -</a:t>
-            </a:r>
-            <a:endParaRPr lang="de-DE" dirty="0"/>
+              <a:rPr lang="de-DE" sz="2400" b="1" dirty="0"/>
+              <a:t>EXTENDED SCENARIOS - Multiple Release Publishing</a:t>
+            </a:r>
+            <a:endParaRPr lang="de-DE" sz="2400" dirty="0"/>
           </a:p>
         </p:txBody>
       </p:sp>
@@ -2724,7 +2728,7 @@
           <p:cNvPr id="3" name="Datumsplatzhalter 2">
             <a:extLst>
               <a:ext uri="{FF2B5EF4-FFF2-40B4-BE49-F238E27FC236}">
-                <a16:creationId xmlns:a16="http://schemas.microsoft.com/office/drawing/2014/main" id="{862D45DF-953B-440C-8392-F79536D74077}"/>
+                <a16:creationId xmlns:a16="http://schemas.microsoft.com/office/drawing/2014/main" id="{90B812E9-FF67-440E-8D43-E9D95CEADC88}"/>
               </a:ext>
             </a:extLst>
           </p:cNvPr>
@@ -2753,7 +2757,7 @@
           <p:cNvPr id="4" name="Fußzeilenplatzhalter 3">
             <a:extLst>
               <a:ext uri="{FF2B5EF4-FFF2-40B4-BE49-F238E27FC236}">
-                <a16:creationId xmlns:a16="http://schemas.microsoft.com/office/drawing/2014/main" id="{363CAF52-DCB5-4A4D-9FC3-D6124547A09B}"/>
+                <a16:creationId xmlns:a16="http://schemas.microsoft.com/office/drawing/2014/main" id="{830002ED-C0A7-4887-8B84-D46B721CD647}"/>
               </a:ext>
             </a:extLst>
           </p:cNvPr>
@@ -2782,7 +2786,7 @@
           <p:cNvPr id="5" name="Textplatzhalter 4">
             <a:extLst>
               <a:ext uri="{FF2B5EF4-FFF2-40B4-BE49-F238E27FC236}">
-                <a16:creationId xmlns:a16="http://schemas.microsoft.com/office/drawing/2014/main" id="{DEFD85B4-EAA6-4214-96BE-BB8640E173D4}"/>
+                <a16:creationId xmlns:a16="http://schemas.microsoft.com/office/drawing/2014/main" id="{817EA547-F858-48D5-A99A-AC24CC5B1BEE}"/>
               </a:ext>
             </a:extLst>
           </p:cNvPr>
@@ -2798,7 +2802,252 @@
           <a:bodyPr/>
           <a:lstStyle/>
           <a:p>
-            <a:endParaRPr lang="de-DE"/>
+            <a:pPr>
+              <a:buFontTx/>
+              <a:buChar char="-"/>
+            </a:pPr>
+            <a:r>
+              <a:rPr lang="de-DE" dirty="0"/>
+              <a:t>Different </a:t>
+            </a:r>
+            <a:r>
+              <a:rPr lang="de-DE" dirty="0" err="1"/>
+              <a:t>data</a:t>
+            </a:r>
+            <a:r>
+              <a:rPr lang="de-DE" dirty="0"/>
+              <a:t> </a:t>
+            </a:r>
+            <a:r>
+              <a:rPr lang="de-DE" dirty="0" err="1"/>
+              <a:t>recipients</a:t>
+            </a:r>
+            <a:r>
+              <a:rPr lang="de-DE" dirty="0"/>
+              <a:t> </a:t>
+            </a:r>
+            <a:r>
+              <a:rPr lang="de-DE" dirty="0" err="1"/>
+              <a:t>got</a:t>
+            </a:r>
+            <a:r>
+              <a:rPr lang="de-DE" dirty="0"/>
+              <a:t> different </a:t>
+            </a:r>
+            <a:r>
+              <a:rPr lang="de-DE" dirty="0" err="1"/>
+              <a:t>claims</a:t>
+            </a:r>
+            <a:r>
+              <a:rPr lang="de-DE" dirty="0"/>
+              <a:t> </a:t>
+            </a:r>
+            <a:r>
+              <a:rPr lang="de-DE" dirty="0" err="1"/>
+              <a:t>to</a:t>
+            </a:r>
+            <a:r>
+              <a:rPr lang="de-DE" dirty="0"/>
+              <a:t> </a:t>
+            </a:r>
+            <a:r>
+              <a:rPr lang="de-DE" dirty="0" err="1"/>
+              <a:t>the</a:t>
+            </a:r>
+            <a:r>
+              <a:rPr lang="de-DE" dirty="0"/>
+              <a:t> </a:t>
+            </a:r>
+            <a:r>
+              <a:rPr lang="de-DE" dirty="0" err="1"/>
+              <a:t>data</a:t>
+            </a:r>
+            <a:endParaRPr lang="de-DE" dirty="0"/>
+          </a:p>
+          <a:p>
+            <a:pPr marL="0" indent="0">
+              <a:buNone/>
+            </a:pPr>
+            <a:r>
+              <a:rPr lang="de-DE" dirty="0"/>
+              <a:t>T(Job, Sex, Age, </a:t>
+            </a:r>
+            <a:r>
+              <a:rPr lang="de-DE" dirty="0" err="1"/>
+              <a:t>Race</a:t>
+            </a:r>
+            <a:r>
+              <a:rPr lang="de-DE" dirty="0"/>
+              <a:t>, Disease, </a:t>
+            </a:r>
+            <a:r>
+              <a:rPr lang="de-DE" dirty="0" err="1"/>
+              <a:t>Salary</a:t>
+            </a:r>
+            <a:r>
+              <a:rPr lang="de-DE" dirty="0"/>
+              <a:t>)</a:t>
+            </a:r>
+          </a:p>
+          <a:p>
+            <a:pPr marL="0" indent="0">
+              <a:buNone/>
+            </a:pPr>
+            <a:r>
+              <a:rPr lang="de-DE" dirty="0" err="1"/>
+              <a:t>Pharma</a:t>
+            </a:r>
+            <a:r>
+              <a:rPr lang="de-DE" dirty="0"/>
+              <a:t> </a:t>
+            </a:r>
+            <a:r>
+              <a:rPr lang="de-DE" dirty="0" err="1"/>
+              <a:t>company</a:t>
+            </a:r>
+            <a:r>
+              <a:rPr lang="de-DE" dirty="0"/>
+              <a:t> </a:t>
+            </a:r>
+            <a:r>
+              <a:rPr lang="de-DE" dirty="0" err="1"/>
+              <a:t>intresed</a:t>
+            </a:r>
+            <a:r>
+              <a:rPr lang="de-DE" dirty="0"/>
+              <a:t> in </a:t>
+            </a:r>
+            <a:r>
+              <a:rPr lang="de-DE" dirty="0" err="1"/>
+              <a:t>diesease</a:t>
+            </a:r>
+            <a:r>
+              <a:rPr lang="de-DE" dirty="0"/>
+              <a:t> </a:t>
+            </a:r>
+            <a:r>
+              <a:rPr lang="de-DE" dirty="0" err="1"/>
+              <a:t>with</a:t>
+            </a:r>
+            <a:r>
+              <a:rPr lang="de-DE" dirty="0"/>
+              <a:t> </a:t>
+            </a:r>
+            <a:r>
+              <a:rPr lang="de-DE" dirty="0" err="1"/>
+              <a:t>attribute</a:t>
+            </a:r>
+            <a:r>
+              <a:rPr lang="de-DE" dirty="0"/>
+              <a:t> </a:t>
+            </a:r>
+            <a:r>
+              <a:rPr lang="de-DE" dirty="0" err="1"/>
+              <a:t>job,sex</a:t>
+            </a:r>
+            <a:r>
+              <a:rPr lang="de-DE" dirty="0"/>
+              <a:t>, </a:t>
+            </a:r>
+            <a:r>
+              <a:rPr lang="de-DE" dirty="0" err="1"/>
+              <a:t>age</a:t>
+            </a:r>
+            <a:endParaRPr lang="de-DE" dirty="0"/>
+          </a:p>
+          <a:p>
+            <a:pPr marL="0" indent="0">
+              <a:buNone/>
+            </a:pPr>
+            <a:r>
+              <a:rPr lang="de-DE" dirty="0" err="1"/>
+              <a:t>Another</a:t>
+            </a:r>
+            <a:r>
+              <a:rPr lang="de-DE" dirty="0"/>
+              <a:t> </a:t>
+            </a:r>
+            <a:r>
+              <a:rPr lang="de-DE" dirty="0" err="1"/>
+              <a:t>is</a:t>
+            </a:r>
+            <a:r>
+              <a:rPr lang="de-DE" dirty="0"/>
+              <a:t> </a:t>
+            </a:r>
+            <a:r>
+              <a:rPr lang="de-DE" dirty="0" err="1"/>
+              <a:t>intereset</a:t>
+            </a:r>
+            <a:r>
+              <a:rPr lang="de-DE" dirty="0"/>
+              <a:t> in JOB, AGE, RACE</a:t>
+            </a:r>
+          </a:p>
+          <a:p>
+            <a:pPr marL="0" indent="0">
+              <a:buNone/>
+            </a:pPr>
+            <a:r>
+              <a:rPr lang="de-DE" dirty="0" err="1"/>
+              <a:t>Relse</a:t>
+            </a:r>
+            <a:r>
+              <a:rPr lang="de-DE" dirty="0"/>
+              <a:t> </a:t>
+            </a:r>
+            <a:r>
+              <a:rPr lang="de-DE" dirty="0" err="1"/>
+              <a:t>one</a:t>
+            </a:r>
+            <a:r>
+              <a:rPr lang="de-DE" dirty="0"/>
+              <a:t> </a:t>
+            </a:r>
+            <a:r>
+              <a:rPr lang="de-DE" dirty="0" err="1"/>
+              <a:t>table</a:t>
+            </a:r>
+            <a:r>
+              <a:rPr lang="de-DE" dirty="0"/>
+              <a:t> </a:t>
+            </a:r>
+            <a:r>
+              <a:rPr lang="de-DE" dirty="0" err="1"/>
+              <a:t>with</a:t>
+            </a:r>
+            <a:r>
+              <a:rPr lang="de-DE" dirty="0"/>
+              <a:t> {JOB, Sex, Age, </a:t>
+            </a:r>
+            <a:r>
+              <a:rPr lang="de-DE" dirty="0" err="1"/>
+              <a:t>Race</a:t>
+            </a:r>
+            <a:r>
+              <a:rPr lang="de-DE" dirty="0"/>
+              <a:t>}</a:t>
+            </a:r>
+          </a:p>
+          <a:p>
+            <a:r>
+              <a:rPr lang="de-DE" dirty="0"/>
+              <a:t>- </a:t>
+            </a:r>
+            <a:r>
+              <a:rPr lang="en-US" dirty="0"/>
+              <a:t>A drawback is that information is released unnecessarily, in that neither of the two purposes needs all four attributes</a:t>
+            </a:r>
+          </a:p>
+          <a:p>
+            <a:pPr marL="0" indent="0">
+              <a:buNone/>
+            </a:pPr>
+            <a:r>
+              <a:rPr lang="en-US" dirty="0"/>
+              <a:t>You make one for both of them. Problem </a:t>
+            </a:r>
+            <a:endParaRPr lang="de-DE" dirty="0"/>
           </a:p>
         </p:txBody>
       </p:sp>
@@ -2807,7 +3056,7 @@
           <p:cNvPr id="6" name="Foliennummernplatzhalter 5">
             <a:extLst>
               <a:ext uri="{FF2B5EF4-FFF2-40B4-BE49-F238E27FC236}">
-                <a16:creationId xmlns:a16="http://schemas.microsoft.com/office/drawing/2014/main" id="{2AF4F23A-5C6F-4187-AD19-8C0F68B37EB1}"/>
+                <a16:creationId xmlns:a16="http://schemas.microsoft.com/office/drawing/2014/main" id="{1A5F5161-AF90-426C-A082-2392411945CF}"/>
               </a:ext>
             </a:extLst>
           </p:cNvPr>
@@ -2835,7 +3084,7 @@
     </p:spTree>
     <p:extLst>
       <p:ext uri="{BB962C8B-B14F-4D97-AF65-F5344CB8AC3E}">
-        <p14:creationId xmlns:p14="http://schemas.microsoft.com/office/powerpoint/2010/main" val="634117143"/>
+        <p14:creationId xmlns:p14="http://schemas.microsoft.com/office/powerpoint/2010/main" val="839178868"/>
       </p:ext>
     </p:extLst>
   </p:cSld>
@@ -2867,7 +3116,7 @@
           <p:cNvPr id="2" name="Titel 1">
             <a:extLst>
               <a:ext uri="{FF2B5EF4-FFF2-40B4-BE49-F238E27FC236}">
-                <a16:creationId xmlns:a16="http://schemas.microsoft.com/office/drawing/2014/main" id="{880B0643-6694-4756-9185-6B245935614C}"/>
+                <a16:creationId xmlns:a16="http://schemas.microsoft.com/office/drawing/2014/main" id="{E409B5AD-9023-4577-80E9-CDB25B8FBD5F}"/>
               </a:ext>
             </a:extLst>
           </p:cNvPr>
@@ -2896,7 +3145,7 @@
           <p:cNvPr id="3" name="Datumsplatzhalter 2">
             <a:extLst>
               <a:ext uri="{FF2B5EF4-FFF2-40B4-BE49-F238E27FC236}">
-                <a16:creationId xmlns:a16="http://schemas.microsoft.com/office/drawing/2014/main" id="{8667CFBC-D3CB-4020-9CC4-C40EB8692D3A}"/>
+                <a16:creationId xmlns:a16="http://schemas.microsoft.com/office/drawing/2014/main" id="{862D45DF-953B-440C-8392-F79536D74077}"/>
               </a:ext>
             </a:extLst>
           </p:cNvPr>
@@ -2925,7 +3174,7 @@
           <p:cNvPr id="4" name="Fußzeilenplatzhalter 3">
             <a:extLst>
               <a:ext uri="{FF2B5EF4-FFF2-40B4-BE49-F238E27FC236}">
-                <a16:creationId xmlns:a16="http://schemas.microsoft.com/office/drawing/2014/main" id="{F090A285-9439-4429-99C4-75D394A2D8A7}"/>
+                <a16:creationId xmlns:a16="http://schemas.microsoft.com/office/drawing/2014/main" id="{363CAF52-DCB5-4A4D-9FC3-D6124547A09B}"/>
               </a:ext>
             </a:extLst>
           </p:cNvPr>
@@ -2954,7 +3203,7 @@
           <p:cNvPr id="5" name="Textplatzhalter 4">
             <a:extLst>
               <a:ext uri="{FF2B5EF4-FFF2-40B4-BE49-F238E27FC236}">
-                <a16:creationId xmlns:a16="http://schemas.microsoft.com/office/drawing/2014/main" id="{F9879744-E302-4E08-830A-2D28DC39F827}"/>
+                <a16:creationId xmlns:a16="http://schemas.microsoft.com/office/drawing/2014/main" id="{DEFD85B4-EAA6-4214-96BE-BB8640E173D4}"/>
               </a:ext>
             </a:extLst>
           </p:cNvPr>
@@ -2970,14 +3219,7 @@
           <a:bodyPr/>
           <a:lstStyle/>
           <a:p>
-            <a:pPr marL="0" indent="0">
-              <a:buNone/>
-            </a:pPr>
-            <a:r>
-              <a:rPr lang="de-DE" dirty="0" err="1"/>
-              <a:t>Example</a:t>
-            </a:r>
-            <a:endParaRPr lang="de-DE" dirty="0"/>
+            <a:endParaRPr lang="de-DE"/>
           </a:p>
         </p:txBody>
       </p:sp>
@@ -2986,7 +3228,7 @@
           <p:cNvPr id="6" name="Foliennummernplatzhalter 5">
             <a:extLst>
               <a:ext uri="{FF2B5EF4-FFF2-40B4-BE49-F238E27FC236}">
-                <a16:creationId xmlns:a16="http://schemas.microsoft.com/office/drawing/2014/main" id="{E13263FB-951B-4669-AFBC-303812524A4E}"/>
+                <a16:creationId xmlns:a16="http://schemas.microsoft.com/office/drawing/2014/main" id="{2AF4F23A-5C6F-4187-AD19-8C0F68B37EB1}"/>
               </a:ext>
             </a:extLst>
           </p:cNvPr>
@@ -3014,7 +3256,7 @@
     </p:spTree>
     <p:extLst>
       <p:ext uri="{BB962C8B-B14F-4D97-AF65-F5344CB8AC3E}">
-        <p14:creationId xmlns:p14="http://schemas.microsoft.com/office/powerpoint/2010/main" val="880105888"/>
+        <p14:creationId xmlns:p14="http://schemas.microsoft.com/office/powerpoint/2010/main" val="634117143"/>
       </p:ext>
     </p:extLst>
   </p:cSld>
@@ -3046,7 +3288,7 @@
           <p:cNvPr id="2" name="Titel 1">
             <a:extLst>
               <a:ext uri="{FF2B5EF4-FFF2-40B4-BE49-F238E27FC236}">
-                <a16:creationId xmlns:a16="http://schemas.microsoft.com/office/drawing/2014/main" id="{8630F9EE-799A-4FBC-BDC9-BBCD9F117865}"/>
+                <a16:creationId xmlns:a16="http://schemas.microsoft.com/office/drawing/2014/main" id="{880B0643-6694-4756-9185-6B245935614C}"/>
               </a:ext>
             </a:extLst>
           </p:cNvPr>
@@ -3064,7 +3306,7 @@
           <a:p>
             <a:r>
               <a:rPr lang="de-DE" b="1" dirty="0"/>
-              <a:t>High-Dimensional Transaction Data</a:t>
+              <a:t>6.4. Collaborative Data Publishing -</a:t>
             </a:r>
             <a:endParaRPr lang="de-DE" dirty="0"/>
           </a:p>
@@ -3075,7 +3317,7 @@
           <p:cNvPr id="3" name="Datumsplatzhalter 2">
             <a:extLst>
               <a:ext uri="{FF2B5EF4-FFF2-40B4-BE49-F238E27FC236}">
-                <a16:creationId xmlns:a16="http://schemas.microsoft.com/office/drawing/2014/main" id="{2024E019-E637-42FA-954A-B2746B57FA3E}"/>
+                <a16:creationId xmlns:a16="http://schemas.microsoft.com/office/drawing/2014/main" id="{8667CFBC-D3CB-4020-9CC4-C40EB8692D3A}"/>
               </a:ext>
             </a:extLst>
           </p:cNvPr>
@@ -3104,7 +3346,7 @@
           <p:cNvPr id="4" name="Fußzeilenplatzhalter 3">
             <a:extLst>
               <a:ext uri="{FF2B5EF4-FFF2-40B4-BE49-F238E27FC236}">
-                <a16:creationId xmlns:a16="http://schemas.microsoft.com/office/drawing/2014/main" id="{11871A7E-DE7F-4B04-A79B-7559FABD8314}"/>
+                <a16:creationId xmlns:a16="http://schemas.microsoft.com/office/drawing/2014/main" id="{F090A285-9439-4429-99C4-75D394A2D8A7}"/>
               </a:ext>
             </a:extLst>
           </p:cNvPr>
@@ -3133,7 +3375,7 @@
           <p:cNvPr id="5" name="Textplatzhalter 4">
             <a:extLst>
               <a:ext uri="{FF2B5EF4-FFF2-40B4-BE49-F238E27FC236}">
-                <a16:creationId xmlns:a16="http://schemas.microsoft.com/office/drawing/2014/main" id="{17162768-F447-417D-8E83-B270B3CE3A5D}"/>
+                <a16:creationId xmlns:a16="http://schemas.microsoft.com/office/drawing/2014/main" id="{F9879744-E302-4E08-830A-2D28DC39F827}"/>
               </a:ext>
             </a:extLst>
           </p:cNvPr>
@@ -3149,65 +3391,12 @@
           <a:bodyPr/>
           <a:lstStyle/>
           <a:p>
-            <a:r>
-              <a:rPr lang="de-DE" dirty="0" err="1"/>
-              <a:t>Aol</a:t>
-            </a:r>
-            <a:r>
-              <a:rPr lang="de-DE" dirty="0"/>
-              <a:t> </a:t>
-            </a:r>
-            <a:r>
-              <a:rPr lang="de-DE" dirty="0" err="1"/>
-              <a:t>example</a:t>
-            </a:r>
-            <a:r>
-              <a:rPr lang="de-DE" dirty="0"/>
-              <a:t> </a:t>
-            </a:r>
-            <a:r>
-              <a:rPr lang="en-US" dirty="0"/>
-              <a:t>Transaction data is usually high-dimensional. For example, Amazon.com has several million catalog items. Each dimension could be a potential </a:t>
-            </a:r>
-            <a:r>
-              <a:rPr lang="en-US" i="1" dirty="0"/>
-              <a:t>QID </a:t>
-            </a:r>
-            <a:r>
-              <a:rPr lang="en-US" dirty="0"/>
-              <a:t>attribute used for record or attribute linkages; therefore, employing traditional privacy models, such as </a:t>
-            </a:r>
-            <a:r>
-              <a:rPr lang="en-US" i="1" dirty="0"/>
-              <a:t>k</a:t>
-            </a:r>
-            <a:r>
-              <a:rPr lang="en-US" dirty="0"/>
-              <a:t>-anonymity, would require including all dimensions into a single </a:t>
-            </a:r>
-            <a:r>
-              <a:rPr lang="en-US" i="1" dirty="0"/>
-              <a:t>QID</a:t>
-            </a:r>
-            <a:r>
-              <a:rPr lang="en-US" dirty="0"/>
-              <a:t>. Due to the curse of high-dimensionality [Aggarwal 2005], it is very likely that lots of data has to be suppressed or generalized to the top-most values in order to satisfy </a:t>
-            </a:r>
-            <a:r>
-              <a:rPr lang="en-US" i="1" dirty="0"/>
-              <a:t>k</a:t>
-            </a:r>
-            <a:r>
-              <a:rPr lang="en-US" dirty="0"/>
-              <a:t>-anonymity, even if </a:t>
-            </a:r>
-            <a:r>
-              <a:rPr lang="en-US" i="1" dirty="0"/>
-              <a:t>k </a:t>
-            </a:r>
-            <a:r>
-              <a:rPr lang="en-US" dirty="0"/>
-              <a:t>is small. Obviously, such anonymous data is useless for data analysis.</a:t>
+            <a:pPr marL="0" indent="0">
+              <a:buNone/>
+            </a:pPr>
+            <a:r>
+              <a:rPr lang="de-DE" dirty="0" err="1"/>
+              <a:t>Example</a:t>
             </a:r>
             <a:endParaRPr lang="de-DE" dirty="0"/>
           </a:p>
@@ -3218,7 +3407,7 @@
           <p:cNvPr id="6" name="Foliennummernplatzhalter 5">
             <a:extLst>
               <a:ext uri="{FF2B5EF4-FFF2-40B4-BE49-F238E27FC236}">
-                <a16:creationId xmlns:a16="http://schemas.microsoft.com/office/drawing/2014/main" id="{1F7C9EDA-B921-4D19-B054-284FFDECB071}"/>
+                <a16:creationId xmlns:a16="http://schemas.microsoft.com/office/drawing/2014/main" id="{E13263FB-951B-4669-AFBC-303812524A4E}"/>
               </a:ext>
             </a:extLst>
           </p:cNvPr>
@@ -3246,7 +3435,7 @@
     </p:spTree>
     <p:extLst>
       <p:ext uri="{BB962C8B-B14F-4D97-AF65-F5344CB8AC3E}">
-        <p14:creationId xmlns:p14="http://schemas.microsoft.com/office/powerpoint/2010/main" val="1473261035"/>
+        <p14:creationId xmlns:p14="http://schemas.microsoft.com/office/powerpoint/2010/main" val="880105888"/>
       </p:ext>
     </p:extLst>
   </p:cSld>
@@ -3278,7 +3467,7 @@
           <p:cNvPr id="2" name="Titel 1">
             <a:extLst>
               <a:ext uri="{FF2B5EF4-FFF2-40B4-BE49-F238E27FC236}">
-                <a16:creationId xmlns:a16="http://schemas.microsoft.com/office/drawing/2014/main" id="{DD780236-DFF8-4429-AD46-A0D4B640B608}"/>
+                <a16:creationId xmlns:a16="http://schemas.microsoft.com/office/drawing/2014/main" id="{8630F9EE-799A-4FBC-BDC9-BBCD9F117865}"/>
               </a:ext>
             </a:extLst>
           </p:cNvPr>
@@ -3295,10 +3484,10 @@
           <a:lstStyle/>
           <a:p>
             <a:r>
-              <a:rPr lang="de-DE" b="1"/>
+              <a:rPr lang="de-DE" b="1" dirty="0"/>
               <a:t>High-Dimensional Transaction Data</a:t>
             </a:r>
-            <a:endParaRPr lang="de-DE"/>
+            <a:endParaRPr lang="de-DE" dirty="0"/>
           </a:p>
         </p:txBody>
       </p:sp>
@@ -3307,7 +3496,7 @@
           <p:cNvPr id="3" name="Datumsplatzhalter 2">
             <a:extLst>
               <a:ext uri="{FF2B5EF4-FFF2-40B4-BE49-F238E27FC236}">
-                <a16:creationId xmlns:a16="http://schemas.microsoft.com/office/drawing/2014/main" id="{69419E86-0E9E-4216-B427-413C6BA3C0D7}"/>
+                <a16:creationId xmlns:a16="http://schemas.microsoft.com/office/drawing/2014/main" id="{2024E019-E637-42FA-954A-B2746B57FA3E}"/>
               </a:ext>
             </a:extLst>
           </p:cNvPr>
@@ -3336,7 +3525,7 @@
           <p:cNvPr id="4" name="Fußzeilenplatzhalter 3">
             <a:extLst>
               <a:ext uri="{FF2B5EF4-FFF2-40B4-BE49-F238E27FC236}">
-                <a16:creationId xmlns:a16="http://schemas.microsoft.com/office/drawing/2014/main" id="{212DC528-EE24-4AC3-9EED-1BF090D99EF2}"/>
+                <a16:creationId xmlns:a16="http://schemas.microsoft.com/office/drawing/2014/main" id="{11871A7E-DE7F-4B04-A79B-7559FABD8314}"/>
               </a:ext>
             </a:extLst>
           </p:cNvPr>
@@ -3365,7 +3554,7 @@
           <p:cNvPr id="5" name="Textplatzhalter 4">
             <a:extLst>
               <a:ext uri="{FF2B5EF4-FFF2-40B4-BE49-F238E27FC236}">
-                <a16:creationId xmlns:a16="http://schemas.microsoft.com/office/drawing/2014/main" id="{064D59BE-0376-4E44-A0FE-7031A294F35F}"/>
+                <a16:creationId xmlns:a16="http://schemas.microsoft.com/office/drawing/2014/main" id="{17162768-F447-417D-8E83-B270B3CE3A5D}"/>
               </a:ext>
             </a:extLst>
           </p:cNvPr>
@@ -3383,8 +3572,64 @@
           <a:p>
             <a:r>
               <a:rPr lang="de-DE" dirty="0" err="1"/>
+              <a:t>Aol</a:t>
+            </a:r>
+            <a:r>
+              <a:rPr lang="de-DE" dirty="0"/>
+              <a:t> </a:t>
+            </a:r>
+            <a:r>
+              <a:rPr lang="de-DE" dirty="0" err="1"/>
               <a:t>example</a:t>
             </a:r>
+            <a:r>
+              <a:rPr lang="de-DE" dirty="0"/>
+              <a:t> </a:t>
+            </a:r>
+            <a:r>
+              <a:rPr lang="en-US" dirty="0"/>
+              <a:t>Transaction data is usually high-dimensional. For example, Amazon.com has several million catalog items. Each dimension could be a potential </a:t>
+            </a:r>
+            <a:r>
+              <a:rPr lang="en-US" i="1" dirty="0"/>
+              <a:t>QID </a:t>
+            </a:r>
+            <a:r>
+              <a:rPr lang="en-US" dirty="0"/>
+              <a:t>attribute used for record or attribute linkages; therefore, employing traditional privacy models, such as </a:t>
+            </a:r>
+            <a:r>
+              <a:rPr lang="en-US" i="1" dirty="0"/>
+              <a:t>k</a:t>
+            </a:r>
+            <a:r>
+              <a:rPr lang="en-US" dirty="0"/>
+              <a:t>-anonymity, would require including all dimensions into a single </a:t>
+            </a:r>
+            <a:r>
+              <a:rPr lang="en-US" i="1" dirty="0"/>
+              <a:t>QID</a:t>
+            </a:r>
+            <a:r>
+              <a:rPr lang="en-US" dirty="0"/>
+              <a:t>. Due to the curse of high-dimensionality [Aggarwal 2005], it is very likely that lots of data has to be suppressed or generalized to the top-most values in order to satisfy </a:t>
+            </a:r>
+            <a:r>
+              <a:rPr lang="en-US" i="1" dirty="0"/>
+              <a:t>k</a:t>
+            </a:r>
+            <a:r>
+              <a:rPr lang="en-US" dirty="0"/>
+              <a:t>-anonymity, even if </a:t>
+            </a:r>
+            <a:r>
+              <a:rPr lang="en-US" i="1" dirty="0"/>
+              <a:t>k </a:t>
+            </a:r>
+            <a:r>
+              <a:rPr lang="en-US" dirty="0"/>
+              <a:t>is small. Obviously, such anonymous data is useless for data analysis.</a:t>
+            </a:r>
             <a:endParaRPr lang="de-DE" dirty="0"/>
           </a:p>
         </p:txBody>
@@ -3394,7 +3639,7 @@
           <p:cNvPr id="6" name="Foliennummernplatzhalter 5">
             <a:extLst>
               <a:ext uri="{FF2B5EF4-FFF2-40B4-BE49-F238E27FC236}">
-                <a16:creationId xmlns:a16="http://schemas.microsoft.com/office/drawing/2014/main" id="{E25D3BF9-A70C-417F-A9C7-F883A5D091A9}"/>
+                <a16:creationId xmlns:a16="http://schemas.microsoft.com/office/drawing/2014/main" id="{1F7C9EDA-B921-4D19-B054-284FFDECB071}"/>
               </a:ext>
             </a:extLst>
           </p:cNvPr>
@@ -3422,7 +3667,7 @@
     </p:spTree>
     <p:extLst>
       <p:ext uri="{BB962C8B-B14F-4D97-AF65-F5344CB8AC3E}">
-        <p14:creationId xmlns:p14="http://schemas.microsoft.com/office/powerpoint/2010/main" val="673325542"/>
+        <p14:creationId xmlns:p14="http://schemas.microsoft.com/office/powerpoint/2010/main" val="1473261035"/>
       </p:ext>
     </p:extLst>
   </p:cSld>
@@ -3454,7 +3699,7 @@
           <p:cNvPr id="2" name="Titel 1">
             <a:extLst>
               <a:ext uri="{FF2B5EF4-FFF2-40B4-BE49-F238E27FC236}">
-                <a16:creationId xmlns:a16="http://schemas.microsoft.com/office/drawing/2014/main" id="{5A696494-2619-425B-9A88-26F6239A8C0F}"/>
+                <a16:creationId xmlns:a16="http://schemas.microsoft.com/office/drawing/2014/main" id="{DD780236-DFF8-4429-AD46-A0D4B640B608}"/>
               </a:ext>
             </a:extLst>
           </p:cNvPr>
@@ -3471,14 +3716,10 @@
           <a:lstStyle/>
           <a:p>
             <a:r>
-              <a:rPr lang="de-DE" b="1" dirty="0" err="1"/>
-              <a:t>Attacks</a:t>
-            </a:r>
-            <a:r>
-              <a:rPr lang="de-DE" b="1" dirty="0"/>
-              <a:t> on K-ANONYMITY </a:t>
-            </a:r>
-            <a:endParaRPr lang="de-DE" dirty="0"/>
+              <a:rPr lang="de-DE" b="1"/>
+              <a:t>High-Dimensional Transaction Data</a:t>
+            </a:r>
+            <a:endParaRPr lang="de-DE"/>
           </a:p>
         </p:txBody>
       </p:sp>
@@ -3487,7 +3728,7 @@
           <p:cNvPr id="3" name="Datumsplatzhalter 2">
             <a:extLst>
               <a:ext uri="{FF2B5EF4-FFF2-40B4-BE49-F238E27FC236}">
-                <a16:creationId xmlns:a16="http://schemas.microsoft.com/office/drawing/2014/main" id="{2B614201-281B-41E9-A020-0CDA277467C3}"/>
+                <a16:creationId xmlns:a16="http://schemas.microsoft.com/office/drawing/2014/main" id="{69419E86-0E9E-4216-B427-413C6BA3C0D7}"/>
               </a:ext>
             </a:extLst>
           </p:cNvPr>
@@ -3516,7 +3757,7 @@
           <p:cNvPr id="4" name="Fußzeilenplatzhalter 3">
             <a:extLst>
               <a:ext uri="{FF2B5EF4-FFF2-40B4-BE49-F238E27FC236}">
-                <a16:creationId xmlns:a16="http://schemas.microsoft.com/office/drawing/2014/main" id="{E5DE40AE-BF51-40C8-A6E9-F8B2204521CC}"/>
+                <a16:creationId xmlns:a16="http://schemas.microsoft.com/office/drawing/2014/main" id="{212DC528-EE24-4AC3-9EED-1BF090D99EF2}"/>
               </a:ext>
             </a:extLst>
           </p:cNvPr>
@@ -3533,12 +3774,8 @@
           <a:lstStyle/>
           <a:p>
             <a:r>
-              <a:rPr lang="de-DE" dirty="0"/>
-              <a:t>Andreas Wiegand &amp; Ludwig </a:t>
-            </a:r>
-            <a:r>
-              <a:rPr lang="de-DE" dirty="0" err="1"/>
-              <a:t>Schallner</a:t>
+              <a:rPr lang="de-DE"/>
+              <a:t>Andreas Heimann &amp; Matthias Puchta</a:t>
             </a:r>
             <a:endParaRPr lang="de-DE" dirty="0"/>
           </a:p>
@@ -3549,7 +3786,7 @@
           <p:cNvPr id="5" name="Textplatzhalter 4">
             <a:extLst>
               <a:ext uri="{FF2B5EF4-FFF2-40B4-BE49-F238E27FC236}">
-                <a16:creationId xmlns:a16="http://schemas.microsoft.com/office/drawing/2014/main" id="{AB5F7A7E-01C8-48FD-8047-5A2134437BC9}"/>
+                <a16:creationId xmlns:a16="http://schemas.microsoft.com/office/drawing/2014/main" id="{064D59BE-0376-4E44-A0FE-7031A294F35F}"/>
               </a:ext>
             </a:extLst>
           </p:cNvPr>
@@ -3566,124 +3803,8 @@
           <a:lstStyle/>
           <a:p>
             <a:r>
-              <a:rPr lang="de-DE" b="1" dirty="0" err="1"/>
-              <a:t>Homogeneity</a:t>
-            </a:r>
-            <a:r>
-              <a:rPr lang="de-DE" b="1" dirty="0"/>
-              <a:t> </a:t>
-            </a:r>
-            <a:r>
-              <a:rPr lang="de-DE" b="1" dirty="0" err="1"/>
-              <a:t>Attack</a:t>
-            </a:r>
-            <a:r>
-              <a:rPr lang="de-DE" b="1" dirty="0"/>
-              <a:t>: </a:t>
-            </a:r>
-          </a:p>
-          <a:p>
-            <a:r>
-              <a:rPr lang="de-DE" b="1" dirty="0"/>
-              <a:t>Background Knowledge </a:t>
-            </a:r>
-            <a:r>
-              <a:rPr lang="de-DE" b="1" dirty="0" err="1"/>
-              <a:t>Attack</a:t>
-            </a:r>
-            <a:r>
-              <a:rPr lang="de-DE" b="1" dirty="0"/>
-              <a:t>/</a:t>
-            </a:r>
-            <a:r>
-              <a:rPr lang="de-DE" b="1" dirty="0" err="1"/>
-              <a:t>attribute</a:t>
-            </a:r>
-            <a:r>
-              <a:rPr lang="de-DE" b="1" dirty="0"/>
-              <a:t> </a:t>
-            </a:r>
-            <a:r>
-              <a:rPr lang="de-DE" b="1" dirty="0" err="1"/>
-              <a:t>linkage</a:t>
-            </a:r>
-            <a:r>
-              <a:rPr lang="de-DE" b="1" dirty="0"/>
-              <a:t>: </a:t>
-            </a:r>
-          </a:p>
-          <a:p>
-            <a:r>
-              <a:rPr lang="de-DE" b="1" dirty="0" err="1"/>
-              <a:t>Unsorted</a:t>
-            </a:r>
-            <a:r>
-              <a:rPr lang="de-DE" b="1" dirty="0"/>
-              <a:t> </a:t>
-            </a:r>
-            <a:r>
-              <a:rPr lang="de-DE" b="1" dirty="0" err="1"/>
-              <a:t>Matching</a:t>
-            </a:r>
-            <a:r>
-              <a:rPr lang="de-DE" b="1" dirty="0"/>
-              <a:t> </a:t>
-            </a:r>
-            <a:r>
-              <a:rPr lang="de-DE" b="1" dirty="0" err="1"/>
-              <a:t>Attacks</a:t>
-            </a:r>
-            <a:r>
-              <a:rPr lang="de-DE" b="1" dirty="0"/>
-              <a:t> </a:t>
-            </a:r>
-          </a:p>
-          <a:p>
-            <a:r>
-              <a:rPr lang="de-DE" b="1" dirty="0" err="1"/>
-              <a:t>Complementary</a:t>
-            </a:r>
-            <a:r>
-              <a:rPr lang="de-DE" b="1" dirty="0"/>
-              <a:t> Release </a:t>
-            </a:r>
-            <a:r>
-              <a:rPr lang="de-DE" b="1" dirty="0" err="1"/>
-              <a:t>Attack</a:t>
-            </a:r>
-            <a:r>
-              <a:rPr lang="de-DE" b="1" dirty="0"/>
-              <a:t>: </a:t>
-            </a:r>
-          </a:p>
-          <a:p>
-            <a:r>
-              <a:rPr lang="de-DE" b="1" dirty="0"/>
-              <a:t>Temporal </a:t>
-            </a:r>
-            <a:r>
-              <a:rPr lang="de-DE" b="1" dirty="0" err="1"/>
-              <a:t>Attack</a:t>
-            </a:r>
-            <a:r>
-              <a:rPr lang="de-DE" b="1" dirty="0"/>
-              <a:t>: </a:t>
-            </a:r>
-          </a:p>
-          <a:p>
-            <a:r>
-              <a:rPr lang="de-DE" b="1" dirty="0" err="1"/>
-              <a:t>Insufficient</a:t>
-            </a:r>
-            <a:r>
-              <a:rPr lang="de-DE" b="1" dirty="0"/>
-              <a:t> Knowledge: </a:t>
-            </a:r>
-          </a:p>
-          <a:p>
-            <a:r>
-              <a:rPr lang="en-US" b="1" dirty="0"/>
-              <a:t>The Adversary’s Knowledge is Unknown </a:t>
+              <a:rPr lang="de-DE" dirty="0" err="1"/>
+              <a:t>example</a:t>
             </a:r>
             <a:endParaRPr lang="de-DE" dirty="0"/>
           </a:p>
@@ -3694,7 +3815,7 @@
           <p:cNvPr id="6" name="Foliennummernplatzhalter 5">
             <a:extLst>
               <a:ext uri="{FF2B5EF4-FFF2-40B4-BE49-F238E27FC236}">
-                <a16:creationId xmlns:a16="http://schemas.microsoft.com/office/drawing/2014/main" id="{09410FF4-2E0F-4E88-A69A-145B229403F7}"/>
+                <a16:creationId xmlns:a16="http://schemas.microsoft.com/office/drawing/2014/main" id="{E25D3BF9-A70C-417F-A9C7-F883A5D091A9}"/>
               </a:ext>
             </a:extLst>
           </p:cNvPr>
@@ -3722,7 +3843,7 @@
     </p:spTree>
     <p:extLst>
       <p:ext uri="{BB962C8B-B14F-4D97-AF65-F5344CB8AC3E}">
-        <p14:creationId xmlns:p14="http://schemas.microsoft.com/office/powerpoint/2010/main" val="2188498306"/>
+        <p14:creationId xmlns:p14="http://schemas.microsoft.com/office/powerpoint/2010/main" val="673325542"/>
       </p:ext>
     </p:extLst>
   </p:cSld>
@@ -3754,7 +3875,7 @@
           <p:cNvPr id="2" name="Titel 1">
             <a:extLst>
               <a:ext uri="{FF2B5EF4-FFF2-40B4-BE49-F238E27FC236}">
-                <a16:creationId xmlns:a16="http://schemas.microsoft.com/office/drawing/2014/main" id="{5DFF05F5-BFE1-403A-A36E-6A2828649D6F}"/>
+                <a16:creationId xmlns:a16="http://schemas.microsoft.com/office/drawing/2014/main" id="{1292517C-4632-463D-882E-92A100494D6C}"/>
               </a:ext>
             </a:extLst>
           </p:cNvPr>
@@ -3771,10 +3892,18 @@
           <a:lstStyle/>
           <a:p>
             <a:r>
-              <a:rPr lang="de-DE" sz="2400" b="1" dirty="0"/>
-              <a:t>EXTENDED SCENARIOS - Multiple Release Publishing</a:t>
-            </a:r>
-            <a:endParaRPr lang="de-DE" sz="2400" dirty="0"/>
+              <a:rPr lang="de-DE" b="1" dirty="0"/>
+              <a:t>Moving </a:t>
+            </a:r>
+            <a:r>
+              <a:rPr lang="de-DE" b="1" dirty="0" err="1"/>
+              <a:t>Object</a:t>
+            </a:r>
+            <a:r>
+              <a:rPr lang="de-DE" b="1" dirty="0"/>
+              <a:t> Data - </a:t>
+            </a:r>
+            <a:endParaRPr lang="de-DE" dirty="0"/>
           </a:p>
         </p:txBody>
       </p:sp>
@@ -3783,7 +3912,7 @@
           <p:cNvPr id="3" name="Datumsplatzhalter 2">
             <a:extLst>
               <a:ext uri="{FF2B5EF4-FFF2-40B4-BE49-F238E27FC236}">
-                <a16:creationId xmlns:a16="http://schemas.microsoft.com/office/drawing/2014/main" id="{90B812E9-FF67-440E-8D43-E9D95CEADC88}"/>
+                <a16:creationId xmlns:a16="http://schemas.microsoft.com/office/drawing/2014/main" id="{6D0B4379-0ED9-4519-B0FD-90693196251E}"/>
               </a:ext>
             </a:extLst>
           </p:cNvPr>
@@ -3812,7 +3941,7 @@
           <p:cNvPr id="4" name="Fußzeilenplatzhalter 3">
             <a:extLst>
               <a:ext uri="{FF2B5EF4-FFF2-40B4-BE49-F238E27FC236}">
-                <a16:creationId xmlns:a16="http://schemas.microsoft.com/office/drawing/2014/main" id="{830002ED-C0A7-4887-8B84-D46B721CD647}"/>
+                <a16:creationId xmlns:a16="http://schemas.microsoft.com/office/drawing/2014/main" id="{1488FE31-DA64-4D3A-A243-8DAA45C3914A}"/>
               </a:ext>
             </a:extLst>
           </p:cNvPr>
@@ -3841,7 +3970,7 @@
           <p:cNvPr id="5" name="Textplatzhalter 4">
             <a:extLst>
               <a:ext uri="{FF2B5EF4-FFF2-40B4-BE49-F238E27FC236}">
-                <a16:creationId xmlns:a16="http://schemas.microsoft.com/office/drawing/2014/main" id="{817EA547-F858-48D5-A99A-AC24CC5B1BEE}"/>
+                <a16:creationId xmlns:a16="http://schemas.microsoft.com/office/drawing/2014/main" id="{667FE4C5-431E-4012-9E14-8A6D56B5B3DF}"/>
               </a:ext>
             </a:extLst>
           </p:cNvPr>
@@ -3857,252 +3986,7 @@
           <a:bodyPr/>
           <a:lstStyle/>
           <a:p>
-            <a:pPr>
-              <a:buFontTx/>
-              <a:buChar char="-"/>
-            </a:pPr>
-            <a:r>
-              <a:rPr lang="de-DE" dirty="0"/>
-              <a:t>Different </a:t>
-            </a:r>
-            <a:r>
-              <a:rPr lang="de-DE" dirty="0" err="1"/>
-              <a:t>data</a:t>
-            </a:r>
-            <a:r>
-              <a:rPr lang="de-DE" dirty="0"/>
-              <a:t> </a:t>
-            </a:r>
-            <a:r>
-              <a:rPr lang="de-DE" dirty="0" err="1"/>
-              <a:t>recipients</a:t>
-            </a:r>
-            <a:r>
-              <a:rPr lang="de-DE" dirty="0"/>
-              <a:t> </a:t>
-            </a:r>
-            <a:r>
-              <a:rPr lang="de-DE" dirty="0" err="1"/>
-              <a:t>got</a:t>
-            </a:r>
-            <a:r>
-              <a:rPr lang="de-DE" dirty="0"/>
-              <a:t> different </a:t>
-            </a:r>
-            <a:r>
-              <a:rPr lang="de-DE" dirty="0" err="1"/>
-              <a:t>claims</a:t>
-            </a:r>
-            <a:r>
-              <a:rPr lang="de-DE" dirty="0"/>
-              <a:t> </a:t>
-            </a:r>
-            <a:r>
-              <a:rPr lang="de-DE" dirty="0" err="1"/>
-              <a:t>to</a:t>
-            </a:r>
-            <a:r>
-              <a:rPr lang="de-DE" dirty="0"/>
-              <a:t> </a:t>
-            </a:r>
-            <a:r>
-              <a:rPr lang="de-DE" dirty="0" err="1"/>
-              <a:t>the</a:t>
-            </a:r>
-            <a:r>
-              <a:rPr lang="de-DE" dirty="0"/>
-              <a:t> </a:t>
-            </a:r>
-            <a:r>
-              <a:rPr lang="de-DE" dirty="0" err="1"/>
-              <a:t>data</a:t>
-            </a:r>
-            <a:endParaRPr lang="de-DE" dirty="0"/>
-          </a:p>
-          <a:p>
-            <a:pPr marL="0" indent="0">
-              <a:buNone/>
-            </a:pPr>
-            <a:r>
-              <a:rPr lang="de-DE" dirty="0"/>
-              <a:t>T(Job, Sex, Age, </a:t>
-            </a:r>
-            <a:r>
-              <a:rPr lang="de-DE" dirty="0" err="1"/>
-              <a:t>Race</a:t>
-            </a:r>
-            <a:r>
-              <a:rPr lang="de-DE" dirty="0"/>
-              <a:t>, Disease, </a:t>
-            </a:r>
-            <a:r>
-              <a:rPr lang="de-DE" dirty="0" err="1"/>
-              <a:t>Salary</a:t>
-            </a:r>
-            <a:r>
-              <a:rPr lang="de-DE" dirty="0"/>
-              <a:t>)</a:t>
-            </a:r>
-          </a:p>
-          <a:p>
-            <a:pPr marL="0" indent="0">
-              <a:buNone/>
-            </a:pPr>
-            <a:r>
-              <a:rPr lang="de-DE" dirty="0" err="1"/>
-              <a:t>Pharma</a:t>
-            </a:r>
-            <a:r>
-              <a:rPr lang="de-DE" dirty="0"/>
-              <a:t> </a:t>
-            </a:r>
-            <a:r>
-              <a:rPr lang="de-DE" dirty="0" err="1"/>
-              <a:t>company</a:t>
-            </a:r>
-            <a:r>
-              <a:rPr lang="de-DE" dirty="0"/>
-              <a:t> </a:t>
-            </a:r>
-            <a:r>
-              <a:rPr lang="de-DE" dirty="0" err="1"/>
-              <a:t>intresed</a:t>
-            </a:r>
-            <a:r>
-              <a:rPr lang="de-DE" dirty="0"/>
-              <a:t> in </a:t>
-            </a:r>
-            <a:r>
-              <a:rPr lang="de-DE" dirty="0" err="1"/>
-              <a:t>diesease</a:t>
-            </a:r>
-            <a:r>
-              <a:rPr lang="de-DE" dirty="0"/>
-              <a:t> </a:t>
-            </a:r>
-            <a:r>
-              <a:rPr lang="de-DE" dirty="0" err="1"/>
-              <a:t>with</a:t>
-            </a:r>
-            <a:r>
-              <a:rPr lang="de-DE" dirty="0"/>
-              <a:t> </a:t>
-            </a:r>
-            <a:r>
-              <a:rPr lang="de-DE" dirty="0" err="1"/>
-              <a:t>attribute</a:t>
-            </a:r>
-            <a:r>
-              <a:rPr lang="de-DE" dirty="0"/>
-              <a:t> </a:t>
-            </a:r>
-            <a:r>
-              <a:rPr lang="de-DE" dirty="0" err="1"/>
-              <a:t>job,sex</a:t>
-            </a:r>
-            <a:r>
-              <a:rPr lang="de-DE" dirty="0"/>
-              <a:t>, </a:t>
-            </a:r>
-            <a:r>
-              <a:rPr lang="de-DE" dirty="0" err="1"/>
-              <a:t>age</a:t>
-            </a:r>
-            <a:endParaRPr lang="de-DE" dirty="0"/>
-          </a:p>
-          <a:p>
-            <a:pPr marL="0" indent="0">
-              <a:buNone/>
-            </a:pPr>
-            <a:r>
-              <a:rPr lang="de-DE" dirty="0" err="1"/>
-              <a:t>Another</a:t>
-            </a:r>
-            <a:r>
-              <a:rPr lang="de-DE" dirty="0"/>
-              <a:t> </a:t>
-            </a:r>
-            <a:r>
-              <a:rPr lang="de-DE" dirty="0" err="1"/>
-              <a:t>is</a:t>
-            </a:r>
-            <a:r>
-              <a:rPr lang="de-DE" dirty="0"/>
-              <a:t> </a:t>
-            </a:r>
-            <a:r>
-              <a:rPr lang="de-DE" dirty="0" err="1"/>
-              <a:t>intereset</a:t>
-            </a:r>
-            <a:r>
-              <a:rPr lang="de-DE" dirty="0"/>
-              <a:t> in JOB, AGE, RACE</a:t>
-            </a:r>
-          </a:p>
-          <a:p>
-            <a:pPr marL="0" indent="0">
-              <a:buNone/>
-            </a:pPr>
-            <a:r>
-              <a:rPr lang="de-DE" dirty="0" err="1"/>
-              <a:t>Relse</a:t>
-            </a:r>
-            <a:r>
-              <a:rPr lang="de-DE" dirty="0"/>
-              <a:t> </a:t>
-            </a:r>
-            <a:r>
-              <a:rPr lang="de-DE" dirty="0" err="1"/>
-              <a:t>one</a:t>
-            </a:r>
-            <a:r>
-              <a:rPr lang="de-DE" dirty="0"/>
-              <a:t> </a:t>
-            </a:r>
-            <a:r>
-              <a:rPr lang="de-DE" dirty="0" err="1"/>
-              <a:t>table</a:t>
-            </a:r>
-            <a:r>
-              <a:rPr lang="de-DE" dirty="0"/>
-              <a:t> </a:t>
-            </a:r>
-            <a:r>
-              <a:rPr lang="de-DE" dirty="0" err="1"/>
-              <a:t>with</a:t>
-            </a:r>
-            <a:r>
-              <a:rPr lang="de-DE" dirty="0"/>
-              <a:t> {JOB, Sex, Age, </a:t>
-            </a:r>
-            <a:r>
-              <a:rPr lang="de-DE" dirty="0" err="1"/>
-              <a:t>Race</a:t>
-            </a:r>
-            <a:r>
-              <a:rPr lang="de-DE" dirty="0"/>
-              <a:t>}</a:t>
-            </a:r>
-          </a:p>
-          <a:p>
-            <a:r>
-              <a:rPr lang="de-DE" dirty="0"/>
-              <a:t>- </a:t>
-            </a:r>
-            <a:r>
-              <a:rPr lang="en-US" dirty="0"/>
-              <a:t>A drawback is that information is released unnecessarily, in that neither of the two purposes needs all four attributes</a:t>
-            </a:r>
-          </a:p>
-          <a:p>
-            <a:pPr marL="0" indent="0">
-              <a:buNone/>
-            </a:pPr>
-            <a:r>
-              <a:rPr lang="en-US" dirty="0"/>
-              <a:t>You make one for both of them. Problem </a:t>
-            </a:r>
-            <a:endParaRPr lang="de-DE" dirty="0"/>
+            <a:endParaRPr lang="de-DE"/>
           </a:p>
         </p:txBody>
       </p:sp>
@@ -4111,7 +3995,7 @@
           <p:cNvPr id="6" name="Foliennummernplatzhalter 5">
             <a:extLst>
               <a:ext uri="{FF2B5EF4-FFF2-40B4-BE49-F238E27FC236}">
-                <a16:creationId xmlns:a16="http://schemas.microsoft.com/office/drawing/2014/main" id="{1A5F5161-AF90-426C-A082-2392411945CF}"/>
+                <a16:creationId xmlns:a16="http://schemas.microsoft.com/office/drawing/2014/main" id="{5E7F60E5-5B0F-48A9-8E69-ACF923D2BC2C}"/>
               </a:ext>
             </a:extLst>
           </p:cNvPr>
@@ -4139,7 +4023,7 @@
     </p:spTree>
     <p:extLst>
       <p:ext uri="{BB962C8B-B14F-4D97-AF65-F5344CB8AC3E}">
-        <p14:creationId xmlns:p14="http://schemas.microsoft.com/office/powerpoint/2010/main" val="839178868"/>
+        <p14:creationId xmlns:p14="http://schemas.microsoft.com/office/powerpoint/2010/main" val="856942373"/>
       </p:ext>
     </p:extLst>
   </p:cSld>
@@ -4171,7 +4055,7 @@
           <p:cNvPr id="2" name="Titel 1">
             <a:extLst>
               <a:ext uri="{FF2B5EF4-FFF2-40B4-BE49-F238E27FC236}">
-                <a16:creationId xmlns:a16="http://schemas.microsoft.com/office/drawing/2014/main" id="{958F9CD1-9C9B-404C-BA1F-6E0E9A52DB3B}"/>
+                <a16:creationId xmlns:a16="http://schemas.microsoft.com/office/drawing/2014/main" id="{F630762F-ADDB-483B-8B3B-603DD9617461}"/>
               </a:ext>
             </a:extLst>
           </p:cNvPr>
@@ -4187,16 +4071,21 @@
           <a:bodyPr/>
           <a:lstStyle/>
           <a:p>
-            <a:pPr marL="0" indent="0">
-              <a:buNone/>
-            </a:pPr>
-            <a:r>
-              <a:rPr lang="de-DE" dirty="0"/>
-              <a:t>p-sensitive k-</a:t>
-            </a:r>
-            <a:r>
-              <a:rPr lang="de-DE" dirty="0" err="1"/>
-              <a:t>anonymity</a:t>
+            <a:r>
+              <a:rPr lang="de-DE" b="1" dirty="0"/>
+              <a:t>Moving </a:t>
+            </a:r>
+            <a:r>
+              <a:rPr lang="de-DE" b="1" dirty="0" err="1"/>
+              <a:t>Object</a:t>
+            </a:r>
+            <a:r>
+              <a:rPr lang="de-DE" b="1" dirty="0"/>
+              <a:t> Data - </a:t>
+            </a:r>
+            <a:r>
+              <a:rPr lang="de-DE" b="1" dirty="0" err="1"/>
+              <a:t>exampe</a:t>
             </a:r>
             <a:endParaRPr lang="de-DE" dirty="0"/>
           </a:p>
@@ -4207,7 +4096,7 @@
           <p:cNvPr id="3" name="Datumsplatzhalter 2">
             <a:extLst>
               <a:ext uri="{FF2B5EF4-FFF2-40B4-BE49-F238E27FC236}">
-                <a16:creationId xmlns:a16="http://schemas.microsoft.com/office/drawing/2014/main" id="{F260DF70-9E66-4354-A537-9A6F20EF768D}"/>
+                <a16:creationId xmlns:a16="http://schemas.microsoft.com/office/drawing/2014/main" id="{98E37A1D-373E-4CB5-8A00-E4420DD981F5}"/>
               </a:ext>
             </a:extLst>
           </p:cNvPr>
@@ -4236,7 +4125,7 @@
           <p:cNvPr id="4" name="Fußzeilenplatzhalter 3">
             <a:extLst>
               <a:ext uri="{FF2B5EF4-FFF2-40B4-BE49-F238E27FC236}">
-                <a16:creationId xmlns:a16="http://schemas.microsoft.com/office/drawing/2014/main" id="{09C9E642-E14C-4E77-9B36-1ABB217EAF95}"/>
+                <a16:creationId xmlns:a16="http://schemas.microsoft.com/office/drawing/2014/main" id="{7718522C-A894-49C9-A4F0-5E1DFA7741F2}"/>
               </a:ext>
             </a:extLst>
           </p:cNvPr>
@@ -4265,7 +4154,7 @@
           <p:cNvPr id="5" name="Textplatzhalter 4">
             <a:extLst>
               <a:ext uri="{FF2B5EF4-FFF2-40B4-BE49-F238E27FC236}">
-                <a16:creationId xmlns:a16="http://schemas.microsoft.com/office/drawing/2014/main" id="{9E443BB6-0E02-4D1C-85A1-676AC33F2EAA}"/>
+                <a16:creationId xmlns:a16="http://schemas.microsoft.com/office/drawing/2014/main" id="{87651521-0381-4223-BDE6-C2A67D608413}"/>
               </a:ext>
             </a:extLst>
           </p:cNvPr>
@@ -4281,86 +4170,7 @@
           <a:bodyPr/>
           <a:lstStyle/>
           <a:p>
-            <a:r>
-              <a:rPr lang="en-US" dirty="0"/>
-              <a:t>identity disclosure and attribute disclosure.</a:t>
-            </a:r>
-          </a:p>
-          <a:p>
-            <a:r>
-              <a:rPr lang="en-US" dirty="0" err="1"/>
-              <a:t>dentity</a:t>
-            </a:r>
-            <a:r>
-              <a:rPr lang="en-US" dirty="0"/>
-              <a:t> disclosure and attribute disclosure.</a:t>
-            </a:r>
-          </a:p>
-          <a:p>
-            <a:pPr marL="0" indent="0">
-              <a:buNone/>
-            </a:pPr>
-            <a:r>
-              <a:rPr lang="en-US" i="1" dirty="0"/>
-              <a:t>Identity disclosure </a:t>
-            </a:r>
-            <a:r>
-              <a:rPr lang="en-US" dirty="0"/>
-              <a:t>refers to identification of an entity</a:t>
-            </a:r>
-          </a:p>
-          <a:p>
-            <a:pPr marL="0" indent="0">
-              <a:buNone/>
-            </a:pPr>
-            <a:r>
-              <a:rPr lang="en-US" dirty="0"/>
-              <a:t>(person, institution) and </a:t>
-            </a:r>
-            <a:r>
-              <a:rPr lang="en-US" i="1" dirty="0"/>
-              <a:t>attribute disclosure </a:t>
-            </a:r>
-            <a:r>
-              <a:rPr lang="en-US" dirty="0"/>
-              <a:t>occurs when</a:t>
-            </a:r>
-          </a:p>
-          <a:p>
-            <a:pPr marL="0" indent="0">
-              <a:buNone/>
-            </a:pPr>
-            <a:r>
-              <a:rPr lang="en-US" dirty="0"/>
-              <a:t>the intruder finds out something new about the target</a:t>
-            </a:r>
-          </a:p>
-          <a:p>
-            <a:pPr marL="0" indent="0">
-              <a:buNone/>
-            </a:pPr>
-            <a:r>
-              <a:rPr lang="en-US" dirty="0"/>
-              <a:t>entity [11]. Identity disclosure does not automatically</a:t>
-            </a:r>
-          </a:p>
-          <a:p>
-            <a:pPr marL="0" indent="0">
-              <a:buNone/>
-            </a:pPr>
-            <a:r>
-              <a:rPr lang="de-DE" dirty="0" err="1"/>
-              <a:t>imply</a:t>
-            </a:r>
-            <a:r>
-              <a:rPr lang="de-DE" dirty="0"/>
-              <a:t> </a:t>
-            </a:r>
-            <a:r>
-              <a:rPr lang="de-DE" dirty="0" err="1"/>
-              <a:t>attribute</a:t>
-            </a:r>
-            <a:endParaRPr lang="de-DE" dirty="0"/>
+            <a:endParaRPr lang="de-DE"/>
           </a:p>
         </p:txBody>
       </p:sp>
@@ -4369,7 +4179,7 @@
           <p:cNvPr id="6" name="Foliennummernplatzhalter 5">
             <a:extLst>
               <a:ext uri="{FF2B5EF4-FFF2-40B4-BE49-F238E27FC236}">
-                <a16:creationId xmlns:a16="http://schemas.microsoft.com/office/drawing/2014/main" id="{4C8439EF-D42F-4986-86FE-E0B37623E7D1}"/>
+                <a16:creationId xmlns:a16="http://schemas.microsoft.com/office/drawing/2014/main" id="{8667CAC0-ED65-461E-B9D6-E014713A72F4}"/>
               </a:ext>
             </a:extLst>
           </p:cNvPr>
@@ -4397,7 +4207,7 @@
     </p:spTree>
     <p:extLst>
       <p:ext uri="{BB962C8B-B14F-4D97-AF65-F5344CB8AC3E}">
-        <p14:creationId xmlns:p14="http://schemas.microsoft.com/office/powerpoint/2010/main" val="1946241733"/>
+        <p14:creationId xmlns:p14="http://schemas.microsoft.com/office/powerpoint/2010/main" val="3579114951"/>
       </p:ext>
     </p:extLst>
   </p:cSld>
@@ -4429,7 +4239,7 @@
           <p:cNvPr id="2" name="Titel 1">
             <a:extLst>
               <a:ext uri="{FF2B5EF4-FFF2-40B4-BE49-F238E27FC236}">
-                <a16:creationId xmlns:a16="http://schemas.microsoft.com/office/drawing/2014/main" id="{7B413E46-A044-4329-AE39-7349DB1BBEFC}"/>
+                <a16:creationId xmlns:a16="http://schemas.microsoft.com/office/drawing/2014/main" id="{01809404-EB17-4FCD-B405-68EACB8E7AD7}"/>
               </a:ext>
             </a:extLst>
           </p:cNvPr>
@@ -4446,12 +4256,12 @@
           <a:lstStyle/>
           <a:p>
             <a:r>
-              <a:rPr lang="de-DE" dirty="0"/>
-              <a:t>P-sensitive k -</a:t>
-            </a:r>
-            <a:r>
-              <a:rPr lang="de-DE" dirty="0" err="1"/>
-              <a:t>anonymity</a:t>
+              <a:rPr lang="de-DE" b="1" dirty="0" err="1"/>
+              <a:t>Textual</a:t>
+            </a:r>
+            <a:r>
+              <a:rPr lang="de-DE" b="1" dirty="0"/>
+              <a:t> Data</a:t>
             </a:r>
             <a:endParaRPr lang="de-DE" dirty="0"/>
           </a:p>
@@ -4462,7 +4272,7 @@
           <p:cNvPr id="3" name="Datumsplatzhalter 2">
             <a:extLst>
               <a:ext uri="{FF2B5EF4-FFF2-40B4-BE49-F238E27FC236}">
-                <a16:creationId xmlns:a16="http://schemas.microsoft.com/office/drawing/2014/main" id="{2017CE23-A8AD-4FC4-B6DD-A2E0CDE682B2}"/>
+                <a16:creationId xmlns:a16="http://schemas.microsoft.com/office/drawing/2014/main" id="{05125B1C-1267-40AB-BF49-0CA8C1F2D42B}"/>
               </a:ext>
             </a:extLst>
           </p:cNvPr>
@@ -4491,7 +4301,7 @@
           <p:cNvPr id="4" name="Fußzeilenplatzhalter 3">
             <a:extLst>
               <a:ext uri="{FF2B5EF4-FFF2-40B4-BE49-F238E27FC236}">
-                <a16:creationId xmlns:a16="http://schemas.microsoft.com/office/drawing/2014/main" id="{A23D59A7-D63C-4137-972B-3B6224BB0D54}"/>
+                <a16:creationId xmlns:a16="http://schemas.microsoft.com/office/drawing/2014/main" id="{B8807493-F45D-44B0-AE12-4DF2E5E5F2B0}"/>
               </a:ext>
             </a:extLst>
           </p:cNvPr>
@@ -4520,7 +4330,7 @@
           <p:cNvPr id="5" name="Textplatzhalter 4">
             <a:extLst>
               <a:ext uri="{FF2B5EF4-FFF2-40B4-BE49-F238E27FC236}">
-                <a16:creationId xmlns:a16="http://schemas.microsoft.com/office/drawing/2014/main" id="{62403F49-8A1E-4574-B8FF-BE1B459AD6B3}"/>
+                <a16:creationId xmlns:a16="http://schemas.microsoft.com/office/drawing/2014/main" id="{258A1F07-925E-4D51-9984-7A8E5FFCBB2A}"/>
               </a:ext>
             </a:extLst>
           </p:cNvPr>
@@ -4536,90 +4346,7 @@
           <a:bodyPr/>
           <a:lstStyle/>
           <a:p>
-            <a:r>
-              <a:rPr lang="de-DE" dirty="0"/>
-              <a:t>The </a:t>
-            </a:r>
-            <a:r>
-              <a:rPr lang="de-DE" dirty="0" err="1"/>
-              <a:t>for</a:t>
-            </a:r>
-            <a:r>
-              <a:rPr lang="de-DE" dirty="0"/>
-              <a:t> </a:t>
-            </a:r>
-            <a:r>
-              <a:rPr lang="de-DE" dirty="0" err="1"/>
-              <a:t>each</a:t>
-            </a:r>
-            <a:r>
-              <a:rPr lang="de-DE" dirty="0"/>
-              <a:t> </a:t>
-            </a:r>
-            <a:r>
-              <a:rPr lang="de-DE" dirty="0" err="1"/>
-              <a:t>tuple</a:t>
-            </a:r>
-            <a:r>
-              <a:rPr lang="de-DE" dirty="0"/>
-              <a:t> </a:t>
-            </a:r>
-            <a:r>
-              <a:rPr lang="de-DE" dirty="0" err="1"/>
-              <a:t>of</a:t>
-            </a:r>
-            <a:r>
-              <a:rPr lang="de-DE" dirty="0"/>
-              <a:t> k-</a:t>
-            </a:r>
-            <a:r>
-              <a:rPr lang="de-DE" dirty="0" err="1"/>
-              <a:t>anonymity</a:t>
-            </a:r>
-            <a:r>
-              <a:rPr lang="de-DE" dirty="0"/>
-              <a:t> </a:t>
-            </a:r>
-            <a:r>
-              <a:rPr lang="de-DE" dirty="0" err="1"/>
-              <a:t>there</a:t>
-            </a:r>
-            <a:r>
-              <a:rPr lang="de-DE" dirty="0"/>
-              <a:t> </a:t>
-            </a:r>
-            <a:r>
-              <a:rPr lang="de-DE" dirty="0" err="1"/>
-              <a:t>are</a:t>
-            </a:r>
-            <a:r>
-              <a:rPr lang="de-DE" dirty="0"/>
-              <a:t> at least p different sensitive </a:t>
-            </a:r>
-            <a:r>
-              <a:rPr lang="de-DE" dirty="0" err="1"/>
-              <a:t>data</a:t>
-            </a:r>
-            <a:endParaRPr lang="de-DE" dirty="0"/>
-          </a:p>
-          <a:p>
-            <a:r>
-              <a:rPr lang="de-DE" dirty="0"/>
-              <a:t>Problem:</a:t>
-            </a:r>
-            <a:r>
-              <a:rPr lang="en-US" dirty="0"/>
-              <a:t>p-Sensitive k-anonymity has the limitation of implicitly assuming that each confidential attribute takes values uniformly over its domain, that is, that the frequencies of the various values of a confidential attribute are similar. When this is not the case, </a:t>
-            </a:r>
-            <a:r>
-              <a:rPr lang="en-US" dirty="0" err="1"/>
-              <a:t>achievingp</a:t>
-            </a:r>
-            <a:r>
-              <a:rPr lang="en-US" dirty="0"/>
-              <a:t>-sensitive k-anonymity may cause a huge data utility loss. This is illustrated in the following example.</a:t>
-            </a:r>
-            <a:endParaRPr lang="de-DE" dirty="0"/>
+            <a:endParaRPr lang="de-DE"/>
           </a:p>
         </p:txBody>
       </p:sp>
@@ -4628,7 +4355,7 @@
           <p:cNvPr id="6" name="Foliennummernplatzhalter 5">
             <a:extLst>
               <a:ext uri="{FF2B5EF4-FFF2-40B4-BE49-F238E27FC236}">
-                <a16:creationId xmlns:a16="http://schemas.microsoft.com/office/drawing/2014/main" id="{E252A72A-F651-40F4-8DBC-665586CBC460}"/>
+                <a16:creationId xmlns:a16="http://schemas.microsoft.com/office/drawing/2014/main" id="{7788C7BE-3668-4468-B27D-88F5562E2D83}"/>
               </a:ext>
             </a:extLst>
           </p:cNvPr>
@@ -4656,7 +4383,7 @@
     </p:spTree>
     <p:extLst>
       <p:ext uri="{BB962C8B-B14F-4D97-AF65-F5344CB8AC3E}">
-        <p14:creationId xmlns:p14="http://schemas.microsoft.com/office/powerpoint/2010/main" val="2954308101"/>
+        <p14:creationId xmlns:p14="http://schemas.microsoft.com/office/powerpoint/2010/main" val="545608152"/>
       </p:ext>
     </p:extLst>
   </p:cSld>
@@ -4688,7 +4415,7 @@
           <p:cNvPr id="2" name="Titel 1">
             <a:extLst>
               <a:ext uri="{FF2B5EF4-FFF2-40B4-BE49-F238E27FC236}">
-                <a16:creationId xmlns:a16="http://schemas.microsoft.com/office/drawing/2014/main" id="{29821BA2-C897-4834-998A-48C037EFCC61}"/>
+                <a16:creationId xmlns:a16="http://schemas.microsoft.com/office/drawing/2014/main" id="{2DAFB4A8-5551-403B-B8F9-9FC811CE05F9}"/>
               </a:ext>
             </a:extLst>
           </p:cNvPr>
@@ -4705,14 +4432,18 @@
           <a:lstStyle/>
           <a:p>
             <a:r>
-              <a:rPr lang="de-DE" dirty="0"/>
-              <a:t>l-</a:t>
-            </a:r>
-            <a:r>
-              <a:rPr lang="de-DE" dirty="0" err="1"/>
-              <a:t>diversity</a:t>
-            </a:r>
-            <a:endParaRPr lang="de-DE" dirty="0"/>
+              <a:rPr lang="de-DE" b="1" dirty="0" err="1"/>
+              <a:t>Textual</a:t>
+            </a:r>
+            <a:r>
+              <a:rPr lang="de-DE" b="1" dirty="0"/>
+              <a:t> Data - </a:t>
+            </a:r>
+            <a:r>
+              <a:rPr lang="de-DE" b="1"/>
+              <a:t>example</a:t>
+            </a:r>
+            <a:endParaRPr lang="de-DE"/>
           </a:p>
         </p:txBody>
       </p:sp>
@@ -4721,7 +4452,7 @@
           <p:cNvPr id="3" name="Datumsplatzhalter 2">
             <a:extLst>
               <a:ext uri="{FF2B5EF4-FFF2-40B4-BE49-F238E27FC236}">
-                <a16:creationId xmlns:a16="http://schemas.microsoft.com/office/drawing/2014/main" id="{707299E6-283C-4175-B3B3-5D836D4EF88A}"/>
+                <a16:creationId xmlns:a16="http://schemas.microsoft.com/office/drawing/2014/main" id="{41256D5D-4004-46C0-996B-039D986D36EF}"/>
               </a:ext>
             </a:extLst>
           </p:cNvPr>
@@ -4750,7 +4481,7 @@
           <p:cNvPr id="4" name="Fußzeilenplatzhalter 3">
             <a:extLst>
               <a:ext uri="{FF2B5EF4-FFF2-40B4-BE49-F238E27FC236}">
-                <a16:creationId xmlns:a16="http://schemas.microsoft.com/office/drawing/2014/main" id="{CDC6992F-08D8-482D-96AA-DC41E416B94B}"/>
+                <a16:creationId xmlns:a16="http://schemas.microsoft.com/office/drawing/2014/main" id="{C3DC1E87-E9F7-44D7-991D-A3EB2CEC9A34}"/>
               </a:ext>
             </a:extLst>
           </p:cNvPr>
@@ -4779,7 +4510,7 @@
           <p:cNvPr id="5" name="Textplatzhalter 4">
             <a:extLst>
               <a:ext uri="{FF2B5EF4-FFF2-40B4-BE49-F238E27FC236}">
-                <a16:creationId xmlns:a16="http://schemas.microsoft.com/office/drawing/2014/main" id="{CB4D70E7-CAB1-402E-A84F-08E5BE171BBF}"/>
+                <a16:creationId xmlns:a16="http://schemas.microsoft.com/office/drawing/2014/main" id="{98A8CB64-2C6A-4E01-8526-44FD26B6C944}"/>
               </a:ext>
             </a:extLst>
           </p:cNvPr>
@@ -4795,74 +4526,7 @@
           <a:bodyPr/>
           <a:lstStyle/>
           <a:p>
-            <a:r>
-              <a:rPr lang="en-US" dirty="0"/>
-              <a:t>Definition 3 (l-Diversity): A data set is said to satisfy</a:t>
-            </a:r>
-          </a:p>
-          <a:p>
-            <a:pPr marL="0" indent="0">
-              <a:buNone/>
-            </a:pPr>
-            <a:r>
-              <a:rPr lang="en-US" dirty="0"/>
-              <a:t>l-diversity if, for each group of records sharing a</a:t>
-            </a:r>
-          </a:p>
-          <a:p>
-            <a:pPr marL="0" indent="0">
-              <a:buNone/>
-            </a:pPr>
-            <a:r>
-              <a:rPr lang="en-US" dirty="0"/>
-              <a:t>combination of key attributes, there are at least l “</a:t>
-            </a:r>
-            <a:r>
-              <a:rPr lang="en-US" dirty="0" err="1"/>
-              <a:t>wellrepresented</a:t>
-            </a:r>
-            <a:r>
-              <a:rPr lang="en-US" dirty="0"/>
-              <a:t>” values for each confidential attribute.</a:t>
-            </a:r>
-          </a:p>
-          <a:p>
-            <a:pPr marL="0" indent="0">
-              <a:buNone/>
-            </a:pPr>
-            <a:r>
-              <a:rPr lang="en-US" dirty="0"/>
-              <a:t>According to [9] the term “well-represented” can be</a:t>
-            </a:r>
-          </a:p>
-          <a:p>
-            <a:pPr marL="0" indent="0">
-              <a:buNone/>
-            </a:pPr>
-            <a:r>
-              <a:rPr lang="de-DE" dirty="0" err="1"/>
-              <a:t>defined</a:t>
-            </a:r>
-            <a:r>
-              <a:rPr lang="de-DE" dirty="0"/>
-              <a:t> in </a:t>
-            </a:r>
-            <a:r>
-              <a:rPr lang="de-DE" dirty="0" err="1"/>
-              <a:t>several</a:t>
-            </a:r>
-            <a:r>
-              <a:rPr lang="de-DE" dirty="0"/>
-              <a:t> </a:t>
-            </a:r>
-            <a:r>
-              <a:rPr lang="de-DE" dirty="0" err="1"/>
-              <a:t>ways</a:t>
-            </a:r>
-            <a:r>
-              <a:rPr lang="de-DE" dirty="0"/>
-              <a:t>:</a:t>
-            </a:r>
+            <a:endParaRPr lang="de-DE"/>
           </a:p>
         </p:txBody>
       </p:sp>
@@ -4871,7 +4535,7 @@
           <p:cNvPr id="6" name="Foliennummernplatzhalter 5">
             <a:extLst>
               <a:ext uri="{FF2B5EF4-FFF2-40B4-BE49-F238E27FC236}">
-                <a16:creationId xmlns:a16="http://schemas.microsoft.com/office/drawing/2014/main" id="{265E418F-8B07-43E5-91F1-566EB30C7F53}"/>
+                <a16:creationId xmlns:a16="http://schemas.microsoft.com/office/drawing/2014/main" id="{D25A49A6-B326-42E0-BF3A-5D3F055C11E7}"/>
               </a:ext>
             </a:extLst>
           </p:cNvPr>
@@ -4899,7 +4563,7 @@
     </p:spTree>
     <p:extLst>
       <p:ext uri="{BB962C8B-B14F-4D97-AF65-F5344CB8AC3E}">
-        <p14:creationId xmlns:p14="http://schemas.microsoft.com/office/powerpoint/2010/main" val="405088296"/>
+        <p14:creationId xmlns:p14="http://schemas.microsoft.com/office/powerpoint/2010/main" val="3238394678"/>
       </p:ext>
     </p:extLst>
   </p:cSld>
@@ -4931,7 +4595,7 @@
           <p:cNvPr id="2" name="Titel 1">
             <a:extLst>
               <a:ext uri="{FF2B5EF4-FFF2-40B4-BE49-F238E27FC236}">
-                <a16:creationId xmlns:a16="http://schemas.microsoft.com/office/drawing/2014/main" id="{48F7001C-8209-4829-9211-838EE9976128}"/>
+                <a16:creationId xmlns:a16="http://schemas.microsoft.com/office/drawing/2014/main" id="{5A696494-2619-425B-9A88-26F6239A8C0F}"/>
               </a:ext>
             </a:extLst>
           </p:cNvPr>
@@ -4948,12 +4612,12 @@
           <a:lstStyle/>
           <a:p>
             <a:r>
-              <a:rPr lang="de-DE" dirty="0"/>
-              <a:t>Different l-</a:t>
-            </a:r>
-            <a:r>
-              <a:rPr lang="de-DE" dirty="0" err="1"/>
-              <a:t>diversity</a:t>
+              <a:rPr lang="de-DE" b="1" dirty="0" err="1"/>
+              <a:t>Attacks</a:t>
+            </a:r>
+            <a:r>
+              <a:rPr lang="de-DE" b="1" dirty="0"/>
+              <a:t> on K-ANONYMITY </a:t>
             </a:r>
             <a:endParaRPr lang="de-DE" dirty="0"/>
           </a:p>
@@ -4964,7 +4628,7 @@
           <p:cNvPr id="3" name="Datumsplatzhalter 2">
             <a:extLst>
               <a:ext uri="{FF2B5EF4-FFF2-40B4-BE49-F238E27FC236}">
-                <a16:creationId xmlns:a16="http://schemas.microsoft.com/office/drawing/2014/main" id="{5617572A-0126-4E39-9967-6339673CBF10}"/>
+                <a16:creationId xmlns:a16="http://schemas.microsoft.com/office/drawing/2014/main" id="{2B614201-281B-41E9-A020-0CDA277467C3}"/>
               </a:ext>
             </a:extLst>
           </p:cNvPr>
@@ -4993,7 +4657,7 @@
           <p:cNvPr id="4" name="Fußzeilenplatzhalter 3">
             <a:extLst>
               <a:ext uri="{FF2B5EF4-FFF2-40B4-BE49-F238E27FC236}">
-                <a16:creationId xmlns:a16="http://schemas.microsoft.com/office/drawing/2014/main" id="{147D38FB-93C4-47D0-B1B6-40BB9C26DCA0}"/>
+                <a16:creationId xmlns:a16="http://schemas.microsoft.com/office/drawing/2014/main" id="{E5DE40AE-BF51-40C8-A6E9-F8B2204521CC}"/>
               </a:ext>
             </a:extLst>
           </p:cNvPr>
@@ -5010,8 +4674,12 @@
           <a:lstStyle/>
           <a:p>
             <a:r>
-              <a:rPr lang="de-DE"/>
-              <a:t>Andreas Heimann &amp; Matthias Puchta</a:t>
+              <a:rPr lang="de-DE" dirty="0"/>
+              <a:t>Andreas Wiegand &amp; Ludwig </a:t>
+            </a:r>
+            <a:r>
+              <a:rPr lang="de-DE" dirty="0" err="1"/>
+              <a:t>Schallner</a:t>
             </a:r>
             <a:endParaRPr lang="de-DE" dirty="0"/>
           </a:p>
@@ -5022,7 +4690,7 @@
           <p:cNvPr id="5" name="Textplatzhalter 4">
             <a:extLst>
               <a:ext uri="{FF2B5EF4-FFF2-40B4-BE49-F238E27FC236}">
-                <a16:creationId xmlns:a16="http://schemas.microsoft.com/office/drawing/2014/main" id="{A8D93557-FF57-443A-B61F-5F9D57A43186}"/>
+                <a16:creationId xmlns:a16="http://schemas.microsoft.com/office/drawing/2014/main" id="{AB5F7A7E-01C8-48FD-8047-5A2134437BC9}"/>
               </a:ext>
             </a:extLst>
           </p:cNvPr>
@@ -5039,52 +4707,124 @@
           <a:lstStyle/>
           <a:p>
             <a:r>
-              <a:rPr lang="en-US" dirty="0"/>
-              <a:t>1) Distinct l-diversity. There must be at least l distinct values for the confidential attribute in each group of records sharing a combination of key attributes. This is equivalent to l-sensitive k-</a:t>
-            </a:r>
-          </a:p>
-          <a:p>
-            <a:r>
-              <a:rPr lang="de-DE" dirty="0"/>
-              <a:t>2) </a:t>
-            </a:r>
-            <a:r>
-              <a:rPr lang="de-DE" dirty="0" err="1"/>
-              <a:t>Entropy</a:t>
-            </a:r>
-            <a:r>
-              <a:rPr lang="de-DE" dirty="0"/>
-              <a:t> l-</a:t>
-            </a:r>
-            <a:r>
-              <a:rPr lang="de-DE" dirty="0" err="1"/>
-              <a:t>diversity</a:t>
-            </a:r>
-            <a:r>
-              <a:rPr lang="de-DE" dirty="0"/>
-              <a:t>.</a:t>
-            </a:r>
-            <a:r>
-              <a:rPr lang="en-US" dirty="0"/>
-              <a:t>.</a:t>
-            </a:r>
-          </a:p>
-          <a:p>
-            <a:r>
-              <a:rPr lang="de-DE" dirty="0"/>
-              <a:t>3) </a:t>
-            </a:r>
-            <a:r>
-              <a:rPr lang="de-DE" dirty="0" err="1"/>
-              <a:t>Recursive</a:t>
-            </a:r>
-            <a:r>
-              <a:rPr lang="de-DE" dirty="0"/>
-              <a:t> (c, l)-</a:t>
-            </a:r>
-            <a:r>
-              <a:rPr lang="de-DE" dirty="0" err="1"/>
-              <a:t>diversity</a:t>
+              <a:rPr lang="de-DE" b="1" dirty="0" err="1"/>
+              <a:t>Homogeneity</a:t>
+            </a:r>
+            <a:r>
+              <a:rPr lang="de-DE" b="1" dirty="0"/>
+              <a:t> </a:t>
+            </a:r>
+            <a:r>
+              <a:rPr lang="de-DE" b="1" dirty="0" err="1"/>
+              <a:t>Attack</a:t>
+            </a:r>
+            <a:r>
+              <a:rPr lang="de-DE" b="1" dirty="0"/>
+              <a:t>: </a:t>
+            </a:r>
+          </a:p>
+          <a:p>
+            <a:r>
+              <a:rPr lang="de-DE" b="1" dirty="0"/>
+              <a:t>Background Knowledge </a:t>
+            </a:r>
+            <a:r>
+              <a:rPr lang="de-DE" b="1" dirty="0" err="1"/>
+              <a:t>Attack</a:t>
+            </a:r>
+            <a:r>
+              <a:rPr lang="de-DE" b="1" dirty="0"/>
+              <a:t>/</a:t>
+            </a:r>
+            <a:r>
+              <a:rPr lang="de-DE" b="1" dirty="0" err="1"/>
+              <a:t>attribute</a:t>
+            </a:r>
+            <a:r>
+              <a:rPr lang="de-DE" b="1" dirty="0"/>
+              <a:t> </a:t>
+            </a:r>
+            <a:r>
+              <a:rPr lang="de-DE" b="1" dirty="0" err="1"/>
+              <a:t>linkage</a:t>
+            </a:r>
+            <a:r>
+              <a:rPr lang="de-DE" b="1" dirty="0"/>
+              <a:t>: </a:t>
+            </a:r>
+          </a:p>
+          <a:p>
+            <a:r>
+              <a:rPr lang="de-DE" b="1" dirty="0" err="1"/>
+              <a:t>Unsorted</a:t>
+            </a:r>
+            <a:r>
+              <a:rPr lang="de-DE" b="1" dirty="0"/>
+              <a:t> </a:t>
+            </a:r>
+            <a:r>
+              <a:rPr lang="de-DE" b="1" dirty="0" err="1"/>
+              <a:t>Matching</a:t>
+            </a:r>
+            <a:r>
+              <a:rPr lang="de-DE" b="1" dirty="0"/>
+              <a:t> </a:t>
+            </a:r>
+            <a:r>
+              <a:rPr lang="de-DE" b="1" dirty="0" err="1"/>
+              <a:t>Attacks</a:t>
+            </a:r>
+            <a:r>
+              <a:rPr lang="de-DE" b="1" dirty="0"/>
+              <a:t> </a:t>
+            </a:r>
+          </a:p>
+          <a:p>
+            <a:r>
+              <a:rPr lang="de-DE" b="1" dirty="0" err="1"/>
+              <a:t>Complementary</a:t>
+            </a:r>
+            <a:r>
+              <a:rPr lang="de-DE" b="1" dirty="0"/>
+              <a:t> Release </a:t>
+            </a:r>
+            <a:r>
+              <a:rPr lang="de-DE" b="1" dirty="0" err="1"/>
+              <a:t>Attack</a:t>
+            </a:r>
+            <a:r>
+              <a:rPr lang="de-DE" b="1" dirty="0"/>
+              <a:t>: </a:t>
+            </a:r>
+          </a:p>
+          <a:p>
+            <a:r>
+              <a:rPr lang="de-DE" b="1" dirty="0"/>
+              <a:t>Temporal </a:t>
+            </a:r>
+            <a:r>
+              <a:rPr lang="de-DE" b="1" dirty="0" err="1"/>
+              <a:t>Attack</a:t>
+            </a:r>
+            <a:r>
+              <a:rPr lang="de-DE" b="1" dirty="0"/>
+              <a:t>: </a:t>
+            </a:r>
+          </a:p>
+          <a:p>
+            <a:r>
+              <a:rPr lang="de-DE" b="1" dirty="0" err="1"/>
+              <a:t>Insufficient</a:t>
+            </a:r>
+            <a:r>
+              <a:rPr lang="de-DE" b="1" dirty="0"/>
+              <a:t> Knowledge: </a:t>
+            </a:r>
+          </a:p>
+          <a:p>
+            <a:r>
+              <a:rPr lang="en-US" b="1" dirty="0"/>
+              <a:t>The Adversary’s Knowledge is Unknown </a:t>
             </a:r>
             <a:endParaRPr lang="de-DE" dirty="0"/>
           </a:p>
@@ -5095,7 +4835,7 @@
           <p:cNvPr id="6" name="Foliennummernplatzhalter 5">
             <a:extLst>
               <a:ext uri="{FF2B5EF4-FFF2-40B4-BE49-F238E27FC236}">
-                <a16:creationId xmlns:a16="http://schemas.microsoft.com/office/drawing/2014/main" id="{5824C375-82E2-4ED0-B2D7-27F730213BC9}"/>
+                <a16:creationId xmlns:a16="http://schemas.microsoft.com/office/drawing/2014/main" id="{09410FF4-2E0F-4E88-A69A-145B229403F7}"/>
               </a:ext>
             </a:extLst>
           </p:cNvPr>
@@ -5123,7 +4863,7 @@
     </p:spTree>
     <p:extLst>
       <p:ext uri="{BB962C8B-B14F-4D97-AF65-F5344CB8AC3E}">
-        <p14:creationId xmlns:p14="http://schemas.microsoft.com/office/powerpoint/2010/main" val="3629270011"/>
+        <p14:creationId xmlns:p14="http://schemas.microsoft.com/office/powerpoint/2010/main" val="2188498306"/>
       </p:ext>
     </p:extLst>
   </p:cSld>
@@ -5403,7 +5143,7 @@
           <p:cNvPr id="2" name="Titel 1">
             <a:extLst>
               <a:ext uri="{FF2B5EF4-FFF2-40B4-BE49-F238E27FC236}">
-                <a16:creationId xmlns:a16="http://schemas.microsoft.com/office/drawing/2014/main" id="{D57F315B-3D66-4582-BD2E-B5CF68CF03EA}"/>
+                <a16:creationId xmlns:a16="http://schemas.microsoft.com/office/drawing/2014/main" id="{958F9CD1-9C9B-404C-BA1F-6E0E9A52DB3B}"/>
               </a:ext>
             </a:extLst>
           </p:cNvPr>
@@ -5418,118 +5158,114 @@
         <p:txBody>
           <a:bodyPr/>
           <a:lstStyle/>
-          <a:p>
-            <a:r>
-              <a:rPr lang="de-DE" dirty="0"/>
-              <a:t>Pr0blems </a:t>
-            </a:r>
-            <a:r>
-              <a:rPr lang="de-DE" dirty="0" err="1"/>
-              <a:t>with</a:t>
-            </a:r>
-            <a:r>
-              <a:rPr lang="de-DE" dirty="0"/>
-              <a:t> l-</a:t>
-            </a:r>
-            <a:r>
-              <a:rPr lang="de-DE" dirty="0" err="1"/>
-              <a:t>diversity</a:t>
-            </a:r>
-            <a:endParaRPr lang="de-DE" dirty="0"/>
-          </a:p>
-        </p:txBody>
-      </p:sp>
-      <p:sp>
-        <p:nvSpPr>
-          <p:cNvPr id="3" name="Datumsplatzhalter 2">
-            <a:extLst>
-              <a:ext uri="{FF2B5EF4-FFF2-40B4-BE49-F238E27FC236}">
-                <a16:creationId xmlns:a16="http://schemas.microsoft.com/office/drawing/2014/main" id="{F0D016CC-39B2-45FF-8A84-ED244F5DF67D}"/>
-              </a:ext>
-            </a:extLst>
-          </p:cNvPr>
-          <p:cNvSpPr>
-            <a:spLocks noGrp="1"/>
-          </p:cNvSpPr>
-          <p:nvPr>
-            <p:ph type="dt" sz="half" idx="10"/>
-          </p:nvPr>
-        </p:nvSpPr>
-        <p:spPr/>
-        <p:txBody>
-          <a:bodyPr/>
-          <a:lstStyle/>
-          <a:p>
-            <a:r>
-              <a:rPr lang="de-DE"/>
-              <a:t>18.05.2017</a:t>
-            </a:r>
-            <a:endParaRPr lang="de-DE" dirty="0"/>
-          </a:p>
-        </p:txBody>
-      </p:sp>
-      <p:sp>
-        <p:nvSpPr>
-          <p:cNvPr id="4" name="Fußzeilenplatzhalter 3">
-            <a:extLst>
-              <a:ext uri="{FF2B5EF4-FFF2-40B4-BE49-F238E27FC236}">
-                <a16:creationId xmlns:a16="http://schemas.microsoft.com/office/drawing/2014/main" id="{A2CF5D6B-468B-404B-9403-11972A2A9486}"/>
-              </a:ext>
-            </a:extLst>
-          </p:cNvPr>
-          <p:cNvSpPr>
-            <a:spLocks noGrp="1"/>
-          </p:cNvSpPr>
-          <p:nvPr>
-            <p:ph type="ftr" sz="quarter" idx="11"/>
-          </p:nvPr>
-        </p:nvSpPr>
-        <p:spPr/>
-        <p:txBody>
-          <a:bodyPr/>
-          <a:lstStyle/>
-          <a:p>
-            <a:r>
-              <a:rPr lang="de-DE"/>
-              <a:t>Andreas Heimann &amp; Matthias Puchta</a:t>
-            </a:r>
-            <a:endParaRPr lang="de-DE" dirty="0"/>
-          </a:p>
-        </p:txBody>
-      </p:sp>
-      <p:sp>
-        <p:nvSpPr>
-          <p:cNvPr id="5" name="Textplatzhalter 4">
-            <a:extLst>
-              <a:ext uri="{FF2B5EF4-FFF2-40B4-BE49-F238E27FC236}">
-                <a16:creationId xmlns:a16="http://schemas.microsoft.com/office/drawing/2014/main" id="{43AD6479-C7D5-46BC-9148-10AF544DFBFA}"/>
-              </a:ext>
-            </a:extLst>
-          </p:cNvPr>
-          <p:cNvSpPr>
-            <a:spLocks noGrp="1"/>
-          </p:cNvSpPr>
-          <p:nvPr>
-            <p:ph type="body" sz="quarter" idx="13"/>
-          </p:nvPr>
-        </p:nvSpPr>
-        <p:spPr/>
-        <p:txBody>
-          <a:bodyPr/>
-          <a:lstStyle/>
-          <a:p>
-            <a:r>
-              <a:rPr lang="en-US" dirty="0"/>
-              <a:t>l-Diversity may be difficult and unnecessary to</a:t>
-            </a:r>
-          </a:p>
           <a:p>
             <a:pPr marL="0" indent="0">
               <a:buNone/>
             </a:pPr>
             <a:r>
+              <a:rPr lang="de-DE" dirty="0"/>
+              <a:t>p-sensitive k-</a:t>
+            </a:r>
+            <a:r>
+              <a:rPr lang="de-DE" dirty="0" err="1"/>
+              <a:t>anonymity</a:t>
+            </a:r>
+            <a:endParaRPr lang="de-DE" dirty="0"/>
+          </a:p>
+        </p:txBody>
+      </p:sp>
+      <p:sp>
+        <p:nvSpPr>
+          <p:cNvPr id="3" name="Datumsplatzhalter 2">
+            <a:extLst>
+              <a:ext uri="{FF2B5EF4-FFF2-40B4-BE49-F238E27FC236}">
+                <a16:creationId xmlns:a16="http://schemas.microsoft.com/office/drawing/2014/main" id="{F260DF70-9E66-4354-A537-9A6F20EF768D}"/>
+              </a:ext>
+            </a:extLst>
+          </p:cNvPr>
+          <p:cNvSpPr>
+            <a:spLocks noGrp="1"/>
+          </p:cNvSpPr>
+          <p:nvPr>
+            <p:ph type="dt" sz="half" idx="10"/>
+          </p:nvPr>
+        </p:nvSpPr>
+        <p:spPr/>
+        <p:txBody>
+          <a:bodyPr/>
+          <a:lstStyle/>
+          <a:p>
+            <a:r>
+              <a:rPr lang="de-DE"/>
+              <a:t>18.05.2017</a:t>
+            </a:r>
+            <a:endParaRPr lang="de-DE" dirty="0"/>
+          </a:p>
+        </p:txBody>
+      </p:sp>
+      <p:sp>
+        <p:nvSpPr>
+          <p:cNvPr id="4" name="Fußzeilenplatzhalter 3">
+            <a:extLst>
+              <a:ext uri="{FF2B5EF4-FFF2-40B4-BE49-F238E27FC236}">
+                <a16:creationId xmlns:a16="http://schemas.microsoft.com/office/drawing/2014/main" id="{09C9E642-E14C-4E77-9B36-1ABB217EAF95}"/>
+              </a:ext>
+            </a:extLst>
+          </p:cNvPr>
+          <p:cNvSpPr>
+            <a:spLocks noGrp="1"/>
+          </p:cNvSpPr>
+          <p:nvPr>
+            <p:ph type="ftr" sz="quarter" idx="11"/>
+          </p:nvPr>
+        </p:nvSpPr>
+        <p:spPr/>
+        <p:txBody>
+          <a:bodyPr/>
+          <a:lstStyle/>
+          <a:p>
+            <a:r>
+              <a:rPr lang="de-DE"/>
+              <a:t>Andreas Heimann &amp; Matthias Puchta</a:t>
+            </a:r>
+            <a:endParaRPr lang="de-DE" dirty="0"/>
+          </a:p>
+        </p:txBody>
+      </p:sp>
+      <p:sp>
+        <p:nvSpPr>
+          <p:cNvPr id="5" name="Textplatzhalter 4">
+            <a:extLst>
+              <a:ext uri="{FF2B5EF4-FFF2-40B4-BE49-F238E27FC236}">
+                <a16:creationId xmlns:a16="http://schemas.microsoft.com/office/drawing/2014/main" id="{9E443BB6-0E02-4D1C-85A1-676AC33F2EAA}"/>
+              </a:ext>
+            </a:extLst>
+          </p:cNvPr>
+          <p:cNvSpPr>
+            <a:spLocks noGrp="1"/>
+          </p:cNvSpPr>
+          <p:nvPr>
+            <p:ph type="body" sz="quarter" idx="13"/>
+          </p:nvPr>
+        </p:nvSpPr>
+        <p:spPr/>
+        <p:txBody>
+          <a:bodyPr/>
+          <a:lstStyle/>
+          <a:p>
+            <a:r>
               <a:rPr lang="en-US" dirty="0"/>
-              <a:t>achieve. The argument is the same given against</a:t>
+              <a:t>identity disclosure and attribute disclosure.</a:t>
+            </a:r>
+          </a:p>
+          <a:p>
+            <a:r>
+              <a:rPr lang="en-US" dirty="0" err="1"/>
+              <a:t>dentity</a:t>
+            </a:r>
+            <a:r>
+              <a:rPr lang="en-US" dirty="0"/>
+              <a:t> disclosure and attribute disclosure.</a:t>
             </a:r>
           </a:p>
           <a:p>
@@ -5537,14 +5273,12 @@
               <a:buNone/>
             </a:pPr>
             <a:r>
+              <a:rPr lang="en-US" i="1" dirty="0"/>
+              <a:t>Identity disclosure </a:t>
+            </a:r>
+            <a:r>
               <a:rPr lang="en-US" dirty="0"/>
-              <a:t>p-sensitive k-anonymity in Example 2 above.</a:t>
-            </a:r>
-          </a:p>
-          <a:p>
-            <a:r>
-              <a:rPr lang="en-US" dirty="0"/>
-              <a:t>l-Diversity is insufficient to prevent attribute disclosure.</a:t>
+              <a:t>refers to identification of an entity</a:t>
             </a:r>
           </a:p>
           <a:p>
@@ -5553,15 +5287,15 @@
             </a:pPr>
             <a:r>
               <a:rPr lang="en-US" dirty="0"/>
-              <a:t>At least the following two attacks are </a:t>
-            </a:r>
-            <a:r>
-              <a:rPr lang="de-DE" dirty="0" err="1"/>
-              <a:t>conceivable</a:t>
-            </a:r>
-            <a:r>
-              <a:rPr lang="de-DE" dirty="0"/>
-              <a:t>:</a:t>
+              <a:t>(person, institution) and </a:t>
+            </a:r>
+            <a:r>
+              <a:rPr lang="en-US" i="1" dirty="0"/>
+              <a:t>attribute disclosure </a:t>
+            </a:r>
+            <a:r>
+              <a:rPr lang="en-US" dirty="0"/>
+              <a:t>occurs when</a:t>
             </a:r>
           </a:p>
           <a:p>
@@ -5569,20 +5303,8 @@
               <a:buNone/>
             </a:pPr>
             <a:r>
-              <a:rPr lang="de-DE" dirty="0" err="1"/>
-              <a:t>Skewness</a:t>
-            </a:r>
-            <a:r>
-              <a:rPr lang="de-DE" dirty="0"/>
-              <a:t> </a:t>
-            </a:r>
-            <a:r>
-              <a:rPr lang="de-DE" dirty="0" err="1"/>
-              <a:t>attack</a:t>
-            </a:r>
-            <a:r>
-              <a:rPr lang="de-DE" dirty="0"/>
-              <a:t>:</a:t>
+              <a:rPr lang="en-US" dirty="0"/>
+              <a:t>the intruder finds out something new about the target</a:t>
             </a:r>
           </a:p>
           <a:p>
@@ -5590,8 +5312,17 @@
               <a:buNone/>
             </a:pPr>
             <a:r>
-              <a:rPr lang="de-DE" dirty="0" err="1"/>
-              <a:t>Similarity</a:t>
+              <a:rPr lang="en-US" dirty="0"/>
+              <a:t>entity [11]. Identity disclosure does not automatically</a:t>
+            </a:r>
+          </a:p>
+          <a:p>
+            <a:pPr marL="0" indent="0">
+              <a:buNone/>
+            </a:pPr>
+            <a:r>
+              <a:rPr lang="de-DE" dirty="0" err="1"/>
+              <a:t>imply</a:t>
             </a:r>
             <a:r>
               <a:rPr lang="de-DE" dirty="0"/>
@@ -5599,31 +5330,7 @@
             </a:r>
             <a:r>
               <a:rPr lang="de-DE" dirty="0" err="1"/>
-              <a:t>attack</a:t>
-            </a:r>
-            <a:r>
-              <a:rPr lang="de-DE" dirty="0"/>
-              <a:t>: </a:t>
-            </a:r>
-            <a:r>
-              <a:rPr lang="de-DE" dirty="0" err="1"/>
-              <a:t>sematical</a:t>
-            </a:r>
-            <a:r>
-              <a:rPr lang="de-DE" dirty="0"/>
-              <a:t> same </a:t>
-            </a:r>
-            <a:r>
-              <a:rPr lang="de-DE" dirty="0" err="1"/>
-              <a:t>cofidentail</a:t>
-            </a:r>
-            <a:r>
-              <a:rPr lang="de-DE" dirty="0"/>
-              <a:t> </a:t>
-            </a:r>
-            <a:r>
-              <a:rPr lang="de-DE" dirty="0" err="1"/>
-              <a:t>attributes</a:t>
+              <a:t>attribute</a:t>
             </a:r>
             <a:endParaRPr lang="de-DE" dirty="0"/>
           </a:p>
@@ -5634,7 +5341,7 @@
           <p:cNvPr id="6" name="Foliennummernplatzhalter 5">
             <a:extLst>
               <a:ext uri="{FF2B5EF4-FFF2-40B4-BE49-F238E27FC236}">
-                <a16:creationId xmlns:a16="http://schemas.microsoft.com/office/drawing/2014/main" id="{ED7B792D-2998-422A-8AFD-846A7976EE01}"/>
+                <a16:creationId xmlns:a16="http://schemas.microsoft.com/office/drawing/2014/main" id="{4C8439EF-D42F-4986-86FE-E0B37623E7D1}"/>
               </a:ext>
             </a:extLst>
           </p:cNvPr>
@@ -5662,7 +5369,7 @@
     </p:spTree>
     <p:extLst>
       <p:ext uri="{BB962C8B-B14F-4D97-AF65-F5344CB8AC3E}">
-        <p14:creationId xmlns:p14="http://schemas.microsoft.com/office/powerpoint/2010/main" val="2921885383"/>
+        <p14:creationId xmlns:p14="http://schemas.microsoft.com/office/powerpoint/2010/main" val="1946241733"/>
       </p:ext>
     </p:extLst>
   </p:cSld>
@@ -5694,7 +5401,7 @@
           <p:cNvPr id="2" name="Titel 1">
             <a:extLst>
               <a:ext uri="{FF2B5EF4-FFF2-40B4-BE49-F238E27FC236}">
-                <a16:creationId xmlns:a16="http://schemas.microsoft.com/office/drawing/2014/main" id="{03774710-EF24-496F-8E16-1860EB9452BD}"/>
+                <a16:creationId xmlns:a16="http://schemas.microsoft.com/office/drawing/2014/main" id="{7B413E46-A044-4329-AE39-7349DB1BBEFC}"/>
               </a:ext>
             </a:extLst>
           </p:cNvPr>
@@ -5712,11 +5419,11 @@
           <a:p>
             <a:r>
               <a:rPr lang="de-DE" dirty="0"/>
-              <a:t>t-</a:t>
-            </a:r>
-            <a:r>
-              <a:rPr lang="de-DE" dirty="0" err="1"/>
-              <a:t>close´ness</a:t>
+              <a:t>P-sensitive k -</a:t>
+            </a:r>
+            <a:r>
+              <a:rPr lang="de-DE" dirty="0" err="1"/>
+              <a:t>anonymity</a:t>
             </a:r>
             <a:endParaRPr lang="de-DE" dirty="0"/>
           </a:p>
@@ -5727,7 +5434,7 @@
           <p:cNvPr id="3" name="Datumsplatzhalter 2">
             <a:extLst>
               <a:ext uri="{FF2B5EF4-FFF2-40B4-BE49-F238E27FC236}">
-                <a16:creationId xmlns:a16="http://schemas.microsoft.com/office/drawing/2014/main" id="{419087A1-C8F7-429D-9539-28EFF980787F}"/>
+                <a16:creationId xmlns:a16="http://schemas.microsoft.com/office/drawing/2014/main" id="{2017CE23-A8AD-4FC4-B6DD-A2E0CDE682B2}"/>
               </a:ext>
             </a:extLst>
           </p:cNvPr>
@@ -5756,7 +5463,7 @@
           <p:cNvPr id="4" name="Fußzeilenplatzhalter 3">
             <a:extLst>
               <a:ext uri="{FF2B5EF4-FFF2-40B4-BE49-F238E27FC236}">
-                <a16:creationId xmlns:a16="http://schemas.microsoft.com/office/drawing/2014/main" id="{16A1720A-77AB-4E5A-8054-A5D031724E0F}"/>
+                <a16:creationId xmlns:a16="http://schemas.microsoft.com/office/drawing/2014/main" id="{A23D59A7-D63C-4137-972B-3B6224BB0D54}"/>
               </a:ext>
             </a:extLst>
           </p:cNvPr>
@@ -5773,12 +5480,8 @@
           <a:lstStyle/>
           <a:p>
             <a:r>
-              <a:rPr lang="de-DE" dirty="0"/>
-              <a:t>Andreas Wiegand &amp; Ludwig </a:t>
-            </a:r>
-            <a:r>
-              <a:rPr lang="de-DE" dirty="0" err="1"/>
-              <a:t>Schallner</a:t>
+              <a:rPr lang="de-DE"/>
+              <a:t>Andreas Heimann &amp; Matthias Puchta</a:t>
             </a:r>
             <a:endParaRPr lang="de-DE" dirty="0"/>
           </a:p>
@@ -5789,7 +5492,7 @@
           <p:cNvPr id="5" name="Textplatzhalter 4">
             <a:extLst>
               <a:ext uri="{FF2B5EF4-FFF2-40B4-BE49-F238E27FC236}">
-                <a16:creationId xmlns:a16="http://schemas.microsoft.com/office/drawing/2014/main" id="{30F3C5B2-53AA-499A-886B-AA06C3A92963}"/>
+                <a16:creationId xmlns:a16="http://schemas.microsoft.com/office/drawing/2014/main" id="{62403F49-8A1E-4574-B8FF-BE1B459AD6B3}"/>
               </a:ext>
             </a:extLst>
           </p:cNvPr>
@@ -5807,56 +5510,86 @@
           <a:p>
             <a:r>
               <a:rPr lang="de-DE" dirty="0"/>
-              <a:t>Definition: </a:t>
+              <a:t>The </a:t>
+            </a:r>
+            <a:r>
+              <a:rPr lang="de-DE" dirty="0" err="1"/>
+              <a:t>for</a:t>
+            </a:r>
+            <a:r>
+              <a:rPr lang="de-DE" dirty="0"/>
+              <a:t> </a:t>
+            </a:r>
+            <a:r>
+              <a:rPr lang="de-DE" dirty="0" err="1"/>
+              <a:t>each</a:t>
+            </a:r>
+            <a:r>
+              <a:rPr lang="de-DE" dirty="0"/>
+              <a:t> </a:t>
+            </a:r>
+            <a:r>
+              <a:rPr lang="de-DE" dirty="0" err="1"/>
+              <a:t>tuple</a:t>
+            </a:r>
+            <a:r>
+              <a:rPr lang="de-DE" dirty="0"/>
+              <a:t> </a:t>
+            </a:r>
+            <a:r>
+              <a:rPr lang="de-DE" dirty="0" err="1"/>
+              <a:t>of</a:t>
+            </a:r>
+            <a:r>
+              <a:rPr lang="de-DE" dirty="0"/>
+              <a:t> k-</a:t>
+            </a:r>
+            <a:r>
+              <a:rPr lang="de-DE" dirty="0" err="1"/>
+              <a:t>anonymity</a:t>
+            </a:r>
+            <a:r>
+              <a:rPr lang="de-DE" dirty="0"/>
+              <a:t> </a:t>
+            </a:r>
+            <a:r>
+              <a:rPr lang="de-DE" dirty="0" err="1"/>
+              <a:t>there</a:t>
+            </a:r>
+            <a:r>
+              <a:rPr lang="de-DE" dirty="0"/>
+              <a:t> </a:t>
+            </a:r>
+            <a:r>
+              <a:rPr lang="de-DE" dirty="0" err="1"/>
+              <a:t>are</a:t>
+            </a:r>
+            <a:r>
+              <a:rPr lang="de-DE" dirty="0"/>
+              <a:t> at least p different sensitive </a:t>
+            </a:r>
+            <a:r>
+              <a:rPr lang="de-DE" dirty="0" err="1"/>
+              <a:t>data</a:t>
+            </a:r>
+            <a:endParaRPr lang="de-DE" dirty="0"/>
+          </a:p>
+          <a:p>
+            <a:r>
+              <a:rPr lang="de-DE" dirty="0"/>
+              <a:t>Problem:</a:t>
             </a:r>
             <a:r>
               <a:rPr lang="en-US" dirty="0"/>
-              <a:t>Definition 4 (t-Closeness): A data set is said to</a:t>
-            </a:r>
-          </a:p>
-          <a:p>
-            <a:pPr marL="0" indent="0">
-              <a:buNone/>
-            </a:pPr>
+              <a:t>p-Sensitive k-anonymity has the limitation of implicitly assuming that each confidential attribute takes values uniformly over its domain, that is, that the frequencies of the various values of a confidential attribute are similar. When this is not the case, </a:t>
+            </a:r>
+            <a:r>
+              <a:rPr lang="en-US" dirty="0" err="1"/>
+              <a:t>achievingp</a:t>
+            </a:r>
             <a:r>
               <a:rPr lang="en-US" dirty="0"/>
-              <a:t>satisfy t-closeness if, for each group of records sharing</a:t>
-            </a:r>
-          </a:p>
-          <a:p>
-            <a:pPr marL="0" indent="0">
-              <a:buNone/>
-            </a:pPr>
-            <a:r>
-              <a:rPr lang="en-US" dirty="0"/>
-              <a:t>a combination of key attributes, the distance between</a:t>
-            </a:r>
-          </a:p>
-          <a:p>
-            <a:pPr marL="0" indent="0">
-              <a:buNone/>
-            </a:pPr>
-            <a:r>
-              <a:rPr lang="en-US" dirty="0"/>
-              <a:t>the distribution of the confidential attribute in the group</a:t>
-            </a:r>
-          </a:p>
-          <a:p>
-            <a:pPr marL="0" indent="0">
-              <a:buNone/>
-            </a:pPr>
-            <a:r>
-              <a:rPr lang="en-US" dirty="0"/>
-              <a:t>and the distribution of the attribute in the whole data</a:t>
-            </a:r>
-          </a:p>
-          <a:p>
-            <a:pPr marL="0" indent="0">
-              <a:buNone/>
-            </a:pPr>
-            <a:r>
-              <a:rPr lang="en-US" dirty="0"/>
-              <a:t>set is no more than a threshold t.</a:t>
+              <a:t>-sensitive k-anonymity may cause a huge data utility loss. This is illustrated in the following example.</a:t>
             </a:r>
             <a:endParaRPr lang="de-DE" dirty="0"/>
           </a:p>
@@ -5867,7 +5600,7 @@
           <p:cNvPr id="6" name="Foliennummernplatzhalter 5">
             <a:extLst>
               <a:ext uri="{FF2B5EF4-FFF2-40B4-BE49-F238E27FC236}">
-                <a16:creationId xmlns:a16="http://schemas.microsoft.com/office/drawing/2014/main" id="{54D3FDF2-2764-4BE6-BE4D-51DAF1C1A001}"/>
+                <a16:creationId xmlns:a16="http://schemas.microsoft.com/office/drawing/2014/main" id="{E252A72A-F651-40F4-8DBC-665586CBC460}"/>
               </a:ext>
             </a:extLst>
           </p:cNvPr>
@@ -5895,7 +5628,7 @@
     </p:spTree>
     <p:extLst>
       <p:ext uri="{BB962C8B-B14F-4D97-AF65-F5344CB8AC3E}">
-        <p14:creationId xmlns:p14="http://schemas.microsoft.com/office/powerpoint/2010/main" val="222580713"/>
+        <p14:creationId xmlns:p14="http://schemas.microsoft.com/office/powerpoint/2010/main" val="2954308101"/>
       </p:ext>
     </p:extLst>
   </p:cSld>
@@ -5927,7 +5660,7 @@
           <p:cNvPr id="2" name="Titel 1">
             <a:extLst>
               <a:ext uri="{FF2B5EF4-FFF2-40B4-BE49-F238E27FC236}">
-                <a16:creationId xmlns:a16="http://schemas.microsoft.com/office/drawing/2014/main" id="{ED74D9F5-7E88-40DD-A611-56459F70E672}"/>
+                <a16:creationId xmlns:a16="http://schemas.microsoft.com/office/drawing/2014/main" id="{29821BA2-C897-4834-998A-48C037EFCC61}"/>
               </a:ext>
             </a:extLst>
           </p:cNvPr>
@@ -5945,11 +5678,11 @@
           <a:p>
             <a:r>
               <a:rPr lang="de-DE" dirty="0"/>
-              <a:t>t-</a:t>
-            </a:r>
-            <a:r>
-              <a:rPr lang="de-DE" dirty="0" err="1"/>
-              <a:t>close´ness</a:t>
+              <a:t>l-</a:t>
+            </a:r>
+            <a:r>
+              <a:rPr lang="de-DE" dirty="0" err="1"/>
+              <a:t>diversity</a:t>
             </a:r>
             <a:endParaRPr lang="de-DE" dirty="0"/>
           </a:p>
@@ -5960,7 +5693,7 @@
           <p:cNvPr id="3" name="Datumsplatzhalter 2">
             <a:extLst>
               <a:ext uri="{FF2B5EF4-FFF2-40B4-BE49-F238E27FC236}">
-                <a16:creationId xmlns:a16="http://schemas.microsoft.com/office/drawing/2014/main" id="{A81886F5-D8A0-4AB2-A12D-B44314A08602}"/>
+                <a16:creationId xmlns:a16="http://schemas.microsoft.com/office/drawing/2014/main" id="{707299E6-283C-4175-B3B3-5D836D4EF88A}"/>
               </a:ext>
             </a:extLst>
           </p:cNvPr>
@@ -5989,7 +5722,7 @@
           <p:cNvPr id="4" name="Fußzeilenplatzhalter 3">
             <a:extLst>
               <a:ext uri="{FF2B5EF4-FFF2-40B4-BE49-F238E27FC236}">
-                <a16:creationId xmlns:a16="http://schemas.microsoft.com/office/drawing/2014/main" id="{59640035-9623-4075-BDEE-7833C664AE8B}"/>
+                <a16:creationId xmlns:a16="http://schemas.microsoft.com/office/drawing/2014/main" id="{CDC6992F-08D8-482D-96AA-DC41E416B94B}"/>
               </a:ext>
             </a:extLst>
           </p:cNvPr>
@@ -6018,7 +5751,7 @@
           <p:cNvPr id="5" name="Textplatzhalter 4">
             <a:extLst>
               <a:ext uri="{FF2B5EF4-FFF2-40B4-BE49-F238E27FC236}">
-                <a16:creationId xmlns:a16="http://schemas.microsoft.com/office/drawing/2014/main" id="{8F031245-BB29-41F9-8C5E-156AFC612440}"/>
+                <a16:creationId xmlns:a16="http://schemas.microsoft.com/office/drawing/2014/main" id="{CB4D70E7-CAB1-402E-A84F-08E5BE171BBF}"/>
               </a:ext>
             </a:extLst>
           </p:cNvPr>
@@ -6035,8 +5768,8 @@
           <a:lstStyle/>
           <a:p>
             <a:r>
-              <a:rPr lang="de-DE" dirty="0"/>
-              <a:t>Problems:</a:t>
+              <a:rPr lang="en-US" dirty="0"/>
+              <a:t>Definition 3 (l-Diversity): A data set is said to satisfy</a:t>
             </a:r>
           </a:p>
           <a:p>
@@ -6045,7 +5778,7 @@
             </a:pPr>
             <a:r>
               <a:rPr lang="en-US" dirty="0"/>
-              <a:t>Whereas the paper [7] elaborates on several ways</a:t>
+              <a:t>l-diversity if, for each group of records sharing a</a:t>
             </a:r>
           </a:p>
           <a:p>
@@ -6054,7 +5787,15 @@
             </a:pPr>
             <a:r>
               <a:rPr lang="en-US" dirty="0"/>
-              <a:t>o check t-closeness (using several distances between</a:t>
+              <a:t>combination of key attributes, there are at least l “</a:t>
+            </a:r>
+            <a:r>
+              <a:rPr lang="en-US" dirty="0" err="1"/>
+              <a:t>wellrepresented</a:t>
+            </a:r>
+            <a:r>
+              <a:rPr lang="en-US" dirty="0"/>
+              <a:t>” values for each confidential attribute.</a:t>
             </a:r>
           </a:p>
           <a:p>
@@ -6062,49 +5803,38 @@
               <a:buNone/>
             </a:pPr>
             <a:r>
-              <a:rPr lang="de-DE" dirty="0" err="1"/>
-              <a:t>distributions</a:t>
-            </a:r>
-            <a:r>
-              <a:rPr lang="de-DE" dirty="0"/>
-              <a:t>), </a:t>
-            </a:r>
-            <a:r>
-              <a:rPr lang="de-DE" dirty="0" err="1"/>
-              <a:t>no</a:t>
-            </a:r>
-            <a:r>
-              <a:rPr lang="de-DE" dirty="0"/>
-              <a:t> </a:t>
-            </a:r>
-            <a:r>
-              <a:rPr lang="de-DE" dirty="0" err="1"/>
-              <a:t>computational</a:t>
-            </a:r>
-            <a:r>
-              <a:rPr lang="de-DE" dirty="0"/>
-              <a:t> </a:t>
-            </a:r>
-            <a:r>
-              <a:rPr lang="de-DE" dirty="0" err="1"/>
-              <a:t>procedure</a:t>
-            </a:r>
-            <a:endParaRPr lang="de-DE" dirty="0"/>
+              <a:rPr lang="en-US" dirty="0"/>
+              <a:t>According to [9] the term “well-represented” can be</a:t>
+            </a:r>
           </a:p>
           <a:p>
             <a:pPr marL="0" indent="0">
               <a:buNone/>
             </a:pPr>
             <a:r>
-              <a:rPr lang="en-US" dirty="0"/>
-              <a:t>to enforce this property is given.</a:t>
-            </a:r>
-          </a:p>
-          <a:p>
-            <a:pPr marL="0" indent="0">
-              <a:buNone/>
-            </a:pPr>
-            <a:endParaRPr lang="de-DE" dirty="0"/>
+              <a:rPr lang="de-DE" dirty="0" err="1"/>
+              <a:t>defined</a:t>
+            </a:r>
+            <a:r>
+              <a:rPr lang="de-DE" dirty="0"/>
+              <a:t> in </a:t>
+            </a:r>
+            <a:r>
+              <a:rPr lang="de-DE" dirty="0" err="1"/>
+              <a:t>several</a:t>
+            </a:r>
+            <a:r>
+              <a:rPr lang="de-DE" dirty="0"/>
+              <a:t> </a:t>
+            </a:r>
+            <a:r>
+              <a:rPr lang="de-DE" dirty="0" err="1"/>
+              <a:t>ways</a:t>
+            </a:r>
+            <a:r>
+              <a:rPr lang="de-DE" dirty="0"/>
+              <a:t>:</a:t>
+            </a:r>
           </a:p>
         </p:txBody>
       </p:sp>
@@ -6113,7 +5843,7 @@
           <p:cNvPr id="6" name="Foliennummernplatzhalter 5">
             <a:extLst>
               <a:ext uri="{FF2B5EF4-FFF2-40B4-BE49-F238E27FC236}">
-                <a16:creationId xmlns:a16="http://schemas.microsoft.com/office/drawing/2014/main" id="{35C5C671-02F4-435F-A4CA-4659E0309639}"/>
+                <a16:creationId xmlns:a16="http://schemas.microsoft.com/office/drawing/2014/main" id="{265E418F-8B07-43E5-91F1-566EB30C7F53}"/>
               </a:ext>
             </a:extLst>
           </p:cNvPr>
@@ -6141,7 +5871,7 @@
     </p:spTree>
     <p:extLst>
       <p:ext uri="{BB962C8B-B14F-4D97-AF65-F5344CB8AC3E}">
-        <p14:creationId xmlns:p14="http://schemas.microsoft.com/office/powerpoint/2010/main" val="2648306626"/>
+        <p14:creationId xmlns:p14="http://schemas.microsoft.com/office/powerpoint/2010/main" val="405088296"/>
       </p:ext>
     </p:extLst>
   </p:cSld>
@@ -6173,7 +5903,7 @@
           <p:cNvPr id="2" name="Titel 1">
             <a:extLst>
               <a:ext uri="{FF2B5EF4-FFF2-40B4-BE49-F238E27FC236}">
-                <a16:creationId xmlns:a16="http://schemas.microsoft.com/office/drawing/2014/main" id="{60CF76F7-DA21-4280-B132-DB1CBFFB0632}"/>
+                <a16:creationId xmlns:a16="http://schemas.microsoft.com/office/drawing/2014/main" id="{48F7001C-8209-4829-9211-838EE9976128}"/>
               </a:ext>
             </a:extLst>
           </p:cNvPr>
@@ -6191,12 +5921,13 @@
           <a:p>
             <a:r>
               <a:rPr lang="de-DE" dirty="0"/>
-              <a:t>Differential </a:t>
-            </a:r>
-            <a:r>
-              <a:rPr lang="de-DE"/>
-              <a:t>privacy</a:t>
-            </a:r>
+              <a:t>Different l-</a:t>
+            </a:r>
+            <a:r>
+              <a:rPr lang="de-DE" dirty="0" err="1"/>
+              <a:t>diversity</a:t>
+            </a:r>
+            <a:endParaRPr lang="de-DE" dirty="0"/>
           </a:p>
         </p:txBody>
       </p:sp>
@@ -6205,7 +5936,7 @@
           <p:cNvPr id="3" name="Datumsplatzhalter 2">
             <a:extLst>
               <a:ext uri="{FF2B5EF4-FFF2-40B4-BE49-F238E27FC236}">
-                <a16:creationId xmlns:a16="http://schemas.microsoft.com/office/drawing/2014/main" id="{3B50A201-5742-48F2-9C76-90EB7278DE8B}"/>
+                <a16:creationId xmlns:a16="http://schemas.microsoft.com/office/drawing/2014/main" id="{5617572A-0126-4E39-9967-6339673CBF10}"/>
               </a:ext>
             </a:extLst>
           </p:cNvPr>
@@ -6234,7 +5965,7 @@
           <p:cNvPr id="4" name="Fußzeilenplatzhalter 3">
             <a:extLst>
               <a:ext uri="{FF2B5EF4-FFF2-40B4-BE49-F238E27FC236}">
-                <a16:creationId xmlns:a16="http://schemas.microsoft.com/office/drawing/2014/main" id="{905609BE-6FD9-442B-89BF-1438B615F4CE}"/>
+                <a16:creationId xmlns:a16="http://schemas.microsoft.com/office/drawing/2014/main" id="{147D38FB-93C4-47D0-B1B6-40BB9C26DCA0}"/>
               </a:ext>
             </a:extLst>
           </p:cNvPr>
@@ -6263,7 +5994,7 @@
           <p:cNvPr id="5" name="Textplatzhalter 4">
             <a:extLst>
               <a:ext uri="{FF2B5EF4-FFF2-40B4-BE49-F238E27FC236}">
-                <a16:creationId xmlns:a16="http://schemas.microsoft.com/office/drawing/2014/main" id="{BE3AB503-2D36-4EFD-97BC-4FB481D902EA}"/>
+                <a16:creationId xmlns:a16="http://schemas.microsoft.com/office/drawing/2014/main" id="{A8D93557-FF57-443A-B61F-5F9D57A43186}"/>
               </a:ext>
             </a:extLst>
           </p:cNvPr>
@@ -6279,7 +6010,55 @@
           <a:bodyPr/>
           <a:lstStyle/>
           <a:p>
-            <a:endParaRPr lang="de-DE"/>
+            <a:r>
+              <a:rPr lang="en-US" dirty="0"/>
+              <a:t>1) Distinct l-diversity. There must be at least l distinct values for the confidential attribute in each group of records sharing a combination of key attributes. This is equivalent to l-sensitive k-</a:t>
+            </a:r>
+          </a:p>
+          <a:p>
+            <a:r>
+              <a:rPr lang="de-DE" dirty="0"/>
+              <a:t>2) </a:t>
+            </a:r>
+            <a:r>
+              <a:rPr lang="de-DE" dirty="0" err="1"/>
+              <a:t>Entropy</a:t>
+            </a:r>
+            <a:r>
+              <a:rPr lang="de-DE" dirty="0"/>
+              <a:t> l-</a:t>
+            </a:r>
+            <a:r>
+              <a:rPr lang="de-DE" dirty="0" err="1"/>
+              <a:t>diversity</a:t>
+            </a:r>
+            <a:r>
+              <a:rPr lang="de-DE" dirty="0"/>
+              <a:t>.</a:t>
+            </a:r>
+            <a:r>
+              <a:rPr lang="en-US" dirty="0"/>
+              <a:t>.</a:t>
+            </a:r>
+          </a:p>
+          <a:p>
+            <a:r>
+              <a:rPr lang="de-DE" dirty="0"/>
+              <a:t>3) </a:t>
+            </a:r>
+            <a:r>
+              <a:rPr lang="de-DE" dirty="0" err="1"/>
+              <a:t>Recursive</a:t>
+            </a:r>
+            <a:r>
+              <a:rPr lang="de-DE" dirty="0"/>
+              <a:t> (c, l)-</a:t>
+            </a:r>
+            <a:r>
+              <a:rPr lang="de-DE" dirty="0" err="1"/>
+              <a:t>diversity</a:t>
+            </a:r>
+            <a:endParaRPr lang="de-DE" dirty="0"/>
           </a:p>
         </p:txBody>
       </p:sp>
@@ -6288,7 +6067,7 @@
           <p:cNvPr id="6" name="Foliennummernplatzhalter 5">
             <a:extLst>
               <a:ext uri="{FF2B5EF4-FFF2-40B4-BE49-F238E27FC236}">
-                <a16:creationId xmlns:a16="http://schemas.microsoft.com/office/drawing/2014/main" id="{9B878E9B-BDE0-4DC9-9BC7-6B1CE8112B95}"/>
+                <a16:creationId xmlns:a16="http://schemas.microsoft.com/office/drawing/2014/main" id="{5824C375-82E2-4ED0-B2D7-27F730213BC9}"/>
               </a:ext>
             </a:extLst>
           </p:cNvPr>
@@ -6308,6 +6087,951 @@
               <a:rPr lang="de-DE" smtClean="0"/>
               <a:pPr/>
               <a:t>23</a:t>
+            </a:fld>
+            <a:endParaRPr lang="de-DE"/>
+          </a:p>
+        </p:txBody>
+      </p:sp>
+    </p:spTree>
+    <p:extLst>
+      <p:ext uri="{BB962C8B-B14F-4D97-AF65-F5344CB8AC3E}">
+        <p14:creationId xmlns:p14="http://schemas.microsoft.com/office/powerpoint/2010/main" val="3629270011"/>
+      </p:ext>
+    </p:extLst>
+  </p:cSld>
+  <p:clrMapOvr>
+    <a:masterClrMapping/>
+  </p:clrMapOvr>
+</p:sld>
+</file>
+
+<file path=ppt/slides/slide24.xml><?xml version="1.0" encoding="utf-8"?>
+<p:sld xmlns:a="http://schemas.openxmlformats.org/drawingml/2006/main" xmlns:r="http://schemas.openxmlformats.org/officeDocument/2006/relationships" xmlns:p="http://schemas.openxmlformats.org/presentationml/2006/main">
+  <p:cSld>
+    <p:spTree>
+      <p:nvGrpSpPr>
+        <p:cNvPr id="1" name=""/>
+        <p:cNvGrpSpPr/>
+        <p:nvPr/>
+      </p:nvGrpSpPr>
+      <p:grpSpPr>
+        <a:xfrm>
+          <a:off x="0" y="0"/>
+          <a:ext cx="0" cy="0"/>
+          <a:chOff x="0" y="0"/>
+          <a:chExt cx="0" cy="0"/>
+        </a:xfrm>
+      </p:grpSpPr>
+      <p:sp>
+        <p:nvSpPr>
+          <p:cNvPr id="2" name="Titel 1">
+            <a:extLst>
+              <a:ext uri="{FF2B5EF4-FFF2-40B4-BE49-F238E27FC236}">
+                <a16:creationId xmlns:a16="http://schemas.microsoft.com/office/drawing/2014/main" id="{D57F315B-3D66-4582-BD2E-B5CF68CF03EA}"/>
+              </a:ext>
+            </a:extLst>
+          </p:cNvPr>
+          <p:cNvSpPr>
+            <a:spLocks noGrp="1"/>
+          </p:cNvSpPr>
+          <p:nvPr>
+            <p:ph type="title"/>
+          </p:nvPr>
+        </p:nvSpPr>
+        <p:spPr/>
+        <p:txBody>
+          <a:bodyPr/>
+          <a:lstStyle/>
+          <a:p>
+            <a:r>
+              <a:rPr lang="de-DE" dirty="0"/>
+              <a:t>Pr0blems </a:t>
+            </a:r>
+            <a:r>
+              <a:rPr lang="de-DE" dirty="0" err="1"/>
+              <a:t>with</a:t>
+            </a:r>
+            <a:r>
+              <a:rPr lang="de-DE" dirty="0"/>
+              <a:t> l-</a:t>
+            </a:r>
+            <a:r>
+              <a:rPr lang="de-DE" dirty="0" err="1"/>
+              <a:t>diversity</a:t>
+            </a:r>
+            <a:endParaRPr lang="de-DE" dirty="0"/>
+          </a:p>
+        </p:txBody>
+      </p:sp>
+      <p:sp>
+        <p:nvSpPr>
+          <p:cNvPr id="3" name="Datumsplatzhalter 2">
+            <a:extLst>
+              <a:ext uri="{FF2B5EF4-FFF2-40B4-BE49-F238E27FC236}">
+                <a16:creationId xmlns:a16="http://schemas.microsoft.com/office/drawing/2014/main" id="{F0D016CC-39B2-45FF-8A84-ED244F5DF67D}"/>
+              </a:ext>
+            </a:extLst>
+          </p:cNvPr>
+          <p:cNvSpPr>
+            <a:spLocks noGrp="1"/>
+          </p:cNvSpPr>
+          <p:nvPr>
+            <p:ph type="dt" sz="half" idx="10"/>
+          </p:nvPr>
+        </p:nvSpPr>
+        <p:spPr/>
+        <p:txBody>
+          <a:bodyPr/>
+          <a:lstStyle/>
+          <a:p>
+            <a:r>
+              <a:rPr lang="de-DE"/>
+              <a:t>18.05.2017</a:t>
+            </a:r>
+            <a:endParaRPr lang="de-DE" dirty="0"/>
+          </a:p>
+        </p:txBody>
+      </p:sp>
+      <p:sp>
+        <p:nvSpPr>
+          <p:cNvPr id="4" name="Fußzeilenplatzhalter 3">
+            <a:extLst>
+              <a:ext uri="{FF2B5EF4-FFF2-40B4-BE49-F238E27FC236}">
+                <a16:creationId xmlns:a16="http://schemas.microsoft.com/office/drawing/2014/main" id="{A2CF5D6B-468B-404B-9403-11972A2A9486}"/>
+              </a:ext>
+            </a:extLst>
+          </p:cNvPr>
+          <p:cNvSpPr>
+            <a:spLocks noGrp="1"/>
+          </p:cNvSpPr>
+          <p:nvPr>
+            <p:ph type="ftr" sz="quarter" idx="11"/>
+          </p:nvPr>
+        </p:nvSpPr>
+        <p:spPr/>
+        <p:txBody>
+          <a:bodyPr/>
+          <a:lstStyle/>
+          <a:p>
+            <a:r>
+              <a:rPr lang="de-DE"/>
+              <a:t>Andreas Heimann &amp; Matthias Puchta</a:t>
+            </a:r>
+            <a:endParaRPr lang="de-DE" dirty="0"/>
+          </a:p>
+        </p:txBody>
+      </p:sp>
+      <p:sp>
+        <p:nvSpPr>
+          <p:cNvPr id="5" name="Textplatzhalter 4">
+            <a:extLst>
+              <a:ext uri="{FF2B5EF4-FFF2-40B4-BE49-F238E27FC236}">
+                <a16:creationId xmlns:a16="http://schemas.microsoft.com/office/drawing/2014/main" id="{43AD6479-C7D5-46BC-9148-10AF544DFBFA}"/>
+              </a:ext>
+            </a:extLst>
+          </p:cNvPr>
+          <p:cNvSpPr>
+            <a:spLocks noGrp="1"/>
+          </p:cNvSpPr>
+          <p:nvPr>
+            <p:ph type="body" sz="quarter" idx="13"/>
+          </p:nvPr>
+        </p:nvSpPr>
+        <p:spPr/>
+        <p:txBody>
+          <a:bodyPr/>
+          <a:lstStyle/>
+          <a:p>
+            <a:r>
+              <a:rPr lang="en-US" dirty="0"/>
+              <a:t>l-Diversity may be difficult and unnecessary to</a:t>
+            </a:r>
+          </a:p>
+          <a:p>
+            <a:pPr marL="0" indent="0">
+              <a:buNone/>
+            </a:pPr>
+            <a:r>
+              <a:rPr lang="en-US" dirty="0"/>
+              <a:t>achieve. The argument is the same given against</a:t>
+            </a:r>
+          </a:p>
+          <a:p>
+            <a:pPr marL="0" indent="0">
+              <a:buNone/>
+            </a:pPr>
+            <a:r>
+              <a:rPr lang="en-US" dirty="0"/>
+              <a:t>p-sensitive k-anonymity in Example 2 above.</a:t>
+            </a:r>
+          </a:p>
+          <a:p>
+            <a:r>
+              <a:rPr lang="en-US" dirty="0"/>
+              <a:t>l-Diversity is insufficient to prevent attribute disclosure.</a:t>
+            </a:r>
+          </a:p>
+          <a:p>
+            <a:pPr marL="0" indent="0">
+              <a:buNone/>
+            </a:pPr>
+            <a:r>
+              <a:rPr lang="en-US" dirty="0"/>
+              <a:t>At least the following two attacks are </a:t>
+            </a:r>
+            <a:r>
+              <a:rPr lang="de-DE" dirty="0" err="1"/>
+              <a:t>conceivable</a:t>
+            </a:r>
+            <a:r>
+              <a:rPr lang="de-DE" dirty="0"/>
+              <a:t>:</a:t>
+            </a:r>
+          </a:p>
+          <a:p>
+            <a:pPr marL="0" indent="0">
+              <a:buNone/>
+            </a:pPr>
+            <a:r>
+              <a:rPr lang="de-DE" dirty="0" err="1"/>
+              <a:t>Skewness</a:t>
+            </a:r>
+            <a:r>
+              <a:rPr lang="de-DE" dirty="0"/>
+              <a:t> </a:t>
+            </a:r>
+            <a:r>
+              <a:rPr lang="de-DE" dirty="0" err="1"/>
+              <a:t>attack</a:t>
+            </a:r>
+            <a:r>
+              <a:rPr lang="de-DE" dirty="0"/>
+              <a:t>:</a:t>
+            </a:r>
+          </a:p>
+          <a:p>
+            <a:pPr marL="0" indent="0">
+              <a:buNone/>
+            </a:pPr>
+            <a:r>
+              <a:rPr lang="de-DE" dirty="0" err="1"/>
+              <a:t>Similarity</a:t>
+            </a:r>
+            <a:r>
+              <a:rPr lang="de-DE" dirty="0"/>
+              <a:t> </a:t>
+            </a:r>
+            <a:r>
+              <a:rPr lang="de-DE" dirty="0" err="1"/>
+              <a:t>attack</a:t>
+            </a:r>
+            <a:r>
+              <a:rPr lang="de-DE" dirty="0"/>
+              <a:t>: </a:t>
+            </a:r>
+            <a:r>
+              <a:rPr lang="de-DE" dirty="0" err="1"/>
+              <a:t>sematical</a:t>
+            </a:r>
+            <a:r>
+              <a:rPr lang="de-DE" dirty="0"/>
+              <a:t> same </a:t>
+            </a:r>
+            <a:r>
+              <a:rPr lang="de-DE" dirty="0" err="1"/>
+              <a:t>cofidentail</a:t>
+            </a:r>
+            <a:r>
+              <a:rPr lang="de-DE" dirty="0"/>
+              <a:t> </a:t>
+            </a:r>
+            <a:r>
+              <a:rPr lang="de-DE" dirty="0" err="1"/>
+              <a:t>attributes</a:t>
+            </a:r>
+            <a:endParaRPr lang="de-DE" dirty="0"/>
+          </a:p>
+        </p:txBody>
+      </p:sp>
+      <p:sp>
+        <p:nvSpPr>
+          <p:cNvPr id="6" name="Foliennummernplatzhalter 5">
+            <a:extLst>
+              <a:ext uri="{FF2B5EF4-FFF2-40B4-BE49-F238E27FC236}">
+                <a16:creationId xmlns:a16="http://schemas.microsoft.com/office/drawing/2014/main" id="{ED7B792D-2998-422A-8AFD-846A7976EE01}"/>
+              </a:ext>
+            </a:extLst>
+          </p:cNvPr>
+          <p:cNvSpPr>
+            <a:spLocks noGrp="1"/>
+          </p:cNvSpPr>
+          <p:nvPr>
+            <p:ph type="sldNum" sz="quarter" idx="12"/>
+          </p:nvPr>
+        </p:nvSpPr>
+        <p:spPr/>
+        <p:txBody>
+          <a:bodyPr/>
+          <a:lstStyle/>
+          <a:p>
+            <a:fld id="{50E76E58-F275-47A3-BB17-470016A267B6}" type="slidenum">
+              <a:rPr lang="de-DE" smtClean="0"/>
+              <a:pPr/>
+              <a:t>24</a:t>
+            </a:fld>
+            <a:endParaRPr lang="de-DE"/>
+          </a:p>
+        </p:txBody>
+      </p:sp>
+    </p:spTree>
+    <p:extLst>
+      <p:ext uri="{BB962C8B-B14F-4D97-AF65-F5344CB8AC3E}">
+        <p14:creationId xmlns:p14="http://schemas.microsoft.com/office/powerpoint/2010/main" val="2921885383"/>
+      </p:ext>
+    </p:extLst>
+  </p:cSld>
+  <p:clrMapOvr>
+    <a:masterClrMapping/>
+  </p:clrMapOvr>
+</p:sld>
+</file>
+
+<file path=ppt/slides/slide25.xml><?xml version="1.0" encoding="utf-8"?>
+<p:sld xmlns:a="http://schemas.openxmlformats.org/drawingml/2006/main" xmlns:r="http://schemas.openxmlformats.org/officeDocument/2006/relationships" xmlns:p="http://schemas.openxmlformats.org/presentationml/2006/main">
+  <p:cSld>
+    <p:spTree>
+      <p:nvGrpSpPr>
+        <p:cNvPr id="1" name=""/>
+        <p:cNvGrpSpPr/>
+        <p:nvPr/>
+      </p:nvGrpSpPr>
+      <p:grpSpPr>
+        <a:xfrm>
+          <a:off x="0" y="0"/>
+          <a:ext cx="0" cy="0"/>
+          <a:chOff x="0" y="0"/>
+          <a:chExt cx="0" cy="0"/>
+        </a:xfrm>
+      </p:grpSpPr>
+      <p:sp>
+        <p:nvSpPr>
+          <p:cNvPr id="2" name="Titel 1">
+            <a:extLst>
+              <a:ext uri="{FF2B5EF4-FFF2-40B4-BE49-F238E27FC236}">
+                <a16:creationId xmlns:a16="http://schemas.microsoft.com/office/drawing/2014/main" id="{03774710-EF24-496F-8E16-1860EB9452BD}"/>
+              </a:ext>
+            </a:extLst>
+          </p:cNvPr>
+          <p:cNvSpPr>
+            <a:spLocks noGrp="1"/>
+          </p:cNvSpPr>
+          <p:nvPr>
+            <p:ph type="title"/>
+          </p:nvPr>
+        </p:nvSpPr>
+        <p:spPr/>
+        <p:txBody>
+          <a:bodyPr/>
+          <a:lstStyle/>
+          <a:p>
+            <a:r>
+              <a:rPr lang="de-DE" dirty="0"/>
+              <a:t>t-</a:t>
+            </a:r>
+            <a:r>
+              <a:rPr lang="de-DE" dirty="0" err="1"/>
+              <a:t>close´ness</a:t>
+            </a:r>
+            <a:endParaRPr lang="de-DE" dirty="0"/>
+          </a:p>
+        </p:txBody>
+      </p:sp>
+      <p:sp>
+        <p:nvSpPr>
+          <p:cNvPr id="3" name="Datumsplatzhalter 2">
+            <a:extLst>
+              <a:ext uri="{FF2B5EF4-FFF2-40B4-BE49-F238E27FC236}">
+                <a16:creationId xmlns:a16="http://schemas.microsoft.com/office/drawing/2014/main" id="{419087A1-C8F7-429D-9539-28EFF980787F}"/>
+              </a:ext>
+            </a:extLst>
+          </p:cNvPr>
+          <p:cNvSpPr>
+            <a:spLocks noGrp="1"/>
+          </p:cNvSpPr>
+          <p:nvPr>
+            <p:ph type="dt" sz="half" idx="10"/>
+          </p:nvPr>
+        </p:nvSpPr>
+        <p:spPr/>
+        <p:txBody>
+          <a:bodyPr/>
+          <a:lstStyle/>
+          <a:p>
+            <a:r>
+              <a:rPr lang="de-DE"/>
+              <a:t>18.05.2017</a:t>
+            </a:r>
+            <a:endParaRPr lang="de-DE" dirty="0"/>
+          </a:p>
+        </p:txBody>
+      </p:sp>
+      <p:sp>
+        <p:nvSpPr>
+          <p:cNvPr id="4" name="Fußzeilenplatzhalter 3">
+            <a:extLst>
+              <a:ext uri="{FF2B5EF4-FFF2-40B4-BE49-F238E27FC236}">
+                <a16:creationId xmlns:a16="http://schemas.microsoft.com/office/drawing/2014/main" id="{16A1720A-77AB-4E5A-8054-A5D031724E0F}"/>
+              </a:ext>
+            </a:extLst>
+          </p:cNvPr>
+          <p:cNvSpPr>
+            <a:spLocks noGrp="1"/>
+          </p:cNvSpPr>
+          <p:nvPr>
+            <p:ph type="ftr" sz="quarter" idx="11"/>
+          </p:nvPr>
+        </p:nvSpPr>
+        <p:spPr/>
+        <p:txBody>
+          <a:bodyPr/>
+          <a:lstStyle/>
+          <a:p>
+            <a:r>
+              <a:rPr lang="de-DE" dirty="0"/>
+              <a:t>Andreas Wiegand &amp; Ludwig </a:t>
+            </a:r>
+            <a:r>
+              <a:rPr lang="de-DE" dirty="0" err="1"/>
+              <a:t>Schallner</a:t>
+            </a:r>
+            <a:endParaRPr lang="de-DE" dirty="0"/>
+          </a:p>
+        </p:txBody>
+      </p:sp>
+      <p:sp>
+        <p:nvSpPr>
+          <p:cNvPr id="5" name="Textplatzhalter 4">
+            <a:extLst>
+              <a:ext uri="{FF2B5EF4-FFF2-40B4-BE49-F238E27FC236}">
+                <a16:creationId xmlns:a16="http://schemas.microsoft.com/office/drawing/2014/main" id="{30F3C5B2-53AA-499A-886B-AA06C3A92963}"/>
+              </a:ext>
+            </a:extLst>
+          </p:cNvPr>
+          <p:cNvSpPr>
+            <a:spLocks noGrp="1"/>
+          </p:cNvSpPr>
+          <p:nvPr>
+            <p:ph type="body" sz="quarter" idx="13"/>
+          </p:nvPr>
+        </p:nvSpPr>
+        <p:spPr/>
+        <p:txBody>
+          <a:bodyPr/>
+          <a:lstStyle/>
+          <a:p>
+            <a:r>
+              <a:rPr lang="de-DE" dirty="0"/>
+              <a:t>Definition: </a:t>
+            </a:r>
+            <a:r>
+              <a:rPr lang="en-US" dirty="0"/>
+              <a:t>Definition 4 (t-Closeness): A data set is said to</a:t>
+            </a:r>
+          </a:p>
+          <a:p>
+            <a:pPr marL="0" indent="0">
+              <a:buNone/>
+            </a:pPr>
+            <a:r>
+              <a:rPr lang="en-US" dirty="0"/>
+              <a:t>satisfy t-closeness if, for each group of records sharing</a:t>
+            </a:r>
+          </a:p>
+          <a:p>
+            <a:pPr marL="0" indent="0">
+              <a:buNone/>
+            </a:pPr>
+            <a:r>
+              <a:rPr lang="en-US" dirty="0"/>
+              <a:t>a combination of key attributes, the distance between</a:t>
+            </a:r>
+          </a:p>
+          <a:p>
+            <a:pPr marL="0" indent="0">
+              <a:buNone/>
+            </a:pPr>
+            <a:r>
+              <a:rPr lang="en-US" dirty="0"/>
+              <a:t>the distribution of the confidential attribute in the group</a:t>
+            </a:r>
+          </a:p>
+          <a:p>
+            <a:pPr marL="0" indent="0">
+              <a:buNone/>
+            </a:pPr>
+            <a:r>
+              <a:rPr lang="en-US" dirty="0"/>
+              <a:t>and the distribution of the attribute in the whole data</a:t>
+            </a:r>
+          </a:p>
+          <a:p>
+            <a:pPr marL="0" indent="0">
+              <a:buNone/>
+            </a:pPr>
+            <a:r>
+              <a:rPr lang="en-US" dirty="0"/>
+              <a:t>set is no more than a threshold t.</a:t>
+            </a:r>
+            <a:endParaRPr lang="de-DE" dirty="0"/>
+          </a:p>
+        </p:txBody>
+      </p:sp>
+      <p:sp>
+        <p:nvSpPr>
+          <p:cNvPr id="6" name="Foliennummernplatzhalter 5">
+            <a:extLst>
+              <a:ext uri="{FF2B5EF4-FFF2-40B4-BE49-F238E27FC236}">
+                <a16:creationId xmlns:a16="http://schemas.microsoft.com/office/drawing/2014/main" id="{54D3FDF2-2764-4BE6-BE4D-51DAF1C1A001}"/>
+              </a:ext>
+            </a:extLst>
+          </p:cNvPr>
+          <p:cNvSpPr>
+            <a:spLocks noGrp="1"/>
+          </p:cNvSpPr>
+          <p:nvPr>
+            <p:ph type="sldNum" sz="quarter" idx="12"/>
+          </p:nvPr>
+        </p:nvSpPr>
+        <p:spPr/>
+        <p:txBody>
+          <a:bodyPr/>
+          <a:lstStyle/>
+          <a:p>
+            <a:fld id="{50E76E58-F275-47A3-BB17-470016A267B6}" type="slidenum">
+              <a:rPr lang="de-DE" smtClean="0"/>
+              <a:pPr/>
+              <a:t>25</a:t>
+            </a:fld>
+            <a:endParaRPr lang="de-DE"/>
+          </a:p>
+        </p:txBody>
+      </p:sp>
+    </p:spTree>
+    <p:extLst>
+      <p:ext uri="{BB962C8B-B14F-4D97-AF65-F5344CB8AC3E}">
+        <p14:creationId xmlns:p14="http://schemas.microsoft.com/office/powerpoint/2010/main" val="222580713"/>
+      </p:ext>
+    </p:extLst>
+  </p:cSld>
+  <p:clrMapOvr>
+    <a:masterClrMapping/>
+  </p:clrMapOvr>
+</p:sld>
+</file>
+
+<file path=ppt/slides/slide26.xml><?xml version="1.0" encoding="utf-8"?>
+<p:sld xmlns:a="http://schemas.openxmlformats.org/drawingml/2006/main" xmlns:r="http://schemas.openxmlformats.org/officeDocument/2006/relationships" xmlns:p="http://schemas.openxmlformats.org/presentationml/2006/main">
+  <p:cSld>
+    <p:spTree>
+      <p:nvGrpSpPr>
+        <p:cNvPr id="1" name=""/>
+        <p:cNvGrpSpPr/>
+        <p:nvPr/>
+      </p:nvGrpSpPr>
+      <p:grpSpPr>
+        <a:xfrm>
+          <a:off x="0" y="0"/>
+          <a:ext cx="0" cy="0"/>
+          <a:chOff x="0" y="0"/>
+          <a:chExt cx="0" cy="0"/>
+        </a:xfrm>
+      </p:grpSpPr>
+      <p:sp>
+        <p:nvSpPr>
+          <p:cNvPr id="2" name="Titel 1">
+            <a:extLst>
+              <a:ext uri="{FF2B5EF4-FFF2-40B4-BE49-F238E27FC236}">
+                <a16:creationId xmlns:a16="http://schemas.microsoft.com/office/drawing/2014/main" id="{ED74D9F5-7E88-40DD-A611-56459F70E672}"/>
+              </a:ext>
+            </a:extLst>
+          </p:cNvPr>
+          <p:cNvSpPr>
+            <a:spLocks noGrp="1"/>
+          </p:cNvSpPr>
+          <p:nvPr>
+            <p:ph type="title"/>
+          </p:nvPr>
+        </p:nvSpPr>
+        <p:spPr/>
+        <p:txBody>
+          <a:bodyPr/>
+          <a:lstStyle/>
+          <a:p>
+            <a:r>
+              <a:rPr lang="de-DE" dirty="0"/>
+              <a:t>t-</a:t>
+            </a:r>
+            <a:r>
+              <a:rPr lang="de-DE" dirty="0" err="1"/>
+              <a:t>close´ness</a:t>
+            </a:r>
+            <a:endParaRPr lang="de-DE" dirty="0"/>
+          </a:p>
+        </p:txBody>
+      </p:sp>
+      <p:sp>
+        <p:nvSpPr>
+          <p:cNvPr id="3" name="Datumsplatzhalter 2">
+            <a:extLst>
+              <a:ext uri="{FF2B5EF4-FFF2-40B4-BE49-F238E27FC236}">
+                <a16:creationId xmlns:a16="http://schemas.microsoft.com/office/drawing/2014/main" id="{A81886F5-D8A0-4AB2-A12D-B44314A08602}"/>
+              </a:ext>
+            </a:extLst>
+          </p:cNvPr>
+          <p:cNvSpPr>
+            <a:spLocks noGrp="1"/>
+          </p:cNvSpPr>
+          <p:nvPr>
+            <p:ph type="dt" sz="half" idx="10"/>
+          </p:nvPr>
+        </p:nvSpPr>
+        <p:spPr/>
+        <p:txBody>
+          <a:bodyPr/>
+          <a:lstStyle/>
+          <a:p>
+            <a:r>
+              <a:rPr lang="de-DE"/>
+              <a:t>18.05.2017</a:t>
+            </a:r>
+            <a:endParaRPr lang="de-DE" dirty="0"/>
+          </a:p>
+        </p:txBody>
+      </p:sp>
+      <p:sp>
+        <p:nvSpPr>
+          <p:cNvPr id="4" name="Fußzeilenplatzhalter 3">
+            <a:extLst>
+              <a:ext uri="{FF2B5EF4-FFF2-40B4-BE49-F238E27FC236}">
+                <a16:creationId xmlns:a16="http://schemas.microsoft.com/office/drawing/2014/main" id="{59640035-9623-4075-BDEE-7833C664AE8B}"/>
+              </a:ext>
+            </a:extLst>
+          </p:cNvPr>
+          <p:cNvSpPr>
+            <a:spLocks noGrp="1"/>
+          </p:cNvSpPr>
+          <p:nvPr>
+            <p:ph type="ftr" sz="quarter" idx="11"/>
+          </p:nvPr>
+        </p:nvSpPr>
+        <p:spPr/>
+        <p:txBody>
+          <a:bodyPr/>
+          <a:lstStyle/>
+          <a:p>
+            <a:r>
+              <a:rPr lang="de-DE"/>
+              <a:t>Andreas Heimann &amp; Matthias Puchta</a:t>
+            </a:r>
+            <a:endParaRPr lang="de-DE" dirty="0"/>
+          </a:p>
+        </p:txBody>
+      </p:sp>
+      <p:sp>
+        <p:nvSpPr>
+          <p:cNvPr id="5" name="Textplatzhalter 4">
+            <a:extLst>
+              <a:ext uri="{FF2B5EF4-FFF2-40B4-BE49-F238E27FC236}">
+                <a16:creationId xmlns:a16="http://schemas.microsoft.com/office/drawing/2014/main" id="{8F031245-BB29-41F9-8C5E-156AFC612440}"/>
+              </a:ext>
+            </a:extLst>
+          </p:cNvPr>
+          <p:cNvSpPr>
+            <a:spLocks noGrp="1"/>
+          </p:cNvSpPr>
+          <p:nvPr>
+            <p:ph type="body" sz="quarter" idx="13"/>
+          </p:nvPr>
+        </p:nvSpPr>
+        <p:spPr/>
+        <p:txBody>
+          <a:bodyPr/>
+          <a:lstStyle/>
+          <a:p>
+            <a:r>
+              <a:rPr lang="de-DE" dirty="0"/>
+              <a:t>Problems:</a:t>
+            </a:r>
+          </a:p>
+          <a:p>
+            <a:pPr marL="0" indent="0">
+              <a:buNone/>
+            </a:pPr>
+            <a:r>
+              <a:rPr lang="en-US" dirty="0"/>
+              <a:t>Whereas the paper [7] elaborates on several ways</a:t>
+            </a:r>
+          </a:p>
+          <a:p>
+            <a:pPr marL="0" indent="0">
+              <a:buNone/>
+            </a:pPr>
+            <a:r>
+              <a:rPr lang="en-US" dirty="0"/>
+              <a:t>o check t-closeness (using several distances between</a:t>
+            </a:r>
+          </a:p>
+          <a:p>
+            <a:pPr marL="0" indent="0">
+              <a:buNone/>
+            </a:pPr>
+            <a:r>
+              <a:rPr lang="de-DE" dirty="0" err="1"/>
+              <a:t>distributions</a:t>
+            </a:r>
+            <a:r>
+              <a:rPr lang="de-DE" dirty="0"/>
+              <a:t>), </a:t>
+            </a:r>
+            <a:r>
+              <a:rPr lang="de-DE" dirty="0" err="1"/>
+              <a:t>no</a:t>
+            </a:r>
+            <a:r>
+              <a:rPr lang="de-DE" dirty="0"/>
+              <a:t> </a:t>
+            </a:r>
+            <a:r>
+              <a:rPr lang="de-DE" dirty="0" err="1"/>
+              <a:t>computational</a:t>
+            </a:r>
+            <a:r>
+              <a:rPr lang="de-DE" dirty="0"/>
+              <a:t> </a:t>
+            </a:r>
+            <a:r>
+              <a:rPr lang="de-DE" dirty="0" err="1"/>
+              <a:t>procedure</a:t>
+            </a:r>
+            <a:endParaRPr lang="de-DE" dirty="0"/>
+          </a:p>
+          <a:p>
+            <a:pPr marL="0" indent="0">
+              <a:buNone/>
+            </a:pPr>
+            <a:r>
+              <a:rPr lang="en-US" dirty="0"/>
+              <a:t>to enforce this property is given.</a:t>
+            </a:r>
+          </a:p>
+          <a:p>
+            <a:pPr marL="0" indent="0">
+              <a:buNone/>
+            </a:pPr>
+            <a:endParaRPr lang="de-DE" dirty="0"/>
+          </a:p>
+        </p:txBody>
+      </p:sp>
+      <p:sp>
+        <p:nvSpPr>
+          <p:cNvPr id="6" name="Foliennummernplatzhalter 5">
+            <a:extLst>
+              <a:ext uri="{FF2B5EF4-FFF2-40B4-BE49-F238E27FC236}">
+                <a16:creationId xmlns:a16="http://schemas.microsoft.com/office/drawing/2014/main" id="{35C5C671-02F4-435F-A4CA-4659E0309639}"/>
+              </a:ext>
+            </a:extLst>
+          </p:cNvPr>
+          <p:cNvSpPr>
+            <a:spLocks noGrp="1"/>
+          </p:cNvSpPr>
+          <p:nvPr>
+            <p:ph type="sldNum" sz="quarter" idx="12"/>
+          </p:nvPr>
+        </p:nvSpPr>
+        <p:spPr/>
+        <p:txBody>
+          <a:bodyPr/>
+          <a:lstStyle/>
+          <a:p>
+            <a:fld id="{50E76E58-F275-47A3-BB17-470016A267B6}" type="slidenum">
+              <a:rPr lang="de-DE" smtClean="0"/>
+              <a:pPr/>
+              <a:t>26</a:t>
+            </a:fld>
+            <a:endParaRPr lang="de-DE"/>
+          </a:p>
+        </p:txBody>
+      </p:sp>
+    </p:spTree>
+    <p:extLst>
+      <p:ext uri="{BB962C8B-B14F-4D97-AF65-F5344CB8AC3E}">
+        <p14:creationId xmlns:p14="http://schemas.microsoft.com/office/powerpoint/2010/main" val="2648306626"/>
+      </p:ext>
+    </p:extLst>
+  </p:cSld>
+  <p:clrMapOvr>
+    <a:masterClrMapping/>
+  </p:clrMapOvr>
+</p:sld>
+</file>
+
+<file path=ppt/slides/slide27.xml><?xml version="1.0" encoding="utf-8"?>
+<p:sld xmlns:a="http://schemas.openxmlformats.org/drawingml/2006/main" xmlns:r="http://schemas.openxmlformats.org/officeDocument/2006/relationships" xmlns:p="http://schemas.openxmlformats.org/presentationml/2006/main">
+  <p:cSld>
+    <p:spTree>
+      <p:nvGrpSpPr>
+        <p:cNvPr id="1" name=""/>
+        <p:cNvGrpSpPr/>
+        <p:nvPr/>
+      </p:nvGrpSpPr>
+      <p:grpSpPr>
+        <a:xfrm>
+          <a:off x="0" y="0"/>
+          <a:ext cx="0" cy="0"/>
+          <a:chOff x="0" y="0"/>
+          <a:chExt cx="0" cy="0"/>
+        </a:xfrm>
+      </p:grpSpPr>
+      <p:sp>
+        <p:nvSpPr>
+          <p:cNvPr id="2" name="Titel 1">
+            <a:extLst>
+              <a:ext uri="{FF2B5EF4-FFF2-40B4-BE49-F238E27FC236}">
+                <a16:creationId xmlns:a16="http://schemas.microsoft.com/office/drawing/2014/main" id="{60CF76F7-DA21-4280-B132-DB1CBFFB0632}"/>
+              </a:ext>
+            </a:extLst>
+          </p:cNvPr>
+          <p:cNvSpPr>
+            <a:spLocks noGrp="1"/>
+          </p:cNvSpPr>
+          <p:nvPr>
+            <p:ph type="title"/>
+          </p:nvPr>
+        </p:nvSpPr>
+        <p:spPr/>
+        <p:txBody>
+          <a:bodyPr/>
+          <a:lstStyle/>
+          <a:p>
+            <a:r>
+              <a:rPr lang="de-DE" dirty="0"/>
+              <a:t>Differential </a:t>
+            </a:r>
+            <a:r>
+              <a:rPr lang="de-DE"/>
+              <a:t>privacy</a:t>
+            </a:r>
+          </a:p>
+        </p:txBody>
+      </p:sp>
+      <p:sp>
+        <p:nvSpPr>
+          <p:cNvPr id="3" name="Datumsplatzhalter 2">
+            <a:extLst>
+              <a:ext uri="{FF2B5EF4-FFF2-40B4-BE49-F238E27FC236}">
+                <a16:creationId xmlns:a16="http://schemas.microsoft.com/office/drawing/2014/main" id="{3B50A201-5742-48F2-9C76-90EB7278DE8B}"/>
+              </a:ext>
+            </a:extLst>
+          </p:cNvPr>
+          <p:cNvSpPr>
+            <a:spLocks noGrp="1"/>
+          </p:cNvSpPr>
+          <p:nvPr>
+            <p:ph type="dt" sz="half" idx="10"/>
+          </p:nvPr>
+        </p:nvSpPr>
+        <p:spPr/>
+        <p:txBody>
+          <a:bodyPr/>
+          <a:lstStyle/>
+          <a:p>
+            <a:r>
+              <a:rPr lang="de-DE"/>
+              <a:t>18.05.2017</a:t>
+            </a:r>
+            <a:endParaRPr lang="de-DE" dirty="0"/>
+          </a:p>
+        </p:txBody>
+      </p:sp>
+      <p:sp>
+        <p:nvSpPr>
+          <p:cNvPr id="4" name="Fußzeilenplatzhalter 3">
+            <a:extLst>
+              <a:ext uri="{FF2B5EF4-FFF2-40B4-BE49-F238E27FC236}">
+                <a16:creationId xmlns:a16="http://schemas.microsoft.com/office/drawing/2014/main" id="{905609BE-6FD9-442B-89BF-1438B615F4CE}"/>
+              </a:ext>
+            </a:extLst>
+          </p:cNvPr>
+          <p:cNvSpPr>
+            <a:spLocks noGrp="1"/>
+          </p:cNvSpPr>
+          <p:nvPr>
+            <p:ph type="ftr" sz="quarter" idx="11"/>
+          </p:nvPr>
+        </p:nvSpPr>
+        <p:spPr/>
+        <p:txBody>
+          <a:bodyPr/>
+          <a:lstStyle/>
+          <a:p>
+            <a:r>
+              <a:rPr lang="de-DE"/>
+              <a:t>Andreas Heimann &amp; Matthias Puchta</a:t>
+            </a:r>
+            <a:endParaRPr lang="de-DE" dirty="0"/>
+          </a:p>
+        </p:txBody>
+      </p:sp>
+      <p:sp>
+        <p:nvSpPr>
+          <p:cNvPr id="5" name="Textplatzhalter 4">
+            <a:extLst>
+              <a:ext uri="{FF2B5EF4-FFF2-40B4-BE49-F238E27FC236}">
+                <a16:creationId xmlns:a16="http://schemas.microsoft.com/office/drawing/2014/main" id="{BE3AB503-2D36-4EFD-97BC-4FB481D902EA}"/>
+              </a:ext>
+            </a:extLst>
+          </p:cNvPr>
+          <p:cNvSpPr>
+            <a:spLocks noGrp="1"/>
+          </p:cNvSpPr>
+          <p:nvPr>
+            <p:ph type="body" sz="quarter" idx="13"/>
+          </p:nvPr>
+        </p:nvSpPr>
+        <p:spPr/>
+        <p:txBody>
+          <a:bodyPr/>
+          <a:lstStyle/>
+          <a:p>
+            <a:endParaRPr lang="de-DE"/>
+          </a:p>
+        </p:txBody>
+      </p:sp>
+      <p:sp>
+        <p:nvSpPr>
+          <p:cNvPr id="6" name="Foliennummernplatzhalter 5">
+            <a:extLst>
+              <a:ext uri="{FF2B5EF4-FFF2-40B4-BE49-F238E27FC236}">
+                <a16:creationId xmlns:a16="http://schemas.microsoft.com/office/drawing/2014/main" id="{9B878E9B-BDE0-4DC9-9BC7-6B1CE8112B95}"/>
+              </a:ext>
+            </a:extLst>
+          </p:cNvPr>
+          <p:cNvSpPr>
+            <a:spLocks noGrp="1"/>
+          </p:cNvSpPr>
+          <p:nvPr>
+            <p:ph type="sldNum" sz="quarter" idx="12"/>
+          </p:nvPr>
+        </p:nvSpPr>
+        <p:spPr/>
+        <p:txBody>
+          <a:bodyPr/>
+          <a:lstStyle/>
+          <a:p>
+            <a:fld id="{50E76E58-F275-47A3-BB17-470016A267B6}" type="slidenum">
+              <a:rPr lang="de-DE" smtClean="0"/>
+              <a:pPr/>
+              <a:t>27</a:t>
             </a:fld>
             <a:endParaRPr lang="de-DE"/>
           </a:p>

--- a/presentation/sicherheits.pptx
+++ b/presentation/sicherheits.pptx
@@ -13,23 +13,23 @@
   <p:sldIdLst>
     <p:sldId id="256" r:id="rId3"/>
     <p:sldId id="257" r:id="rId4"/>
-    <p:sldId id="258" r:id="rId5"/>
-    <p:sldId id="268" r:id="rId6"/>
-    <p:sldId id="269" r:id="rId7"/>
-    <p:sldId id="271" r:id="rId8"/>
-    <p:sldId id="272" r:id="rId9"/>
-    <p:sldId id="273" r:id="rId10"/>
-    <p:sldId id="274" r:id="rId11"/>
-    <p:sldId id="270" r:id="rId12"/>
-    <p:sldId id="275" r:id="rId13"/>
-    <p:sldId id="276" r:id="rId14"/>
-    <p:sldId id="277" r:id="rId15"/>
-    <p:sldId id="278" r:id="rId16"/>
-    <p:sldId id="279" r:id="rId17"/>
-    <p:sldId id="280" r:id="rId18"/>
-    <p:sldId id="281" r:id="rId19"/>
-    <p:sldId id="282" r:id="rId20"/>
-    <p:sldId id="259" r:id="rId21"/>
+    <p:sldId id="268" r:id="rId5"/>
+    <p:sldId id="258" r:id="rId6"/>
+    <p:sldId id="259" r:id="rId7"/>
+    <p:sldId id="269" r:id="rId8"/>
+    <p:sldId id="271" r:id="rId9"/>
+    <p:sldId id="272" r:id="rId10"/>
+    <p:sldId id="273" r:id="rId11"/>
+    <p:sldId id="274" r:id="rId12"/>
+    <p:sldId id="270" r:id="rId13"/>
+    <p:sldId id="275" r:id="rId14"/>
+    <p:sldId id="276" r:id="rId15"/>
+    <p:sldId id="277" r:id="rId16"/>
+    <p:sldId id="278" r:id="rId17"/>
+    <p:sldId id="279" r:id="rId18"/>
+    <p:sldId id="280" r:id="rId19"/>
+    <p:sldId id="281" r:id="rId20"/>
+    <p:sldId id="282" r:id="rId21"/>
     <p:sldId id="263" r:id="rId22"/>
     <p:sldId id="264" r:id="rId23"/>
     <p:sldId id="260" r:id="rId24"/>
@@ -930,7 +930,7 @@
               <a:pPr>
                 <a:defRPr/>
               </a:pPr>
-              <a:t>3</a:t>
+              <a:t>4</a:t>
             </a:fld>
             <a:endParaRPr lang="de-DE"/>
           </a:p>
@@ -2699,7 +2699,7 @@
           <p:cNvPr id="2" name="Titel 1">
             <a:extLst>
               <a:ext uri="{FF2B5EF4-FFF2-40B4-BE49-F238E27FC236}">
-                <a16:creationId xmlns:a16="http://schemas.microsoft.com/office/drawing/2014/main" id="{5DFF05F5-BFE1-403A-A36E-6A2828649D6F}"/>
+                <a16:creationId xmlns:a16="http://schemas.microsoft.com/office/drawing/2014/main" id="{A081F97E-62E3-427F-A641-E682BB8CB112}"/>
               </a:ext>
             </a:extLst>
           </p:cNvPr>
@@ -2716,10 +2716,14 @@
           <a:lstStyle/>
           <a:p>
             <a:r>
-              <a:rPr lang="de-DE" sz="2400" b="1" dirty="0"/>
-              <a:t>EXTENDED SCENARIOS - Multiple Release Publishing</a:t>
-            </a:r>
-            <a:endParaRPr lang="de-DE" sz="2400" dirty="0"/>
+              <a:rPr lang="de-DE" b="1" dirty="0" err="1"/>
+              <a:t>Continuous</a:t>
+            </a:r>
+            <a:r>
+              <a:rPr lang="de-DE" b="1" dirty="0"/>
+              <a:t> Data Publishing -</a:t>
+            </a:r>
+            <a:endParaRPr lang="de-DE" dirty="0"/>
           </a:p>
         </p:txBody>
       </p:sp>
@@ -2728,7 +2732,7 @@
           <p:cNvPr id="3" name="Datumsplatzhalter 2">
             <a:extLst>
               <a:ext uri="{FF2B5EF4-FFF2-40B4-BE49-F238E27FC236}">
-                <a16:creationId xmlns:a16="http://schemas.microsoft.com/office/drawing/2014/main" id="{90B812E9-FF67-440E-8D43-E9D95CEADC88}"/>
+                <a16:creationId xmlns:a16="http://schemas.microsoft.com/office/drawing/2014/main" id="{82022DD0-D3BB-4BAC-84BB-517F888560CE}"/>
               </a:ext>
             </a:extLst>
           </p:cNvPr>
@@ -2757,7 +2761,7 @@
           <p:cNvPr id="4" name="Fußzeilenplatzhalter 3">
             <a:extLst>
               <a:ext uri="{FF2B5EF4-FFF2-40B4-BE49-F238E27FC236}">
-                <a16:creationId xmlns:a16="http://schemas.microsoft.com/office/drawing/2014/main" id="{830002ED-C0A7-4887-8B84-D46B721CD647}"/>
+                <a16:creationId xmlns:a16="http://schemas.microsoft.com/office/drawing/2014/main" id="{3BDE4202-8DBD-4915-BBCE-5EAFAEB90245}"/>
               </a:ext>
             </a:extLst>
           </p:cNvPr>
@@ -2786,7 +2790,7 @@
           <p:cNvPr id="5" name="Textplatzhalter 4">
             <a:extLst>
               <a:ext uri="{FF2B5EF4-FFF2-40B4-BE49-F238E27FC236}">
-                <a16:creationId xmlns:a16="http://schemas.microsoft.com/office/drawing/2014/main" id="{817EA547-F858-48D5-A99A-AC24CC5B1BEE}"/>
+                <a16:creationId xmlns:a16="http://schemas.microsoft.com/office/drawing/2014/main" id="{23686CD6-2E27-4BA8-A0AA-667973201185}"/>
               </a:ext>
             </a:extLst>
           </p:cNvPr>
@@ -2801,251 +2805,13 @@
         <p:txBody>
           <a:bodyPr/>
           <a:lstStyle/>
-          <a:p>
-            <a:pPr>
-              <a:buFontTx/>
-              <a:buChar char="-"/>
-            </a:pPr>
-            <a:r>
-              <a:rPr lang="de-DE" dirty="0"/>
-              <a:t>Different </a:t>
-            </a:r>
-            <a:r>
-              <a:rPr lang="de-DE" dirty="0" err="1"/>
-              <a:t>data</a:t>
-            </a:r>
-            <a:r>
-              <a:rPr lang="de-DE" dirty="0"/>
-              <a:t> </a:t>
-            </a:r>
-            <a:r>
-              <a:rPr lang="de-DE" dirty="0" err="1"/>
-              <a:t>recipients</a:t>
-            </a:r>
-            <a:r>
-              <a:rPr lang="de-DE" dirty="0"/>
-              <a:t> </a:t>
-            </a:r>
-            <a:r>
-              <a:rPr lang="de-DE" dirty="0" err="1"/>
-              <a:t>got</a:t>
-            </a:r>
-            <a:r>
-              <a:rPr lang="de-DE" dirty="0"/>
-              <a:t> different </a:t>
-            </a:r>
-            <a:r>
-              <a:rPr lang="de-DE" dirty="0" err="1"/>
-              <a:t>claims</a:t>
-            </a:r>
-            <a:r>
-              <a:rPr lang="de-DE" dirty="0"/>
-              <a:t> </a:t>
-            </a:r>
-            <a:r>
-              <a:rPr lang="de-DE" dirty="0" err="1"/>
-              <a:t>to</a:t>
-            </a:r>
-            <a:r>
-              <a:rPr lang="de-DE" dirty="0"/>
-              <a:t> </a:t>
-            </a:r>
-            <a:r>
-              <a:rPr lang="de-DE" dirty="0" err="1"/>
-              <a:t>the</a:t>
-            </a:r>
-            <a:r>
-              <a:rPr lang="de-DE" dirty="0"/>
-              <a:t> </a:t>
-            </a:r>
-            <a:r>
-              <a:rPr lang="de-DE" dirty="0" err="1"/>
-              <a:t>data</a:t>
-            </a:r>
-            <a:endParaRPr lang="de-DE" dirty="0"/>
-          </a:p>
           <a:p>
             <a:pPr marL="0" indent="0">
               <a:buNone/>
             </a:pPr>
             <a:r>
-              <a:rPr lang="de-DE" dirty="0"/>
-              <a:t>T(Job, Sex, Age, </a:t>
-            </a:r>
-            <a:r>
-              <a:rPr lang="de-DE" dirty="0" err="1"/>
-              <a:t>Race</a:t>
-            </a:r>
-            <a:r>
-              <a:rPr lang="de-DE" dirty="0"/>
-              <a:t>, Disease, </a:t>
-            </a:r>
-            <a:r>
-              <a:rPr lang="de-DE" dirty="0" err="1"/>
-              <a:t>Salary</a:t>
-            </a:r>
-            <a:r>
-              <a:rPr lang="de-DE" dirty="0"/>
-              <a:t>)</a:t>
-            </a:r>
-          </a:p>
-          <a:p>
-            <a:pPr marL="0" indent="0">
-              <a:buNone/>
-            </a:pPr>
-            <a:r>
-              <a:rPr lang="de-DE" dirty="0" err="1"/>
-              <a:t>Pharma</a:t>
-            </a:r>
-            <a:r>
-              <a:rPr lang="de-DE" dirty="0"/>
-              <a:t> </a:t>
-            </a:r>
-            <a:r>
-              <a:rPr lang="de-DE" dirty="0" err="1"/>
-              <a:t>company</a:t>
-            </a:r>
-            <a:r>
-              <a:rPr lang="de-DE" dirty="0"/>
-              <a:t> </a:t>
-            </a:r>
-            <a:r>
-              <a:rPr lang="de-DE" dirty="0" err="1"/>
-              <a:t>intresed</a:t>
-            </a:r>
-            <a:r>
-              <a:rPr lang="de-DE" dirty="0"/>
-              <a:t> in </a:t>
-            </a:r>
-            <a:r>
-              <a:rPr lang="de-DE" dirty="0" err="1"/>
-              <a:t>diesease</a:t>
-            </a:r>
-            <a:r>
-              <a:rPr lang="de-DE" dirty="0"/>
-              <a:t> </a:t>
-            </a:r>
-            <a:r>
-              <a:rPr lang="de-DE" dirty="0" err="1"/>
-              <a:t>with</a:t>
-            </a:r>
-            <a:r>
-              <a:rPr lang="de-DE" dirty="0"/>
-              <a:t> </a:t>
-            </a:r>
-            <a:r>
-              <a:rPr lang="de-DE" dirty="0" err="1"/>
-              <a:t>attribute</a:t>
-            </a:r>
-            <a:r>
-              <a:rPr lang="de-DE" dirty="0"/>
-              <a:t> </a:t>
-            </a:r>
-            <a:r>
-              <a:rPr lang="de-DE" dirty="0" err="1"/>
-              <a:t>job,sex</a:t>
-            </a:r>
-            <a:r>
-              <a:rPr lang="de-DE" dirty="0"/>
-              <a:t>, </a:t>
-            </a:r>
-            <a:r>
-              <a:rPr lang="de-DE" dirty="0" err="1"/>
-              <a:t>age</a:t>
-            </a:r>
-            <a:endParaRPr lang="de-DE" dirty="0"/>
-          </a:p>
-          <a:p>
-            <a:pPr marL="0" indent="0">
-              <a:buNone/>
-            </a:pPr>
-            <a:r>
-              <a:rPr lang="de-DE" dirty="0" err="1"/>
-              <a:t>Another</a:t>
-            </a:r>
-            <a:r>
-              <a:rPr lang="de-DE" dirty="0"/>
-              <a:t> </a:t>
-            </a:r>
-            <a:r>
-              <a:rPr lang="de-DE" dirty="0" err="1"/>
-              <a:t>is</a:t>
-            </a:r>
-            <a:r>
-              <a:rPr lang="de-DE" dirty="0"/>
-              <a:t> </a:t>
-            </a:r>
-            <a:r>
-              <a:rPr lang="de-DE" dirty="0" err="1"/>
-              <a:t>intereset</a:t>
-            </a:r>
-            <a:r>
-              <a:rPr lang="de-DE" dirty="0"/>
-              <a:t> in JOB, AGE, RACE</a:t>
-            </a:r>
-          </a:p>
-          <a:p>
-            <a:pPr marL="0" indent="0">
-              <a:buNone/>
-            </a:pPr>
-            <a:r>
-              <a:rPr lang="de-DE" dirty="0" err="1"/>
-              <a:t>Relse</a:t>
-            </a:r>
-            <a:r>
-              <a:rPr lang="de-DE" dirty="0"/>
-              <a:t> </a:t>
-            </a:r>
-            <a:r>
-              <a:rPr lang="de-DE" dirty="0" err="1"/>
-              <a:t>one</a:t>
-            </a:r>
-            <a:r>
-              <a:rPr lang="de-DE" dirty="0"/>
-              <a:t> </a:t>
-            </a:r>
-            <a:r>
-              <a:rPr lang="de-DE" dirty="0" err="1"/>
-              <a:t>table</a:t>
-            </a:r>
-            <a:r>
-              <a:rPr lang="de-DE" dirty="0"/>
-              <a:t> </a:t>
-            </a:r>
-            <a:r>
-              <a:rPr lang="de-DE" dirty="0" err="1"/>
-              <a:t>with</a:t>
-            </a:r>
-            <a:r>
-              <a:rPr lang="de-DE" dirty="0"/>
-              <a:t> {JOB, Sex, Age, </a:t>
-            </a:r>
-            <a:r>
-              <a:rPr lang="de-DE" dirty="0" err="1"/>
-              <a:t>Race</a:t>
-            </a:r>
-            <a:r>
-              <a:rPr lang="de-DE" dirty="0"/>
-              <a:t>}</a:t>
-            </a:r>
-          </a:p>
-          <a:p>
-            <a:r>
-              <a:rPr lang="de-DE" dirty="0"/>
-              <a:t>- </a:t>
-            </a:r>
-            <a:r>
-              <a:rPr lang="en-US" dirty="0"/>
-              <a:t>A drawback is that information is released unnecessarily, in that neither of the two purposes needs all four attributes</a:t>
-            </a:r>
-          </a:p>
-          <a:p>
-            <a:pPr marL="0" indent="0">
-              <a:buNone/>
-            </a:pPr>
-            <a:r>
-              <a:rPr lang="en-US" dirty="0"/>
-              <a:t>You make one for both of them. Problem </a:t>
+              <a:rPr lang="de-DE" dirty="0" err="1"/>
+              <a:t>Example</a:t>
             </a:r>
             <a:endParaRPr lang="de-DE" dirty="0"/>
           </a:p>
@@ -3056,7 +2822,7 @@
           <p:cNvPr id="6" name="Foliennummernplatzhalter 5">
             <a:extLst>
               <a:ext uri="{FF2B5EF4-FFF2-40B4-BE49-F238E27FC236}">
-                <a16:creationId xmlns:a16="http://schemas.microsoft.com/office/drawing/2014/main" id="{1A5F5161-AF90-426C-A082-2392411945CF}"/>
+                <a16:creationId xmlns:a16="http://schemas.microsoft.com/office/drawing/2014/main" id="{93A7E9D4-E06A-41FC-993E-12101300288F}"/>
               </a:ext>
             </a:extLst>
           </p:cNvPr>
@@ -3084,7 +2850,7 @@
     </p:spTree>
     <p:extLst>
       <p:ext uri="{BB962C8B-B14F-4D97-AF65-F5344CB8AC3E}">
-        <p14:creationId xmlns:p14="http://schemas.microsoft.com/office/powerpoint/2010/main" val="839178868"/>
+        <p14:creationId xmlns:p14="http://schemas.microsoft.com/office/powerpoint/2010/main" val="3590099776"/>
       </p:ext>
     </p:extLst>
   </p:cSld>
@@ -3116,7 +2882,7 @@
           <p:cNvPr id="2" name="Titel 1">
             <a:extLst>
               <a:ext uri="{FF2B5EF4-FFF2-40B4-BE49-F238E27FC236}">
-                <a16:creationId xmlns:a16="http://schemas.microsoft.com/office/drawing/2014/main" id="{E409B5AD-9023-4577-80E9-CDB25B8FBD5F}"/>
+                <a16:creationId xmlns:a16="http://schemas.microsoft.com/office/drawing/2014/main" id="{5DFF05F5-BFE1-403A-A36E-6A2828649D6F}"/>
               </a:ext>
             </a:extLst>
           </p:cNvPr>
@@ -3133,10 +2899,10 @@
           <a:lstStyle/>
           <a:p>
             <a:r>
-              <a:rPr lang="de-DE" b="1" dirty="0"/>
-              <a:t>6.4. Collaborative Data Publishing -</a:t>
-            </a:r>
-            <a:endParaRPr lang="de-DE" dirty="0"/>
+              <a:rPr lang="de-DE" sz="2400" b="1" dirty="0"/>
+              <a:t>EXTENDED SCENARIOS - Multiple Release Publishing</a:t>
+            </a:r>
+            <a:endParaRPr lang="de-DE" sz="2400" dirty="0"/>
           </a:p>
         </p:txBody>
       </p:sp>
@@ -3145,7 +2911,7 @@
           <p:cNvPr id="3" name="Datumsplatzhalter 2">
             <a:extLst>
               <a:ext uri="{FF2B5EF4-FFF2-40B4-BE49-F238E27FC236}">
-                <a16:creationId xmlns:a16="http://schemas.microsoft.com/office/drawing/2014/main" id="{862D45DF-953B-440C-8392-F79536D74077}"/>
+                <a16:creationId xmlns:a16="http://schemas.microsoft.com/office/drawing/2014/main" id="{90B812E9-FF67-440E-8D43-E9D95CEADC88}"/>
               </a:ext>
             </a:extLst>
           </p:cNvPr>
@@ -3174,7 +2940,7 @@
           <p:cNvPr id="4" name="Fußzeilenplatzhalter 3">
             <a:extLst>
               <a:ext uri="{FF2B5EF4-FFF2-40B4-BE49-F238E27FC236}">
-                <a16:creationId xmlns:a16="http://schemas.microsoft.com/office/drawing/2014/main" id="{363CAF52-DCB5-4A4D-9FC3-D6124547A09B}"/>
+                <a16:creationId xmlns:a16="http://schemas.microsoft.com/office/drawing/2014/main" id="{830002ED-C0A7-4887-8B84-D46B721CD647}"/>
               </a:ext>
             </a:extLst>
           </p:cNvPr>
@@ -3203,7 +2969,7 @@
           <p:cNvPr id="5" name="Textplatzhalter 4">
             <a:extLst>
               <a:ext uri="{FF2B5EF4-FFF2-40B4-BE49-F238E27FC236}">
-                <a16:creationId xmlns:a16="http://schemas.microsoft.com/office/drawing/2014/main" id="{DEFD85B4-EAA6-4214-96BE-BB8640E173D4}"/>
+                <a16:creationId xmlns:a16="http://schemas.microsoft.com/office/drawing/2014/main" id="{817EA547-F858-48D5-A99A-AC24CC5B1BEE}"/>
               </a:ext>
             </a:extLst>
           </p:cNvPr>
@@ -3219,7 +2985,252 @@
           <a:bodyPr/>
           <a:lstStyle/>
           <a:p>
-            <a:endParaRPr lang="de-DE"/>
+            <a:pPr>
+              <a:buFontTx/>
+              <a:buChar char="-"/>
+            </a:pPr>
+            <a:r>
+              <a:rPr lang="de-DE" dirty="0"/>
+              <a:t>Different </a:t>
+            </a:r>
+            <a:r>
+              <a:rPr lang="de-DE" dirty="0" err="1"/>
+              <a:t>data</a:t>
+            </a:r>
+            <a:r>
+              <a:rPr lang="de-DE" dirty="0"/>
+              <a:t> </a:t>
+            </a:r>
+            <a:r>
+              <a:rPr lang="de-DE" dirty="0" err="1"/>
+              <a:t>recipients</a:t>
+            </a:r>
+            <a:r>
+              <a:rPr lang="de-DE" dirty="0"/>
+              <a:t> </a:t>
+            </a:r>
+            <a:r>
+              <a:rPr lang="de-DE" dirty="0" err="1"/>
+              <a:t>got</a:t>
+            </a:r>
+            <a:r>
+              <a:rPr lang="de-DE" dirty="0"/>
+              <a:t> different </a:t>
+            </a:r>
+            <a:r>
+              <a:rPr lang="de-DE" dirty="0" err="1"/>
+              <a:t>claims</a:t>
+            </a:r>
+            <a:r>
+              <a:rPr lang="de-DE" dirty="0"/>
+              <a:t> </a:t>
+            </a:r>
+            <a:r>
+              <a:rPr lang="de-DE" dirty="0" err="1"/>
+              <a:t>to</a:t>
+            </a:r>
+            <a:r>
+              <a:rPr lang="de-DE" dirty="0"/>
+              <a:t> </a:t>
+            </a:r>
+            <a:r>
+              <a:rPr lang="de-DE" dirty="0" err="1"/>
+              <a:t>the</a:t>
+            </a:r>
+            <a:r>
+              <a:rPr lang="de-DE" dirty="0"/>
+              <a:t> </a:t>
+            </a:r>
+            <a:r>
+              <a:rPr lang="de-DE" dirty="0" err="1"/>
+              <a:t>data</a:t>
+            </a:r>
+            <a:endParaRPr lang="de-DE" dirty="0"/>
+          </a:p>
+          <a:p>
+            <a:pPr marL="0" indent="0">
+              <a:buNone/>
+            </a:pPr>
+            <a:r>
+              <a:rPr lang="de-DE" dirty="0"/>
+              <a:t>T(Job, Sex, Age, </a:t>
+            </a:r>
+            <a:r>
+              <a:rPr lang="de-DE" dirty="0" err="1"/>
+              <a:t>Race</a:t>
+            </a:r>
+            <a:r>
+              <a:rPr lang="de-DE" dirty="0"/>
+              <a:t>, Disease, </a:t>
+            </a:r>
+            <a:r>
+              <a:rPr lang="de-DE" dirty="0" err="1"/>
+              <a:t>Salary</a:t>
+            </a:r>
+            <a:r>
+              <a:rPr lang="de-DE" dirty="0"/>
+              <a:t>)</a:t>
+            </a:r>
+          </a:p>
+          <a:p>
+            <a:pPr marL="0" indent="0">
+              <a:buNone/>
+            </a:pPr>
+            <a:r>
+              <a:rPr lang="de-DE" dirty="0" err="1"/>
+              <a:t>Pharma</a:t>
+            </a:r>
+            <a:r>
+              <a:rPr lang="de-DE" dirty="0"/>
+              <a:t> </a:t>
+            </a:r>
+            <a:r>
+              <a:rPr lang="de-DE" dirty="0" err="1"/>
+              <a:t>company</a:t>
+            </a:r>
+            <a:r>
+              <a:rPr lang="de-DE" dirty="0"/>
+              <a:t> </a:t>
+            </a:r>
+            <a:r>
+              <a:rPr lang="de-DE" dirty="0" err="1"/>
+              <a:t>intresed</a:t>
+            </a:r>
+            <a:r>
+              <a:rPr lang="de-DE" dirty="0"/>
+              <a:t> in </a:t>
+            </a:r>
+            <a:r>
+              <a:rPr lang="de-DE" dirty="0" err="1"/>
+              <a:t>diesease</a:t>
+            </a:r>
+            <a:r>
+              <a:rPr lang="de-DE" dirty="0"/>
+              <a:t> </a:t>
+            </a:r>
+            <a:r>
+              <a:rPr lang="de-DE" dirty="0" err="1"/>
+              <a:t>with</a:t>
+            </a:r>
+            <a:r>
+              <a:rPr lang="de-DE" dirty="0"/>
+              <a:t> </a:t>
+            </a:r>
+            <a:r>
+              <a:rPr lang="de-DE" dirty="0" err="1"/>
+              <a:t>attribute</a:t>
+            </a:r>
+            <a:r>
+              <a:rPr lang="de-DE" dirty="0"/>
+              <a:t> </a:t>
+            </a:r>
+            <a:r>
+              <a:rPr lang="de-DE" dirty="0" err="1"/>
+              <a:t>job,sex</a:t>
+            </a:r>
+            <a:r>
+              <a:rPr lang="de-DE" dirty="0"/>
+              <a:t>, </a:t>
+            </a:r>
+            <a:r>
+              <a:rPr lang="de-DE" dirty="0" err="1"/>
+              <a:t>age</a:t>
+            </a:r>
+            <a:endParaRPr lang="de-DE" dirty="0"/>
+          </a:p>
+          <a:p>
+            <a:pPr marL="0" indent="0">
+              <a:buNone/>
+            </a:pPr>
+            <a:r>
+              <a:rPr lang="de-DE" dirty="0" err="1"/>
+              <a:t>Another</a:t>
+            </a:r>
+            <a:r>
+              <a:rPr lang="de-DE" dirty="0"/>
+              <a:t> </a:t>
+            </a:r>
+            <a:r>
+              <a:rPr lang="de-DE" dirty="0" err="1"/>
+              <a:t>is</a:t>
+            </a:r>
+            <a:r>
+              <a:rPr lang="de-DE" dirty="0"/>
+              <a:t> </a:t>
+            </a:r>
+            <a:r>
+              <a:rPr lang="de-DE" dirty="0" err="1"/>
+              <a:t>intereset</a:t>
+            </a:r>
+            <a:r>
+              <a:rPr lang="de-DE" dirty="0"/>
+              <a:t> in JOB, AGE, RACE</a:t>
+            </a:r>
+          </a:p>
+          <a:p>
+            <a:pPr marL="0" indent="0">
+              <a:buNone/>
+            </a:pPr>
+            <a:r>
+              <a:rPr lang="de-DE" dirty="0" err="1"/>
+              <a:t>Relse</a:t>
+            </a:r>
+            <a:r>
+              <a:rPr lang="de-DE" dirty="0"/>
+              <a:t> </a:t>
+            </a:r>
+            <a:r>
+              <a:rPr lang="de-DE" dirty="0" err="1"/>
+              <a:t>one</a:t>
+            </a:r>
+            <a:r>
+              <a:rPr lang="de-DE" dirty="0"/>
+              <a:t> </a:t>
+            </a:r>
+            <a:r>
+              <a:rPr lang="de-DE" dirty="0" err="1"/>
+              <a:t>table</a:t>
+            </a:r>
+            <a:r>
+              <a:rPr lang="de-DE" dirty="0"/>
+              <a:t> </a:t>
+            </a:r>
+            <a:r>
+              <a:rPr lang="de-DE" dirty="0" err="1"/>
+              <a:t>with</a:t>
+            </a:r>
+            <a:r>
+              <a:rPr lang="de-DE" dirty="0"/>
+              <a:t> {JOB, Sex, Age, </a:t>
+            </a:r>
+            <a:r>
+              <a:rPr lang="de-DE" dirty="0" err="1"/>
+              <a:t>Race</a:t>
+            </a:r>
+            <a:r>
+              <a:rPr lang="de-DE" dirty="0"/>
+              <a:t>}</a:t>
+            </a:r>
+          </a:p>
+          <a:p>
+            <a:r>
+              <a:rPr lang="de-DE" dirty="0"/>
+              <a:t>- </a:t>
+            </a:r>
+            <a:r>
+              <a:rPr lang="en-US" dirty="0"/>
+              <a:t>A drawback is that information is released unnecessarily, in that neither of the two purposes needs all four attributes</a:t>
+            </a:r>
+          </a:p>
+          <a:p>
+            <a:pPr marL="0" indent="0">
+              <a:buNone/>
+            </a:pPr>
+            <a:r>
+              <a:rPr lang="en-US" dirty="0"/>
+              <a:t>You make one for both of them. Problem </a:t>
+            </a:r>
+            <a:endParaRPr lang="de-DE" dirty="0"/>
           </a:p>
         </p:txBody>
       </p:sp>
@@ -3228,7 +3239,7 @@
           <p:cNvPr id="6" name="Foliennummernplatzhalter 5">
             <a:extLst>
               <a:ext uri="{FF2B5EF4-FFF2-40B4-BE49-F238E27FC236}">
-                <a16:creationId xmlns:a16="http://schemas.microsoft.com/office/drawing/2014/main" id="{2AF4F23A-5C6F-4187-AD19-8C0F68B37EB1}"/>
+                <a16:creationId xmlns:a16="http://schemas.microsoft.com/office/drawing/2014/main" id="{1A5F5161-AF90-426C-A082-2392411945CF}"/>
               </a:ext>
             </a:extLst>
           </p:cNvPr>
@@ -3256,7 +3267,7 @@
     </p:spTree>
     <p:extLst>
       <p:ext uri="{BB962C8B-B14F-4D97-AF65-F5344CB8AC3E}">
-        <p14:creationId xmlns:p14="http://schemas.microsoft.com/office/powerpoint/2010/main" val="634117143"/>
+        <p14:creationId xmlns:p14="http://schemas.microsoft.com/office/powerpoint/2010/main" val="839178868"/>
       </p:ext>
     </p:extLst>
   </p:cSld>
@@ -3288,7 +3299,7 @@
           <p:cNvPr id="2" name="Titel 1">
             <a:extLst>
               <a:ext uri="{FF2B5EF4-FFF2-40B4-BE49-F238E27FC236}">
-                <a16:creationId xmlns:a16="http://schemas.microsoft.com/office/drawing/2014/main" id="{880B0643-6694-4756-9185-6B245935614C}"/>
+                <a16:creationId xmlns:a16="http://schemas.microsoft.com/office/drawing/2014/main" id="{E409B5AD-9023-4577-80E9-CDB25B8FBD5F}"/>
               </a:ext>
             </a:extLst>
           </p:cNvPr>
@@ -3317,7 +3328,7 @@
           <p:cNvPr id="3" name="Datumsplatzhalter 2">
             <a:extLst>
               <a:ext uri="{FF2B5EF4-FFF2-40B4-BE49-F238E27FC236}">
-                <a16:creationId xmlns:a16="http://schemas.microsoft.com/office/drawing/2014/main" id="{8667CFBC-D3CB-4020-9CC4-C40EB8692D3A}"/>
+                <a16:creationId xmlns:a16="http://schemas.microsoft.com/office/drawing/2014/main" id="{862D45DF-953B-440C-8392-F79536D74077}"/>
               </a:ext>
             </a:extLst>
           </p:cNvPr>
@@ -3346,7 +3357,7 @@
           <p:cNvPr id="4" name="Fußzeilenplatzhalter 3">
             <a:extLst>
               <a:ext uri="{FF2B5EF4-FFF2-40B4-BE49-F238E27FC236}">
-                <a16:creationId xmlns:a16="http://schemas.microsoft.com/office/drawing/2014/main" id="{F090A285-9439-4429-99C4-75D394A2D8A7}"/>
+                <a16:creationId xmlns:a16="http://schemas.microsoft.com/office/drawing/2014/main" id="{363CAF52-DCB5-4A4D-9FC3-D6124547A09B}"/>
               </a:ext>
             </a:extLst>
           </p:cNvPr>
@@ -3375,7 +3386,7 @@
           <p:cNvPr id="5" name="Textplatzhalter 4">
             <a:extLst>
               <a:ext uri="{FF2B5EF4-FFF2-40B4-BE49-F238E27FC236}">
-                <a16:creationId xmlns:a16="http://schemas.microsoft.com/office/drawing/2014/main" id="{F9879744-E302-4E08-830A-2D28DC39F827}"/>
+                <a16:creationId xmlns:a16="http://schemas.microsoft.com/office/drawing/2014/main" id="{DEFD85B4-EAA6-4214-96BE-BB8640E173D4}"/>
               </a:ext>
             </a:extLst>
           </p:cNvPr>
@@ -3391,14 +3402,7 @@
           <a:bodyPr/>
           <a:lstStyle/>
           <a:p>
-            <a:pPr marL="0" indent="0">
-              <a:buNone/>
-            </a:pPr>
-            <a:r>
-              <a:rPr lang="de-DE" dirty="0" err="1"/>
-              <a:t>Example</a:t>
-            </a:r>
-            <a:endParaRPr lang="de-DE" dirty="0"/>
+            <a:endParaRPr lang="de-DE"/>
           </a:p>
         </p:txBody>
       </p:sp>
@@ -3407,7 +3411,7 @@
           <p:cNvPr id="6" name="Foliennummernplatzhalter 5">
             <a:extLst>
               <a:ext uri="{FF2B5EF4-FFF2-40B4-BE49-F238E27FC236}">
-                <a16:creationId xmlns:a16="http://schemas.microsoft.com/office/drawing/2014/main" id="{E13263FB-951B-4669-AFBC-303812524A4E}"/>
+                <a16:creationId xmlns:a16="http://schemas.microsoft.com/office/drawing/2014/main" id="{2AF4F23A-5C6F-4187-AD19-8C0F68B37EB1}"/>
               </a:ext>
             </a:extLst>
           </p:cNvPr>
@@ -3435,7 +3439,7 @@
     </p:spTree>
     <p:extLst>
       <p:ext uri="{BB962C8B-B14F-4D97-AF65-F5344CB8AC3E}">
-        <p14:creationId xmlns:p14="http://schemas.microsoft.com/office/powerpoint/2010/main" val="880105888"/>
+        <p14:creationId xmlns:p14="http://schemas.microsoft.com/office/powerpoint/2010/main" val="634117143"/>
       </p:ext>
     </p:extLst>
   </p:cSld>
@@ -3467,7 +3471,7 @@
           <p:cNvPr id="2" name="Titel 1">
             <a:extLst>
               <a:ext uri="{FF2B5EF4-FFF2-40B4-BE49-F238E27FC236}">
-                <a16:creationId xmlns:a16="http://schemas.microsoft.com/office/drawing/2014/main" id="{8630F9EE-799A-4FBC-BDC9-BBCD9F117865}"/>
+                <a16:creationId xmlns:a16="http://schemas.microsoft.com/office/drawing/2014/main" id="{880B0643-6694-4756-9185-6B245935614C}"/>
               </a:ext>
             </a:extLst>
           </p:cNvPr>
@@ -3485,7 +3489,7 @@
           <a:p>
             <a:r>
               <a:rPr lang="de-DE" b="1" dirty="0"/>
-              <a:t>High-Dimensional Transaction Data</a:t>
+              <a:t>6.4. Collaborative Data Publishing -</a:t>
             </a:r>
             <a:endParaRPr lang="de-DE" dirty="0"/>
           </a:p>
@@ -3496,7 +3500,7 @@
           <p:cNvPr id="3" name="Datumsplatzhalter 2">
             <a:extLst>
               <a:ext uri="{FF2B5EF4-FFF2-40B4-BE49-F238E27FC236}">
-                <a16:creationId xmlns:a16="http://schemas.microsoft.com/office/drawing/2014/main" id="{2024E019-E637-42FA-954A-B2746B57FA3E}"/>
+                <a16:creationId xmlns:a16="http://schemas.microsoft.com/office/drawing/2014/main" id="{8667CFBC-D3CB-4020-9CC4-C40EB8692D3A}"/>
               </a:ext>
             </a:extLst>
           </p:cNvPr>
@@ -3525,7 +3529,7 @@
           <p:cNvPr id="4" name="Fußzeilenplatzhalter 3">
             <a:extLst>
               <a:ext uri="{FF2B5EF4-FFF2-40B4-BE49-F238E27FC236}">
-                <a16:creationId xmlns:a16="http://schemas.microsoft.com/office/drawing/2014/main" id="{11871A7E-DE7F-4B04-A79B-7559FABD8314}"/>
+                <a16:creationId xmlns:a16="http://schemas.microsoft.com/office/drawing/2014/main" id="{F090A285-9439-4429-99C4-75D394A2D8A7}"/>
               </a:ext>
             </a:extLst>
           </p:cNvPr>
@@ -3554,7 +3558,7 @@
           <p:cNvPr id="5" name="Textplatzhalter 4">
             <a:extLst>
               <a:ext uri="{FF2B5EF4-FFF2-40B4-BE49-F238E27FC236}">
-                <a16:creationId xmlns:a16="http://schemas.microsoft.com/office/drawing/2014/main" id="{17162768-F447-417D-8E83-B270B3CE3A5D}"/>
+                <a16:creationId xmlns:a16="http://schemas.microsoft.com/office/drawing/2014/main" id="{F9879744-E302-4E08-830A-2D28DC39F827}"/>
               </a:ext>
             </a:extLst>
           </p:cNvPr>
@@ -3570,65 +3574,12 @@
           <a:bodyPr/>
           <a:lstStyle/>
           <a:p>
-            <a:r>
-              <a:rPr lang="de-DE" dirty="0" err="1"/>
-              <a:t>Aol</a:t>
-            </a:r>
-            <a:r>
-              <a:rPr lang="de-DE" dirty="0"/>
-              <a:t> </a:t>
-            </a:r>
-            <a:r>
-              <a:rPr lang="de-DE" dirty="0" err="1"/>
-              <a:t>example</a:t>
-            </a:r>
-            <a:r>
-              <a:rPr lang="de-DE" dirty="0"/>
-              <a:t> </a:t>
-            </a:r>
-            <a:r>
-              <a:rPr lang="en-US" dirty="0"/>
-              <a:t>Transaction data is usually high-dimensional. For example, Amazon.com has several million catalog items. Each dimension could be a potential </a:t>
-            </a:r>
-            <a:r>
-              <a:rPr lang="en-US" i="1" dirty="0"/>
-              <a:t>QID </a:t>
-            </a:r>
-            <a:r>
-              <a:rPr lang="en-US" dirty="0"/>
-              <a:t>attribute used for record or attribute linkages; therefore, employing traditional privacy models, such as </a:t>
-            </a:r>
-            <a:r>
-              <a:rPr lang="en-US" i="1" dirty="0"/>
-              <a:t>k</a:t>
-            </a:r>
-            <a:r>
-              <a:rPr lang="en-US" dirty="0"/>
-              <a:t>-anonymity, would require including all dimensions into a single </a:t>
-            </a:r>
-            <a:r>
-              <a:rPr lang="en-US" i="1" dirty="0"/>
-              <a:t>QID</a:t>
-            </a:r>
-            <a:r>
-              <a:rPr lang="en-US" dirty="0"/>
-              <a:t>. Due to the curse of high-dimensionality [Aggarwal 2005], it is very likely that lots of data has to be suppressed or generalized to the top-most values in order to satisfy </a:t>
-            </a:r>
-            <a:r>
-              <a:rPr lang="en-US" i="1" dirty="0"/>
-              <a:t>k</a:t>
-            </a:r>
-            <a:r>
-              <a:rPr lang="en-US" dirty="0"/>
-              <a:t>-anonymity, even if </a:t>
-            </a:r>
-            <a:r>
-              <a:rPr lang="en-US" i="1" dirty="0"/>
-              <a:t>k </a:t>
-            </a:r>
-            <a:r>
-              <a:rPr lang="en-US" dirty="0"/>
-              <a:t>is small. Obviously, such anonymous data is useless for data analysis.</a:t>
+            <a:pPr marL="0" indent="0">
+              <a:buNone/>
+            </a:pPr>
+            <a:r>
+              <a:rPr lang="de-DE" dirty="0" err="1"/>
+              <a:t>Example</a:t>
             </a:r>
             <a:endParaRPr lang="de-DE" dirty="0"/>
           </a:p>
@@ -3639,7 +3590,7 @@
           <p:cNvPr id="6" name="Foliennummernplatzhalter 5">
             <a:extLst>
               <a:ext uri="{FF2B5EF4-FFF2-40B4-BE49-F238E27FC236}">
-                <a16:creationId xmlns:a16="http://schemas.microsoft.com/office/drawing/2014/main" id="{1F7C9EDA-B921-4D19-B054-284FFDECB071}"/>
+                <a16:creationId xmlns:a16="http://schemas.microsoft.com/office/drawing/2014/main" id="{E13263FB-951B-4669-AFBC-303812524A4E}"/>
               </a:ext>
             </a:extLst>
           </p:cNvPr>
@@ -3667,7 +3618,7 @@
     </p:spTree>
     <p:extLst>
       <p:ext uri="{BB962C8B-B14F-4D97-AF65-F5344CB8AC3E}">
-        <p14:creationId xmlns:p14="http://schemas.microsoft.com/office/powerpoint/2010/main" val="1473261035"/>
+        <p14:creationId xmlns:p14="http://schemas.microsoft.com/office/powerpoint/2010/main" val="880105888"/>
       </p:ext>
     </p:extLst>
   </p:cSld>
@@ -3699,7 +3650,7 @@
           <p:cNvPr id="2" name="Titel 1">
             <a:extLst>
               <a:ext uri="{FF2B5EF4-FFF2-40B4-BE49-F238E27FC236}">
-                <a16:creationId xmlns:a16="http://schemas.microsoft.com/office/drawing/2014/main" id="{DD780236-DFF8-4429-AD46-A0D4B640B608}"/>
+                <a16:creationId xmlns:a16="http://schemas.microsoft.com/office/drawing/2014/main" id="{8630F9EE-799A-4FBC-BDC9-BBCD9F117865}"/>
               </a:ext>
             </a:extLst>
           </p:cNvPr>
@@ -3716,10 +3667,10 @@
           <a:lstStyle/>
           <a:p>
             <a:r>
-              <a:rPr lang="de-DE" b="1"/>
+              <a:rPr lang="de-DE" b="1" dirty="0"/>
               <a:t>High-Dimensional Transaction Data</a:t>
             </a:r>
-            <a:endParaRPr lang="de-DE"/>
+            <a:endParaRPr lang="de-DE" dirty="0"/>
           </a:p>
         </p:txBody>
       </p:sp>
@@ -3728,7 +3679,7 @@
           <p:cNvPr id="3" name="Datumsplatzhalter 2">
             <a:extLst>
               <a:ext uri="{FF2B5EF4-FFF2-40B4-BE49-F238E27FC236}">
-                <a16:creationId xmlns:a16="http://schemas.microsoft.com/office/drawing/2014/main" id="{69419E86-0E9E-4216-B427-413C6BA3C0D7}"/>
+                <a16:creationId xmlns:a16="http://schemas.microsoft.com/office/drawing/2014/main" id="{2024E019-E637-42FA-954A-B2746B57FA3E}"/>
               </a:ext>
             </a:extLst>
           </p:cNvPr>
@@ -3757,7 +3708,7 @@
           <p:cNvPr id="4" name="Fußzeilenplatzhalter 3">
             <a:extLst>
               <a:ext uri="{FF2B5EF4-FFF2-40B4-BE49-F238E27FC236}">
-                <a16:creationId xmlns:a16="http://schemas.microsoft.com/office/drawing/2014/main" id="{212DC528-EE24-4AC3-9EED-1BF090D99EF2}"/>
+                <a16:creationId xmlns:a16="http://schemas.microsoft.com/office/drawing/2014/main" id="{11871A7E-DE7F-4B04-A79B-7559FABD8314}"/>
               </a:ext>
             </a:extLst>
           </p:cNvPr>
@@ -3786,7 +3737,7 @@
           <p:cNvPr id="5" name="Textplatzhalter 4">
             <a:extLst>
               <a:ext uri="{FF2B5EF4-FFF2-40B4-BE49-F238E27FC236}">
-                <a16:creationId xmlns:a16="http://schemas.microsoft.com/office/drawing/2014/main" id="{064D59BE-0376-4E44-A0FE-7031A294F35F}"/>
+                <a16:creationId xmlns:a16="http://schemas.microsoft.com/office/drawing/2014/main" id="{17162768-F447-417D-8E83-B270B3CE3A5D}"/>
               </a:ext>
             </a:extLst>
           </p:cNvPr>
@@ -3804,8 +3755,64 @@
           <a:p>
             <a:r>
               <a:rPr lang="de-DE" dirty="0" err="1"/>
+              <a:t>Aol</a:t>
+            </a:r>
+            <a:r>
+              <a:rPr lang="de-DE" dirty="0"/>
+              <a:t> </a:t>
+            </a:r>
+            <a:r>
+              <a:rPr lang="de-DE" dirty="0" err="1"/>
               <a:t>example</a:t>
             </a:r>
+            <a:r>
+              <a:rPr lang="de-DE" dirty="0"/>
+              <a:t> </a:t>
+            </a:r>
+            <a:r>
+              <a:rPr lang="en-US" dirty="0"/>
+              <a:t>Transaction data is usually high-dimensional. For example, Amazon.com has several million catalog items. Each dimension could be a potential </a:t>
+            </a:r>
+            <a:r>
+              <a:rPr lang="en-US" i="1" dirty="0"/>
+              <a:t>QID </a:t>
+            </a:r>
+            <a:r>
+              <a:rPr lang="en-US" dirty="0"/>
+              <a:t>attribute used for record or attribute linkages; therefore, employing traditional privacy models, such as </a:t>
+            </a:r>
+            <a:r>
+              <a:rPr lang="en-US" i="1" dirty="0"/>
+              <a:t>k</a:t>
+            </a:r>
+            <a:r>
+              <a:rPr lang="en-US" dirty="0"/>
+              <a:t>-anonymity, would require including all dimensions into a single </a:t>
+            </a:r>
+            <a:r>
+              <a:rPr lang="en-US" i="1" dirty="0"/>
+              <a:t>QID</a:t>
+            </a:r>
+            <a:r>
+              <a:rPr lang="en-US" dirty="0"/>
+              <a:t>. Due to the curse of high-dimensionality [Aggarwal 2005], it is very likely that lots of data has to be suppressed or generalized to the top-most values in order to satisfy </a:t>
+            </a:r>
+            <a:r>
+              <a:rPr lang="en-US" i="1" dirty="0"/>
+              <a:t>k</a:t>
+            </a:r>
+            <a:r>
+              <a:rPr lang="en-US" dirty="0"/>
+              <a:t>-anonymity, even if </a:t>
+            </a:r>
+            <a:r>
+              <a:rPr lang="en-US" i="1" dirty="0"/>
+              <a:t>k </a:t>
+            </a:r>
+            <a:r>
+              <a:rPr lang="en-US" dirty="0"/>
+              <a:t>is small. Obviously, such anonymous data is useless for data analysis.</a:t>
+            </a:r>
             <a:endParaRPr lang="de-DE" dirty="0"/>
           </a:p>
         </p:txBody>
@@ -3815,7 +3822,7 @@
           <p:cNvPr id="6" name="Foliennummernplatzhalter 5">
             <a:extLst>
               <a:ext uri="{FF2B5EF4-FFF2-40B4-BE49-F238E27FC236}">
-                <a16:creationId xmlns:a16="http://schemas.microsoft.com/office/drawing/2014/main" id="{E25D3BF9-A70C-417F-A9C7-F883A5D091A9}"/>
+                <a16:creationId xmlns:a16="http://schemas.microsoft.com/office/drawing/2014/main" id="{1F7C9EDA-B921-4D19-B054-284FFDECB071}"/>
               </a:ext>
             </a:extLst>
           </p:cNvPr>
@@ -3843,7 +3850,7 @@
     </p:spTree>
     <p:extLst>
       <p:ext uri="{BB962C8B-B14F-4D97-AF65-F5344CB8AC3E}">
-        <p14:creationId xmlns:p14="http://schemas.microsoft.com/office/powerpoint/2010/main" val="673325542"/>
+        <p14:creationId xmlns:p14="http://schemas.microsoft.com/office/powerpoint/2010/main" val="1473261035"/>
       </p:ext>
     </p:extLst>
   </p:cSld>
@@ -3875,7 +3882,7 @@
           <p:cNvPr id="2" name="Titel 1">
             <a:extLst>
               <a:ext uri="{FF2B5EF4-FFF2-40B4-BE49-F238E27FC236}">
-                <a16:creationId xmlns:a16="http://schemas.microsoft.com/office/drawing/2014/main" id="{1292517C-4632-463D-882E-92A100494D6C}"/>
+                <a16:creationId xmlns:a16="http://schemas.microsoft.com/office/drawing/2014/main" id="{DD780236-DFF8-4429-AD46-A0D4B640B608}"/>
               </a:ext>
             </a:extLst>
           </p:cNvPr>
@@ -3892,18 +3899,10 @@
           <a:lstStyle/>
           <a:p>
             <a:r>
-              <a:rPr lang="de-DE" b="1" dirty="0"/>
-              <a:t>Moving </a:t>
-            </a:r>
-            <a:r>
-              <a:rPr lang="de-DE" b="1" dirty="0" err="1"/>
-              <a:t>Object</a:t>
-            </a:r>
-            <a:r>
-              <a:rPr lang="de-DE" b="1" dirty="0"/>
-              <a:t> Data - </a:t>
-            </a:r>
-            <a:endParaRPr lang="de-DE" dirty="0"/>
+              <a:rPr lang="de-DE" b="1"/>
+              <a:t>High-Dimensional Transaction Data</a:t>
+            </a:r>
+            <a:endParaRPr lang="de-DE"/>
           </a:p>
         </p:txBody>
       </p:sp>
@@ -3912,7 +3911,7 @@
           <p:cNvPr id="3" name="Datumsplatzhalter 2">
             <a:extLst>
               <a:ext uri="{FF2B5EF4-FFF2-40B4-BE49-F238E27FC236}">
-                <a16:creationId xmlns:a16="http://schemas.microsoft.com/office/drawing/2014/main" id="{6D0B4379-0ED9-4519-B0FD-90693196251E}"/>
+                <a16:creationId xmlns:a16="http://schemas.microsoft.com/office/drawing/2014/main" id="{69419E86-0E9E-4216-B427-413C6BA3C0D7}"/>
               </a:ext>
             </a:extLst>
           </p:cNvPr>
@@ -3941,7 +3940,7 @@
           <p:cNvPr id="4" name="Fußzeilenplatzhalter 3">
             <a:extLst>
               <a:ext uri="{FF2B5EF4-FFF2-40B4-BE49-F238E27FC236}">
-                <a16:creationId xmlns:a16="http://schemas.microsoft.com/office/drawing/2014/main" id="{1488FE31-DA64-4D3A-A243-8DAA45C3914A}"/>
+                <a16:creationId xmlns:a16="http://schemas.microsoft.com/office/drawing/2014/main" id="{212DC528-EE24-4AC3-9EED-1BF090D99EF2}"/>
               </a:ext>
             </a:extLst>
           </p:cNvPr>
@@ -3970,7 +3969,7 @@
           <p:cNvPr id="5" name="Textplatzhalter 4">
             <a:extLst>
               <a:ext uri="{FF2B5EF4-FFF2-40B4-BE49-F238E27FC236}">
-                <a16:creationId xmlns:a16="http://schemas.microsoft.com/office/drawing/2014/main" id="{667FE4C5-431E-4012-9E14-8A6D56B5B3DF}"/>
+                <a16:creationId xmlns:a16="http://schemas.microsoft.com/office/drawing/2014/main" id="{064D59BE-0376-4E44-A0FE-7031A294F35F}"/>
               </a:ext>
             </a:extLst>
           </p:cNvPr>
@@ -3986,7 +3985,11 @@
           <a:bodyPr/>
           <a:lstStyle/>
           <a:p>
-            <a:endParaRPr lang="de-DE"/>
+            <a:r>
+              <a:rPr lang="de-DE" dirty="0" err="1"/>
+              <a:t>example</a:t>
+            </a:r>
+            <a:endParaRPr lang="de-DE" dirty="0"/>
           </a:p>
         </p:txBody>
       </p:sp>
@@ -3995,7 +3998,7 @@
           <p:cNvPr id="6" name="Foliennummernplatzhalter 5">
             <a:extLst>
               <a:ext uri="{FF2B5EF4-FFF2-40B4-BE49-F238E27FC236}">
-                <a16:creationId xmlns:a16="http://schemas.microsoft.com/office/drawing/2014/main" id="{5E7F60E5-5B0F-48A9-8E69-ACF923D2BC2C}"/>
+                <a16:creationId xmlns:a16="http://schemas.microsoft.com/office/drawing/2014/main" id="{E25D3BF9-A70C-417F-A9C7-F883A5D091A9}"/>
               </a:ext>
             </a:extLst>
           </p:cNvPr>
@@ -4023,7 +4026,7 @@
     </p:spTree>
     <p:extLst>
       <p:ext uri="{BB962C8B-B14F-4D97-AF65-F5344CB8AC3E}">
-        <p14:creationId xmlns:p14="http://schemas.microsoft.com/office/powerpoint/2010/main" val="856942373"/>
+        <p14:creationId xmlns:p14="http://schemas.microsoft.com/office/powerpoint/2010/main" val="673325542"/>
       </p:ext>
     </p:extLst>
   </p:cSld>
@@ -4055,7 +4058,7 @@
           <p:cNvPr id="2" name="Titel 1">
             <a:extLst>
               <a:ext uri="{FF2B5EF4-FFF2-40B4-BE49-F238E27FC236}">
-                <a16:creationId xmlns:a16="http://schemas.microsoft.com/office/drawing/2014/main" id="{F630762F-ADDB-483B-8B3B-603DD9617461}"/>
+                <a16:creationId xmlns:a16="http://schemas.microsoft.com/office/drawing/2014/main" id="{1292517C-4632-463D-882E-92A100494D6C}"/>
               </a:ext>
             </a:extLst>
           </p:cNvPr>
@@ -4083,10 +4086,6 @@
               <a:rPr lang="de-DE" b="1" dirty="0"/>
               <a:t> Data - </a:t>
             </a:r>
-            <a:r>
-              <a:rPr lang="de-DE" b="1" dirty="0" err="1"/>
-              <a:t>exampe</a:t>
-            </a:r>
             <a:endParaRPr lang="de-DE" dirty="0"/>
           </a:p>
         </p:txBody>
@@ -4096,7 +4095,7 @@
           <p:cNvPr id="3" name="Datumsplatzhalter 2">
             <a:extLst>
               <a:ext uri="{FF2B5EF4-FFF2-40B4-BE49-F238E27FC236}">
-                <a16:creationId xmlns:a16="http://schemas.microsoft.com/office/drawing/2014/main" id="{98E37A1D-373E-4CB5-8A00-E4420DD981F5}"/>
+                <a16:creationId xmlns:a16="http://schemas.microsoft.com/office/drawing/2014/main" id="{6D0B4379-0ED9-4519-B0FD-90693196251E}"/>
               </a:ext>
             </a:extLst>
           </p:cNvPr>
@@ -4125,7 +4124,7 @@
           <p:cNvPr id="4" name="Fußzeilenplatzhalter 3">
             <a:extLst>
               <a:ext uri="{FF2B5EF4-FFF2-40B4-BE49-F238E27FC236}">
-                <a16:creationId xmlns:a16="http://schemas.microsoft.com/office/drawing/2014/main" id="{7718522C-A894-49C9-A4F0-5E1DFA7741F2}"/>
+                <a16:creationId xmlns:a16="http://schemas.microsoft.com/office/drawing/2014/main" id="{1488FE31-DA64-4D3A-A243-8DAA45C3914A}"/>
               </a:ext>
             </a:extLst>
           </p:cNvPr>
@@ -4154,7 +4153,7 @@
           <p:cNvPr id="5" name="Textplatzhalter 4">
             <a:extLst>
               <a:ext uri="{FF2B5EF4-FFF2-40B4-BE49-F238E27FC236}">
-                <a16:creationId xmlns:a16="http://schemas.microsoft.com/office/drawing/2014/main" id="{87651521-0381-4223-BDE6-C2A67D608413}"/>
+                <a16:creationId xmlns:a16="http://schemas.microsoft.com/office/drawing/2014/main" id="{667FE4C5-431E-4012-9E14-8A6D56B5B3DF}"/>
               </a:ext>
             </a:extLst>
           </p:cNvPr>
@@ -4179,7 +4178,7 @@
           <p:cNvPr id="6" name="Foliennummernplatzhalter 5">
             <a:extLst>
               <a:ext uri="{FF2B5EF4-FFF2-40B4-BE49-F238E27FC236}">
-                <a16:creationId xmlns:a16="http://schemas.microsoft.com/office/drawing/2014/main" id="{8667CAC0-ED65-461E-B9D6-E014713A72F4}"/>
+                <a16:creationId xmlns:a16="http://schemas.microsoft.com/office/drawing/2014/main" id="{5E7F60E5-5B0F-48A9-8E69-ACF923D2BC2C}"/>
               </a:ext>
             </a:extLst>
           </p:cNvPr>
@@ -4207,7 +4206,7 @@
     </p:spTree>
     <p:extLst>
       <p:ext uri="{BB962C8B-B14F-4D97-AF65-F5344CB8AC3E}">
-        <p14:creationId xmlns:p14="http://schemas.microsoft.com/office/powerpoint/2010/main" val="3579114951"/>
+        <p14:creationId xmlns:p14="http://schemas.microsoft.com/office/powerpoint/2010/main" val="856942373"/>
       </p:ext>
     </p:extLst>
   </p:cSld>
@@ -4239,7 +4238,7 @@
           <p:cNvPr id="2" name="Titel 1">
             <a:extLst>
               <a:ext uri="{FF2B5EF4-FFF2-40B4-BE49-F238E27FC236}">
-                <a16:creationId xmlns:a16="http://schemas.microsoft.com/office/drawing/2014/main" id="{01809404-EB17-4FCD-B405-68EACB8E7AD7}"/>
+                <a16:creationId xmlns:a16="http://schemas.microsoft.com/office/drawing/2014/main" id="{F630762F-ADDB-483B-8B3B-603DD9617461}"/>
               </a:ext>
             </a:extLst>
           </p:cNvPr>
@@ -4256,12 +4255,20 @@
           <a:lstStyle/>
           <a:p>
             <a:r>
+              <a:rPr lang="de-DE" b="1" dirty="0"/>
+              <a:t>Moving </a:t>
+            </a:r>
+            <a:r>
               <a:rPr lang="de-DE" b="1" dirty="0" err="1"/>
-              <a:t>Textual</a:t>
+              <a:t>Object</a:t>
             </a:r>
             <a:r>
               <a:rPr lang="de-DE" b="1" dirty="0"/>
-              <a:t> Data</a:t>
+              <a:t> Data - </a:t>
+            </a:r>
+            <a:r>
+              <a:rPr lang="de-DE" b="1" dirty="0" err="1"/>
+              <a:t>exampe</a:t>
             </a:r>
             <a:endParaRPr lang="de-DE" dirty="0"/>
           </a:p>
@@ -4272,7 +4279,7 @@
           <p:cNvPr id="3" name="Datumsplatzhalter 2">
             <a:extLst>
               <a:ext uri="{FF2B5EF4-FFF2-40B4-BE49-F238E27FC236}">
-                <a16:creationId xmlns:a16="http://schemas.microsoft.com/office/drawing/2014/main" id="{05125B1C-1267-40AB-BF49-0CA8C1F2D42B}"/>
+                <a16:creationId xmlns:a16="http://schemas.microsoft.com/office/drawing/2014/main" id="{98E37A1D-373E-4CB5-8A00-E4420DD981F5}"/>
               </a:ext>
             </a:extLst>
           </p:cNvPr>
@@ -4301,7 +4308,7 @@
           <p:cNvPr id="4" name="Fußzeilenplatzhalter 3">
             <a:extLst>
               <a:ext uri="{FF2B5EF4-FFF2-40B4-BE49-F238E27FC236}">
-                <a16:creationId xmlns:a16="http://schemas.microsoft.com/office/drawing/2014/main" id="{B8807493-F45D-44B0-AE12-4DF2E5E5F2B0}"/>
+                <a16:creationId xmlns:a16="http://schemas.microsoft.com/office/drawing/2014/main" id="{7718522C-A894-49C9-A4F0-5E1DFA7741F2}"/>
               </a:ext>
             </a:extLst>
           </p:cNvPr>
@@ -4330,7 +4337,7 @@
           <p:cNvPr id="5" name="Textplatzhalter 4">
             <a:extLst>
               <a:ext uri="{FF2B5EF4-FFF2-40B4-BE49-F238E27FC236}">
-                <a16:creationId xmlns:a16="http://schemas.microsoft.com/office/drawing/2014/main" id="{258A1F07-925E-4D51-9984-7A8E5FFCBB2A}"/>
+                <a16:creationId xmlns:a16="http://schemas.microsoft.com/office/drawing/2014/main" id="{87651521-0381-4223-BDE6-C2A67D608413}"/>
               </a:ext>
             </a:extLst>
           </p:cNvPr>
@@ -4355,7 +4362,7 @@
           <p:cNvPr id="6" name="Foliennummernplatzhalter 5">
             <a:extLst>
               <a:ext uri="{FF2B5EF4-FFF2-40B4-BE49-F238E27FC236}">
-                <a16:creationId xmlns:a16="http://schemas.microsoft.com/office/drawing/2014/main" id="{7788C7BE-3668-4468-B27D-88F5562E2D83}"/>
+                <a16:creationId xmlns:a16="http://schemas.microsoft.com/office/drawing/2014/main" id="{8667CAC0-ED65-461E-B9D6-E014713A72F4}"/>
               </a:ext>
             </a:extLst>
           </p:cNvPr>
@@ -4383,7 +4390,7 @@
     </p:spTree>
     <p:extLst>
       <p:ext uri="{BB962C8B-B14F-4D97-AF65-F5344CB8AC3E}">
-        <p14:creationId xmlns:p14="http://schemas.microsoft.com/office/powerpoint/2010/main" val="545608152"/>
+        <p14:creationId xmlns:p14="http://schemas.microsoft.com/office/powerpoint/2010/main" val="3579114951"/>
       </p:ext>
     </p:extLst>
   </p:cSld>
@@ -4415,7 +4422,7 @@
           <p:cNvPr id="2" name="Titel 1">
             <a:extLst>
               <a:ext uri="{FF2B5EF4-FFF2-40B4-BE49-F238E27FC236}">
-                <a16:creationId xmlns:a16="http://schemas.microsoft.com/office/drawing/2014/main" id="{2DAFB4A8-5551-403B-B8F9-9FC811CE05F9}"/>
+                <a16:creationId xmlns:a16="http://schemas.microsoft.com/office/drawing/2014/main" id="{01809404-EB17-4FCD-B405-68EACB8E7AD7}"/>
               </a:ext>
             </a:extLst>
           </p:cNvPr>
@@ -4437,13 +4444,9 @@
             </a:r>
             <a:r>
               <a:rPr lang="de-DE" b="1" dirty="0"/>
-              <a:t> Data - </a:t>
-            </a:r>
-            <a:r>
-              <a:rPr lang="de-DE" b="1"/>
-              <a:t>example</a:t>
-            </a:r>
-            <a:endParaRPr lang="de-DE"/>
+              <a:t> Data</a:t>
+            </a:r>
+            <a:endParaRPr lang="de-DE" dirty="0"/>
           </a:p>
         </p:txBody>
       </p:sp>
@@ -4452,7 +4455,7 @@
           <p:cNvPr id="3" name="Datumsplatzhalter 2">
             <a:extLst>
               <a:ext uri="{FF2B5EF4-FFF2-40B4-BE49-F238E27FC236}">
-                <a16:creationId xmlns:a16="http://schemas.microsoft.com/office/drawing/2014/main" id="{41256D5D-4004-46C0-996B-039D986D36EF}"/>
+                <a16:creationId xmlns:a16="http://schemas.microsoft.com/office/drawing/2014/main" id="{05125B1C-1267-40AB-BF49-0CA8C1F2D42B}"/>
               </a:ext>
             </a:extLst>
           </p:cNvPr>
@@ -4481,7 +4484,7 @@
           <p:cNvPr id="4" name="Fußzeilenplatzhalter 3">
             <a:extLst>
               <a:ext uri="{FF2B5EF4-FFF2-40B4-BE49-F238E27FC236}">
-                <a16:creationId xmlns:a16="http://schemas.microsoft.com/office/drawing/2014/main" id="{C3DC1E87-E9F7-44D7-991D-A3EB2CEC9A34}"/>
+                <a16:creationId xmlns:a16="http://schemas.microsoft.com/office/drawing/2014/main" id="{B8807493-F45D-44B0-AE12-4DF2E5E5F2B0}"/>
               </a:ext>
             </a:extLst>
           </p:cNvPr>
@@ -4510,7 +4513,7 @@
           <p:cNvPr id="5" name="Textplatzhalter 4">
             <a:extLst>
               <a:ext uri="{FF2B5EF4-FFF2-40B4-BE49-F238E27FC236}">
-                <a16:creationId xmlns:a16="http://schemas.microsoft.com/office/drawing/2014/main" id="{98A8CB64-2C6A-4E01-8526-44FD26B6C944}"/>
+                <a16:creationId xmlns:a16="http://schemas.microsoft.com/office/drawing/2014/main" id="{258A1F07-925E-4D51-9984-7A8E5FFCBB2A}"/>
               </a:ext>
             </a:extLst>
           </p:cNvPr>
@@ -4535,7 +4538,7 @@
           <p:cNvPr id="6" name="Foliennummernplatzhalter 5">
             <a:extLst>
               <a:ext uri="{FF2B5EF4-FFF2-40B4-BE49-F238E27FC236}">
-                <a16:creationId xmlns:a16="http://schemas.microsoft.com/office/drawing/2014/main" id="{D25A49A6-B326-42E0-BF3A-5D3F055C11E7}"/>
+                <a16:creationId xmlns:a16="http://schemas.microsoft.com/office/drawing/2014/main" id="{7788C7BE-3668-4468-B27D-88F5562E2D83}"/>
               </a:ext>
             </a:extLst>
           </p:cNvPr>
@@ -4563,7 +4566,7 @@
     </p:spTree>
     <p:extLst>
       <p:ext uri="{BB962C8B-B14F-4D97-AF65-F5344CB8AC3E}">
-        <p14:creationId xmlns:p14="http://schemas.microsoft.com/office/powerpoint/2010/main" val="3238394678"/>
+        <p14:creationId xmlns:p14="http://schemas.microsoft.com/office/powerpoint/2010/main" val="545608152"/>
       </p:ext>
     </p:extLst>
   </p:cSld>
@@ -4595,7 +4598,7 @@
           <p:cNvPr id="2" name="Titel 1">
             <a:extLst>
               <a:ext uri="{FF2B5EF4-FFF2-40B4-BE49-F238E27FC236}">
-                <a16:creationId xmlns:a16="http://schemas.microsoft.com/office/drawing/2014/main" id="{5A696494-2619-425B-9A88-26F6239A8C0F}"/>
+                <a16:creationId xmlns:a16="http://schemas.microsoft.com/office/drawing/2014/main" id="{2DAFB4A8-5551-403B-B8F9-9FC811CE05F9}"/>
               </a:ext>
             </a:extLst>
           </p:cNvPr>
@@ -4613,13 +4616,17 @@
           <a:p>
             <a:r>
               <a:rPr lang="de-DE" b="1" dirty="0" err="1"/>
-              <a:t>Attacks</a:t>
+              <a:t>Textual</a:t>
             </a:r>
             <a:r>
               <a:rPr lang="de-DE" b="1" dirty="0"/>
-              <a:t> on K-ANONYMITY </a:t>
-            </a:r>
-            <a:endParaRPr lang="de-DE" dirty="0"/>
+              <a:t> Data - </a:t>
+            </a:r>
+            <a:r>
+              <a:rPr lang="de-DE" b="1"/>
+              <a:t>example</a:t>
+            </a:r>
+            <a:endParaRPr lang="de-DE"/>
           </a:p>
         </p:txBody>
       </p:sp>
@@ -4628,7 +4635,7 @@
           <p:cNvPr id="3" name="Datumsplatzhalter 2">
             <a:extLst>
               <a:ext uri="{FF2B5EF4-FFF2-40B4-BE49-F238E27FC236}">
-                <a16:creationId xmlns:a16="http://schemas.microsoft.com/office/drawing/2014/main" id="{2B614201-281B-41E9-A020-0CDA277467C3}"/>
+                <a16:creationId xmlns:a16="http://schemas.microsoft.com/office/drawing/2014/main" id="{41256D5D-4004-46C0-996B-039D986D36EF}"/>
               </a:ext>
             </a:extLst>
           </p:cNvPr>
@@ -4657,7 +4664,7 @@
           <p:cNvPr id="4" name="Fußzeilenplatzhalter 3">
             <a:extLst>
               <a:ext uri="{FF2B5EF4-FFF2-40B4-BE49-F238E27FC236}">
-                <a16:creationId xmlns:a16="http://schemas.microsoft.com/office/drawing/2014/main" id="{E5DE40AE-BF51-40C8-A6E9-F8B2204521CC}"/>
+                <a16:creationId xmlns:a16="http://schemas.microsoft.com/office/drawing/2014/main" id="{C3DC1E87-E9F7-44D7-991D-A3EB2CEC9A34}"/>
               </a:ext>
             </a:extLst>
           </p:cNvPr>
@@ -4674,12 +4681,8 @@
           <a:lstStyle/>
           <a:p>
             <a:r>
-              <a:rPr lang="de-DE" dirty="0"/>
-              <a:t>Andreas Wiegand &amp; Ludwig </a:t>
-            </a:r>
-            <a:r>
-              <a:rPr lang="de-DE" dirty="0" err="1"/>
-              <a:t>Schallner</a:t>
+              <a:rPr lang="de-DE"/>
+              <a:t>Andreas Heimann &amp; Matthias Puchta</a:t>
             </a:r>
             <a:endParaRPr lang="de-DE" dirty="0"/>
           </a:p>
@@ -4690,7 +4693,7 @@
           <p:cNvPr id="5" name="Textplatzhalter 4">
             <a:extLst>
               <a:ext uri="{FF2B5EF4-FFF2-40B4-BE49-F238E27FC236}">
-                <a16:creationId xmlns:a16="http://schemas.microsoft.com/office/drawing/2014/main" id="{AB5F7A7E-01C8-48FD-8047-5A2134437BC9}"/>
+                <a16:creationId xmlns:a16="http://schemas.microsoft.com/office/drawing/2014/main" id="{98A8CB64-2C6A-4E01-8526-44FD26B6C944}"/>
               </a:ext>
             </a:extLst>
           </p:cNvPr>
@@ -4706,127 +4709,7 @@
           <a:bodyPr/>
           <a:lstStyle/>
           <a:p>
-            <a:r>
-              <a:rPr lang="de-DE" b="1" dirty="0" err="1"/>
-              <a:t>Homogeneity</a:t>
-            </a:r>
-            <a:r>
-              <a:rPr lang="de-DE" b="1" dirty="0"/>
-              <a:t> </a:t>
-            </a:r>
-            <a:r>
-              <a:rPr lang="de-DE" b="1" dirty="0" err="1"/>
-              <a:t>Attack</a:t>
-            </a:r>
-            <a:r>
-              <a:rPr lang="de-DE" b="1" dirty="0"/>
-              <a:t>: </a:t>
-            </a:r>
-          </a:p>
-          <a:p>
-            <a:r>
-              <a:rPr lang="de-DE" b="1" dirty="0"/>
-              <a:t>Background Knowledge </a:t>
-            </a:r>
-            <a:r>
-              <a:rPr lang="de-DE" b="1" dirty="0" err="1"/>
-              <a:t>Attack</a:t>
-            </a:r>
-            <a:r>
-              <a:rPr lang="de-DE" b="1" dirty="0"/>
-              <a:t>/</a:t>
-            </a:r>
-            <a:r>
-              <a:rPr lang="de-DE" b="1" dirty="0" err="1"/>
-              <a:t>attribute</a:t>
-            </a:r>
-            <a:r>
-              <a:rPr lang="de-DE" b="1" dirty="0"/>
-              <a:t> </a:t>
-            </a:r>
-            <a:r>
-              <a:rPr lang="de-DE" b="1" dirty="0" err="1"/>
-              <a:t>linkage</a:t>
-            </a:r>
-            <a:r>
-              <a:rPr lang="de-DE" b="1" dirty="0"/>
-              <a:t>: </a:t>
-            </a:r>
-          </a:p>
-          <a:p>
-            <a:r>
-              <a:rPr lang="de-DE" b="1" dirty="0" err="1"/>
-              <a:t>Unsorted</a:t>
-            </a:r>
-            <a:r>
-              <a:rPr lang="de-DE" b="1" dirty="0"/>
-              <a:t> </a:t>
-            </a:r>
-            <a:r>
-              <a:rPr lang="de-DE" b="1" dirty="0" err="1"/>
-              <a:t>Matching</a:t>
-            </a:r>
-            <a:r>
-              <a:rPr lang="de-DE" b="1" dirty="0"/>
-              <a:t> </a:t>
-            </a:r>
-            <a:r>
-              <a:rPr lang="de-DE" b="1" dirty="0" err="1"/>
-              <a:t>Attacks</a:t>
-            </a:r>
-            <a:r>
-              <a:rPr lang="de-DE" b="1" dirty="0"/>
-              <a:t> </a:t>
-            </a:r>
-          </a:p>
-          <a:p>
-            <a:r>
-              <a:rPr lang="de-DE" b="1" dirty="0" err="1"/>
-              <a:t>Complementary</a:t>
-            </a:r>
-            <a:r>
-              <a:rPr lang="de-DE" b="1" dirty="0"/>
-              <a:t> Release </a:t>
-            </a:r>
-            <a:r>
-              <a:rPr lang="de-DE" b="1" dirty="0" err="1"/>
-              <a:t>Attack</a:t>
-            </a:r>
-            <a:r>
-              <a:rPr lang="de-DE" b="1" dirty="0"/>
-              <a:t>: </a:t>
-            </a:r>
-          </a:p>
-          <a:p>
-            <a:r>
-              <a:rPr lang="de-DE" b="1" dirty="0"/>
-              <a:t>Temporal </a:t>
-            </a:r>
-            <a:r>
-              <a:rPr lang="de-DE" b="1" dirty="0" err="1"/>
-              <a:t>Attack</a:t>
-            </a:r>
-            <a:r>
-              <a:rPr lang="de-DE" b="1" dirty="0"/>
-              <a:t>: </a:t>
-            </a:r>
-          </a:p>
-          <a:p>
-            <a:r>
-              <a:rPr lang="de-DE" b="1" dirty="0" err="1"/>
-              <a:t>Insufficient</a:t>
-            </a:r>
-            <a:r>
-              <a:rPr lang="de-DE" b="1" dirty="0"/>
-              <a:t> Knowledge: </a:t>
-            </a:r>
-          </a:p>
-          <a:p>
-            <a:r>
-              <a:rPr lang="en-US" b="1" dirty="0"/>
-              <a:t>The Adversary’s Knowledge is Unknown </a:t>
-            </a:r>
-            <a:endParaRPr lang="de-DE" dirty="0"/>
+            <a:endParaRPr lang="de-DE"/>
           </a:p>
         </p:txBody>
       </p:sp>
@@ -4835,7 +4718,7 @@
           <p:cNvPr id="6" name="Foliennummernplatzhalter 5">
             <a:extLst>
               <a:ext uri="{FF2B5EF4-FFF2-40B4-BE49-F238E27FC236}">
-                <a16:creationId xmlns:a16="http://schemas.microsoft.com/office/drawing/2014/main" id="{09410FF4-2E0F-4E88-A69A-145B229403F7}"/>
+                <a16:creationId xmlns:a16="http://schemas.microsoft.com/office/drawing/2014/main" id="{D25A49A6-B326-42E0-BF3A-5D3F055C11E7}"/>
               </a:ext>
             </a:extLst>
           </p:cNvPr>
@@ -4863,7 +4746,7 @@
     </p:spTree>
     <p:extLst>
       <p:ext uri="{BB962C8B-B14F-4D97-AF65-F5344CB8AC3E}">
-        <p14:creationId xmlns:p14="http://schemas.microsoft.com/office/powerpoint/2010/main" val="2188498306"/>
+        <p14:creationId xmlns:p14="http://schemas.microsoft.com/office/powerpoint/2010/main" val="3238394678"/>
       </p:ext>
     </p:extLst>
   </p:cSld>
@@ -7072,7 +6955,7 @@
           <p:cNvPr id="2" name="Titel 1">
             <a:extLst>
               <a:ext uri="{FF2B5EF4-FFF2-40B4-BE49-F238E27FC236}">
-                <a16:creationId xmlns:a16="http://schemas.microsoft.com/office/drawing/2014/main" id="{5A0723F1-042D-41C4-AFFC-ACAE064479C8}"/>
+                <a16:creationId xmlns:a16="http://schemas.microsoft.com/office/drawing/2014/main" id="{AD0BE59A-0D45-4867-B33C-395CE61699EB}"/>
               </a:ext>
             </a:extLst>
           </p:cNvPr>
@@ -7089,10 +6972,13 @@
           <a:lstStyle/>
           <a:p>
             <a:r>
-              <a:rPr lang="de-DE" b="1" dirty="0"/>
-              <a:t>K-ANONYMITY </a:t>
-            </a:r>
-            <a:endParaRPr lang="de-DE" dirty="0"/>
+              <a:rPr lang="de-DE" dirty="0" err="1"/>
+              <a:t>Introduction</a:t>
+            </a:r>
+            <a:r>
+              <a:rPr lang="de-DE" dirty="0"/>
+              <a:t> </a:t>
+            </a:r>
           </a:p>
         </p:txBody>
       </p:sp>
@@ -7101,7 +6987,7 @@
           <p:cNvPr id="3" name="Datumsplatzhalter 2">
             <a:extLst>
               <a:ext uri="{FF2B5EF4-FFF2-40B4-BE49-F238E27FC236}">
-                <a16:creationId xmlns:a16="http://schemas.microsoft.com/office/drawing/2014/main" id="{103CC5F7-702F-4FC0-952C-5971C50410ED}"/>
+                <a16:creationId xmlns:a16="http://schemas.microsoft.com/office/drawing/2014/main" id="{5B161148-C93B-4655-9526-210644272623}"/>
               </a:ext>
             </a:extLst>
           </p:cNvPr>
@@ -7112,20 +6998,16 @@
             <p:ph type="dt" sz="half" idx="10"/>
           </p:nvPr>
         </p:nvSpPr>
-        <p:spPr>
-          <a:xfrm>
-            <a:off x="1287463" y="6308725"/>
-            <a:ext cx="1296987" cy="476250"/>
-          </a:xfrm>
-        </p:spPr>
-        <p:txBody>
-          <a:bodyPr/>
-          <a:lstStyle/>
-          <a:p>
-            <a:r>
-              <a:rPr lang="de-DE" dirty="0"/>
-              <a:t>30.01.2017</a:t>
-            </a:r>
+        <p:spPr/>
+        <p:txBody>
+          <a:bodyPr/>
+          <a:lstStyle/>
+          <a:p>
+            <a:r>
+              <a:rPr lang="de-DE"/>
+              <a:t>18.05.2017</a:t>
+            </a:r>
+            <a:endParaRPr lang="de-DE" dirty="0"/>
           </a:p>
         </p:txBody>
       </p:sp>
@@ -7134,7 +7016,7 @@
           <p:cNvPr id="4" name="Fußzeilenplatzhalter 3">
             <a:extLst>
               <a:ext uri="{FF2B5EF4-FFF2-40B4-BE49-F238E27FC236}">
-                <a16:creationId xmlns:a16="http://schemas.microsoft.com/office/drawing/2014/main" id="{E9868874-8302-4945-90E8-6EE4FEFD19BD}"/>
+                <a16:creationId xmlns:a16="http://schemas.microsoft.com/office/drawing/2014/main" id="{23FD21AC-47A8-42DC-94B3-3057AD833459}"/>
               </a:ext>
             </a:extLst>
           </p:cNvPr>
@@ -7151,12 +7033,8 @@
           <a:lstStyle/>
           <a:p>
             <a:r>
-              <a:rPr lang="de-DE" dirty="0"/>
-              <a:t>Andreas Wiegand &amp; Ludwig </a:t>
-            </a:r>
-            <a:r>
-              <a:rPr lang="de-DE" dirty="0" err="1"/>
-              <a:t>Schallner</a:t>
+              <a:rPr lang="de-DE"/>
+              <a:t>Andreas Heimann &amp; Matthias Puchta</a:t>
             </a:r>
             <a:endParaRPr lang="de-DE" dirty="0"/>
           </a:p>
@@ -7167,7 +7045,7 @@
           <p:cNvPr id="5" name="Textplatzhalter 4">
             <a:extLst>
               <a:ext uri="{FF2B5EF4-FFF2-40B4-BE49-F238E27FC236}">
-                <a16:creationId xmlns:a16="http://schemas.microsoft.com/office/drawing/2014/main" id="{62613A04-6545-4A3B-A57A-BCAC8EF8AEF2}"/>
+                <a16:creationId xmlns:a16="http://schemas.microsoft.com/office/drawing/2014/main" id="{C4E095E0-3473-499F-B0AA-C8347014DE6C}"/>
               </a:ext>
             </a:extLst>
           </p:cNvPr>
@@ -7182,86 +7060,68 @@
         <p:txBody>
           <a:bodyPr/>
           <a:lstStyle/>
-          <a:p>
-            <a:r>
-              <a:rPr lang="en-US" dirty="0" err="1"/>
-              <a:t>Tuble</a:t>
-            </a:r>
-            <a:r>
-              <a:rPr lang="en-US" dirty="0"/>
-              <a:t>: </a:t>
-            </a:r>
-            <a:r>
-              <a:rPr lang="fr-FR" i="1" dirty="0"/>
-              <a:t>D</a:t>
-            </a:r>
-            <a:r>
-              <a:rPr lang="fr-FR" dirty="0"/>
-              <a:t>(Explicit Identifier, Quasi Identifier, Sensitive </a:t>
-            </a:r>
-            <a:r>
-              <a:rPr lang="fr-FR" dirty="0" err="1"/>
-              <a:t>Attributes</a:t>
-            </a:r>
-            <a:r>
-              <a:rPr lang="fr-FR" dirty="0"/>
-              <a:t>, </a:t>
-            </a:r>
-            <a:r>
-              <a:rPr lang="de-DE" dirty="0"/>
-              <a:t>Non-Sensitive Attributes),</a:t>
-            </a:r>
-            <a:endParaRPr lang="en-US" dirty="0"/>
-          </a:p>
-          <a:p>
-            <a:endParaRPr lang="en-US" dirty="0"/>
-          </a:p>
-          <a:p>
-            <a:r>
-              <a:rPr lang="en-US" dirty="0" err="1"/>
-              <a:t>dentifiers</a:t>
-            </a:r>
-            <a:r>
-              <a:rPr lang="en-US" dirty="0"/>
-              <a:t> example: passport number, social </a:t>
-            </a:r>
-            <a:r>
-              <a:rPr lang="en-US" dirty="0" err="1"/>
-              <a:t>secutrity</a:t>
-            </a:r>
-            <a:r>
-              <a:rPr lang="en-US" dirty="0"/>
-              <a:t> number, </a:t>
-            </a:r>
-            <a:r>
-              <a:rPr lang="en-US" dirty="0" err="1"/>
-              <a:t>fullname</a:t>
-            </a:r>
-            <a:endParaRPr lang="en-US" dirty="0"/>
-          </a:p>
-          <a:p>
-            <a:r>
-              <a:rPr lang="en-US" dirty="0"/>
-              <a:t>Key attributes are those in X that, in combination,</a:t>
-            </a:r>
-          </a:p>
           <a:p>
             <a:pPr marL="0" indent="0">
               <a:buNone/>
             </a:pPr>
             <a:r>
+              <a:rPr lang="de-DE" i="1" dirty="0" err="1"/>
+              <a:t>identity</a:t>
+            </a:r>
+            <a:r>
+              <a:rPr lang="de-DE" i="1" dirty="0"/>
+              <a:t> </a:t>
+            </a:r>
+            <a:r>
+              <a:rPr lang="de-DE" i="1" dirty="0" err="1"/>
+              <a:t>disclosure</a:t>
+            </a:r>
+            <a:r>
+              <a:rPr lang="de-DE" i="1" dirty="0"/>
+              <a:t> </a:t>
+            </a:r>
+            <a:r>
+              <a:rPr lang="de-DE" dirty="0"/>
+              <a:t>and </a:t>
+            </a:r>
+            <a:r>
+              <a:rPr lang="de-DE" i="1" dirty="0" err="1"/>
+              <a:t>attribute</a:t>
+            </a:r>
+            <a:r>
+              <a:rPr lang="de-DE" i="1" dirty="0"/>
+              <a:t> </a:t>
+            </a:r>
+            <a:r>
+              <a:rPr lang="en-US" i="1" dirty="0"/>
+              <a:t>disclosure</a:t>
+            </a:r>
+            <a:r>
               <a:rPr lang="en-US" dirty="0"/>
-              <a:t>can be linked with external information</a:t>
+              <a:t>. Identity disclosure occurs when an individual is linked to a particular record in the released table. Attribute disclosure occurs when new information about some individuals </a:t>
+            </a:r>
+            <a:r>
+              <a:rPr lang="de-DE" dirty="0" err="1"/>
+              <a:t>is</a:t>
+            </a:r>
+            <a:r>
+              <a:rPr lang="de-DE" dirty="0"/>
+              <a:t> </a:t>
+            </a:r>
+            <a:r>
+              <a:rPr lang="de-DE" dirty="0" err="1"/>
+              <a:t>revealed</a:t>
+            </a:r>
+            <a:r>
+              <a:rPr lang="de-DE" dirty="0"/>
+              <a:t>.</a:t>
             </a:r>
           </a:p>
           <a:p>
             <a:pPr marL="0" indent="0">
               <a:buNone/>
             </a:pPr>
-            <a:r>
-              <a:rPr lang="en-US" dirty="0"/>
-              <a:t>to re-identify (some of) the respondents to whom</a:t>
-            </a:r>
+            <a:endParaRPr lang="de-DE" dirty="0"/>
           </a:p>
           <a:p>
             <a:pPr marL="0" indent="0">
@@ -7269,51 +7129,27 @@
             </a:pPr>
             <a:r>
               <a:rPr lang="en-US" dirty="0"/>
-              <a:t>(some of) the records in X refer. example: jobs, </a:t>
-            </a:r>
-          </a:p>
-          <a:p>
+              <a:t>While the released table gives useful information </a:t>
+            </a:r>
             <a:r>
               <a:rPr lang="en-US" dirty="0" err="1"/>
-              <a:t>Confidentail</a:t>
+              <a:t>toresearchers</a:t>
             </a:r>
             <a:r>
               <a:rPr lang="en-US" dirty="0"/>
-              <a:t> outcome attributes </a:t>
-            </a:r>
-            <a:r>
-              <a:rPr lang="de-DE" dirty="0" err="1"/>
-              <a:t>contain</a:t>
-            </a:r>
-            <a:r>
-              <a:rPr lang="de-DE" dirty="0"/>
-              <a:t> sensitive </a:t>
-            </a:r>
-            <a:r>
-              <a:rPr lang="de-DE" dirty="0" err="1"/>
-              <a:t>information</a:t>
-            </a:r>
-            <a:r>
-              <a:rPr lang="de-DE" dirty="0"/>
-              <a:t> on</a:t>
-            </a:r>
-          </a:p>
-          <a:p>
-            <a:pPr marL="0" indent="0">
-              <a:buNone/>
-            </a:pPr>
+              <a:t>, it presents disclosure risk to the </a:t>
+            </a:r>
+            <a:r>
+              <a:rPr lang="en-US" dirty="0" err="1"/>
+              <a:t>individualswhose</a:t>
+            </a:r>
             <a:r>
               <a:rPr lang="en-US" dirty="0"/>
-              <a:t>the respondent. Examples are salary, religion,</a:t>
-            </a:r>
-          </a:p>
-          <a:p>
-            <a:pPr marL="0" indent="0">
-              <a:buNone/>
-            </a:pPr>
-            <a:r>
-              <a:rPr lang="de-DE" dirty="0" err="1"/>
-              <a:t>political</a:t>
+              <a:t> data are in the table. Therefore, our objective is to limit the disclosure risk to an acceptable level while maximizing the benefit. This is achieved by anonymizing the </a:t>
+            </a:r>
+            <a:r>
+              <a:rPr lang="de-DE" dirty="0" err="1"/>
+              <a:t>data</a:t>
             </a:r>
             <a:r>
               <a:rPr lang="de-DE" dirty="0"/>
@@ -7321,15 +7157,7 @@
             </a:r>
             <a:r>
               <a:rPr lang="de-DE" dirty="0" err="1"/>
-              <a:t>affiliation</a:t>
-            </a:r>
-            <a:r>
-              <a:rPr lang="de-DE" dirty="0"/>
-              <a:t>, </a:t>
-            </a:r>
-            <a:r>
-              <a:rPr lang="de-DE" dirty="0" err="1"/>
-              <a:t>health</a:t>
+              <a:t>before</a:t>
             </a:r>
             <a:r>
               <a:rPr lang="de-DE" dirty="0"/>
@@ -7337,78 +7165,9 @@
             </a:r>
             <a:r>
               <a:rPr lang="de-DE" dirty="0" err="1"/>
-              <a:t>condition</a:t>
-            </a:r>
-            <a:r>
-              <a:rPr lang="de-DE" dirty="0"/>
-              <a:t>, etc.</a:t>
-            </a:r>
-          </a:p>
-          <a:p>
-            <a:pPr marL="0" indent="0">
-              <a:buNone/>
-            </a:pPr>
-            <a:r>
-              <a:rPr lang="de-DE" dirty="0" err="1"/>
-              <a:t>data</a:t>
-            </a:r>
-            <a:r>
-              <a:rPr lang="de-DE" dirty="0"/>
-              <a:t> </a:t>
-            </a:r>
-            <a:r>
-              <a:rPr lang="de-DE" dirty="0" err="1"/>
-              <a:t>recipients</a:t>
-            </a:r>
-            <a:r>
-              <a:rPr lang="de-DE" dirty="0"/>
-              <a:t> – </a:t>
-            </a:r>
-            <a:r>
-              <a:rPr lang="de-DE" dirty="0" err="1"/>
-              <a:t>the</a:t>
-            </a:r>
-            <a:r>
-              <a:rPr lang="de-DE" dirty="0"/>
-              <a:t> </a:t>
-            </a:r>
-            <a:r>
-              <a:rPr lang="de-DE" dirty="0" err="1"/>
-              <a:t>one</a:t>
-            </a:r>
-            <a:r>
-              <a:rPr lang="de-DE" dirty="0"/>
-              <a:t> </a:t>
-            </a:r>
-            <a:r>
-              <a:rPr lang="de-DE" dirty="0" err="1"/>
-              <a:t>who</a:t>
-            </a:r>
-            <a:r>
-              <a:rPr lang="de-DE" dirty="0"/>
-              <a:t> </a:t>
-            </a:r>
-            <a:r>
-              <a:rPr lang="de-DE" dirty="0" err="1"/>
-              <a:t>gets</a:t>
-            </a:r>
-            <a:r>
-              <a:rPr lang="de-DE" dirty="0"/>
-              <a:t> </a:t>
-            </a:r>
-            <a:r>
-              <a:rPr lang="de-DE" dirty="0" err="1"/>
-              <a:t>the</a:t>
-            </a:r>
-            <a:r>
-              <a:rPr lang="de-DE" dirty="0"/>
-              <a:t> </a:t>
-            </a:r>
-            <a:r>
-              <a:rPr lang="de-DE" dirty="0" err="1"/>
-              <a:t>data</a:t>
-            </a:r>
-            <a:endParaRPr lang="en-US" dirty="0"/>
+              <a:t>release</a:t>
+            </a:r>
+            <a:endParaRPr lang="de-DE" dirty="0"/>
           </a:p>
         </p:txBody>
       </p:sp>
@@ -7417,7 +7176,7 @@
           <p:cNvPr id="6" name="Foliennummernplatzhalter 5">
             <a:extLst>
               <a:ext uri="{FF2B5EF4-FFF2-40B4-BE49-F238E27FC236}">
-                <a16:creationId xmlns:a16="http://schemas.microsoft.com/office/drawing/2014/main" id="{13374C8D-92D7-4736-A810-81BDEC032100}"/>
+                <a16:creationId xmlns:a16="http://schemas.microsoft.com/office/drawing/2014/main" id="{7C0CBAD2-D04E-4489-A4D5-1403FF63D8FC}"/>
               </a:ext>
             </a:extLst>
           </p:cNvPr>
@@ -7445,7 +7204,7 @@
     </p:spTree>
     <p:extLst>
       <p:ext uri="{BB962C8B-B14F-4D97-AF65-F5344CB8AC3E}">
-        <p14:creationId xmlns:p14="http://schemas.microsoft.com/office/powerpoint/2010/main" val="3880687761"/>
+        <p14:creationId xmlns:p14="http://schemas.microsoft.com/office/powerpoint/2010/main" val="3426838914"/>
       </p:ext>
     </p:extLst>
   </p:cSld>
@@ -7477,7 +7236,7 @@
           <p:cNvPr id="2" name="Titel 1">
             <a:extLst>
               <a:ext uri="{FF2B5EF4-FFF2-40B4-BE49-F238E27FC236}">
-                <a16:creationId xmlns:a16="http://schemas.microsoft.com/office/drawing/2014/main" id="{AD0BE59A-0D45-4867-B33C-395CE61699EB}"/>
+                <a16:creationId xmlns:a16="http://schemas.microsoft.com/office/drawing/2014/main" id="{5A0723F1-042D-41C4-AFFC-ACAE064479C8}"/>
               </a:ext>
             </a:extLst>
           </p:cNvPr>
@@ -7494,16 +7253,8 @@
           <a:lstStyle/>
           <a:p>
             <a:r>
-              <a:rPr lang="de-DE" dirty="0" err="1"/>
-              <a:t>Introduction</a:t>
-            </a:r>
-            <a:r>
-              <a:rPr lang="de-DE" dirty="0"/>
-              <a:t> – </a:t>
-            </a:r>
-            <a:r>
-              <a:rPr lang="de-DE" dirty="0" err="1"/>
-              <a:t>cont‘d</a:t>
+              <a:rPr lang="de-DE" b="1" dirty="0"/>
+              <a:t>K-ANONYMITY </a:t>
             </a:r>
             <a:endParaRPr lang="de-DE" dirty="0"/>
           </a:p>
@@ -7514,7 +7265,7 @@
           <p:cNvPr id="3" name="Datumsplatzhalter 2">
             <a:extLst>
               <a:ext uri="{FF2B5EF4-FFF2-40B4-BE49-F238E27FC236}">
-                <a16:creationId xmlns:a16="http://schemas.microsoft.com/office/drawing/2014/main" id="{5B161148-C93B-4655-9526-210644272623}"/>
+                <a16:creationId xmlns:a16="http://schemas.microsoft.com/office/drawing/2014/main" id="{103CC5F7-702F-4FC0-952C-5971C50410ED}"/>
               </a:ext>
             </a:extLst>
           </p:cNvPr>
@@ -7525,16 +7276,20 @@
             <p:ph type="dt" sz="half" idx="10"/>
           </p:nvPr>
         </p:nvSpPr>
-        <p:spPr/>
-        <p:txBody>
-          <a:bodyPr/>
-          <a:lstStyle/>
-          <a:p>
-            <a:r>
-              <a:rPr lang="de-DE"/>
-              <a:t>18.05.2017</a:t>
-            </a:r>
-            <a:endParaRPr lang="de-DE" dirty="0"/>
+        <p:spPr>
+          <a:xfrm>
+            <a:off x="1287463" y="6308725"/>
+            <a:ext cx="1296987" cy="476250"/>
+          </a:xfrm>
+        </p:spPr>
+        <p:txBody>
+          <a:bodyPr/>
+          <a:lstStyle/>
+          <a:p>
+            <a:r>
+              <a:rPr lang="de-DE" dirty="0"/>
+              <a:t>30.01.2017</a:t>
+            </a:r>
           </a:p>
         </p:txBody>
       </p:sp>
@@ -7543,7 +7298,7 @@
           <p:cNvPr id="4" name="Fußzeilenplatzhalter 3">
             <a:extLst>
               <a:ext uri="{FF2B5EF4-FFF2-40B4-BE49-F238E27FC236}">
-                <a16:creationId xmlns:a16="http://schemas.microsoft.com/office/drawing/2014/main" id="{23FD21AC-47A8-42DC-94B3-3057AD833459}"/>
+                <a16:creationId xmlns:a16="http://schemas.microsoft.com/office/drawing/2014/main" id="{E9868874-8302-4945-90E8-6EE4FEFD19BD}"/>
               </a:ext>
             </a:extLst>
           </p:cNvPr>
@@ -7560,8 +7315,12 @@
           <a:lstStyle/>
           <a:p>
             <a:r>
-              <a:rPr lang="de-DE"/>
-              <a:t>Andreas Heimann &amp; Matthias Puchta</a:t>
+              <a:rPr lang="de-DE" dirty="0"/>
+              <a:t>Andreas Wiegand &amp; Ludwig </a:t>
+            </a:r>
+            <a:r>
+              <a:rPr lang="de-DE" dirty="0" err="1"/>
+              <a:t>Schallner</a:t>
             </a:r>
             <a:endParaRPr lang="de-DE" dirty="0"/>
           </a:p>
@@ -7572,7 +7331,7 @@
           <p:cNvPr id="5" name="Textplatzhalter 4">
             <a:extLst>
               <a:ext uri="{FF2B5EF4-FFF2-40B4-BE49-F238E27FC236}">
-                <a16:creationId xmlns:a16="http://schemas.microsoft.com/office/drawing/2014/main" id="{C4E095E0-3473-499F-B0AA-C8347014DE6C}"/>
+                <a16:creationId xmlns:a16="http://schemas.microsoft.com/office/drawing/2014/main" id="{62613A04-6545-4A3B-A57A-BCAC8EF8AEF2}"/>
               </a:ext>
             </a:extLst>
           </p:cNvPr>
@@ -7587,65 +7346,83 @@
         <p:txBody>
           <a:bodyPr/>
           <a:lstStyle/>
+          <a:p>
+            <a:r>
+              <a:rPr lang="en-US" dirty="0" err="1"/>
+              <a:t>Tuble</a:t>
+            </a:r>
+            <a:r>
+              <a:rPr lang="en-US" dirty="0"/>
+              <a:t>: </a:t>
+            </a:r>
+            <a:r>
+              <a:rPr lang="fr-FR" i="1" dirty="0"/>
+              <a:t>D</a:t>
+            </a:r>
+            <a:r>
+              <a:rPr lang="fr-FR" dirty="0"/>
+              <a:t>(Explicit Identifier, Quasi Identifier, Sensitive </a:t>
+            </a:r>
+            <a:r>
+              <a:rPr lang="fr-FR" dirty="0" err="1"/>
+              <a:t>Attributes</a:t>
+            </a:r>
+            <a:r>
+              <a:rPr lang="fr-FR" dirty="0"/>
+              <a:t>, </a:t>
+            </a:r>
+            <a:r>
+              <a:rPr lang="de-DE" dirty="0"/>
+              <a:t>Non-Sensitive Attributes),</a:t>
+            </a:r>
+            <a:endParaRPr lang="en-US" dirty="0"/>
+          </a:p>
+          <a:p>
+            <a:r>
+              <a:rPr lang="en-US" dirty="0" err="1"/>
+              <a:t>dentifiers</a:t>
+            </a:r>
+            <a:r>
+              <a:rPr lang="en-US" dirty="0"/>
+              <a:t> example: passport number, social </a:t>
+            </a:r>
+            <a:r>
+              <a:rPr lang="en-US" dirty="0" err="1"/>
+              <a:t>secutrity</a:t>
+            </a:r>
+            <a:r>
+              <a:rPr lang="en-US" dirty="0"/>
+              <a:t> number, </a:t>
+            </a:r>
+            <a:r>
+              <a:rPr lang="en-US" dirty="0" err="1"/>
+              <a:t>fullname</a:t>
+            </a:r>
+            <a:endParaRPr lang="en-US" dirty="0"/>
+          </a:p>
+          <a:p>
+            <a:r>
+              <a:rPr lang="en-US" dirty="0"/>
+              <a:t>Key attributes are those in X that, in combination,</a:t>
+            </a:r>
+          </a:p>
           <a:p>
             <a:pPr marL="0" indent="0">
               <a:buNone/>
             </a:pPr>
             <a:r>
-              <a:rPr lang="de-DE" i="1" dirty="0" err="1"/>
-              <a:t>identity</a:t>
-            </a:r>
-            <a:r>
-              <a:rPr lang="de-DE" i="1" dirty="0"/>
-              <a:t> </a:t>
-            </a:r>
-            <a:r>
-              <a:rPr lang="de-DE" i="1" dirty="0" err="1"/>
-              <a:t>disclosure</a:t>
-            </a:r>
-            <a:r>
-              <a:rPr lang="de-DE" i="1" dirty="0"/>
-              <a:t> </a:t>
-            </a:r>
-            <a:r>
-              <a:rPr lang="de-DE" dirty="0"/>
-              <a:t>and </a:t>
-            </a:r>
-            <a:r>
-              <a:rPr lang="de-DE" i="1" dirty="0" err="1"/>
-              <a:t>attribute</a:t>
-            </a:r>
-            <a:r>
-              <a:rPr lang="de-DE" i="1" dirty="0"/>
-              <a:t> </a:t>
-            </a:r>
-            <a:r>
-              <a:rPr lang="en-US" i="1" dirty="0"/>
-              <a:t>disclosure</a:t>
-            </a:r>
-            <a:r>
               <a:rPr lang="en-US" dirty="0"/>
-              <a:t>. Identity disclosure occurs when an individual is linked to a particular record in the released table. Attribute disclosure occurs when new information about some individuals </a:t>
-            </a:r>
-            <a:r>
-              <a:rPr lang="de-DE" dirty="0" err="1"/>
-              <a:t>is</a:t>
-            </a:r>
-            <a:r>
-              <a:rPr lang="de-DE" dirty="0"/>
-              <a:t> </a:t>
-            </a:r>
-            <a:r>
-              <a:rPr lang="de-DE" dirty="0" err="1"/>
-              <a:t>revealed</a:t>
-            </a:r>
-            <a:endParaRPr lang="de-DE" dirty="0"/>
+              <a:t>can be linked with external information</a:t>
+            </a:r>
           </a:p>
           <a:p>
             <a:pPr marL="0" indent="0">
               <a:buNone/>
             </a:pPr>
-            <a:endParaRPr lang="de-DE" dirty="0"/>
+            <a:r>
+              <a:rPr lang="en-US" dirty="0"/>
+              <a:t>to re-identify (some of) the respondents to whom</a:t>
+            </a:r>
           </a:p>
           <a:p>
             <a:pPr marL="0" indent="0">
@@ -7653,24 +7430,85 @@
             </a:pPr>
             <a:r>
               <a:rPr lang="en-US" dirty="0"/>
-              <a:t>While the released table gives useful information </a:t>
-            </a:r>
+              <a:t>(some of) the records in X refer. example: jobs, </a:t>
+            </a:r>
+          </a:p>
+          <a:p>
             <a:r>
               <a:rPr lang="en-US" dirty="0" err="1"/>
-              <a:t>toresearchers</a:t>
+              <a:t>Confidentail</a:t>
             </a:r>
             <a:r>
               <a:rPr lang="en-US" dirty="0"/>
-              <a:t>, it presents disclosure risk to the </a:t>
-            </a:r>
-            <a:r>
-              <a:rPr lang="en-US" dirty="0" err="1"/>
-              <a:t>individualswhose</a:t>
-            </a:r>
+              <a:t> outcome attributes </a:t>
+            </a:r>
+            <a:r>
+              <a:rPr lang="de-DE" dirty="0" err="1"/>
+              <a:t>contain</a:t>
+            </a:r>
+            <a:r>
+              <a:rPr lang="de-DE" dirty="0"/>
+              <a:t> sensitive </a:t>
+            </a:r>
+            <a:r>
+              <a:rPr lang="de-DE" dirty="0" err="1"/>
+              <a:t>information</a:t>
+            </a:r>
+            <a:r>
+              <a:rPr lang="de-DE" dirty="0"/>
+              <a:t> on</a:t>
+            </a:r>
+          </a:p>
+          <a:p>
+            <a:pPr marL="0" indent="0">
+              <a:buNone/>
+            </a:pPr>
             <a:r>
               <a:rPr lang="en-US" dirty="0"/>
-              <a:t> data are in the table. Therefore, our objective is to limit the disclosure risk to an acceptable level while maximizing the benefit. This is achieved by anonymizing the </a:t>
-            </a:r>
+              <a:t>the respondent. Examples are salary, religion,</a:t>
+            </a:r>
+          </a:p>
+          <a:p>
+            <a:pPr marL="0" indent="0">
+              <a:buNone/>
+            </a:pPr>
+            <a:r>
+              <a:rPr lang="de-DE" dirty="0" err="1"/>
+              <a:t>political</a:t>
+            </a:r>
+            <a:r>
+              <a:rPr lang="de-DE" dirty="0"/>
+              <a:t> </a:t>
+            </a:r>
+            <a:r>
+              <a:rPr lang="de-DE" dirty="0" err="1"/>
+              <a:t>affiliation</a:t>
+            </a:r>
+            <a:r>
+              <a:rPr lang="de-DE" dirty="0"/>
+              <a:t>, </a:t>
+            </a:r>
+            <a:r>
+              <a:rPr lang="de-DE" dirty="0" err="1"/>
+              <a:t>health</a:t>
+            </a:r>
+            <a:r>
+              <a:rPr lang="de-DE" dirty="0"/>
+              <a:t> </a:t>
+            </a:r>
+            <a:r>
+              <a:rPr lang="de-DE" dirty="0" err="1"/>
+              <a:t>condition</a:t>
+            </a:r>
+            <a:r>
+              <a:rPr lang="de-DE" dirty="0"/>
+              <a:t>, etc.</a:t>
+            </a:r>
+          </a:p>
+          <a:p>
+            <a:pPr marL="0" indent="0">
+              <a:buNone/>
+            </a:pPr>
             <a:r>
               <a:rPr lang="de-DE" dirty="0" err="1"/>
               <a:t>data</a:t>
@@ -7681,7 +7519,15 @@
             </a:r>
             <a:r>
               <a:rPr lang="de-DE" dirty="0" err="1"/>
-              <a:t>before</a:t>
+              <a:t>recipients</a:t>
+            </a:r>
+            <a:r>
+              <a:rPr lang="de-DE" dirty="0"/>
+              <a:t> – </a:t>
+            </a:r>
+            <a:r>
+              <a:rPr lang="de-DE" dirty="0" err="1"/>
+              <a:t>the</a:t>
             </a:r>
             <a:r>
               <a:rPr lang="de-DE" dirty="0"/>
@@ -7689,9 +7535,41 @@
             </a:r>
             <a:r>
               <a:rPr lang="de-DE" dirty="0" err="1"/>
-              <a:t>release</a:t>
-            </a:r>
-            <a:endParaRPr lang="de-DE" dirty="0"/>
+              <a:t>one</a:t>
+            </a:r>
+            <a:r>
+              <a:rPr lang="de-DE" dirty="0"/>
+              <a:t> </a:t>
+            </a:r>
+            <a:r>
+              <a:rPr lang="de-DE" dirty="0" err="1"/>
+              <a:t>who</a:t>
+            </a:r>
+            <a:r>
+              <a:rPr lang="de-DE" dirty="0"/>
+              <a:t> </a:t>
+            </a:r>
+            <a:r>
+              <a:rPr lang="de-DE" dirty="0" err="1"/>
+              <a:t>gets</a:t>
+            </a:r>
+            <a:r>
+              <a:rPr lang="de-DE" dirty="0"/>
+              <a:t> </a:t>
+            </a:r>
+            <a:r>
+              <a:rPr lang="de-DE" dirty="0" err="1"/>
+              <a:t>the</a:t>
+            </a:r>
+            <a:r>
+              <a:rPr lang="de-DE" dirty="0"/>
+              <a:t> </a:t>
+            </a:r>
+            <a:r>
+              <a:rPr lang="de-DE" dirty="0" err="1"/>
+              <a:t>data</a:t>
+            </a:r>
+            <a:endParaRPr lang="en-US" dirty="0"/>
           </a:p>
         </p:txBody>
       </p:sp>
@@ -7700,7 +7578,7 @@
           <p:cNvPr id="6" name="Foliennummernplatzhalter 5">
             <a:extLst>
               <a:ext uri="{FF2B5EF4-FFF2-40B4-BE49-F238E27FC236}">
-                <a16:creationId xmlns:a16="http://schemas.microsoft.com/office/drawing/2014/main" id="{7C0CBAD2-D04E-4489-A4D5-1403FF63D8FC}"/>
+                <a16:creationId xmlns:a16="http://schemas.microsoft.com/office/drawing/2014/main" id="{13374C8D-92D7-4736-A810-81BDEC032100}"/>
               </a:ext>
             </a:extLst>
           </p:cNvPr>
@@ -7728,7 +7606,7 @@
     </p:spTree>
     <p:extLst>
       <p:ext uri="{BB962C8B-B14F-4D97-AF65-F5344CB8AC3E}">
-        <p14:creationId xmlns:p14="http://schemas.microsoft.com/office/powerpoint/2010/main" val="3426838914"/>
+        <p14:creationId xmlns:p14="http://schemas.microsoft.com/office/powerpoint/2010/main" val="3880687761"/>
       </p:ext>
     </p:extLst>
   </p:cSld>
@@ -7760,7 +7638,7 @@
           <p:cNvPr id="2" name="Titel 1">
             <a:extLst>
               <a:ext uri="{FF2B5EF4-FFF2-40B4-BE49-F238E27FC236}">
-                <a16:creationId xmlns:a16="http://schemas.microsoft.com/office/drawing/2014/main" id="{38988ACC-FE30-4F7F-9CBE-055EE8ABEAEE}"/>
+                <a16:creationId xmlns:a16="http://schemas.microsoft.com/office/drawing/2014/main" id="{5A696494-2619-425B-9A88-26F6239A8C0F}"/>
               </a:ext>
             </a:extLst>
           </p:cNvPr>
@@ -7777,8 +7655,12 @@
           <a:lstStyle/>
           <a:p>
             <a:r>
+              <a:rPr lang="de-DE" b="1" dirty="0" err="1"/>
+              <a:t>Attacks</a:t>
+            </a:r>
+            <a:r>
               <a:rPr lang="de-DE" b="1" dirty="0"/>
-              <a:t>EXTENDED SCENARIOS - Multiple Release Publishing</a:t>
+              <a:t> on K-ANONYMITY </a:t>
             </a:r>
             <a:endParaRPr lang="de-DE" dirty="0"/>
           </a:p>
@@ -7789,7 +7671,7 @@
           <p:cNvPr id="3" name="Datumsplatzhalter 2">
             <a:extLst>
               <a:ext uri="{FF2B5EF4-FFF2-40B4-BE49-F238E27FC236}">
-                <a16:creationId xmlns:a16="http://schemas.microsoft.com/office/drawing/2014/main" id="{BF500157-96C0-43C1-A6BB-EE34AFAA1AE9}"/>
+                <a16:creationId xmlns:a16="http://schemas.microsoft.com/office/drawing/2014/main" id="{2B614201-281B-41E9-A020-0CDA277467C3}"/>
               </a:ext>
             </a:extLst>
           </p:cNvPr>
@@ -7818,7 +7700,7 @@
           <p:cNvPr id="4" name="Fußzeilenplatzhalter 3">
             <a:extLst>
               <a:ext uri="{FF2B5EF4-FFF2-40B4-BE49-F238E27FC236}">
-                <a16:creationId xmlns:a16="http://schemas.microsoft.com/office/drawing/2014/main" id="{33CA98EC-81F3-4917-8EC2-B87B4BA5E0DA}"/>
+                <a16:creationId xmlns:a16="http://schemas.microsoft.com/office/drawing/2014/main" id="{E5DE40AE-BF51-40C8-A6E9-F8B2204521CC}"/>
               </a:ext>
             </a:extLst>
           </p:cNvPr>
@@ -7835,8 +7717,12 @@
           <a:lstStyle/>
           <a:p>
             <a:r>
-              <a:rPr lang="de-DE"/>
-              <a:t>Andreas Heimann &amp; Matthias Puchta</a:t>
+              <a:rPr lang="de-DE" dirty="0"/>
+              <a:t>Andreas Wiegand &amp; Ludwig </a:t>
+            </a:r>
+            <a:r>
+              <a:rPr lang="de-DE" dirty="0" err="1"/>
+              <a:t>Schallner</a:t>
             </a:r>
             <a:endParaRPr lang="de-DE" dirty="0"/>
           </a:p>
@@ -7847,7 +7733,7 @@
           <p:cNvPr id="5" name="Textplatzhalter 4">
             <a:extLst>
               <a:ext uri="{FF2B5EF4-FFF2-40B4-BE49-F238E27FC236}">
-                <a16:creationId xmlns:a16="http://schemas.microsoft.com/office/drawing/2014/main" id="{180A2763-90D6-4DB9-8C81-F0FAA86DD5C2}"/>
+                <a16:creationId xmlns:a16="http://schemas.microsoft.com/office/drawing/2014/main" id="{AB5F7A7E-01C8-48FD-8047-5A2134437BC9}"/>
               </a:ext>
             </a:extLst>
           </p:cNvPr>
@@ -7864,8 +7750,124 @@
           <a:lstStyle/>
           <a:p>
             <a:r>
-              <a:rPr lang="de-DE" dirty="0" err="1"/>
-              <a:t>Example</a:t>
+              <a:rPr lang="de-DE" b="1" dirty="0" err="1"/>
+              <a:t>Homogeneity</a:t>
+            </a:r>
+            <a:r>
+              <a:rPr lang="de-DE" b="1" dirty="0"/>
+              <a:t> </a:t>
+            </a:r>
+            <a:r>
+              <a:rPr lang="de-DE" b="1" dirty="0" err="1"/>
+              <a:t>Attack</a:t>
+            </a:r>
+            <a:r>
+              <a:rPr lang="de-DE" b="1" dirty="0"/>
+              <a:t>: </a:t>
+            </a:r>
+          </a:p>
+          <a:p>
+            <a:r>
+              <a:rPr lang="de-DE" b="1" dirty="0"/>
+              <a:t>Background Knowledge </a:t>
+            </a:r>
+            <a:r>
+              <a:rPr lang="de-DE" b="1" dirty="0" err="1"/>
+              <a:t>Attack</a:t>
+            </a:r>
+            <a:r>
+              <a:rPr lang="de-DE" b="1" dirty="0"/>
+              <a:t>/</a:t>
+            </a:r>
+            <a:r>
+              <a:rPr lang="de-DE" b="1" dirty="0" err="1"/>
+              <a:t>attribute</a:t>
+            </a:r>
+            <a:r>
+              <a:rPr lang="de-DE" b="1" dirty="0"/>
+              <a:t> </a:t>
+            </a:r>
+            <a:r>
+              <a:rPr lang="de-DE" b="1" dirty="0" err="1"/>
+              <a:t>linkage</a:t>
+            </a:r>
+            <a:r>
+              <a:rPr lang="de-DE" b="1" dirty="0"/>
+              <a:t>: </a:t>
+            </a:r>
+          </a:p>
+          <a:p>
+            <a:r>
+              <a:rPr lang="de-DE" b="1" dirty="0" err="1"/>
+              <a:t>Unsorted</a:t>
+            </a:r>
+            <a:r>
+              <a:rPr lang="de-DE" b="1" dirty="0"/>
+              <a:t> </a:t>
+            </a:r>
+            <a:r>
+              <a:rPr lang="de-DE" b="1" dirty="0" err="1"/>
+              <a:t>Matching</a:t>
+            </a:r>
+            <a:r>
+              <a:rPr lang="de-DE" b="1" dirty="0"/>
+              <a:t> </a:t>
+            </a:r>
+            <a:r>
+              <a:rPr lang="de-DE" b="1" dirty="0" err="1"/>
+              <a:t>Attacks</a:t>
+            </a:r>
+            <a:r>
+              <a:rPr lang="de-DE" b="1" dirty="0"/>
+              <a:t> </a:t>
+            </a:r>
+          </a:p>
+          <a:p>
+            <a:r>
+              <a:rPr lang="de-DE" b="1" dirty="0" err="1"/>
+              <a:t>Complementary</a:t>
+            </a:r>
+            <a:r>
+              <a:rPr lang="de-DE" b="1" dirty="0"/>
+              <a:t> Release </a:t>
+            </a:r>
+            <a:r>
+              <a:rPr lang="de-DE" b="1" dirty="0" err="1"/>
+              <a:t>Attack</a:t>
+            </a:r>
+            <a:r>
+              <a:rPr lang="de-DE" b="1" dirty="0"/>
+              <a:t>: </a:t>
+            </a:r>
+          </a:p>
+          <a:p>
+            <a:r>
+              <a:rPr lang="de-DE" b="1" dirty="0"/>
+              <a:t>Temporal </a:t>
+            </a:r>
+            <a:r>
+              <a:rPr lang="de-DE" b="1" dirty="0" err="1"/>
+              <a:t>Attack</a:t>
+            </a:r>
+            <a:r>
+              <a:rPr lang="de-DE" b="1" dirty="0"/>
+              <a:t>: </a:t>
+            </a:r>
+          </a:p>
+          <a:p>
+            <a:r>
+              <a:rPr lang="de-DE" b="1" dirty="0" err="1"/>
+              <a:t>Insufficient</a:t>
+            </a:r>
+            <a:r>
+              <a:rPr lang="de-DE" b="1" dirty="0"/>
+              <a:t> Knowledge: </a:t>
+            </a:r>
+          </a:p>
+          <a:p>
+            <a:r>
+              <a:rPr lang="en-US" b="1" dirty="0"/>
+              <a:t>The Adversary’s Knowledge is Unknown </a:t>
             </a:r>
             <a:endParaRPr lang="de-DE" dirty="0"/>
           </a:p>
@@ -7876,7 +7878,7 @@
           <p:cNvPr id="6" name="Foliennummernplatzhalter 5">
             <a:extLst>
               <a:ext uri="{FF2B5EF4-FFF2-40B4-BE49-F238E27FC236}">
-                <a16:creationId xmlns:a16="http://schemas.microsoft.com/office/drawing/2014/main" id="{BA0AECC7-A9A9-4169-950B-A45FCB73BD9B}"/>
+                <a16:creationId xmlns:a16="http://schemas.microsoft.com/office/drawing/2014/main" id="{09410FF4-2E0F-4E88-A69A-145B229403F7}"/>
               </a:ext>
             </a:extLst>
           </p:cNvPr>
@@ -7904,7 +7906,7 @@
     </p:spTree>
     <p:extLst>
       <p:ext uri="{BB962C8B-B14F-4D97-AF65-F5344CB8AC3E}">
-        <p14:creationId xmlns:p14="http://schemas.microsoft.com/office/powerpoint/2010/main" val="187468848"/>
+        <p14:creationId xmlns:p14="http://schemas.microsoft.com/office/powerpoint/2010/main" val="2188498306"/>
       </p:ext>
     </p:extLst>
   </p:cSld>
@@ -7936,7 +7938,7 @@
           <p:cNvPr id="2" name="Titel 1">
             <a:extLst>
               <a:ext uri="{FF2B5EF4-FFF2-40B4-BE49-F238E27FC236}">
-                <a16:creationId xmlns:a16="http://schemas.microsoft.com/office/drawing/2014/main" id="{8E25D8BA-34BD-4AB3-A8F1-5BE24DA46ED2}"/>
+                <a16:creationId xmlns:a16="http://schemas.microsoft.com/office/drawing/2014/main" id="{38988ACC-FE30-4F7F-9CBE-055EE8ABEAEE}"/>
               </a:ext>
             </a:extLst>
           </p:cNvPr>
@@ -7953,18 +7955,10 @@
           <a:lstStyle/>
           <a:p>
             <a:r>
-              <a:rPr lang="de-DE" sz="1800" b="1" dirty="0"/>
-              <a:t>EXTENDED SCENARIOS – </a:t>
-            </a:r>
-            <a:r>
-              <a:rPr lang="de-DE" sz="1800" b="1" dirty="0" err="1"/>
-              <a:t>Sequential</a:t>
-            </a:r>
-            <a:r>
-              <a:rPr lang="de-DE" sz="1800" b="1" dirty="0"/>
-              <a:t> Release Publishing</a:t>
-            </a:r>
-            <a:endParaRPr lang="de-DE" sz="1800" dirty="0"/>
+              <a:rPr lang="de-DE" b="1" dirty="0"/>
+              <a:t>EXTENDED SCENARIOS - Multiple Release Publishing</a:t>
+            </a:r>
+            <a:endParaRPr lang="de-DE" dirty="0"/>
           </a:p>
         </p:txBody>
       </p:sp>
@@ -7973,7 +7967,7 @@
           <p:cNvPr id="3" name="Datumsplatzhalter 2">
             <a:extLst>
               <a:ext uri="{FF2B5EF4-FFF2-40B4-BE49-F238E27FC236}">
-                <a16:creationId xmlns:a16="http://schemas.microsoft.com/office/drawing/2014/main" id="{5079DD1B-902A-432A-8C60-C4C83007992A}"/>
+                <a16:creationId xmlns:a16="http://schemas.microsoft.com/office/drawing/2014/main" id="{BF500157-96C0-43C1-A6BB-EE34AFAA1AE9}"/>
               </a:ext>
             </a:extLst>
           </p:cNvPr>
@@ -8002,7 +7996,7 @@
           <p:cNvPr id="4" name="Fußzeilenplatzhalter 3">
             <a:extLst>
               <a:ext uri="{FF2B5EF4-FFF2-40B4-BE49-F238E27FC236}">
-                <a16:creationId xmlns:a16="http://schemas.microsoft.com/office/drawing/2014/main" id="{7EFECC64-6F1A-4381-9B68-BF04EF1814E1}"/>
+                <a16:creationId xmlns:a16="http://schemas.microsoft.com/office/drawing/2014/main" id="{33CA98EC-81F3-4917-8EC2-B87B4BA5E0DA}"/>
               </a:ext>
             </a:extLst>
           </p:cNvPr>
@@ -8031,7 +8025,7 @@
           <p:cNvPr id="5" name="Textplatzhalter 4">
             <a:extLst>
               <a:ext uri="{FF2B5EF4-FFF2-40B4-BE49-F238E27FC236}">
-                <a16:creationId xmlns:a16="http://schemas.microsoft.com/office/drawing/2014/main" id="{6609FEC9-4889-4738-8FAA-9EDCD59C8959}"/>
+                <a16:creationId xmlns:a16="http://schemas.microsoft.com/office/drawing/2014/main" id="{180A2763-90D6-4DB9-8C81-F0FAA86DD5C2}"/>
               </a:ext>
             </a:extLst>
           </p:cNvPr>
@@ -8048,143 +8042,8 @@
           <a:lstStyle/>
           <a:p>
             <a:r>
-              <a:rPr lang="en-US" dirty="0"/>
-              <a:t>In some other scenarios, the data is released continuously</a:t>
-            </a:r>
-          </a:p>
-          <a:p>
-            <a:pPr marL="0" indent="0">
-              <a:buNone/>
-            </a:pPr>
-            <a:r>
-              <a:rPr lang="en-US" dirty="0"/>
-              <a:t>and sequentially as new information becomes available.</a:t>
-            </a:r>
-          </a:p>
-          <a:p>
-            <a:r>
-              <a:rPr lang="de-DE" dirty="0" err="1"/>
-              <a:t>Consider</a:t>
-            </a:r>
-            <a:r>
-              <a:rPr lang="de-DE" dirty="0"/>
-              <a:t> </a:t>
-            </a:r>
-            <a:r>
-              <a:rPr lang="de-DE" dirty="0" err="1"/>
-              <a:t>the</a:t>
-            </a:r>
-            <a:r>
-              <a:rPr lang="de-DE" dirty="0"/>
-              <a:t> </a:t>
-            </a:r>
-            <a:r>
-              <a:rPr lang="de-DE" dirty="0" err="1"/>
-              <a:t>problem</a:t>
-            </a:r>
-            <a:r>
-              <a:rPr lang="de-DE" dirty="0"/>
-              <a:t> </a:t>
-            </a:r>
-            <a:r>
-              <a:rPr lang="de-DE" dirty="0" err="1"/>
-              <a:t>of</a:t>
-            </a:r>
-            <a:r>
-              <a:rPr lang="en-US" i="1" dirty="0"/>
-              <a:t>sequential anonymization </a:t>
-            </a:r>
-            <a:r>
-              <a:rPr lang="en-US" dirty="0"/>
-              <a:t>[Wang and Fung 2006]: a data publisher has </a:t>
-            </a:r>
-            <a:r>
-              <a:rPr lang="en-US" i="1" dirty="0" err="1"/>
-              <a:t>previously</a:t>
-            </a:r>
-            <a:r>
-              <a:rPr lang="en-US" dirty="0" err="1"/>
-              <a:t>released</a:t>
-            </a:r>
-            <a:r>
-              <a:rPr lang="en-US" dirty="0"/>
-              <a:t> </a:t>
-            </a:r>
-            <a:r>
-              <a:rPr lang="en-US" i="1" dirty="0"/>
-              <a:t>T</a:t>
-            </a:r>
-            <a:r>
-              <a:rPr lang="en-US" dirty="0"/>
-              <a:t>1</a:t>
-            </a:r>
-            <a:r>
-              <a:rPr lang="en-US" i="1" dirty="0"/>
-              <a:t>, . . . , Tp</a:t>
-            </a:r>
-            <a:r>
-              <a:rPr lang="en-US" dirty="0"/>
-              <a:t>−1 and </a:t>
-            </a:r>
-            <a:r>
-              <a:rPr lang="en-US" i="1" dirty="0"/>
-              <a:t>now </a:t>
-            </a:r>
-            <a:r>
-              <a:rPr lang="en-US" dirty="0"/>
-              <a:t>wants to publish the next release </a:t>
-            </a:r>
-            <a:r>
-              <a:rPr lang="en-US" i="1" dirty="0" err="1"/>
-              <a:t>Tp</a:t>
-            </a:r>
-            <a:r>
-              <a:rPr lang="en-US" dirty="0"/>
-              <a:t>, where all </a:t>
-            </a:r>
-            <a:r>
-              <a:rPr lang="en-US" i="1" dirty="0" err="1"/>
-              <a:t>Ti</a:t>
-            </a:r>
-            <a:r>
-              <a:rPr lang="en-US" dirty="0" err="1"/>
-              <a:t>are</a:t>
-            </a:r>
-            <a:r>
-              <a:rPr lang="en-US" dirty="0"/>
-              <a:t> projections of the same underlying table, and each </a:t>
-            </a:r>
-            <a:r>
-              <a:rPr lang="en-US" i="1" dirty="0"/>
-              <a:t>individual release</a:t>
-            </a:r>
-            <a:r>
-              <a:rPr lang="en-US" dirty="0"/>
-              <a:t>, not </a:t>
-            </a:r>
-            <a:r>
-              <a:rPr lang="en-US" dirty="0" err="1"/>
-              <a:t>thejoin</a:t>
-            </a:r>
-            <a:r>
-              <a:rPr lang="en-US" dirty="0"/>
-              <a:t>, serves a data mining purpose. The data publisher wants to prevent record and attribute linkages through the join of </a:t>
-            </a:r>
-            <a:r>
-              <a:rPr lang="en-US" i="1" dirty="0"/>
-              <a:t>T</a:t>
-            </a:r>
-            <a:r>
-              <a:rPr lang="en-US" dirty="0"/>
-              <a:t>1</a:t>
-            </a:r>
-            <a:r>
-              <a:rPr lang="en-US" i="1" dirty="0"/>
-              <a:t>, . . . , Tp</a:t>
-            </a:r>
-            <a:r>
-              <a:rPr lang="en-US" dirty="0"/>
-              <a:t>.</a:t>
+              <a:rPr lang="de-DE" dirty="0" err="1"/>
+              <a:t>Example</a:t>
             </a:r>
             <a:endParaRPr lang="de-DE" dirty="0"/>
           </a:p>
@@ -8195,7 +8054,7 @@
           <p:cNvPr id="6" name="Foliennummernplatzhalter 5">
             <a:extLst>
               <a:ext uri="{FF2B5EF4-FFF2-40B4-BE49-F238E27FC236}">
-                <a16:creationId xmlns:a16="http://schemas.microsoft.com/office/drawing/2014/main" id="{AB93F62D-EA09-4552-880A-D595452A36E3}"/>
+                <a16:creationId xmlns:a16="http://schemas.microsoft.com/office/drawing/2014/main" id="{BA0AECC7-A9A9-4169-950B-A45FCB73BD9B}"/>
               </a:ext>
             </a:extLst>
           </p:cNvPr>
@@ -8223,7 +8082,7 @@
     </p:spTree>
     <p:extLst>
       <p:ext uri="{BB962C8B-B14F-4D97-AF65-F5344CB8AC3E}">
-        <p14:creationId xmlns:p14="http://schemas.microsoft.com/office/powerpoint/2010/main" val="4223311860"/>
+        <p14:creationId xmlns:p14="http://schemas.microsoft.com/office/powerpoint/2010/main" val="187468848"/>
       </p:ext>
     </p:extLst>
   </p:cSld>
@@ -8255,7 +8114,7 @@
           <p:cNvPr id="2" name="Titel 1">
             <a:extLst>
               <a:ext uri="{FF2B5EF4-FFF2-40B4-BE49-F238E27FC236}">
-                <a16:creationId xmlns:a16="http://schemas.microsoft.com/office/drawing/2014/main" id="{A250AA1D-CBA5-4BF9-827F-0AC0BEF9E671}"/>
+                <a16:creationId xmlns:a16="http://schemas.microsoft.com/office/drawing/2014/main" id="{8E25D8BA-34BD-4AB3-A8F1-5BE24DA46ED2}"/>
               </a:ext>
             </a:extLst>
           </p:cNvPr>
@@ -8272,18 +8131,18 @@
           <a:lstStyle/>
           <a:p>
             <a:r>
-              <a:rPr lang="de-DE" b="1" dirty="0"/>
+              <a:rPr lang="de-DE" sz="1800" b="1" dirty="0"/>
               <a:t>EXTENDED SCENARIOS – </a:t>
             </a:r>
             <a:r>
-              <a:rPr lang="de-DE" b="1" dirty="0" err="1"/>
+              <a:rPr lang="de-DE" sz="1800" b="1" dirty="0" err="1"/>
               <a:t>Sequential</a:t>
             </a:r>
             <a:r>
-              <a:rPr lang="de-DE" b="1" dirty="0"/>
+              <a:rPr lang="de-DE" sz="1800" b="1" dirty="0"/>
               <a:t> Release Publishing</a:t>
             </a:r>
-            <a:endParaRPr lang="de-DE" dirty="0"/>
+            <a:endParaRPr lang="de-DE" sz="1800" dirty="0"/>
           </a:p>
         </p:txBody>
       </p:sp>
@@ -8292,7 +8151,7 @@
           <p:cNvPr id="3" name="Datumsplatzhalter 2">
             <a:extLst>
               <a:ext uri="{FF2B5EF4-FFF2-40B4-BE49-F238E27FC236}">
-                <a16:creationId xmlns:a16="http://schemas.microsoft.com/office/drawing/2014/main" id="{EA0EB5D0-C0FE-4AFE-8A81-2589296C778F}"/>
+                <a16:creationId xmlns:a16="http://schemas.microsoft.com/office/drawing/2014/main" id="{5079DD1B-902A-432A-8C60-C4C83007992A}"/>
               </a:ext>
             </a:extLst>
           </p:cNvPr>
@@ -8321,7 +8180,7 @@
           <p:cNvPr id="4" name="Fußzeilenplatzhalter 3">
             <a:extLst>
               <a:ext uri="{FF2B5EF4-FFF2-40B4-BE49-F238E27FC236}">
-                <a16:creationId xmlns:a16="http://schemas.microsoft.com/office/drawing/2014/main" id="{57F7375E-8B76-432F-8062-DE249F9B1296}"/>
+                <a16:creationId xmlns:a16="http://schemas.microsoft.com/office/drawing/2014/main" id="{7EFECC64-6F1A-4381-9B68-BF04EF1814E1}"/>
               </a:ext>
             </a:extLst>
           </p:cNvPr>
@@ -8350,7 +8209,7 @@
           <p:cNvPr id="5" name="Textplatzhalter 4">
             <a:extLst>
               <a:ext uri="{FF2B5EF4-FFF2-40B4-BE49-F238E27FC236}">
-                <a16:creationId xmlns:a16="http://schemas.microsoft.com/office/drawing/2014/main" id="{149E4DF0-6D1B-42D2-8864-3E9847385D69}"/>
+                <a16:creationId xmlns:a16="http://schemas.microsoft.com/office/drawing/2014/main" id="{6609FEC9-4889-4738-8FAA-9EDCD59C8959}"/>
               </a:ext>
             </a:extLst>
           </p:cNvPr>
@@ -8365,13 +8224,145 @@
         <p:txBody>
           <a:bodyPr/>
           <a:lstStyle/>
+          <a:p>
+            <a:r>
+              <a:rPr lang="en-US" dirty="0"/>
+              <a:t>In some other scenarios, the data is released continuously</a:t>
+            </a:r>
+          </a:p>
           <a:p>
             <a:pPr marL="0" indent="0">
               <a:buNone/>
             </a:pPr>
             <a:r>
-              <a:rPr lang="de-DE" dirty="0" err="1"/>
-              <a:t>Example</a:t>
+              <a:rPr lang="en-US" dirty="0"/>
+              <a:t>and sequentially as new information becomes available.</a:t>
+            </a:r>
+          </a:p>
+          <a:p>
+            <a:r>
+              <a:rPr lang="de-DE" dirty="0" err="1"/>
+              <a:t>Consider</a:t>
+            </a:r>
+            <a:r>
+              <a:rPr lang="de-DE" dirty="0"/>
+              <a:t> </a:t>
+            </a:r>
+            <a:r>
+              <a:rPr lang="de-DE" dirty="0" err="1"/>
+              <a:t>the</a:t>
+            </a:r>
+            <a:r>
+              <a:rPr lang="de-DE" dirty="0"/>
+              <a:t> </a:t>
+            </a:r>
+            <a:r>
+              <a:rPr lang="de-DE" dirty="0" err="1"/>
+              <a:t>problem</a:t>
+            </a:r>
+            <a:r>
+              <a:rPr lang="de-DE" dirty="0"/>
+              <a:t> </a:t>
+            </a:r>
+            <a:r>
+              <a:rPr lang="de-DE" dirty="0" err="1"/>
+              <a:t>of</a:t>
+            </a:r>
+            <a:r>
+              <a:rPr lang="en-US" i="1" dirty="0"/>
+              <a:t>sequential anonymization </a:t>
+            </a:r>
+            <a:r>
+              <a:rPr lang="en-US" dirty="0"/>
+              <a:t>[Wang and Fung 2006]: a data publisher has </a:t>
+            </a:r>
+            <a:r>
+              <a:rPr lang="en-US" i="1" dirty="0" err="1"/>
+              <a:t>previously</a:t>
+            </a:r>
+            <a:r>
+              <a:rPr lang="en-US" dirty="0" err="1"/>
+              <a:t>released</a:t>
+            </a:r>
+            <a:r>
+              <a:rPr lang="en-US" dirty="0"/>
+              <a:t> </a:t>
+            </a:r>
+            <a:r>
+              <a:rPr lang="en-US" i="1" dirty="0"/>
+              <a:t>T</a:t>
+            </a:r>
+            <a:r>
+              <a:rPr lang="en-US" dirty="0"/>
+              <a:t>1</a:t>
+            </a:r>
+            <a:r>
+              <a:rPr lang="en-US" i="1" dirty="0"/>
+              <a:t>, . . . , Tp</a:t>
+            </a:r>
+            <a:r>
+              <a:rPr lang="en-US" dirty="0"/>
+              <a:t>−1 and </a:t>
+            </a:r>
+            <a:r>
+              <a:rPr lang="en-US" i="1" dirty="0"/>
+              <a:t>now </a:t>
+            </a:r>
+            <a:r>
+              <a:rPr lang="en-US" dirty="0"/>
+              <a:t>wants to publish the next release </a:t>
+            </a:r>
+            <a:r>
+              <a:rPr lang="en-US" i="1" dirty="0" err="1"/>
+              <a:t>Tp</a:t>
+            </a:r>
+            <a:r>
+              <a:rPr lang="en-US" dirty="0"/>
+              <a:t>, where all </a:t>
+            </a:r>
+            <a:r>
+              <a:rPr lang="en-US" i="1" dirty="0" err="1"/>
+              <a:t>Ti</a:t>
+            </a:r>
+            <a:r>
+              <a:rPr lang="en-US" dirty="0" err="1"/>
+              <a:t>are</a:t>
+            </a:r>
+            <a:r>
+              <a:rPr lang="en-US" dirty="0"/>
+              <a:t> projections of the same underlying table, and each </a:t>
+            </a:r>
+            <a:r>
+              <a:rPr lang="en-US" i="1" dirty="0"/>
+              <a:t>individual release</a:t>
+            </a:r>
+            <a:r>
+              <a:rPr lang="en-US" dirty="0"/>
+              <a:t>, not </a:t>
+            </a:r>
+            <a:r>
+              <a:rPr lang="en-US" dirty="0" err="1"/>
+              <a:t>thejoin</a:t>
+            </a:r>
+            <a:r>
+              <a:rPr lang="en-US" dirty="0"/>
+              <a:t>, serves a data mining purpose. The data publisher wants to prevent record and attribute linkages through the join of </a:t>
+            </a:r>
+            <a:r>
+              <a:rPr lang="en-US" i="1" dirty="0"/>
+              <a:t>T</a:t>
+            </a:r>
+            <a:r>
+              <a:rPr lang="en-US" dirty="0"/>
+              <a:t>1</a:t>
+            </a:r>
+            <a:r>
+              <a:rPr lang="en-US" i="1" dirty="0"/>
+              <a:t>, . . . , Tp</a:t>
+            </a:r>
+            <a:r>
+              <a:rPr lang="en-US" dirty="0"/>
+              <a:t>.</a:t>
             </a:r>
             <a:endParaRPr lang="de-DE" dirty="0"/>
           </a:p>
@@ -8382,7 +8373,7 @@
           <p:cNvPr id="6" name="Foliennummernplatzhalter 5">
             <a:extLst>
               <a:ext uri="{FF2B5EF4-FFF2-40B4-BE49-F238E27FC236}">
-                <a16:creationId xmlns:a16="http://schemas.microsoft.com/office/drawing/2014/main" id="{1CAFD7E1-5AA6-4CA7-887C-3211D94A545D}"/>
+                <a16:creationId xmlns:a16="http://schemas.microsoft.com/office/drawing/2014/main" id="{AB93F62D-EA09-4552-880A-D595452A36E3}"/>
               </a:ext>
             </a:extLst>
           </p:cNvPr>
@@ -8410,7 +8401,7 @@
     </p:spTree>
     <p:extLst>
       <p:ext uri="{BB962C8B-B14F-4D97-AF65-F5344CB8AC3E}">
-        <p14:creationId xmlns:p14="http://schemas.microsoft.com/office/powerpoint/2010/main" val="986772571"/>
+        <p14:creationId xmlns:p14="http://schemas.microsoft.com/office/powerpoint/2010/main" val="4223311860"/>
       </p:ext>
     </p:extLst>
   </p:cSld>
@@ -8442,7 +8433,7 @@
           <p:cNvPr id="2" name="Titel 1">
             <a:extLst>
               <a:ext uri="{FF2B5EF4-FFF2-40B4-BE49-F238E27FC236}">
-                <a16:creationId xmlns:a16="http://schemas.microsoft.com/office/drawing/2014/main" id="{64C87936-32EF-4EB4-9D68-B53F697A9294}"/>
+                <a16:creationId xmlns:a16="http://schemas.microsoft.com/office/drawing/2014/main" id="{A250AA1D-CBA5-4BF9-827F-0AC0BEF9E671}"/>
               </a:ext>
             </a:extLst>
           </p:cNvPr>
@@ -8460,15 +8451,15 @@
           <a:p>
             <a:r>
               <a:rPr lang="de-DE" b="1" dirty="0"/>
-              <a:t>6.3. </a:t>
+              <a:t>EXTENDED SCENARIOS – </a:t>
             </a:r>
             <a:r>
               <a:rPr lang="de-DE" b="1" dirty="0" err="1"/>
-              <a:t>Continuous</a:t>
+              <a:t>Sequential</a:t>
             </a:r>
             <a:r>
               <a:rPr lang="de-DE" b="1" dirty="0"/>
-              <a:t> Data Publishing - </a:t>
+              <a:t> Release Publishing</a:t>
             </a:r>
             <a:endParaRPr lang="de-DE" dirty="0"/>
           </a:p>
@@ -8479,7 +8470,7 @@
           <p:cNvPr id="3" name="Datumsplatzhalter 2">
             <a:extLst>
               <a:ext uri="{FF2B5EF4-FFF2-40B4-BE49-F238E27FC236}">
-                <a16:creationId xmlns:a16="http://schemas.microsoft.com/office/drawing/2014/main" id="{3953109D-2A5A-4517-9C4D-31158B1601B6}"/>
+                <a16:creationId xmlns:a16="http://schemas.microsoft.com/office/drawing/2014/main" id="{EA0EB5D0-C0FE-4AFE-8A81-2589296C778F}"/>
               </a:ext>
             </a:extLst>
           </p:cNvPr>
@@ -8508,7 +8499,7 @@
           <p:cNvPr id="4" name="Fußzeilenplatzhalter 3">
             <a:extLst>
               <a:ext uri="{FF2B5EF4-FFF2-40B4-BE49-F238E27FC236}">
-                <a16:creationId xmlns:a16="http://schemas.microsoft.com/office/drawing/2014/main" id="{CCF38E58-72C9-4357-9457-6BCB6F78AE96}"/>
+                <a16:creationId xmlns:a16="http://schemas.microsoft.com/office/drawing/2014/main" id="{57F7375E-8B76-432F-8062-DE249F9B1296}"/>
               </a:ext>
             </a:extLst>
           </p:cNvPr>
@@ -8537,7 +8528,7 @@
           <p:cNvPr id="5" name="Textplatzhalter 4">
             <a:extLst>
               <a:ext uri="{FF2B5EF4-FFF2-40B4-BE49-F238E27FC236}">
-                <a16:creationId xmlns:a16="http://schemas.microsoft.com/office/drawing/2014/main" id="{CA4CB419-1E48-4285-9B7C-6C8EBC4E9139}"/>
+                <a16:creationId xmlns:a16="http://schemas.microsoft.com/office/drawing/2014/main" id="{149E4DF0-6D1B-42D2-8864-3E9847385D69}"/>
               </a:ext>
             </a:extLst>
           </p:cNvPr>
@@ -8552,108 +8543,15 @@
         <p:txBody>
           <a:bodyPr/>
           <a:lstStyle/>
-          <a:p>
-            <a:r>
-              <a:rPr lang="en-US" dirty="0"/>
-              <a:t>In the model of continuous data publishing, the data publisher has previously published</a:t>
-            </a:r>
-          </a:p>
           <a:p>
             <a:pPr marL="0" indent="0">
               <a:buNone/>
             </a:pPr>
             <a:r>
-              <a:rPr lang="en-US" i="1" dirty="0"/>
-              <a:t>T</a:t>
-            </a:r>
-            <a:r>
-              <a:rPr lang="en-US" dirty="0"/>
-              <a:t>1</a:t>
-            </a:r>
-            <a:r>
-              <a:rPr lang="en-US" i="1" dirty="0"/>
-              <a:t>, . . . , Tp</a:t>
-            </a:r>
-            <a:r>
-              <a:rPr lang="en-US" dirty="0"/>
-              <a:t>−1 and now wants to publish </a:t>
-            </a:r>
-            <a:r>
-              <a:rPr lang="en-US" i="1" dirty="0" err="1"/>
-              <a:t>Tp</a:t>
-            </a:r>
-            <a:r>
-              <a:rPr lang="en-US" dirty="0"/>
-              <a:t>, where </a:t>
-            </a:r>
-            <a:r>
-              <a:rPr lang="en-US" i="1" dirty="0" err="1"/>
-              <a:t>Ti</a:t>
-            </a:r>
-            <a:r>
-              <a:rPr lang="en-US" i="1" dirty="0"/>
-              <a:t> </a:t>
-            </a:r>
-            <a:r>
-              <a:rPr lang="en-US" dirty="0"/>
-              <a:t>is an updated release of</a:t>
-            </a:r>
-            <a:r>
-              <a:rPr lang="en-US" i="1" dirty="0"/>
-              <a:t>Ti</a:t>
-            </a:r>
-            <a:r>
-              <a:rPr lang="en-US" dirty="0"/>
-              <a:t>−1 with record insertions and/or deletions. The problem assumes that all </a:t>
-            </a:r>
-            <a:r>
-              <a:rPr lang="en-US" dirty="0" err="1"/>
-              <a:t>recordsfor</a:t>
-            </a:r>
-            <a:r>
-              <a:rPr lang="en-US" dirty="0"/>
-              <a:t> the same individual remain the same in all releases. Even though each release</a:t>
-            </a:r>
-            <a:r>
-              <a:rPr lang="en-US" i="1" dirty="0"/>
-              <a:t>T</a:t>
-            </a:r>
-            <a:r>
-              <a:rPr lang="en-US" dirty="0"/>
-              <a:t>1</a:t>
-            </a:r>
-            <a:r>
-              <a:rPr lang="en-US" i="1" dirty="0"/>
-              <a:t>, . . . , </a:t>
-            </a:r>
-            <a:r>
-              <a:rPr lang="en-US" i="1" dirty="0" err="1"/>
-              <a:t>Tp</a:t>
-            </a:r>
-            <a:r>
-              <a:rPr lang="en-US" i="1" dirty="0"/>
-              <a:t> </a:t>
-            </a:r>
-            <a:r>
-              <a:rPr lang="en-US" dirty="0"/>
-              <a:t>is individually anonymous, the privacy requirement could be </a:t>
-            </a:r>
-            <a:r>
-              <a:rPr lang="en-US" dirty="0" err="1"/>
-              <a:t>compromisedby</a:t>
-            </a:r>
-            <a:r>
-              <a:rPr lang="en-US" dirty="0"/>
-              <a:t> comparing different releases and eliminating some possible sensitive values for a</a:t>
-            </a:r>
-            <a:r>
-              <a:rPr lang="de-DE" dirty="0" err="1"/>
-              <a:t>victim</a:t>
-            </a:r>
-            <a:r>
-              <a:rPr lang="de-DE" dirty="0"/>
-              <a:t>.</a:t>
-            </a:r>
+              <a:rPr lang="de-DE" dirty="0" err="1"/>
+              <a:t>Example</a:t>
+            </a:r>
+            <a:endParaRPr lang="de-DE" dirty="0"/>
           </a:p>
         </p:txBody>
       </p:sp>
@@ -8662,7 +8560,7 @@
           <p:cNvPr id="6" name="Foliennummernplatzhalter 5">
             <a:extLst>
               <a:ext uri="{FF2B5EF4-FFF2-40B4-BE49-F238E27FC236}">
-                <a16:creationId xmlns:a16="http://schemas.microsoft.com/office/drawing/2014/main" id="{A33B597C-BFBC-47FC-A8ED-C28E6FC10AED}"/>
+                <a16:creationId xmlns:a16="http://schemas.microsoft.com/office/drawing/2014/main" id="{1CAFD7E1-5AA6-4CA7-887C-3211D94A545D}"/>
               </a:ext>
             </a:extLst>
           </p:cNvPr>
@@ -8690,7 +8588,7 @@
     </p:spTree>
     <p:extLst>
       <p:ext uri="{BB962C8B-B14F-4D97-AF65-F5344CB8AC3E}">
-        <p14:creationId xmlns:p14="http://schemas.microsoft.com/office/powerpoint/2010/main" val="3119424548"/>
+        <p14:creationId xmlns:p14="http://schemas.microsoft.com/office/powerpoint/2010/main" val="986772571"/>
       </p:ext>
     </p:extLst>
   </p:cSld>
@@ -8722,7 +8620,7 @@
           <p:cNvPr id="2" name="Titel 1">
             <a:extLst>
               <a:ext uri="{FF2B5EF4-FFF2-40B4-BE49-F238E27FC236}">
-                <a16:creationId xmlns:a16="http://schemas.microsoft.com/office/drawing/2014/main" id="{A081F97E-62E3-427F-A641-E682BB8CB112}"/>
+                <a16:creationId xmlns:a16="http://schemas.microsoft.com/office/drawing/2014/main" id="{64C87936-32EF-4EB4-9D68-B53F697A9294}"/>
               </a:ext>
             </a:extLst>
           </p:cNvPr>
@@ -8738,13 +8636,17 @@
           <a:bodyPr/>
           <a:lstStyle/>
           <a:p>
+            <a:r>
+              <a:rPr lang="de-DE" b="1" dirty="0"/>
+              <a:t>6.3. </a:t>
+            </a:r>
             <a:r>
               <a:rPr lang="de-DE" b="1" dirty="0" err="1"/>
               <a:t>Continuous</a:t>
             </a:r>
             <a:r>
               <a:rPr lang="de-DE" b="1" dirty="0"/>
-              <a:t> Data Publishing -</a:t>
+              <a:t> Data Publishing - </a:t>
             </a:r>
             <a:endParaRPr lang="de-DE" dirty="0"/>
           </a:p>
@@ -8755,7 +8657,7 @@
           <p:cNvPr id="3" name="Datumsplatzhalter 2">
             <a:extLst>
               <a:ext uri="{FF2B5EF4-FFF2-40B4-BE49-F238E27FC236}">
-                <a16:creationId xmlns:a16="http://schemas.microsoft.com/office/drawing/2014/main" id="{82022DD0-D3BB-4BAC-84BB-517F888560CE}"/>
+                <a16:creationId xmlns:a16="http://schemas.microsoft.com/office/drawing/2014/main" id="{3953109D-2A5A-4517-9C4D-31158B1601B6}"/>
               </a:ext>
             </a:extLst>
           </p:cNvPr>
@@ -8784,7 +8686,7 @@
           <p:cNvPr id="4" name="Fußzeilenplatzhalter 3">
             <a:extLst>
               <a:ext uri="{FF2B5EF4-FFF2-40B4-BE49-F238E27FC236}">
-                <a16:creationId xmlns:a16="http://schemas.microsoft.com/office/drawing/2014/main" id="{3BDE4202-8DBD-4915-BBCE-5EAFAEB90245}"/>
+                <a16:creationId xmlns:a16="http://schemas.microsoft.com/office/drawing/2014/main" id="{CCF38E58-72C9-4357-9457-6BCB6F78AE96}"/>
               </a:ext>
             </a:extLst>
           </p:cNvPr>
@@ -8813,7 +8715,7 @@
           <p:cNvPr id="5" name="Textplatzhalter 4">
             <a:extLst>
               <a:ext uri="{FF2B5EF4-FFF2-40B4-BE49-F238E27FC236}">
-                <a16:creationId xmlns:a16="http://schemas.microsoft.com/office/drawing/2014/main" id="{23686CD6-2E27-4BA8-A0AA-667973201185}"/>
+                <a16:creationId xmlns:a16="http://schemas.microsoft.com/office/drawing/2014/main" id="{CA4CB419-1E48-4285-9B7C-6C8EBC4E9139}"/>
               </a:ext>
             </a:extLst>
           </p:cNvPr>
@@ -8828,15 +8730,108 @@
         <p:txBody>
           <a:bodyPr/>
           <a:lstStyle/>
+          <a:p>
+            <a:r>
+              <a:rPr lang="en-US" dirty="0"/>
+              <a:t>In the model of continuous data publishing, the data publisher has previously published</a:t>
+            </a:r>
+          </a:p>
           <a:p>
             <a:pPr marL="0" indent="0">
               <a:buNone/>
             </a:pPr>
             <a:r>
-              <a:rPr lang="de-DE" dirty="0" err="1"/>
-              <a:t>Example</a:t>
-            </a:r>
-            <a:endParaRPr lang="de-DE" dirty="0"/>
+              <a:rPr lang="en-US" i="1" dirty="0"/>
+              <a:t>T</a:t>
+            </a:r>
+            <a:r>
+              <a:rPr lang="en-US" dirty="0"/>
+              <a:t>1</a:t>
+            </a:r>
+            <a:r>
+              <a:rPr lang="en-US" i="1" dirty="0"/>
+              <a:t>, . . . , Tp</a:t>
+            </a:r>
+            <a:r>
+              <a:rPr lang="en-US" dirty="0"/>
+              <a:t>−1 and now wants to publish </a:t>
+            </a:r>
+            <a:r>
+              <a:rPr lang="en-US" i="1" dirty="0" err="1"/>
+              <a:t>Tp</a:t>
+            </a:r>
+            <a:r>
+              <a:rPr lang="en-US" dirty="0"/>
+              <a:t>, where </a:t>
+            </a:r>
+            <a:r>
+              <a:rPr lang="en-US" i="1" dirty="0" err="1"/>
+              <a:t>Ti</a:t>
+            </a:r>
+            <a:r>
+              <a:rPr lang="en-US" i="1" dirty="0"/>
+              <a:t> </a:t>
+            </a:r>
+            <a:r>
+              <a:rPr lang="en-US" dirty="0"/>
+              <a:t>is an updated release of</a:t>
+            </a:r>
+            <a:r>
+              <a:rPr lang="en-US" i="1" dirty="0"/>
+              <a:t>Ti</a:t>
+            </a:r>
+            <a:r>
+              <a:rPr lang="en-US" dirty="0"/>
+              <a:t>−1 with record insertions and/or deletions. The problem assumes that all </a:t>
+            </a:r>
+            <a:r>
+              <a:rPr lang="en-US" dirty="0" err="1"/>
+              <a:t>recordsfor</a:t>
+            </a:r>
+            <a:r>
+              <a:rPr lang="en-US" dirty="0"/>
+              <a:t> the same individual remain the same in all releases. Even though each release</a:t>
+            </a:r>
+            <a:r>
+              <a:rPr lang="en-US" i="1" dirty="0"/>
+              <a:t>T</a:t>
+            </a:r>
+            <a:r>
+              <a:rPr lang="en-US" dirty="0"/>
+              <a:t>1</a:t>
+            </a:r>
+            <a:r>
+              <a:rPr lang="en-US" i="1" dirty="0"/>
+              <a:t>, . . . , </a:t>
+            </a:r>
+            <a:r>
+              <a:rPr lang="en-US" i="1" dirty="0" err="1"/>
+              <a:t>Tp</a:t>
+            </a:r>
+            <a:r>
+              <a:rPr lang="en-US" i="1" dirty="0"/>
+              <a:t> </a:t>
+            </a:r>
+            <a:r>
+              <a:rPr lang="en-US" dirty="0"/>
+              <a:t>is individually anonymous, the privacy requirement could be </a:t>
+            </a:r>
+            <a:r>
+              <a:rPr lang="en-US" dirty="0" err="1"/>
+              <a:t>compromisedby</a:t>
+            </a:r>
+            <a:r>
+              <a:rPr lang="en-US" dirty="0"/>
+              <a:t> comparing different releases and eliminating some possible sensitive values for a</a:t>
+            </a:r>
+            <a:r>
+              <a:rPr lang="de-DE" dirty="0" err="1"/>
+              <a:t>victim</a:t>
+            </a:r>
+            <a:r>
+              <a:rPr lang="de-DE" dirty="0"/>
+              <a:t>.</a:t>
+            </a:r>
           </a:p>
         </p:txBody>
       </p:sp>
@@ -8845,7 +8840,7 @@
           <p:cNvPr id="6" name="Foliennummernplatzhalter 5">
             <a:extLst>
               <a:ext uri="{FF2B5EF4-FFF2-40B4-BE49-F238E27FC236}">
-                <a16:creationId xmlns:a16="http://schemas.microsoft.com/office/drawing/2014/main" id="{93A7E9D4-E06A-41FC-993E-12101300288F}"/>
+                <a16:creationId xmlns:a16="http://schemas.microsoft.com/office/drawing/2014/main" id="{A33B597C-BFBC-47FC-A8ED-C28E6FC10AED}"/>
               </a:ext>
             </a:extLst>
           </p:cNvPr>
@@ -8873,7 +8868,7 @@
     </p:spTree>
     <p:extLst>
       <p:ext uri="{BB962C8B-B14F-4D97-AF65-F5344CB8AC3E}">
-        <p14:creationId xmlns:p14="http://schemas.microsoft.com/office/powerpoint/2010/main" val="3590099776"/>
+        <p14:creationId xmlns:p14="http://schemas.microsoft.com/office/powerpoint/2010/main" val="3119424548"/>
       </p:ext>
     </p:extLst>
   </p:cSld>

--- a/presentation/sicherheits.pptx
+++ b/presentation/sicherheits.pptx
@@ -5,10 +5,10 @@
     <p:sldMasterId id="2147483678" r:id="rId2"/>
   </p:sldMasterIdLst>
   <p:notesMasterIdLst>
-    <p:notesMasterId r:id="rId30"/>
+    <p:notesMasterId r:id="rId27"/>
   </p:notesMasterIdLst>
   <p:handoutMasterIdLst>
-    <p:handoutMasterId r:id="rId31"/>
+    <p:handoutMasterId r:id="rId28"/>
   </p:handoutMasterIdLst>
   <p:sldIdLst>
     <p:sldId id="256" r:id="rId3"/>
@@ -16,28 +16,25 @@
     <p:sldId id="268" r:id="rId5"/>
     <p:sldId id="258" r:id="rId6"/>
     <p:sldId id="259" r:id="rId7"/>
-    <p:sldId id="269" r:id="rId8"/>
-    <p:sldId id="271" r:id="rId9"/>
-    <p:sldId id="272" r:id="rId10"/>
-    <p:sldId id="273" r:id="rId11"/>
-    <p:sldId id="274" r:id="rId12"/>
-    <p:sldId id="270" r:id="rId13"/>
+    <p:sldId id="270" r:id="rId8"/>
+    <p:sldId id="272" r:id="rId9"/>
+    <p:sldId id="271" r:id="rId10"/>
+    <p:sldId id="283" r:id="rId11"/>
+    <p:sldId id="273" r:id="rId12"/>
+    <p:sldId id="274" r:id="rId13"/>
     <p:sldId id="275" r:id="rId14"/>
-    <p:sldId id="276" r:id="rId15"/>
-    <p:sldId id="277" r:id="rId16"/>
-    <p:sldId id="278" r:id="rId17"/>
-    <p:sldId id="279" r:id="rId18"/>
-    <p:sldId id="280" r:id="rId19"/>
-    <p:sldId id="281" r:id="rId20"/>
-    <p:sldId id="282" r:id="rId21"/>
-    <p:sldId id="263" r:id="rId22"/>
-    <p:sldId id="264" r:id="rId23"/>
-    <p:sldId id="260" r:id="rId24"/>
-    <p:sldId id="265" r:id="rId25"/>
-    <p:sldId id="266" r:id="rId26"/>
-    <p:sldId id="262" r:id="rId27"/>
-    <p:sldId id="261" r:id="rId28"/>
-    <p:sldId id="267" r:id="rId29"/>
+    <p:sldId id="277" r:id="rId15"/>
+    <p:sldId id="278" r:id="rId16"/>
+    <p:sldId id="280" r:id="rId17"/>
+    <p:sldId id="281" r:id="rId18"/>
+    <p:sldId id="263" r:id="rId19"/>
+    <p:sldId id="264" r:id="rId20"/>
+    <p:sldId id="260" r:id="rId21"/>
+    <p:sldId id="265" r:id="rId22"/>
+    <p:sldId id="266" r:id="rId23"/>
+    <p:sldId id="262" r:id="rId24"/>
+    <p:sldId id="261" r:id="rId25"/>
+    <p:sldId id="267" r:id="rId26"/>
   </p:sldIdLst>
   <p:sldSz cx="9144000" cy="6858000" type="screen4x3"/>
   <p:notesSz cx="7099300" cy="10234613"/>
@@ -302,7 +299,7 @@
             <a:fld id="{5BB45A7C-CD8D-4615-9E21-7904701129AE}" type="datetimeFigureOut">
               <a:rPr lang="de-DE"/>
               <a:pPr/>
-              <a:t>26.01.2018</a:t>
+              <a:t>27.01.2018</a:t>
             </a:fld>
             <a:endParaRPr lang="de-DE"/>
           </a:p>
@@ -2021,7 +2018,7 @@
             <a:fld id="{4B008DF5-449C-4CDB-99E5-200AB76F51BF}" type="datetime1">
               <a:rPr lang="de-DE"/>
               <a:pPr/>
-              <a:t>26.01.2018</a:t>
+              <a:t>27.01.2018</a:t>
             </a:fld>
             <a:endParaRPr lang="de-DE" dirty="0"/>
           </a:p>
@@ -2699,7 +2696,7 @@
           <p:cNvPr id="2" name="Titel 1">
             <a:extLst>
               <a:ext uri="{FF2B5EF4-FFF2-40B4-BE49-F238E27FC236}">
-                <a16:creationId xmlns:a16="http://schemas.microsoft.com/office/drawing/2014/main" id="{A081F97E-62E3-427F-A641-E682BB8CB112}"/>
+                <a16:creationId xmlns:a16="http://schemas.microsoft.com/office/drawing/2014/main" id="{64C87936-32EF-4EB4-9D68-B53F697A9294}"/>
               </a:ext>
             </a:extLst>
           </p:cNvPr>
@@ -2716,12 +2713,16 @@
           <a:lstStyle/>
           <a:p>
             <a:r>
+              <a:rPr lang="de-DE" b="1" dirty="0"/>
+              <a:t>6.3. </a:t>
+            </a:r>
+            <a:r>
               <a:rPr lang="de-DE" b="1" dirty="0" err="1"/>
               <a:t>Continuous</a:t>
             </a:r>
             <a:r>
               <a:rPr lang="de-DE" b="1" dirty="0"/>
-              <a:t> Data Publishing -</a:t>
+              <a:t> Data Publishing - </a:t>
             </a:r>
             <a:endParaRPr lang="de-DE" dirty="0"/>
           </a:p>
@@ -2732,7 +2733,7 @@
           <p:cNvPr id="3" name="Datumsplatzhalter 2">
             <a:extLst>
               <a:ext uri="{FF2B5EF4-FFF2-40B4-BE49-F238E27FC236}">
-                <a16:creationId xmlns:a16="http://schemas.microsoft.com/office/drawing/2014/main" id="{82022DD0-D3BB-4BAC-84BB-517F888560CE}"/>
+                <a16:creationId xmlns:a16="http://schemas.microsoft.com/office/drawing/2014/main" id="{3953109D-2A5A-4517-9C4D-31158B1601B6}"/>
               </a:ext>
             </a:extLst>
           </p:cNvPr>
@@ -2761,7 +2762,7 @@
           <p:cNvPr id="4" name="Fußzeilenplatzhalter 3">
             <a:extLst>
               <a:ext uri="{FF2B5EF4-FFF2-40B4-BE49-F238E27FC236}">
-                <a16:creationId xmlns:a16="http://schemas.microsoft.com/office/drawing/2014/main" id="{3BDE4202-8DBD-4915-BBCE-5EAFAEB90245}"/>
+                <a16:creationId xmlns:a16="http://schemas.microsoft.com/office/drawing/2014/main" id="{CCF38E58-72C9-4357-9457-6BCB6F78AE96}"/>
               </a:ext>
             </a:extLst>
           </p:cNvPr>
@@ -2790,7 +2791,7 @@
           <p:cNvPr id="5" name="Textplatzhalter 4">
             <a:extLst>
               <a:ext uri="{FF2B5EF4-FFF2-40B4-BE49-F238E27FC236}">
-                <a16:creationId xmlns:a16="http://schemas.microsoft.com/office/drawing/2014/main" id="{23686CD6-2E27-4BA8-A0AA-667973201185}"/>
+                <a16:creationId xmlns:a16="http://schemas.microsoft.com/office/drawing/2014/main" id="{CA4CB419-1E48-4285-9B7C-6C8EBC4E9139}"/>
               </a:ext>
             </a:extLst>
           </p:cNvPr>
@@ -2806,14 +2807,107 @@
           <a:bodyPr/>
           <a:lstStyle/>
           <a:p>
+            <a:r>
+              <a:rPr lang="en-US" dirty="0"/>
+              <a:t>In the model of continuous data publishing, the data publisher has previously published</a:t>
+            </a:r>
+          </a:p>
+          <a:p>
             <a:pPr marL="0" indent="0">
               <a:buNone/>
             </a:pPr>
             <a:r>
+              <a:rPr lang="en-US" i="1" dirty="0"/>
+              <a:t>T</a:t>
+            </a:r>
+            <a:r>
+              <a:rPr lang="en-US" dirty="0"/>
+              <a:t>1</a:t>
+            </a:r>
+            <a:r>
+              <a:rPr lang="en-US" i="1" dirty="0"/>
+              <a:t>, . . . , Tp</a:t>
+            </a:r>
+            <a:r>
+              <a:rPr lang="en-US" dirty="0"/>
+              <a:t>−1 and now wants to publish </a:t>
+            </a:r>
+            <a:r>
+              <a:rPr lang="en-US" i="1" dirty="0" err="1"/>
+              <a:t>Tp</a:t>
+            </a:r>
+            <a:r>
+              <a:rPr lang="en-US" dirty="0"/>
+              <a:t>, where </a:t>
+            </a:r>
+            <a:r>
+              <a:rPr lang="en-US" i="1" dirty="0" err="1"/>
+              <a:t>Ti</a:t>
+            </a:r>
+            <a:r>
+              <a:rPr lang="en-US" i="1" dirty="0"/>
+              <a:t> </a:t>
+            </a:r>
+            <a:r>
+              <a:rPr lang="en-US" dirty="0"/>
+              <a:t>is an updated release of</a:t>
+            </a:r>
+            <a:r>
+              <a:rPr lang="en-US" i="1" dirty="0"/>
+              <a:t>Ti</a:t>
+            </a:r>
+            <a:r>
+              <a:rPr lang="en-US" dirty="0"/>
+              <a:t>−1 with record insertions and/or deletions. The problem assumes that all </a:t>
+            </a:r>
+            <a:r>
+              <a:rPr lang="en-US" dirty="0" err="1"/>
+              <a:t>recordsfor</a:t>
+            </a:r>
+            <a:r>
+              <a:rPr lang="en-US" dirty="0"/>
+              <a:t> the same individual remain the same in all releases. Even though each release</a:t>
+            </a:r>
+            <a:r>
+              <a:rPr lang="en-US" i="1" dirty="0"/>
+              <a:t>T</a:t>
+            </a:r>
+            <a:r>
+              <a:rPr lang="en-US" dirty="0"/>
+              <a:t>1</a:t>
+            </a:r>
+            <a:r>
+              <a:rPr lang="en-US" i="1" dirty="0"/>
+              <a:t>, . . . , </a:t>
+            </a:r>
+            <a:r>
+              <a:rPr lang="en-US" i="1" dirty="0" err="1"/>
+              <a:t>Tp</a:t>
+            </a:r>
+            <a:r>
+              <a:rPr lang="en-US" i="1" dirty="0"/>
+              <a:t> </a:t>
+            </a:r>
+            <a:r>
+              <a:rPr lang="en-US" dirty="0"/>
+              <a:t>is individually anonymous, the privacy requirement could be </a:t>
+            </a:r>
+            <a:r>
+              <a:rPr lang="en-US" dirty="0" err="1"/>
+              <a:t>compromisedby</a:t>
+            </a:r>
+            <a:r>
+              <a:rPr lang="en-US" dirty="0"/>
+              <a:t> comparing different releases and eliminating some possible sensitive values for a</a:t>
+            </a:r>
+            <a:r>
               <a:rPr lang="de-DE" dirty="0" err="1"/>
-              <a:t>Example</a:t>
-            </a:r>
-            <a:endParaRPr lang="de-DE" dirty="0"/>
+              <a:t>victim</a:t>
+            </a:r>
+            <a:r>
+              <a:rPr lang="de-DE" dirty="0"/>
+              <a:t>.</a:t>
+            </a:r>
           </a:p>
         </p:txBody>
       </p:sp>
@@ -2822,7 +2916,7 @@
           <p:cNvPr id="6" name="Foliennummernplatzhalter 5">
             <a:extLst>
               <a:ext uri="{FF2B5EF4-FFF2-40B4-BE49-F238E27FC236}">
-                <a16:creationId xmlns:a16="http://schemas.microsoft.com/office/drawing/2014/main" id="{93A7E9D4-E06A-41FC-993E-12101300288F}"/>
+                <a16:creationId xmlns:a16="http://schemas.microsoft.com/office/drawing/2014/main" id="{A33B597C-BFBC-47FC-A8ED-C28E6FC10AED}"/>
               </a:ext>
             </a:extLst>
           </p:cNvPr>
@@ -2850,7 +2944,7 @@
     </p:spTree>
     <p:extLst>
       <p:ext uri="{BB962C8B-B14F-4D97-AF65-F5344CB8AC3E}">
-        <p14:creationId xmlns:p14="http://schemas.microsoft.com/office/powerpoint/2010/main" val="3590099776"/>
+        <p14:creationId xmlns:p14="http://schemas.microsoft.com/office/powerpoint/2010/main" val="3119424548"/>
       </p:ext>
     </p:extLst>
   </p:cSld>
@@ -2882,7 +2976,7 @@
           <p:cNvPr id="2" name="Titel 1">
             <a:extLst>
               <a:ext uri="{FF2B5EF4-FFF2-40B4-BE49-F238E27FC236}">
-                <a16:creationId xmlns:a16="http://schemas.microsoft.com/office/drawing/2014/main" id="{5DFF05F5-BFE1-403A-A36E-6A2828649D6F}"/>
+                <a16:creationId xmlns:a16="http://schemas.microsoft.com/office/drawing/2014/main" id="{A081F97E-62E3-427F-A641-E682BB8CB112}"/>
               </a:ext>
             </a:extLst>
           </p:cNvPr>
@@ -2899,10 +2993,14 @@
           <a:lstStyle/>
           <a:p>
             <a:r>
-              <a:rPr lang="de-DE" sz="2400" b="1" dirty="0"/>
-              <a:t>EXTENDED SCENARIOS - Multiple Release Publishing</a:t>
-            </a:r>
-            <a:endParaRPr lang="de-DE" sz="2400" dirty="0"/>
+              <a:rPr lang="de-DE" b="1" dirty="0" err="1"/>
+              <a:t>Continuous</a:t>
+            </a:r>
+            <a:r>
+              <a:rPr lang="de-DE" b="1" dirty="0"/>
+              <a:t> Data Publishing -</a:t>
+            </a:r>
+            <a:endParaRPr lang="de-DE" dirty="0"/>
           </a:p>
         </p:txBody>
       </p:sp>
@@ -2911,7 +3009,7 @@
           <p:cNvPr id="3" name="Datumsplatzhalter 2">
             <a:extLst>
               <a:ext uri="{FF2B5EF4-FFF2-40B4-BE49-F238E27FC236}">
-                <a16:creationId xmlns:a16="http://schemas.microsoft.com/office/drawing/2014/main" id="{90B812E9-FF67-440E-8D43-E9D95CEADC88}"/>
+                <a16:creationId xmlns:a16="http://schemas.microsoft.com/office/drawing/2014/main" id="{82022DD0-D3BB-4BAC-84BB-517F888560CE}"/>
               </a:ext>
             </a:extLst>
           </p:cNvPr>
@@ -2940,7 +3038,7 @@
           <p:cNvPr id="4" name="Fußzeilenplatzhalter 3">
             <a:extLst>
               <a:ext uri="{FF2B5EF4-FFF2-40B4-BE49-F238E27FC236}">
-                <a16:creationId xmlns:a16="http://schemas.microsoft.com/office/drawing/2014/main" id="{830002ED-C0A7-4887-8B84-D46B721CD647}"/>
+                <a16:creationId xmlns:a16="http://schemas.microsoft.com/office/drawing/2014/main" id="{3BDE4202-8DBD-4915-BBCE-5EAFAEB90245}"/>
               </a:ext>
             </a:extLst>
           </p:cNvPr>
@@ -2969,7 +3067,7 @@
           <p:cNvPr id="5" name="Textplatzhalter 4">
             <a:extLst>
               <a:ext uri="{FF2B5EF4-FFF2-40B4-BE49-F238E27FC236}">
-                <a16:creationId xmlns:a16="http://schemas.microsoft.com/office/drawing/2014/main" id="{817EA547-F858-48D5-A99A-AC24CC5B1BEE}"/>
+                <a16:creationId xmlns:a16="http://schemas.microsoft.com/office/drawing/2014/main" id="{23686CD6-2E27-4BA8-A0AA-667973201185}"/>
               </a:ext>
             </a:extLst>
           </p:cNvPr>
@@ -2985,250 +3083,175 @@
           <a:bodyPr/>
           <a:lstStyle/>
           <a:p>
-            <a:pPr>
-              <a:buFontTx/>
-              <a:buChar char="-"/>
-            </a:pPr>
-            <a:r>
-              <a:rPr lang="de-DE" dirty="0"/>
-              <a:t>Different </a:t>
-            </a:r>
-            <a:r>
-              <a:rPr lang="de-DE" dirty="0" err="1"/>
-              <a:t>data</a:t>
-            </a:r>
-            <a:r>
-              <a:rPr lang="de-DE" dirty="0"/>
-              <a:t> </a:t>
-            </a:r>
-            <a:r>
-              <a:rPr lang="de-DE" dirty="0" err="1"/>
-              <a:t>recipients</a:t>
-            </a:r>
-            <a:r>
-              <a:rPr lang="de-DE" dirty="0"/>
-              <a:t> </a:t>
-            </a:r>
-            <a:r>
-              <a:rPr lang="de-DE" dirty="0" err="1"/>
-              <a:t>got</a:t>
-            </a:r>
-            <a:r>
-              <a:rPr lang="de-DE" dirty="0"/>
-              <a:t> different </a:t>
-            </a:r>
-            <a:r>
-              <a:rPr lang="de-DE" dirty="0" err="1"/>
-              <a:t>claims</a:t>
-            </a:r>
-            <a:r>
-              <a:rPr lang="de-DE" dirty="0"/>
-              <a:t> </a:t>
-            </a:r>
-            <a:r>
-              <a:rPr lang="de-DE" dirty="0" err="1"/>
-              <a:t>to</a:t>
-            </a:r>
-            <a:r>
-              <a:rPr lang="de-DE" dirty="0"/>
-              <a:t> </a:t>
-            </a:r>
-            <a:r>
-              <a:rPr lang="de-DE" dirty="0" err="1"/>
-              <a:t>the</a:t>
-            </a:r>
-            <a:r>
-              <a:rPr lang="de-DE" dirty="0"/>
-              <a:t> </a:t>
-            </a:r>
-            <a:r>
-              <a:rPr lang="de-DE" dirty="0" err="1"/>
-              <a:t>data</a:t>
-            </a:r>
-            <a:endParaRPr lang="de-DE" dirty="0"/>
-          </a:p>
-          <a:p>
             <a:pPr marL="0" indent="0">
               <a:buNone/>
             </a:pPr>
             <a:r>
-              <a:rPr lang="de-DE" dirty="0"/>
-              <a:t>T(Job, Sex, Age, </a:t>
-            </a:r>
-            <a:r>
               <a:rPr lang="de-DE" dirty="0" err="1"/>
-              <a:t>Race</a:t>
-            </a:r>
-            <a:r>
-              <a:rPr lang="de-DE" dirty="0"/>
-              <a:t>, Disease, </a:t>
-            </a:r>
-            <a:r>
-              <a:rPr lang="de-DE" dirty="0" err="1"/>
-              <a:t>Salary</a:t>
-            </a:r>
-            <a:r>
-              <a:rPr lang="de-DE" dirty="0"/>
-              <a:t>)</a:t>
-            </a:r>
-          </a:p>
-          <a:p>
-            <a:pPr marL="0" indent="0">
-              <a:buNone/>
-            </a:pPr>
-            <a:r>
-              <a:rPr lang="de-DE" dirty="0" err="1"/>
-              <a:t>Pharma</a:t>
-            </a:r>
-            <a:r>
-              <a:rPr lang="de-DE" dirty="0"/>
+              <a:t>Example</a:t>
+            </a:r>
+            <a:endParaRPr lang="de-DE" dirty="0"/>
+          </a:p>
+          <a:p>
+            <a:r>
+              <a:rPr lang="en-US" i="1" dirty="0"/>
+              <a:t>Example </a:t>
+            </a:r>
+            <a:r>
+              <a:rPr lang="en-US" dirty="0"/>
+              <a:t>6.3. Let Table VIII(a) be the first release </a:t>
+            </a:r>
+            <a:r>
+              <a:rPr lang="en-US" i="1" dirty="0"/>
+              <a:t>T</a:t>
+            </a:r>
+            <a:r>
+              <a:rPr lang="en-US" dirty="0"/>
+              <a:t>1. Let Table VIII(b) be </a:t>
+            </a:r>
+            <a:r>
+              <a:rPr lang="en-US" dirty="0" err="1"/>
+              <a:t>thesecond</a:t>
+            </a:r>
+            <a:r>
+              <a:rPr lang="en-US" dirty="0"/>
+              <a:t> release </a:t>
+            </a:r>
+            <a:r>
+              <a:rPr lang="en-US" i="1" dirty="0"/>
+              <a:t>T</a:t>
+            </a:r>
+            <a:r>
+              <a:rPr lang="en-US" dirty="0"/>
+              <a:t>2 after inserting a new record. Both </a:t>
+            </a:r>
+            <a:r>
+              <a:rPr lang="en-US" i="1" dirty="0"/>
+              <a:t>T</a:t>
+            </a:r>
+            <a:r>
+              <a:rPr lang="en-US" dirty="0"/>
+              <a:t>1 and </a:t>
+            </a:r>
+            <a:r>
+              <a:rPr lang="en-US" i="1" dirty="0"/>
+              <a:t>T</a:t>
+            </a:r>
+            <a:r>
+              <a:rPr lang="en-US" dirty="0"/>
+              <a:t>2 satisfy 2-diversity </a:t>
+            </a:r>
+            <a:r>
+              <a:rPr lang="en-US" dirty="0" err="1"/>
+              <a:t>independently.Suppose</a:t>
+            </a:r>
+            <a:r>
+              <a:rPr lang="en-US" dirty="0"/>
+              <a:t> the attacker knows that a female lawyer, Alice, has a record in </a:t>
+            </a:r>
+            <a:r>
+              <a:rPr lang="en-US" i="1" dirty="0"/>
+              <a:t>T</a:t>
+            </a:r>
+            <a:r>
+              <a:rPr lang="en-US" dirty="0"/>
+              <a:t>2but not in </a:t>
+            </a:r>
+            <a:r>
+              <a:rPr lang="en-US" i="1" dirty="0"/>
+              <a:t>T</a:t>
+            </a:r>
+            <a:r>
+              <a:rPr lang="en-US" dirty="0"/>
+              <a:t>1, based on the timestamp that Alice was admitted to a hospital. From </a:t>
+            </a:r>
+            <a:r>
+              <a:rPr lang="en-US" i="1" dirty="0"/>
+              <a:t>T</a:t>
+            </a:r>
+            <a:r>
+              <a:rPr lang="en-US" dirty="0"/>
+              <a:t>2,the attacker can infer that Alice must have contracted either </a:t>
+            </a:r>
+            <a:r>
+              <a:rPr lang="en-US" i="1" dirty="0"/>
+              <a:t>Flu</a:t>
+            </a:r>
+            <a:r>
+              <a:rPr lang="en-US" dirty="0"/>
+              <a:t>, </a:t>
+            </a:r>
+            <a:r>
+              <a:rPr lang="en-US" i="1" dirty="0"/>
+              <a:t>Fever</a:t>
+            </a:r>
+            <a:r>
+              <a:rPr lang="en-US" dirty="0"/>
+              <a:t>, or </a:t>
+            </a:r>
+            <a:r>
+              <a:rPr lang="en-US" i="1" dirty="0"/>
+              <a:t>HIV</a:t>
+            </a:r>
+            <a:r>
+              <a:rPr lang="en-US" dirty="0"/>
+              <a:t>. </a:t>
+            </a:r>
+            <a:r>
+              <a:rPr lang="en-US" dirty="0" err="1"/>
+              <a:t>Bycomparing</a:t>
+            </a:r>
+            <a:r>
+              <a:rPr lang="en-US" dirty="0"/>
               <a:t> </a:t>
             </a:r>
             <a:r>
-              <a:rPr lang="de-DE" dirty="0" err="1"/>
-              <a:t>company</a:t>
-            </a:r>
-            <a:r>
-              <a:rPr lang="de-DE" dirty="0"/>
-              <a:t> </a:t>
-            </a:r>
-            <a:r>
-              <a:rPr lang="de-DE" dirty="0" err="1"/>
-              <a:t>intresed</a:t>
-            </a:r>
-            <a:r>
-              <a:rPr lang="de-DE" dirty="0"/>
-              <a:t> in </a:t>
-            </a:r>
-            <a:r>
-              <a:rPr lang="de-DE" dirty="0" err="1"/>
-              <a:t>diesease</a:t>
-            </a:r>
-            <a:r>
-              <a:rPr lang="de-DE" dirty="0"/>
-              <a:t> </a:t>
-            </a:r>
-            <a:r>
-              <a:rPr lang="de-DE" dirty="0" err="1"/>
-              <a:t>with</a:t>
-            </a:r>
-            <a:r>
-              <a:rPr lang="de-DE" dirty="0"/>
-              <a:t> </a:t>
-            </a:r>
-            <a:r>
-              <a:rPr lang="de-DE" dirty="0" err="1"/>
-              <a:t>attribute</a:t>
-            </a:r>
-            <a:r>
-              <a:rPr lang="de-DE" dirty="0"/>
-              <a:t> </a:t>
-            </a:r>
-            <a:r>
-              <a:rPr lang="de-DE" dirty="0" err="1"/>
-              <a:t>job,sex</a:t>
-            </a:r>
-            <a:r>
-              <a:rPr lang="de-DE" dirty="0"/>
-              <a:t>, </a:t>
-            </a:r>
-            <a:r>
-              <a:rPr lang="de-DE" dirty="0" err="1"/>
-              <a:t>age</a:t>
-            </a:r>
-            <a:endParaRPr lang="de-DE" dirty="0"/>
-          </a:p>
-          <a:p>
-            <a:pPr marL="0" indent="0">
-              <a:buNone/>
-            </a:pPr>
-            <a:r>
-              <a:rPr lang="de-DE" dirty="0" err="1"/>
-              <a:t>Another</a:t>
-            </a:r>
-            <a:r>
-              <a:rPr lang="de-DE" dirty="0"/>
-              <a:t> </a:t>
-            </a:r>
-            <a:r>
-              <a:rPr lang="de-DE" dirty="0" err="1"/>
-              <a:t>is</a:t>
-            </a:r>
-            <a:r>
-              <a:rPr lang="de-DE" dirty="0"/>
-              <a:t> </a:t>
-            </a:r>
-            <a:r>
-              <a:rPr lang="de-DE" dirty="0" err="1"/>
-              <a:t>intereset</a:t>
-            </a:r>
-            <a:r>
-              <a:rPr lang="de-DE" dirty="0"/>
-              <a:t> in JOB, AGE, RACE</a:t>
-            </a:r>
-          </a:p>
-          <a:p>
-            <a:pPr marL="0" indent="0">
-              <a:buNone/>
-            </a:pPr>
-            <a:r>
-              <a:rPr lang="de-DE" dirty="0" err="1"/>
-              <a:t>Relse</a:t>
-            </a:r>
-            <a:r>
-              <a:rPr lang="de-DE" dirty="0"/>
-              <a:t> </a:t>
-            </a:r>
-            <a:r>
-              <a:rPr lang="de-DE" dirty="0" err="1"/>
-              <a:t>one</a:t>
-            </a:r>
-            <a:r>
-              <a:rPr lang="de-DE" dirty="0"/>
-              <a:t> </a:t>
-            </a:r>
-            <a:r>
-              <a:rPr lang="de-DE" dirty="0" err="1"/>
-              <a:t>table</a:t>
-            </a:r>
-            <a:r>
-              <a:rPr lang="de-DE" dirty="0"/>
-              <a:t> </a:t>
-            </a:r>
-            <a:r>
-              <a:rPr lang="de-DE" dirty="0" err="1"/>
-              <a:t>with</a:t>
-            </a:r>
-            <a:r>
-              <a:rPr lang="de-DE" dirty="0"/>
-              <a:t> {JOB, Sex, Age, </a:t>
-            </a:r>
-            <a:r>
-              <a:rPr lang="de-DE" dirty="0" err="1"/>
-              <a:t>Race</a:t>
-            </a:r>
-            <a:r>
-              <a:rPr lang="de-DE" dirty="0"/>
-              <a:t>}</a:t>
-            </a:r>
-          </a:p>
-          <a:p>
-            <a:r>
-              <a:rPr lang="de-DE" dirty="0"/>
-              <a:t>- </a:t>
-            </a:r>
-            <a:r>
-              <a:rPr lang="en-US" dirty="0"/>
-              <a:t>A drawback is that information is released unnecessarily, in that neither of the two purposes needs all four attributes</a:t>
-            </a:r>
-          </a:p>
-          <a:p>
-            <a:pPr marL="0" indent="0">
-              <a:buNone/>
-            </a:pPr>
-            <a:r>
-              <a:rPr lang="en-US" dirty="0"/>
-              <a:t>You make one for both of them. Problem </a:t>
+              <a:rPr lang="en-US" i="1" dirty="0"/>
+              <a:t>T</a:t>
+            </a:r>
+            <a:r>
+              <a:rPr lang="en-US" dirty="0"/>
+              <a:t>2 with </a:t>
+            </a:r>
+            <a:r>
+              <a:rPr lang="en-US" i="1" dirty="0"/>
+              <a:t>T</a:t>
+            </a:r>
+            <a:r>
+              <a:rPr lang="en-US" dirty="0"/>
+              <a:t>1, the attacker can identify that the first two records in </a:t>
+            </a:r>
+            <a:r>
+              <a:rPr lang="en-US" i="1" dirty="0"/>
+              <a:t>T</a:t>
+            </a:r>
+            <a:r>
+              <a:rPr lang="en-US" dirty="0"/>
+              <a:t>2 </a:t>
+            </a:r>
+            <a:r>
+              <a:rPr lang="en-US" dirty="0" err="1"/>
+              <a:t>mustbe</a:t>
+            </a:r>
+            <a:r>
+              <a:rPr lang="en-US" dirty="0"/>
+              <a:t> old records from </a:t>
+            </a:r>
+            <a:r>
+              <a:rPr lang="en-US" i="1" dirty="0"/>
+              <a:t>T</a:t>
+            </a:r>
+            <a:r>
+              <a:rPr lang="en-US" dirty="0"/>
+              <a:t>1 and, thus, infer that Alice must have contracted </a:t>
+            </a:r>
+            <a:r>
+              <a:rPr lang="en-US" i="1" dirty="0"/>
+              <a:t>HIV</a:t>
+            </a:r>
+            <a:r>
+              <a:rPr lang="en-US" dirty="0"/>
+              <a:t>.</a:t>
             </a:r>
             <a:endParaRPr lang="de-DE" dirty="0"/>
           </a:p>
@@ -3239,7 +3262,7 @@
           <p:cNvPr id="6" name="Foliennummernplatzhalter 5">
             <a:extLst>
               <a:ext uri="{FF2B5EF4-FFF2-40B4-BE49-F238E27FC236}">
-                <a16:creationId xmlns:a16="http://schemas.microsoft.com/office/drawing/2014/main" id="{1A5F5161-AF90-426C-A082-2392411945CF}"/>
+                <a16:creationId xmlns:a16="http://schemas.microsoft.com/office/drawing/2014/main" id="{93A7E9D4-E06A-41FC-993E-12101300288F}"/>
               </a:ext>
             </a:extLst>
           </p:cNvPr>
@@ -3267,7 +3290,7 @@
     </p:spTree>
     <p:extLst>
       <p:ext uri="{BB962C8B-B14F-4D97-AF65-F5344CB8AC3E}">
-        <p14:creationId xmlns:p14="http://schemas.microsoft.com/office/powerpoint/2010/main" val="839178868"/>
+        <p14:creationId xmlns:p14="http://schemas.microsoft.com/office/powerpoint/2010/main" val="3590099776"/>
       </p:ext>
     </p:extLst>
   </p:cSld>
@@ -3402,7 +3425,170 @@
           <a:bodyPr/>
           <a:lstStyle/>
           <a:p>
-            <a:endParaRPr lang="de-DE"/>
+            <a:r>
+              <a:rPr lang="en-US" dirty="0"/>
+              <a:t>So far, we have considered only a single data publisher. In real-life data </a:t>
+            </a:r>
+            <a:r>
+              <a:rPr lang="en-US" dirty="0" err="1"/>
+              <a:t>publishing,a</a:t>
+            </a:r>
+            <a:r>
+              <a:rPr lang="en-US" dirty="0"/>
+              <a:t> single organization often does not hold the complete data. Organizations need </a:t>
+            </a:r>
+            <a:r>
+              <a:rPr lang="en-US" dirty="0" err="1"/>
+              <a:t>toshare</a:t>
+            </a:r>
+            <a:r>
+              <a:rPr lang="en-US" dirty="0"/>
+              <a:t> data for mutual benefits or for publishing to a third party. For example, </a:t>
+            </a:r>
+            <a:r>
+              <a:rPr lang="en-US" dirty="0" err="1"/>
+              <a:t>twocredit</a:t>
+            </a:r>
+            <a:r>
+              <a:rPr lang="en-US" dirty="0"/>
+              <a:t> card companies want to integrate their customer data for developing a </a:t>
+            </a:r>
+            <a:r>
+              <a:rPr lang="en-US" dirty="0" err="1"/>
+              <a:t>frauddetectionsystem</a:t>
+            </a:r>
+            <a:r>
+              <a:rPr lang="en-US" dirty="0"/>
+              <a:t> or for publishing to a bank. However, the credit card companies </a:t>
+            </a:r>
+            <a:r>
+              <a:rPr lang="en-US" dirty="0" err="1"/>
+              <a:t>donot</a:t>
+            </a:r>
+            <a:r>
+              <a:rPr lang="en-US" dirty="0"/>
+              <a:t> want to indiscriminately disclose their data to each other or to the bank for </a:t>
+            </a:r>
+            <a:r>
+              <a:rPr lang="en-US" dirty="0" err="1"/>
+              <a:t>reasonssuch</a:t>
+            </a:r>
+            <a:r>
+              <a:rPr lang="en-US" dirty="0"/>
+              <a:t> as privacy protection and business competitiveness. Figure 4 depicts </a:t>
+            </a:r>
+            <a:r>
+              <a:rPr lang="en-US" dirty="0" err="1"/>
+              <a:t>thisscenario</a:t>
+            </a:r>
+            <a:r>
+              <a:rPr lang="en-US" dirty="0"/>
+              <a:t>, called </a:t>
+            </a:r>
+            <a:r>
+              <a:rPr lang="en-US" i="1" dirty="0"/>
+              <a:t>collaborative data publishing</a:t>
+            </a:r>
+            <a:r>
+              <a:rPr lang="en-US" dirty="0"/>
+              <a:t>, where several data publishers own </a:t>
+            </a:r>
+            <a:r>
+              <a:rPr lang="en-US" dirty="0" err="1"/>
+              <a:t>differentsets</a:t>
+            </a:r>
+            <a:r>
+              <a:rPr lang="en-US" dirty="0"/>
+              <a:t> of attributes on the same set of records and want to publish the </a:t>
+            </a:r>
+            <a:r>
+              <a:rPr lang="en-US" dirty="0" err="1"/>
+              <a:t>integrateddata</a:t>
+            </a:r>
+            <a:r>
+              <a:rPr lang="en-US" dirty="0"/>
+              <a:t> on all attributes. Say, publisher 1 owns {</a:t>
+            </a:r>
+            <a:r>
+              <a:rPr lang="en-US" i="1" dirty="0" err="1"/>
+              <a:t>RecID</a:t>
+            </a:r>
+            <a:r>
+              <a:rPr lang="en-US" i="1" dirty="0"/>
+              <a:t>, Job, Sex, Age</a:t>
+            </a:r>
+            <a:r>
+              <a:rPr lang="en-US" dirty="0"/>
+              <a:t>}, and publisher 2owns {</a:t>
+            </a:r>
+            <a:r>
+              <a:rPr lang="en-US" i="1" dirty="0" err="1"/>
+              <a:t>RecID</a:t>
+            </a:r>
+            <a:r>
+              <a:rPr lang="en-US" i="1" dirty="0"/>
+              <a:t>, Salary, Disease</a:t>
+            </a:r>
+            <a:r>
+              <a:rPr lang="en-US" dirty="0"/>
+              <a:t>}, where </a:t>
+            </a:r>
+            <a:r>
+              <a:rPr lang="en-US" i="1" dirty="0" err="1"/>
+              <a:t>RecID</a:t>
+            </a:r>
+            <a:r>
+              <a:rPr lang="en-US" dirty="0"/>
+              <a:t>, such as the </a:t>
+            </a:r>
+            <a:r>
+              <a:rPr lang="en-US" i="1" dirty="0"/>
+              <a:t>SSN</a:t>
+            </a:r>
+            <a:r>
+              <a:rPr lang="en-US" dirty="0"/>
+              <a:t>, is the record </a:t>
+            </a:r>
+            <a:r>
+              <a:rPr lang="en-US" dirty="0" err="1"/>
+              <a:t>identifiershared</a:t>
+            </a:r>
+            <a:r>
+              <a:rPr lang="en-US" dirty="0"/>
+              <a:t> by all data publishers. They want to publish an integrated </a:t>
+            </a:r>
+            <a:r>
+              <a:rPr lang="en-US" i="1" dirty="0"/>
+              <a:t>k</a:t>
+            </a:r>
+            <a:r>
+              <a:rPr lang="en-US" dirty="0"/>
+              <a:t>-anonymous </a:t>
+            </a:r>
+            <a:r>
+              <a:rPr lang="en-US" dirty="0" err="1"/>
+              <a:t>tableon</a:t>
+            </a:r>
+            <a:r>
+              <a:rPr lang="en-US" dirty="0"/>
+              <a:t> all attributes. Also, no data publisher should learn more specific information, owned</a:t>
+            </a:r>
+          </a:p>
+          <a:p>
+            <a:r>
+              <a:rPr lang="en-US" dirty="0"/>
+              <a:t>by the other data publishers, than the information that appears in the final integrated</a:t>
+            </a:r>
+          </a:p>
+          <a:p>
+            <a:r>
+              <a:rPr lang="de-DE" dirty="0" err="1"/>
+              <a:t>table</a:t>
+            </a:r>
+            <a:r>
+              <a:rPr lang="de-DE" dirty="0"/>
+              <a:t>.</a:t>
+            </a:r>
           </a:p>
         </p:txBody>
       </p:sp>
@@ -3471,7 +3657,7 @@
           <p:cNvPr id="2" name="Titel 1">
             <a:extLst>
               <a:ext uri="{FF2B5EF4-FFF2-40B4-BE49-F238E27FC236}">
-                <a16:creationId xmlns:a16="http://schemas.microsoft.com/office/drawing/2014/main" id="{880B0643-6694-4756-9185-6B245935614C}"/>
+                <a16:creationId xmlns:a16="http://schemas.microsoft.com/office/drawing/2014/main" id="{8630F9EE-799A-4FBC-BDC9-BBCD9F117865}"/>
               </a:ext>
             </a:extLst>
           </p:cNvPr>
@@ -3489,7 +3675,7 @@
           <a:p>
             <a:r>
               <a:rPr lang="de-DE" b="1" dirty="0"/>
-              <a:t>6.4. Collaborative Data Publishing -</a:t>
+              <a:t>High-Dimensional Transaction Data</a:t>
             </a:r>
             <a:endParaRPr lang="de-DE" dirty="0"/>
           </a:p>
@@ -3500,7 +3686,7 @@
           <p:cNvPr id="3" name="Datumsplatzhalter 2">
             <a:extLst>
               <a:ext uri="{FF2B5EF4-FFF2-40B4-BE49-F238E27FC236}">
-                <a16:creationId xmlns:a16="http://schemas.microsoft.com/office/drawing/2014/main" id="{8667CFBC-D3CB-4020-9CC4-C40EB8692D3A}"/>
+                <a16:creationId xmlns:a16="http://schemas.microsoft.com/office/drawing/2014/main" id="{2024E019-E637-42FA-954A-B2746B57FA3E}"/>
               </a:ext>
             </a:extLst>
           </p:cNvPr>
@@ -3529,7 +3715,7 @@
           <p:cNvPr id="4" name="Fußzeilenplatzhalter 3">
             <a:extLst>
               <a:ext uri="{FF2B5EF4-FFF2-40B4-BE49-F238E27FC236}">
-                <a16:creationId xmlns:a16="http://schemas.microsoft.com/office/drawing/2014/main" id="{F090A285-9439-4429-99C4-75D394A2D8A7}"/>
+                <a16:creationId xmlns:a16="http://schemas.microsoft.com/office/drawing/2014/main" id="{11871A7E-DE7F-4B04-A79B-7559FABD8314}"/>
               </a:ext>
             </a:extLst>
           </p:cNvPr>
@@ -3558,7 +3744,7 @@
           <p:cNvPr id="5" name="Textplatzhalter 4">
             <a:extLst>
               <a:ext uri="{FF2B5EF4-FFF2-40B4-BE49-F238E27FC236}">
-                <a16:creationId xmlns:a16="http://schemas.microsoft.com/office/drawing/2014/main" id="{F9879744-E302-4E08-830A-2D28DC39F827}"/>
+                <a16:creationId xmlns:a16="http://schemas.microsoft.com/office/drawing/2014/main" id="{17162768-F447-417D-8E83-B270B3CE3A5D}"/>
               </a:ext>
             </a:extLst>
           </p:cNvPr>
@@ -3574,12 +3760,65 @@
           <a:bodyPr/>
           <a:lstStyle/>
           <a:p>
-            <a:pPr marL="0" indent="0">
-              <a:buNone/>
-            </a:pPr>
             <a:r>
               <a:rPr lang="de-DE" dirty="0" err="1"/>
-              <a:t>Example</a:t>
+              <a:t>Aol</a:t>
+            </a:r>
+            <a:r>
+              <a:rPr lang="de-DE" dirty="0"/>
+              <a:t> </a:t>
+            </a:r>
+            <a:r>
+              <a:rPr lang="de-DE" dirty="0" err="1"/>
+              <a:t>example</a:t>
+            </a:r>
+            <a:r>
+              <a:rPr lang="de-DE" dirty="0"/>
+              <a:t> </a:t>
+            </a:r>
+            <a:r>
+              <a:rPr lang="en-US" dirty="0"/>
+              <a:t>Transaction data is usually high-dimensional. For example, Amazon.com has several million catalog items. Each dimension could be a potential </a:t>
+            </a:r>
+            <a:r>
+              <a:rPr lang="en-US" i="1" dirty="0"/>
+              <a:t>QID </a:t>
+            </a:r>
+            <a:r>
+              <a:rPr lang="en-US" dirty="0"/>
+              <a:t>attribute used for record or attribute linkages; therefore, employing traditional privacy models, such as </a:t>
+            </a:r>
+            <a:r>
+              <a:rPr lang="en-US" i="1" dirty="0"/>
+              <a:t>k</a:t>
+            </a:r>
+            <a:r>
+              <a:rPr lang="en-US" dirty="0"/>
+              <a:t>-anonymity, would require including all dimensions into a single </a:t>
+            </a:r>
+            <a:r>
+              <a:rPr lang="en-US" i="1" dirty="0"/>
+              <a:t>QID</a:t>
+            </a:r>
+            <a:r>
+              <a:rPr lang="en-US" dirty="0"/>
+              <a:t>. Due to the curse of high-dimensionality [Aggarwal 2005], it is very likely that lots of data has to be suppressed or generalized to the top-most values in order to satisfy </a:t>
+            </a:r>
+            <a:r>
+              <a:rPr lang="en-US" i="1" dirty="0"/>
+              <a:t>k</a:t>
+            </a:r>
+            <a:r>
+              <a:rPr lang="en-US" dirty="0"/>
+              <a:t>-anonymity, even if </a:t>
+            </a:r>
+            <a:r>
+              <a:rPr lang="en-US" i="1" dirty="0"/>
+              <a:t>k </a:t>
+            </a:r>
+            <a:r>
+              <a:rPr lang="en-US" dirty="0"/>
+              <a:t>is small. Obviously, such anonymous data is useless for data analysis.</a:t>
             </a:r>
             <a:endParaRPr lang="de-DE" dirty="0"/>
           </a:p>
@@ -3590,7 +3829,7 @@
           <p:cNvPr id="6" name="Foliennummernplatzhalter 5">
             <a:extLst>
               <a:ext uri="{FF2B5EF4-FFF2-40B4-BE49-F238E27FC236}">
-                <a16:creationId xmlns:a16="http://schemas.microsoft.com/office/drawing/2014/main" id="{E13263FB-951B-4669-AFBC-303812524A4E}"/>
+                <a16:creationId xmlns:a16="http://schemas.microsoft.com/office/drawing/2014/main" id="{1F7C9EDA-B921-4D19-B054-284FFDECB071}"/>
               </a:ext>
             </a:extLst>
           </p:cNvPr>
@@ -3618,7 +3857,7 @@
     </p:spTree>
     <p:extLst>
       <p:ext uri="{BB962C8B-B14F-4D97-AF65-F5344CB8AC3E}">
-        <p14:creationId xmlns:p14="http://schemas.microsoft.com/office/powerpoint/2010/main" val="880105888"/>
+        <p14:creationId xmlns:p14="http://schemas.microsoft.com/office/powerpoint/2010/main" val="1473261035"/>
       </p:ext>
     </p:extLst>
   </p:cSld>
@@ -3650,7 +3889,7 @@
           <p:cNvPr id="2" name="Titel 1">
             <a:extLst>
               <a:ext uri="{FF2B5EF4-FFF2-40B4-BE49-F238E27FC236}">
-                <a16:creationId xmlns:a16="http://schemas.microsoft.com/office/drawing/2014/main" id="{8630F9EE-799A-4FBC-BDC9-BBCD9F117865}"/>
+                <a16:creationId xmlns:a16="http://schemas.microsoft.com/office/drawing/2014/main" id="{DD780236-DFF8-4429-AD46-A0D4B640B608}"/>
               </a:ext>
             </a:extLst>
           </p:cNvPr>
@@ -3667,10 +3906,10 @@
           <a:lstStyle/>
           <a:p>
             <a:r>
-              <a:rPr lang="de-DE" b="1" dirty="0"/>
+              <a:rPr lang="de-DE" b="1"/>
               <a:t>High-Dimensional Transaction Data</a:t>
             </a:r>
-            <a:endParaRPr lang="de-DE" dirty="0"/>
+            <a:endParaRPr lang="de-DE"/>
           </a:p>
         </p:txBody>
       </p:sp>
@@ -3679,7 +3918,7 @@
           <p:cNvPr id="3" name="Datumsplatzhalter 2">
             <a:extLst>
               <a:ext uri="{FF2B5EF4-FFF2-40B4-BE49-F238E27FC236}">
-                <a16:creationId xmlns:a16="http://schemas.microsoft.com/office/drawing/2014/main" id="{2024E019-E637-42FA-954A-B2746B57FA3E}"/>
+                <a16:creationId xmlns:a16="http://schemas.microsoft.com/office/drawing/2014/main" id="{69419E86-0E9E-4216-B427-413C6BA3C0D7}"/>
               </a:ext>
             </a:extLst>
           </p:cNvPr>
@@ -3708,7 +3947,7 @@
           <p:cNvPr id="4" name="Fußzeilenplatzhalter 3">
             <a:extLst>
               <a:ext uri="{FF2B5EF4-FFF2-40B4-BE49-F238E27FC236}">
-                <a16:creationId xmlns:a16="http://schemas.microsoft.com/office/drawing/2014/main" id="{11871A7E-DE7F-4B04-A79B-7559FABD8314}"/>
+                <a16:creationId xmlns:a16="http://schemas.microsoft.com/office/drawing/2014/main" id="{212DC528-EE24-4AC3-9EED-1BF090D99EF2}"/>
               </a:ext>
             </a:extLst>
           </p:cNvPr>
@@ -3737,7 +3976,7 @@
           <p:cNvPr id="5" name="Textplatzhalter 4">
             <a:extLst>
               <a:ext uri="{FF2B5EF4-FFF2-40B4-BE49-F238E27FC236}">
-                <a16:creationId xmlns:a16="http://schemas.microsoft.com/office/drawing/2014/main" id="{17162768-F447-417D-8E83-B270B3CE3A5D}"/>
+                <a16:creationId xmlns:a16="http://schemas.microsoft.com/office/drawing/2014/main" id="{064D59BE-0376-4E44-A0FE-7031A294F35F}"/>
               </a:ext>
             </a:extLst>
           </p:cNvPr>
@@ -3753,25 +3992,13 @@
           <a:bodyPr/>
           <a:lstStyle/>
           <a:p>
-            <a:r>
-              <a:rPr lang="de-DE" dirty="0" err="1"/>
-              <a:t>Aol</a:t>
-            </a:r>
-            <a:r>
-              <a:rPr lang="de-DE" dirty="0"/>
-              <a:t> </a:t>
-            </a:r>
-            <a:r>
-              <a:rPr lang="de-DE" dirty="0" err="1"/>
-              <a:t>example</a:t>
-            </a:r>
-            <a:r>
-              <a:rPr lang="de-DE" dirty="0"/>
-              <a:t> </a:t>
-            </a:r>
-            <a:r>
-              <a:rPr lang="en-US" dirty="0"/>
-              <a:t>Transaction data is usually high-dimensional. For example, Amazon.com has several million catalog items. Each dimension could be a potential </a:t>
+            <a:pPr>
+              <a:buFontTx/>
+              <a:buChar char="-"/>
+            </a:pPr>
+            <a:r>
+              <a:rPr lang="en-US" dirty="0"/>
+              <a:t>Each dimension could be a potential </a:t>
             </a:r>
             <a:r>
               <a:rPr lang="en-US" i="1" dirty="0"/>
@@ -3779,41 +4006,77 @@
             </a:r>
             <a:r>
               <a:rPr lang="en-US" dirty="0"/>
-              <a:t>attribute used for record or attribute linkages; therefore, employing traditional privacy models, such as </a:t>
-            </a:r>
-            <a:r>
-              <a:rPr lang="en-US" i="1" dirty="0"/>
-              <a:t>k</a:t>
-            </a:r>
-            <a:r>
-              <a:rPr lang="en-US" dirty="0"/>
-              <a:t>-anonymity, would require including all dimensions into a single </a:t>
-            </a:r>
-            <a:r>
-              <a:rPr lang="en-US" i="1" dirty="0"/>
-              <a:t>QID</a:t>
-            </a:r>
-            <a:r>
-              <a:rPr lang="en-US" dirty="0"/>
-              <a:t>. Due to the curse of high-dimensionality [Aggarwal 2005], it is very likely that lots of data has to be suppressed or generalized to the top-most values in order to satisfy </a:t>
-            </a:r>
-            <a:r>
-              <a:rPr lang="en-US" i="1" dirty="0"/>
-              <a:t>k</a:t>
-            </a:r>
-            <a:r>
-              <a:rPr lang="en-US" dirty="0"/>
-              <a:t>-anonymity, even if </a:t>
-            </a:r>
-            <a:r>
-              <a:rPr lang="en-US" i="1" dirty="0"/>
-              <a:t>k </a:t>
-            </a:r>
-            <a:r>
-              <a:rPr lang="en-US" dirty="0"/>
-              <a:t>is small. Obviously, such anonymous data is useless for data analysis.</a:t>
+              <a:t>attribute</a:t>
+            </a:r>
+          </a:p>
+          <a:p>
+            <a:pPr>
+              <a:buFontTx/>
+              <a:buChar char="-"/>
+            </a:pPr>
+            <a:r>
+              <a:rPr lang="de-DE" dirty="0" err="1"/>
+              <a:t>Curse</a:t>
+            </a:r>
+            <a:r>
+              <a:rPr lang="de-DE" dirty="0"/>
+              <a:t> </a:t>
+            </a:r>
+            <a:r>
+              <a:rPr lang="de-DE" dirty="0" err="1"/>
+              <a:t>of</a:t>
+            </a:r>
+            <a:r>
+              <a:rPr lang="de-DE" dirty="0"/>
+              <a:t> high-</a:t>
+            </a:r>
+            <a:r>
+              <a:rPr lang="de-DE" dirty="0" err="1"/>
+              <a:t>dimensionality</a:t>
             </a:r>
             <a:endParaRPr lang="de-DE" dirty="0"/>
+          </a:p>
+          <a:p>
+            <a:pPr>
+              <a:buFontTx/>
+              <a:buChar char="-"/>
+            </a:pPr>
+            <a:r>
+              <a:rPr lang="de-DE" dirty="0"/>
+              <a:t>Bound </a:t>
+            </a:r>
+            <a:r>
+              <a:rPr lang="de-DE" dirty="0" err="1"/>
+              <a:t>backgroundknowledge</a:t>
+            </a:r>
+            <a:r>
+              <a:rPr lang="de-DE" dirty="0"/>
+              <a:t> </a:t>
+            </a:r>
+            <a:r>
+              <a:rPr lang="de-DE" dirty="0" err="1"/>
+              <a:t>of</a:t>
+            </a:r>
+            <a:r>
+              <a:rPr lang="de-DE" dirty="0"/>
+              <a:t> </a:t>
+            </a:r>
+            <a:r>
+              <a:rPr lang="de-DE" dirty="0" err="1"/>
+              <a:t>the</a:t>
+            </a:r>
+            <a:r>
+              <a:rPr lang="de-DE" dirty="0"/>
+              <a:t> </a:t>
+            </a:r>
+            <a:r>
+              <a:rPr lang="de-DE" dirty="0" err="1"/>
+              <a:t>attacker</a:t>
+            </a:r>
+            <a:r>
+              <a:rPr lang="de-DE" dirty="0"/>
+              <a:t> </a:t>
+            </a:r>
           </a:p>
         </p:txBody>
       </p:sp>
@@ -3822,7 +4085,7 @@
           <p:cNvPr id="6" name="Foliennummernplatzhalter 5">
             <a:extLst>
               <a:ext uri="{FF2B5EF4-FFF2-40B4-BE49-F238E27FC236}">
-                <a16:creationId xmlns:a16="http://schemas.microsoft.com/office/drawing/2014/main" id="{1F7C9EDA-B921-4D19-B054-284FFDECB071}"/>
+                <a16:creationId xmlns:a16="http://schemas.microsoft.com/office/drawing/2014/main" id="{E25D3BF9-A70C-417F-A9C7-F883A5D091A9}"/>
               </a:ext>
             </a:extLst>
           </p:cNvPr>
@@ -3850,7 +4113,7 @@
     </p:spTree>
     <p:extLst>
       <p:ext uri="{BB962C8B-B14F-4D97-AF65-F5344CB8AC3E}">
-        <p14:creationId xmlns:p14="http://schemas.microsoft.com/office/powerpoint/2010/main" val="1473261035"/>
+        <p14:creationId xmlns:p14="http://schemas.microsoft.com/office/powerpoint/2010/main" val="673325542"/>
       </p:ext>
     </p:extLst>
   </p:cSld>
@@ -3882,7 +4145,7 @@
           <p:cNvPr id="2" name="Titel 1">
             <a:extLst>
               <a:ext uri="{FF2B5EF4-FFF2-40B4-BE49-F238E27FC236}">
-                <a16:creationId xmlns:a16="http://schemas.microsoft.com/office/drawing/2014/main" id="{DD780236-DFF8-4429-AD46-A0D4B640B608}"/>
+                <a16:creationId xmlns:a16="http://schemas.microsoft.com/office/drawing/2014/main" id="{F630762F-ADDB-483B-8B3B-603DD9617461}"/>
               </a:ext>
             </a:extLst>
           </p:cNvPr>
@@ -3899,10 +4162,18 @@
           <a:lstStyle/>
           <a:p>
             <a:r>
-              <a:rPr lang="de-DE" b="1"/>
-              <a:t>High-Dimensional Transaction Data</a:t>
-            </a:r>
-            <a:endParaRPr lang="de-DE"/>
+              <a:rPr lang="de-DE" b="1" dirty="0"/>
+              <a:t>Moving </a:t>
+            </a:r>
+            <a:r>
+              <a:rPr lang="de-DE" b="1" dirty="0" err="1"/>
+              <a:t>Object</a:t>
+            </a:r>
+            <a:r>
+              <a:rPr lang="de-DE" b="1" dirty="0"/>
+              <a:t> Data</a:t>
+            </a:r>
+            <a:endParaRPr lang="de-DE" dirty="0"/>
           </a:p>
         </p:txBody>
       </p:sp>
@@ -3911,7 +4182,7 @@
           <p:cNvPr id="3" name="Datumsplatzhalter 2">
             <a:extLst>
               <a:ext uri="{FF2B5EF4-FFF2-40B4-BE49-F238E27FC236}">
-                <a16:creationId xmlns:a16="http://schemas.microsoft.com/office/drawing/2014/main" id="{69419E86-0E9E-4216-B427-413C6BA3C0D7}"/>
+                <a16:creationId xmlns:a16="http://schemas.microsoft.com/office/drawing/2014/main" id="{98E37A1D-373E-4CB5-8A00-E4420DD981F5}"/>
               </a:ext>
             </a:extLst>
           </p:cNvPr>
@@ -3940,7 +4211,7 @@
           <p:cNvPr id="4" name="Fußzeilenplatzhalter 3">
             <a:extLst>
               <a:ext uri="{FF2B5EF4-FFF2-40B4-BE49-F238E27FC236}">
-                <a16:creationId xmlns:a16="http://schemas.microsoft.com/office/drawing/2014/main" id="{212DC528-EE24-4AC3-9EED-1BF090D99EF2}"/>
+                <a16:creationId xmlns:a16="http://schemas.microsoft.com/office/drawing/2014/main" id="{7718522C-A894-49C9-A4F0-5E1DFA7741F2}"/>
               </a:ext>
             </a:extLst>
           </p:cNvPr>
@@ -3969,7 +4240,7 @@
           <p:cNvPr id="5" name="Textplatzhalter 4">
             <a:extLst>
               <a:ext uri="{FF2B5EF4-FFF2-40B4-BE49-F238E27FC236}">
-                <a16:creationId xmlns:a16="http://schemas.microsoft.com/office/drawing/2014/main" id="{064D59BE-0376-4E44-A0FE-7031A294F35F}"/>
+                <a16:creationId xmlns:a16="http://schemas.microsoft.com/office/drawing/2014/main" id="{87651521-0381-4223-BDE6-C2A67D608413}"/>
               </a:ext>
             </a:extLst>
           </p:cNvPr>
@@ -3985,11 +4256,29 @@
           <a:bodyPr/>
           <a:lstStyle/>
           <a:p>
+            <a:pPr marL="0" indent="0">
+              <a:buNone/>
+            </a:pPr>
+            <a:r>
+              <a:rPr lang="de-DE" dirty="0"/>
+              <a:t>- Location-</a:t>
+            </a:r>
             <a:r>
               <a:rPr lang="de-DE" dirty="0" err="1"/>
-              <a:t>example</a:t>
-            </a:r>
-            <a:endParaRPr lang="de-DE" dirty="0"/>
+              <a:t>based</a:t>
+            </a:r>
+            <a:r>
+              <a:rPr lang="de-DE" dirty="0"/>
+              <a:t> </a:t>
+            </a:r>
+            <a:r>
+              <a:rPr lang="de-DE" dirty="0" err="1"/>
+              <a:t>services</a:t>
+            </a:r>
+            <a:r>
+              <a:rPr lang="de-DE" dirty="0"/>
+              <a:t> (LBS)</a:t>
+            </a:r>
           </a:p>
         </p:txBody>
       </p:sp>
@@ -3998,7 +4287,7 @@
           <p:cNvPr id="6" name="Foliennummernplatzhalter 5">
             <a:extLst>
               <a:ext uri="{FF2B5EF4-FFF2-40B4-BE49-F238E27FC236}">
-                <a16:creationId xmlns:a16="http://schemas.microsoft.com/office/drawing/2014/main" id="{E25D3BF9-A70C-417F-A9C7-F883A5D091A9}"/>
+                <a16:creationId xmlns:a16="http://schemas.microsoft.com/office/drawing/2014/main" id="{8667CAC0-ED65-461E-B9D6-E014713A72F4}"/>
               </a:ext>
             </a:extLst>
           </p:cNvPr>
@@ -4023,10 +4312,118 @@
           </a:p>
         </p:txBody>
       </p:sp>
+      <p:pic>
+        <p:nvPicPr>
+          <p:cNvPr id="7" name="Grafik 6">
+            <a:extLst>
+              <a:ext uri="{FF2B5EF4-FFF2-40B4-BE49-F238E27FC236}">
+                <a16:creationId xmlns:a16="http://schemas.microsoft.com/office/drawing/2014/main" id="{CE523E23-ED8F-45A6-A4AD-F769D0C5C9F6}"/>
+              </a:ext>
+            </a:extLst>
+          </p:cNvPr>
+          <p:cNvPicPr>
+            <a:picLocks noChangeAspect="1"/>
+          </p:cNvPicPr>
+          <p:nvPr/>
+        </p:nvPicPr>
+        <p:blipFill>
+          <a:blip r:embed="rId2"/>
+          <a:stretch>
+            <a:fillRect/>
+          </a:stretch>
+        </p:blipFill>
+        <p:spPr>
+          <a:xfrm>
+            <a:off x="549875" y="1346826"/>
+            <a:ext cx="3960440" cy="3689061"/>
+          </a:xfrm>
+          <a:prstGeom prst="rect">
+            <a:avLst/>
+          </a:prstGeom>
+        </p:spPr>
+      </p:pic>
+      <p:sp>
+        <p:nvSpPr>
+          <p:cNvPr id="8" name="Textfeld 7">
+            <a:extLst>
+              <a:ext uri="{FF2B5EF4-FFF2-40B4-BE49-F238E27FC236}">
+                <a16:creationId xmlns:a16="http://schemas.microsoft.com/office/drawing/2014/main" id="{03A77AD6-47AF-49F6-9118-CB30DAE3C920}"/>
+              </a:ext>
+            </a:extLst>
+          </p:cNvPr>
+          <p:cNvSpPr txBox="1"/>
+          <p:nvPr/>
+        </p:nvSpPr>
+        <p:spPr>
+          <a:xfrm>
+            <a:off x="5076056" y="1268760"/>
+            <a:ext cx="3240857" cy="3693319"/>
+          </a:xfrm>
+          <a:prstGeom prst="rect">
+            <a:avLst/>
+          </a:prstGeom>
+          <a:noFill/>
+        </p:spPr>
+        <p:txBody>
+          <a:bodyPr wrap="square" rtlCol="0">
+            <a:spAutoFit/>
+          </a:bodyPr>
+          <a:lstStyle/>
+          <a:p>
+            <a:r>
+              <a:rPr lang="en-US" b="0"/>
+              <a:t>There are a few recent works on anonymizing moving objects. Abul et al. [2008] extended</a:t>
+            </a:r>
+          </a:p>
+          <a:p>
+            <a:r>
+              <a:rPr lang="en-US" b="0"/>
+              <a:t>the traditional </a:t>
+            </a:r>
+            <a:r>
+              <a:rPr lang="en-US" b="0" i="1"/>
+              <a:t>k</a:t>
+            </a:r>
+            <a:r>
+              <a:rPr lang="en-US" b="0"/>
+              <a:t>-anonymity model to anonymize a set of moving objects. The</a:t>
+            </a:r>
+          </a:p>
+          <a:p>
+            <a:r>
+              <a:rPr lang="en-US" b="0"/>
+              <a:t>intuition is to have at least </a:t>
+            </a:r>
+            <a:r>
+              <a:rPr lang="en-US" b="0" i="1"/>
+              <a:t>k </a:t>
+            </a:r>
+            <a:r>
+              <a:rPr lang="en-US" b="0"/>
+              <a:t>moving objects appearing within the radius </a:t>
+            </a:r>
+            <a:r>
+              <a:rPr lang="en-US" b="0" i="1"/>
+              <a:t>δ </a:t>
+            </a:r>
+            <a:r>
+              <a:rPr lang="en-US" b="0"/>
+              <a:t>of the path</a:t>
+            </a:r>
+          </a:p>
+          <a:p>
+            <a:r>
+              <a:rPr lang="en-US" b="0"/>
+              <a:t>of every moving object in the same period of time, as depicted in Figure 5.</a:t>
+            </a:r>
+            <a:endParaRPr lang="de-DE" dirty="0"/>
+          </a:p>
+        </p:txBody>
+      </p:sp>
     </p:spTree>
     <p:extLst>
       <p:ext uri="{BB962C8B-B14F-4D97-AF65-F5344CB8AC3E}">
-        <p14:creationId xmlns:p14="http://schemas.microsoft.com/office/powerpoint/2010/main" val="673325542"/>
+        <p14:creationId xmlns:p14="http://schemas.microsoft.com/office/powerpoint/2010/main" val="3579114951"/>
       </p:ext>
     </p:extLst>
   </p:cSld>
@@ -4058,7 +4455,7 @@
           <p:cNvPr id="2" name="Titel 1">
             <a:extLst>
               <a:ext uri="{FF2B5EF4-FFF2-40B4-BE49-F238E27FC236}">
-                <a16:creationId xmlns:a16="http://schemas.microsoft.com/office/drawing/2014/main" id="{1292517C-4632-463D-882E-92A100494D6C}"/>
+                <a16:creationId xmlns:a16="http://schemas.microsoft.com/office/drawing/2014/main" id="{01809404-EB17-4FCD-B405-68EACB8E7AD7}"/>
               </a:ext>
             </a:extLst>
           </p:cNvPr>
@@ -4075,16 +4472,12 @@
           <a:lstStyle/>
           <a:p>
             <a:r>
+              <a:rPr lang="de-DE" b="1" dirty="0" err="1"/>
+              <a:t>Textual</a:t>
+            </a:r>
+            <a:r>
               <a:rPr lang="de-DE" b="1" dirty="0"/>
-              <a:t>Moving </a:t>
-            </a:r>
-            <a:r>
-              <a:rPr lang="de-DE" b="1" dirty="0" err="1"/>
-              <a:t>Object</a:t>
-            </a:r>
-            <a:r>
-              <a:rPr lang="de-DE" b="1" dirty="0"/>
-              <a:t> Data - </a:t>
+              <a:t> Data</a:t>
             </a:r>
             <a:endParaRPr lang="de-DE" dirty="0"/>
           </a:p>
@@ -4095,7 +4488,7 @@
           <p:cNvPr id="3" name="Datumsplatzhalter 2">
             <a:extLst>
               <a:ext uri="{FF2B5EF4-FFF2-40B4-BE49-F238E27FC236}">
-                <a16:creationId xmlns:a16="http://schemas.microsoft.com/office/drawing/2014/main" id="{6D0B4379-0ED9-4519-B0FD-90693196251E}"/>
+                <a16:creationId xmlns:a16="http://schemas.microsoft.com/office/drawing/2014/main" id="{05125B1C-1267-40AB-BF49-0CA8C1F2D42B}"/>
               </a:ext>
             </a:extLst>
           </p:cNvPr>
@@ -4124,7 +4517,7 @@
           <p:cNvPr id="4" name="Fußzeilenplatzhalter 3">
             <a:extLst>
               <a:ext uri="{FF2B5EF4-FFF2-40B4-BE49-F238E27FC236}">
-                <a16:creationId xmlns:a16="http://schemas.microsoft.com/office/drawing/2014/main" id="{1488FE31-DA64-4D3A-A243-8DAA45C3914A}"/>
+                <a16:creationId xmlns:a16="http://schemas.microsoft.com/office/drawing/2014/main" id="{B8807493-F45D-44B0-AE12-4DF2E5E5F2B0}"/>
               </a:ext>
             </a:extLst>
           </p:cNvPr>
@@ -4153,7 +4546,7 @@
           <p:cNvPr id="5" name="Textplatzhalter 4">
             <a:extLst>
               <a:ext uri="{FF2B5EF4-FFF2-40B4-BE49-F238E27FC236}">
-                <a16:creationId xmlns:a16="http://schemas.microsoft.com/office/drawing/2014/main" id="{667FE4C5-431E-4012-9E14-8A6D56B5B3DF}"/>
+                <a16:creationId xmlns:a16="http://schemas.microsoft.com/office/drawing/2014/main" id="{258A1F07-925E-4D51-9984-7A8E5FFCBB2A}"/>
               </a:ext>
             </a:extLst>
           </p:cNvPr>
@@ -4169,7 +4562,122 @@
           <a:bodyPr/>
           <a:lstStyle/>
           <a:p>
-            <a:endParaRPr lang="de-DE"/>
+            <a:r>
+              <a:rPr lang="en-US" dirty="0"/>
+              <a:t>Most previous work focused on anonymizing the structural or </a:t>
+            </a:r>
+            <a:r>
+              <a:rPr lang="en-US" dirty="0" err="1"/>
+              <a:t>semistructural</a:t>
+            </a:r>
+            <a:r>
+              <a:rPr lang="en-US" dirty="0"/>
+              <a:t> </a:t>
+            </a:r>
+            <a:r>
+              <a:rPr lang="en-US" dirty="0" err="1"/>
+              <a:t>data.What</a:t>
+            </a:r>
+            <a:r>
+              <a:rPr lang="en-US" dirty="0"/>
+              <a:t> about the </a:t>
+            </a:r>
+            <a:r>
+              <a:rPr lang="en-US" dirty="0" err="1"/>
+              <a:t>unstructural</a:t>
+            </a:r>
+            <a:r>
+              <a:rPr lang="en-US" dirty="0"/>
+              <a:t> data, such as text documents? </a:t>
+            </a:r>
+            <a:r>
+              <a:rPr lang="en-US" dirty="0" err="1"/>
+              <a:t>Saygin</a:t>
+            </a:r>
+            <a:r>
+              <a:rPr lang="en-US" dirty="0"/>
+              <a:t> et al. [2006] </a:t>
+            </a:r>
+            <a:r>
+              <a:rPr lang="en-US" dirty="0" err="1"/>
+              <a:t>describesimplicit</a:t>
+            </a:r>
+            <a:r>
+              <a:rPr lang="en-US" dirty="0"/>
+              <a:t> and explicit privacy threats in text document repositories. </a:t>
+            </a:r>
+            <a:r>
+              <a:rPr lang="en-US" dirty="0" err="1"/>
+              <a:t>Sanitizationof</a:t>
+            </a:r>
+            <a:r>
+              <a:rPr lang="en-US" dirty="0"/>
+              <a:t> text documents involves removing sensitive information or removing potential </a:t>
+            </a:r>
+            <a:r>
+              <a:rPr lang="en-US" dirty="0" err="1"/>
+              <a:t>linkinginformation</a:t>
+            </a:r>
+            <a:r>
+              <a:rPr lang="en-US" dirty="0"/>
+              <a:t> that can associate an individual person to the sensitive information </a:t>
+            </a:r>
+            <a:r>
+              <a:rPr lang="en-US" dirty="0" err="1"/>
+              <a:t>ina</a:t>
+            </a:r>
+            <a:r>
+              <a:rPr lang="en-US" dirty="0"/>
+              <a:t> document. This research direction is in its </a:t>
+            </a:r>
+            <a:r>
+              <a:rPr lang="en-US" dirty="0" err="1"/>
+              <a:t>infancy.Kokkinakis</a:t>
+            </a:r>
+            <a:r>
+              <a:rPr lang="en-US" dirty="0"/>
+              <a:t> and </a:t>
+            </a:r>
+            <a:r>
+              <a:rPr lang="en-US" dirty="0" err="1"/>
+              <a:t>Thurin</a:t>
+            </a:r>
+            <a:r>
+              <a:rPr lang="en-US" dirty="0"/>
+              <a:t> [2007] implemented a system for automatically </a:t>
+            </a:r>
+            <a:r>
+              <a:rPr lang="en-US" dirty="0" err="1"/>
+              <a:t>anonymizinghospital</a:t>
+            </a:r>
+            <a:r>
+              <a:rPr lang="en-US" dirty="0"/>
+              <a:t> discharge letters by identifying and deliberately removing all phrases </a:t>
+            </a:r>
+            <a:r>
+              <a:rPr lang="en-US" dirty="0" err="1"/>
+              <a:t>fromclinical</a:t>
+            </a:r>
+            <a:r>
+              <a:rPr lang="en-US" dirty="0"/>
+              <a:t> text that satisfy some predefined types of sensitive entities. The </a:t>
+            </a:r>
+            <a:r>
+              <a:rPr lang="en-US" dirty="0" err="1"/>
+              <a:t>identificationphase</a:t>
+            </a:r>
+            <a:r>
+              <a:rPr lang="en-US" dirty="0"/>
+              <a:t> is achieved by collaborating with an underlying generic named entity recognition</a:t>
+            </a:r>
+            <a:r>
+              <a:rPr lang="de-DE" dirty="0" err="1"/>
+              <a:t>system</a:t>
+            </a:r>
+            <a:r>
+              <a:rPr lang="de-DE" dirty="0"/>
+              <a:t>.</a:t>
+            </a:r>
           </a:p>
         </p:txBody>
       </p:sp>
@@ -4178,7 +4686,7 @@
           <p:cNvPr id="6" name="Foliennummernplatzhalter 5">
             <a:extLst>
               <a:ext uri="{FF2B5EF4-FFF2-40B4-BE49-F238E27FC236}">
-                <a16:creationId xmlns:a16="http://schemas.microsoft.com/office/drawing/2014/main" id="{5E7F60E5-5B0F-48A9-8E69-ACF923D2BC2C}"/>
+                <a16:creationId xmlns:a16="http://schemas.microsoft.com/office/drawing/2014/main" id="{7788C7BE-3668-4468-B27D-88F5562E2D83}"/>
               </a:ext>
             </a:extLst>
           </p:cNvPr>
@@ -4206,7 +4714,7 @@
     </p:spTree>
     <p:extLst>
       <p:ext uri="{BB962C8B-B14F-4D97-AF65-F5344CB8AC3E}">
-        <p14:creationId xmlns:p14="http://schemas.microsoft.com/office/powerpoint/2010/main" val="856942373"/>
+        <p14:creationId xmlns:p14="http://schemas.microsoft.com/office/powerpoint/2010/main" val="545608152"/>
       </p:ext>
     </p:extLst>
   </p:cSld>
@@ -4238,7 +4746,7 @@
           <p:cNvPr id="2" name="Titel 1">
             <a:extLst>
               <a:ext uri="{FF2B5EF4-FFF2-40B4-BE49-F238E27FC236}">
-                <a16:creationId xmlns:a16="http://schemas.microsoft.com/office/drawing/2014/main" id="{F630762F-ADDB-483B-8B3B-603DD9617461}"/>
+                <a16:creationId xmlns:a16="http://schemas.microsoft.com/office/drawing/2014/main" id="{958F9CD1-9C9B-404C-BA1F-6E0E9A52DB3B}"/>
               </a:ext>
             </a:extLst>
           </p:cNvPr>
@@ -4254,21 +4762,16 @@
           <a:bodyPr/>
           <a:lstStyle/>
           <a:p>
-            <a:r>
-              <a:rPr lang="de-DE" b="1" dirty="0"/>
-              <a:t>Moving </a:t>
-            </a:r>
-            <a:r>
-              <a:rPr lang="de-DE" b="1" dirty="0" err="1"/>
-              <a:t>Object</a:t>
-            </a:r>
-            <a:r>
-              <a:rPr lang="de-DE" b="1" dirty="0"/>
-              <a:t> Data - </a:t>
-            </a:r>
-            <a:r>
-              <a:rPr lang="de-DE" b="1" dirty="0" err="1"/>
-              <a:t>exampe</a:t>
+            <a:pPr marL="0" indent="0">
+              <a:buNone/>
+            </a:pPr>
+            <a:r>
+              <a:rPr lang="de-DE" dirty="0"/>
+              <a:t>p-sensitive k-</a:t>
+            </a:r>
+            <a:r>
+              <a:rPr lang="de-DE" dirty="0" err="1"/>
+              <a:t>anonymity</a:t>
             </a:r>
             <a:endParaRPr lang="de-DE" dirty="0"/>
           </a:p>
@@ -4279,7 +4782,7 @@
           <p:cNvPr id="3" name="Datumsplatzhalter 2">
             <a:extLst>
               <a:ext uri="{FF2B5EF4-FFF2-40B4-BE49-F238E27FC236}">
-                <a16:creationId xmlns:a16="http://schemas.microsoft.com/office/drawing/2014/main" id="{98E37A1D-373E-4CB5-8A00-E4420DD981F5}"/>
+                <a16:creationId xmlns:a16="http://schemas.microsoft.com/office/drawing/2014/main" id="{F260DF70-9E66-4354-A537-9A6F20EF768D}"/>
               </a:ext>
             </a:extLst>
           </p:cNvPr>
@@ -4308,7 +4811,7 @@
           <p:cNvPr id="4" name="Fußzeilenplatzhalter 3">
             <a:extLst>
               <a:ext uri="{FF2B5EF4-FFF2-40B4-BE49-F238E27FC236}">
-                <a16:creationId xmlns:a16="http://schemas.microsoft.com/office/drawing/2014/main" id="{7718522C-A894-49C9-A4F0-5E1DFA7741F2}"/>
+                <a16:creationId xmlns:a16="http://schemas.microsoft.com/office/drawing/2014/main" id="{09C9E642-E14C-4E77-9B36-1ABB217EAF95}"/>
               </a:ext>
             </a:extLst>
           </p:cNvPr>
@@ -4337,7 +4840,7 @@
           <p:cNvPr id="5" name="Textplatzhalter 4">
             <a:extLst>
               <a:ext uri="{FF2B5EF4-FFF2-40B4-BE49-F238E27FC236}">
-                <a16:creationId xmlns:a16="http://schemas.microsoft.com/office/drawing/2014/main" id="{87651521-0381-4223-BDE6-C2A67D608413}"/>
+                <a16:creationId xmlns:a16="http://schemas.microsoft.com/office/drawing/2014/main" id="{9E443BB6-0E02-4D1C-85A1-676AC33F2EAA}"/>
               </a:ext>
             </a:extLst>
           </p:cNvPr>
@@ -4353,7 +4856,86 @@
           <a:bodyPr/>
           <a:lstStyle/>
           <a:p>
-            <a:endParaRPr lang="de-DE"/>
+            <a:r>
+              <a:rPr lang="en-US" dirty="0"/>
+              <a:t>identity disclosure and attribute disclosure.</a:t>
+            </a:r>
+          </a:p>
+          <a:p>
+            <a:r>
+              <a:rPr lang="en-US" dirty="0" err="1"/>
+              <a:t>dentity</a:t>
+            </a:r>
+            <a:r>
+              <a:rPr lang="en-US" dirty="0"/>
+              <a:t> disclosure and attribute disclosure.</a:t>
+            </a:r>
+          </a:p>
+          <a:p>
+            <a:pPr marL="0" indent="0">
+              <a:buNone/>
+            </a:pPr>
+            <a:r>
+              <a:rPr lang="en-US" i="1" dirty="0"/>
+              <a:t>Identity disclosure </a:t>
+            </a:r>
+            <a:r>
+              <a:rPr lang="en-US" dirty="0"/>
+              <a:t>refers to identification of an entity</a:t>
+            </a:r>
+          </a:p>
+          <a:p>
+            <a:pPr marL="0" indent="0">
+              <a:buNone/>
+            </a:pPr>
+            <a:r>
+              <a:rPr lang="en-US" dirty="0"/>
+              <a:t>(person, institution) and </a:t>
+            </a:r>
+            <a:r>
+              <a:rPr lang="en-US" i="1" dirty="0"/>
+              <a:t>attribute disclosure </a:t>
+            </a:r>
+            <a:r>
+              <a:rPr lang="en-US" dirty="0"/>
+              <a:t>occurs when</a:t>
+            </a:r>
+          </a:p>
+          <a:p>
+            <a:pPr marL="0" indent="0">
+              <a:buNone/>
+            </a:pPr>
+            <a:r>
+              <a:rPr lang="en-US" dirty="0"/>
+              <a:t>the intruder finds out something new about the target</a:t>
+            </a:r>
+          </a:p>
+          <a:p>
+            <a:pPr marL="0" indent="0">
+              <a:buNone/>
+            </a:pPr>
+            <a:r>
+              <a:rPr lang="en-US" dirty="0"/>
+              <a:t>entity [11]. Identity disclosure does not automatically</a:t>
+            </a:r>
+          </a:p>
+          <a:p>
+            <a:pPr marL="0" indent="0">
+              <a:buNone/>
+            </a:pPr>
+            <a:r>
+              <a:rPr lang="de-DE" dirty="0" err="1"/>
+              <a:t>imply</a:t>
+            </a:r>
+            <a:r>
+              <a:rPr lang="de-DE" dirty="0"/>
+              <a:t> </a:t>
+            </a:r>
+            <a:r>
+              <a:rPr lang="de-DE" dirty="0" err="1"/>
+              <a:t>attribute</a:t>
+            </a:r>
+            <a:endParaRPr lang="de-DE" dirty="0"/>
           </a:p>
         </p:txBody>
       </p:sp>
@@ -4362,7 +4944,7 @@
           <p:cNvPr id="6" name="Foliennummernplatzhalter 5">
             <a:extLst>
               <a:ext uri="{FF2B5EF4-FFF2-40B4-BE49-F238E27FC236}">
-                <a16:creationId xmlns:a16="http://schemas.microsoft.com/office/drawing/2014/main" id="{8667CAC0-ED65-461E-B9D6-E014713A72F4}"/>
+                <a16:creationId xmlns:a16="http://schemas.microsoft.com/office/drawing/2014/main" id="{4C8439EF-D42F-4986-86FE-E0B37623E7D1}"/>
               </a:ext>
             </a:extLst>
           </p:cNvPr>
@@ -4390,7 +4972,7 @@
     </p:spTree>
     <p:extLst>
       <p:ext uri="{BB962C8B-B14F-4D97-AF65-F5344CB8AC3E}">
-        <p14:creationId xmlns:p14="http://schemas.microsoft.com/office/powerpoint/2010/main" val="3579114951"/>
+        <p14:creationId xmlns:p14="http://schemas.microsoft.com/office/powerpoint/2010/main" val="1946241733"/>
       </p:ext>
     </p:extLst>
   </p:cSld>
@@ -4422,7 +5004,7 @@
           <p:cNvPr id="2" name="Titel 1">
             <a:extLst>
               <a:ext uri="{FF2B5EF4-FFF2-40B4-BE49-F238E27FC236}">
-                <a16:creationId xmlns:a16="http://schemas.microsoft.com/office/drawing/2014/main" id="{01809404-EB17-4FCD-B405-68EACB8E7AD7}"/>
+                <a16:creationId xmlns:a16="http://schemas.microsoft.com/office/drawing/2014/main" id="{7B413E46-A044-4329-AE39-7349DB1BBEFC}"/>
               </a:ext>
             </a:extLst>
           </p:cNvPr>
@@ -4439,12 +5021,12 @@
           <a:lstStyle/>
           <a:p>
             <a:r>
-              <a:rPr lang="de-DE" b="1" dirty="0" err="1"/>
-              <a:t>Textual</a:t>
-            </a:r>
-            <a:r>
-              <a:rPr lang="de-DE" b="1" dirty="0"/>
-              <a:t> Data</a:t>
+              <a:rPr lang="de-DE" dirty="0"/>
+              <a:t>P-sensitive k -</a:t>
+            </a:r>
+            <a:r>
+              <a:rPr lang="de-DE" dirty="0" err="1"/>
+              <a:t>anonymity</a:t>
             </a:r>
             <a:endParaRPr lang="de-DE" dirty="0"/>
           </a:p>
@@ -4455,7 +5037,7 @@
           <p:cNvPr id="3" name="Datumsplatzhalter 2">
             <a:extLst>
               <a:ext uri="{FF2B5EF4-FFF2-40B4-BE49-F238E27FC236}">
-                <a16:creationId xmlns:a16="http://schemas.microsoft.com/office/drawing/2014/main" id="{05125B1C-1267-40AB-BF49-0CA8C1F2D42B}"/>
+                <a16:creationId xmlns:a16="http://schemas.microsoft.com/office/drawing/2014/main" id="{2017CE23-A8AD-4FC4-B6DD-A2E0CDE682B2}"/>
               </a:ext>
             </a:extLst>
           </p:cNvPr>
@@ -4484,7 +5066,7 @@
           <p:cNvPr id="4" name="Fußzeilenplatzhalter 3">
             <a:extLst>
               <a:ext uri="{FF2B5EF4-FFF2-40B4-BE49-F238E27FC236}">
-                <a16:creationId xmlns:a16="http://schemas.microsoft.com/office/drawing/2014/main" id="{B8807493-F45D-44B0-AE12-4DF2E5E5F2B0}"/>
+                <a16:creationId xmlns:a16="http://schemas.microsoft.com/office/drawing/2014/main" id="{A23D59A7-D63C-4137-972B-3B6224BB0D54}"/>
               </a:ext>
             </a:extLst>
           </p:cNvPr>
@@ -4513,7 +5095,7 @@
           <p:cNvPr id="5" name="Textplatzhalter 4">
             <a:extLst>
               <a:ext uri="{FF2B5EF4-FFF2-40B4-BE49-F238E27FC236}">
-                <a16:creationId xmlns:a16="http://schemas.microsoft.com/office/drawing/2014/main" id="{258A1F07-925E-4D51-9984-7A8E5FFCBB2A}"/>
+                <a16:creationId xmlns:a16="http://schemas.microsoft.com/office/drawing/2014/main" id="{62403F49-8A1E-4574-B8FF-BE1B459AD6B3}"/>
               </a:ext>
             </a:extLst>
           </p:cNvPr>
@@ -4529,7 +5111,90 @@
           <a:bodyPr/>
           <a:lstStyle/>
           <a:p>
-            <a:endParaRPr lang="de-DE"/>
+            <a:r>
+              <a:rPr lang="de-DE" dirty="0"/>
+              <a:t>The </a:t>
+            </a:r>
+            <a:r>
+              <a:rPr lang="de-DE" dirty="0" err="1"/>
+              <a:t>for</a:t>
+            </a:r>
+            <a:r>
+              <a:rPr lang="de-DE" dirty="0"/>
+              <a:t> </a:t>
+            </a:r>
+            <a:r>
+              <a:rPr lang="de-DE" dirty="0" err="1"/>
+              <a:t>each</a:t>
+            </a:r>
+            <a:r>
+              <a:rPr lang="de-DE" dirty="0"/>
+              <a:t> </a:t>
+            </a:r>
+            <a:r>
+              <a:rPr lang="de-DE" dirty="0" err="1"/>
+              <a:t>tuple</a:t>
+            </a:r>
+            <a:r>
+              <a:rPr lang="de-DE" dirty="0"/>
+              <a:t> </a:t>
+            </a:r>
+            <a:r>
+              <a:rPr lang="de-DE" dirty="0" err="1"/>
+              <a:t>of</a:t>
+            </a:r>
+            <a:r>
+              <a:rPr lang="de-DE" dirty="0"/>
+              <a:t> k-</a:t>
+            </a:r>
+            <a:r>
+              <a:rPr lang="de-DE" dirty="0" err="1"/>
+              <a:t>anonymity</a:t>
+            </a:r>
+            <a:r>
+              <a:rPr lang="de-DE" dirty="0"/>
+              <a:t> </a:t>
+            </a:r>
+            <a:r>
+              <a:rPr lang="de-DE" dirty="0" err="1"/>
+              <a:t>there</a:t>
+            </a:r>
+            <a:r>
+              <a:rPr lang="de-DE" dirty="0"/>
+              <a:t> </a:t>
+            </a:r>
+            <a:r>
+              <a:rPr lang="de-DE" dirty="0" err="1"/>
+              <a:t>are</a:t>
+            </a:r>
+            <a:r>
+              <a:rPr lang="de-DE" dirty="0"/>
+              <a:t> at least p different sensitive </a:t>
+            </a:r>
+            <a:r>
+              <a:rPr lang="de-DE" dirty="0" err="1"/>
+              <a:t>data</a:t>
+            </a:r>
+            <a:endParaRPr lang="de-DE" dirty="0"/>
+          </a:p>
+          <a:p>
+            <a:r>
+              <a:rPr lang="de-DE" dirty="0"/>
+              <a:t>Problem:</a:t>
+            </a:r>
+            <a:r>
+              <a:rPr lang="en-US" dirty="0"/>
+              <a:t>p-Sensitive k-anonymity has the limitation of implicitly assuming that each confidential attribute takes values uniformly over its domain, that is, that the frequencies of the various values of a confidential attribute are similar. When this is not the case, </a:t>
+            </a:r>
+            <a:r>
+              <a:rPr lang="en-US" dirty="0" err="1"/>
+              <a:t>achievingp</a:t>
+            </a:r>
+            <a:r>
+              <a:rPr lang="en-US" dirty="0"/>
+              <a:t>-sensitive k-anonymity may cause a huge data utility loss. This is illustrated in the following example.</a:t>
+            </a:r>
+            <a:endParaRPr lang="de-DE" dirty="0"/>
           </a:p>
         </p:txBody>
       </p:sp>
@@ -4538,7 +5203,7 @@
           <p:cNvPr id="6" name="Foliennummernplatzhalter 5">
             <a:extLst>
               <a:ext uri="{FF2B5EF4-FFF2-40B4-BE49-F238E27FC236}">
-                <a16:creationId xmlns:a16="http://schemas.microsoft.com/office/drawing/2014/main" id="{7788C7BE-3668-4468-B27D-88F5562E2D83}"/>
+                <a16:creationId xmlns:a16="http://schemas.microsoft.com/office/drawing/2014/main" id="{E252A72A-F651-40F4-8DBC-665586CBC460}"/>
               </a:ext>
             </a:extLst>
           </p:cNvPr>
@@ -4566,7 +5231,7 @@
     </p:spTree>
     <p:extLst>
       <p:ext uri="{BB962C8B-B14F-4D97-AF65-F5344CB8AC3E}">
-        <p14:creationId xmlns:p14="http://schemas.microsoft.com/office/powerpoint/2010/main" val="545608152"/>
+        <p14:creationId xmlns:p14="http://schemas.microsoft.com/office/powerpoint/2010/main" val="2954308101"/>
       </p:ext>
     </p:extLst>
   </p:cSld>
@@ -4598,7 +5263,7 @@
           <p:cNvPr id="2" name="Titel 1">
             <a:extLst>
               <a:ext uri="{FF2B5EF4-FFF2-40B4-BE49-F238E27FC236}">
-                <a16:creationId xmlns:a16="http://schemas.microsoft.com/office/drawing/2014/main" id="{2DAFB4A8-5551-403B-B8F9-9FC811CE05F9}"/>
+                <a16:creationId xmlns:a16="http://schemas.microsoft.com/office/drawing/2014/main" id="{29821BA2-C897-4834-998A-48C037EFCC61}"/>
               </a:ext>
             </a:extLst>
           </p:cNvPr>
@@ -4615,18 +5280,14 @@
           <a:lstStyle/>
           <a:p>
             <a:r>
-              <a:rPr lang="de-DE" b="1" dirty="0" err="1"/>
-              <a:t>Textual</a:t>
-            </a:r>
-            <a:r>
-              <a:rPr lang="de-DE" b="1" dirty="0"/>
-              <a:t> Data - </a:t>
-            </a:r>
-            <a:r>
-              <a:rPr lang="de-DE" b="1"/>
-              <a:t>example</a:t>
-            </a:r>
-            <a:endParaRPr lang="de-DE"/>
+              <a:rPr lang="de-DE" dirty="0"/>
+              <a:t>l-</a:t>
+            </a:r>
+            <a:r>
+              <a:rPr lang="de-DE" dirty="0" err="1"/>
+              <a:t>diversity</a:t>
+            </a:r>
+            <a:endParaRPr lang="de-DE" dirty="0"/>
           </a:p>
         </p:txBody>
       </p:sp>
@@ -4635,7 +5296,7 @@
           <p:cNvPr id="3" name="Datumsplatzhalter 2">
             <a:extLst>
               <a:ext uri="{FF2B5EF4-FFF2-40B4-BE49-F238E27FC236}">
-                <a16:creationId xmlns:a16="http://schemas.microsoft.com/office/drawing/2014/main" id="{41256D5D-4004-46C0-996B-039D986D36EF}"/>
+                <a16:creationId xmlns:a16="http://schemas.microsoft.com/office/drawing/2014/main" id="{707299E6-283C-4175-B3B3-5D836D4EF88A}"/>
               </a:ext>
             </a:extLst>
           </p:cNvPr>
@@ -4664,7 +5325,7 @@
           <p:cNvPr id="4" name="Fußzeilenplatzhalter 3">
             <a:extLst>
               <a:ext uri="{FF2B5EF4-FFF2-40B4-BE49-F238E27FC236}">
-                <a16:creationId xmlns:a16="http://schemas.microsoft.com/office/drawing/2014/main" id="{C3DC1E87-E9F7-44D7-991D-A3EB2CEC9A34}"/>
+                <a16:creationId xmlns:a16="http://schemas.microsoft.com/office/drawing/2014/main" id="{CDC6992F-08D8-482D-96AA-DC41E416B94B}"/>
               </a:ext>
             </a:extLst>
           </p:cNvPr>
@@ -4693,7 +5354,7 @@
           <p:cNvPr id="5" name="Textplatzhalter 4">
             <a:extLst>
               <a:ext uri="{FF2B5EF4-FFF2-40B4-BE49-F238E27FC236}">
-                <a16:creationId xmlns:a16="http://schemas.microsoft.com/office/drawing/2014/main" id="{98A8CB64-2C6A-4E01-8526-44FD26B6C944}"/>
+                <a16:creationId xmlns:a16="http://schemas.microsoft.com/office/drawing/2014/main" id="{CB4D70E7-CAB1-402E-A84F-08E5BE171BBF}"/>
               </a:ext>
             </a:extLst>
           </p:cNvPr>
@@ -4709,7 +5370,74 @@
           <a:bodyPr/>
           <a:lstStyle/>
           <a:p>
-            <a:endParaRPr lang="de-DE"/>
+            <a:r>
+              <a:rPr lang="en-US" dirty="0"/>
+              <a:t>Definition 3 (l-Diversity): A data set is said to satisfy</a:t>
+            </a:r>
+          </a:p>
+          <a:p>
+            <a:pPr marL="0" indent="0">
+              <a:buNone/>
+            </a:pPr>
+            <a:r>
+              <a:rPr lang="en-US" dirty="0"/>
+              <a:t>l-diversity if, for each group of records sharing a</a:t>
+            </a:r>
+          </a:p>
+          <a:p>
+            <a:pPr marL="0" indent="0">
+              <a:buNone/>
+            </a:pPr>
+            <a:r>
+              <a:rPr lang="en-US" dirty="0"/>
+              <a:t>combination of key attributes, there are at least l “</a:t>
+            </a:r>
+            <a:r>
+              <a:rPr lang="en-US" dirty="0" err="1"/>
+              <a:t>wellrepresented</a:t>
+            </a:r>
+            <a:r>
+              <a:rPr lang="en-US" dirty="0"/>
+              <a:t>” values for each confidential attribute.</a:t>
+            </a:r>
+          </a:p>
+          <a:p>
+            <a:pPr marL="0" indent="0">
+              <a:buNone/>
+            </a:pPr>
+            <a:r>
+              <a:rPr lang="en-US" dirty="0"/>
+              <a:t>According to [9] the term “well-represented” can be</a:t>
+            </a:r>
+          </a:p>
+          <a:p>
+            <a:pPr marL="0" indent="0">
+              <a:buNone/>
+            </a:pPr>
+            <a:r>
+              <a:rPr lang="de-DE" dirty="0" err="1"/>
+              <a:t>defined</a:t>
+            </a:r>
+            <a:r>
+              <a:rPr lang="de-DE" dirty="0"/>
+              <a:t> in </a:t>
+            </a:r>
+            <a:r>
+              <a:rPr lang="de-DE" dirty="0" err="1"/>
+              <a:t>several</a:t>
+            </a:r>
+            <a:r>
+              <a:rPr lang="de-DE" dirty="0"/>
+              <a:t> </a:t>
+            </a:r>
+            <a:r>
+              <a:rPr lang="de-DE" dirty="0" err="1"/>
+              <a:t>ways</a:t>
+            </a:r>
+            <a:r>
+              <a:rPr lang="de-DE" dirty="0"/>
+              <a:t>:</a:t>
+            </a:r>
           </a:p>
         </p:txBody>
       </p:sp>
@@ -4718,7 +5446,7 @@
           <p:cNvPr id="6" name="Foliennummernplatzhalter 5">
             <a:extLst>
               <a:ext uri="{FF2B5EF4-FFF2-40B4-BE49-F238E27FC236}">
-                <a16:creationId xmlns:a16="http://schemas.microsoft.com/office/drawing/2014/main" id="{D25A49A6-B326-42E0-BF3A-5D3F055C11E7}"/>
+                <a16:creationId xmlns:a16="http://schemas.microsoft.com/office/drawing/2014/main" id="{265E418F-8B07-43E5-91F1-566EB30C7F53}"/>
               </a:ext>
             </a:extLst>
           </p:cNvPr>
@@ -4746,7 +5474,7 @@
     </p:spTree>
     <p:extLst>
       <p:ext uri="{BB962C8B-B14F-4D97-AF65-F5344CB8AC3E}">
-        <p14:creationId xmlns:p14="http://schemas.microsoft.com/office/powerpoint/2010/main" val="3238394678"/>
+        <p14:creationId xmlns:p14="http://schemas.microsoft.com/office/powerpoint/2010/main" val="405088296"/>
       </p:ext>
     </p:extLst>
   </p:cSld>
@@ -5026,7 +5754,7 @@
           <p:cNvPr id="2" name="Titel 1">
             <a:extLst>
               <a:ext uri="{FF2B5EF4-FFF2-40B4-BE49-F238E27FC236}">
-                <a16:creationId xmlns:a16="http://schemas.microsoft.com/office/drawing/2014/main" id="{958F9CD1-9C9B-404C-BA1F-6E0E9A52DB3B}"/>
+                <a16:creationId xmlns:a16="http://schemas.microsoft.com/office/drawing/2014/main" id="{48F7001C-8209-4829-9211-838EE9976128}"/>
               </a:ext>
             </a:extLst>
           </p:cNvPr>
@@ -5042,16 +5770,13 @@
           <a:bodyPr/>
           <a:lstStyle/>
           <a:p>
-            <a:pPr marL="0" indent="0">
-              <a:buNone/>
-            </a:pPr>
-            <a:r>
-              <a:rPr lang="de-DE" dirty="0"/>
-              <a:t>p-sensitive k-</a:t>
+            <a:r>
+              <a:rPr lang="de-DE" dirty="0"/>
+              <a:t>Different l-</a:t>
             </a:r>
             <a:r>
               <a:rPr lang="de-DE" dirty="0" err="1"/>
-              <a:t>anonymity</a:t>
+              <a:t>diversity</a:t>
             </a:r>
             <a:endParaRPr lang="de-DE" dirty="0"/>
           </a:p>
@@ -5062,7 +5787,7 @@
           <p:cNvPr id="3" name="Datumsplatzhalter 2">
             <a:extLst>
               <a:ext uri="{FF2B5EF4-FFF2-40B4-BE49-F238E27FC236}">
-                <a16:creationId xmlns:a16="http://schemas.microsoft.com/office/drawing/2014/main" id="{F260DF70-9E66-4354-A537-9A6F20EF768D}"/>
+                <a16:creationId xmlns:a16="http://schemas.microsoft.com/office/drawing/2014/main" id="{5617572A-0126-4E39-9967-6339673CBF10}"/>
               </a:ext>
             </a:extLst>
           </p:cNvPr>
@@ -5091,7 +5816,7 @@
           <p:cNvPr id="4" name="Fußzeilenplatzhalter 3">
             <a:extLst>
               <a:ext uri="{FF2B5EF4-FFF2-40B4-BE49-F238E27FC236}">
-                <a16:creationId xmlns:a16="http://schemas.microsoft.com/office/drawing/2014/main" id="{09C9E642-E14C-4E77-9B36-1ABB217EAF95}"/>
+                <a16:creationId xmlns:a16="http://schemas.microsoft.com/office/drawing/2014/main" id="{147D38FB-93C4-47D0-B1B6-40BB9C26DCA0}"/>
               </a:ext>
             </a:extLst>
           </p:cNvPr>
@@ -5120,7 +5845,7 @@
           <p:cNvPr id="5" name="Textplatzhalter 4">
             <a:extLst>
               <a:ext uri="{FF2B5EF4-FFF2-40B4-BE49-F238E27FC236}">
-                <a16:creationId xmlns:a16="http://schemas.microsoft.com/office/drawing/2014/main" id="{9E443BB6-0E02-4D1C-85A1-676AC33F2EAA}"/>
+                <a16:creationId xmlns:a16="http://schemas.microsoft.com/office/drawing/2014/main" id="{A8D93557-FF57-443A-B61F-5F9D57A43186}"/>
               </a:ext>
             </a:extLst>
           </p:cNvPr>
@@ -5138,82 +5863,51 @@
           <a:p>
             <a:r>
               <a:rPr lang="en-US" dirty="0"/>
-              <a:t>identity disclosure and attribute disclosure.</a:t>
-            </a:r>
-          </a:p>
-          <a:p>
-            <a:r>
-              <a:rPr lang="en-US" dirty="0" err="1"/>
-              <a:t>dentity</a:t>
-            </a:r>
-            <a:r>
-              <a:rPr lang="en-US" dirty="0"/>
-              <a:t> disclosure and attribute disclosure.</a:t>
-            </a:r>
-          </a:p>
-          <a:p>
-            <a:pPr marL="0" indent="0">
-              <a:buNone/>
-            </a:pPr>
-            <a:r>
-              <a:rPr lang="en-US" i="1" dirty="0"/>
-              <a:t>Identity disclosure </a:t>
-            </a:r>
-            <a:r>
-              <a:rPr lang="en-US" dirty="0"/>
-              <a:t>refers to identification of an entity</a:t>
-            </a:r>
-          </a:p>
-          <a:p>
-            <a:pPr marL="0" indent="0">
-              <a:buNone/>
-            </a:pPr>
-            <a:r>
-              <a:rPr lang="en-US" dirty="0"/>
-              <a:t>(person, institution) and </a:t>
-            </a:r>
-            <a:r>
-              <a:rPr lang="en-US" i="1" dirty="0"/>
-              <a:t>attribute disclosure </a:t>
-            </a:r>
-            <a:r>
-              <a:rPr lang="en-US" dirty="0"/>
-              <a:t>occurs when</a:t>
-            </a:r>
-          </a:p>
-          <a:p>
-            <a:pPr marL="0" indent="0">
-              <a:buNone/>
-            </a:pPr>
-            <a:r>
-              <a:rPr lang="en-US" dirty="0"/>
-              <a:t>the intruder finds out something new about the target</a:t>
-            </a:r>
-          </a:p>
-          <a:p>
-            <a:pPr marL="0" indent="0">
-              <a:buNone/>
-            </a:pPr>
-            <a:r>
-              <a:rPr lang="en-US" dirty="0"/>
-              <a:t>entity [11]. Identity disclosure does not automatically</a:t>
-            </a:r>
-          </a:p>
-          <a:p>
-            <a:pPr marL="0" indent="0">
-              <a:buNone/>
-            </a:pPr>
+              <a:t>1) Distinct l-diversity. There must be at least l distinct values for the confidential attribute in each group of records sharing a combination of key attributes. This is equivalent to l-sensitive k-</a:t>
+            </a:r>
+          </a:p>
+          <a:p>
+            <a:r>
+              <a:rPr lang="de-DE" dirty="0"/>
+              <a:t>2) </a:t>
+            </a:r>
             <a:r>
               <a:rPr lang="de-DE" dirty="0" err="1"/>
-              <a:t>imply</a:t>
-            </a:r>
-            <a:r>
-              <a:rPr lang="de-DE" dirty="0"/>
-              <a:t> </a:t>
+              <a:t>Entropy</a:t>
+            </a:r>
+            <a:r>
+              <a:rPr lang="de-DE" dirty="0"/>
+              <a:t> l-</a:t>
             </a:r>
             <a:r>
               <a:rPr lang="de-DE" dirty="0" err="1"/>
-              <a:t>attribute</a:t>
+              <a:t>diversity</a:t>
+            </a:r>
+            <a:r>
+              <a:rPr lang="de-DE" dirty="0"/>
+              <a:t>.</a:t>
+            </a:r>
+            <a:r>
+              <a:rPr lang="en-US" dirty="0"/>
+              <a:t>.</a:t>
+            </a:r>
+          </a:p>
+          <a:p>
+            <a:r>
+              <a:rPr lang="de-DE" dirty="0"/>
+              <a:t>3) </a:t>
+            </a:r>
+            <a:r>
+              <a:rPr lang="de-DE" dirty="0" err="1"/>
+              <a:t>Recursive</a:t>
+            </a:r>
+            <a:r>
+              <a:rPr lang="de-DE" dirty="0"/>
+              <a:t> (c, l)-</a:t>
+            </a:r>
+            <a:r>
+              <a:rPr lang="de-DE" dirty="0" err="1"/>
+              <a:t>diversity</a:t>
             </a:r>
             <a:endParaRPr lang="de-DE" dirty="0"/>
           </a:p>
@@ -5224,7 +5918,7 @@
           <p:cNvPr id="6" name="Foliennummernplatzhalter 5">
             <a:extLst>
               <a:ext uri="{FF2B5EF4-FFF2-40B4-BE49-F238E27FC236}">
-                <a16:creationId xmlns:a16="http://schemas.microsoft.com/office/drawing/2014/main" id="{4C8439EF-D42F-4986-86FE-E0B37623E7D1}"/>
+                <a16:creationId xmlns:a16="http://schemas.microsoft.com/office/drawing/2014/main" id="{5824C375-82E2-4ED0-B2D7-27F730213BC9}"/>
               </a:ext>
             </a:extLst>
           </p:cNvPr>
@@ -5252,7 +5946,7 @@
     </p:spTree>
     <p:extLst>
       <p:ext uri="{BB962C8B-B14F-4D97-AF65-F5344CB8AC3E}">
-        <p14:creationId xmlns:p14="http://schemas.microsoft.com/office/powerpoint/2010/main" val="1946241733"/>
+        <p14:creationId xmlns:p14="http://schemas.microsoft.com/office/powerpoint/2010/main" val="3629270011"/>
       </p:ext>
     </p:extLst>
   </p:cSld>
@@ -5284,7 +5978,7 @@
           <p:cNvPr id="2" name="Titel 1">
             <a:extLst>
               <a:ext uri="{FF2B5EF4-FFF2-40B4-BE49-F238E27FC236}">
-                <a16:creationId xmlns:a16="http://schemas.microsoft.com/office/drawing/2014/main" id="{7B413E46-A044-4329-AE39-7349DB1BBEFC}"/>
+                <a16:creationId xmlns:a16="http://schemas.microsoft.com/office/drawing/2014/main" id="{D57F315B-3D66-4582-BD2E-B5CF68CF03EA}"/>
               </a:ext>
             </a:extLst>
           </p:cNvPr>
@@ -5302,11 +5996,19 @@
           <a:p>
             <a:r>
               <a:rPr lang="de-DE" dirty="0"/>
-              <a:t>P-sensitive k -</a:t>
+              <a:t>Pr0blems </a:t>
             </a:r>
             <a:r>
               <a:rPr lang="de-DE" dirty="0" err="1"/>
-              <a:t>anonymity</a:t>
+              <a:t>with</a:t>
+            </a:r>
+            <a:r>
+              <a:rPr lang="de-DE" dirty="0"/>
+              <a:t> l-</a:t>
+            </a:r>
+            <a:r>
+              <a:rPr lang="de-DE" dirty="0" err="1"/>
+              <a:t>diversity</a:t>
             </a:r>
             <a:endParaRPr lang="de-DE" dirty="0"/>
           </a:p>
@@ -5317,7 +6019,7 @@
           <p:cNvPr id="3" name="Datumsplatzhalter 2">
             <a:extLst>
               <a:ext uri="{FF2B5EF4-FFF2-40B4-BE49-F238E27FC236}">
-                <a16:creationId xmlns:a16="http://schemas.microsoft.com/office/drawing/2014/main" id="{2017CE23-A8AD-4FC4-B6DD-A2E0CDE682B2}"/>
+                <a16:creationId xmlns:a16="http://schemas.microsoft.com/office/drawing/2014/main" id="{F0D016CC-39B2-45FF-8A84-ED244F5DF67D}"/>
               </a:ext>
             </a:extLst>
           </p:cNvPr>
@@ -5346,7 +6048,7 @@
           <p:cNvPr id="4" name="Fußzeilenplatzhalter 3">
             <a:extLst>
               <a:ext uri="{FF2B5EF4-FFF2-40B4-BE49-F238E27FC236}">
-                <a16:creationId xmlns:a16="http://schemas.microsoft.com/office/drawing/2014/main" id="{A23D59A7-D63C-4137-972B-3B6224BB0D54}"/>
+                <a16:creationId xmlns:a16="http://schemas.microsoft.com/office/drawing/2014/main" id="{A2CF5D6B-468B-404B-9403-11972A2A9486}"/>
               </a:ext>
             </a:extLst>
           </p:cNvPr>
@@ -5375,7 +6077,7 @@
           <p:cNvPr id="5" name="Textplatzhalter 4">
             <a:extLst>
               <a:ext uri="{FF2B5EF4-FFF2-40B4-BE49-F238E27FC236}">
-                <a16:creationId xmlns:a16="http://schemas.microsoft.com/office/drawing/2014/main" id="{62403F49-8A1E-4574-B8FF-BE1B459AD6B3}"/>
+                <a16:creationId xmlns:a16="http://schemas.microsoft.com/office/drawing/2014/main" id="{43AD6479-C7D5-46BC-9148-10AF544DFBFA}"/>
               </a:ext>
             </a:extLst>
           </p:cNvPr>
@@ -5392,12 +6094,58 @@
           <a:lstStyle/>
           <a:p>
             <a:r>
-              <a:rPr lang="de-DE" dirty="0"/>
-              <a:t>The </a:t>
+              <a:rPr lang="en-US" dirty="0"/>
+              <a:t>l-Diversity may be difficult and unnecessary to</a:t>
+            </a:r>
+          </a:p>
+          <a:p>
+            <a:pPr marL="0" indent="0">
+              <a:buNone/>
+            </a:pPr>
+            <a:r>
+              <a:rPr lang="en-US" dirty="0"/>
+              <a:t>achieve. The argument is the same given against</a:t>
+            </a:r>
+          </a:p>
+          <a:p>
+            <a:pPr marL="0" indent="0">
+              <a:buNone/>
+            </a:pPr>
+            <a:r>
+              <a:rPr lang="en-US" dirty="0"/>
+              <a:t>p-sensitive k-anonymity in Example 2 above.</a:t>
+            </a:r>
+          </a:p>
+          <a:p>
+            <a:r>
+              <a:rPr lang="en-US" dirty="0"/>
+              <a:t>l-Diversity is insufficient to prevent attribute disclosure.</a:t>
+            </a:r>
+          </a:p>
+          <a:p>
+            <a:pPr marL="0" indent="0">
+              <a:buNone/>
+            </a:pPr>
+            <a:r>
+              <a:rPr lang="en-US" dirty="0"/>
+              <a:t>At least the following two attacks are </a:t>
             </a:r>
             <a:r>
               <a:rPr lang="de-DE" dirty="0" err="1"/>
-              <a:t>for</a:t>
+              <a:t>conceivable</a:t>
+            </a:r>
+            <a:r>
+              <a:rPr lang="de-DE" dirty="0"/>
+              <a:t>:</a:t>
+            </a:r>
+          </a:p>
+          <a:p>
+            <a:pPr marL="0" indent="0">
+              <a:buNone/>
+            </a:pPr>
+            <a:r>
+              <a:rPr lang="de-DE" dirty="0" err="1"/>
+              <a:t>Skewness</a:t>
             </a:r>
             <a:r>
               <a:rPr lang="de-DE" dirty="0"/>
@@ -5405,7 +6153,20 @@
             </a:r>
             <a:r>
               <a:rPr lang="de-DE" dirty="0" err="1"/>
-              <a:t>each</a:t>
+              <a:t>attack</a:t>
+            </a:r>
+            <a:r>
+              <a:rPr lang="de-DE" dirty="0"/>
+              <a:t>:</a:t>
+            </a:r>
+          </a:p>
+          <a:p>
+            <a:pPr marL="0" indent="0">
+              <a:buNone/>
+            </a:pPr>
+            <a:r>
+              <a:rPr lang="de-DE" dirty="0" err="1"/>
+              <a:t>Similarity</a:t>
             </a:r>
             <a:r>
               <a:rPr lang="de-DE" dirty="0"/>
@@ -5413,7 +6174,23 @@
             </a:r>
             <a:r>
               <a:rPr lang="de-DE" dirty="0" err="1"/>
-              <a:t>tuple</a:t>
+              <a:t>attack</a:t>
+            </a:r>
+            <a:r>
+              <a:rPr lang="de-DE" dirty="0"/>
+              <a:t>: </a:t>
+            </a:r>
+            <a:r>
+              <a:rPr lang="de-DE" dirty="0" err="1"/>
+              <a:t>sematical</a:t>
+            </a:r>
+            <a:r>
+              <a:rPr lang="de-DE" dirty="0"/>
+              <a:t> same </a:t>
+            </a:r>
+            <a:r>
+              <a:rPr lang="de-DE" dirty="0" err="1"/>
+              <a:t>cofidentail</a:t>
             </a:r>
             <a:r>
               <a:rPr lang="de-DE" dirty="0"/>
@@ -5421,58 +6198,7 @@
             </a:r>
             <a:r>
               <a:rPr lang="de-DE" dirty="0" err="1"/>
-              <a:t>of</a:t>
-            </a:r>
-            <a:r>
-              <a:rPr lang="de-DE" dirty="0"/>
-              <a:t> k-</a:t>
-            </a:r>
-            <a:r>
-              <a:rPr lang="de-DE" dirty="0" err="1"/>
-              <a:t>anonymity</a:t>
-            </a:r>
-            <a:r>
-              <a:rPr lang="de-DE" dirty="0"/>
-              <a:t> </a:t>
-            </a:r>
-            <a:r>
-              <a:rPr lang="de-DE" dirty="0" err="1"/>
-              <a:t>there</a:t>
-            </a:r>
-            <a:r>
-              <a:rPr lang="de-DE" dirty="0"/>
-              <a:t> </a:t>
-            </a:r>
-            <a:r>
-              <a:rPr lang="de-DE" dirty="0" err="1"/>
-              <a:t>are</a:t>
-            </a:r>
-            <a:r>
-              <a:rPr lang="de-DE" dirty="0"/>
-              <a:t> at least p different sensitive </a:t>
-            </a:r>
-            <a:r>
-              <a:rPr lang="de-DE" dirty="0" err="1"/>
-              <a:t>data</a:t>
-            </a:r>
-            <a:endParaRPr lang="de-DE" dirty="0"/>
-          </a:p>
-          <a:p>
-            <a:r>
-              <a:rPr lang="de-DE" dirty="0"/>
-              <a:t>Problem:</a:t>
-            </a:r>
-            <a:r>
-              <a:rPr lang="en-US" dirty="0"/>
-              <a:t>p-Sensitive k-anonymity has the limitation of implicitly assuming that each confidential attribute takes values uniformly over its domain, that is, that the frequencies of the various values of a confidential attribute are similar. When this is not the case, </a:t>
-            </a:r>
-            <a:r>
-              <a:rPr lang="en-US" dirty="0" err="1"/>
-              <a:t>achievingp</a:t>
-            </a:r>
-            <a:r>
-              <a:rPr lang="en-US" dirty="0"/>
-              <a:t>-sensitive k-anonymity may cause a huge data utility loss. This is illustrated in the following example.</a:t>
+              <a:t>attributes</a:t>
             </a:r>
             <a:endParaRPr lang="de-DE" dirty="0"/>
           </a:p>
@@ -5483,7 +6209,7 @@
           <p:cNvPr id="6" name="Foliennummernplatzhalter 5">
             <a:extLst>
               <a:ext uri="{FF2B5EF4-FFF2-40B4-BE49-F238E27FC236}">
-                <a16:creationId xmlns:a16="http://schemas.microsoft.com/office/drawing/2014/main" id="{E252A72A-F651-40F4-8DBC-665586CBC460}"/>
+                <a16:creationId xmlns:a16="http://schemas.microsoft.com/office/drawing/2014/main" id="{ED7B792D-2998-422A-8AFD-846A7976EE01}"/>
               </a:ext>
             </a:extLst>
           </p:cNvPr>
@@ -5511,7 +6237,7 @@
     </p:spTree>
     <p:extLst>
       <p:ext uri="{BB962C8B-B14F-4D97-AF65-F5344CB8AC3E}">
-        <p14:creationId xmlns:p14="http://schemas.microsoft.com/office/powerpoint/2010/main" val="2954308101"/>
+        <p14:creationId xmlns:p14="http://schemas.microsoft.com/office/powerpoint/2010/main" val="2921885383"/>
       </p:ext>
     </p:extLst>
   </p:cSld>
@@ -5543,7 +6269,7 @@
           <p:cNvPr id="2" name="Titel 1">
             <a:extLst>
               <a:ext uri="{FF2B5EF4-FFF2-40B4-BE49-F238E27FC236}">
-                <a16:creationId xmlns:a16="http://schemas.microsoft.com/office/drawing/2014/main" id="{29821BA2-C897-4834-998A-48C037EFCC61}"/>
+                <a16:creationId xmlns:a16="http://schemas.microsoft.com/office/drawing/2014/main" id="{03774710-EF24-496F-8E16-1860EB9452BD}"/>
               </a:ext>
             </a:extLst>
           </p:cNvPr>
@@ -5561,11 +6287,11 @@
           <a:p>
             <a:r>
               <a:rPr lang="de-DE" dirty="0"/>
-              <a:t>l-</a:t>
+              <a:t>t-</a:t>
             </a:r>
             <a:r>
               <a:rPr lang="de-DE" dirty="0" err="1"/>
-              <a:t>diversity</a:t>
+              <a:t>close´ness</a:t>
             </a:r>
             <a:endParaRPr lang="de-DE" dirty="0"/>
           </a:p>
@@ -5576,7 +6302,7 @@
           <p:cNvPr id="3" name="Datumsplatzhalter 2">
             <a:extLst>
               <a:ext uri="{FF2B5EF4-FFF2-40B4-BE49-F238E27FC236}">
-                <a16:creationId xmlns:a16="http://schemas.microsoft.com/office/drawing/2014/main" id="{707299E6-283C-4175-B3B3-5D836D4EF88A}"/>
+                <a16:creationId xmlns:a16="http://schemas.microsoft.com/office/drawing/2014/main" id="{419087A1-C8F7-429D-9539-28EFF980787F}"/>
               </a:ext>
             </a:extLst>
           </p:cNvPr>
@@ -5605,7 +6331,7 @@
           <p:cNvPr id="4" name="Fußzeilenplatzhalter 3">
             <a:extLst>
               <a:ext uri="{FF2B5EF4-FFF2-40B4-BE49-F238E27FC236}">
-                <a16:creationId xmlns:a16="http://schemas.microsoft.com/office/drawing/2014/main" id="{CDC6992F-08D8-482D-96AA-DC41E416B94B}"/>
+                <a16:creationId xmlns:a16="http://schemas.microsoft.com/office/drawing/2014/main" id="{16A1720A-77AB-4E5A-8054-A5D031724E0F}"/>
               </a:ext>
             </a:extLst>
           </p:cNvPr>
@@ -5622,8 +6348,12 @@
           <a:lstStyle/>
           <a:p>
             <a:r>
-              <a:rPr lang="de-DE"/>
-              <a:t>Andreas Heimann &amp; Matthias Puchta</a:t>
+              <a:rPr lang="de-DE" dirty="0"/>
+              <a:t>Andreas Wiegand &amp; Ludwig </a:t>
+            </a:r>
+            <a:r>
+              <a:rPr lang="de-DE" dirty="0" err="1"/>
+              <a:t>Schallner</a:t>
             </a:r>
             <a:endParaRPr lang="de-DE" dirty="0"/>
           </a:p>
@@ -5634,7 +6364,7 @@
           <p:cNvPr id="5" name="Textplatzhalter 4">
             <a:extLst>
               <a:ext uri="{FF2B5EF4-FFF2-40B4-BE49-F238E27FC236}">
-                <a16:creationId xmlns:a16="http://schemas.microsoft.com/office/drawing/2014/main" id="{CB4D70E7-CAB1-402E-A84F-08E5BE171BBF}"/>
+                <a16:creationId xmlns:a16="http://schemas.microsoft.com/office/drawing/2014/main" id="{30F3C5B2-53AA-499A-886B-AA06C3A92963}"/>
               </a:ext>
             </a:extLst>
           </p:cNvPr>
@@ -5651,8 +6381,12 @@
           <a:lstStyle/>
           <a:p>
             <a:r>
-              <a:rPr lang="en-US" dirty="0"/>
-              <a:t>Definition 3 (l-Diversity): A data set is said to satisfy</a:t>
+              <a:rPr lang="de-DE" dirty="0"/>
+              <a:t>Definition: </a:t>
+            </a:r>
+            <a:r>
+              <a:rPr lang="en-US" dirty="0"/>
+              <a:t>Definition 4 (t-Closeness): A data set is said to</a:t>
             </a:r>
           </a:p>
           <a:p>
@@ -5661,7 +6395,7 @@
             </a:pPr>
             <a:r>
               <a:rPr lang="en-US" dirty="0"/>
-              <a:t>l-diversity if, for each group of records sharing a</a:t>
+              <a:t>satisfy t-closeness if, for each group of records sharing</a:t>
             </a:r>
           </a:p>
           <a:p>
@@ -5670,15 +6404,7 @@
             </a:pPr>
             <a:r>
               <a:rPr lang="en-US" dirty="0"/>
-              <a:t>combination of key attributes, there are at least l “</a:t>
-            </a:r>
-            <a:r>
-              <a:rPr lang="en-US" dirty="0" err="1"/>
-              <a:t>wellrepresented</a:t>
-            </a:r>
-            <a:r>
-              <a:rPr lang="en-US" dirty="0"/>
-              <a:t>” values for each confidential attribute.</a:t>
+              <a:t>a combination of key attributes, the distance between</a:t>
             </a:r>
           </a:p>
           <a:p>
@@ -5687,7 +6413,7 @@
             </a:pPr>
             <a:r>
               <a:rPr lang="en-US" dirty="0"/>
-              <a:t>According to [9] the term “well-represented” can be</a:t>
+              <a:t>the distribution of the confidential attribute in the group</a:t>
             </a:r>
           </a:p>
           <a:p>
@@ -5695,29 +6421,19 @@
               <a:buNone/>
             </a:pPr>
             <a:r>
-              <a:rPr lang="de-DE" dirty="0" err="1"/>
-              <a:t>defined</a:t>
-            </a:r>
-            <a:r>
-              <a:rPr lang="de-DE" dirty="0"/>
-              <a:t> in </a:t>
-            </a:r>
-            <a:r>
-              <a:rPr lang="de-DE" dirty="0" err="1"/>
-              <a:t>several</a:t>
-            </a:r>
-            <a:r>
-              <a:rPr lang="de-DE" dirty="0"/>
-              <a:t> </a:t>
-            </a:r>
-            <a:r>
-              <a:rPr lang="de-DE" dirty="0" err="1"/>
-              <a:t>ways</a:t>
-            </a:r>
-            <a:r>
-              <a:rPr lang="de-DE" dirty="0"/>
-              <a:t>:</a:t>
-            </a:r>
+              <a:rPr lang="en-US" dirty="0"/>
+              <a:t>and the distribution of the attribute in the whole data</a:t>
+            </a:r>
+          </a:p>
+          <a:p>
+            <a:pPr marL="0" indent="0">
+              <a:buNone/>
+            </a:pPr>
+            <a:r>
+              <a:rPr lang="en-US" dirty="0"/>
+              <a:t>set is no more than a threshold t.</a:t>
+            </a:r>
+            <a:endParaRPr lang="de-DE" dirty="0"/>
           </a:p>
         </p:txBody>
       </p:sp>
@@ -5726,7 +6442,7 @@
           <p:cNvPr id="6" name="Foliennummernplatzhalter 5">
             <a:extLst>
               <a:ext uri="{FF2B5EF4-FFF2-40B4-BE49-F238E27FC236}">
-                <a16:creationId xmlns:a16="http://schemas.microsoft.com/office/drawing/2014/main" id="{265E418F-8B07-43E5-91F1-566EB30C7F53}"/>
+                <a16:creationId xmlns:a16="http://schemas.microsoft.com/office/drawing/2014/main" id="{54D3FDF2-2764-4BE6-BE4D-51DAF1C1A001}"/>
               </a:ext>
             </a:extLst>
           </p:cNvPr>
@@ -5754,7 +6470,7 @@
     </p:spTree>
     <p:extLst>
       <p:ext uri="{BB962C8B-B14F-4D97-AF65-F5344CB8AC3E}">
-        <p14:creationId xmlns:p14="http://schemas.microsoft.com/office/powerpoint/2010/main" val="405088296"/>
+        <p14:creationId xmlns:p14="http://schemas.microsoft.com/office/powerpoint/2010/main" val="222580713"/>
       </p:ext>
     </p:extLst>
   </p:cSld>
@@ -5786,7 +6502,7 @@
           <p:cNvPr id="2" name="Titel 1">
             <a:extLst>
               <a:ext uri="{FF2B5EF4-FFF2-40B4-BE49-F238E27FC236}">
-                <a16:creationId xmlns:a16="http://schemas.microsoft.com/office/drawing/2014/main" id="{48F7001C-8209-4829-9211-838EE9976128}"/>
+                <a16:creationId xmlns:a16="http://schemas.microsoft.com/office/drawing/2014/main" id="{ED74D9F5-7E88-40DD-A611-56459F70E672}"/>
               </a:ext>
             </a:extLst>
           </p:cNvPr>
@@ -5804,11 +6520,11 @@
           <a:p>
             <a:r>
               <a:rPr lang="de-DE" dirty="0"/>
-              <a:t>Different l-</a:t>
+              <a:t>t-</a:t>
             </a:r>
             <a:r>
               <a:rPr lang="de-DE" dirty="0" err="1"/>
-              <a:t>diversity</a:t>
+              <a:t>close´ness</a:t>
             </a:r>
             <a:endParaRPr lang="de-DE" dirty="0"/>
           </a:p>
@@ -5819,7 +6535,7 @@
           <p:cNvPr id="3" name="Datumsplatzhalter 2">
             <a:extLst>
               <a:ext uri="{FF2B5EF4-FFF2-40B4-BE49-F238E27FC236}">
-                <a16:creationId xmlns:a16="http://schemas.microsoft.com/office/drawing/2014/main" id="{5617572A-0126-4E39-9967-6339673CBF10}"/>
+                <a16:creationId xmlns:a16="http://schemas.microsoft.com/office/drawing/2014/main" id="{A81886F5-D8A0-4AB2-A12D-B44314A08602}"/>
               </a:ext>
             </a:extLst>
           </p:cNvPr>
@@ -5848,7 +6564,7 @@
           <p:cNvPr id="4" name="Fußzeilenplatzhalter 3">
             <a:extLst>
               <a:ext uri="{FF2B5EF4-FFF2-40B4-BE49-F238E27FC236}">
-                <a16:creationId xmlns:a16="http://schemas.microsoft.com/office/drawing/2014/main" id="{147D38FB-93C4-47D0-B1B6-40BB9C26DCA0}"/>
+                <a16:creationId xmlns:a16="http://schemas.microsoft.com/office/drawing/2014/main" id="{59640035-9623-4075-BDEE-7833C664AE8B}"/>
               </a:ext>
             </a:extLst>
           </p:cNvPr>
@@ -5877,7 +6593,7 @@
           <p:cNvPr id="5" name="Textplatzhalter 4">
             <a:extLst>
               <a:ext uri="{FF2B5EF4-FFF2-40B4-BE49-F238E27FC236}">
-                <a16:creationId xmlns:a16="http://schemas.microsoft.com/office/drawing/2014/main" id="{A8D93557-FF57-443A-B61F-5F9D57A43186}"/>
+                <a16:creationId xmlns:a16="http://schemas.microsoft.com/office/drawing/2014/main" id="{8F031245-BB29-41F9-8C5E-156AFC612440}"/>
               </a:ext>
             </a:extLst>
           </p:cNvPr>
@@ -5894,53 +6610,75 @@
           <a:lstStyle/>
           <a:p>
             <a:r>
-              <a:rPr lang="en-US" dirty="0"/>
-              <a:t>1) Distinct l-diversity. There must be at least l distinct values for the confidential attribute in each group of records sharing a combination of key attributes. This is equivalent to l-sensitive k-</a:t>
-            </a:r>
-          </a:p>
-          <a:p>
-            <a:r>
-              <a:rPr lang="de-DE" dirty="0"/>
-              <a:t>2) </a:t>
-            </a:r>
+              <a:rPr lang="de-DE" dirty="0"/>
+              <a:t>Problems:</a:t>
+            </a:r>
+          </a:p>
+          <a:p>
+            <a:pPr marL="0" indent="0">
+              <a:buNone/>
+            </a:pPr>
+            <a:r>
+              <a:rPr lang="en-US" dirty="0"/>
+              <a:t>Whereas the paper [7] elaborates on several ways</a:t>
+            </a:r>
+          </a:p>
+          <a:p>
+            <a:pPr marL="0" indent="0">
+              <a:buNone/>
+            </a:pPr>
+            <a:r>
+              <a:rPr lang="en-US" dirty="0"/>
+              <a:t>o check t-closeness (using several distances between</a:t>
+            </a:r>
+          </a:p>
+          <a:p>
+            <a:pPr marL="0" indent="0">
+              <a:buNone/>
+            </a:pPr>
             <a:r>
               <a:rPr lang="de-DE" dirty="0" err="1"/>
-              <a:t>Entropy</a:t>
-            </a:r>
-            <a:r>
-              <a:rPr lang="de-DE" dirty="0"/>
-              <a:t> l-</a:t>
+              <a:t>distributions</a:t>
+            </a:r>
+            <a:r>
+              <a:rPr lang="de-DE" dirty="0"/>
+              <a:t>), </a:t>
             </a:r>
             <a:r>
               <a:rPr lang="de-DE" dirty="0" err="1"/>
-              <a:t>diversity</a:t>
-            </a:r>
-            <a:r>
-              <a:rPr lang="de-DE" dirty="0"/>
-              <a:t>.</a:t>
-            </a:r>
-            <a:r>
-              <a:rPr lang="en-US" dirty="0"/>
-              <a:t>.</a:t>
-            </a:r>
-          </a:p>
-          <a:p>
-            <a:r>
-              <a:rPr lang="de-DE" dirty="0"/>
-              <a:t>3) </a:t>
+              <a:t>no</a:t>
+            </a:r>
+            <a:r>
+              <a:rPr lang="de-DE" dirty="0"/>
+              <a:t> </a:t>
             </a:r>
             <a:r>
               <a:rPr lang="de-DE" dirty="0" err="1"/>
-              <a:t>Recursive</a:t>
-            </a:r>
-            <a:r>
-              <a:rPr lang="de-DE" dirty="0"/>
-              <a:t> (c, l)-</a:t>
+              <a:t>computational</a:t>
+            </a:r>
+            <a:r>
+              <a:rPr lang="de-DE" dirty="0"/>
+              <a:t> </a:t>
             </a:r>
             <a:r>
               <a:rPr lang="de-DE" dirty="0" err="1"/>
-              <a:t>diversity</a:t>
-            </a:r>
+              <a:t>procedure</a:t>
+            </a:r>
+            <a:endParaRPr lang="de-DE" dirty="0"/>
+          </a:p>
+          <a:p>
+            <a:pPr marL="0" indent="0">
+              <a:buNone/>
+            </a:pPr>
+            <a:r>
+              <a:rPr lang="en-US" dirty="0"/>
+              <a:t>to enforce this property is given.</a:t>
+            </a:r>
+          </a:p>
+          <a:p>
+            <a:pPr marL="0" indent="0">
+              <a:buNone/>
+            </a:pPr>
             <a:endParaRPr lang="de-DE" dirty="0"/>
           </a:p>
         </p:txBody>
@@ -5950,7 +6688,7 @@
           <p:cNvPr id="6" name="Foliennummernplatzhalter 5">
             <a:extLst>
               <a:ext uri="{FF2B5EF4-FFF2-40B4-BE49-F238E27FC236}">
-                <a16:creationId xmlns:a16="http://schemas.microsoft.com/office/drawing/2014/main" id="{5824C375-82E2-4ED0-B2D7-27F730213BC9}"/>
+                <a16:creationId xmlns:a16="http://schemas.microsoft.com/office/drawing/2014/main" id="{35C5C671-02F4-435F-A4CA-4659E0309639}"/>
               </a:ext>
             </a:extLst>
           </p:cNvPr>
@@ -5978,7 +6716,7 @@
     </p:spTree>
     <p:extLst>
       <p:ext uri="{BB962C8B-B14F-4D97-AF65-F5344CB8AC3E}">
-        <p14:creationId xmlns:p14="http://schemas.microsoft.com/office/powerpoint/2010/main" val="3629270011"/>
+        <p14:creationId xmlns:p14="http://schemas.microsoft.com/office/powerpoint/2010/main" val="2648306626"/>
       </p:ext>
     </p:extLst>
   </p:cSld>
@@ -6010,776 +6748,6 @@
           <p:cNvPr id="2" name="Titel 1">
             <a:extLst>
               <a:ext uri="{FF2B5EF4-FFF2-40B4-BE49-F238E27FC236}">
-                <a16:creationId xmlns:a16="http://schemas.microsoft.com/office/drawing/2014/main" id="{D57F315B-3D66-4582-BD2E-B5CF68CF03EA}"/>
-              </a:ext>
-            </a:extLst>
-          </p:cNvPr>
-          <p:cNvSpPr>
-            <a:spLocks noGrp="1"/>
-          </p:cNvSpPr>
-          <p:nvPr>
-            <p:ph type="title"/>
-          </p:nvPr>
-        </p:nvSpPr>
-        <p:spPr/>
-        <p:txBody>
-          <a:bodyPr/>
-          <a:lstStyle/>
-          <a:p>
-            <a:r>
-              <a:rPr lang="de-DE" dirty="0"/>
-              <a:t>Pr0blems </a:t>
-            </a:r>
-            <a:r>
-              <a:rPr lang="de-DE" dirty="0" err="1"/>
-              <a:t>with</a:t>
-            </a:r>
-            <a:r>
-              <a:rPr lang="de-DE" dirty="0"/>
-              <a:t> l-</a:t>
-            </a:r>
-            <a:r>
-              <a:rPr lang="de-DE" dirty="0" err="1"/>
-              <a:t>diversity</a:t>
-            </a:r>
-            <a:endParaRPr lang="de-DE" dirty="0"/>
-          </a:p>
-        </p:txBody>
-      </p:sp>
-      <p:sp>
-        <p:nvSpPr>
-          <p:cNvPr id="3" name="Datumsplatzhalter 2">
-            <a:extLst>
-              <a:ext uri="{FF2B5EF4-FFF2-40B4-BE49-F238E27FC236}">
-                <a16:creationId xmlns:a16="http://schemas.microsoft.com/office/drawing/2014/main" id="{F0D016CC-39B2-45FF-8A84-ED244F5DF67D}"/>
-              </a:ext>
-            </a:extLst>
-          </p:cNvPr>
-          <p:cNvSpPr>
-            <a:spLocks noGrp="1"/>
-          </p:cNvSpPr>
-          <p:nvPr>
-            <p:ph type="dt" sz="half" idx="10"/>
-          </p:nvPr>
-        </p:nvSpPr>
-        <p:spPr/>
-        <p:txBody>
-          <a:bodyPr/>
-          <a:lstStyle/>
-          <a:p>
-            <a:r>
-              <a:rPr lang="de-DE"/>
-              <a:t>18.05.2017</a:t>
-            </a:r>
-            <a:endParaRPr lang="de-DE" dirty="0"/>
-          </a:p>
-        </p:txBody>
-      </p:sp>
-      <p:sp>
-        <p:nvSpPr>
-          <p:cNvPr id="4" name="Fußzeilenplatzhalter 3">
-            <a:extLst>
-              <a:ext uri="{FF2B5EF4-FFF2-40B4-BE49-F238E27FC236}">
-                <a16:creationId xmlns:a16="http://schemas.microsoft.com/office/drawing/2014/main" id="{A2CF5D6B-468B-404B-9403-11972A2A9486}"/>
-              </a:ext>
-            </a:extLst>
-          </p:cNvPr>
-          <p:cNvSpPr>
-            <a:spLocks noGrp="1"/>
-          </p:cNvSpPr>
-          <p:nvPr>
-            <p:ph type="ftr" sz="quarter" idx="11"/>
-          </p:nvPr>
-        </p:nvSpPr>
-        <p:spPr/>
-        <p:txBody>
-          <a:bodyPr/>
-          <a:lstStyle/>
-          <a:p>
-            <a:r>
-              <a:rPr lang="de-DE"/>
-              <a:t>Andreas Heimann &amp; Matthias Puchta</a:t>
-            </a:r>
-            <a:endParaRPr lang="de-DE" dirty="0"/>
-          </a:p>
-        </p:txBody>
-      </p:sp>
-      <p:sp>
-        <p:nvSpPr>
-          <p:cNvPr id="5" name="Textplatzhalter 4">
-            <a:extLst>
-              <a:ext uri="{FF2B5EF4-FFF2-40B4-BE49-F238E27FC236}">
-                <a16:creationId xmlns:a16="http://schemas.microsoft.com/office/drawing/2014/main" id="{43AD6479-C7D5-46BC-9148-10AF544DFBFA}"/>
-              </a:ext>
-            </a:extLst>
-          </p:cNvPr>
-          <p:cNvSpPr>
-            <a:spLocks noGrp="1"/>
-          </p:cNvSpPr>
-          <p:nvPr>
-            <p:ph type="body" sz="quarter" idx="13"/>
-          </p:nvPr>
-        </p:nvSpPr>
-        <p:spPr/>
-        <p:txBody>
-          <a:bodyPr/>
-          <a:lstStyle/>
-          <a:p>
-            <a:r>
-              <a:rPr lang="en-US" dirty="0"/>
-              <a:t>l-Diversity may be difficult and unnecessary to</a:t>
-            </a:r>
-          </a:p>
-          <a:p>
-            <a:pPr marL="0" indent="0">
-              <a:buNone/>
-            </a:pPr>
-            <a:r>
-              <a:rPr lang="en-US" dirty="0"/>
-              <a:t>achieve. The argument is the same given against</a:t>
-            </a:r>
-          </a:p>
-          <a:p>
-            <a:pPr marL="0" indent="0">
-              <a:buNone/>
-            </a:pPr>
-            <a:r>
-              <a:rPr lang="en-US" dirty="0"/>
-              <a:t>p-sensitive k-anonymity in Example 2 above.</a:t>
-            </a:r>
-          </a:p>
-          <a:p>
-            <a:r>
-              <a:rPr lang="en-US" dirty="0"/>
-              <a:t>l-Diversity is insufficient to prevent attribute disclosure.</a:t>
-            </a:r>
-          </a:p>
-          <a:p>
-            <a:pPr marL="0" indent="0">
-              <a:buNone/>
-            </a:pPr>
-            <a:r>
-              <a:rPr lang="en-US" dirty="0"/>
-              <a:t>At least the following two attacks are </a:t>
-            </a:r>
-            <a:r>
-              <a:rPr lang="de-DE" dirty="0" err="1"/>
-              <a:t>conceivable</a:t>
-            </a:r>
-            <a:r>
-              <a:rPr lang="de-DE" dirty="0"/>
-              <a:t>:</a:t>
-            </a:r>
-          </a:p>
-          <a:p>
-            <a:pPr marL="0" indent="0">
-              <a:buNone/>
-            </a:pPr>
-            <a:r>
-              <a:rPr lang="de-DE" dirty="0" err="1"/>
-              <a:t>Skewness</a:t>
-            </a:r>
-            <a:r>
-              <a:rPr lang="de-DE" dirty="0"/>
-              <a:t> </a:t>
-            </a:r>
-            <a:r>
-              <a:rPr lang="de-DE" dirty="0" err="1"/>
-              <a:t>attack</a:t>
-            </a:r>
-            <a:r>
-              <a:rPr lang="de-DE" dirty="0"/>
-              <a:t>:</a:t>
-            </a:r>
-          </a:p>
-          <a:p>
-            <a:pPr marL="0" indent="0">
-              <a:buNone/>
-            </a:pPr>
-            <a:r>
-              <a:rPr lang="de-DE" dirty="0" err="1"/>
-              <a:t>Similarity</a:t>
-            </a:r>
-            <a:r>
-              <a:rPr lang="de-DE" dirty="0"/>
-              <a:t> </a:t>
-            </a:r>
-            <a:r>
-              <a:rPr lang="de-DE" dirty="0" err="1"/>
-              <a:t>attack</a:t>
-            </a:r>
-            <a:r>
-              <a:rPr lang="de-DE" dirty="0"/>
-              <a:t>: </a:t>
-            </a:r>
-            <a:r>
-              <a:rPr lang="de-DE" dirty="0" err="1"/>
-              <a:t>sematical</a:t>
-            </a:r>
-            <a:r>
-              <a:rPr lang="de-DE" dirty="0"/>
-              <a:t> same </a:t>
-            </a:r>
-            <a:r>
-              <a:rPr lang="de-DE" dirty="0" err="1"/>
-              <a:t>cofidentail</a:t>
-            </a:r>
-            <a:r>
-              <a:rPr lang="de-DE" dirty="0"/>
-              <a:t> </a:t>
-            </a:r>
-            <a:r>
-              <a:rPr lang="de-DE" dirty="0" err="1"/>
-              <a:t>attributes</a:t>
-            </a:r>
-            <a:endParaRPr lang="de-DE" dirty="0"/>
-          </a:p>
-        </p:txBody>
-      </p:sp>
-      <p:sp>
-        <p:nvSpPr>
-          <p:cNvPr id="6" name="Foliennummernplatzhalter 5">
-            <a:extLst>
-              <a:ext uri="{FF2B5EF4-FFF2-40B4-BE49-F238E27FC236}">
-                <a16:creationId xmlns:a16="http://schemas.microsoft.com/office/drawing/2014/main" id="{ED7B792D-2998-422A-8AFD-846A7976EE01}"/>
-              </a:ext>
-            </a:extLst>
-          </p:cNvPr>
-          <p:cNvSpPr>
-            <a:spLocks noGrp="1"/>
-          </p:cNvSpPr>
-          <p:nvPr>
-            <p:ph type="sldNum" sz="quarter" idx="12"/>
-          </p:nvPr>
-        </p:nvSpPr>
-        <p:spPr/>
-        <p:txBody>
-          <a:bodyPr/>
-          <a:lstStyle/>
-          <a:p>
-            <a:fld id="{50E76E58-F275-47A3-BB17-470016A267B6}" type="slidenum">
-              <a:rPr lang="de-DE" smtClean="0"/>
-              <a:pPr/>
-              <a:t>24</a:t>
-            </a:fld>
-            <a:endParaRPr lang="de-DE"/>
-          </a:p>
-        </p:txBody>
-      </p:sp>
-    </p:spTree>
-    <p:extLst>
-      <p:ext uri="{BB962C8B-B14F-4D97-AF65-F5344CB8AC3E}">
-        <p14:creationId xmlns:p14="http://schemas.microsoft.com/office/powerpoint/2010/main" val="2921885383"/>
-      </p:ext>
-    </p:extLst>
-  </p:cSld>
-  <p:clrMapOvr>
-    <a:masterClrMapping/>
-  </p:clrMapOvr>
-</p:sld>
-</file>
-
-<file path=ppt/slides/slide25.xml><?xml version="1.0" encoding="utf-8"?>
-<p:sld xmlns:a="http://schemas.openxmlformats.org/drawingml/2006/main" xmlns:r="http://schemas.openxmlformats.org/officeDocument/2006/relationships" xmlns:p="http://schemas.openxmlformats.org/presentationml/2006/main">
-  <p:cSld>
-    <p:spTree>
-      <p:nvGrpSpPr>
-        <p:cNvPr id="1" name=""/>
-        <p:cNvGrpSpPr/>
-        <p:nvPr/>
-      </p:nvGrpSpPr>
-      <p:grpSpPr>
-        <a:xfrm>
-          <a:off x="0" y="0"/>
-          <a:ext cx="0" cy="0"/>
-          <a:chOff x="0" y="0"/>
-          <a:chExt cx="0" cy="0"/>
-        </a:xfrm>
-      </p:grpSpPr>
-      <p:sp>
-        <p:nvSpPr>
-          <p:cNvPr id="2" name="Titel 1">
-            <a:extLst>
-              <a:ext uri="{FF2B5EF4-FFF2-40B4-BE49-F238E27FC236}">
-                <a16:creationId xmlns:a16="http://schemas.microsoft.com/office/drawing/2014/main" id="{03774710-EF24-496F-8E16-1860EB9452BD}"/>
-              </a:ext>
-            </a:extLst>
-          </p:cNvPr>
-          <p:cNvSpPr>
-            <a:spLocks noGrp="1"/>
-          </p:cNvSpPr>
-          <p:nvPr>
-            <p:ph type="title"/>
-          </p:nvPr>
-        </p:nvSpPr>
-        <p:spPr/>
-        <p:txBody>
-          <a:bodyPr/>
-          <a:lstStyle/>
-          <a:p>
-            <a:r>
-              <a:rPr lang="de-DE" dirty="0"/>
-              <a:t>t-</a:t>
-            </a:r>
-            <a:r>
-              <a:rPr lang="de-DE" dirty="0" err="1"/>
-              <a:t>close´ness</a:t>
-            </a:r>
-            <a:endParaRPr lang="de-DE" dirty="0"/>
-          </a:p>
-        </p:txBody>
-      </p:sp>
-      <p:sp>
-        <p:nvSpPr>
-          <p:cNvPr id="3" name="Datumsplatzhalter 2">
-            <a:extLst>
-              <a:ext uri="{FF2B5EF4-FFF2-40B4-BE49-F238E27FC236}">
-                <a16:creationId xmlns:a16="http://schemas.microsoft.com/office/drawing/2014/main" id="{419087A1-C8F7-429D-9539-28EFF980787F}"/>
-              </a:ext>
-            </a:extLst>
-          </p:cNvPr>
-          <p:cNvSpPr>
-            <a:spLocks noGrp="1"/>
-          </p:cNvSpPr>
-          <p:nvPr>
-            <p:ph type="dt" sz="half" idx="10"/>
-          </p:nvPr>
-        </p:nvSpPr>
-        <p:spPr/>
-        <p:txBody>
-          <a:bodyPr/>
-          <a:lstStyle/>
-          <a:p>
-            <a:r>
-              <a:rPr lang="de-DE"/>
-              <a:t>18.05.2017</a:t>
-            </a:r>
-            <a:endParaRPr lang="de-DE" dirty="0"/>
-          </a:p>
-        </p:txBody>
-      </p:sp>
-      <p:sp>
-        <p:nvSpPr>
-          <p:cNvPr id="4" name="Fußzeilenplatzhalter 3">
-            <a:extLst>
-              <a:ext uri="{FF2B5EF4-FFF2-40B4-BE49-F238E27FC236}">
-                <a16:creationId xmlns:a16="http://schemas.microsoft.com/office/drawing/2014/main" id="{16A1720A-77AB-4E5A-8054-A5D031724E0F}"/>
-              </a:ext>
-            </a:extLst>
-          </p:cNvPr>
-          <p:cNvSpPr>
-            <a:spLocks noGrp="1"/>
-          </p:cNvSpPr>
-          <p:nvPr>
-            <p:ph type="ftr" sz="quarter" idx="11"/>
-          </p:nvPr>
-        </p:nvSpPr>
-        <p:spPr/>
-        <p:txBody>
-          <a:bodyPr/>
-          <a:lstStyle/>
-          <a:p>
-            <a:r>
-              <a:rPr lang="de-DE" dirty="0"/>
-              <a:t>Andreas Wiegand &amp; Ludwig </a:t>
-            </a:r>
-            <a:r>
-              <a:rPr lang="de-DE" dirty="0" err="1"/>
-              <a:t>Schallner</a:t>
-            </a:r>
-            <a:endParaRPr lang="de-DE" dirty="0"/>
-          </a:p>
-        </p:txBody>
-      </p:sp>
-      <p:sp>
-        <p:nvSpPr>
-          <p:cNvPr id="5" name="Textplatzhalter 4">
-            <a:extLst>
-              <a:ext uri="{FF2B5EF4-FFF2-40B4-BE49-F238E27FC236}">
-                <a16:creationId xmlns:a16="http://schemas.microsoft.com/office/drawing/2014/main" id="{30F3C5B2-53AA-499A-886B-AA06C3A92963}"/>
-              </a:ext>
-            </a:extLst>
-          </p:cNvPr>
-          <p:cNvSpPr>
-            <a:spLocks noGrp="1"/>
-          </p:cNvSpPr>
-          <p:nvPr>
-            <p:ph type="body" sz="quarter" idx="13"/>
-          </p:nvPr>
-        </p:nvSpPr>
-        <p:spPr/>
-        <p:txBody>
-          <a:bodyPr/>
-          <a:lstStyle/>
-          <a:p>
-            <a:r>
-              <a:rPr lang="de-DE" dirty="0"/>
-              <a:t>Definition: </a:t>
-            </a:r>
-            <a:r>
-              <a:rPr lang="en-US" dirty="0"/>
-              <a:t>Definition 4 (t-Closeness): A data set is said to</a:t>
-            </a:r>
-          </a:p>
-          <a:p>
-            <a:pPr marL="0" indent="0">
-              <a:buNone/>
-            </a:pPr>
-            <a:r>
-              <a:rPr lang="en-US" dirty="0"/>
-              <a:t>satisfy t-closeness if, for each group of records sharing</a:t>
-            </a:r>
-          </a:p>
-          <a:p>
-            <a:pPr marL="0" indent="0">
-              <a:buNone/>
-            </a:pPr>
-            <a:r>
-              <a:rPr lang="en-US" dirty="0"/>
-              <a:t>a combination of key attributes, the distance between</a:t>
-            </a:r>
-          </a:p>
-          <a:p>
-            <a:pPr marL="0" indent="0">
-              <a:buNone/>
-            </a:pPr>
-            <a:r>
-              <a:rPr lang="en-US" dirty="0"/>
-              <a:t>the distribution of the confidential attribute in the group</a:t>
-            </a:r>
-          </a:p>
-          <a:p>
-            <a:pPr marL="0" indent="0">
-              <a:buNone/>
-            </a:pPr>
-            <a:r>
-              <a:rPr lang="en-US" dirty="0"/>
-              <a:t>and the distribution of the attribute in the whole data</a:t>
-            </a:r>
-          </a:p>
-          <a:p>
-            <a:pPr marL="0" indent="0">
-              <a:buNone/>
-            </a:pPr>
-            <a:r>
-              <a:rPr lang="en-US" dirty="0"/>
-              <a:t>set is no more than a threshold t.</a:t>
-            </a:r>
-            <a:endParaRPr lang="de-DE" dirty="0"/>
-          </a:p>
-        </p:txBody>
-      </p:sp>
-      <p:sp>
-        <p:nvSpPr>
-          <p:cNvPr id="6" name="Foliennummernplatzhalter 5">
-            <a:extLst>
-              <a:ext uri="{FF2B5EF4-FFF2-40B4-BE49-F238E27FC236}">
-                <a16:creationId xmlns:a16="http://schemas.microsoft.com/office/drawing/2014/main" id="{54D3FDF2-2764-4BE6-BE4D-51DAF1C1A001}"/>
-              </a:ext>
-            </a:extLst>
-          </p:cNvPr>
-          <p:cNvSpPr>
-            <a:spLocks noGrp="1"/>
-          </p:cNvSpPr>
-          <p:nvPr>
-            <p:ph type="sldNum" sz="quarter" idx="12"/>
-          </p:nvPr>
-        </p:nvSpPr>
-        <p:spPr/>
-        <p:txBody>
-          <a:bodyPr/>
-          <a:lstStyle/>
-          <a:p>
-            <a:fld id="{50E76E58-F275-47A3-BB17-470016A267B6}" type="slidenum">
-              <a:rPr lang="de-DE" smtClean="0"/>
-              <a:pPr/>
-              <a:t>25</a:t>
-            </a:fld>
-            <a:endParaRPr lang="de-DE"/>
-          </a:p>
-        </p:txBody>
-      </p:sp>
-    </p:spTree>
-    <p:extLst>
-      <p:ext uri="{BB962C8B-B14F-4D97-AF65-F5344CB8AC3E}">
-        <p14:creationId xmlns:p14="http://schemas.microsoft.com/office/powerpoint/2010/main" val="222580713"/>
-      </p:ext>
-    </p:extLst>
-  </p:cSld>
-  <p:clrMapOvr>
-    <a:masterClrMapping/>
-  </p:clrMapOvr>
-</p:sld>
-</file>
-
-<file path=ppt/slides/slide26.xml><?xml version="1.0" encoding="utf-8"?>
-<p:sld xmlns:a="http://schemas.openxmlformats.org/drawingml/2006/main" xmlns:r="http://schemas.openxmlformats.org/officeDocument/2006/relationships" xmlns:p="http://schemas.openxmlformats.org/presentationml/2006/main">
-  <p:cSld>
-    <p:spTree>
-      <p:nvGrpSpPr>
-        <p:cNvPr id="1" name=""/>
-        <p:cNvGrpSpPr/>
-        <p:nvPr/>
-      </p:nvGrpSpPr>
-      <p:grpSpPr>
-        <a:xfrm>
-          <a:off x="0" y="0"/>
-          <a:ext cx="0" cy="0"/>
-          <a:chOff x="0" y="0"/>
-          <a:chExt cx="0" cy="0"/>
-        </a:xfrm>
-      </p:grpSpPr>
-      <p:sp>
-        <p:nvSpPr>
-          <p:cNvPr id="2" name="Titel 1">
-            <a:extLst>
-              <a:ext uri="{FF2B5EF4-FFF2-40B4-BE49-F238E27FC236}">
-                <a16:creationId xmlns:a16="http://schemas.microsoft.com/office/drawing/2014/main" id="{ED74D9F5-7E88-40DD-A611-56459F70E672}"/>
-              </a:ext>
-            </a:extLst>
-          </p:cNvPr>
-          <p:cNvSpPr>
-            <a:spLocks noGrp="1"/>
-          </p:cNvSpPr>
-          <p:nvPr>
-            <p:ph type="title"/>
-          </p:nvPr>
-        </p:nvSpPr>
-        <p:spPr/>
-        <p:txBody>
-          <a:bodyPr/>
-          <a:lstStyle/>
-          <a:p>
-            <a:r>
-              <a:rPr lang="de-DE" dirty="0"/>
-              <a:t>t-</a:t>
-            </a:r>
-            <a:r>
-              <a:rPr lang="de-DE" dirty="0" err="1"/>
-              <a:t>close´ness</a:t>
-            </a:r>
-            <a:endParaRPr lang="de-DE" dirty="0"/>
-          </a:p>
-        </p:txBody>
-      </p:sp>
-      <p:sp>
-        <p:nvSpPr>
-          <p:cNvPr id="3" name="Datumsplatzhalter 2">
-            <a:extLst>
-              <a:ext uri="{FF2B5EF4-FFF2-40B4-BE49-F238E27FC236}">
-                <a16:creationId xmlns:a16="http://schemas.microsoft.com/office/drawing/2014/main" id="{A81886F5-D8A0-4AB2-A12D-B44314A08602}"/>
-              </a:ext>
-            </a:extLst>
-          </p:cNvPr>
-          <p:cNvSpPr>
-            <a:spLocks noGrp="1"/>
-          </p:cNvSpPr>
-          <p:nvPr>
-            <p:ph type="dt" sz="half" idx="10"/>
-          </p:nvPr>
-        </p:nvSpPr>
-        <p:spPr/>
-        <p:txBody>
-          <a:bodyPr/>
-          <a:lstStyle/>
-          <a:p>
-            <a:r>
-              <a:rPr lang="de-DE"/>
-              <a:t>18.05.2017</a:t>
-            </a:r>
-            <a:endParaRPr lang="de-DE" dirty="0"/>
-          </a:p>
-        </p:txBody>
-      </p:sp>
-      <p:sp>
-        <p:nvSpPr>
-          <p:cNvPr id="4" name="Fußzeilenplatzhalter 3">
-            <a:extLst>
-              <a:ext uri="{FF2B5EF4-FFF2-40B4-BE49-F238E27FC236}">
-                <a16:creationId xmlns:a16="http://schemas.microsoft.com/office/drawing/2014/main" id="{59640035-9623-4075-BDEE-7833C664AE8B}"/>
-              </a:ext>
-            </a:extLst>
-          </p:cNvPr>
-          <p:cNvSpPr>
-            <a:spLocks noGrp="1"/>
-          </p:cNvSpPr>
-          <p:nvPr>
-            <p:ph type="ftr" sz="quarter" idx="11"/>
-          </p:nvPr>
-        </p:nvSpPr>
-        <p:spPr/>
-        <p:txBody>
-          <a:bodyPr/>
-          <a:lstStyle/>
-          <a:p>
-            <a:r>
-              <a:rPr lang="de-DE"/>
-              <a:t>Andreas Heimann &amp; Matthias Puchta</a:t>
-            </a:r>
-            <a:endParaRPr lang="de-DE" dirty="0"/>
-          </a:p>
-        </p:txBody>
-      </p:sp>
-      <p:sp>
-        <p:nvSpPr>
-          <p:cNvPr id="5" name="Textplatzhalter 4">
-            <a:extLst>
-              <a:ext uri="{FF2B5EF4-FFF2-40B4-BE49-F238E27FC236}">
-                <a16:creationId xmlns:a16="http://schemas.microsoft.com/office/drawing/2014/main" id="{8F031245-BB29-41F9-8C5E-156AFC612440}"/>
-              </a:ext>
-            </a:extLst>
-          </p:cNvPr>
-          <p:cNvSpPr>
-            <a:spLocks noGrp="1"/>
-          </p:cNvSpPr>
-          <p:nvPr>
-            <p:ph type="body" sz="quarter" idx="13"/>
-          </p:nvPr>
-        </p:nvSpPr>
-        <p:spPr/>
-        <p:txBody>
-          <a:bodyPr/>
-          <a:lstStyle/>
-          <a:p>
-            <a:r>
-              <a:rPr lang="de-DE" dirty="0"/>
-              <a:t>Problems:</a:t>
-            </a:r>
-          </a:p>
-          <a:p>
-            <a:pPr marL="0" indent="0">
-              <a:buNone/>
-            </a:pPr>
-            <a:r>
-              <a:rPr lang="en-US" dirty="0"/>
-              <a:t>Whereas the paper [7] elaborates on several ways</a:t>
-            </a:r>
-          </a:p>
-          <a:p>
-            <a:pPr marL="0" indent="0">
-              <a:buNone/>
-            </a:pPr>
-            <a:r>
-              <a:rPr lang="en-US" dirty="0"/>
-              <a:t>o check t-closeness (using several distances between</a:t>
-            </a:r>
-          </a:p>
-          <a:p>
-            <a:pPr marL="0" indent="0">
-              <a:buNone/>
-            </a:pPr>
-            <a:r>
-              <a:rPr lang="de-DE" dirty="0" err="1"/>
-              <a:t>distributions</a:t>
-            </a:r>
-            <a:r>
-              <a:rPr lang="de-DE" dirty="0"/>
-              <a:t>), </a:t>
-            </a:r>
-            <a:r>
-              <a:rPr lang="de-DE" dirty="0" err="1"/>
-              <a:t>no</a:t>
-            </a:r>
-            <a:r>
-              <a:rPr lang="de-DE" dirty="0"/>
-              <a:t> </a:t>
-            </a:r>
-            <a:r>
-              <a:rPr lang="de-DE" dirty="0" err="1"/>
-              <a:t>computational</a:t>
-            </a:r>
-            <a:r>
-              <a:rPr lang="de-DE" dirty="0"/>
-              <a:t> </a:t>
-            </a:r>
-            <a:r>
-              <a:rPr lang="de-DE" dirty="0" err="1"/>
-              <a:t>procedure</a:t>
-            </a:r>
-            <a:endParaRPr lang="de-DE" dirty="0"/>
-          </a:p>
-          <a:p>
-            <a:pPr marL="0" indent="0">
-              <a:buNone/>
-            </a:pPr>
-            <a:r>
-              <a:rPr lang="en-US" dirty="0"/>
-              <a:t>to enforce this property is given.</a:t>
-            </a:r>
-          </a:p>
-          <a:p>
-            <a:pPr marL="0" indent="0">
-              <a:buNone/>
-            </a:pPr>
-            <a:endParaRPr lang="de-DE" dirty="0"/>
-          </a:p>
-        </p:txBody>
-      </p:sp>
-      <p:sp>
-        <p:nvSpPr>
-          <p:cNvPr id="6" name="Foliennummernplatzhalter 5">
-            <a:extLst>
-              <a:ext uri="{FF2B5EF4-FFF2-40B4-BE49-F238E27FC236}">
-                <a16:creationId xmlns:a16="http://schemas.microsoft.com/office/drawing/2014/main" id="{35C5C671-02F4-435F-A4CA-4659E0309639}"/>
-              </a:ext>
-            </a:extLst>
-          </p:cNvPr>
-          <p:cNvSpPr>
-            <a:spLocks noGrp="1"/>
-          </p:cNvSpPr>
-          <p:nvPr>
-            <p:ph type="sldNum" sz="quarter" idx="12"/>
-          </p:nvPr>
-        </p:nvSpPr>
-        <p:spPr/>
-        <p:txBody>
-          <a:bodyPr/>
-          <a:lstStyle/>
-          <a:p>
-            <a:fld id="{50E76E58-F275-47A3-BB17-470016A267B6}" type="slidenum">
-              <a:rPr lang="de-DE" smtClean="0"/>
-              <a:pPr/>
-              <a:t>26</a:t>
-            </a:fld>
-            <a:endParaRPr lang="de-DE"/>
-          </a:p>
-        </p:txBody>
-      </p:sp>
-    </p:spTree>
-    <p:extLst>
-      <p:ext uri="{BB962C8B-B14F-4D97-AF65-F5344CB8AC3E}">
-        <p14:creationId xmlns:p14="http://schemas.microsoft.com/office/powerpoint/2010/main" val="2648306626"/>
-      </p:ext>
-    </p:extLst>
-  </p:cSld>
-  <p:clrMapOvr>
-    <a:masterClrMapping/>
-  </p:clrMapOvr>
-</p:sld>
-</file>
-
-<file path=ppt/slides/slide27.xml><?xml version="1.0" encoding="utf-8"?>
-<p:sld xmlns:a="http://schemas.openxmlformats.org/drawingml/2006/main" xmlns:r="http://schemas.openxmlformats.org/officeDocument/2006/relationships" xmlns:p="http://schemas.openxmlformats.org/presentationml/2006/main">
-  <p:cSld>
-    <p:spTree>
-      <p:nvGrpSpPr>
-        <p:cNvPr id="1" name=""/>
-        <p:cNvGrpSpPr/>
-        <p:nvPr/>
-      </p:nvGrpSpPr>
-      <p:grpSpPr>
-        <a:xfrm>
-          <a:off x="0" y="0"/>
-          <a:ext cx="0" cy="0"/>
-          <a:chOff x="0" y="0"/>
-          <a:chExt cx="0" cy="0"/>
-        </a:xfrm>
-      </p:grpSpPr>
-      <p:sp>
-        <p:nvSpPr>
-          <p:cNvPr id="2" name="Titel 1">
-            <a:extLst>
-              <a:ext uri="{FF2B5EF4-FFF2-40B4-BE49-F238E27FC236}">
                 <a16:creationId xmlns:a16="http://schemas.microsoft.com/office/drawing/2014/main" id="{60CF76F7-DA21-4280-B132-DB1CBFFB0632}"/>
               </a:ext>
             </a:extLst>
@@ -6914,7 +6882,7 @@
             <a:fld id="{50E76E58-F275-47A3-BB17-470016A267B6}" type="slidenum">
               <a:rPr lang="de-DE" smtClean="0"/>
               <a:pPr/>
-              <a:t>27</a:t>
+              <a:t>24</a:t>
             </a:fld>
             <a:endParaRPr lang="de-DE"/>
           </a:p>
@@ -7938,7 +7906,7 @@
           <p:cNvPr id="2" name="Titel 1">
             <a:extLst>
               <a:ext uri="{FF2B5EF4-FFF2-40B4-BE49-F238E27FC236}">
-                <a16:creationId xmlns:a16="http://schemas.microsoft.com/office/drawing/2014/main" id="{38988ACC-FE30-4F7F-9CBE-055EE8ABEAEE}"/>
+                <a16:creationId xmlns:a16="http://schemas.microsoft.com/office/drawing/2014/main" id="{5DFF05F5-BFE1-403A-A36E-6A2828649D6F}"/>
               </a:ext>
             </a:extLst>
           </p:cNvPr>
@@ -7955,10 +7923,10 @@
           <a:lstStyle/>
           <a:p>
             <a:r>
-              <a:rPr lang="de-DE" b="1" dirty="0"/>
+              <a:rPr lang="de-DE" sz="2400" b="1" dirty="0"/>
               <a:t>EXTENDED SCENARIOS - Multiple Release Publishing</a:t>
             </a:r>
-            <a:endParaRPr lang="de-DE" dirty="0"/>
+            <a:endParaRPr lang="de-DE" sz="2400" dirty="0"/>
           </a:p>
         </p:txBody>
       </p:sp>
@@ -7967,7 +7935,7 @@
           <p:cNvPr id="3" name="Datumsplatzhalter 2">
             <a:extLst>
               <a:ext uri="{FF2B5EF4-FFF2-40B4-BE49-F238E27FC236}">
-                <a16:creationId xmlns:a16="http://schemas.microsoft.com/office/drawing/2014/main" id="{BF500157-96C0-43C1-A6BB-EE34AFAA1AE9}"/>
+                <a16:creationId xmlns:a16="http://schemas.microsoft.com/office/drawing/2014/main" id="{90B812E9-FF67-440E-8D43-E9D95CEADC88}"/>
               </a:ext>
             </a:extLst>
           </p:cNvPr>
@@ -7996,7 +7964,7 @@
           <p:cNvPr id="4" name="Fußzeilenplatzhalter 3">
             <a:extLst>
               <a:ext uri="{FF2B5EF4-FFF2-40B4-BE49-F238E27FC236}">
-                <a16:creationId xmlns:a16="http://schemas.microsoft.com/office/drawing/2014/main" id="{33CA98EC-81F3-4917-8EC2-B87B4BA5E0DA}"/>
+                <a16:creationId xmlns:a16="http://schemas.microsoft.com/office/drawing/2014/main" id="{830002ED-C0A7-4887-8B84-D46B721CD647}"/>
               </a:ext>
             </a:extLst>
           </p:cNvPr>
@@ -8025,7 +7993,7 @@
           <p:cNvPr id="5" name="Textplatzhalter 4">
             <a:extLst>
               <a:ext uri="{FF2B5EF4-FFF2-40B4-BE49-F238E27FC236}">
-                <a16:creationId xmlns:a16="http://schemas.microsoft.com/office/drawing/2014/main" id="{180A2763-90D6-4DB9-8C81-F0FAA86DD5C2}"/>
+                <a16:creationId xmlns:a16="http://schemas.microsoft.com/office/drawing/2014/main" id="{817EA547-F858-48D5-A99A-AC24CC5B1BEE}"/>
               </a:ext>
             </a:extLst>
           </p:cNvPr>
@@ -8041,9 +8009,250 @@
           <a:bodyPr/>
           <a:lstStyle/>
           <a:p>
+            <a:pPr>
+              <a:buFontTx/>
+              <a:buChar char="-"/>
+            </a:pPr>
+            <a:r>
+              <a:rPr lang="de-DE" dirty="0"/>
+              <a:t>Different </a:t>
+            </a:r>
             <a:r>
               <a:rPr lang="de-DE" dirty="0" err="1"/>
-              <a:t>Example</a:t>
+              <a:t>data</a:t>
+            </a:r>
+            <a:r>
+              <a:rPr lang="de-DE" dirty="0"/>
+              <a:t> </a:t>
+            </a:r>
+            <a:r>
+              <a:rPr lang="de-DE" dirty="0" err="1"/>
+              <a:t>recipients</a:t>
+            </a:r>
+            <a:r>
+              <a:rPr lang="de-DE" dirty="0"/>
+              <a:t> </a:t>
+            </a:r>
+            <a:r>
+              <a:rPr lang="de-DE" dirty="0" err="1"/>
+              <a:t>got</a:t>
+            </a:r>
+            <a:r>
+              <a:rPr lang="de-DE" dirty="0"/>
+              <a:t> different </a:t>
+            </a:r>
+            <a:r>
+              <a:rPr lang="de-DE" dirty="0" err="1"/>
+              <a:t>claims</a:t>
+            </a:r>
+            <a:r>
+              <a:rPr lang="de-DE" dirty="0"/>
+              <a:t> </a:t>
+            </a:r>
+            <a:r>
+              <a:rPr lang="de-DE" dirty="0" err="1"/>
+              <a:t>to</a:t>
+            </a:r>
+            <a:r>
+              <a:rPr lang="de-DE" dirty="0"/>
+              <a:t> </a:t>
+            </a:r>
+            <a:r>
+              <a:rPr lang="de-DE" dirty="0" err="1"/>
+              <a:t>the</a:t>
+            </a:r>
+            <a:r>
+              <a:rPr lang="de-DE" dirty="0"/>
+              <a:t> </a:t>
+            </a:r>
+            <a:r>
+              <a:rPr lang="de-DE" dirty="0" err="1"/>
+              <a:t>data</a:t>
+            </a:r>
+            <a:endParaRPr lang="de-DE" dirty="0"/>
+          </a:p>
+          <a:p>
+            <a:pPr marL="0" indent="0">
+              <a:buNone/>
+            </a:pPr>
+            <a:r>
+              <a:rPr lang="de-DE" dirty="0"/>
+              <a:t>T(Job, Sex, Age, </a:t>
+            </a:r>
+            <a:r>
+              <a:rPr lang="de-DE" dirty="0" err="1"/>
+              <a:t>Race</a:t>
+            </a:r>
+            <a:r>
+              <a:rPr lang="de-DE" dirty="0"/>
+              <a:t>, Disease, </a:t>
+            </a:r>
+            <a:r>
+              <a:rPr lang="de-DE" dirty="0" err="1"/>
+              <a:t>Salary</a:t>
+            </a:r>
+            <a:r>
+              <a:rPr lang="de-DE" dirty="0"/>
+              <a:t>)</a:t>
+            </a:r>
+          </a:p>
+          <a:p>
+            <a:pPr marL="0" indent="0">
+              <a:buNone/>
+            </a:pPr>
+            <a:r>
+              <a:rPr lang="de-DE" dirty="0" err="1"/>
+              <a:t>Pharma</a:t>
+            </a:r>
+            <a:r>
+              <a:rPr lang="de-DE" dirty="0"/>
+              <a:t> </a:t>
+            </a:r>
+            <a:r>
+              <a:rPr lang="de-DE" dirty="0" err="1"/>
+              <a:t>company</a:t>
+            </a:r>
+            <a:r>
+              <a:rPr lang="de-DE" dirty="0"/>
+              <a:t> </a:t>
+            </a:r>
+            <a:r>
+              <a:rPr lang="de-DE" dirty="0" err="1"/>
+              <a:t>intresed</a:t>
+            </a:r>
+            <a:r>
+              <a:rPr lang="de-DE" dirty="0"/>
+              <a:t> in </a:t>
+            </a:r>
+            <a:r>
+              <a:rPr lang="de-DE" dirty="0" err="1"/>
+              <a:t>diesease</a:t>
+            </a:r>
+            <a:r>
+              <a:rPr lang="de-DE" dirty="0"/>
+              <a:t> </a:t>
+            </a:r>
+            <a:r>
+              <a:rPr lang="de-DE" dirty="0" err="1"/>
+              <a:t>with</a:t>
+            </a:r>
+            <a:r>
+              <a:rPr lang="de-DE" dirty="0"/>
+              <a:t> </a:t>
+            </a:r>
+            <a:r>
+              <a:rPr lang="de-DE" dirty="0" err="1"/>
+              <a:t>attribute</a:t>
+            </a:r>
+            <a:r>
+              <a:rPr lang="de-DE" dirty="0"/>
+              <a:t> </a:t>
+            </a:r>
+            <a:r>
+              <a:rPr lang="de-DE" dirty="0" err="1"/>
+              <a:t>job,sex</a:t>
+            </a:r>
+            <a:r>
+              <a:rPr lang="de-DE" dirty="0"/>
+              <a:t>, </a:t>
+            </a:r>
+            <a:r>
+              <a:rPr lang="de-DE" dirty="0" err="1"/>
+              <a:t>age</a:t>
+            </a:r>
+            <a:endParaRPr lang="de-DE" dirty="0"/>
+          </a:p>
+          <a:p>
+            <a:pPr marL="0" indent="0">
+              <a:buNone/>
+            </a:pPr>
+            <a:r>
+              <a:rPr lang="de-DE" dirty="0" err="1"/>
+              <a:t>Another</a:t>
+            </a:r>
+            <a:r>
+              <a:rPr lang="de-DE" dirty="0"/>
+              <a:t> </a:t>
+            </a:r>
+            <a:r>
+              <a:rPr lang="de-DE" dirty="0" err="1"/>
+              <a:t>is</a:t>
+            </a:r>
+            <a:r>
+              <a:rPr lang="de-DE" dirty="0"/>
+              <a:t> </a:t>
+            </a:r>
+            <a:r>
+              <a:rPr lang="de-DE" dirty="0" err="1"/>
+              <a:t>intereset</a:t>
+            </a:r>
+            <a:r>
+              <a:rPr lang="de-DE" dirty="0"/>
+              <a:t> in JOB, AGE, RACE</a:t>
+            </a:r>
+          </a:p>
+          <a:p>
+            <a:pPr marL="0" indent="0">
+              <a:buNone/>
+            </a:pPr>
+            <a:r>
+              <a:rPr lang="de-DE" dirty="0" err="1"/>
+              <a:t>Relse</a:t>
+            </a:r>
+            <a:r>
+              <a:rPr lang="de-DE" dirty="0"/>
+              <a:t> </a:t>
+            </a:r>
+            <a:r>
+              <a:rPr lang="de-DE" dirty="0" err="1"/>
+              <a:t>one</a:t>
+            </a:r>
+            <a:r>
+              <a:rPr lang="de-DE" dirty="0"/>
+              <a:t> </a:t>
+            </a:r>
+            <a:r>
+              <a:rPr lang="de-DE" dirty="0" err="1"/>
+              <a:t>table</a:t>
+            </a:r>
+            <a:r>
+              <a:rPr lang="de-DE" dirty="0"/>
+              <a:t> </a:t>
+            </a:r>
+            <a:r>
+              <a:rPr lang="de-DE" dirty="0" err="1"/>
+              <a:t>with</a:t>
+            </a:r>
+            <a:r>
+              <a:rPr lang="de-DE" dirty="0"/>
+              <a:t> {JOB, Sex, Age, </a:t>
+            </a:r>
+            <a:r>
+              <a:rPr lang="de-DE" dirty="0" err="1"/>
+              <a:t>Race</a:t>
+            </a:r>
+            <a:r>
+              <a:rPr lang="de-DE" dirty="0"/>
+              <a:t>}</a:t>
+            </a:r>
+          </a:p>
+          <a:p>
+            <a:r>
+              <a:rPr lang="de-DE" dirty="0"/>
+              <a:t>- </a:t>
+            </a:r>
+            <a:r>
+              <a:rPr lang="en-US" dirty="0"/>
+              <a:t>A drawback is that information is released unnecessarily, in that neither of the two purposes needs all four attributes</a:t>
+            </a:r>
+          </a:p>
+          <a:p>
+            <a:pPr marL="0" indent="0">
+              <a:buNone/>
+            </a:pPr>
+            <a:r>
+              <a:rPr lang="en-US" dirty="0"/>
+              <a:t>You make one for both of them. Problem </a:t>
             </a:r>
             <a:endParaRPr lang="de-DE" dirty="0"/>
           </a:p>
@@ -8054,7 +8263,7 @@
           <p:cNvPr id="6" name="Foliennummernplatzhalter 5">
             <a:extLst>
               <a:ext uri="{FF2B5EF4-FFF2-40B4-BE49-F238E27FC236}">
-                <a16:creationId xmlns:a16="http://schemas.microsoft.com/office/drawing/2014/main" id="{BA0AECC7-A9A9-4169-950B-A45FCB73BD9B}"/>
+                <a16:creationId xmlns:a16="http://schemas.microsoft.com/office/drawing/2014/main" id="{1A5F5161-AF90-426C-A082-2392411945CF}"/>
               </a:ext>
             </a:extLst>
           </p:cNvPr>
@@ -8082,7 +8291,7 @@
     </p:spTree>
     <p:extLst>
       <p:ext uri="{BB962C8B-B14F-4D97-AF65-F5344CB8AC3E}">
-        <p14:creationId xmlns:p14="http://schemas.microsoft.com/office/powerpoint/2010/main" val="187468848"/>
+        <p14:creationId xmlns:p14="http://schemas.microsoft.com/office/powerpoint/2010/main" val="839178868"/>
       </p:ext>
     </p:extLst>
   </p:cSld>
@@ -8114,7 +8323,7 @@
           <p:cNvPr id="2" name="Titel 1">
             <a:extLst>
               <a:ext uri="{FF2B5EF4-FFF2-40B4-BE49-F238E27FC236}">
-                <a16:creationId xmlns:a16="http://schemas.microsoft.com/office/drawing/2014/main" id="{8E25D8BA-34BD-4AB3-A8F1-5BE24DA46ED2}"/>
+                <a16:creationId xmlns:a16="http://schemas.microsoft.com/office/drawing/2014/main" id="{A250AA1D-CBA5-4BF9-827F-0AC0BEF9E671}"/>
               </a:ext>
             </a:extLst>
           </p:cNvPr>
@@ -8131,18 +8340,10 @@
           <a:lstStyle/>
           <a:p>
             <a:r>
-              <a:rPr lang="de-DE" sz="1800" b="1" dirty="0"/>
-              <a:t>EXTENDED SCENARIOS – </a:t>
-            </a:r>
-            <a:r>
-              <a:rPr lang="de-DE" sz="1800" b="1" dirty="0" err="1"/>
-              <a:t>Sequential</a:t>
-            </a:r>
-            <a:r>
-              <a:rPr lang="de-DE" sz="1800" b="1" dirty="0"/>
-              <a:t> Release Publishing</a:t>
-            </a:r>
-            <a:endParaRPr lang="de-DE" sz="1800" dirty="0"/>
+              <a:rPr lang="de-DE" b="1" dirty="0"/>
+              <a:t>EXTENDED SCENARIOS – Multiple Release Publishing</a:t>
+            </a:r>
+            <a:endParaRPr lang="de-DE" dirty="0"/>
           </a:p>
         </p:txBody>
       </p:sp>
@@ -8151,7 +8352,7 @@
           <p:cNvPr id="3" name="Datumsplatzhalter 2">
             <a:extLst>
               <a:ext uri="{FF2B5EF4-FFF2-40B4-BE49-F238E27FC236}">
-                <a16:creationId xmlns:a16="http://schemas.microsoft.com/office/drawing/2014/main" id="{5079DD1B-902A-432A-8C60-C4C83007992A}"/>
+                <a16:creationId xmlns:a16="http://schemas.microsoft.com/office/drawing/2014/main" id="{EA0EB5D0-C0FE-4AFE-8A81-2589296C778F}"/>
               </a:ext>
             </a:extLst>
           </p:cNvPr>
@@ -8180,7 +8381,7 @@
           <p:cNvPr id="4" name="Fußzeilenplatzhalter 3">
             <a:extLst>
               <a:ext uri="{FF2B5EF4-FFF2-40B4-BE49-F238E27FC236}">
-                <a16:creationId xmlns:a16="http://schemas.microsoft.com/office/drawing/2014/main" id="{7EFECC64-6F1A-4381-9B68-BF04EF1814E1}"/>
+                <a16:creationId xmlns:a16="http://schemas.microsoft.com/office/drawing/2014/main" id="{57F7375E-8B76-432F-8062-DE249F9B1296}"/>
               </a:ext>
             </a:extLst>
           </p:cNvPr>
@@ -8209,7 +8410,7 @@
           <p:cNvPr id="5" name="Textplatzhalter 4">
             <a:extLst>
               <a:ext uri="{FF2B5EF4-FFF2-40B4-BE49-F238E27FC236}">
-                <a16:creationId xmlns:a16="http://schemas.microsoft.com/office/drawing/2014/main" id="{6609FEC9-4889-4738-8FAA-9EDCD59C8959}"/>
+                <a16:creationId xmlns:a16="http://schemas.microsoft.com/office/drawing/2014/main" id="{149E4DF0-6D1B-42D2-8864-3E9847385D69}"/>
               </a:ext>
             </a:extLst>
           </p:cNvPr>
@@ -8225,145 +8426,9 @@
           <a:bodyPr/>
           <a:lstStyle/>
           <a:p>
-            <a:r>
-              <a:rPr lang="en-US" dirty="0"/>
-              <a:t>In some other scenarios, the data is released continuously</a:t>
-            </a:r>
-          </a:p>
-          <a:p>
             <a:pPr marL="0" indent="0">
               <a:buNone/>
             </a:pPr>
-            <a:r>
-              <a:rPr lang="en-US" dirty="0"/>
-              <a:t>and sequentially as new information becomes available.</a:t>
-            </a:r>
-          </a:p>
-          <a:p>
-            <a:r>
-              <a:rPr lang="de-DE" dirty="0" err="1"/>
-              <a:t>Consider</a:t>
-            </a:r>
-            <a:r>
-              <a:rPr lang="de-DE" dirty="0"/>
-              <a:t> </a:t>
-            </a:r>
-            <a:r>
-              <a:rPr lang="de-DE" dirty="0" err="1"/>
-              <a:t>the</a:t>
-            </a:r>
-            <a:r>
-              <a:rPr lang="de-DE" dirty="0"/>
-              <a:t> </a:t>
-            </a:r>
-            <a:r>
-              <a:rPr lang="de-DE" dirty="0" err="1"/>
-              <a:t>problem</a:t>
-            </a:r>
-            <a:r>
-              <a:rPr lang="de-DE" dirty="0"/>
-              <a:t> </a:t>
-            </a:r>
-            <a:r>
-              <a:rPr lang="de-DE" dirty="0" err="1"/>
-              <a:t>of</a:t>
-            </a:r>
-            <a:r>
-              <a:rPr lang="en-US" i="1" dirty="0"/>
-              <a:t>sequential anonymization </a:t>
-            </a:r>
-            <a:r>
-              <a:rPr lang="en-US" dirty="0"/>
-              <a:t>[Wang and Fung 2006]: a data publisher has </a:t>
-            </a:r>
-            <a:r>
-              <a:rPr lang="en-US" i="1" dirty="0" err="1"/>
-              <a:t>previously</a:t>
-            </a:r>
-            <a:r>
-              <a:rPr lang="en-US" dirty="0" err="1"/>
-              <a:t>released</a:t>
-            </a:r>
-            <a:r>
-              <a:rPr lang="en-US" dirty="0"/>
-              <a:t> </a:t>
-            </a:r>
-            <a:r>
-              <a:rPr lang="en-US" i="1" dirty="0"/>
-              <a:t>T</a:t>
-            </a:r>
-            <a:r>
-              <a:rPr lang="en-US" dirty="0"/>
-              <a:t>1</a:t>
-            </a:r>
-            <a:r>
-              <a:rPr lang="en-US" i="1" dirty="0"/>
-              <a:t>, . . . , Tp</a:t>
-            </a:r>
-            <a:r>
-              <a:rPr lang="en-US" dirty="0"/>
-              <a:t>−1 and </a:t>
-            </a:r>
-            <a:r>
-              <a:rPr lang="en-US" i="1" dirty="0"/>
-              <a:t>now </a:t>
-            </a:r>
-            <a:r>
-              <a:rPr lang="en-US" dirty="0"/>
-              <a:t>wants to publish the next release </a:t>
-            </a:r>
-            <a:r>
-              <a:rPr lang="en-US" i="1" dirty="0" err="1"/>
-              <a:t>Tp</a:t>
-            </a:r>
-            <a:r>
-              <a:rPr lang="en-US" dirty="0"/>
-              <a:t>, where all </a:t>
-            </a:r>
-            <a:r>
-              <a:rPr lang="en-US" i="1" dirty="0" err="1"/>
-              <a:t>Ti</a:t>
-            </a:r>
-            <a:r>
-              <a:rPr lang="en-US" dirty="0" err="1"/>
-              <a:t>are</a:t>
-            </a:r>
-            <a:r>
-              <a:rPr lang="en-US" dirty="0"/>
-              <a:t> projections of the same underlying table, and each </a:t>
-            </a:r>
-            <a:r>
-              <a:rPr lang="en-US" i="1" dirty="0"/>
-              <a:t>individual release</a:t>
-            </a:r>
-            <a:r>
-              <a:rPr lang="en-US" dirty="0"/>
-              <a:t>, not </a:t>
-            </a:r>
-            <a:r>
-              <a:rPr lang="en-US" dirty="0" err="1"/>
-              <a:t>thejoin</a:t>
-            </a:r>
-            <a:r>
-              <a:rPr lang="en-US" dirty="0"/>
-              <a:t>, serves a data mining purpose. The data publisher wants to prevent record and attribute linkages through the join of </a:t>
-            </a:r>
-            <a:r>
-              <a:rPr lang="en-US" i="1" dirty="0"/>
-              <a:t>T</a:t>
-            </a:r>
-            <a:r>
-              <a:rPr lang="en-US" dirty="0"/>
-              <a:t>1</a:t>
-            </a:r>
-            <a:r>
-              <a:rPr lang="en-US" i="1" dirty="0"/>
-              <a:t>, . . . , Tp</a:t>
-            </a:r>
-            <a:r>
-              <a:rPr lang="en-US" dirty="0"/>
-              <a:t>.</a:t>
-            </a:r>
             <a:endParaRPr lang="de-DE" dirty="0"/>
           </a:p>
         </p:txBody>
@@ -8373,7 +8438,7 @@
           <p:cNvPr id="6" name="Foliennummernplatzhalter 5">
             <a:extLst>
               <a:ext uri="{FF2B5EF4-FFF2-40B4-BE49-F238E27FC236}">
-                <a16:creationId xmlns:a16="http://schemas.microsoft.com/office/drawing/2014/main" id="{AB93F62D-EA09-4552-880A-D595452A36E3}"/>
+                <a16:creationId xmlns:a16="http://schemas.microsoft.com/office/drawing/2014/main" id="{1CAFD7E1-5AA6-4CA7-887C-3211D94A545D}"/>
               </a:ext>
             </a:extLst>
           </p:cNvPr>
@@ -8398,10 +8463,1401 @@
           </a:p>
         </p:txBody>
       </p:sp>
+      <p:graphicFrame>
+        <p:nvGraphicFramePr>
+          <p:cNvPr id="7" name="Tabelle 6">
+            <a:extLst>
+              <a:ext uri="{FF2B5EF4-FFF2-40B4-BE49-F238E27FC236}">
+                <a16:creationId xmlns:a16="http://schemas.microsoft.com/office/drawing/2014/main" id="{5816CE3B-BCDB-4B82-9CAB-E0317913C968}"/>
+              </a:ext>
+            </a:extLst>
+          </p:cNvPr>
+          <p:cNvGraphicFramePr>
+            <a:graphicFrameLocks noGrp="1"/>
+          </p:cNvGraphicFramePr>
+          <p:nvPr>
+            <p:extLst>
+              <p:ext uri="{D42A27DB-BD31-4B8C-83A1-F6EECF244321}">
+                <p14:modId xmlns:p14="http://schemas.microsoft.com/office/powerpoint/2010/main" val="3653046718"/>
+              </p:ext>
+            </p:extLst>
+          </p:nvPr>
+        </p:nvGraphicFramePr>
+        <p:xfrm>
+          <a:off x="539552" y="1567734"/>
+          <a:ext cx="3096344" cy="1805760"/>
+        </p:xfrm>
+        <a:graphic>
+          <a:graphicData uri="http://schemas.openxmlformats.org/drawingml/2006/table">
+            <a:tbl>
+              <a:tblPr firstRow="1" bandRow="1">
+                <a:tableStyleId>{93296810-A885-4BE3-A3E7-6D5BEEA58F35}</a:tableStyleId>
+              </a:tblPr>
+              <a:tblGrid>
+                <a:gridCol w="622160">
+                  <a:extLst>
+                    <a:ext uri="{9D8B030D-6E8A-4147-A177-3AD203B41FA5}">
+                      <a16:colId xmlns:a16="http://schemas.microsoft.com/office/drawing/2014/main" val="320632794"/>
+                    </a:ext>
+                  </a:extLst>
+                </a:gridCol>
+                <a:gridCol w="1237092">
+                  <a:extLst>
+                    <a:ext uri="{9D8B030D-6E8A-4147-A177-3AD203B41FA5}">
+                      <a16:colId xmlns:a16="http://schemas.microsoft.com/office/drawing/2014/main" val="2598373127"/>
+                    </a:ext>
+                  </a:extLst>
+                </a:gridCol>
+                <a:gridCol w="1237092">
+                  <a:extLst>
+                    <a:ext uri="{9D8B030D-6E8A-4147-A177-3AD203B41FA5}">
+                      <a16:colId xmlns:a16="http://schemas.microsoft.com/office/drawing/2014/main" val="2167730399"/>
+                    </a:ext>
+                  </a:extLst>
+                </a:gridCol>
+              </a:tblGrid>
+              <a:tr h="198561">
+                <a:tc>
+                  <a:txBody>
+                    <a:bodyPr/>
+                    <a:lstStyle/>
+                    <a:p>
+                      <a:r>
+                        <a:rPr lang="de-DE" sz="1200" dirty="0"/>
+                        <a:t>Size</a:t>
+                      </a:r>
+                    </a:p>
+                  </a:txBody>
+                  <a:tcPr marL="48960" marR="48960" marT="24480" marB="24480"/>
+                </a:tc>
+                <a:tc>
+                  <a:txBody>
+                    <a:bodyPr/>
+                    <a:lstStyle/>
+                    <a:p>
+                      <a:r>
+                        <a:rPr lang="de-DE" sz="1200" dirty="0"/>
+                        <a:t>Hobby</a:t>
+                      </a:r>
+                    </a:p>
+                  </a:txBody>
+                  <a:tcPr marL="48960" marR="48960" marT="24480" marB="24480"/>
+                </a:tc>
+                <a:tc>
+                  <a:txBody>
+                    <a:bodyPr/>
+                    <a:lstStyle/>
+                    <a:p>
+                      <a:r>
+                        <a:rPr lang="de-DE" sz="1200" dirty="0" err="1"/>
+                        <a:t>lecture</a:t>
+                      </a:r>
+                      <a:endParaRPr lang="de-DE" sz="1200" dirty="0"/>
+                    </a:p>
+                  </a:txBody>
+                  <a:tcPr marL="48960" marR="48960" marT="24480" marB="24480"/>
+                </a:tc>
+                <a:extLst>
+                  <a:ext uri="{0D108BD9-81ED-4DB2-BD59-A6C34878D82A}">
+                    <a16:rowId xmlns:a16="http://schemas.microsoft.com/office/drawing/2014/main" val="1160122449"/>
+                  </a:ext>
+                </a:extLst>
+              </a:tr>
+              <a:tr h="198561">
+                <a:tc>
+                  <a:txBody>
+                    <a:bodyPr/>
+                    <a:lstStyle/>
+                    <a:p>
+                      <a:r>
+                        <a:rPr lang="de-DE" sz="1200" dirty="0"/>
+                        <a:t>160 cm</a:t>
+                      </a:r>
+                    </a:p>
+                  </a:txBody>
+                  <a:tcPr marL="48960" marR="48960" marT="24480" marB="24480"/>
+                </a:tc>
+                <a:tc>
+                  <a:txBody>
+                    <a:bodyPr/>
+                    <a:lstStyle/>
+                    <a:p>
+                      <a:r>
+                        <a:rPr lang="de-DE" sz="1200" dirty="0" err="1"/>
+                        <a:t>football</a:t>
+                      </a:r>
+                      <a:endParaRPr lang="de-DE" sz="1200" dirty="0"/>
+                    </a:p>
+                  </a:txBody>
+                  <a:tcPr marL="48960" marR="48960" marT="24480" marB="24480"/>
+                </a:tc>
+                <a:tc>
+                  <a:txBody>
+                    <a:bodyPr/>
+                    <a:lstStyle/>
+                    <a:p>
+                      <a:r>
+                        <a:rPr lang="de-DE" sz="1200" dirty="0" err="1"/>
+                        <a:t>biology</a:t>
+                      </a:r>
+                      <a:endParaRPr lang="de-DE" sz="1200" dirty="0"/>
+                    </a:p>
+                  </a:txBody>
+                  <a:tcPr marL="48960" marR="48960" marT="24480" marB="24480"/>
+                </a:tc>
+                <a:extLst>
+                  <a:ext uri="{0D108BD9-81ED-4DB2-BD59-A6C34878D82A}">
+                    <a16:rowId xmlns:a16="http://schemas.microsoft.com/office/drawing/2014/main" val="3825182716"/>
+                  </a:ext>
+                </a:extLst>
+              </a:tr>
+              <a:tr h="198561">
+                <a:tc>
+                  <a:txBody>
+                    <a:bodyPr/>
+                    <a:lstStyle/>
+                    <a:p>
+                      <a:r>
+                        <a:rPr lang="de-DE" sz="1200" dirty="0"/>
+                        <a:t>160 cm</a:t>
+                      </a:r>
+                    </a:p>
+                  </a:txBody>
+                  <a:tcPr marL="48960" marR="48960" marT="24480" marB="24480"/>
+                </a:tc>
+                <a:tc>
+                  <a:txBody>
+                    <a:bodyPr/>
+                    <a:lstStyle/>
+                    <a:p>
+                      <a:r>
+                        <a:rPr lang="de-DE" sz="1200" dirty="0" err="1"/>
+                        <a:t>football</a:t>
+                      </a:r>
+                      <a:endParaRPr lang="de-DE" sz="1200" dirty="0"/>
+                    </a:p>
+                  </a:txBody>
+                  <a:tcPr marL="48960" marR="48960" marT="24480" marB="24480"/>
+                </a:tc>
+                <a:tc>
+                  <a:txBody>
+                    <a:bodyPr/>
+                    <a:lstStyle/>
+                    <a:p>
+                      <a:r>
+                        <a:rPr lang="de-DE" sz="1200" dirty="0" err="1"/>
+                        <a:t>biology</a:t>
+                      </a:r>
+                      <a:endParaRPr lang="de-DE" sz="1200" dirty="0"/>
+                    </a:p>
+                  </a:txBody>
+                  <a:tcPr marL="48960" marR="48960" marT="24480" marB="24480"/>
+                </a:tc>
+                <a:extLst>
+                  <a:ext uri="{0D108BD9-81ED-4DB2-BD59-A6C34878D82A}">
+                    <a16:rowId xmlns:a16="http://schemas.microsoft.com/office/drawing/2014/main" val="2182950023"/>
+                  </a:ext>
+                </a:extLst>
+              </a:tr>
+              <a:tr h="198561">
+                <a:tc>
+                  <a:txBody>
+                    <a:bodyPr/>
+                    <a:lstStyle/>
+                    <a:p>
+                      <a:r>
+                        <a:rPr lang="de-DE" sz="1200" dirty="0"/>
+                        <a:t>180 cm</a:t>
+                      </a:r>
+                    </a:p>
+                  </a:txBody>
+                  <a:tcPr marL="48960" marR="48960" marT="24480" marB="24480"/>
+                </a:tc>
+                <a:tc>
+                  <a:txBody>
+                    <a:bodyPr/>
+                    <a:lstStyle/>
+                    <a:p>
+                      <a:r>
+                        <a:rPr lang="de-DE" sz="1200" dirty="0" err="1"/>
+                        <a:t>videogames</a:t>
+                      </a:r>
+                      <a:endParaRPr lang="de-DE" sz="1200" dirty="0"/>
+                    </a:p>
+                  </a:txBody>
+                  <a:tcPr marL="48960" marR="48960" marT="24480" marB="24480"/>
+                </a:tc>
+                <a:tc>
+                  <a:txBody>
+                    <a:bodyPr/>
+                    <a:lstStyle/>
+                    <a:p>
+                      <a:r>
+                        <a:rPr lang="de-DE" sz="1200" dirty="0" err="1"/>
+                        <a:t>sport</a:t>
+                      </a:r>
+                      <a:endParaRPr lang="de-DE" sz="1200" dirty="0"/>
+                    </a:p>
+                  </a:txBody>
+                  <a:tcPr marL="48960" marR="48960" marT="24480" marB="24480"/>
+                </a:tc>
+                <a:extLst>
+                  <a:ext uri="{0D108BD9-81ED-4DB2-BD59-A6C34878D82A}">
+                    <a16:rowId xmlns:a16="http://schemas.microsoft.com/office/drawing/2014/main" val="1691079596"/>
+                  </a:ext>
+                </a:extLst>
+              </a:tr>
+              <a:tr h="198561">
+                <a:tc>
+                  <a:txBody>
+                    <a:bodyPr/>
+                    <a:lstStyle/>
+                    <a:p>
+                      <a:r>
+                        <a:rPr lang="de-DE" sz="1200" dirty="0"/>
+                        <a:t>180 cm</a:t>
+                      </a:r>
+                    </a:p>
+                  </a:txBody>
+                  <a:tcPr marL="48960" marR="48960" marT="24480" marB="24480"/>
+                </a:tc>
+                <a:tc>
+                  <a:txBody>
+                    <a:bodyPr/>
+                    <a:lstStyle/>
+                    <a:p>
+                      <a:r>
+                        <a:rPr lang="de-DE" sz="1200" dirty="0" err="1"/>
+                        <a:t>dancing</a:t>
+                      </a:r>
+                      <a:endParaRPr lang="de-DE" sz="1200" dirty="0"/>
+                    </a:p>
+                  </a:txBody>
+                  <a:tcPr marL="48960" marR="48960" marT="24480" marB="24480"/>
+                </a:tc>
+                <a:tc>
+                  <a:txBody>
+                    <a:bodyPr/>
+                    <a:lstStyle/>
+                    <a:p>
+                      <a:r>
+                        <a:rPr lang="de-DE" sz="1200" dirty="0" err="1"/>
+                        <a:t>phyisic</a:t>
+                      </a:r>
+                      <a:endParaRPr lang="de-DE" sz="1200" dirty="0"/>
+                    </a:p>
+                  </a:txBody>
+                  <a:tcPr marL="48960" marR="48960" marT="24480" marB="24480"/>
+                </a:tc>
+                <a:extLst>
+                  <a:ext uri="{0D108BD9-81ED-4DB2-BD59-A6C34878D82A}">
+                    <a16:rowId xmlns:a16="http://schemas.microsoft.com/office/drawing/2014/main" val="3285554444"/>
+                  </a:ext>
+                </a:extLst>
+              </a:tr>
+              <a:tr h="198561">
+                <a:tc>
+                  <a:txBody>
+                    <a:bodyPr/>
+                    <a:lstStyle/>
+                    <a:p>
+                      <a:r>
+                        <a:rPr lang="de-DE" sz="1200" dirty="0"/>
+                        <a:t>190 cm</a:t>
+                      </a:r>
+                    </a:p>
+                  </a:txBody>
+                  <a:tcPr marL="48960" marR="48960" marT="24480" marB="24480"/>
+                </a:tc>
+                <a:tc>
+                  <a:txBody>
+                    <a:bodyPr/>
+                    <a:lstStyle/>
+                    <a:p>
+                      <a:r>
+                        <a:rPr lang="de-DE" sz="1200" dirty="0" err="1"/>
+                        <a:t>basketball</a:t>
+                      </a:r>
+                      <a:endParaRPr lang="de-DE" sz="1200" dirty="0"/>
+                    </a:p>
+                  </a:txBody>
+                  <a:tcPr marL="48960" marR="48960" marT="24480" marB="24480"/>
+                </a:tc>
+                <a:tc>
+                  <a:txBody>
+                    <a:bodyPr/>
+                    <a:lstStyle/>
+                    <a:p>
+                      <a:r>
+                        <a:rPr lang="de-DE" sz="1200" dirty="0" err="1"/>
+                        <a:t>math</a:t>
+                      </a:r>
+                      <a:endParaRPr lang="de-DE" sz="1200" dirty="0"/>
+                    </a:p>
+                  </a:txBody>
+                  <a:tcPr marL="48960" marR="48960" marT="24480" marB="24480"/>
+                </a:tc>
+                <a:extLst>
+                  <a:ext uri="{0D108BD9-81ED-4DB2-BD59-A6C34878D82A}">
+                    <a16:rowId xmlns:a16="http://schemas.microsoft.com/office/drawing/2014/main" val="4006333830"/>
+                  </a:ext>
+                </a:extLst>
+              </a:tr>
+              <a:tr h="198561">
+                <a:tc>
+                  <a:txBody>
+                    <a:bodyPr/>
+                    <a:lstStyle/>
+                    <a:p>
+                      <a:r>
+                        <a:rPr lang="de-DE" sz="1200" dirty="0"/>
+                        <a:t>190 cm</a:t>
+                      </a:r>
+                    </a:p>
+                  </a:txBody>
+                  <a:tcPr marL="48960" marR="48960" marT="24480" marB="24480"/>
+                </a:tc>
+                <a:tc>
+                  <a:txBody>
+                    <a:bodyPr/>
+                    <a:lstStyle/>
+                    <a:p>
+                      <a:r>
+                        <a:rPr lang="de-DE" sz="1200" dirty="0" err="1"/>
+                        <a:t>collecting</a:t>
+                      </a:r>
+                      <a:r>
+                        <a:rPr lang="de-DE" sz="1200" dirty="0"/>
+                        <a:t> </a:t>
+                      </a:r>
+                      <a:r>
+                        <a:rPr lang="de-DE" sz="1200" dirty="0" err="1"/>
+                        <a:t>stamps</a:t>
+                      </a:r>
+                      <a:endParaRPr lang="de-DE" sz="1200" dirty="0"/>
+                    </a:p>
+                  </a:txBody>
+                  <a:tcPr marL="48960" marR="48960" marT="24480" marB="24480"/>
+                </a:tc>
+                <a:tc>
+                  <a:txBody>
+                    <a:bodyPr/>
+                    <a:lstStyle/>
+                    <a:p>
+                      <a:r>
+                        <a:rPr lang="de-DE" sz="1200" dirty="0" err="1"/>
+                        <a:t>math</a:t>
+                      </a:r>
+                      <a:endParaRPr lang="de-DE" sz="1200" dirty="0"/>
+                    </a:p>
+                  </a:txBody>
+                  <a:tcPr marL="48960" marR="48960" marT="24480" marB="24480"/>
+                </a:tc>
+                <a:extLst>
+                  <a:ext uri="{0D108BD9-81ED-4DB2-BD59-A6C34878D82A}">
+                    <a16:rowId xmlns:a16="http://schemas.microsoft.com/office/drawing/2014/main" val="1160987818"/>
+                  </a:ext>
+                </a:extLst>
+              </a:tr>
+            </a:tbl>
+          </a:graphicData>
+        </a:graphic>
+      </p:graphicFrame>
+      <p:graphicFrame>
+        <p:nvGraphicFramePr>
+          <p:cNvPr id="8" name="Tabelle 7">
+            <a:extLst>
+              <a:ext uri="{FF2B5EF4-FFF2-40B4-BE49-F238E27FC236}">
+                <a16:creationId xmlns:a16="http://schemas.microsoft.com/office/drawing/2014/main" id="{986F5005-D8D8-46E8-91DB-9B15DEE53237}"/>
+              </a:ext>
+            </a:extLst>
+          </p:cNvPr>
+          <p:cNvGraphicFramePr>
+            <a:graphicFrameLocks noGrp="1"/>
+          </p:cNvGraphicFramePr>
+          <p:nvPr>
+            <p:extLst>
+              <p:ext uri="{D42A27DB-BD31-4B8C-83A1-F6EECF244321}">
+                <p14:modId xmlns:p14="http://schemas.microsoft.com/office/powerpoint/2010/main" val="205496417"/>
+              </p:ext>
+            </p:extLst>
+          </p:nvPr>
+        </p:nvGraphicFramePr>
+        <p:xfrm>
+          <a:off x="4979864" y="1561282"/>
+          <a:ext cx="3264024" cy="1805760"/>
+        </p:xfrm>
+        <a:graphic>
+          <a:graphicData uri="http://schemas.openxmlformats.org/drawingml/2006/table">
+            <a:tbl>
+              <a:tblPr firstRow="1" bandRow="1">
+                <a:tableStyleId>{93296810-A885-4BE3-A3E7-6D5BEEA58F35}</a:tableStyleId>
+              </a:tblPr>
+              <a:tblGrid>
+                <a:gridCol w="1088008">
+                  <a:extLst>
+                    <a:ext uri="{9D8B030D-6E8A-4147-A177-3AD203B41FA5}">
+                      <a16:colId xmlns:a16="http://schemas.microsoft.com/office/drawing/2014/main" val="320632794"/>
+                    </a:ext>
+                  </a:extLst>
+                </a:gridCol>
+                <a:gridCol w="1088008">
+                  <a:extLst>
+                    <a:ext uri="{9D8B030D-6E8A-4147-A177-3AD203B41FA5}">
+                      <a16:colId xmlns:a16="http://schemas.microsoft.com/office/drawing/2014/main" val="2598373127"/>
+                    </a:ext>
+                  </a:extLst>
+                </a:gridCol>
+                <a:gridCol w="1088008">
+                  <a:extLst>
+                    <a:ext uri="{9D8B030D-6E8A-4147-A177-3AD203B41FA5}">
+                      <a16:colId xmlns:a16="http://schemas.microsoft.com/office/drawing/2014/main" val="2167730399"/>
+                    </a:ext>
+                  </a:extLst>
+                </a:gridCol>
+              </a:tblGrid>
+              <a:tr h="198561">
+                <a:tc>
+                  <a:txBody>
+                    <a:bodyPr/>
+                    <a:lstStyle/>
+                    <a:p>
+                      <a:r>
+                        <a:rPr lang="de-DE" sz="1200" dirty="0"/>
+                        <a:t>Hobby</a:t>
+                      </a:r>
+                    </a:p>
+                  </a:txBody>
+                  <a:tcPr marL="48960" marR="48960" marT="24480" marB="24480"/>
+                </a:tc>
+                <a:tc>
+                  <a:txBody>
+                    <a:bodyPr/>
+                    <a:lstStyle/>
+                    <a:p>
+                      <a:r>
+                        <a:rPr lang="de-DE" sz="1200" dirty="0" err="1"/>
+                        <a:t>residence</a:t>
+                      </a:r>
+                      <a:endParaRPr lang="de-DE" sz="1200" dirty="0"/>
+                    </a:p>
+                  </a:txBody>
+                  <a:tcPr marL="48960" marR="48960" marT="24480" marB="24480"/>
+                </a:tc>
+                <a:tc>
+                  <a:txBody>
+                    <a:bodyPr/>
+                    <a:lstStyle/>
+                    <a:p>
+                      <a:r>
+                        <a:rPr lang="de-DE" sz="1200" dirty="0"/>
+                        <a:t>Disease</a:t>
+                      </a:r>
+                    </a:p>
+                  </a:txBody>
+                  <a:tcPr marL="48960" marR="48960" marT="24480" marB="24480"/>
+                </a:tc>
+                <a:extLst>
+                  <a:ext uri="{0D108BD9-81ED-4DB2-BD59-A6C34878D82A}">
+                    <a16:rowId xmlns:a16="http://schemas.microsoft.com/office/drawing/2014/main" val="1160122449"/>
+                  </a:ext>
+                </a:extLst>
+              </a:tr>
+              <a:tr h="198561">
+                <a:tc>
+                  <a:txBody>
+                    <a:bodyPr/>
+                    <a:lstStyle/>
+                    <a:p>
+                      <a:r>
+                        <a:rPr lang="de-DE" sz="1200" dirty="0" err="1"/>
+                        <a:t>football</a:t>
+                      </a:r>
+                      <a:endParaRPr lang="de-DE" sz="1200" dirty="0"/>
+                    </a:p>
+                  </a:txBody>
+                  <a:tcPr marL="48960" marR="48960" marT="24480" marB="24480"/>
+                </a:tc>
+                <a:tc>
+                  <a:txBody>
+                    <a:bodyPr/>
+                    <a:lstStyle/>
+                    <a:p>
+                      <a:r>
+                        <a:rPr lang="de-DE" sz="1200" dirty="0"/>
+                        <a:t>Bamberg</a:t>
+                      </a:r>
+                    </a:p>
+                  </a:txBody>
+                  <a:tcPr marL="48960" marR="48960" marT="24480" marB="24480"/>
+                </a:tc>
+                <a:tc>
+                  <a:txBody>
+                    <a:bodyPr/>
+                    <a:lstStyle/>
+                    <a:p>
+                      <a:r>
+                        <a:rPr lang="de-DE" sz="1200" dirty="0"/>
+                        <a:t>Diabetes</a:t>
+                      </a:r>
+                    </a:p>
+                  </a:txBody>
+                  <a:tcPr marL="48960" marR="48960" marT="24480" marB="24480"/>
+                </a:tc>
+                <a:extLst>
+                  <a:ext uri="{0D108BD9-81ED-4DB2-BD59-A6C34878D82A}">
+                    <a16:rowId xmlns:a16="http://schemas.microsoft.com/office/drawing/2014/main" val="3825182716"/>
+                  </a:ext>
+                </a:extLst>
+              </a:tr>
+              <a:tr h="198561">
+                <a:tc>
+                  <a:txBody>
+                    <a:bodyPr/>
+                    <a:lstStyle/>
+                    <a:p>
+                      <a:r>
+                        <a:rPr lang="de-DE" sz="1200" dirty="0" err="1"/>
+                        <a:t>football</a:t>
+                      </a:r>
+                      <a:endParaRPr lang="de-DE" sz="1200" dirty="0"/>
+                    </a:p>
+                  </a:txBody>
+                  <a:tcPr marL="48960" marR="48960" marT="24480" marB="24480"/>
+                </a:tc>
+                <a:tc>
+                  <a:txBody>
+                    <a:bodyPr/>
+                    <a:lstStyle/>
+                    <a:p>
+                      <a:r>
+                        <a:rPr lang="de-DE" sz="1200" dirty="0"/>
+                        <a:t>Bamberg</a:t>
+                      </a:r>
+                    </a:p>
+                  </a:txBody>
+                  <a:tcPr marL="48960" marR="48960" marT="24480" marB="24480"/>
+                </a:tc>
+                <a:tc>
+                  <a:txBody>
+                    <a:bodyPr/>
+                    <a:lstStyle/>
+                    <a:p>
+                      <a:r>
+                        <a:rPr lang="de-DE" sz="1200" dirty="0"/>
+                        <a:t>Diabetes</a:t>
+                      </a:r>
+                    </a:p>
+                  </a:txBody>
+                  <a:tcPr marL="48960" marR="48960" marT="24480" marB="24480"/>
+                </a:tc>
+                <a:extLst>
+                  <a:ext uri="{0D108BD9-81ED-4DB2-BD59-A6C34878D82A}">
+                    <a16:rowId xmlns:a16="http://schemas.microsoft.com/office/drawing/2014/main" val="2182950023"/>
+                  </a:ext>
+                </a:extLst>
+              </a:tr>
+              <a:tr h="198561">
+                <a:tc>
+                  <a:txBody>
+                    <a:bodyPr/>
+                    <a:lstStyle/>
+                    <a:p>
+                      <a:r>
+                        <a:rPr lang="de-DE" sz="1200" dirty="0" err="1"/>
+                        <a:t>videogames</a:t>
+                      </a:r>
+                      <a:endParaRPr lang="de-DE" sz="1200" dirty="0"/>
+                    </a:p>
+                  </a:txBody>
+                  <a:tcPr marL="48960" marR="48960" marT="24480" marB="24480"/>
+                </a:tc>
+                <a:tc>
+                  <a:txBody>
+                    <a:bodyPr/>
+                    <a:lstStyle/>
+                    <a:p>
+                      <a:r>
+                        <a:rPr lang="de-DE" sz="1200" dirty="0"/>
+                        <a:t>Erlangen</a:t>
+                      </a:r>
+                    </a:p>
+                  </a:txBody>
+                  <a:tcPr marL="48960" marR="48960" marT="24480" marB="24480"/>
+                </a:tc>
+                <a:tc>
+                  <a:txBody>
+                    <a:bodyPr/>
+                    <a:lstStyle/>
+                    <a:p>
+                      <a:r>
+                        <a:rPr lang="de-DE" sz="1200" dirty="0"/>
+                        <a:t>Cancer</a:t>
+                      </a:r>
+                    </a:p>
+                  </a:txBody>
+                  <a:tcPr marL="48960" marR="48960" marT="24480" marB="24480"/>
+                </a:tc>
+                <a:extLst>
+                  <a:ext uri="{0D108BD9-81ED-4DB2-BD59-A6C34878D82A}">
+                    <a16:rowId xmlns:a16="http://schemas.microsoft.com/office/drawing/2014/main" val="1691079596"/>
+                  </a:ext>
+                </a:extLst>
+              </a:tr>
+              <a:tr h="198561">
+                <a:tc>
+                  <a:txBody>
+                    <a:bodyPr/>
+                    <a:lstStyle/>
+                    <a:p>
+                      <a:r>
+                        <a:rPr lang="de-DE" sz="1200" dirty="0" err="1"/>
+                        <a:t>dancing</a:t>
+                      </a:r>
+                      <a:endParaRPr lang="de-DE" sz="1200" dirty="0"/>
+                    </a:p>
+                  </a:txBody>
+                  <a:tcPr marL="48960" marR="48960" marT="24480" marB="24480"/>
+                </a:tc>
+                <a:tc>
+                  <a:txBody>
+                    <a:bodyPr/>
+                    <a:lstStyle/>
+                    <a:p>
+                      <a:r>
+                        <a:rPr lang="de-DE" sz="1200" dirty="0"/>
+                        <a:t>Forchheim</a:t>
+                      </a:r>
+                    </a:p>
+                  </a:txBody>
+                  <a:tcPr marL="48960" marR="48960" marT="24480" marB="24480"/>
+                </a:tc>
+                <a:tc>
+                  <a:txBody>
+                    <a:bodyPr/>
+                    <a:lstStyle/>
+                    <a:p>
+                      <a:r>
+                        <a:rPr lang="de-DE" sz="1200" dirty="0"/>
+                        <a:t>Diabetes</a:t>
+                      </a:r>
+                    </a:p>
+                  </a:txBody>
+                  <a:tcPr marL="48960" marR="48960" marT="24480" marB="24480"/>
+                </a:tc>
+                <a:extLst>
+                  <a:ext uri="{0D108BD9-81ED-4DB2-BD59-A6C34878D82A}">
+                    <a16:rowId xmlns:a16="http://schemas.microsoft.com/office/drawing/2014/main" val="3285554444"/>
+                  </a:ext>
+                </a:extLst>
+              </a:tr>
+              <a:tr h="198561">
+                <a:tc>
+                  <a:txBody>
+                    <a:bodyPr/>
+                    <a:lstStyle/>
+                    <a:p>
+                      <a:r>
+                        <a:rPr lang="de-DE" sz="1200" dirty="0" err="1"/>
+                        <a:t>basketball</a:t>
+                      </a:r>
+                      <a:endParaRPr lang="de-DE" sz="1200" dirty="0"/>
+                    </a:p>
+                  </a:txBody>
+                  <a:tcPr marL="48960" marR="48960" marT="24480" marB="24480"/>
+                </a:tc>
+                <a:tc>
+                  <a:txBody>
+                    <a:bodyPr/>
+                    <a:lstStyle/>
+                    <a:p>
+                      <a:r>
+                        <a:rPr lang="de-DE" sz="1200" dirty="0"/>
+                        <a:t>Erlangen</a:t>
+                      </a:r>
+                    </a:p>
+                  </a:txBody>
+                  <a:tcPr marL="48960" marR="48960" marT="24480" marB="24480"/>
+                </a:tc>
+                <a:tc>
+                  <a:txBody>
+                    <a:bodyPr/>
+                    <a:lstStyle/>
+                    <a:p>
+                      <a:r>
+                        <a:rPr lang="de-DE" sz="1200" dirty="0"/>
+                        <a:t>Cancer</a:t>
+                      </a:r>
+                    </a:p>
+                  </a:txBody>
+                  <a:tcPr marL="48960" marR="48960" marT="24480" marB="24480"/>
+                </a:tc>
+                <a:extLst>
+                  <a:ext uri="{0D108BD9-81ED-4DB2-BD59-A6C34878D82A}">
+                    <a16:rowId xmlns:a16="http://schemas.microsoft.com/office/drawing/2014/main" val="4006333830"/>
+                  </a:ext>
+                </a:extLst>
+              </a:tr>
+              <a:tr h="198561">
+                <a:tc>
+                  <a:txBody>
+                    <a:bodyPr/>
+                    <a:lstStyle/>
+                    <a:p>
+                      <a:r>
+                        <a:rPr lang="de-DE" sz="1200" dirty="0" err="1"/>
+                        <a:t>collecting</a:t>
+                      </a:r>
+                      <a:r>
+                        <a:rPr lang="de-DE" sz="1200" dirty="0"/>
+                        <a:t> </a:t>
+                      </a:r>
+                      <a:r>
+                        <a:rPr lang="de-DE" sz="1200" dirty="0" err="1"/>
+                        <a:t>stamps</a:t>
+                      </a:r>
+                      <a:endParaRPr lang="de-DE" sz="1200" dirty="0"/>
+                    </a:p>
+                  </a:txBody>
+                  <a:tcPr marL="48960" marR="48960" marT="24480" marB="24480"/>
+                </a:tc>
+                <a:tc>
+                  <a:txBody>
+                    <a:bodyPr/>
+                    <a:lstStyle/>
+                    <a:p>
+                      <a:r>
+                        <a:rPr lang="de-DE" sz="1200" dirty="0"/>
+                        <a:t>Bamberg</a:t>
+                      </a:r>
+                    </a:p>
+                  </a:txBody>
+                  <a:tcPr marL="48960" marR="48960" marT="24480" marB="24480"/>
+                </a:tc>
+                <a:tc>
+                  <a:txBody>
+                    <a:bodyPr/>
+                    <a:lstStyle/>
+                    <a:p>
+                      <a:r>
+                        <a:rPr lang="de-DE" sz="1200" dirty="0"/>
+                        <a:t>Cancer</a:t>
+                      </a:r>
+                    </a:p>
+                  </a:txBody>
+                  <a:tcPr marL="48960" marR="48960" marT="24480" marB="24480"/>
+                </a:tc>
+                <a:extLst>
+                  <a:ext uri="{0D108BD9-81ED-4DB2-BD59-A6C34878D82A}">
+                    <a16:rowId xmlns:a16="http://schemas.microsoft.com/office/drawing/2014/main" val="1160987818"/>
+                  </a:ext>
+                </a:extLst>
+              </a:tr>
+            </a:tbl>
+          </a:graphicData>
+        </a:graphic>
+      </p:graphicFrame>
+      <p:graphicFrame>
+        <p:nvGraphicFramePr>
+          <p:cNvPr id="9" name="Tabelle 8">
+            <a:extLst>
+              <a:ext uri="{FF2B5EF4-FFF2-40B4-BE49-F238E27FC236}">
+                <a16:creationId xmlns:a16="http://schemas.microsoft.com/office/drawing/2014/main" id="{C9DA06F8-F5B8-4686-92F6-17A874E230A2}"/>
+              </a:ext>
+            </a:extLst>
+          </p:cNvPr>
+          <p:cNvGraphicFramePr>
+            <a:graphicFrameLocks noGrp="1"/>
+          </p:cNvGraphicFramePr>
+          <p:nvPr>
+            <p:extLst>
+              <p:ext uri="{D42A27DB-BD31-4B8C-83A1-F6EECF244321}">
+                <p14:modId xmlns:p14="http://schemas.microsoft.com/office/powerpoint/2010/main" val="3621021104"/>
+              </p:ext>
+            </p:extLst>
+          </p:nvPr>
+        </p:nvGraphicFramePr>
+        <p:xfrm>
+          <a:off x="2123728" y="3693657"/>
+          <a:ext cx="4762069" cy="2456880"/>
+        </p:xfrm>
+        <a:graphic>
+          <a:graphicData uri="http://schemas.openxmlformats.org/drawingml/2006/table">
+            <a:tbl>
+              <a:tblPr firstRow="1" bandRow="1">
+                <a:tableStyleId>{21E4AEA4-8DFA-4A89-87EB-49C32662AFE0}</a:tableStyleId>
+              </a:tblPr>
+              <a:tblGrid>
+                <a:gridCol w="639258">
+                  <a:extLst>
+                    <a:ext uri="{9D8B030D-6E8A-4147-A177-3AD203B41FA5}">
+                      <a16:colId xmlns:a16="http://schemas.microsoft.com/office/drawing/2014/main" val="3038909483"/>
+                    </a:ext>
+                  </a:extLst>
+                </a:gridCol>
+                <a:gridCol w="1306008">
+                  <a:extLst>
+                    <a:ext uri="{9D8B030D-6E8A-4147-A177-3AD203B41FA5}">
+                      <a16:colId xmlns:a16="http://schemas.microsoft.com/office/drawing/2014/main" val="1218478600"/>
+                    </a:ext>
+                  </a:extLst>
+                </a:gridCol>
+                <a:gridCol w="858333">
+                  <a:extLst>
+                    <a:ext uri="{9D8B030D-6E8A-4147-A177-3AD203B41FA5}">
+                      <a16:colId xmlns:a16="http://schemas.microsoft.com/office/drawing/2014/main" val="2365763890"/>
+                    </a:ext>
+                  </a:extLst>
+                </a:gridCol>
+                <a:gridCol w="739270">
+                  <a:extLst>
+                    <a:ext uri="{9D8B030D-6E8A-4147-A177-3AD203B41FA5}">
+                      <a16:colId xmlns:a16="http://schemas.microsoft.com/office/drawing/2014/main" val="898951537"/>
+                    </a:ext>
+                  </a:extLst>
+                </a:gridCol>
+                <a:gridCol w="1219200">
+                  <a:extLst>
+                    <a:ext uri="{9D8B030D-6E8A-4147-A177-3AD203B41FA5}">
+                      <a16:colId xmlns:a16="http://schemas.microsoft.com/office/drawing/2014/main" val="787341161"/>
+                    </a:ext>
+                  </a:extLst>
+                </a:gridCol>
+              </a:tblGrid>
+              <a:tr h="370840">
+                <a:tc>
+                  <a:txBody>
+                    <a:bodyPr/>
+                    <a:lstStyle/>
+                    <a:p>
+                      <a:r>
+                        <a:rPr lang="de-DE" sz="1200" dirty="0"/>
+                        <a:t>Size</a:t>
+                      </a:r>
+                    </a:p>
+                  </a:txBody>
+                  <a:tcPr marL="48960" marR="48960" marT="24480" marB="24480"/>
+                </a:tc>
+                <a:tc>
+                  <a:txBody>
+                    <a:bodyPr/>
+                    <a:lstStyle/>
+                    <a:p>
+                      <a:r>
+                        <a:rPr lang="de-DE" sz="1200" dirty="0"/>
+                        <a:t>Hobby</a:t>
+                      </a:r>
+                    </a:p>
+                  </a:txBody>
+                  <a:tcPr marL="48960" marR="48960" marT="24480" marB="24480"/>
+                </a:tc>
+                <a:tc>
+                  <a:txBody>
+                    <a:bodyPr/>
+                    <a:lstStyle/>
+                    <a:p>
+                      <a:r>
+                        <a:rPr lang="de-DE" sz="1200" dirty="0" err="1"/>
+                        <a:t>residence</a:t>
+                      </a:r>
+                      <a:endParaRPr lang="de-DE" sz="1200" dirty="0"/>
+                    </a:p>
+                  </a:txBody>
+                  <a:tcPr marL="48960" marR="48960" marT="24480" marB="24480"/>
+                </a:tc>
+                <a:tc>
+                  <a:txBody>
+                    <a:bodyPr/>
+                    <a:lstStyle/>
+                    <a:p>
+                      <a:r>
+                        <a:rPr lang="de-DE" sz="1200" dirty="0"/>
+                        <a:t>Disease</a:t>
+                      </a:r>
+                    </a:p>
+                  </a:txBody>
+                  <a:tcPr marL="48960" marR="48960" marT="24480" marB="24480"/>
+                </a:tc>
+                <a:tc>
+                  <a:txBody>
+                    <a:bodyPr/>
+                    <a:lstStyle/>
+                    <a:p>
+                      <a:r>
+                        <a:rPr lang="de-DE" sz="1200" dirty="0" err="1"/>
+                        <a:t>lecture</a:t>
+                      </a:r>
+                      <a:endParaRPr lang="de-DE" sz="1200" dirty="0"/>
+                    </a:p>
+                  </a:txBody>
+                  <a:tcPr marL="48960" marR="48960" marT="24480" marB="24480"/>
+                </a:tc>
+                <a:extLst>
+                  <a:ext uri="{0D108BD9-81ED-4DB2-BD59-A6C34878D82A}">
+                    <a16:rowId xmlns:a16="http://schemas.microsoft.com/office/drawing/2014/main" val="3148392314"/>
+                  </a:ext>
+                </a:extLst>
+              </a:tr>
+              <a:tr h="370840">
+                <a:tc>
+                  <a:txBody>
+                    <a:bodyPr/>
+                    <a:lstStyle/>
+                    <a:p>
+                      <a:r>
+                        <a:rPr lang="de-DE" sz="1200" dirty="0"/>
+                        <a:t>160 cm</a:t>
+                      </a:r>
+                    </a:p>
+                  </a:txBody>
+                  <a:tcPr marL="48960" marR="48960" marT="24480" marB="24480"/>
+                </a:tc>
+                <a:tc>
+                  <a:txBody>
+                    <a:bodyPr/>
+                    <a:lstStyle/>
+                    <a:p>
+                      <a:r>
+                        <a:rPr lang="de-DE" sz="1200" dirty="0" err="1"/>
+                        <a:t>football</a:t>
+                      </a:r>
+                      <a:endParaRPr lang="de-DE" sz="1200" dirty="0"/>
+                    </a:p>
+                  </a:txBody>
+                  <a:tcPr marL="48960" marR="48960" marT="24480" marB="24480"/>
+                </a:tc>
+                <a:tc>
+                  <a:txBody>
+                    <a:bodyPr/>
+                    <a:lstStyle/>
+                    <a:p>
+                      <a:r>
+                        <a:rPr lang="de-DE" sz="1200" dirty="0"/>
+                        <a:t>Bamberg</a:t>
+                      </a:r>
+                    </a:p>
+                  </a:txBody>
+                  <a:tcPr marL="48960" marR="48960" marT="24480" marB="24480"/>
+                </a:tc>
+                <a:tc>
+                  <a:txBody>
+                    <a:bodyPr/>
+                    <a:lstStyle/>
+                    <a:p>
+                      <a:r>
+                        <a:rPr lang="de-DE" sz="1200" dirty="0"/>
+                        <a:t>Diabetes</a:t>
+                      </a:r>
+                    </a:p>
+                  </a:txBody>
+                  <a:tcPr marL="48960" marR="48960" marT="24480" marB="24480"/>
+                </a:tc>
+                <a:tc>
+                  <a:txBody>
+                    <a:bodyPr/>
+                    <a:lstStyle/>
+                    <a:p>
+                      <a:r>
+                        <a:rPr lang="de-DE" sz="1200" dirty="0" err="1"/>
+                        <a:t>biology</a:t>
+                      </a:r>
+                      <a:endParaRPr lang="de-DE" sz="1200" dirty="0"/>
+                    </a:p>
+                  </a:txBody>
+                  <a:tcPr marL="48960" marR="48960" marT="24480" marB="24480"/>
+                </a:tc>
+                <a:extLst>
+                  <a:ext uri="{0D108BD9-81ED-4DB2-BD59-A6C34878D82A}">
+                    <a16:rowId xmlns:a16="http://schemas.microsoft.com/office/drawing/2014/main" val="1434788083"/>
+                  </a:ext>
+                </a:extLst>
+              </a:tr>
+              <a:tr h="370840">
+                <a:tc>
+                  <a:txBody>
+                    <a:bodyPr/>
+                    <a:lstStyle/>
+                    <a:p>
+                      <a:r>
+                        <a:rPr lang="de-DE" sz="1200" dirty="0"/>
+                        <a:t>160 cm</a:t>
+                      </a:r>
+                    </a:p>
+                  </a:txBody>
+                  <a:tcPr marL="48960" marR="48960" marT="24480" marB="24480"/>
+                </a:tc>
+                <a:tc>
+                  <a:txBody>
+                    <a:bodyPr/>
+                    <a:lstStyle/>
+                    <a:p>
+                      <a:r>
+                        <a:rPr lang="de-DE" sz="1200" dirty="0" err="1"/>
+                        <a:t>football</a:t>
+                      </a:r>
+                      <a:endParaRPr lang="de-DE" sz="1200" dirty="0"/>
+                    </a:p>
+                  </a:txBody>
+                  <a:tcPr marL="48960" marR="48960" marT="24480" marB="24480"/>
+                </a:tc>
+                <a:tc>
+                  <a:txBody>
+                    <a:bodyPr/>
+                    <a:lstStyle/>
+                    <a:p>
+                      <a:r>
+                        <a:rPr lang="de-DE" sz="1200" dirty="0"/>
+                        <a:t>Bamberg</a:t>
+                      </a:r>
+                    </a:p>
+                  </a:txBody>
+                  <a:tcPr marL="48960" marR="48960" marT="24480" marB="24480"/>
+                </a:tc>
+                <a:tc>
+                  <a:txBody>
+                    <a:bodyPr/>
+                    <a:lstStyle/>
+                    <a:p>
+                      <a:r>
+                        <a:rPr lang="de-DE" sz="1200" dirty="0"/>
+                        <a:t>Diabetes</a:t>
+                      </a:r>
+                    </a:p>
+                  </a:txBody>
+                  <a:tcPr marL="48960" marR="48960" marT="24480" marB="24480"/>
+                </a:tc>
+                <a:tc>
+                  <a:txBody>
+                    <a:bodyPr/>
+                    <a:lstStyle/>
+                    <a:p>
+                      <a:r>
+                        <a:rPr lang="de-DE" sz="1200" dirty="0" err="1"/>
+                        <a:t>biology</a:t>
+                      </a:r>
+                      <a:endParaRPr lang="de-DE" sz="1200" dirty="0"/>
+                    </a:p>
+                  </a:txBody>
+                  <a:tcPr marL="48960" marR="48960" marT="24480" marB="24480"/>
+                </a:tc>
+                <a:extLst>
+                  <a:ext uri="{0D108BD9-81ED-4DB2-BD59-A6C34878D82A}">
+                    <a16:rowId xmlns:a16="http://schemas.microsoft.com/office/drawing/2014/main" val="3464527464"/>
+                  </a:ext>
+                </a:extLst>
+              </a:tr>
+              <a:tr h="370840">
+                <a:tc>
+                  <a:txBody>
+                    <a:bodyPr/>
+                    <a:lstStyle/>
+                    <a:p>
+                      <a:r>
+                        <a:rPr lang="de-DE" sz="1200" dirty="0"/>
+                        <a:t>180 cm</a:t>
+                      </a:r>
+                    </a:p>
+                  </a:txBody>
+                  <a:tcPr marL="48960" marR="48960" marT="24480" marB="24480"/>
+                </a:tc>
+                <a:tc>
+                  <a:txBody>
+                    <a:bodyPr/>
+                    <a:lstStyle/>
+                    <a:p>
+                      <a:r>
+                        <a:rPr lang="de-DE" sz="1200" dirty="0" err="1"/>
+                        <a:t>videogames</a:t>
+                      </a:r>
+                      <a:endParaRPr lang="de-DE" sz="1200" dirty="0"/>
+                    </a:p>
+                  </a:txBody>
+                  <a:tcPr marL="48960" marR="48960" marT="24480" marB="24480"/>
+                </a:tc>
+                <a:tc>
+                  <a:txBody>
+                    <a:bodyPr/>
+                    <a:lstStyle/>
+                    <a:p>
+                      <a:r>
+                        <a:rPr lang="de-DE" sz="1200" dirty="0"/>
+                        <a:t>Erlangen</a:t>
+                      </a:r>
+                    </a:p>
+                  </a:txBody>
+                  <a:tcPr marL="48960" marR="48960" marT="24480" marB="24480"/>
+                </a:tc>
+                <a:tc>
+                  <a:txBody>
+                    <a:bodyPr/>
+                    <a:lstStyle/>
+                    <a:p>
+                      <a:r>
+                        <a:rPr lang="de-DE" sz="1200" dirty="0"/>
+                        <a:t>Cancer</a:t>
+                      </a:r>
+                    </a:p>
+                  </a:txBody>
+                  <a:tcPr marL="48960" marR="48960" marT="24480" marB="24480"/>
+                </a:tc>
+                <a:tc>
+                  <a:txBody>
+                    <a:bodyPr/>
+                    <a:lstStyle/>
+                    <a:p>
+                      <a:r>
+                        <a:rPr lang="de-DE" sz="1200" dirty="0" err="1"/>
+                        <a:t>sport</a:t>
+                      </a:r>
+                      <a:endParaRPr lang="de-DE" sz="1200" dirty="0"/>
+                    </a:p>
+                  </a:txBody>
+                  <a:tcPr marL="48960" marR="48960" marT="24480" marB="24480"/>
+                </a:tc>
+                <a:extLst>
+                  <a:ext uri="{0D108BD9-81ED-4DB2-BD59-A6C34878D82A}">
+                    <a16:rowId xmlns:a16="http://schemas.microsoft.com/office/drawing/2014/main" val="3448416424"/>
+                  </a:ext>
+                </a:extLst>
+              </a:tr>
+              <a:tr h="370840">
+                <a:tc>
+                  <a:txBody>
+                    <a:bodyPr/>
+                    <a:lstStyle/>
+                    <a:p>
+                      <a:r>
+                        <a:rPr lang="de-DE" sz="1200" dirty="0"/>
+                        <a:t>180 cm</a:t>
+                      </a:r>
+                    </a:p>
+                  </a:txBody>
+                  <a:tcPr marL="48960" marR="48960" marT="24480" marB="24480"/>
+                </a:tc>
+                <a:tc>
+                  <a:txBody>
+                    <a:bodyPr/>
+                    <a:lstStyle/>
+                    <a:p>
+                      <a:r>
+                        <a:rPr lang="de-DE" sz="1200" dirty="0" err="1"/>
+                        <a:t>dancing</a:t>
+                      </a:r>
+                      <a:endParaRPr lang="de-DE" sz="1200" dirty="0"/>
+                    </a:p>
+                  </a:txBody>
+                  <a:tcPr marL="48960" marR="48960" marT="24480" marB="24480"/>
+                </a:tc>
+                <a:tc>
+                  <a:txBody>
+                    <a:bodyPr/>
+                    <a:lstStyle/>
+                    <a:p>
+                      <a:r>
+                        <a:rPr lang="de-DE" sz="1200" dirty="0"/>
+                        <a:t>Forchheim</a:t>
+                      </a:r>
+                    </a:p>
+                  </a:txBody>
+                  <a:tcPr marL="48960" marR="48960" marT="24480" marB="24480"/>
+                </a:tc>
+                <a:tc>
+                  <a:txBody>
+                    <a:bodyPr/>
+                    <a:lstStyle/>
+                    <a:p>
+                      <a:r>
+                        <a:rPr lang="de-DE" sz="1200" dirty="0"/>
+                        <a:t>Diabetes</a:t>
+                      </a:r>
+                    </a:p>
+                  </a:txBody>
+                  <a:tcPr marL="48960" marR="48960" marT="24480" marB="24480"/>
+                </a:tc>
+                <a:tc>
+                  <a:txBody>
+                    <a:bodyPr/>
+                    <a:lstStyle/>
+                    <a:p>
+                      <a:r>
+                        <a:rPr lang="de-DE" sz="1200" dirty="0" err="1"/>
+                        <a:t>phyisic</a:t>
+                      </a:r>
+                      <a:endParaRPr lang="de-DE" sz="1200" dirty="0"/>
+                    </a:p>
+                  </a:txBody>
+                  <a:tcPr marL="48960" marR="48960" marT="24480" marB="24480"/>
+                </a:tc>
+                <a:extLst>
+                  <a:ext uri="{0D108BD9-81ED-4DB2-BD59-A6C34878D82A}">
+                    <a16:rowId xmlns:a16="http://schemas.microsoft.com/office/drawing/2014/main" val="1231262421"/>
+                  </a:ext>
+                </a:extLst>
+              </a:tr>
+              <a:tr h="370840">
+                <a:tc>
+                  <a:txBody>
+                    <a:bodyPr/>
+                    <a:lstStyle/>
+                    <a:p>
+                      <a:r>
+                        <a:rPr lang="de-DE" sz="1200" dirty="0"/>
+                        <a:t>190 cm</a:t>
+                      </a:r>
+                    </a:p>
+                  </a:txBody>
+                  <a:tcPr marL="48960" marR="48960" marT="24480" marB="24480"/>
+                </a:tc>
+                <a:tc>
+                  <a:txBody>
+                    <a:bodyPr/>
+                    <a:lstStyle/>
+                    <a:p>
+                      <a:r>
+                        <a:rPr lang="de-DE" sz="1200" dirty="0" err="1"/>
+                        <a:t>basketball</a:t>
+                      </a:r>
+                      <a:endParaRPr lang="de-DE" sz="1200" dirty="0"/>
+                    </a:p>
+                  </a:txBody>
+                  <a:tcPr marL="48960" marR="48960" marT="24480" marB="24480"/>
+                </a:tc>
+                <a:tc>
+                  <a:txBody>
+                    <a:bodyPr/>
+                    <a:lstStyle/>
+                    <a:p>
+                      <a:r>
+                        <a:rPr lang="de-DE" sz="1200" dirty="0"/>
+                        <a:t>Erlangen</a:t>
+                      </a:r>
+                    </a:p>
+                  </a:txBody>
+                  <a:tcPr marL="48960" marR="48960" marT="24480" marB="24480"/>
+                </a:tc>
+                <a:tc>
+                  <a:txBody>
+                    <a:bodyPr/>
+                    <a:lstStyle/>
+                    <a:p>
+                      <a:r>
+                        <a:rPr lang="de-DE" sz="1200" dirty="0"/>
+                        <a:t>Cancer</a:t>
+                      </a:r>
+                    </a:p>
+                  </a:txBody>
+                  <a:tcPr marL="48960" marR="48960" marT="24480" marB="24480"/>
+                </a:tc>
+                <a:tc>
+                  <a:txBody>
+                    <a:bodyPr/>
+                    <a:lstStyle/>
+                    <a:p>
+                      <a:r>
+                        <a:rPr lang="de-DE" sz="1200" dirty="0" err="1"/>
+                        <a:t>math</a:t>
+                      </a:r>
+                      <a:endParaRPr lang="de-DE" sz="1200" dirty="0"/>
+                    </a:p>
+                  </a:txBody>
+                  <a:tcPr marL="48960" marR="48960" marT="24480" marB="24480"/>
+                </a:tc>
+                <a:extLst>
+                  <a:ext uri="{0D108BD9-81ED-4DB2-BD59-A6C34878D82A}">
+                    <a16:rowId xmlns:a16="http://schemas.microsoft.com/office/drawing/2014/main" val="1419785816"/>
+                  </a:ext>
+                </a:extLst>
+              </a:tr>
+              <a:tr h="117135">
+                <a:tc>
+                  <a:txBody>
+                    <a:bodyPr/>
+                    <a:lstStyle/>
+                    <a:p>
+                      <a:r>
+                        <a:rPr lang="de-DE" sz="1200" dirty="0"/>
+                        <a:t>190 cm</a:t>
+                      </a:r>
+                    </a:p>
+                  </a:txBody>
+                  <a:tcPr marL="48960" marR="48960" marT="24480" marB="24480"/>
+                </a:tc>
+                <a:tc>
+                  <a:txBody>
+                    <a:bodyPr/>
+                    <a:lstStyle/>
+                    <a:p>
+                      <a:r>
+                        <a:rPr lang="de-DE" sz="1200" dirty="0" err="1"/>
+                        <a:t>collecting</a:t>
+                      </a:r>
+                      <a:r>
+                        <a:rPr lang="de-DE" sz="1200" dirty="0"/>
+                        <a:t> </a:t>
+                      </a:r>
+                      <a:r>
+                        <a:rPr lang="de-DE" sz="1200" dirty="0" err="1"/>
+                        <a:t>stamps</a:t>
+                      </a:r>
+                      <a:endParaRPr lang="de-DE" sz="1200" dirty="0"/>
+                    </a:p>
+                  </a:txBody>
+                  <a:tcPr marL="48960" marR="48960" marT="24480" marB="24480"/>
+                </a:tc>
+                <a:tc>
+                  <a:txBody>
+                    <a:bodyPr/>
+                    <a:lstStyle/>
+                    <a:p>
+                      <a:r>
+                        <a:rPr lang="de-DE" sz="1200" dirty="0"/>
+                        <a:t>Bamberg</a:t>
+                      </a:r>
+                    </a:p>
+                  </a:txBody>
+                  <a:tcPr marL="48960" marR="48960" marT="24480" marB="24480"/>
+                </a:tc>
+                <a:tc>
+                  <a:txBody>
+                    <a:bodyPr/>
+                    <a:lstStyle/>
+                    <a:p>
+                      <a:r>
+                        <a:rPr lang="de-DE" sz="1200" dirty="0"/>
+                        <a:t>Cancer</a:t>
+                      </a:r>
+                    </a:p>
+                  </a:txBody>
+                  <a:tcPr marL="48960" marR="48960" marT="24480" marB="24480"/>
+                </a:tc>
+                <a:tc>
+                  <a:txBody>
+                    <a:bodyPr/>
+                    <a:lstStyle/>
+                    <a:p>
+                      <a:r>
+                        <a:rPr lang="de-DE" sz="1200" dirty="0" err="1"/>
+                        <a:t>math</a:t>
+                      </a:r>
+                      <a:endParaRPr lang="de-DE" sz="1200" dirty="0"/>
+                    </a:p>
+                  </a:txBody>
+                  <a:tcPr marL="48960" marR="48960" marT="24480" marB="24480"/>
+                </a:tc>
+                <a:extLst>
+                  <a:ext uri="{0D108BD9-81ED-4DB2-BD59-A6C34878D82A}">
+                    <a16:rowId xmlns:a16="http://schemas.microsoft.com/office/drawing/2014/main" val="4177111121"/>
+                  </a:ext>
+                </a:extLst>
+              </a:tr>
+            </a:tbl>
+          </a:graphicData>
+        </a:graphic>
+      </p:graphicFrame>
     </p:spTree>
     <p:extLst>
       <p:ext uri="{BB962C8B-B14F-4D97-AF65-F5344CB8AC3E}">
-        <p14:creationId xmlns:p14="http://schemas.microsoft.com/office/powerpoint/2010/main" val="4223311860"/>
+        <p14:creationId xmlns:p14="http://schemas.microsoft.com/office/powerpoint/2010/main" val="986772571"/>
       </p:ext>
     </p:extLst>
   </p:cSld>
@@ -8433,7 +9889,7 @@
           <p:cNvPr id="2" name="Titel 1">
             <a:extLst>
               <a:ext uri="{FF2B5EF4-FFF2-40B4-BE49-F238E27FC236}">
-                <a16:creationId xmlns:a16="http://schemas.microsoft.com/office/drawing/2014/main" id="{A250AA1D-CBA5-4BF9-827F-0AC0BEF9E671}"/>
+                <a16:creationId xmlns:a16="http://schemas.microsoft.com/office/drawing/2014/main" id="{8E25D8BA-34BD-4AB3-A8F1-5BE24DA46ED2}"/>
               </a:ext>
             </a:extLst>
           </p:cNvPr>
@@ -8450,18 +9906,18 @@
           <a:lstStyle/>
           <a:p>
             <a:r>
-              <a:rPr lang="de-DE" b="1" dirty="0"/>
+              <a:rPr lang="de-DE" sz="1800" b="1" dirty="0"/>
               <a:t>EXTENDED SCENARIOS – </a:t>
             </a:r>
             <a:r>
-              <a:rPr lang="de-DE" b="1" dirty="0" err="1"/>
+              <a:rPr lang="de-DE" sz="1800" b="1" dirty="0" err="1"/>
               <a:t>Sequential</a:t>
             </a:r>
             <a:r>
-              <a:rPr lang="de-DE" b="1" dirty="0"/>
+              <a:rPr lang="de-DE" sz="1800" b="1" dirty="0"/>
               <a:t> Release Publishing</a:t>
             </a:r>
-            <a:endParaRPr lang="de-DE" dirty="0"/>
+            <a:endParaRPr lang="de-DE" sz="1800" dirty="0"/>
           </a:p>
         </p:txBody>
       </p:sp>
@@ -8470,7 +9926,7 @@
           <p:cNvPr id="3" name="Datumsplatzhalter 2">
             <a:extLst>
               <a:ext uri="{FF2B5EF4-FFF2-40B4-BE49-F238E27FC236}">
-                <a16:creationId xmlns:a16="http://schemas.microsoft.com/office/drawing/2014/main" id="{EA0EB5D0-C0FE-4AFE-8A81-2589296C778F}"/>
+                <a16:creationId xmlns:a16="http://schemas.microsoft.com/office/drawing/2014/main" id="{5079DD1B-902A-432A-8C60-C4C83007992A}"/>
               </a:ext>
             </a:extLst>
           </p:cNvPr>
@@ -8499,7 +9955,7 @@
           <p:cNvPr id="4" name="Fußzeilenplatzhalter 3">
             <a:extLst>
               <a:ext uri="{FF2B5EF4-FFF2-40B4-BE49-F238E27FC236}">
-                <a16:creationId xmlns:a16="http://schemas.microsoft.com/office/drawing/2014/main" id="{57F7375E-8B76-432F-8062-DE249F9B1296}"/>
+                <a16:creationId xmlns:a16="http://schemas.microsoft.com/office/drawing/2014/main" id="{7EFECC64-6F1A-4381-9B68-BF04EF1814E1}"/>
               </a:ext>
             </a:extLst>
           </p:cNvPr>
@@ -8528,7 +9984,7 @@
           <p:cNvPr id="5" name="Textplatzhalter 4">
             <a:extLst>
               <a:ext uri="{FF2B5EF4-FFF2-40B4-BE49-F238E27FC236}">
-                <a16:creationId xmlns:a16="http://schemas.microsoft.com/office/drawing/2014/main" id="{149E4DF0-6D1B-42D2-8864-3E9847385D69}"/>
+                <a16:creationId xmlns:a16="http://schemas.microsoft.com/office/drawing/2014/main" id="{6609FEC9-4889-4738-8FAA-9EDCD59C8959}"/>
               </a:ext>
             </a:extLst>
           </p:cNvPr>
@@ -8544,12 +10000,144 @@
           <a:bodyPr/>
           <a:lstStyle/>
           <a:p>
+            <a:r>
+              <a:rPr lang="en-US" dirty="0"/>
+              <a:t>In some other scenarios, the data is released continuously</a:t>
+            </a:r>
+          </a:p>
+          <a:p>
             <a:pPr marL="0" indent="0">
               <a:buNone/>
             </a:pPr>
             <a:r>
+              <a:rPr lang="en-US" dirty="0"/>
+              <a:t>and sequentially as new information becomes available.</a:t>
+            </a:r>
+          </a:p>
+          <a:p>
+            <a:r>
               <a:rPr lang="de-DE" dirty="0" err="1"/>
-              <a:t>Example</a:t>
+              <a:t>Consider</a:t>
+            </a:r>
+            <a:r>
+              <a:rPr lang="de-DE" dirty="0"/>
+              <a:t> </a:t>
+            </a:r>
+            <a:r>
+              <a:rPr lang="de-DE" dirty="0" err="1"/>
+              <a:t>the</a:t>
+            </a:r>
+            <a:r>
+              <a:rPr lang="de-DE" dirty="0"/>
+              <a:t> </a:t>
+            </a:r>
+            <a:r>
+              <a:rPr lang="de-DE" dirty="0" err="1"/>
+              <a:t>problem</a:t>
+            </a:r>
+            <a:r>
+              <a:rPr lang="de-DE" dirty="0"/>
+              <a:t> </a:t>
+            </a:r>
+            <a:r>
+              <a:rPr lang="de-DE" dirty="0" err="1"/>
+              <a:t>of</a:t>
+            </a:r>
+            <a:r>
+              <a:rPr lang="en-US" i="1" dirty="0"/>
+              <a:t>sequential anonymization </a:t>
+            </a:r>
+            <a:r>
+              <a:rPr lang="en-US" dirty="0"/>
+              <a:t>[Wang and Fung 2006]: a data publisher has </a:t>
+            </a:r>
+            <a:r>
+              <a:rPr lang="en-US" i="1" dirty="0" err="1"/>
+              <a:t>previously</a:t>
+            </a:r>
+            <a:r>
+              <a:rPr lang="en-US" dirty="0" err="1"/>
+              <a:t>released</a:t>
+            </a:r>
+            <a:r>
+              <a:rPr lang="en-US" dirty="0"/>
+              <a:t> </a:t>
+            </a:r>
+            <a:r>
+              <a:rPr lang="en-US" i="1" dirty="0"/>
+              <a:t>T</a:t>
+            </a:r>
+            <a:r>
+              <a:rPr lang="en-US" dirty="0"/>
+              <a:t>1</a:t>
+            </a:r>
+            <a:r>
+              <a:rPr lang="en-US" i="1" dirty="0"/>
+              <a:t>, . . . , Tp</a:t>
+            </a:r>
+            <a:r>
+              <a:rPr lang="en-US" dirty="0"/>
+              <a:t>−1 and </a:t>
+            </a:r>
+            <a:r>
+              <a:rPr lang="en-US" i="1" dirty="0"/>
+              <a:t>now </a:t>
+            </a:r>
+            <a:r>
+              <a:rPr lang="en-US" dirty="0"/>
+              <a:t>wants to publish the next release </a:t>
+            </a:r>
+            <a:r>
+              <a:rPr lang="en-US" i="1" dirty="0" err="1"/>
+              <a:t>Tp</a:t>
+            </a:r>
+            <a:r>
+              <a:rPr lang="en-US" dirty="0"/>
+              <a:t>, where all </a:t>
+            </a:r>
+            <a:r>
+              <a:rPr lang="en-US" i="1" dirty="0" err="1"/>
+              <a:t>Ti</a:t>
+            </a:r>
+            <a:r>
+              <a:rPr lang="en-US" dirty="0" err="1"/>
+              <a:t>are</a:t>
+            </a:r>
+            <a:r>
+              <a:rPr lang="en-US" dirty="0"/>
+              <a:t> projections of the same underlying table, and each </a:t>
+            </a:r>
+            <a:r>
+              <a:rPr lang="en-US" i="1" dirty="0"/>
+              <a:t>individual release</a:t>
+            </a:r>
+            <a:r>
+              <a:rPr lang="en-US" dirty="0"/>
+              <a:t>, not </a:t>
+            </a:r>
+            <a:r>
+              <a:rPr lang="en-US" dirty="0" err="1"/>
+              <a:t>thejoin</a:t>
+            </a:r>
+            <a:r>
+              <a:rPr lang="en-US" dirty="0"/>
+              <a:t>, serves a data mining purpose. The data publisher wants to prevent record and attribute linkages through the join of </a:t>
+            </a:r>
+            <a:r>
+              <a:rPr lang="en-US" i="1" dirty="0"/>
+              <a:t>T</a:t>
+            </a:r>
+            <a:r>
+              <a:rPr lang="en-US" dirty="0"/>
+              <a:t>1</a:t>
+            </a:r>
+            <a:r>
+              <a:rPr lang="en-US" i="1" dirty="0"/>
+              <a:t>, . . . , Tp</a:t>
+            </a:r>
+            <a:r>
+              <a:rPr lang="en-US" dirty="0"/>
+              <a:t>.</a:t>
             </a:r>
             <a:endParaRPr lang="de-DE" dirty="0"/>
           </a:p>
@@ -8560,7 +10148,7 @@
           <p:cNvPr id="6" name="Foliennummernplatzhalter 5">
             <a:extLst>
               <a:ext uri="{FF2B5EF4-FFF2-40B4-BE49-F238E27FC236}">
-                <a16:creationId xmlns:a16="http://schemas.microsoft.com/office/drawing/2014/main" id="{1CAFD7E1-5AA6-4CA7-887C-3211D94A545D}"/>
+                <a16:creationId xmlns:a16="http://schemas.microsoft.com/office/drawing/2014/main" id="{AB93F62D-EA09-4552-880A-D595452A36E3}"/>
               </a:ext>
             </a:extLst>
           </p:cNvPr>
@@ -8588,7 +10176,7 @@
     </p:spTree>
     <p:extLst>
       <p:ext uri="{BB962C8B-B14F-4D97-AF65-F5344CB8AC3E}">
-        <p14:creationId xmlns:p14="http://schemas.microsoft.com/office/powerpoint/2010/main" val="986772571"/>
+        <p14:creationId xmlns:p14="http://schemas.microsoft.com/office/powerpoint/2010/main" val="4223311860"/>
       </p:ext>
     </p:extLst>
   </p:cSld>
@@ -8620,7 +10208,7 @@
           <p:cNvPr id="2" name="Titel 1">
             <a:extLst>
               <a:ext uri="{FF2B5EF4-FFF2-40B4-BE49-F238E27FC236}">
-                <a16:creationId xmlns:a16="http://schemas.microsoft.com/office/drawing/2014/main" id="{64C87936-32EF-4EB4-9D68-B53F697A9294}"/>
+                <a16:creationId xmlns:a16="http://schemas.microsoft.com/office/drawing/2014/main" id="{92372EE3-C7B3-46F3-A7CF-C5AF22CE3D9F}"/>
               </a:ext>
             </a:extLst>
           </p:cNvPr>
@@ -8638,15 +10226,15 @@
           <a:p>
             <a:r>
               <a:rPr lang="de-DE" b="1" dirty="0"/>
-              <a:t>6.3. </a:t>
+              <a:t>EXTENDED SCENARIOS – </a:t>
             </a:r>
             <a:r>
               <a:rPr lang="de-DE" b="1" dirty="0" err="1"/>
-              <a:t>Continuous</a:t>
+              <a:t>Sequential</a:t>
             </a:r>
             <a:r>
               <a:rPr lang="de-DE" b="1" dirty="0"/>
-              <a:t> Data Publishing - </a:t>
+              <a:t> Release Publishing</a:t>
             </a:r>
             <a:endParaRPr lang="de-DE" dirty="0"/>
           </a:p>
@@ -8657,7 +10245,7 @@
           <p:cNvPr id="3" name="Datumsplatzhalter 2">
             <a:extLst>
               <a:ext uri="{FF2B5EF4-FFF2-40B4-BE49-F238E27FC236}">
-                <a16:creationId xmlns:a16="http://schemas.microsoft.com/office/drawing/2014/main" id="{3953109D-2A5A-4517-9C4D-31158B1601B6}"/>
+                <a16:creationId xmlns:a16="http://schemas.microsoft.com/office/drawing/2014/main" id="{424DE68C-F76E-4A6A-B409-3FDE54121B99}"/>
               </a:ext>
             </a:extLst>
           </p:cNvPr>
@@ -8686,7 +10274,7 @@
           <p:cNvPr id="4" name="Fußzeilenplatzhalter 3">
             <a:extLst>
               <a:ext uri="{FF2B5EF4-FFF2-40B4-BE49-F238E27FC236}">
-                <a16:creationId xmlns:a16="http://schemas.microsoft.com/office/drawing/2014/main" id="{CCF38E58-72C9-4357-9457-6BCB6F78AE96}"/>
+                <a16:creationId xmlns:a16="http://schemas.microsoft.com/office/drawing/2014/main" id="{C5267A2C-1694-4361-9F96-605A24629895}"/>
               </a:ext>
             </a:extLst>
           </p:cNvPr>
@@ -8715,7 +10303,7 @@
           <p:cNvPr id="5" name="Textplatzhalter 4">
             <a:extLst>
               <a:ext uri="{FF2B5EF4-FFF2-40B4-BE49-F238E27FC236}">
-                <a16:creationId xmlns:a16="http://schemas.microsoft.com/office/drawing/2014/main" id="{CA4CB419-1E48-4285-9B7C-6C8EBC4E9139}"/>
+                <a16:creationId xmlns:a16="http://schemas.microsoft.com/office/drawing/2014/main" id="{2AC62AE4-0009-4ADA-946E-A027FC75B3E1}"/>
               </a:ext>
             </a:extLst>
           </p:cNvPr>
@@ -8731,107 +10319,20 @@
           <a:bodyPr/>
           <a:lstStyle/>
           <a:p>
-            <a:r>
-              <a:rPr lang="en-US" dirty="0"/>
-              <a:t>In the model of continuous data publishing, the data publisher has previously published</a:t>
-            </a:r>
-          </a:p>
-          <a:p>
             <a:pPr marL="0" indent="0">
               <a:buNone/>
             </a:pPr>
             <a:r>
-              <a:rPr lang="en-US" i="1" dirty="0"/>
-              <a:t>T</a:t>
-            </a:r>
-            <a:r>
-              <a:rPr lang="en-US" dirty="0"/>
-              <a:t>1</a:t>
-            </a:r>
-            <a:r>
-              <a:rPr lang="en-US" i="1" dirty="0"/>
-              <a:t>, . . . , Tp</a:t>
-            </a:r>
-            <a:r>
-              <a:rPr lang="en-US" dirty="0"/>
-              <a:t>−1 and now wants to publish </a:t>
-            </a:r>
-            <a:r>
-              <a:rPr lang="en-US" i="1" dirty="0" err="1"/>
-              <a:t>Tp</a:t>
-            </a:r>
-            <a:r>
-              <a:rPr lang="en-US" dirty="0"/>
-              <a:t>, where </a:t>
-            </a:r>
-            <a:r>
-              <a:rPr lang="en-US" i="1" dirty="0" err="1"/>
-              <a:t>Ti</a:t>
-            </a:r>
-            <a:r>
-              <a:rPr lang="en-US" i="1" dirty="0"/>
-              <a:t> </a:t>
-            </a:r>
-            <a:r>
-              <a:rPr lang="en-US" dirty="0"/>
-              <a:t>is an updated release of</a:t>
-            </a:r>
-            <a:r>
-              <a:rPr lang="en-US" i="1" dirty="0"/>
-              <a:t>Ti</a:t>
-            </a:r>
-            <a:r>
-              <a:rPr lang="en-US" dirty="0"/>
-              <a:t>−1 with record insertions and/or deletions. The problem assumes that all </a:t>
-            </a:r>
-            <a:r>
-              <a:rPr lang="en-US" dirty="0" err="1"/>
-              <a:t>recordsfor</a:t>
-            </a:r>
-            <a:r>
-              <a:rPr lang="en-US" dirty="0"/>
-              <a:t> the same individual remain the same in all releases. Even though each release</a:t>
-            </a:r>
-            <a:r>
-              <a:rPr lang="en-US" i="1" dirty="0"/>
-              <a:t>T</a:t>
-            </a:r>
-            <a:r>
-              <a:rPr lang="en-US" dirty="0"/>
-              <a:t>1</a:t>
-            </a:r>
-            <a:r>
-              <a:rPr lang="en-US" i="1" dirty="0"/>
-              <a:t>, . . . , </a:t>
-            </a:r>
-            <a:r>
-              <a:rPr lang="en-US" i="1" dirty="0" err="1"/>
-              <a:t>Tp</a:t>
-            </a:r>
-            <a:r>
-              <a:rPr lang="en-US" i="1" dirty="0"/>
-              <a:t> </a:t>
-            </a:r>
-            <a:r>
-              <a:rPr lang="en-US" dirty="0"/>
-              <a:t>is individually anonymous, the privacy requirement could be </a:t>
-            </a:r>
-            <a:r>
-              <a:rPr lang="en-US" dirty="0" err="1"/>
-              <a:t>compromisedby</a:t>
-            </a:r>
-            <a:r>
-              <a:rPr lang="en-US" dirty="0"/>
-              <a:t> comparing different releases and eliminating some possible sensitive values for a</a:t>
-            </a:r>
-            <a:r>
               <a:rPr lang="de-DE" dirty="0" err="1"/>
-              <a:t>victim</a:t>
-            </a:r>
-            <a:r>
-              <a:rPr lang="de-DE" dirty="0"/>
-              <a:t>.</a:t>
-            </a:r>
+              <a:t>Example</a:t>
+            </a:r>
+            <a:endParaRPr lang="de-DE" dirty="0"/>
+          </a:p>
+          <a:p>
+            <a:pPr marL="0" indent="0">
+              <a:buNone/>
+            </a:pPr>
+            <a:endParaRPr lang="de-DE" dirty="0"/>
           </a:p>
         </p:txBody>
       </p:sp>
@@ -8840,7 +10341,7 @@
           <p:cNvPr id="6" name="Foliennummernplatzhalter 5">
             <a:extLst>
               <a:ext uri="{FF2B5EF4-FFF2-40B4-BE49-F238E27FC236}">
-                <a16:creationId xmlns:a16="http://schemas.microsoft.com/office/drawing/2014/main" id="{A33B597C-BFBC-47FC-A8ED-C28E6FC10AED}"/>
+                <a16:creationId xmlns:a16="http://schemas.microsoft.com/office/drawing/2014/main" id="{30D19244-33D2-4D87-A50B-197400296686}"/>
               </a:ext>
             </a:extLst>
           </p:cNvPr>
@@ -8865,10 +10366,929 @@
           </a:p>
         </p:txBody>
       </p:sp>
+      <p:graphicFrame>
+        <p:nvGraphicFramePr>
+          <p:cNvPr id="8" name="Tabelle 7">
+            <a:extLst>
+              <a:ext uri="{FF2B5EF4-FFF2-40B4-BE49-F238E27FC236}">
+                <a16:creationId xmlns:a16="http://schemas.microsoft.com/office/drawing/2014/main" id="{98282385-5A2A-4BB2-AA87-F19BF31AA295}"/>
+              </a:ext>
+            </a:extLst>
+          </p:cNvPr>
+          <p:cNvGraphicFramePr>
+            <a:graphicFrameLocks noGrp="1"/>
+          </p:cNvGraphicFramePr>
+          <p:nvPr>
+            <p:extLst>
+              <p:ext uri="{D42A27DB-BD31-4B8C-83A1-F6EECF244321}">
+                <p14:modId xmlns:p14="http://schemas.microsoft.com/office/powerpoint/2010/main" val="3860329873"/>
+              </p:ext>
+            </p:extLst>
+          </p:nvPr>
+        </p:nvGraphicFramePr>
+        <p:xfrm>
+          <a:off x="982705" y="1283334"/>
+          <a:ext cx="3312368" cy="1788160"/>
+        </p:xfrm>
+        <a:graphic>
+          <a:graphicData uri="http://schemas.openxmlformats.org/drawingml/2006/table">
+            <a:tbl>
+              <a:tblPr firstRow="1" bandRow="1">
+                <a:tableStyleId>{93296810-A885-4BE3-A3E7-6D5BEEA58F35}</a:tableStyleId>
+              </a:tblPr>
+              <a:tblGrid>
+                <a:gridCol w="1152128">
+                  <a:extLst>
+                    <a:ext uri="{9D8B030D-6E8A-4147-A177-3AD203B41FA5}">
+                      <a16:colId xmlns:a16="http://schemas.microsoft.com/office/drawing/2014/main" val="2679458678"/>
+                    </a:ext>
+                  </a:extLst>
+                </a:gridCol>
+                <a:gridCol w="936104">
+                  <a:extLst>
+                    <a:ext uri="{9D8B030D-6E8A-4147-A177-3AD203B41FA5}">
+                      <a16:colId xmlns:a16="http://schemas.microsoft.com/office/drawing/2014/main" val="4109460027"/>
+                    </a:ext>
+                  </a:extLst>
+                </a:gridCol>
+                <a:gridCol w="1224136">
+                  <a:extLst>
+                    <a:ext uri="{9D8B030D-6E8A-4147-A177-3AD203B41FA5}">
+                      <a16:colId xmlns:a16="http://schemas.microsoft.com/office/drawing/2014/main" val="302015897"/>
+                    </a:ext>
+                  </a:extLst>
+                </a:gridCol>
+              </a:tblGrid>
+              <a:tr h="0">
+                <a:tc>
+                  <a:txBody>
+                    <a:bodyPr/>
+                    <a:lstStyle/>
+                    <a:p>
+                      <a:r>
+                        <a:rPr lang="de-DE" sz="1400" dirty="0"/>
+                        <a:t>Hobby</a:t>
+                      </a:r>
+                    </a:p>
+                  </a:txBody>
+                  <a:tcPr/>
+                </a:tc>
+                <a:tc>
+                  <a:txBody>
+                    <a:bodyPr/>
+                    <a:lstStyle/>
+                    <a:p>
+                      <a:r>
+                        <a:rPr lang="de-DE" sz="1400" dirty="0"/>
+                        <a:t>Sex</a:t>
+                      </a:r>
+                    </a:p>
+                  </a:txBody>
+                  <a:tcPr/>
+                </a:tc>
+                <a:tc>
+                  <a:txBody>
+                    <a:bodyPr/>
+                    <a:lstStyle/>
+                    <a:p>
+                      <a:r>
+                        <a:rPr lang="de-DE" sz="1400" dirty="0"/>
+                        <a:t>Disease</a:t>
+                      </a:r>
+                    </a:p>
+                  </a:txBody>
+                  <a:tcPr/>
+                </a:tc>
+                <a:extLst>
+                  <a:ext uri="{0D108BD9-81ED-4DB2-BD59-A6C34878D82A}">
+                    <a16:rowId xmlns:a16="http://schemas.microsoft.com/office/drawing/2014/main" val="3572924222"/>
+                  </a:ext>
+                </a:extLst>
+              </a:tr>
+              <a:tr h="370840">
+                <a:tc>
+                  <a:txBody>
+                    <a:bodyPr/>
+                    <a:lstStyle/>
+                    <a:p>
+                      <a:r>
+                        <a:rPr lang="de-DE" sz="1400" dirty="0" err="1"/>
+                        <a:t>painting</a:t>
+                      </a:r>
+                      <a:endParaRPr lang="de-DE" sz="1400" dirty="0"/>
+                    </a:p>
+                  </a:txBody>
+                  <a:tcPr/>
+                </a:tc>
+                <a:tc>
+                  <a:txBody>
+                    <a:bodyPr/>
+                    <a:lstStyle/>
+                    <a:p>
+                      <a:r>
+                        <a:rPr lang="de-DE" sz="1400" dirty="0" err="1"/>
+                        <a:t>Female</a:t>
+                      </a:r>
+                      <a:endParaRPr lang="de-DE" sz="1400" dirty="0"/>
+                    </a:p>
+                  </a:txBody>
+                  <a:tcPr/>
+                </a:tc>
+                <a:tc>
+                  <a:txBody>
+                    <a:bodyPr/>
+                    <a:lstStyle/>
+                    <a:p>
+                      <a:r>
+                        <a:rPr lang="de-DE" sz="1400" dirty="0"/>
+                        <a:t>Diabetes</a:t>
+                      </a:r>
+                    </a:p>
+                  </a:txBody>
+                  <a:tcPr/>
+                </a:tc>
+                <a:extLst>
+                  <a:ext uri="{0D108BD9-81ED-4DB2-BD59-A6C34878D82A}">
+                    <a16:rowId xmlns:a16="http://schemas.microsoft.com/office/drawing/2014/main" val="3781985953"/>
+                  </a:ext>
+                </a:extLst>
+              </a:tr>
+              <a:tr h="370840">
+                <a:tc>
+                  <a:txBody>
+                    <a:bodyPr/>
+                    <a:lstStyle/>
+                    <a:p>
+                      <a:r>
+                        <a:rPr lang="de-DE" sz="1400" dirty="0" err="1"/>
+                        <a:t>painting</a:t>
+                      </a:r>
+                      <a:endParaRPr lang="de-DE" sz="1400" dirty="0"/>
+                    </a:p>
+                  </a:txBody>
+                  <a:tcPr/>
+                </a:tc>
+                <a:tc>
+                  <a:txBody>
+                    <a:bodyPr/>
+                    <a:lstStyle/>
+                    <a:p>
+                      <a:r>
+                        <a:rPr lang="de-DE" sz="1400" dirty="0" err="1"/>
+                        <a:t>Female</a:t>
+                      </a:r>
+                      <a:endParaRPr lang="de-DE" sz="1400" dirty="0"/>
+                    </a:p>
+                  </a:txBody>
+                  <a:tcPr/>
+                </a:tc>
+                <a:tc>
+                  <a:txBody>
+                    <a:bodyPr/>
+                    <a:lstStyle/>
+                    <a:p>
+                      <a:r>
+                        <a:rPr lang="de-DE" sz="1400" dirty="0"/>
+                        <a:t>Cancer</a:t>
+                      </a:r>
+                    </a:p>
+                  </a:txBody>
+                  <a:tcPr/>
+                </a:tc>
+                <a:extLst>
+                  <a:ext uri="{0D108BD9-81ED-4DB2-BD59-A6C34878D82A}">
+                    <a16:rowId xmlns:a16="http://schemas.microsoft.com/office/drawing/2014/main" val="2705425995"/>
+                  </a:ext>
+                </a:extLst>
+              </a:tr>
+              <a:tr h="370840">
+                <a:tc>
+                  <a:txBody>
+                    <a:bodyPr/>
+                    <a:lstStyle/>
+                    <a:p>
+                      <a:r>
+                        <a:rPr lang="de-DE" sz="1400" dirty="0" err="1"/>
+                        <a:t>basketball</a:t>
+                      </a:r>
+                      <a:endParaRPr lang="de-DE" sz="1400" dirty="0"/>
+                    </a:p>
+                  </a:txBody>
+                  <a:tcPr/>
+                </a:tc>
+                <a:tc>
+                  <a:txBody>
+                    <a:bodyPr/>
+                    <a:lstStyle/>
+                    <a:p>
+                      <a:r>
+                        <a:rPr lang="de-DE" sz="1400" dirty="0"/>
+                        <a:t>Male</a:t>
+                      </a:r>
+                    </a:p>
+                  </a:txBody>
+                  <a:tcPr/>
+                </a:tc>
+                <a:tc>
+                  <a:txBody>
+                    <a:bodyPr/>
+                    <a:lstStyle/>
+                    <a:p>
+                      <a:r>
+                        <a:rPr lang="de-DE" sz="1400" dirty="0"/>
+                        <a:t>HIV</a:t>
+                      </a:r>
+                    </a:p>
+                  </a:txBody>
+                  <a:tcPr/>
+                </a:tc>
+                <a:extLst>
+                  <a:ext uri="{0D108BD9-81ED-4DB2-BD59-A6C34878D82A}">
+                    <a16:rowId xmlns:a16="http://schemas.microsoft.com/office/drawing/2014/main" val="3710550286"/>
+                  </a:ext>
+                </a:extLst>
+              </a:tr>
+              <a:tr h="370840">
+                <a:tc>
+                  <a:txBody>
+                    <a:bodyPr/>
+                    <a:lstStyle/>
+                    <a:p>
+                      <a:r>
+                        <a:rPr lang="de-DE" sz="1400" dirty="0" err="1"/>
+                        <a:t>basketball</a:t>
+                      </a:r>
+                      <a:endParaRPr lang="de-DE" sz="1400" dirty="0"/>
+                    </a:p>
+                  </a:txBody>
+                  <a:tcPr/>
+                </a:tc>
+                <a:tc>
+                  <a:txBody>
+                    <a:bodyPr/>
+                    <a:lstStyle/>
+                    <a:p>
+                      <a:r>
+                        <a:rPr lang="de-DE" sz="1400" dirty="0"/>
+                        <a:t>Male</a:t>
+                      </a:r>
+                    </a:p>
+                  </a:txBody>
+                  <a:tcPr/>
+                </a:tc>
+                <a:tc>
+                  <a:txBody>
+                    <a:bodyPr/>
+                    <a:lstStyle/>
+                    <a:p>
+                      <a:r>
+                        <a:rPr lang="de-DE" sz="1400" dirty="0"/>
+                        <a:t>Diabetes</a:t>
+                      </a:r>
+                    </a:p>
+                  </a:txBody>
+                  <a:tcPr/>
+                </a:tc>
+                <a:extLst>
+                  <a:ext uri="{0D108BD9-81ED-4DB2-BD59-A6C34878D82A}">
+                    <a16:rowId xmlns:a16="http://schemas.microsoft.com/office/drawing/2014/main" val="2423189313"/>
+                  </a:ext>
+                </a:extLst>
+              </a:tr>
+            </a:tbl>
+          </a:graphicData>
+        </a:graphic>
+      </p:graphicFrame>
+      <p:graphicFrame>
+        <p:nvGraphicFramePr>
+          <p:cNvPr id="9" name="Tabelle 8">
+            <a:extLst>
+              <a:ext uri="{FF2B5EF4-FFF2-40B4-BE49-F238E27FC236}">
+                <a16:creationId xmlns:a16="http://schemas.microsoft.com/office/drawing/2014/main" id="{647B90BD-FE29-40A4-A397-DA6385204B1A}"/>
+              </a:ext>
+            </a:extLst>
+          </p:cNvPr>
+          <p:cNvGraphicFramePr>
+            <a:graphicFrameLocks noGrp="1"/>
+          </p:cNvGraphicFramePr>
+          <p:nvPr>
+            <p:extLst>
+              <p:ext uri="{D42A27DB-BD31-4B8C-83A1-F6EECF244321}">
+                <p14:modId xmlns:p14="http://schemas.microsoft.com/office/powerpoint/2010/main" val="450800242"/>
+              </p:ext>
+            </p:extLst>
+          </p:nvPr>
+        </p:nvGraphicFramePr>
+        <p:xfrm>
+          <a:off x="299864" y="3226025"/>
+          <a:ext cx="4200129" cy="1529548"/>
+        </p:xfrm>
+        <a:graphic>
+          <a:graphicData uri="http://schemas.openxmlformats.org/drawingml/2006/table">
+            <a:tbl>
+              <a:tblPr firstRow="1" bandRow="1">
+                <a:tableStyleId>{93296810-A885-4BE3-A3E7-6D5BEEA58F35}</a:tableStyleId>
+              </a:tblPr>
+              <a:tblGrid>
+                <a:gridCol w="1400043">
+                  <a:extLst>
+                    <a:ext uri="{9D8B030D-6E8A-4147-A177-3AD203B41FA5}">
+                      <a16:colId xmlns:a16="http://schemas.microsoft.com/office/drawing/2014/main" val="2679458678"/>
+                    </a:ext>
+                  </a:extLst>
+                </a:gridCol>
+                <a:gridCol w="1400043">
+                  <a:extLst>
+                    <a:ext uri="{9D8B030D-6E8A-4147-A177-3AD203B41FA5}">
+                      <a16:colId xmlns:a16="http://schemas.microsoft.com/office/drawing/2014/main" val="4109460027"/>
+                    </a:ext>
+                  </a:extLst>
+                </a:gridCol>
+                <a:gridCol w="1400043">
+                  <a:extLst>
+                    <a:ext uri="{9D8B030D-6E8A-4147-A177-3AD203B41FA5}">
+                      <a16:colId xmlns:a16="http://schemas.microsoft.com/office/drawing/2014/main" val="302015897"/>
+                    </a:ext>
+                  </a:extLst>
+                </a:gridCol>
+              </a:tblGrid>
+              <a:tr h="252008">
+                <a:tc>
+                  <a:txBody>
+                    <a:bodyPr/>
+                    <a:lstStyle/>
+                    <a:p>
+                      <a:r>
+                        <a:rPr lang="de-DE" sz="1200" dirty="0"/>
+                        <a:t>Hobby</a:t>
+                      </a:r>
+                    </a:p>
+                  </a:txBody>
+                  <a:tcPr marL="63002" marR="63002" marT="31501" marB="31501"/>
+                </a:tc>
+                <a:tc>
+                  <a:txBody>
+                    <a:bodyPr/>
+                    <a:lstStyle/>
+                    <a:p>
+                      <a:r>
+                        <a:rPr lang="de-DE" sz="1200" dirty="0"/>
+                        <a:t>Sex</a:t>
+                      </a:r>
+                    </a:p>
+                  </a:txBody>
+                  <a:tcPr marL="63002" marR="63002" marT="31501" marB="31501"/>
+                </a:tc>
+                <a:tc>
+                  <a:txBody>
+                    <a:bodyPr/>
+                    <a:lstStyle/>
+                    <a:p>
+                      <a:r>
+                        <a:rPr lang="de-DE" sz="1200" dirty="0"/>
+                        <a:t>Disease</a:t>
+                      </a:r>
+                    </a:p>
+                  </a:txBody>
+                  <a:tcPr marL="63002" marR="63002" marT="31501" marB="31501"/>
+                </a:tc>
+                <a:extLst>
+                  <a:ext uri="{0D108BD9-81ED-4DB2-BD59-A6C34878D82A}">
+                    <a16:rowId xmlns:a16="http://schemas.microsoft.com/office/drawing/2014/main" val="3572924222"/>
+                  </a:ext>
+                </a:extLst>
+              </a:tr>
+              <a:tr h="255508">
+                <a:tc>
+                  <a:txBody>
+                    <a:bodyPr/>
+                    <a:lstStyle/>
+                    <a:p>
+                      <a:r>
+                        <a:rPr lang="de-DE" sz="1200" dirty="0" err="1"/>
+                        <a:t>painting</a:t>
+                      </a:r>
+                      <a:endParaRPr lang="de-DE" sz="1200" dirty="0"/>
+                    </a:p>
+                  </a:txBody>
+                  <a:tcPr marL="63002" marR="63002" marT="31501" marB="31501"/>
+                </a:tc>
+                <a:tc>
+                  <a:txBody>
+                    <a:bodyPr/>
+                    <a:lstStyle/>
+                    <a:p>
+                      <a:r>
+                        <a:rPr lang="de-DE" sz="1200" dirty="0" err="1"/>
+                        <a:t>Female</a:t>
+                      </a:r>
+                      <a:endParaRPr lang="de-DE" sz="1200" dirty="0"/>
+                    </a:p>
+                  </a:txBody>
+                  <a:tcPr marL="63002" marR="63002" marT="31501" marB="31501"/>
+                </a:tc>
+                <a:tc>
+                  <a:txBody>
+                    <a:bodyPr/>
+                    <a:lstStyle/>
+                    <a:p>
+                      <a:r>
+                        <a:rPr lang="de-DE" sz="1200" dirty="0"/>
+                        <a:t>Diabetes</a:t>
+                      </a:r>
+                    </a:p>
+                  </a:txBody>
+                  <a:tcPr marL="63002" marR="63002" marT="31501" marB="31501"/>
+                </a:tc>
+                <a:extLst>
+                  <a:ext uri="{0D108BD9-81ED-4DB2-BD59-A6C34878D82A}">
+                    <a16:rowId xmlns:a16="http://schemas.microsoft.com/office/drawing/2014/main" val="3781985953"/>
+                  </a:ext>
+                </a:extLst>
+              </a:tr>
+              <a:tr h="255508">
+                <a:tc>
+                  <a:txBody>
+                    <a:bodyPr/>
+                    <a:lstStyle/>
+                    <a:p>
+                      <a:r>
+                        <a:rPr lang="de-DE" sz="1200" dirty="0" err="1"/>
+                        <a:t>painting</a:t>
+                      </a:r>
+                      <a:endParaRPr lang="de-DE" sz="1200" dirty="0"/>
+                    </a:p>
+                  </a:txBody>
+                  <a:tcPr marL="63002" marR="63002" marT="31501" marB="31501"/>
+                </a:tc>
+                <a:tc>
+                  <a:txBody>
+                    <a:bodyPr/>
+                    <a:lstStyle/>
+                    <a:p>
+                      <a:r>
+                        <a:rPr lang="de-DE" sz="1200" dirty="0" err="1"/>
+                        <a:t>Female</a:t>
+                      </a:r>
+                      <a:endParaRPr lang="de-DE" sz="1200" dirty="0"/>
+                    </a:p>
+                  </a:txBody>
+                  <a:tcPr marL="63002" marR="63002" marT="31501" marB="31501"/>
+                </a:tc>
+                <a:tc>
+                  <a:txBody>
+                    <a:bodyPr/>
+                    <a:lstStyle/>
+                    <a:p>
+                      <a:r>
+                        <a:rPr lang="de-DE" sz="1200" dirty="0"/>
+                        <a:t>Cancer</a:t>
+                      </a:r>
+                    </a:p>
+                  </a:txBody>
+                  <a:tcPr marL="63002" marR="63002" marT="31501" marB="31501"/>
+                </a:tc>
+                <a:extLst>
+                  <a:ext uri="{0D108BD9-81ED-4DB2-BD59-A6C34878D82A}">
+                    <a16:rowId xmlns:a16="http://schemas.microsoft.com/office/drawing/2014/main" val="2705425995"/>
+                  </a:ext>
+                </a:extLst>
+              </a:tr>
+              <a:tr h="255508">
+                <a:tc>
+                  <a:txBody>
+                    <a:bodyPr/>
+                    <a:lstStyle/>
+                    <a:p>
+                      <a:r>
+                        <a:rPr lang="de-DE" sz="1200" dirty="0"/>
+                        <a:t>Painting</a:t>
+                      </a:r>
+                    </a:p>
+                  </a:txBody>
+                  <a:tcPr marL="63002" marR="63002" marT="31501" marB="31501"/>
+                </a:tc>
+                <a:tc>
+                  <a:txBody>
+                    <a:bodyPr/>
+                    <a:lstStyle/>
+                    <a:p>
+                      <a:r>
+                        <a:rPr lang="de-DE" sz="1200" dirty="0" err="1"/>
+                        <a:t>Female</a:t>
+                      </a:r>
+                      <a:endParaRPr lang="de-DE" sz="1200" dirty="0"/>
+                    </a:p>
+                  </a:txBody>
+                  <a:tcPr marL="63002" marR="63002" marT="31501" marB="31501"/>
+                </a:tc>
+                <a:tc>
+                  <a:txBody>
+                    <a:bodyPr/>
+                    <a:lstStyle/>
+                    <a:p>
+                      <a:r>
+                        <a:rPr lang="de-DE" sz="1200" dirty="0"/>
+                        <a:t>HIV</a:t>
+                      </a:r>
+                    </a:p>
+                  </a:txBody>
+                  <a:tcPr marL="63002" marR="63002" marT="31501" marB="31501"/>
+                </a:tc>
+                <a:extLst>
+                  <a:ext uri="{0D108BD9-81ED-4DB2-BD59-A6C34878D82A}">
+                    <a16:rowId xmlns:a16="http://schemas.microsoft.com/office/drawing/2014/main" val="3710550286"/>
+                  </a:ext>
+                </a:extLst>
+              </a:tr>
+              <a:tr h="255508">
+                <a:tc>
+                  <a:txBody>
+                    <a:bodyPr/>
+                    <a:lstStyle/>
+                    <a:p>
+                      <a:r>
+                        <a:rPr lang="de-DE" sz="1200" dirty="0"/>
+                        <a:t>Basketball</a:t>
+                      </a:r>
+                    </a:p>
+                  </a:txBody>
+                  <a:tcPr marL="63002" marR="63002" marT="31501" marB="31501"/>
+                </a:tc>
+                <a:tc>
+                  <a:txBody>
+                    <a:bodyPr/>
+                    <a:lstStyle/>
+                    <a:p>
+                      <a:r>
+                        <a:rPr lang="de-DE" sz="1200" dirty="0"/>
+                        <a:t>Male</a:t>
+                      </a:r>
+                    </a:p>
+                  </a:txBody>
+                  <a:tcPr marL="63002" marR="63002" marT="31501" marB="31501"/>
+                </a:tc>
+                <a:tc>
+                  <a:txBody>
+                    <a:bodyPr/>
+                    <a:lstStyle/>
+                    <a:p>
+                      <a:r>
+                        <a:rPr lang="de-DE" sz="1200" dirty="0"/>
+                        <a:t>HIV</a:t>
+                      </a:r>
+                    </a:p>
+                  </a:txBody>
+                  <a:tcPr marL="63002" marR="63002" marT="31501" marB="31501"/>
+                </a:tc>
+                <a:extLst>
+                  <a:ext uri="{0D108BD9-81ED-4DB2-BD59-A6C34878D82A}">
+                    <a16:rowId xmlns:a16="http://schemas.microsoft.com/office/drawing/2014/main" val="2423189313"/>
+                  </a:ext>
+                </a:extLst>
+              </a:tr>
+              <a:tr h="255508">
+                <a:tc>
+                  <a:txBody>
+                    <a:bodyPr/>
+                    <a:lstStyle/>
+                    <a:p>
+                      <a:r>
+                        <a:rPr lang="de-DE" sz="1200" dirty="0"/>
+                        <a:t>Basketball</a:t>
+                      </a:r>
+                    </a:p>
+                  </a:txBody>
+                  <a:tcPr marL="63002" marR="63002" marT="31501" marB="31501"/>
+                </a:tc>
+                <a:tc>
+                  <a:txBody>
+                    <a:bodyPr/>
+                    <a:lstStyle/>
+                    <a:p>
+                      <a:r>
+                        <a:rPr lang="de-DE" sz="1200" dirty="0"/>
+                        <a:t>Male</a:t>
+                      </a:r>
+                    </a:p>
+                  </a:txBody>
+                  <a:tcPr marL="63002" marR="63002" marT="31501" marB="31501"/>
+                </a:tc>
+                <a:tc>
+                  <a:txBody>
+                    <a:bodyPr/>
+                    <a:lstStyle/>
+                    <a:p>
+                      <a:r>
+                        <a:rPr lang="de-DE" sz="1200" dirty="0"/>
+                        <a:t>Diabetes</a:t>
+                      </a:r>
+                    </a:p>
+                  </a:txBody>
+                  <a:tcPr marL="63002" marR="63002" marT="31501" marB="31501"/>
+                </a:tc>
+                <a:extLst>
+                  <a:ext uri="{0D108BD9-81ED-4DB2-BD59-A6C34878D82A}">
+                    <a16:rowId xmlns:a16="http://schemas.microsoft.com/office/drawing/2014/main" val="2963043723"/>
+                  </a:ext>
+                </a:extLst>
+              </a:tr>
+            </a:tbl>
+          </a:graphicData>
+        </a:graphic>
+      </p:graphicFrame>
+      <p:graphicFrame>
+        <p:nvGraphicFramePr>
+          <p:cNvPr id="10" name="Tabelle 9">
+            <a:extLst>
+              <a:ext uri="{FF2B5EF4-FFF2-40B4-BE49-F238E27FC236}">
+                <a16:creationId xmlns:a16="http://schemas.microsoft.com/office/drawing/2014/main" id="{2C22BFF2-9ED9-413C-9F80-FDF8C7C43559}"/>
+              </a:ext>
+            </a:extLst>
+          </p:cNvPr>
+          <p:cNvGraphicFramePr>
+            <a:graphicFrameLocks noGrp="1"/>
+          </p:cNvGraphicFramePr>
+          <p:nvPr>
+            <p:extLst>
+              <p:ext uri="{D42A27DB-BD31-4B8C-83A1-F6EECF244321}">
+                <p14:modId xmlns:p14="http://schemas.microsoft.com/office/powerpoint/2010/main" val="3948149892"/>
+              </p:ext>
+            </p:extLst>
+          </p:nvPr>
+        </p:nvGraphicFramePr>
+        <p:xfrm>
+          <a:off x="4586002" y="4708559"/>
+          <a:ext cx="4200129" cy="1274040"/>
+        </p:xfrm>
+        <a:graphic>
+          <a:graphicData uri="http://schemas.openxmlformats.org/drawingml/2006/table">
+            <a:tbl>
+              <a:tblPr firstRow="1" bandRow="1">
+                <a:tableStyleId>{93296810-A885-4BE3-A3E7-6D5BEEA58F35}</a:tableStyleId>
+              </a:tblPr>
+              <a:tblGrid>
+                <a:gridCol w="1400043">
+                  <a:extLst>
+                    <a:ext uri="{9D8B030D-6E8A-4147-A177-3AD203B41FA5}">
+                      <a16:colId xmlns:a16="http://schemas.microsoft.com/office/drawing/2014/main" val="2679458678"/>
+                    </a:ext>
+                  </a:extLst>
+                </a:gridCol>
+                <a:gridCol w="1400043">
+                  <a:extLst>
+                    <a:ext uri="{9D8B030D-6E8A-4147-A177-3AD203B41FA5}">
+                      <a16:colId xmlns:a16="http://schemas.microsoft.com/office/drawing/2014/main" val="4109460027"/>
+                    </a:ext>
+                  </a:extLst>
+                </a:gridCol>
+                <a:gridCol w="1400043">
+                  <a:extLst>
+                    <a:ext uri="{9D8B030D-6E8A-4147-A177-3AD203B41FA5}">
+                      <a16:colId xmlns:a16="http://schemas.microsoft.com/office/drawing/2014/main" val="302015897"/>
+                    </a:ext>
+                  </a:extLst>
+                </a:gridCol>
+              </a:tblGrid>
+              <a:tr h="252008">
+                <a:tc>
+                  <a:txBody>
+                    <a:bodyPr/>
+                    <a:lstStyle/>
+                    <a:p>
+                      <a:r>
+                        <a:rPr lang="de-DE" sz="1200" dirty="0"/>
+                        <a:t>Hobby</a:t>
+                      </a:r>
+                    </a:p>
+                  </a:txBody>
+                  <a:tcPr marL="63002" marR="63002" marT="31501" marB="31501"/>
+                </a:tc>
+                <a:tc>
+                  <a:txBody>
+                    <a:bodyPr/>
+                    <a:lstStyle/>
+                    <a:p>
+                      <a:r>
+                        <a:rPr lang="de-DE" sz="1200" dirty="0"/>
+                        <a:t>Sex</a:t>
+                      </a:r>
+                    </a:p>
+                  </a:txBody>
+                  <a:tcPr marL="63002" marR="63002" marT="31501" marB="31501"/>
+                </a:tc>
+                <a:tc>
+                  <a:txBody>
+                    <a:bodyPr/>
+                    <a:lstStyle/>
+                    <a:p>
+                      <a:endParaRPr lang="de-DE" sz="1200"/>
+                    </a:p>
+                  </a:txBody>
+                  <a:tcPr marL="63002" marR="63002" marT="31501" marB="31501"/>
+                </a:tc>
+                <a:extLst>
+                  <a:ext uri="{0D108BD9-81ED-4DB2-BD59-A6C34878D82A}">
+                    <a16:rowId xmlns:a16="http://schemas.microsoft.com/office/drawing/2014/main" val="3572924222"/>
+                  </a:ext>
+                </a:extLst>
+              </a:tr>
+              <a:tr h="255508">
+                <a:tc>
+                  <a:txBody>
+                    <a:bodyPr/>
+                    <a:lstStyle/>
+                    <a:p>
+                      <a:r>
+                        <a:rPr lang="de-DE" sz="1200" dirty="0" err="1"/>
+                        <a:t>painting</a:t>
+                      </a:r>
+                      <a:endParaRPr lang="de-DE" sz="1200" dirty="0"/>
+                    </a:p>
+                  </a:txBody>
+                  <a:tcPr marL="63002" marR="63002" marT="31501" marB="31501"/>
+                </a:tc>
+                <a:tc>
+                  <a:txBody>
+                    <a:bodyPr/>
+                    <a:lstStyle/>
+                    <a:p>
+                      <a:r>
+                        <a:rPr lang="de-DE" sz="1200" dirty="0" err="1"/>
+                        <a:t>Female</a:t>
+                      </a:r>
+                      <a:endParaRPr lang="de-DE" sz="1200" dirty="0"/>
+                    </a:p>
+                  </a:txBody>
+                  <a:tcPr marL="63002" marR="63002" marT="31501" marB="31501"/>
+                </a:tc>
+                <a:tc>
+                  <a:txBody>
+                    <a:bodyPr/>
+                    <a:lstStyle/>
+                    <a:p>
+                      <a:r>
+                        <a:rPr lang="de-DE" sz="1200" dirty="0"/>
+                        <a:t>Diabetes</a:t>
+                      </a:r>
+                    </a:p>
+                  </a:txBody>
+                  <a:tcPr marL="63002" marR="63002" marT="31501" marB="31501"/>
+                </a:tc>
+                <a:extLst>
+                  <a:ext uri="{0D108BD9-81ED-4DB2-BD59-A6C34878D82A}">
+                    <a16:rowId xmlns:a16="http://schemas.microsoft.com/office/drawing/2014/main" val="3781985953"/>
+                  </a:ext>
+                </a:extLst>
+              </a:tr>
+              <a:tr h="255508">
+                <a:tc>
+                  <a:txBody>
+                    <a:bodyPr/>
+                    <a:lstStyle/>
+                    <a:p>
+                      <a:r>
+                        <a:rPr lang="de-DE" sz="1200" dirty="0" err="1"/>
+                        <a:t>painting</a:t>
+                      </a:r>
+                      <a:endParaRPr lang="de-DE" sz="1200" dirty="0"/>
+                    </a:p>
+                  </a:txBody>
+                  <a:tcPr marL="63002" marR="63002" marT="31501" marB="31501"/>
+                </a:tc>
+                <a:tc>
+                  <a:txBody>
+                    <a:bodyPr/>
+                    <a:lstStyle/>
+                    <a:p>
+                      <a:r>
+                        <a:rPr lang="de-DE" sz="1200" dirty="0" err="1"/>
+                        <a:t>Female</a:t>
+                      </a:r>
+                      <a:endParaRPr lang="de-DE" sz="1200" dirty="0"/>
+                    </a:p>
+                  </a:txBody>
+                  <a:tcPr marL="63002" marR="63002" marT="31501" marB="31501"/>
+                </a:tc>
+                <a:tc>
+                  <a:txBody>
+                    <a:bodyPr/>
+                    <a:lstStyle/>
+                    <a:p>
+                      <a:r>
+                        <a:rPr lang="de-DE" sz="1200" dirty="0"/>
+                        <a:t>HIV</a:t>
+                      </a:r>
+                    </a:p>
+                  </a:txBody>
+                  <a:tcPr marL="63002" marR="63002" marT="31501" marB="31501"/>
+                </a:tc>
+                <a:extLst>
+                  <a:ext uri="{0D108BD9-81ED-4DB2-BD59-A6C34878D82A}">
+                    <a16:rowId xmlns:a16="http://schemas.microsoft.com/office/drawing/2014/main" val="2705425995"/>
+                  </a:ext>
+                </a:extLst>
+              </a:tr>
+              <a:tr h="255508">
+                <a:tc>
+                  <a:txBody>
+                    <a:bodyPr/>
+                    <a:lstStyle/>
+                    <a:p>
+                      <a:r>
+                        <a:rPr lang="de-DE" sz="1200" dirty="0"/>
+                        <a:t>Basketball</a:t>
+                      </a:r>
+                    </a:p>
+                  </a:txBody>
+                  <a:tcPr marL="63002" marR="63002" marT="31501" marB="31501"/>
+                </a:tc>
+                <a:tc>
+                  <a:txBody>
+                    <a:bodyPr/>
+                    <a:lstStyle/>
+                    <a:p>
+                      <a:r>
+                        <a:rPr lang="de-DE" sz="1200" dirty="0"/>
+                        <a:t>Male</a:t>
+                      </a:r>
+                    </a:p>
+                  </a:txBody>
+                  <a:tcPr marL="63002" marR="63002" marT="31501" marB="31501"/>
+                </a:tc>
+                <a:tc>
+                  <a:txBody>
+                    <a:bodyPr/>
+                    <a:lstStyle/>
+                    <a:p>
+                      <a:r>
+                        <a:rPr lang="de-DE" sz="1200" dirty="0"/>
+                        <a:t>HIV</a:t>
+                      </a:r>
+                    </a:p>
+                  </a:txBody>
+                  <a:tcPr marL="63002" marR="63002" marT="31501" marB="31501"/>
+                </a:tc>
+                <a:extLst>
+                  <a:ext uri="{0D108BD9-81ED-4DB2-BD59-A6C34878D82A}">
+                    <a16:rowId xmlns:a16="http://schemas.microsoft.com/office/drawing/2014/main" val="3710550286"/>
+                  </a:ext>
+                </a:extLst>
+              </a:tr>
+              <a:tr h="255508">
+                <a:tc>
+                  <a:txBody>
+                    <a:bodyPr/>
+                    <a:lstStyle/>
+                    <a:p>
+                      <a:r>
+                        <a:rPr lang="de-DE" sz="1200" dirty="0"/>
+                        <a:t>Basketball</a:t>
+                      </a:r>
+                    </a:p>
+                  </a:txBody>
+                  <a:tcPr marL="63002" marR="63002" marT="31501" marB="31501"/>
+                </a:tc>
+                <a:tc>
+                  <a:txBody>
+                    <a:bodyPr/>
+                    <a:lstStyle/>
+                    <a:p>
+                      <a:r>
+                        <a:rPr lang="de-DE" sz="1200" dirty="0"/>
+                        <a:t>Male</a:t>
+                      </a:r>
+                    </a:p>
+                  </a:txBody>
+                  <a:tcPr marL="63002" marR="63002" marT="31501" marB="31501"/>
+                </a:tc>
+                <a:tc>
+                  <a:txBody>
+                    <a:bodyPr/>
+                    <a:lstStyle/>
+                    <a:p>
+                      <a:r>
+                        <a:rPr lang="de-DE" sz="1200" dirty="0"/>
+                        <a:t>Diabetes</a:t>
+                      </a:r>
+                    </a:p>
+                  </a:txBody>
+                  <a:tcPr marL="63002" marR="63002" marT="31501" marB="31501"/>
+                </a:tc>
+                <a:extLst>
+                  <a:ext uri="{0D108BD9-81ED-4DB2-BD59-A6C34878D82A}">
+                    <a16:rowId xmlns:a16="http://schemas.microsoft.com/office/drawing/2014/main" val="2423189313"/>
+                  </a:ext>
+                </a:extLst>
+              </a:tr>
+            </a:tbl>
+          </a:graphicData>
+        </a:graphic>
+      </p:graphicFrame>
     </p:spTree>
     <p:extLst>
       <p:ext uri="{BB962C8B-B14F-4D97-AF65-F5344CB8AC3E}">
-        <p14:creationId xmlns:p14="http://schemas.microsoft.com/office/powerpoint/2010/main" val="3119424548"/>
+        <p14:creationId xmlns:p14="http://schemas.microsoft.com/office/powerpoint/2010/main" val="3746458193"/>
       </p:ext>
     </p:extLst>
   </p:cSld>

--- a/presentation/sicherheits.pptx
+++ b/presentation/sicherheits.pptx
@@ -1282,34 +1282,6 @@
                   <a:srgbClr val="00407A"/>
                 </a:solidFill>
               </a:rPr>
-              <a:t>Lehrstuhl für Kognitive</a:t>
-            </a:r>
-            <a:r>
-              <a:rPr lang="de-DE" sz="1600" b="0" baseline="0" dirty="0">
-                <a:solidFill>
-                  <a:srgbClr val="00407A"/>
-                </a:solidFill>
-              </a:rPr>
-              <a:t> Systeme</a:t>
-            </a:r>
-            <a:endParaRPr lang="de-DE" sz="1600" b="0" dirty="0">
-              <a:solidFill>
-                <a:srgbClr val="00407A"/>
-              </a:solidFill>
-            </a:endParaRPr>
-          </a:p>
-          <a:p>
-            <a:pPr defTabSz="1081088" eaLnBrk="0" hangingPunct="0">
-              <a:tabLst>
-                <a:tab pos="2403475" algn="l"/>
-              </a:tabLst>
-            </a:pPr>
-            <a:r>
-              <a:rPr lang="de-DE" sz="1600" b="0" dirty="0">
-                <a:solidFill>
-                  <a:srgbClr val="00407A"/>
-                </a:solidFill>
-              </a:rPr>
               <a:t>Fakultät WIAI </a:t>
             </a:r>
           </a:p>
@@ -1356,7 +1328,7 @@
           <a:p>
             <a:r>
               <a:rPr lang="de-DE" dirty="0"/>
-              <a:t>18.05.2017</a:t>
+              <a:t>30.01.2018</a:t>
             </a:r>
           </a:p>
         </p:txBody>
@@ -1628,7 +1600,7 @@
           <a:p>
             <a:r>
               <a:rPr lang="de-DE" dirty="0"/>
-              <a:t>18.05.2017</a:t>
+              <a:t>30.01.2018</a:t>
             </a:r>
           </a:p>
         </p:txBody>
@@ -1654,7 +1626,7 @@
           <a:p>
             <a:r>
               <a:rPr lang="de-DE" dirty="0"/>
-              <a:t>Andreas Heimann &amp; Matthias Puchta</a:t>
+              <a:t>Andreas Wiegand &amp; Ludwig Schallner</a:t>
             </a:r>
           </a:p>
         </p:txBody>
@@ -1785,7 +1757,7 @@
                   <a:srgbClr val="00407A"/>
                 </a:solidFill>
               </a:rPr>
-              <a:t>Lehrstuhl für Kognitive Systeme – Otto-Friedrich-Universität Bamberg</a:t>
+              <a:t>Otto-Friedrich-Universität Bamberg</a:t>
             </a:r>
           </a:p>
         </p:txBody>
@@ -2015,12 +1987,10 @@
             </a:lvl1pPr>
           </a:lstStyle>
           <a:p>
-            <a:fld id="{4B008DF5-449C-4CDB-99E5-200AB76F51BF}" type="datetime1">
-              <a:rPr lang="de-DE"/>
-              <a:pPr/>
-              <a:t>27.01.2018</a:t>
-            </a:fld>
-            <a:endParaRPr lang="de-DE" dirty="0"/>
+            <a:r>
+              <a:rPr lang="de-DE" dirty="0"/>
+              <a:t>30.01.2018</a:t>
+            </a:r>
           </a:p>
         </p:txBody>
       </p:sp>
@@ -5540,7 +5510,7 @@
           <a:p>
             <a:r>
               <a:rPr lang="de-DE" dirty="0"/>
-              <a:t>21.12.2017</a:t>
+              <a:t>30.01.2018</a:t>
             </a:r>
           </a:p>
         </p:txBody>
@@ -5560,7 +5530,18 @@
           <a:bodyPr/>
           <a:lstStyle/>
           <a:p>
-            <a:endParaRPr lang="de-DE" dirty="0"/>
+            <a:r>
+              <a:rPr lang="de-DE" dirty="0"/>
+              <a:t>Andreas </a:t>
+            </a:r>
+            <a:r>
+              <a:rPr lang="de-DE" dirty="0" err="1"/>
+              <a:t>Wiegnand</a:t>
+            </a:r>
+            <a:r>
+              <a:rPr lang="de-DE" dirty="0"/>
+              <a:t> &amp; Ludwig Schallner</a:t>
+            </a:r>
           </a:p>
         </p:txBody>
       </p:sp>
@@ -5677,7 +5658,7 @@
             </a:r>
             <a:r>
               <a:rPr lang="de-DE" dirty="0" err="1"/>
-              <a:t>closemess</a:t>
+              <a:t>closeness</a:t>
             </a:r>
             <a:endParaRPr lang="de-DE" dirty="0"/>
           </a:p>
@@ -10262,10 +10243,9 @@
           <a:lstStyle/>
           <a:p>
             <a:r>
-              <a:rPr lang="de-DE"/>
+              <a:rPr lang="de-DE" dirty="0"/>
               <a:t>18.05.2017</a:t>
             </a:r>
-            <a:endParaRPr lang="de-DE" dirty="0"/>
           </a:p>
         </p:txBody>
       </p:sp>
